--- a/presentation_ru.pptx
+++ b/presentation_ru.pptx
@@ -1,45 +1,45 @@
 
 <file path=ppt/presentation.xml><?xml version="1.0" encoding="utf-8"?>
-<p:presentation xmlns:a="http://schemas.openxmlformats.org/drawingml/2006/main" xmlns:r="http://schemas.openxmlformats.org/officeDocument/2006/relationships" xmlns:mc="http://schemas.openxmlformats.org/markup-compatibility/2006" xmlns:mv="urn:schemas-microsoft-com:mac:vml" xmlns:p="http://schemas.openxmlformats.org/presentationml/2006/main" xmlns:c="http://schemas.openxmlformats.org/drawingml/2006/chart" xmlns:dgm="http://schemas.openxmlformats.org/drawingml/2006/diagram" xmlns:o="urn:schemas-microsoft-com:office:office" xmlns:v="urn:schemas-microsoft-com:vml" xmlns:pvml="urn:schemas-microsoft-com:office:powerpoint" xmlns:com="http://schemas.openxmlformats.org/drawingml/2006/compatibility" xmlns:p14="http://schemas.microsoft.com/office/powerpoint/2010/main" xmlns:p15="http://schemas.microsoft.com/office/powerpoint/2012/main" xmlns:ahyp="http://schemas.microsoft.com/office/drawing/2018/hyperlinkcolor" autoCompressPictures="0" embedTrueTypeFonts="1" strictFirstAndLastChars="0" saveSubsetFonts="1">
+<p:presentation xmlns:a="http://schemas.openxmlformats.org/drawingml/2006/main" xmlns:r="http://schemas.openxmlformats.org/officeDocument/2006/relationships" xmlns:p="http://schemas.openxmlformats.org/presentationml/2006/main" strictFirstAndLastChars="0" embedTrueTypeFonts="1" saveSubsetFonts="1" autoCompressPictures="0">
   <p:sldMasterIdLst>
-    <p:sldMasterId id="2147483659" r:id="rId4"/>
+    <p:sldMasterId id="2147483659" r:id="rId1"/>
   </p:sldMasterIdLst>
   <p:notesMasterIdLst>
-    <p:notesMasterId r:id="rId5"/>
+    <p:notesMasterId r:id="rId13"/>
   </p:notesMasterIdLst>
   <p:sldIdLst>
-    <p:sldId id="256" r:id="rId6"/>
-    <p:sldId id="257" r:id="rId7"/>
-    <p:sldId id="258" r:id="rId8"/>
-    <p:sldId id="259" r:id="rId9"/>
-    <p:sldId id="260" r:id="rId10"/>
-    <p:sldId id="261" r:id="rId11"/>
-    <p:sldId id="262" r:id="rId12"/>
-    <p:sldId id="263" r:id="rId13"/>
-    <p:sldId id="264" r:id="rId14"/>
-    <p:sldId id="265" r:id="rId15"/>
-    <p:sldId id="266" r:id="rId16"/>
+    <p:sldId id="256" r:id="rId2"/>
+    <p:sldId id="257" r:id="rId3"/>
+    <p:sldId id="258" r:id="rId4"/>
+    <p:sldId id="259" r:id="rId5"/>
+    <p:sldId id="260" r:id="rId6"/>
+    <p:sldId id="261" r:id="rId7"/>
+    <p:sldId id="262" r:id="rId8"/>
+    <p:sldId id="263" r:id="rId9"/>
+    <p:sldId id="264" r:id="rId10"/>
+    <p:sldId id="265" r:id="rId11"/>
+    <p:sldId id="266" r:id="rId12"/>
   </p:sldIdLst>
-  <p:sldSz cy="5143500" cx="9144000"/>
+  <p:sldSz cx="9144000" cy="5143500" type="screen16x9"/>
   <p:notesSz cx="6858000" cy="9144000"/>
   <p:embeddedFontLst>
     <p:embeddedFont>
-      <p:font typeface="Montserrat"/>
-      <p:regular r:id="rId17"/>
-      <p:bold r:id="rId18"/>
-      <p:italic r:id="rId19"/>
-      <p:boldItalic r:id="rId20"/>
+      <p:font typeface="Montserrat" panose="020B0604020202020204" charset="-52"/>
+      <p:regular r:id="rId14"/>
+      <p:bold r:id="rId15"/>
+      <p:italic r:id="rId16"/>
+      <p:boldItalic r:id="rId17"/>
     </p:embeddedFont>
     <p:embeddedFont>
-      <p:font typeface="Lato"/>
-      <p:regular r:id="rId21"/>
-      <p:bold r:id="rId22"/>
-      <p:italic r:id="rId23"/>
-      <p:boldItalic r:id="rId24"/>
+      <p:font typeface="Lato" panose="020B0604020202020204" charset="0"/>
+      <p:regular r:id="rId18"/>
+      <p:bold r:id="rId19"/>
+      <p:italic r:id="rId20"/>
+      <p:boldItalic r:id="rId21"/>
     </p:embeddedFont>
   </p:embeddedFontLst>
   <p:defaultTextStyle>
-    <a:defPPr lvl="0" marR="0" rtl="0" algn="l">
+    <a:defPPr marR="0" lvl="0" algn="l" rtl="0">
       <a:lnSpc>
         <a:spcPct val="100000"/>
       </a:lnSpc>
@@ -50,7 +50,7 @@
         <a:spcPts val="0"/>
       </a:spcAft>
     </a:defPPr>
-    <a:lvl1pPr lvl="0" marR="0" rtl="0" algn="l">
+    <a:lvl1pPr marR="0" lvl="0" algn="l" rtl="0">
       <a:lnSpc>
         <a:spcPct val="100000"/>
       </a:lnSpc>
@@ -64,7 +64,7 @@
         <a:srgbClr val="000000"/>
       </a:buClr>
       <a:buFont typeface="Arial"/>
-      <a:defRPr b="0" i="0" sz="1400" u="none" cap="none" strike="noStrike">
+      <a:defRPr sz="1400" b="0" i="0" u="none" strike="noStrike" cap="none">
         <a:solidFill>
           <a:srgbClr val="000000"/>
         </a:solidFill>
@@ -74,7 +74,7 @@
         <a:sym typeface="Arial"/>
       </a:defRPr>
     </a:lvl1pPr>
-    <a:lvl2pPr lvl="1" marR="0" rtl="0" algn="l">
+    <a:lvl2pPr marR="0" lvl="1" algn="l" rtl="0">
       <a:lnSpc>
         <a:spcPct val="100000"/>
       </a:lnSpc>
@@ -88,7 +88,7 @@
         <a:srgbClr val="000000"/>
       </a:buClr>
       <a:buFont typeface="Arial"/>
-      <a:defRPr b="0" i="0" sz="1400" u="none" cap="none" strike="noStrike">
+      <a:defRPr sz="1400" b="0" i="0" u="none" strike="noStrike" cap="none">
         <a:solidFill>
           <a:srgbClr val="000000"/>
         </a:solidFill>
@@ -98,7 +98,7 @@
         <a:sym typeface="Arial"/>
       </a:defRPr>
     </a:lvl2pPr>
-    <a:lvl3pPr lvl="2" marR="0" rtl="0" algn="l">
+    <a:lvl3pPr marR="0" lvl="2" algn="l" rtl="0">
       <a:lnSpc>
         <a:spcPct val="100000"/>
       </a:lnSpc>
@@ -112,7 +112,7 @@
         <a:srgbClr val="000000"/>
       </a:buClr>
       <a:buFont typeface="Arial"/>
-      <a:defRPr b="0" i="0" sz="1400" u="none" cap="none" strike="noStrike">
+      <a:defRPr sz="1400" b="0" i="0" u="none" strike="noStrike" cap="none">
         <a:solidFill>
           <a:srgbClr val="000000"/>
         </a:solidFill>
@@ -122,7 +122,7 @@
         <a:sym typeface="Arial"/>
       </a:defRPr>
     </a:lvl3pPr>
-    <a:lvl4pPr lvl="3" marR="0" rtl="0" algn="l">
+    <a:lvl4pPr marR="0" lvl="3" algn="l" rtl="0">
       <a:lnSpc>
         <a:spcPct val="100000"/>
       </a:lnSpc>
@@ -136,7 +136,7 @@
         <a:srgbClr val="000000"/>
       </a:buClr>
       <a:buFont typeface="Arial"/>
-      <a:defRPr b="0" i="0" sz="1400" u="none" cap="none" strike="noStrike">
+      <a:defRPr sz="1400" b="0" i="0" u="none" strike="noStrike" cap="none">
         <a:solidFill>
           <a:srgbClr val="000000"/>
         </a:solidFill>
@@ -146,7 +146,7 @@
         <a:sym typeface="Arial"/>
       </a:defRPr>
     </a:lvl4pPr>
-    <a:lvl5pPr lvl="4" marR="0" rtl="0" algn="l">
+    <a:lvl5pPr marR="0" lvl="4" algn="l" rtl="0">
       <a:lnSpc>
         <a:spcPct val="100000"/>
       </a:lnSpc>
@@ -160,7 +160,7 @@
         <a:srgbClr val="000000"/>
       </a:buClr>
       <a:buFont typeface="Arial"/>
-      <a:defRPr b="0" i="0" sz="1400" u="none" cap="none" strike="noStrike">
+      <a:defRPr sz="1400" b="0" i="0" u="none" strike="noStrike" cap="none">
         <a:solidFill>
           <a:srgbClr val="000000"/>
         </a:solidFill>
@@ -170,7 +170,7 @@
         <a:sym typeface="Arial"/>
       </a:defRPr>
     </a:lvl5pPr>
-    <a:lvl6pPr lvl="5" marR="0" rtl="0" algn="l">
+    <a:lvl6pPr marR="0" lvl="5" algn="l" rtl="0">
       <a:lnSpc>
         <a:spcPct val="100000"/>
       </a:lnSpc>
@@ -184,7 +184,7 @@
         <a:srgbClr val="000000"/>
       </a:buClr>
       <a:buFont typeface="Arial"/>
-      <a:defRPr b="0" i="0" sz="1400" u="none" cap="none" strike="noStrike">
+      <a:defRPr sz="1400" b="0" i="0" u="none" strike="noStrike" cap="none">
         <a:solidFill>
           <a:srgbClr val="000000"/>
         </a:solidFill>
@@ -194,7 +194,7 @@
         <a:sym typeface="Arial"/>
       </a:defRPr>
     </a:lvl6pPr>
-    <a:lvl7pPr lvl="6" marR="0" rtl="0" algn="l">
+    <a:lvl7pPr marR="0" lvl="6" algn="l" rtl="0">
       <a:lnSpc>
         <a:spcPct val="100000"/>
       </a:lnSpc>
@@ -208,7 +208,7 @@
         <a:srgbClr val="000000"/>
       </a:buClr>
       <a:buFont typeface="Arial"/>
-      <a:defRPr b="0" i="0" sz="1400" u="none" cap="none" strike="noStrike">
+      <a:defRPr sz="1400" b="0" i="0" u="none" strike="noStrike" cap="none">
         <a:solidFill>
           <a:srgbClr val="000000"/>
         </a:solidFill>
@@ -218,7 +218,7 @@
         <a:sym typeface="Arial"/>
       </a:defRPr>
     </a:lvl7pPr>
-    <a:lvl8pPr lvl="7" marR="0" rtl="0" algn="l">
+    <a:lvl8pPr marR="0" lvl="7" algn="l" rtl="0">
       <a:lnSpc>
         <a:spcPct val="100000"/>
       </a:lnSpc>
@@ -232,7 +232,7 @@
         <a:srgbClr val="000000"/>
       </a:buClr>
       <a:buFont typeface="Arial"/>
-      <a:defRPr b="0" i="0" sz="1400" u="none" cap="none" strike="noStrike">
+      <a:defRPr sz="1400" b="0" i="0" u="none" strike="noStrike" cap="none">
         <a:solidFill>
           <a:srgbClr val="000000"/>
         </a:solidFill>
@@ -242,7 +242,7 @@
         <a:sym typeface="Arial"/>
       </a:defRPr>
     </a:lvl8pPr>
-    <a:lvl9pPr lvl="8" marR="0" rtl="0" algn="l">
+    <a:lvl9pPr marR="0" lvl="8" algn="l" rtl="0">
       <a:lnSpc>
         <a:spcPct val="100000"/>
       </a:lnSpc>
@@ -256,7 +256,7 @@
         <a:srgbClr val="000000"/>
       </a:buClr>
       <a:buFont typeface="Arial"/>
-      <a:defRPr b="0" i="0" sz="1400" u="none" cap="none" strike="noStrike">
+      <a:defRPr sz="1400" b="0" i="0" u="none" strike="noStrike" cap="none">
         <a:solidFill>
           <a:srgbClr val="000000"/>
         </a:solidFill>
@@ -269,7 +269,7 @@
   </p:defaultTextStyle>
   <p:extLst>
     <p:ext uri="{EFAFB233-063F-42B5-8137-9DF3F51BA10A}">
-      <p15:sldGuideLst>
+      <p15:sldGuideLst xmlns:p15="http://schemas.microsoft.com/office/powerpoint/2012/main">
         <p15:guide id="1" orient="horz" pos="1620">
           <p15:clr>
             <a:srgbClr val="A4A3A4"/>
@@ -287,11 +287,16 @@
 </file>
 
 <file path=ppt/notesMasters/notesMaster1.xml><?xml version="1.0" encoding="utf-8"?>
-<p:notesMaster xmlns:a="http://schemas.openxmlformats.org/drawingml/2006/main" xmlns:r="http://schemas.openxmlformats.org/officeDocument/2006/relationships" xmlns:mc="http://schemas.openxmlformats.org/markup-compatibility/2006" xmlns:mv="urn:schemas-microsoft-com:mac:vml" xmlns:p="http://schemas.openxmlformats.org/presentationml/2006/main" xmlns:c="http://schemas.openxmlformats.org/drawingml/2006/chart" xmlns:dgm="http://schemas.openxmlformats.org/drawingml/2006/diagram" xmlns:o="urn:schemas-microsoft-com:office:office" xmlns:v="urn:schemas-microsoft-com:vml" xmlns:pvml="urn:schemas-microsoft-com:office:powerpoint" xmlns:com="http://schemas.openxmlformats.org/drawingml/2006/compatibility" xmlns:p14="http://schemas.microsoft.com/office/powerpoint/2010/main" xmlns:p15="http://schemas.microsoft.com/office/powerpoint/2012/main" xmlns:ahyp="http://schemas.microsoft.com/office/drawing/2018/hyperlinkcolor">
+<p:notesMaster xmlns:a="http://schemas.openxmlformats.org/drawingml/2006/main" xmlns:r="http://schemas.openxmlformats.org/officeDocument/2006/relationships" xmlns:p="http://schemas.openxmlformats.org/presentationml/2006/main">
   <p:cSld>
+    <p:bg>
+      <p:bgRef idx="1001">
+        <a:schemeClr val="bg1"/>
+      </p:bgRef>
+    </p:bg>
     <p:spTree>
       <p:nvGrpSpPr>
-        <p:cNvPr id="2" name="Shape 2"/>
+        <p:cNvPr id="1" name="Shape 2"/>
         <p:cNvGrpSpPr/>
         <p:nvPr/>
       </p:nvGrpSpPr>
@@ -306,9 +311,11 @@
       <p:sp>
         <p:nvSpPr>
           <p:cNvPr id="3" name="Google Shape;3;n"/>
-          <p:cNvSpPr/>
+          <p:cNvSpPr>
+            <a:spLocks noGrp="1" noRot="1" noChangeAspect="1"/>
+          </p:cNvSpPr>
           <p:nvPr>
-            <p:ph idx="2" type="sldImg"/>
+            <p:ph type="sldImg" idx="2"/>
           </p:nvPr>
         </p:nvSpPr>
         <p:spPr>
@@ -317,9 +324,13 @@
             <a:ext cx="6096075" cy="3429000"/>
           </a:xfrm>
           <a:custGeom>
-            <a:rect b="b" l="l" r="r" t="t"/>
+            <a:avLst/>
+            <a:gdLst/>
+            <a:ahLst/>
+            <a:cxnLst/>
+            <a:rect l="l" t="t" r="r" b="b"/>
             <a:pathLst>
-              <a:path extrusionOk="0" h="120000" w="120000">
+              <a:path w="120000" h="120000" extrusionOk="0">
                 <a:moveTo>
                   <a:pt x="0" y="0"/>
                 </a:moveTo>
@@ -337,23 +348,25 @@
             </a:pathLst>
           </a:custGeom>
           <a:noFill/>
-          <a:ln cap="flat" cmpd="sng" w="9525">
+          <a:ln w="9525" cap="flat" cmpd="sng">
             <a:solidFill>
               <a:srgbClr val="000000"/>
             </a:solidFill>
             <a:prstDash val="solid"/>
             <a:round/>
-            <a:headEnd len="sm" w="sm" type="none"/>
-            <a:tailEnd len="sm" w="sm" type="none"/>
+            <a:headEnd type="none" w="sm" len="sm"/>
+            <a:tailEnd type="none" w="sm" len="sm"/>
           </a:ln>
         </p:spPr>
       </p:sp>
       <p:sp>
         <p:nvSpPr>
           <p:cNvPr id="4" name="Google Shape;4;n"/>
-          <p:cNvSpPr txBox="1"/>
+          <p:cNvSpPr txBox="1">
+            <a:spLocks noGrp="1"/>
+          </p:cNvSpPr>
           <p:nvPr>
-            <p:ph idx="1" type="body"/>
+            <p:ph type="body" idx="1"/>
           </p:nvPr>
         </p:nvSpPr>
         <p:spPr>
@@ -370,11 +383,11 @@
           </a:ln>
         </p:spPr>
         <p:txBody>
-          <a:bodyPr anchorCtr="0" anchor="t" bIns="91425" lIns="91425" spcFirstLastPara="1" rIns="91425" wrap="square" tIns="91425">
+          <a:bodyPr spcFirstLastPara="1" wrap="square" lIns="91425" tIns="91425" rIns="91425" bIns="91425" anchor="t" anchorCtr="0">
             <a:noAutofit/>
           </a:bodyPr>
           <a:lstStyle>
-            <a:lvl1pPr indent="-298450" lvl="0" marL="457200">
+            <a:lvl1pPr marL="457200" lvl="0" indent="-298450">
               <a:spcBef>
                 <a:spcPts val="0"/>
               </a:spcBef>
@@ -385,7 +398,7 @@
               <a:buChar char="●"/>
               <a:defRPr sz="1100"/>
             </a:lvl1pPr>
-            <a:lvl2pPr indent="-298450" lvl="1" marL="914400">
+            <a:lvl2pPr marL="914400" lvl="1" indent="-298450">
               <a:spcBef>
                 <a:spcPts val="0"/>
               </a:spcBef>
@@ -396,7 +409,7 @@
               <a:buChar char="○"/>
               <a:defRPr sz="1100"/>
             </a:lvl2pPr>
-            <a:lvl3pPr indent="-298450" lvl="2" marL="1371600">
+            <a:lvl3pPr marL="1371600" lvl="2" indent="-298450">
               <a:spcBef>
                 <a:spcPts val="0"/>
               </a:spcBef>
@@ -407,7 +420,7 @@
               <a:buChar char="■"/>
               <a:defRPr sz="1100"/>
             </a:lvl3pPr>
-            <a:lvl4pPr indent="-298450" lvl="3" marL="1828800">
+            <a:lvl4pPr marL="1828800" lvl="3" indent="-298450">
               <a:spcBef>
                 <a:spcPts val="0"/>
               </a:spcBef>
@@ -418,7 +431,7 @@
               <a:buChar char="●"/>
               <a:defRPr sz="1100"/>
             </a:lvl4pPr>
-            <a:lvl5pPr indent="-298450" lvl="4" marL="2286000">
+            <a:lvl5pPr marL="2286000" lvl="4" indent="-298450">
               <a:spcBef>
                 <a:spcPts val="0"/>
               </a:spcBef>
@@ -429,7 +442,7 @@
               <a:buChar char="○"/>
               <a:defRPr sz="1100"/>
             </a:lvl5pPr>
-            <a:lvl6pPr indent="-298450" lvl="5" marL="2743200">
+            <a:lvl6pPr marL="2743200" lvl="5" indent="-298450">
               <a:spcBef>
                 <a:spcPts val="0"/>
               </a:spcBef>
@@ -440,7 +453,7 @@
               <a:buChar char="■"/>
               <a:defRPr sz="1100"/>
             </a:lvl6pPr>
-            <a:lvl7pPr indent="-298450" lvl="6" marL="3200400">
+            <a:lvl7pPr marL="3200400" lvl="6" indent="-298450">
               <a:spcBef>
                 <a:spcPts val="0"/>
               </a:spcBef>
@@ -451,7 +464,7 @@
               <a:buChar char="●"/>
               <a:defRPr sz="1100"/>
             </a:lvl7pPr>
-            <a:lvl8pPr indent="-298450" lvl="7" marL="3657600">
+            <a:lvl8pPr marL="3657600" lvl="7" indent="-298450">
               <a:spcBef>
                 <a:spcPts val="0"/>
               </a:spcBef>
@@ -462,7 +475,7 @@
               <a:buChar char="○"/>
               <a:defRPr sz="1100"/>
             </a:lvl8pPr>
-            <a:lvl9pPr indent="-298450" lvl="8" marL="4114800">
+            <a:lvl9pPr marL="4114800" lvl="8" indent="-298450">
               <a:spcBef>
                 <a:spcPts val="0"/>
               </a:spcBef>
@@ -474,14 +487,16 @@
               <a:defRPr sz="1100"/>
             </a:lvl9pPr>
           </a:lstStyle>
-          <a:p/>
+          <a:p>
+            <a:endParaRPr/>
+          </a:p>
         </p:txBody>
       </p:sp>
     </p:spTree>
   </p:cSld>
-  <p:clrMap accent1="accent1" accent2="accent2" accent3="accent3" accent4="accent4" accent5="accent5" accent6="accent6" bg1="lt1" bg2="dk2" tx1="dk1" tx2="lt2" folHlink="folHlink" hlink="hlink"/>
+  <p:clrMap bg1="lt1" tx1="dk1" bg2="dk2" tx2="lt2" accent1="accent1" accent2="accent2" accent3="accent3" accent4="accent4" accent5="accent5" accent6="accent6" hlink="hlink" folHlink="folHlink"/>
   <p:notesStyle>
-    <a:defPPr lvl="0" marR="0" rtl="0" algn="l">
+    <a:defPPr marR="0" lvl="0" algn="l" rtl="0">
       <a:lnSpc>
         <a:spcPct val="100000"/>
       </a:lnSpc>
@@ -492,7 +507,7 @@
         <a:spcPts val="0"/>
       </a:spcAft>
     </a:defPPr>
-    <a:lvl1pPr lvl="0" marR="0" rtl="0" algn="l">
+    <a:lvl1pPr marR="0" lvl="0" algn="l" rtl="0">
       <a:lnSpc>
         <a:spcPct val="100000"/>
       </a:lnSpc>
@@ -506,7 +521,7 @@
         <a:srgbClr val="000000"/>
       </a:buClr>
       <a:buFont typeface="Arial"/>
-      <a:defRPr b="0" i="0" sz="1400" u="none" cap="none" strike="noStrike">
+      <a:defRPr sz="1400" b="0" i="0" u="none" strike="noStrike" cap="none">
         <a:solidFill>
           <a:srgbClr val="000000"/>
         </a:solidFill>
@@ -516,7 +531,7 @@
         <a:sym typeface="Arial"/>
       </a:defRPr>
     </a:lvl1pPr>
-    <a:lvl2pPr lvl="1" marR="0" rtl="0" algn="l">
+    <a:lvl2pPr marR="0" lvl="1" algn="l" rtl="0">
       <a:lnSpc>
         <a:spcPct val="100000"/>
       </a:lnSpc>
@@ -530,7 +545,7 @@
         <a:srgbClr val="000000"/>
       </a:buClr>
       <a:buFont typeface="Arial"/>
-      <a:defRPr b="0" i="0" sz="1400" u="none" cap="none" strike="noStrike">
+      <a:defRPr sz="1400" b="0" i="0" u="none" strike="noStrike" cap="none">
         <a:solidFill>
           <a:srgbClr val="000000"/>
         </a:solidFill>
@@ -540,7 +555,7 @@
         <a:sym typeface="Arial"/>
       </a:defRPr>
     </a:lvl2pPr>
-    <a:lvl3pPr lvl="2" marR="0" rtl="0" algn="l">
+    <a:lvl3pPr marR="0" lvl="2" algn="l" rtl="0">
       <a:lnSpc>
         <a:spcPct val="100000"/>
       </a:lnSpc>
@@ -554,7 +569,7 @@
         <a:srgbClr val="000000"/>
       </a:buClr>
       <a:buFont typeface="Arial"/>
-      <a:defRPr b="0" i="0" sz="1400" u="none" cap="none" strike="noStrike">
+      <a:defRPr sz="1400" b="0" i="0" u="none" strike="noStrike" cap="none">
         <a:solidFill>
           <a:srgbClr val="000000"/>
         </a:solidFill>
@@ -564,7 +579,7 @@
         <a:sym typeface="Arial"/>
       </a:defRPr>
     </a:lvl3pPr>
-    <a:lvl4pPr lvl="3" marR="0" rtl="0" algn="l">
+    <a:lvl4pPr marR="0" lvl="3" algn="l" rtl="0">
       <a:lnSpc>
         <a:spcPct val="100000"/>
       </a:lnSpc>
@@ -578,7 +593,7 @@
         <a:srgbClr val="000000"/>
       </a:buClr>
       <a:buFont typeface="Arial"/>
-      <a:defRPr b="0" i="0" sz="1400" u="none" cap="none" strike="noStrike">
+      <a:defRPr sz="1400" b="0" i="0" u="none" strike="noStrike" cap="none">
         <a:solidFill>
           <a:srgbClr val="000000"/>
         </a:solidFill>
@@ -588,7 +603,7 @@
         <a:sym typeface="Arial"/>
       </a:defRPr>
     </a:lvl4pPr>
-    <a:lvl5pPr lvl="4" marR="0" rtl="0" algn="l">
+    <a:lvl5pPr marR="0" lvl="4" algn="l" rtl="0">
       <a:lnSpc>
         <a:spcPct val="100000"/>
       </a:lnSpc>
@@ -602,7 +617,7 @@
         <a:srgbClr val="000000"/>
       </a:buClr>
       <a:buFont typeface="Arial"/>
-      <a:defRPr b="0" i="0" sz="1400" u="none" cap="none" strike="noStrike">
+      <a:defRPr sz="1400" b="0" i="0" u="none" strike="noStrike" cap="none">
         <a:solidFill>
           <a:srgbClr val="000000"/>
         </a:solidFill>
@@ -612,7 +627,7 @@
         <a:sym typeface="Arial"/>
       </a:defRPr>
     </a:lvl5pPr>
-    <a:lvl6pPr lvl="5" marR="0" rtl="0" algn="l">
+    <a:lvl6pPr marR="0" lvl="5" algn="l" rtl="0">
       <a:lnSpc>
         <a:spcPct val="100000"/>
       </a:lnSpc>
@@ -626,7 +641,7 @@
         <a:srgbClr val="000000"/>
       </a:buClr>
       <a:buFont typeface="Arial"/>
-      <a:defRPr b="0" i="0" sz="1400" u="none" cap="none" strike="noStrike">
+      <a:defRPr sz="1400" b="0" i="0" u="none" strike="noStrike" cap="none">
         <a:solidFill>
           <a:srgbClr val="000000"/>
         </a:solidFill>
@@ -636,7 +651,7 @@
         <a:sym typeface="Arial"/>
       </a:defRPr>
     </a:lvl6pPr>
-    <a:lvl7pPr lvl="6" marR="0" rtl="0" algn="l">
+    <a:lvl7pPr marR="0" lvl="6" algn="l" rtl="0">
       <a:lnSpc>
         <a:spcPct val="100000"/>
       </a:lnSpc>
@@ -650,7 +665,7 @@
         <a:srgbClr val="000000"/>
       </a:buClr>
       <a:buFont typeface="Arial"/>
-      <a:defRPr b="0" i="0" sz="1400" u="none" cap="none" strike="noStrike">
+      <a:defRPr sz="1400" b="0" i="0" u="none" strike="noStrike" cap="none">
         <a:solidFill>
           <a:srgbClr val="000000"/>
         </a:solidFill>
@@ -660,7 +675,7 @@
         <a:sym typeface="Arial"/>
       </a:defRPr>
     </a:lvl7pPr>
-    <a:lvl8pPr lvl="7" marR="0" rtl="0" algn="l">
+    <a:lvl8pPr marR="0" lvl="7" algn="l" rtl="0">
       <a:lnSpc>
         <a:spcPct val="100000"/>
       </a:lnSpc>
@@ -674,7 +689,7 @@
         <a:srgbClr val="000000"/>
       </a:buClr>
       <a:buFont typeface="Arial"/>
-      <a:defRPr b="0" i="0" sz="1400" u="none" cap="none" strike="noStrike">
+      <a:defRPr sz="1400" b="0" i="0" u="none" strike="noStrike" cap="none">
         <a:solidFill>
           <a:srgbClr val="000000"/>
         </a:solidFill>
@@ -684,7 +699,7 @@
         <a:sym typeface="Arial"/>
       </a:defRPr>
     </a:lvl8pPr>
-    <a:lvl9pPr lvl="8" marR="0" rtl="0" algn="l">
+    <a:lvl9pPr marR="0" lvl="8" algn="l" rtl="0">
       <a:lnSpc>
         <a:spcPct val="100000"/>
       </a:lnSpc>
@@ -698,7 +713,7 @@
         <a:srgbClr val="000000"/>
       </a:buClr>
       <a:buFont typeface="Arial"/>
-      <a:defRPr b="0" i="0" sz="1400" u="none" cap="none" strike="noStrike">
+      <a:defRPr sz="1400" b="0" i="0" u="none" strike="noStrike" cap="none">
         <a:solidFill>
           <a:srgbClr val="000000"/>
         </a:solidFill>
@@ -713,11 +728,11 @@
 </file>
 
 <file path=ppt/notesSlides/notesSlide1.xml><?xml version="1.0" encoding="utf-8"?>
-<p:notes xmlns:a="http://schemas.openxmlformats.org/drawingml/2006/main" xmlns:r="http://schemas.openxmlformats.org/officeDocument/2006/relationships" xmlns:mc="http://schemas.openxmlformats.org/markup-compatibility/2006" xmlns:mv="urn:schemas-microsoft-com:mac:vml" xmlns:p="http://schemas.openxmlformats.org/presentationml/2006/main" xmlns:c="http://schemas.openxmlformats.org/drawingml/2006/chart" xmlns:dgm="http://schemas.openxmlformats.org/drawingml/2006/diagram" xmlns:o="urn:schemas-microsoft-com:office:office" xmlns:v="urn:schemas-microsoft-com:vml" xmlns:pvml="urn:schemas-microsoft-com:office:powerpoint" xmlns:com="http://schemas.openxmlformats.org/drawingml/2006/compatibility" xmlns:p14="http://schemas.microsoft.com/office/powerpoint/2010/main" xmlns:p15="http://schemas.microsoft.com/office/powerpoint/2012/main" xmlns:ahyp="http://schemas.microsoft.com/office/drawing/2018/hyperlinkcolor" showMasterPhAnim="0" showMasterSp="0">
+<p:notes xmlns:a="http://schemas.openxmlformats.org/drawingml/2006/main" xmlns:r="http://schemas.openxmlformats.org/officeDocument/2006/relationships" xmlns:p="http://schemas.openxmlformats.org/presentationml/2006/main" showMasterSp="0" showMasterPhAnim="0">
   <p:cSld>
     <p:spTree>
       <p:nvGrpSpPr>
-        <p:cNvPr id="130" name="Shape 130"/>
+        <p:cNvPr id="1" name="Shape 130"/>
         <p:cNvGrpSpPr/>
         <p:nvPr/>
       </p:nvGrpSpPr>
@@ -732,20 +747,26 @@
       <p:sp>
         <p:nvSpPr>
           <p:cNvPr id="131" name="Google Shape;131;p:notes"/>
-          <p:cNvSpPr/>
+          <p:cNvSpPr>
+            <a:spLocks noGrp="1" noRot="1" noChangeAspect="1"/>
+          </p:cNvSpPr>
           <p:nvPr>
-            <p:ph idx="2" type="sldImg"/>
+            <p:ph type="sldImg" idx="2"/>
           </p:nvPr>
         </p:nvSpPr>
         <p:spPr>
           <a:xfrm>
-            <a:off x="381300" y="685800"/>
-            <a:ext cx="6096075" cy="3429000"/>
+            <a:off x="381000" y="685800"/>
+            <a:ext cx="6096000" cy="3429000"/>
           </a:xfrm>
           <a:custGeom>
-            <a:rect b="b" l="l" r="r" t="t"/>
+            <a:avLst/>
+            <a:gdLst/>
+            <a:ahLst/>
+            <a:cxnLst/>
+            <a:rect l="l" t="t" r="r" b="b"/>
             <a:pathLst>
-              <a:path extrusionOk="0" h="120000" w="120000">
+              <a:path w="120000" h="120000" extrusionOk="0">
                 <a:moveTo>
                   <a:pt x="0" y="0"/>
                 </a:moveTo>
@@ -767,9 +788,11 @@
       <p:sp>
         <p:nvSpPr>
           <p:cNvPr id="132" name="Google Shape;132;p:notes"/>
-          <p:cNvSpPr txBox="1"/>
+          <p:cNvSpPr txBox="1">
+            <a:spLocks noGrp="1"/>
+          </p:cNvSpPr>
           <p:nvPr>
-            <p:ph idx="1" type="body"/>
+            <p:ph type="body" idx="1"/>
           </p:nvPr>
         </p:nvSpPr>
         <p:spPr>
@@ -782,12 +805,12 @@
           </a:prstGeom>
         </p:spPr>
         <p:txBody>
-          <a:bodyPr anchorCtr="0" anchor="t" bIns="91425" lIns="91425" spcFirstLastPara="1" rIns="91425" wrap="square" tIns="91425">
+          <a:bodyPr spcFirstLastPara="1" wrap="square" lIns="91425" tIns="91425" rIns="91425" bIns="91425" anchor="t" anchorCtr="0">
             <a:noAutofit/>
           </a:bodyPr>
           <a:lstStyle/>
           <a:p>
-            <a:pPr indent="0" lvl="0" marL="0" rtl="0" algn="l">
+            <a:pPr marL="0" lvl="0" indent="0" algn="l" rtl="0">
               <a:spcBef>
                 <a:spcPts val="0"/>
               </a:spcBef>
@@ -796,9 +819,6 @@
               </a:spcAft>
               <a:buNone/>
             </a:pPr>
-            <a:r>
-              <a:t/>
-            </a:r>
             <a:endParaRPr/>
           </a:p>
         </p:txBody>
@@ -812,11 +832,11 @@
 </file>
 
 <file path=ppt/notesSlides/notesSlide10.xml><?xml version="1.0" encoding="utf-8"?>
-<p:notes xmlns:a="http://schemas.openxmlformats.org/drawingml/2006/main" xmlns:r="http://schemas.openxmlformats.org/officeDocument/2006/relationships" xmlns:mc="http://schemas.openxmlformats.org/markup-compatibility/2006" xmlns:mv="urn:schemas-microsoft-com:mac:vml" xmlns:p="http://schemas.openxmlformats.org/presentationml/2006/main" xmlns:c="http://schemas.openxmlformats.org/drawingml/2006/chart" xmlns:dgm="http://schemas.openxmlformats.org/drawingml/2006/diagram" xmlns:o="urn:schemas-microsoft-com:office:office" xmlns:v="urn:schemas-microsoft-com:vml" xmlns:pvml="urn:schemas-microsoft-com:office:powerpoint" xmlns:com="http://schemas.openxmlformats.org/drawingml/2006/compatibility" xmlns:p14="http://schemas.microsoft.com/office/powerpoint/2010/main" xmlns:p15="http://schemas.microsoft.com/office/powerpoint/2012/main" xmlns:ahyp="http://schemas.microsoft.com/office/drawing/2018/hyperlinkcolor" showMasterPhAnim="0" showMasterSp="0">
+<p:notes xmlns:a="http://schemas.openxmlformats.org/drawingml/2006/main" xmlns:r="http://schemas.openxmlformats.org/officeDocument/2006/relationships" xmlns:p="http://schemas.openxmlformats.org/presentationml/2006/main" showMasterSp="0" showMasterPhAnim="0">
   <p:cSld>
     <p:spTree>
       <p:nvGrpSpPr>
-        <p:cNvPr id="184" name="Shape 184"/>
+        <p:cNvPr id="1" name="Shape 184"/>
         <p:cNvGrpSpPr/>
         <p:nvPr/>
       </p:nvGrpSpPr>
@@ -831,20 +851,26 @@
       <p:sp>
         <p:nvSpPr>
           <p:cNvPr id="185" name="Google Shape;185;gd596b29c03_0_631:notes"/>
-          <p:cNvSpPr/>
+          <p:cNvSpPr>
+            <a:spLocks noGrp="1" noRot="1" noChangeAspect="1"/>
+          </p:cNvSpPr>
           <p:nvPr>
-            <p:ph idx="2" type="sldImg"/>
+            <p:ph type="sldImg" idx="2"/>
           </p:nvPr>
         </p:nvSpPr>
         <p:spPr>
           <a:xfrm>
-            <a:off x="381300" y="685800"/>
+            <a:off x="381000" y="685800"/>
             <a:ext cx="6096000" cy="3429000"/>
           </a:xfrm>
           <a:custGeom>
-            <a:rect b="b" l="l" r="r" t="t"/>
+            <a:avLst/>
+            <a:gdLst/>
+            <a:ahLst/>
+            <a:cxnLst/>
+            <a:rect l="l" t="t" r="r" b="b"/>
             <a:pathLst>
-              <a:path extrusionOk="0" h="120000" w="120000">
+              <a:path w="120000" h="120000" extrusionOk="0">
                 <a:moveTo>
                   <a:pt x="0" y="0"/>
                 </a:moveTo>
@@ -866,9 +892,11 @@
       <p:sp>
         <p:nvSpPr>
           <p:cNvPr id="186" name="Google Shape;186;gd596b29c03_0_631:notes"/>
-          <p:cNvSpPr txBox="1"/>
+          <p:cNvSpPr txBox="1">
+            <a:spLocks noGrp="1"/>
+          </p:cNvSpPr>
           <p:nvPr>
-            <p:ph idx="1" type="body"/>
+            <p:ph type="body" idx="1"/>
           </p:nvPr>
         </p:nvSpPr>
         <p:spPr>
@@ -881,12 +909,12 @@
           </a:prstGeom>
         </p:spPr>
         <p:txBody>
-          <a:bodyPr anchorCtr="0" anchor="t" bIns="91425" lIns="91425" spcFirstLastPara="1" rIns="91425" wrap="square" tIns="91425">
+          <a:bodyPr spcFirstLastPara="1" wrap="square" lIns="91425" tIns="91425" rIns="91425" bIns="91425" anchor="t" anchorCtr="0">
             <a:noAutofit/>
           </a:bodyPr>
           <a:lstStyle/>
           <a:p>
-            <a:pPr indent="0" lvl="0" marL="0" rtl="0" algn="l">
+            <a:pPr marL="0" lvl="0" indent="0" algn="l" rtl="0">
               <a:spcBef>
                 <a:spcPts val="0"/>
               </a:spcBef>
@@ -895,9 +923,6 @@
               </a:spcAft>
               <a:buNone/>
             </a:pPr>
-            <a:r>
-              <a:t/>
-            </a:r>
             <a:endParaRPr/>
           </a:p>
         </p:txBody>
@@ -911,11 +936,11 @@
 </file>
 
 <file path=ppt/notesSlides/notesSlide11.xml><?xml version="1.0" encoding="utf-8"?>
-<p:notes xmlns:a="http://schemas.openxmlformats.org/drawingml/2006/main" xmlns:r="http://schemas.openxmlformats.org/officeDocument/2006/relationships" xmlns:mc="http://schemas.openxmlformats.org/markup-compatibility/2006" xmlns:mv="urn:schemas-microsoft-com:mac:vml" xmlns:p="http://schemas.openxmlformats.org/presentationml/2006/main" xmlns:c="http://schemas.openxmlformats.org/drawingml/2006/chart" xmlns:dgm="http://schemas.openxmlformats.org/drawingml/2006/diagram" xmlns:o="urn:schemas-microsoft-com:office:office" xmlns:v="urn:schemas-microsoft-com:vml" xmlns:pvml="urn:schemas-microsoft-com:office:powerpoint" xmlns:com="http://schemas.openxmlformats.org/drawingml/2006/compatibility" xmlns:p14="http://schemas.microsoft.com/office/powerpoint/2010/main" xmlns:p15="http://schemas.microsoft.com/office/powerpoint/2012/main" xmlns:ahyp="http://schemas.microsoft.com/office/drawing/2018/hyperlinkcolor" showMasterPhAnim="0" showMasterSp="0">
+<p:notes xmlns:a="http://schemas.openxmlformats.org/drawingml/2006/main" xmlns:r="http://schemas.openxmlformats.org/officeDocument/2006/relationships" xmlns:p="http://schemas.openxmlformats.org/presentationml/2006/main" showMasterSp="0" showMasterPhAnim="0">
   <p:cSld>
     <p:spTree>
       <p:nvGrpSpPr>
-        <p:cNvPr id="193" name="Shape 193"/>
+        <p:cNvPr id="1" name="Shape 193"/>
         <p:cNvGrpSpPr/>
         <p:nvPr/>
       </p:nvGrpSpPr>
@@ -930,20 +955,26 @@
       <p:sp>
         <p:nvSpPr>
           <p:cNvPr id="194" name="Google Shape;194;gd596b29c03_0_626:notes"/>
-          <p:cNvSpPr/>
+          <p:cNvSpPr>
+            <a:spLocks noGrp="1" noRot="1" noChangeAspect="1"/>
+          </p:cNvSpPr>
           <p:nvPr>
-            <p:ph idx="2" type="sldImg"/>
+            <p:ph type="sldImg" idx="2"/>
           </p:nvPr>
         </p:nvSpPr>
         <p:spPr>
           <a:xfrm>
-            <a:off x="381300" y="685800"/>
+            <a:off x="381000" y="685800"/>
             <a:ext cx="6096000" cy="3429000"/>
           </a:xfrm>
           <a:custGeom>
-            <a:rect b="b" l="l" r="r" t="t"/>
+            <a:avLst/>
+            <a:gdLst/>
+            <a:ahLst/>
+            <a:cxnLst/>
+            <a:rect l="l" t="t" r="r" b="b"/>
             <a:pathLst>
-              <a:path extrusionOk="0" h="120000" w="120000">
+              <a:path w="120000" h="120000" extrusionOk="0">
                 <a:moveTo>
                   <a:pt x="0" y="0"/>
                 </a:moveTo>
@@ -965,9 +996,11 @@
       <p:sp>
         <p:nvSpPr>
           <p:cNvPr id="195" name="Google Shape;195;gd596b29c03_0_626:notes"/>
-          <p:cNvSpPr txBox="1"/>
+          <p:cNvSpPr txBox="1">
+            <a:spLocks noGrp="1"/>
+          </p:cNvSpPr>
           <p:nvPr>
-            <p:ph idx="1" type="body"/>
+            <p:ph type="body" idx="1"/>
           </p:nvPr>
         </p:nvSpPr>
         <p:spPr>
@@ -980,12 +1013,12 @@
           </a:prstGeom>
         </p:spPr>
         <p:txBody>
-          <a:bodyPr anchorCtr="0" anchor="t" bIns="91425" lIns="91425" spcFirstLastPara="1" rIns="91425" wrap="square" tIns="91425">
+          <a:bodyPr spcFirstLastPara="1" wrap="square" lIns="91425" tIns="91425" rIns="91425" bIns="91425" anchor="t" anchorCtr="0">
             <a:noAutofit/>
           </a:bodyPr>
           <a:lstStyle/>
           <a:p>
-            <a:pPr indent="0" lvl="0" marL="0" rtl="0" algn="l">
+            <a:pPr marL="0" lvl="0" indent="0" algn="l" rtl="0">
               <a:spcBef>
                 <a:spcPts val="0"/>
               </a:spcBef>
@@ -994,9 +1027,6 @@
               </a:spcAft>
               <a:buNone/>
             </a:pPr>
-            <a:r>
-              <a:t/>
-            </a:r>
             <a:endParaRPr/>
           </a:p>
         </p:txBody>
@@ -1010,11 +1040,11 @@
 </file>
 
 <file path=ppt/notesSlides/notesSlide2.xml><?xml version="1.0" encoding="utf-8"?>
-<p:notes xmlns:a="http://schemas.openxmlformats.org/drawingml/2006/main" xmlns:r="http://schemas.openxmlformats.org/officeDocument/2006/relationships" xmlns:mc="http://schemas.openxmlformats.org/markup-compatibility/2006" xmlns:mv="urn:schemas-microsoft-com:mac:vml" xmlns:p="http://schemas.openxmlformats.org/presentationml/2006/main" xmlns:c="http://schemas.openxmlformats.org/drawingml/2006/chart" xmlns:dgm="http://schemas.openxmlformats.org/drawingml/2006/diagram" xmlns:o="urn:schemas-microsoft-com:office:office" xmlns:v="urn:schemas-microsoft-com:vml" xmlns:pvml="urn:schemas-microsoft-com:office:powerpoint" xmlns:com="http://schemas.openxmlformats.org/drawingml/2006/compatibility" xmlns:p14="http://schemas.microsoft.com/office/powerpoint/2010/main" xmlns:p15="http://schemas.microsoft.com/office/powerpoint/2012/main" xmlns:ahyp="http://schemas.microsoft.com/office/drawing/2018/hyperlinkcolor" showMasterPhAnim="0" showMasterSp="0">
+<p:notes xmlns:a="http://schemas.openxmlformats.org/drawingml/2006/main" xmlns:r="http://schemas.openxmlformats.org/officeDocument/2006/relationships" xmlns:p="http://schemas.openxmlformats.org/presentationml/2006/main" showMasterSp="0" showMasterPhAnim="0">
   <p:cSld>
     <p:spTree>
       <p:nvGrpSpPr>
-        <p:cNvPr id="136" name="Shape 136"/>
+        <p:cNvPr id="1" name="Shape 136"/>
         <p:cNvGrpSpPr/>
         <p:nvPr/>
       </p:nvGrpSpPr>
@@ -1029,20 +1059,26 @@
       <p:sp>
         <p:nvSpPr>
           <p:cNvPr id="137" name="Google Shape;137;gd596b29c03_0_125:notes"/>
-          <p:cNvSpPr/>
+          <p:cNvSpPr>
+            <a:spLocks noGrp="1" noRot="1" noChangeAspect="1"/>
+          </p:cNvSpPr>
           <p:nvPr>
-            <p:ph idx="2" type="sldImg"/>
+            <p:ph type="sldImg" idx="2"/>
           </p:nvPr>
         </p:nvSpPr>
         <p:spPr>
           <a:xfrm>
-            <a:off x="381300" y="685800"/>
+            <a:off x="381000" y="685800"/>
             <a:ext cx="6096000" cy="3429000"/>
           </a:xfrm>
           <a:custGeom>
-            <a:rect b="b" l="l" r="r" t="t"/>
+            <a:avLst/>
+            <a:gdLst/>
+            <a:ahLst/>
+            <a:cxnLst/>
+            <a:rect l="l" t="t" r="r" b="b"/>
             <a:pathLst>
-              <a:path extrusionOk="0" h="120000" w="120000">
+              <a:path w="120000" h="120000" extrusionOk="0">
                 <a:moveTo>
                   <a:pt x="0" y="0"/>
                 </a:moveTo>
@@ -1064,9 +1100,11 @@
       <p:sp>
         <p:nvSpPr>
           <p:cNvPr id="138" name="Google Shape;138;gd596b29c03_0_125:notes"/>
-          <p:cNvSpPr txBox="1"/>
+          <p:cNvSpPr txBox="1">
+            <a:spLocks noGrp="1"/>
+          </p:cNvSpPr>
           <p:nvPr>
-            <p:ph idx="1" type="body"/>
+            <p:ph type="body" idx="1"/>
           </p:nvPr>
         </p:nvSpPr>
         <p:spPr>
@@ -1079,12 +1117,12 @@
           </a:prstGeom>
         </p:spPr>
         <p:txBody>
-          <a:bodyPr anchorCtr="0" anchor="t" bIns="91425" lIns="91425" spcFirstLastPara="1" rIns="91425" wrap="square" tIns="91425">
+          <a:bodyPr spcFirstLastPara="1" wrap="square" lIns="91425" tIns="91425" rIns="91425" bIns="91425" anchor="t" anchorCtr="0">
             <a:noAutofit/>
           </a:bodyPr>
           <a:lstStyle/>
           <a:p>
-            <a:pPr indent="0" lvl="0" marL="0" rtl="0" algn="l">
+            <a:pPr marL="0" lvl="0" indent="0" algn="l" rtl="0">
               <a:spcBef>
                 <a:spcPts val="0"/>
               </a:spcBef>
@@ -1093,9 +1131,6 @@
               </a:spcAft>
               <a:buNone/>
             </a:pPr>
-            <a:r>
-              <a:t/>
-            </a:r>
             <a:endParaRPr/>
           </a:p>
         </p:txBody>
@@ -1109,11 +1144,11 @@
 </file>
 
 <file path=ppt/notesSlides/notesSlide3.xml><?xml version="1.0" encoding="utf-8"?>
-<p:notes xmlns:a="http://schemas.openxmlformats.org/drawingml/2006/main" xmlns:r="http://schemas.openxmlformats.org/officeDocument/2006/relationships" xmlns:mc="http://schemas.openxmlformats.org/markup-compatibility/2006" xmlns:mv="urn:schemas-microsoft-com:mac:vml" xmlns:p="http://schemas.openxmlformats.org/presentationml/2006/main" xmlns:c="http://schemas.openxmlformats.org/drawingml/2006/chart" xmlns:dgm="http://schemas.openxmlformats.org/drawingml/2006/diagram" xmlns:o="urn:schemas-microsoft-com:office:office" xmlns:v="urn:schemas-microsoft-com:vml" xmlns:pvml="urn:schemas-microsoft-com:office:powerpoint" xmlns:com="http://schemas.openxmlformats.org/drawingml/2006/compatibility" xmlns:p14="http://schemas.microsoft.com/office/powerpoint/2010/main" xmlns:p15="http://schemas.microsoft.com/office/powerpoint/2012/main" xmlns:ahyp="http://schemas.microsoft.com/office/drawing/2018/hyperlinkcolor" showMasterPhAnim="0" showMasterSp="0">
+<p:notes xmlns:a="http://schemas.openxmlformats.org/drawingml/2006/main" xmlns:r="http://schemas.openxmlformats.org/officeDocument/2006/relationships" xmlns:p="http://schemas.openxmlformats.org/presentationml/2006/main" showMasterSp="0" showMasterPhAnim="0">
   <p:cSld>
     <p:spTree>
       <p:nvGrpSpPr>
-        <p:cNvPr id="142" name="Shape 142"/>
+        <p:cNvPr id="1" name="Shape 142"/>
         <p:cNvGrpSpPr/>
         <p:nvPr/>
       </p:nvGrpSpPr>
@@ -1128,20 +1163,26 @@
       <p:sp>
         <p:nvSpPr>
           <p:cNvPr id="143" name="Google Shape;143;gd596b29c03_0_573:notes"/>
-          <p:cNvSpPr/>
+          <p:cNvSpPr>
+            <a:spLocks noGrp="1" noRot="1" noChangeAspect="1"/>
+          </p:cNvSpPr>
           <p:nvPr>
-            <p:ph idx="2" type="sldImg"/>
+            <p:ph type="sldImg" idx="2"/>
           </p:nvPr>
         </p:nvSpPr>
         <p:spPr>
           <a:xfrm>
-            <a:off x="381300" y="685800"/>
+            <a:off x="381000" y="685800"/>
             <a:ext cx="6096000" cy="3429000"/>
           </a:xfrm>
           <a:custGeom>
-            <a:rect b="b" l="l" r="r" t="t"/>
+            <a:avLst/>
+            <a:gdLst/>
+            <a:ahLst/>
+            <a:cxnLst/>
+            <a:rect l="l" t="t" r="r" b="b"/>
             <a:pathLst>
-              <a:path extrusionOk="0" h="120000" w="120000">
+              <a:path w="120000" h="120000" extrusionOk="0">
                 <a:moveTo>
                   <a:pt x="0" y="0"/>
                 </a:moveTo>
@@ -1163,9 +1204,11 @@
       <p:sp>
         <p:nvSpPr>
           <p:cNvPr id="144" name="Google Shape;144;gd596b29c03_0_573:notes"/>
-          <p:cNvSpPr txBox="1"/>
+          <p:cNvSpPr txBox="1">
+            <a:spLocks noGrp="1"/>
+          </p:cNvSpPr>
           <p:nvPr>
-            <p:ph idx="1" type="body"/>
+            <p:ph type="body" idx="1"/>
           </p:nvPr>
         </p:nvSpPr>
         <p:spPr>
@@ -1178,12 +1221,12 @@
           </a:prstGeom>
         </p:spPr>
         <p:txBody>
-          <a:bodyPr anchorCtr="0" anchor="t" bIns="91425" lIns="91425" spcFirstLastPara="1" rIns="91425" wrap="square" tIns="91425">
+          <a:bodyPr spcFirstLastPara="1" wrap="square" lIns="91425" tIns="91425" rIns="91425" bIns="91425" anchor="t" anchorCtr="0">
             <a:noAutofit/>
           </a:bodyPr>
           <a:lstStyle/>
           <a:p>
-            <a:pPr indent="0" lvl="0" marL="0" rtl="0" algn="l">
+            <a:pPr marL="0" lvl="0" indent="0" algn="l" rtl="0">
               <a:spcBef>
                 <a:spcPts val="0"/>
               </a:spcBef>
@@ -1192,9 +1235,6 @@
               </a:spcAft>
               <a:buNone/>
             </a:pPr>
-            <a:r>
-              <a:t/>
-            </a:r>
             <a:endParaRPr/>
           </a:p>
         </p:txBody>
@@ -1208,11 +1248,11 @@
 </file>
 
 <file path=ppt/notesSlides/notesSlide4.xml><?xml version="1.0" encoding="utf-8"?>
-<p:notes xmlns:a="http://schemas.openxmlformats.org/drawingml/2006/main" xmlns:r="http://schemas.openxmlformats.org/officeDocument/2006/relationships" xmlns:mc="http://schemas.openxmlformats.org/markup-compatibility/2006" xmlns:mv="urn:schemas-microsoft-com:mac:vml" xmlns:p="http://schemas.openxmlformats.org/presentationml/2006/main" xmlns:c="http://schemas.openxmlformats.org/drawingml/2006/chart" xmlns:dgm="http://schemas.openxmlformats.org/drawingml/2006/diagram" xmlns:o="urn:schemas-microsoft-com:office:office" xmlns:v="urn:schemas-microsoft-com:vml" xmlns:pvml="urn:schemas-microsoft-com:office:powerpoint" xmlns:com="http://schemas.openxmlformats.org/drawingml/2006/compatibility" xmlns:p14="http://schemas.microsoft.com/office/powerpoint/2010/main" xmlns:p15="http://schemas.microsoft.com/office/powerpoint/2012/main" xmlns:ahyp="http://schemas.microsoft.com/office/drawing/2018/hyperlinkcolor" showMasterPhAnim="0" showMasterSp="0">
+<p:notes xmlns:a="http://schemas.openxmlformats.org/drawingml/2006/main" xmlns:r="http://schemas.openxmlformats.org/officeDocument/2006/relationships" xmlns:p="http://schemas.openxmlformats.org/presentationml/2006/main" showMasterSp="0" showMasterPhAnim="0">
   <p:cSld>
     <p:spTree>
       <p:nvGrpSpPr>
-        <p:cNvPr id="148" name="Shape 148"/>
+        <p:cNvPr id="1" name="Shape 148"/>
         <p:cNvGrpSpPr/>
         <p:nvPr/>
       </p:nvGrpSpPr>
@@ -1227,20 +1267,26 @@
       <p:sp>
         <p:nvSpPr>
           <p:cNvPr id="149" name="Google Shape;149;gd596b29c03_0_579:notes"/>
-          <p:cNvSpPr/>
+          <p:cNvSpPr>
+            <a:spLocks noGrp="1" noRot="1" noChangeAspect="1"/>
+          </p:cNvSpPr>
           <p:nvPr>
-            <p:ph idx="2" type="sldImg"/>
+            <p:ph type="sldImg" idx="2"/>
           </p:nvPr>
         </p:nvSpPr>
         <p:spPr>
           <a:xfrm>
-            <a:off x="381300" y="685800"/>
+            <a:off x="381000" y="685800"/>
             <a:ext cx="6096000" cy="3429000"/>
           </a:xfrm>
           <a:custGeom>
-            <a:rect b="b" l="l" r="r" t="t"/>
+            <a:avLst/>
+            <a:gdLst/>
+            <a:ahLst/>
+            <a:cxnLst/>
+            <a:rect l="l" t="t" r="r" b="b"/>
             <a:pathLst>
-              <a:path extrusionOk="0" h="120000" w="120000">
+              <a:path w="120000" h="120000" extrusionOk="0">
                 <a:moveTo>
                   <a:pt x="0" y="0"/>
                 </a:moveTo>
@@ -1262,9 +1308,11 @@
       <p:sp>
         <p:nvSpPr>
           <p:cNvPr id="150" name="Google Shape;150;gd596b29c03_0_579:notes"/>
-          <p:cNvSpPr txBox="1"/>
+          <p:cNvSpPr txBox="1">
+            <a:spLocks noGrp="1"/>
+          </p:cNvSpPr>
           <p:nvPr>
-            <p:ph idx="1" type="body"/>
+            <p:ph type="body" idx="1"/>
           </p:nvPr>
         </p:nvSpPr>
         <p:spPr>
@@ -1277,12 +1325,12 @@
           </a:prstGeom>
         </p:spPr>
         <p:txBody>
-          <a:bodyPr anchorCtr="0" anchor="t" bIns="91425" lIns="91425" spcFirstLastPara="1" rIns="91425" wrap="square" tIns="91425">
+          <a:bodyPr spcFirstLastPara="1" wrap="square" lIns="91425" tIns="91425" rIns="91425" bIns="91425" anchor="t" anchorCtr="0">
             <a:noAutofit/>
           </a:bodyPr>
           <a:lstStyle/>
           <a:p>
-            <a:pPr indent="0" lvl="0" marL="0" rtl="0" algn="l">
+            <a:pPr marL="0" lvl="0" indent="0" algn="l" rtl="0">
               <a:spcBef>
                 <a:spcPts val="0"/>
               </a:spcBef>
@@ -1291,9 +1339,6 @@
               </a:spcAft>
               <a:buNone/>
             </a:pPr>
-            <a:r>
-              <a:t/>
-            </a:r>
             <a:endParaRPr/>
           </a:p>
         </p:txBody>
@@ -1307,11 +1352,11 @@
 </file>
 
 <file path=ppt/notesSlides/notesSlide5.xml><?xml version="1.0" encoding="utf-8"?>
-<p:notes xmlns:a="http://schemas.openxmlformats.org/drawingml/2006/main" xmlns:r="http://schemas.openxmlformats.org/officeDocument/2006/relationships" xmlns:mc="http://schemas.openxmlformats.org/markup-compatibility/2006" xmlns:mv="urn:schemas-microsoft-com:mac:vml" xmlns:p="http://schemas.openxmlformats.org/presentationml/2006/main" xmlns:c="http://schemas.openxmlformats.org/drawingml/2006/chart" xmlns:dgm="http://schemas.openxmlformats.org/drawingml/2006/diagram" xmlns:o="urn:schemas-microsoft-com:office:office" xmlns:v="urn:schemas-microsoft-com:vml" xmlns:pvml="urn:schemas-microsoft-com:office:powerpoint" xmlns:com="http://schemas.openxmlformats.org/drawingml/2006/compatibility" xmlns:p14="http://schemas.microsoft.com/office/powerpoint/2010/main" xmlns:p15="http://schemas.microsoft.com/office/powerpoint/2012/main" xmlns:ahyp="http://schemas.microsoft.com/office/drawing/2018/hyperlinkcolor" showMasterPhAnim="0" showMasterSp="0">
+<p:notes xmlns:a="http://schemas.openxmlformats.org/drawingml/2006/main" xmlns:r="http://schemas.openxmlformats.org/officeDocument/2006/relationships" xmlns:p="http://schemas.openxmlformats.org/presentationml/2006/main" showMasterSp="0" showMasterPhAnim="0">
   <p:cSld>
     <p:spTree>
       <p:nvGrpSpPr>
-        <p:cNvPr id="154" name="Shape 154"/>
+        <p:cNvPr id="1" name="Shape 154"/>
         <p:cNvGrpSpPr/>
         <p:nvPr/>
       </p:nvGrpSpPr>
@@ -1326,20 +1371,26 @@
       <p:sp>
         <p:nvSpPr>
           <p:cNvPr id="155" name="Google Shape;155;gd596b29c03_0_584:notes"/>
-          <p:cNvSpPr/>
+          <p:cNvSpPr>
+            <a:spLocks noGrp="1" noRot="1" noChangeAspect="1"/>
+          </p:cNvSpPr>
           <p:nvPr>
-            <p:ph idx="2" type="sldImg"/>
+            <p:ph type="sldImg" idx="2"/>
           </p:nvPr>
         </p:nvSpPr>
         <p:spPr>
           <a:xfrm>
-            <a:off x="381300" y="685800"/>
+            <a:off x="381000" y="685800"/>
             <a:ext cx="6096000" cy="3429000"/>
           </a:xfrm>
           <a:custGeom>
-            <a:rect b="b" l="l" r="r" t="t"/>
+            <a:avLst/>
+            <a:gdLst/>
+            <a:ahLst/>
+            <a:cxnLst/>
+            <a:rect l="l" t="t" r="r" b="b"/>
             <a:pathLst>
-              <a:path extrusionOk="0" h="120000" w="120000">
+              <a:path w="120000" h="120000" extrusionOk="0">
                 <a:moveTo>
                   <a:pt x="0" y="0"/>
                 </a:moveTo>
@@ -1361,9 +1412,11 @@
       <p:sp>
         <p:nvSpPr>
           <p:cNvPr id="156" name="Google Shape;156;gd596b29c03_0_584:notes"/>
-          <p:cNvSpPr txBox="1"/>
+          <p:cNvSpPr txBox="1">
+            <a:spLocks noGrp="1"/>
+          </p:cNvSpPr>
           <p:nvPr>
-            <p:ph idx="1" type="body"/>
+            <p:ph type="body" idx="1"/>
           </p:nvPr>
         </p:nvSpPr>
         <p:spPr>
@@ -1376,12 +1429,12 @@
           </a:prstGeom>
         </p:spPr>
         <p:txBody>
-          <a:bodyPr anchorCtr="0" anchor="t" bIns="91425" lIns="91425" spcFirstLastPara="1" rIns="91425" wrap="square" tIns="91425">
+          <a:bodyPr spcFirstLastPara="1" wrap="square" lIns="91425" tIns="91425" rIns="91425" bIns="91425" anchor="t" anchorCtr="0">
             <a:noAutofit/>
           </a:bodyPr>
           <a:lstStyle/>
           <a:p>
-            <a:pPr indent="0" lvl="0" marL="0" rtl="0" algn="l">
+            <a:pPr marL="0" lvl="0" indent="0" algn="l" rtl="0">
               <a:spcBef>
                 <a:spcPts val="0"/>
               </a:spcBef>
@@ -1390,9 +1443,6 @@
               </a:spcAft>
               <a:buNone/>
             </a:pPr>
-            <a:r>
-              <a:t/>
-            </a:r>
             <a:endParaRPr/>
           </a:p>
         </p:txBody>
@@ -1406,11 +1456,11 @@
 </file>
 
 <file path=ppt/notesSlides/notesSlide6.xml><?xml version="1.0" encoding="utf-8"?>
-<p:notes xmlns:a="http://schemas.openxmlformats.org/drawingml/2006/main" xmlns:r="http://schemas.openxmlformats.org/officeDocument/2006/relationships" xmlns:mc="http://schemas.openxmlformats.org/markup-compatibility/2006" xmlns:mv="urn:schemas-microsoft-com:mac:vml" xmlns:p="http://schemas.openxmlformats.org/presentationml/2006/main" xmlns:c="http://schemas.openxmlformats.org/drawingml/2006/chart" xmlns:dgm="http://schemas.openxmlformats.org/drawingml/2006/diagram" xmlns:o="urn:schemas-microsoft-com:office:office" xmlns:v="urn:schemas-microsoft-com:vml" xmlns:pvml="urn:schemas-microsoft-com:office:powerpoint" xmlns:com="http://schemas.openxmlformats.org/drawingml/2006/compatibility" xmlns:p14="http://schemas.microsoft.com/office/powerpoint/2010/main" xmlns:p15="http://schemas.microsoft.com/office/powerpoint/2012/main" xmlns:ahyp="http://schemas.microsoft.com/office/drawing/2018/hyperlinkcolor" showMasterPhAnim="0" showMasterSp="0">
+<p:notes xmlns:a="http://schemas.openxmlformats.org/drawingml/2006/main" xmlns:r="http://schemas.openxmlformats.org/officeDocument/2006/relationships" xmlns:p="http://schemas.openxmlformats.org/presentationml/2006/main" showMasterSp="0" showMasterPhAnim="0">
   <p:cSld>
     <p:spTree>
       <p:nvGrpSpPr>
-        <p:cNvPr id="160" name="Shape 160"/>
+        <p:cNvPr id="1" name="Shape 160"/>
         <p:cNvGrpSpPr/>
         <p:nvPr/>
       </p:nvGrpSpPr>
@@ -1425,20 +1475,26 @@
       <p:sp>
         <p:nvSpPr>
           <p:cNvPr id="161" name="Google Shape;161;gd596b29c03_0_589:notes"/>
-          <p:cNvSpPr/>
+          <p:cNvSpPr>
+            <a:spLocks noGrp="1" noRot="1" noChangeAspect="1"/>
+          </p:cNvSpPr>
           <p:nvPr>
-            <p:ph idx="2" type="sldImg"/>
+            <p:ph type="sldImg" idx="2"/>
           </p:nvPr>
         </p:nvSpPr>
         <p:spPr>
           <a:xfrm>
-            <a:off x="381300" y="685800"/>
+            <a:off x="381000" y="685800"/>
             <a:ext cx="6096000" cy="3429000"/>
           </a:xfrm>
           <a:custGeom>
-            <a:rect b="b" l="l" r="r" t="t"/>
+            <a:avLst/>
+            <a:gdLst/>
+            <a:ahLst/>
+            <a:cxnLst/>
+            <a:rect l="l" t="t" r="r" b="b"/>
             <a:pathLst>
-              <a:path extrusionOk="0" h="120000" w="120000">
+              <a:path w="120000" h="120000" extrusionOk="0">
                 <a:moveTo>
                   <a:pt x="0" y="0"/>
                 </a:moveTo>
@@ -1460,9 +1516,11 @@
       <p:sp>
         <p:nvSpPr>
           <p:cNvPr id="162" name="Google Shape;162;gd596b29c03_0_589:notes"/>
-          <p:cNvSpPr txBox="1"/>
+          <p:cNvSpPr txBox="1">
+            <a:spLocks noGrp="1"/>
+          </p:cNvSpPr>
           <p:nvPr>
-            <p:ph idx="1" type="body"/>
+            <p:ph type="body" idx="1"/>
           </p:nvPr>
         </p:nvSpPr>
         <p:spPr>
@@ -1475,12 +1533,12 @@
           </a:prstGeom>
         </p:spPr>
         <p:txBody>
-          <a:bodyPr anchorCtr="0" anchor="t" bIns="91425" lIns="91425" spcFirstLastPara="1" rIns="91425" wrap="square" tIns="91425">
+          <a:bodyPr spcFirstLastPara="1" wrap="square" lIns="91425" tIns="91425" rIns="91425" bIns="91425" anchor="t" anchorCtr="0">
             <a:noAutofit/>
           </a:bodyPr>
           <a:lstStyle/>
           <a:p>
-            <a:pPr indent="0" lvl="0" marL="0" rtl="0" algn="l">
+            <a:pPr marL="0" lvl="0" indent="0" algn="l" rtl="0">
               <a:spcBef>
                 <a:spcPts val="0"/>
               </a:spcBef>
@@ -1489,9 +1547,6 @@
               </a:spcAft>
               <a:buNone/>
             </a:pPr>
-            <a:r>
-              <a:t/>
-            </a:r>
             <a:endParaRPr/>
           </a:p>
         </p:txBody>
@@ -1505,11 +1560,11 @@
 </file>
 
 <file path=ppt/notesSlides/notesSlide7.xml><?xml version="1.0" encoding="utf-8"?>
-<p:notes xmlns:a="http://schemas.openxmlformats.org/drawingml/2006/main" xmlns:r="http://schemas.openxmlformats.org/officeDocument/2006/relationships" xmlns:mc="http://schemas.openxmlformats.org/markup-compatibility/2006" xmlns:mv="urn:schemas-microsoft-com:mac:vml" xmlns:p="http://schemas.openxmlformats.org/presentationml/2006/main" xmlns:c="http://schemas.openxmlformats.org/drawingml/2006/chart" xmlns:dgm="http://schemas.openxmlformats.org/drawingml/2006/diagram" xmlns:o="urn:schemas-microsoft-com:office:office" xmlns:v="urn:schemas-microsoft-com:vml" xmlns:pvml="urn:schemas-microsoft-com:office:powerpoint" xmlns:com="http://schemas.openxmlformats.org/drawingml/2006/compatibility" xmlns:p14="http://schemas.microsoft.com/office/powerpoint/2010/main" xmlns:p15="http://schemas.microsoft.com/office/powerpoint/2012/main" xmlns:ahyp="http://schemas.microsoft.com/office/drawing/2018/hyperlinkcolor" showMasterPhAnim="0" showMasterSp="0">
+<p:notes xmlns:a="http://schemas.openxmlformats.org/drawingml/2006/main" xmlns:r="http://schemas.openxmlformats.org/officeDocument/2006/relationships" xmlns:p="http://schemas.openxmlformats.org/presentationml/2006/main" showMasterSp="0" showMasterPhAnim="0">
   <p:cSld>
     <p:spTree>
       <p:nvGrpSpPr>
-        <p:cNvPr id="166" name="Shape 166"/>
+        <p:cNvPr id="1" name="Shape 166"/>
         <p:cNvGrpSpPr/>
         <p:nvPr/>
       </p:nvGrpSpPr>
@@ -1524,20 +1579,26 @@
       <p:sp>
         <p:nvSpPr>
           <p:cNvPr id="167" name="Google Shape;167;gd596b29c03_0_596:notes"/>
-          <p:cNvSpPr/>
+          <p:cNvSpPr>
+            <a:spLocks noGrp="1" noRot="1" noChangeAspect="1"/>
+          </p:cNvSpPr>
           <p:nvPr>
-            <p:ph idx="2" type="sldImg"/>
+            <p:ph type="sldImg" idx="2"/>
           </p:nvPr>
         </p:nvSpPr>
         <p:spPr>
           <a:xfrm>
-            <a:off x="381300" y="685800"/>
+            <a:off x="381000" y="685800"/>
             <a:ext cx="6096000" cy="3429000"/>
           </a:xfrm>
           <a:custGeom>
-            <a:rect b="b" l="l" r="r" t="t"/>
+            <a:avLst/>
+            <a:gdLst/>
+            <a:ahLst/>
+            <a:cxnLst/>
+            <a:rect l="l" t="t" r="r" b="b"/>
             <a:pathLst>
-              <a:path extrusionOk="0" h="120000" w="120000">
+              <a:path w="120000" h="120000" extrusionOk="0">
                 <a:moveTo>
                   <a:pt x="0" y="0"/>
                 </a:moveTo>
@@ -1559,9 +1620,11 @@
       <p:sp>
         <p:nvSpPr>
           <p:cNvPr id="168" name="Google Shape;168;gd596b29c03_0_596:notes"/>
-          <p:cNvSpPr txBox="1"/>
+          <p:cNvSpPr txBox="1">
+            <a:spLocks noGrp="1"/>
+          </p:cNvSpPr>
           <p:nvPr>
-            <p:ph idx="1" type="body"/>
+            <p:ph type="body" idx="1"/>
           </p:nvPr>
         </p:nvSpPr>
         <p:spPr>
@@ -1574,12 +1637,12 @@
           </a:prstGeom>
         </p:spPr>
         <p:txBody>
-          <a:bodyPr anchorCtr="0" anchor="t" bIns="91425" lIns="91425" spcFirstLastPara="1" rIns="91425" wrap="square" tIns="91425">
+          <a:bodyPr spcFirstLastPara="1" wrap="square" lIns="91425" tIns="91425" rIns="91425" bIns="91425" anchor="t" anchorCtr="0">
             <a:noAutofit/>
           </a:bodyPr>
           <a:lstStyle/>
           <a:p>
-            <a:pPr indent="0" lvl="0" marL="0" rtl="0" algn="l">
+            <a:pPr marL="0" lvl="0" indent="0" algn="l" rtl="0">
               <a:spcBef>
                 <a:spcPts val="0"/>
               </a:spcBef>
@@ -1588,9 +1651,6 @@
               </a:spcAft>
               <a:buNone/>
             </a:pPr>
-            <a:r>
-              <a:t/>
-            </a:r>
             <a:endParaRPr/>
           </a:p>
         </p:txBody>
@@ -1604,11 +1664,11 @@
 </file>
 
 <file path=ppt/notesSlides/notesSlide8.xml><?xml version="1.0" encoding="utf-8"?>
-<p:notes xmlns:a="http://schemas.openxmlformats.org/drawingml/2006/main" xmlns:r="http://schemas.openxmlformats.org/officeDocument/2006/relationships" xmlns:mc="http://schemas.openxmlformats.org/markup-compatibility/2006" xmlns:mv="urn:schemas-microsoft-com:mac:vml" xmlns:p="http://schemas.openxmlformats.org/presentationml/2006/main" xmlns:c="http://schemas.openxmlformats.org/drawingml/2006/chart" xmlns:dgm="http://schemas.openxmlformats.org/drawingml/2006/diagram" xmlns:o="urn:schemas-microsoft-com:office:office" xmlns:v="urn:schemas-microsoft-com:vml" xmlns:pvml="urn:schemas-microsoft-com:office:powerpoint" xmlns:com="http://schemas.openxmlformats.org/drawingml/2006/compatibility" xmlns:p14="http://schemas.microsoft.com/office/powerpoint/2010/main" xmlns:p15="http://schemas.microsoft.com/office/powerpoint/2012/main" xmlns:ahyp="http://schemas.microsoft.com/office/drawing/2018/hyperlinkcolor" showMasterPhAnim="0" showMasterSp="0">
+<p:notes xmlns:a="http://schemas.openxmlformats.org/drawingml/2006/main" xmlns:r="http://schemas.openxmlformats.org/officeDocument/2006/relationships" xmlns:p="http://schemas.openxmlformats.org/presentationml/2006/main" showMasterSp="0" showMasterPhAnim="0">
   <p:cSld>
     <p:spTree>
       <p:nvGrpSpPr>
-        <p:cNvPr id="172" name="Shape 172"/>
+        <p:cNvPr id="1" name="Shape 172"/>
         <p:cNvGrpSpPr/>
         <p:nvPr/>
       </p:nvGrpSpPr>
@@ -1623,20 +1683,26 @@
       <p:sp>
         <p:nvSpPr>
           <p:cNvPr id="173" name="Google Shape;173;gd596b29c03_0_604:notes"/>
-          <p:cNvSpPr/>
+          <p:cNvSpPr>
+            <a:spLocks noGrp="1" noRot="1" noChangeAspect="1"/>
+          </p:cNvSpPr>
           <p:nvPr>
-            <p:ph idx="2" type="sldImg"/>
+            <p:ph type="sldImg" idx="2"/>
           </p:nvPr>
         </p:nvSpPr>
         <p:spPr>
           <a:xfrm>
-            <a:off x="381300" y="685800"/>
+            <a:off x="381000" y="685800"/>
             <a:ext cx="6096000" cy="3429000"/>
           </a:xfrm>
           <a:custGeom>
-            <a:rect b="b" l="l" r="r" t="t"/>
+            <a:avLst/>
+            <a:gdLst/>
+            <a:ahLst/>
+            <a:cxnLst/>
+            <a:rect l="l" t="t" r="r" b="b"/>
             <a:pathLst>
-              <a:path extrusionOk="0" h="120000" w="120000">
+              <a:path w="120000" h="120000" extrusionOk="0">
                 <a:moveTo>
                   <a:pt x="0" y="0"/>
                 </a:moveTo>
@@ -1658,9 +1724,11 @@
       <p:sp>
         <p:nvSpPr>
           <p:cNvPr id="174" name="Google Shape;174;gd596b29c03_0_604:notes"/>
-          <p:cNvSpPr txBox="1"/>
+          <p:cNvSpPr txBox="1">
+            <a:spLocks noGrp="1"/>
+          </p:cNvSpPr>
           <p:nvPr>
-            <p:ph idx="1" type="body"/>
+            <p:ph type="body" idx="1"/>
           </p:nvPr>
         </p:nvSpPr>
         <p:spPr>
@@ -1673,12 +1741,12 @@
           </a:prstGeom>
         </p:spPr>
         <p:txBody>
-          <a:bodyPr anchorCtr="0" anchor="t" bIns="91425" lIns="91425" spcFirstLastPara="1" rIns="91425" wrap="square" tIns="91425">
+          <a:bodyPr spcFirstLastPara="1" wrap="square" lIns="91425" tIns="91425" rIns="91425" bIns="91425" anchor="t" anchorCtr="0">
             <a:noAutofit/>
           </a:bodyPr>
           <a:lstStyle/>
           <a:p>
-            <a:pPr indent="0" lvl="0" marL="0" rtl="0" algn="l">
+            <a:pPr marL="0" lvl="0" indent="0" algn="l" rtl="0">
               <a:spcBef>
                 <a:spcPts val="0"/>
               </a:spcBef>
@@ -1687,9 +1755,6 @@
               </a:spcAft>
               <a:buNone/>
             </a:pPr>
-            <a:r>
-              <a:t/>
-            </a:r>
             <a:endParaRPr/>
           </a:p>
         </p:txBody>
@@ -1703,11 +1768,11 @@
 </file>
 
 <file path=ppt/notesSlides/notesSlide9.xml><?xml version="1.0" encoding="utf-8"?>
-<p:notes xmlns:a="http://schemas.openxmlformats.org/drawingml/2006/main" xmlns:r="http://schemas.openxmlformats.org/officeDocument/2006/relationships" xmlns:mc="http://schemas.openxmlformats.org/markup-compatibility/2006" xmlns:mv="urn:schemas-microsoft-com:mac:vml" xmlns:p="http://schemas.openxmlformats.org/presentationml/2006/main" xmlns:c="http://schemas.openxmlformats.org/drawingml/2006/chart" xmlns:dgm="http://schemas.openxmlformats.org/drawingml/2006/diagram" xmlns:o="urn:schemas-microsoft-com:office:office" xmlns:v="urn:schemas-microsoft-com:vml" xmlns:pvml="urn:schemas-microsoft-com:office:powerpoint" xmlns:com="http://schemas.openxmlformats.org/drawingml/2006/compatibility" xmlns:p14="http://schemas.microsoft.com/office/powerpoint/2010/main" xmlns:p15="http://schemas.microsoft.com/office/powerpoint/2012/main" xmlns:ahyp="http://schemas.microsoft.com/office/drawing/2018/hyperlinkcolor" showMasterPhAnim="0" showMasterSp="0">
+<p:notes xmlns:a="http://schemas.openxmlformats.org/drawingml/2006/main" xmlns:r="http://schemas.openxmlformats.org/officeDocument/2006/relationships" xmlns:p="http://schemas.openxmlformats.org/presentationml/2006/main" showMasterSp="0" showMasterPhAnim="0">
   <p:cSld>
     <p:spTree>
       <p:nvGrpSpPr>
-        <p:cNvPr id="178" name="Shape 178"/>
+        <p:cNvPr id="1" name="Shape 178"/>
         <p:cNvGrpSpPr/>
         <p:nvPr/>
       </p:nvGrpSpPr>
@@ -1722,20 +1787,26 @@
       <p:sp>
         <p:nvSpPr>
           <p:cNvPr id="179" name="Google Shape;179;gd596b29c03_0_610:notes"/>
-          <p:cNvSpPr/>
+          <p:cNvSpPr>
+            <a:spLocks noGrp="1" noRot="1" noChangeAspect="1"/>
+          </p:cNvSpPr>
           <p:nvPr>
-            <p:ph idx="2" type="sldImg"/>
+            <p:ph type="sldImg" idx="2"/>
           </p:nvPr>
         </p:nvSpPr>
         <p:spPr>
           <a:xfrm>
-            <a:off x="381300" y="685800"/>
+            <a:off x="381000" y="685800"/>
             <a:ext cx="6096000" cy="3429000"/>
           </a:xfrm>
           <a:custGeom>
-            <a:rect b="b" l="l" r="r" t="t"/>
+            <a:avLst/>
+            <a:gdLst/>
+            <a:ahLst/>
+            <a:cxnLst/>
+            <a:rect l="l" t="t" r="r" b="b"/>
             <a:pathLst>
-              <a:path extrusionOk="0" h="120000" w="120000">
+              <a:path w="120000" h="120000" extrusionOk="0">
                 <a:moveTo>
                   <a:pt x="0" y="0"/>
                 </a:moveTo>
@@ -1757,9 +1828,11 @@
       <p:sp>
         <p:nvSpPr>
           <p:cNvPr id="180" name="Google Shape;180;gd596b29c03_0_610:notes"/>
-          <p:cNvSpPr txBox="1"/>
+          <p:cNvSpPr txBox="1">
+            <a:spLocks noGrp="1"/>
+          </p:cNvSpPr>
           <p:nvPr>
-            <p:ph idx="1" type="body"/>
+            <p:ph type="body" idx="1"/>
           </p:nvPr>
         </p:nvSpPr>
         <p:spPr>
@@ -1772,12 +1845,12 @@
           </a:prstGeom>
         </p:spPr>
         <p:txBody>
-          <a:bodyPr anchorCtr="0" anchor="t" bIns="91425" lIns="91425" spcFirstLastPara="1" rIns="91425" wrap="square" tIns="91425">
+          <a:bodyPr spcFirstLastPara="1" wrap="square" lIns="91425" tIns="91425" rIns="91425" bIns="91425" anchor="t" anchorCtr="0">
             <a:noAutofit/>
           </a:bodyPr>
           <a:lstStyle/>
           <a:p>
-            <a:pPr indent="0" lvl="0" marL="0" rtl="0" algn="l">
+            <a:pPr marL="0" lvl="0" indent="0" algn="l" rtl="0">
               <a:spcBef>
                 <a:spcPts val="0"/>
               </a:spcBef>
@@ -1786,9 +1859,6 @@
               </a:spcAft>
               <a:buNone/>
             </a:pPr>
-            <a:r>
-              <a:t/>
-            </a:r>
             <a:endParaRPr/>
           </a:p>
         </p:txBody>
@@ -1802,11 +1872,11 @@
 </file>
 
 <file path=ppt/slideLayouts/slideLayout1.xml><?xml version="1.0" encoding="utf-8"?>
-<p:sldLayout xmlns:a="http://schemas.openxmlformats.org/drawingml/2006/main" xmlns:r="http://schemas.openxmlformats.org/officeDocument/2006/relationships" xmlns:mc="http://schemas.openxmlformats.org/markup-compatibility/2006" xmlns:mv="urn:schemas-microsoft-com:mac:vml" xmlns:p="http://schemas.openxmlformats.org/presentationml/2006/main" xmlns:c="http://schemas.openxmlformats.org/drawingml/2006/chart" xmlns:dgm="http://schemas.openxmlformats.org/drawingml/2006/diagram" xmlns:o="urn:schemas-microsoft-com:office:office" xmlns:v="urn:schemas-microsoft-com:vml" xmlns:pvml="urn:schemas-microsoft-com:office:powerpoint" xmlns:com="http://schemas.openxmlformats.org/drawingml/2006/compatibility" xmlns:p14="http://schemas.microsoft.com/office/powerpoint/2010/main" xmlns:p15="http://schemas.microsoft.com/office/powerpoint/2012/main" xmlns:ahyp="http://schemas.microsoft.com/office/drawing/2018/hyperlinkcolor" matchingName="Title slide" type="title">
+<p:sldLayout xmlns:a="http://schemas.openxmlformats.org/drawingml/2006/main" xmlns:r="http://schemas.openxmlformats.org/officeDocument/2006/relationships" xmlns:p="http://schemas.openxmlformats.org/presentationml/2006/main" matchingName="Title slide" type="title">
   <p:cSld name="TITLE">
     <p:spTree>
       <p:nvGrpSpPr>
-        <p:cNvPr id="9" name="Shape 9"/>
+        <p:cNvPr id="1" name="Shape 9"/>
         <p:cNvGrpSpPr/>
         <p:nvPr/>
       </p:nvGrpSpPr>
@@ -1831,7 +1901,7 @@
           </a:xfrm>
           <a:prstGeom prst="diagStripe">
             <a:avLst>
-              <a:gd fmla="val 0" name="adj"/>
+              <a:gd name="adj" fmla="val 0"/>
             </a:avLst>
           </a:prstGeom>
           <a:solidFill>
@@ -1844,12 +1914,12 @@
           </a:ln>
         </p:spPr>
         <p:txBody>
-          <a:bodyPr anchorCtr="0" anchor="ctr" bIns="91425" lIns="91425" spcFirstLastPara="1" rIns="91425" wrap="square" tIns="91425">
+          <a:bodyPr spcFirstLastPara="1" wrap="square" lIns="91425" tIns="91425" rIns="91425" bIns="91425" anchor="ctr" anchorCtr="0">
             <a:noAutofit/>
           </a:bodyPr>
           <a:lstStyle/>
           <a:p>
-            <a:pPr indent="0" lvl="0" marL="0" rtl="0" algn="l">
+            <a:pPr marL="0" lvl="0" indent="0" algn="l" rtl="0">
               <a:spcBef>
                 <a:spcPts val="0"/>
               </a:spcBef>
@@ -1858,9 +1928,6 @@
               </a:spcAft>
               <a:buNone/>
             </a:pPr>
-            <a:r>
-              <a:t/>
-            </a:r>
             <a:endParaRPr/>
           </a:p>
         </p:txBody>
@@ -1892,7 +1959,7 @@
             </a:xfrm>
             <a:prstGeom prst="diagStripe">
               <a:avLst>
-                <a:gd fmla="val 50000" name="adj"/>
+                <a:gd name="adj" fmla="val 50000"/>
               </a:avLst>
             </a:prstGeom>
             <a:solidFill>
@@ -1905,12 +1972,12 @@
             </a:ln>
           </p:spPr>
           <p:txBody>
-            <a:bodyPr anchorCtr="0" anchor="ctr" bIns="91425" lIns="91425" spcFirstLastPara="1" rIns="91425" wrap="square" tIns="91425">
+            <a:bodyPr spcFirstLastPara="1" wrap="square" lIns="91425" tIns="91425" rIns="91425" bIns="91425" anchor="ctr" anchorCtr="0">
               <a:noAutofit/>
             </a:bodyPr>
             <a:lstStyle/>
             <a:p>
-              <a:pPr indent="0" lvl="0" marL="0" rtl="0" algn="l">
+              <a:pPr marL="0" lvl="0" indent="0" algn="l" rtl="0">
                 <a:spcBef>
                   <a:spcPts val="0"/>
                 </a:spcBef>
@@ -1919,9 +1986,6 @@
                 </a:spcAft>
                 <a:buNone/>
               </a:pPr>
-              <a:r>
-                <a:t/>
-              </a:r>
               <a:endParaRPr/>
             </a:p>
           </p:txBody>
@@ -1939,7 +2003,7 @@
             </a:xfrm>
             <a:prstGeom prst="diagStripe">
               <a:avLst>
-                <a:gd fmla="val 58774" name="adj"/>
+                <a:gd name="adj" fmla="val 58774"/>
               </a:avLst>
             </a:prstGeom>
             <a:solidFill>
@@ -1952,12 +2016,12 @@
             </a:ln>
           </p:spPr>
           <p:txBody>
-            <a:bodyPr anchorCtr="0" anchor="ctr" bIns="91425" lIns="91425" spcFirstLastPara="1" rIns="91425" wrap="square" tIns="91425">
+            <a:bodyPr spcFirstLastPara="1" wrap="square" lIns="91425" tIns="91425" rIns="91425" bIns="91425" anchor="ctr" anchorCtr="0">
               <a:noAutofit/>
             </a:bodyPr>
             <a:lstStyle/>
             <a:p>
-              <a:pPr indent="0" lvl="0" marL="0" rtl="0" algn="l">
+              <a:pPr marL="0" lvl="0" indent="0" algn="l" rtl="0">
                 <a:spcBef>
                   <a:spcPts val="0"/>
                 </a:spcBef>
@@ -1966,9 +2030,6 @@
                 </a:spcAft>
                 <a:buNone/>
               </a:pPr>
-              <a:r>
-                <a:t/>
-              </a:r>
               <a:endParaRPr/>
             </a:p>
           </p:txBody>
@@ -1986,7 +2047,7 @@
             </a:xfrm>
             <a:prstGeom prst="diagStripe">
               <a:avLst>
-                <a:gd fmla="val 50000" name="adj"/>
+                <a:gd name="adj" fmla="val 50000"/>
               </a:avLst>
             </a:prstGeom>
             <a:solidFill>
@@ -1997,12 +2058,12 @@
             </a:ln>
           </p:spPr>
           <p:txBody>
-            <a:bodyPr anchorCtr="0" anchor="ctr" bIns="91425" lIns="91425" spcFirstLastPara="1" rIns="91425" wrap="square" tIns="91425">
+            <a:bodyPr spcFirstLastPara="1" wrap="square" lIns="91425" tIns="91425" rIns="91425" bIns="91425" anchor="ctr" anchorCtr="0">
               <a:noAutofit/>
             </a:bodyPr>
             <a:lstStyle/>
             <a:p>
-              <a:pPr indent="0" lvl="0" marL="0" rtl="0" algn="l">
+              <a:pPr marL="0" lvl="0" indent="0" algn="l" rtl="0">
                 <a:spcBef>
                   <a:spcPts val="0"/>
                 </a:spcBef>
@@ -2011,9 +2072,6 @@
                 </a:spcAft>
                 <a:buNone/>
               </a:pPr>
-              <a:r>
-                <a:t/>
-              </a:r>
               <a:endParaRPr/>
             </a:p>
           </p:txBody>
@@ -2031,7 +2089,7 @@
             </a:xfrm>
             <a:prstGeom prst="diagStripe">
               <a:avLst>
-                <a:gd fmla="val 50000" name="adj"/>
+                <a:gd name="adj" fmla="val 50000"/>
               </a:avLst>
             </a:prstGeom>
             <a:solidFill>
@@ -2042,12 +2100,12 @@
             </a:ln>
           </p:spPr>
           <p:txBody>
-            <a:bodyPr anchorCtr="0" anchor="ctr" bIns="91425" lIns="91425" spcFirstLastPara="1" rIns="91425" wrap="square" tIns="91425">
+            <a:bodyPr spcFirstLastPara="1" wrap="square" lIns="91425" tIns="91425" rIns="91425" bIns="91425" anchor="ctr" anchorCtr="0">
               <a:noAutofit/>
             </a:bodyPr>
             <a:lstStyle/>
             <a:p>
-              <a:pPr indent="0" lvl="0" marL="0" rtl="0" algn="l">
+              <a:pPr marL="0" lvl="0" indent="0" algn="l" rtl="0">
                 <a:spcBef>
                   <a:spcPts val="0"/>
                 </a:spcBef>
@@ -2056,9 +2114,6 @@
                 </a:spcAft>
                 <a:buNone/>
               </a:pPr>
-              <a:r>
-                <a:t/>
-              </a:r>
               <a:endParaRPr/>
             </a:p>
           </p:txBody>
@@ -2067,7 +2122,9 @@
       <p:sp>
         <p:nvSpPr>
           <p:cNvPr id="16" name="Google Shape;16;p2"/>
-          <p:cNvSpPr txBox="1"/>
+          <p:cNvSpPr txBox="1">
+            <a:spLocks noGrp="1"/>
+          </p:cNvSpPr>
           <p:nvPr>
             <p:ph type="ctrTitle"/>
           </p:nvPr>
@@ -2082,7 +2139,7 @@
           </a:prstGeom>
         </p:spPr>
         <p:txBody>
-          <a:bodyPr anchorCtr="0" anchor="t" bIns="91425" lIns="91425" spcFirstLastPara="1" rIns="91425" wrap="square" tIns="91425">
+          <a:bodyPr spcFirstLastPara="1" wrap="square" lIns="91425" tIns="91425" rIns="91425" bIns="91425" anchor="t" anchorCtr="0">
             <a:normAutofit/>
           </a:bodyPr>
           <a:lstStyle>
@@ -2186,15 +2243,19 @@
               <a:defRPr sz="4000"/>
             </a:lvl9pPr>
           </a:lstStyle>
-          <a:p/>
+          <a:p>
+            <a:endParaRPr/>
+          </a:p>
         </p:txBody>
       </p:sp>
       <p:sp>
         <p:nvSpPr>
           <p:cNvPr id="17" name="Google Shape;17;p2"/>
-          <p:cNvSpPr txBox="1"/>
+          <p:cNvSpPr txBox="1">
+            <a:spLocks noGrp="1"/>
+          </p:cNvSpPr>
           <p:nvPr>
-            <p:ph idx="1" type="subTitle"/>
+            <p:ph type="subTitle" idx="1"/>
           </p:nvPr>
         </p:nvSpPr>
         <p:spPr>
@@ -2207,7 +2268,7 @@
           </a:prstGeom>
         </p:spPr>
         <p:txBody>
-          <a:bodyPr anchorCtr="0" anchor="t" bIns="91425" lIns="91425" spcFirstLastPara="1" rIns="91425" wrap="square" tIns="91425">
+          <a:bodyPr spcFirstLastPara="1" wrap="square" lIns="91425" tIns="91425" rIns="91425" bIns="91425" anchor="t" anchorCtr="0">
             <a:normAutofit/>
           </a:bodyPr>
           <a:lstStyle>
@@ -2338,15 +2399,19 @@
               <a:defRPr sz="1300"/>
             </a:lvl9pPr>
           </a:lstStyle>
-          <a:p/>
+          <a:p>
+            <a:endParaRPr/>
+          </a:p>
         </p:txBody>
       </p:sp>
       <p:sp>
         <p:nvSpPr>
           <p:cNvPr id="18" name="Google Shape;18;p2"/>
-          <p:cNvSpPr txBox="1"/>
+          <p:cNvSpPr txBox="1">
+            <a:spLocks noGrp="1"/>
+          </p:cNvSpPr>
           <p:nvPr>
-            <p:ph idx="12" type="sldNum"/>
+            <p:ph type="sldNum" idx="12"/>
           </p:nvPr>
         </p:nvSpPr>
         <p:spPr>
@@ -2359,7 +2424,7 @@
           </a:prstGeom>
         </p:spPr>
         <p:txBody>
-          <a:bodyPr anchorCtr="0" anchor="ctr" bIns="91425" lIns="91425" spcFirstLastPara="1" rIns="91425" wrap="square" tIns="91425">
+          <a:bodyPr spcFirstLastPara="1" wrap="square" lIns="91425" tIns="91425" rIns="91425" bIns="91425" anchor="ctr" anchorCtr="0">
             <a:normAutofit/>
           </a:bodyPr>
           <a:lstStyle>
@@ -2401,7 +2466,7 @@
             </a:lvl9pPr>
           </a:lstStyle>
           <a:p>
-            <a:pPr indent="0" lvl="0" marL="0" rtl="0" algn="r">
+            <a:pPr marL="0" lvl="0" indent="0" algn="r" rtl="0">
               <a:spcBef>
                 <a:spcPts val="0"/>
               </a:spcBef>
@@ -2427,11 +2492,11 @@
 </file>
 
 <file path=ppt/slideLayouts/slideLayout10.xml><?xml version="1.0" encoding="utf-8"?>
-<p:sldLayout xmlns:a="http://schemas.openxmlformats.org/drawingml/2006/main" xmlns:r="http://schemas.openxmlformats.org/officeDocument/2006/relationships" xmlns:mc="http://schemas.openxmlformats.org/markup-compatibility/2006" xmlns:mv="urn:schemas-microsoft-com:mac:vml" xmlns:p="http://schemas.openxmlformats.org/presentationml/2006/main" xmlns:c="http://schemas.openxmlformats.org/drawingml/2006/chart" xmlns:dgm="http://schemas.openxmlformats.org/drawingml/2006/diagram" xmlns:o="urn:schemas-microsoft-com:office:office" xmlns:v="urn:schemas-microsoft-com:vml" xmlns:pvml="urn:schemas-microsoft-com:office:powerpoint" xmlns:com="http://schemas.openxmlformats.org/drawingml/2006/compatibility" xmlns:p14="http://schemas.microsoft.com/office/powerpoint/2010/main" xmlns:p15="http://schemas.microsoft.com/office/powerpoint/2012/main" xmlns:ahyp="http://schemas.microsoft.com/office/drawing/2018/hyperlinkcolor" matchingName="Big number">
+<p:sldLayout xmlns:a="http://schemas.openxmlformats.org/drawingml/2006/main" xmlns:r="http://schemas.openxmlformats.org/officeDocument/2006/relationships" xmlns:p="http://schemas.openxmlformats.org/presentationml/2006/main" matchingName="Big number">
   <p:cSld name="BIG_NUMBER">
     <p:spTree>
       <p:nvGrpSpPr>
-        <p:cNvPr id="105" name="Shape 105"/>
+        <p:cNvPr id="1" name="Shape 105"/>
         <p:cNvGrpSpPr/>
         <p:nvPr/>
       </p:nvGrpSpPr>
@@ -2470,7 +2535,7 @@
             </a:xfrm>
             <a:prstGeom prst="diagStripe">
               <a:avLst>
-                <a:gd fmla="val 49469" name="adj"/>
+                <a:gd name="adj" fmla="val 49469"/>
               </a:avLst>
             </a:prstGeom>
             <a:solidFill>
@@ -2483,12 +2548,12 @@
             </a:ln>
           </p:spPr>
           <p:txBody>
-            <a:bodyPr anchorCtr="0" anchor="ctr" bIns="91425" lIns="91425" spcFirstLastPara="1" rIns="91425" wrap="square" tIns="91425">
+            <a:bodyPr spcFirstLastPara="1" wrap="square" lIns="91425" tIns="91425" rIns="91425" bIns="91425" anchor="ctr" anchorCtr="0">
               <a:noAutofit/>
             </a:bodyPr>
             <a:lstStyle/>
             <a:p>
-              <a:pPr indent="0" lvl="0" marL="0" rtl="0" algn="l">
+              <a:pPr marL="0" lvl="0" indent="0" algn="l" rtl="0">
                 <a:spcBef>
                   <a:spcPts val="0"/>
                 </a:spcBef>
@@ -2497,9 +2562,6 @@
                 </a:spcAft>
                 <a:buNone/>
               </a:pPr>
-              <a:r>
-                <a:t/>
-              </a:r>
               <a:endParaRPr/>
             </a:p>
           </p:txBody>
@@ -2517,7 +2579,7 @@
             </a:xfrm>
             <a:prstGeom prst="diagStripe">
               <a:avLst>
-                <a:gd fmla="val 0" name="adj"/>
+                <a:gd name="adj" fmla="val 0"/>
               </a:avLst>
             </a:prstGeom>
             <a:solidFill>
@@ -2530,12 +2592,12 @@
             </a:ln>
           </p:spPr>
           <p:txBody>
-            <a:bodyPr anchorCtr="0" anchor="ctr" bIns="91425" lIns="91425" spcFirstLastPara="1" rIns="91425" wrap="square" tIns="91425">
+            <a:bodyPr spcFirstLastPara="1" wrap="square" lIns="91425" tIns="91425" rIns="91425" bIns="91425" anchor="ctr" anchorCtr="0">
               <a:noAutofit/>
             </a:bodyPr>
             <a:lstStyle/>
             <a:p>
-              <a:pPr indent="0" lvl="0" marL="0" rtl="0" algn="l">
+              <a:pPr marL="0" lvl="0" indent="0" algn="l" rtl="0">
                 <a:spcBef>
                   <a:spcPts val="0"/>
                 </a:spcBef>
@@ -2544,9 +2606,6 @@
                 </a:spcAft>
                 <a:buNone/>
               </a:pPr>
-              <a:r>
-                <a:t/>
-              </a:r>
               <a:endParaRPr/>
             </a:p>
           </p:txBody>
@@ -2564,7 +2623,7 @@
             </a:xfrm>
             <a:prstGeom prst="diagStripe">
               <a:avLst>
-                <a:gd fmla="val 50000" name="adj"/>
+                <a:gd name="adj" fmla="val 50000"/>
               </a:avLst>
             </a:prstGeom>
             <a:solidFill>
@@ -2577,12 +2636,12 @@
             </a:ln>
           </p:spPr>
           <p:txBody>
-            <a:bodyPr anchorCtr="0" anchor="ctr" bIns="91425" lIns="91425" spcFirstLastPara="1" rIns="91425" wrap="square" tIns="91425">
+            <a:bodyPr spcFirstLastPara="1" wrap="square" lIns="91425" tIns="91425" rIns="91425" bIns="91425" anchor="ctr" anchorCtr="0">
               <a:noAutofit/>
             </a:bodyPr>
             <a:lstStyle/>
             <a:p>
-              <a:pPr indent="0" lvl="0" marL="0" rtl="0" algn="l">
+              <a:pPr marL="0" lvl="0" indent="0" algn="l" rtl="0">
                 <a:spcBef>
                   <a:spcPts val="0"/>
                 </a:spcBef>
@@ -2591,9 +2650,6 @@
                 </a:spcAft>
                 <a:buNone/>
               </a:pPr>
-              <a:r>
-                <a:t/>
-              </a:r>
               <a:endParaRPr/>
             </a:p>
           </p:txBody>
@@ -2611,7 +2667,7 @@
             </a:xfrm>
             <a:prstGeom prst="diagStripe">
               <a:avLst>
-                <a:gd fmla="val 50000" name="adj"/>
+                <a:gd name="adj" fmla="val 50000"/>
               </a:avLst>
             </a:prstGeom>
             <a:solidFill>
@@ -2624,12 +2680,12 @@
             </a:ln>
           </p:spPr>
           <p:txBody>
-            <a:bodyPr anchorCtr="0" anchor="ctr" bIns="91425" lIns="91425" spcFirstLastPara="1" rIns="91425" wrap="square" tIns="91425">
+            <a:bodyPr spcFirstLastPara="1" wrap="square" lIns="91425" tIns="91425" rIns="91425" bIns="91425" anchor="ctr" anchorCtr="0">
               <a:noAutofit/>
             </a:bodyPr>
             <a:lstStyle/>
             <a:p>
-              <a:pPr indent="0" lvl="0" marL="0" rtl="0" algn="l">
+              <a:pPr marL="0" lvl="0" indent="0" algn="l" rtl="0">
                 <a:spcBef>
                   <a:spcPts val="0"/>
                 </a:spcBef>
@@ -2638,9 +2694,6 @@
                 </a:spcAft>
                 <a:buNone/>
               </a:pPr>
-              <a:r>
-                <a:t/>
-              </a:r>
               <a:endParaRPr/>
             </a:p>
           </p:txBody>
@@ -2658,7 +2711,7 @@
             </a:xfrm>
             <a:prstGeom prst="diagStripe">
               <a:avLst>
-                <a:gd fmla="val 50000" name="adj"/>
+                <a:gd name="adj" fmla="val 50000"/>
               </a:avLst>
             </a:prstGeom>
             <a:solidFill>
@@ -2671,12 +2724,12 @@
             </a:ln>
           </p:spPr>
           <p:txBody>
-            <a:bodyPr anchorCtr="0" anchor="ctr" bIns="91425" lIns="91425" spcFirstLastPara="1" rIns="91425" wrap="square" tIns="91425">
+            <a:bodyPr spcFirstLastPara="1" wrap="square" lIns="91425" tIns="91425" rIns="91425" bIns="91425" anchor="ctr" anchorCtr="0">
               <a:noAutofit/>
             </a:bodyPr>
             <a:lstStyle/>
             <a:p>
-              <a:pPr indent="0" lvl="0" marL="0" rtl="0" algn="l">
+              <a:pPr marL="0" lvl="0" indent="0" algn="l" rtl="0">
                 <a:spcBef>
                   <a:spcPts val="0"/>
                 </a:spcBef>
@@ -2685,9 +2738,6 @@
                 </a:spcAft>
                 <a:buNone/>
               </a:pPr>
-              <a:r>
-                <a:t/>
-              </a:r>
               <a:endParaRPr/>
             </a:p>
           </p:txBody>
@@ -2705,7 +2755,7 @@
             </a:xfrm>
             <a:prstGeom prst="diagStripe">
               <a:avLst>
-                <a:gd fmla="val 50000" name="adj"/>
+                <a:gd name="adj" fmla="val 50000"/>
               </a:avLst>
             </a:prstGeom>
             <a:solidFill>
@@ -2718,12 +2768,12 @@
             </a:ln>
           </p:spPr>
           <p:txBody>
-            <a:bodyPr anchorCtr="0" anchor="ctr" bIns="91425" lIns="91425" spcFirstLastPara="1" rIns="91425" wrap="square" tIns="91425">
+            <a:bodyPr spcFirstLastPara="1" wrap="square" lIns="91425" tIns="91425" rIns="91425" bIns="91425" anchor="ctr" anchorCtr="0">
               <a:noAutofit/>
             </a:bodyPr>
             <a:lstStyle/>
             <a:p>
-              <a:pPr indent="0" lvl="0" marL="0" rtl="0" algn="l">
+              <a:pPr marL="0" lvl="0" indent="0" algn="l" rtl="0">
                 <a:spcBef>
                   <a:spcPts val="0"/>
                 </a:spcBef>
@@ -2732,9 +2782,6 @@
                 </a:spcAft>
                 <a:buNone/>
               </a:pPr>
-              <a:r>
-                <a:t/>
-              </a:r>
               <a:endParaRPr/>
             </a:p>
           </p:txBody>
@@ -2752,7 +2799,7 @@
             </a:xfrm>
             <a:prstGeom prst="diagStripe">
               <a:avLst>
-                <a:gd fmla="val 50000" name="adj"/>
+                <a:gd name="adj" fmla="val 50000"/>
               </a:avLst>
             </a:prstGeom>
             <a:solidFill>
@@ -2765,12 +2812,12 @@
             </a:ln>
           </p:spPr>
           <p:txBody>
-            <a:bodyPr anchorCtr="0" anchor="ctr" bIns="91425" lIns="91425" spcFirstLastPara="1" rIns="91425" wrap="square" tIns="91425">
+            <a:bodyPr spcFirstLastPara="1" wrap="square" lIns="91425" tIns="91425" rIns="91425" bIns="91425" anchor="ctr" anchorCtr="0">
               <a:noAutofit/>
             </a:bodyPr>
             <a:lstStyle/>
             <a:p>
-              <a:pPr indent="0" lvl="0" marL="0" rtl="0" algn="l">
+              <a:pPr marL="0" lvl="0" indent="0" algn="l" rtl="0">
                 <a:spcBef>
                   <a:spcPts val="0"/>
                 </a:spcBef>
@@ -2779,9 +2826,6 @@
                 </a:spcAft>
                 <a:buNone/>
               </a:pPr>
-              <a:r>
-                <a:t/>
-              </a:r>
               <a:endParaRPr/>
             </a:p>
           </p:txBody>
@@ -2799,7 +2843,7 @@
             </a:xfrm>
             <a:prstGeom prst="diagStripe">
               <a:avLst>
-                <a:gd fmla="val 50000" name="adj"/>
+                <a:gd name="adj" fmla="val 50000"/>
               </a:avLst>
             </a:prstGeom>
             <a:solidFill>
@@ -2810,12 +2854,12 @@
             </a:ln>
           </p:spPr>
           <p:txBody>
-            <a:bodyPr anchorCtr="0" anchor="ctr" bIns="91425" lIns="91425" spcFirstLastPara="1" rIns="91425" wrap="square" tIns="91425">
+            <a:bodyPr spcFirstLastPara="1" wrap="square" lIns="91425" tIns="91425" rIns="91425" bIns="91425" anchor="ctr" anchorCtr="0">
               <a:noAutofit/>
             </a:bodyPr>
             <a:lstStyle/>
             <a:p>
-              <a:pPr indent="0" lvl="0" marL="0" rtl="0" algn="l">
+              <a:pPr marL="0" lvl="0" indent="0" algn="l" rtl="0">
                 <a:spcBef>
                   <a:spcPts val="0"/>
                 </a:spcBef>
@@ -2824,9 +2868,6 @@
                 </a:spcAft>
                 <a:buNone/>
               </a:pPr>
-              <a:r>
-                <a:t/>
-              </a:r>
               <a:endParaRPr/>
             </a:p>
           </p:txBody>
@@ -2844,7 +2885,7 @@
             </a:xfrm>
             <a:prstGeom prst="diagStripe">
               <a:avLst>
-                <a:gd fmla="val 50000" name="adj"/>
+                <a:gd name="adj" fmla="val 50000"/>
               </a:avLst>
             </a:prstGeom>
             <a:solidFill>
@@ -2857,12 +2898,12 @@
             </a:ln>
           </p:spPr>
           <p:txBody>
-            <a:bodyPr anchorCtr="0" anchor="ctr" bIns="91425" lIns="91425" spcFirstLastPara="1" rIns="91425" wrap="square" tIns="91425">
+            <a:bodyPr spcFirstLastPara="1" wrap="square" lIns="91425" tIns="91425" rIns="91425" bIns="91425" anchor="ctr" anchorCtr="0">
               <a:noAutofit/>
             </a:bodyPr>
             <a:lstStyle/>
             <a:p>
-              <a:pPr indent="0" lvl="0" marL="0" rtl="0" algn="l">
+              <a:pPr marL="0" lvl="0" indent="0" algn="l" rtl="0">
                 <a:spcBef>
                   <a:spcPts val="0"/>
                 </a:spcBef>
@@ -2871,9 +2912,6 @@
                 </a:spcAft>
                 <a:buNone/>
               </a:pPr>
-              <a:r>
-                <a:t/>
-              </a:r>
               <a:endParaRPr/>
             </a:p>
           </p:txBody>
@@ -2891,7 +2929,7 @@
             </a:xfrm>
             <a:prstGeom prst="diagStripe">
               <a:avLst>
-                <a:gd fmla="val 50000" name="adj"/>
+                <a:gd name="adj" fmla="val 50000"/>
               </a:avLst>
             </a:prstGeom>
             <a:solidFill>
@@ -2904,12 +2942,12 @@
             </a:ln>
           </p:spPr>
           <p:txBody>
-            <a:bodyPr anchorCtr="0" anchor="ctr" bIns="91425" lIns="91425" spcFirstLastPara="1" rIns="91425" wrap="square" tIns="91425">
+            <a:bodyPr spcFirstLastPara="1" wrap="square" lIns="91425" tIns="91425" rIns="91425" bIns="91425" anchor="ctr" anchorCtr="0">
               <a:noAutofit/>
             </a:bodyPr>
             <a:lstStyle/>
             <a:p>
-              <a:pPr indent="0" lvl="0" marL="0" rtl="0" algn="l">
+              <a:pPr marL="0" lvl="0" indent="0" algn="l" rtl="0">
                 <a:spcBef>
                   <a:spcPts val="0"/>
                 </a:spcBef>
@@ -2918,9 +2956,6 @@
                 </a:spcAft>
                 <a:buNone/>
               </a:pPr>
-              <a:r>
-                <a:t/>
-              </a:r>
               <a:endParaRPr/>
             </a:p>
           </p:txBody>
@@ -2938,7 +2973,7 @@
             </a:xfrm>
             <a:prstGeom prst="diagStripe">
               <a:avLst>
-                <a:gd fmla="val 50000" name="adj"/>
+                <a:gd name="adj" fmla="val 50000"/>
               </a:avLst>
             </a:prstGeom>
             <a:solidFill>
@@ -2951,12 +2986,12 @@
             </a:ln>
           </p:spPr>
           <p:txBody>
-            <a:bodyPr anchorCtr="0" anchor="ctr" bIns="91425" lIns="91425" spcFirstLastPara="1" rIns="91425" wrap="square" tIns="91425">
+            <a:bodyPr spcFirstLastPara="1" wrap="square" lIns="91425" tIns="91425" rIns="91425" bIns="91425" anchor="ctr" anchorCtr="0">
               <a:noAutofit/>
             </a:bodyPr>
             <a:lstStyle/>
             <a:p>
-              <a:pPr indent="0" lvl="0" marL="0" rtl="0" algn="l">
+              <a:pPr marL="0" lvl="0" indent="0" algn="l" rtl="0">
                 <a:spcBef>
                   <a:spcPts val="0"/>
                 </a:spcBef>
@@ -2965,9 +3000,6 @@
                 </a:spcAft>
                 <a:buNone/>
               </a:pPr>
-              <a:r>
-                <a:t/>
-              </a:r>
               <a:endParaRPr/>
             </a:p>
           </p:txBody>
@@ -2985,7 +3017,7 @@
             </a:xfrm>
             <a:prstGeom prst="diagStripe">
               <a:avLst>
-                <a:gd fmla="val 50000" name="adj"/>
+                <a:gd name="adj" fmla="val 50000"/>
               </a:avLst>
             </a:prstGeom>
             <a:solidFill>
@@ -2998,12 +3030,12 @@
             </a:ln>
           </p:spPr>
           <p:txBody>
-            <a:bodyPr anchorCtr="0" anchor="ctr" bIns="91425" lIns="91425" spcFirstLastPara="1" rIns="91425" wrap="square" tIns="91425">
+            <a:bodyPr spcFirstLastPara="1" wrap="square" lIns="91425" tIns="91425" rIns="91425" bIns="91425" anchor="ctr" anchorCtr="0">
               <a:noAutofit/>
             </a:bodyPr>
             <a:lstStyle/>
             <a:p>
-              <a:pPr indent="0" lvl="0" marL="0" rtl="0" algn="l">
+              <a:pPr marL="0" lvl="0" indent="0" algn="l" rtl="0">
                 <a:spcBef>
                   <a:spcPts val="0"/>
                 </a:spcBef>
@@ -3012,9 +3044,6 @@
                 </a:spcAft>
                 <a:buNone/>
               </a:pPr>
-              <a:r>
-                <a:t/>
-              </a:r>
               <a:endParaRPr/>
             </a:p>
           </p:txBody>
@@ -3032,7 +3061,7 @@
             </a:xfrm>
             <a:prstGeom prst="diagStripe">
               <a:avLst>
-                <a:gd fmla="val 50000" name="adj"/>
+                <a:gd name="adj" fmla="val 50000"/>
               </a:avLst>
             </a:prstGeom>
             <a:solidFill>
@@ -3045,12 +3074,12 @@
             </a:ln>
           </p:spPr>
           <p:txBody>
-            <a:bodyPr anchorCtr="0" anchor="ctr" bIns="91425" lIns="91425" spcFirstLastPara="1" rIns="91425" wrap="square" tIns="91425">
+            <a:bodyPr spcFirstLastPara="1" wrap="square" lIns="91425" tIns="91425" rIns="91425" bIns="91425" anchor="ctr" anchorCtr="0">
               <a:noAutofit/>
             </a:bodyPr>
             <a:lstStyle/>
             <a:p>
-              <a:pPr indent="0" lvl="0" marL="0" rtl="0" algn="l">
+              <a:pPr marL="0" lvl="0" indent="0" algn="l" rtl="0">
                 <a:spcBef>
                   <a:spcPts val="0"/>
                 </a:spcBef>
@@ -3059,9 +3088,6 @@
                 </a:spcAft>
                 <a:buNone/>
               </a:pPr>
-              <a:r>
-                <a:t/>
-              </a:r>
               <a:endParaRPr/>
             </a:p>
           </p:txBody>
@@ -3079,7 +3105,7 @@
             </a:xfrm>
             <a:prstGeom prst="diagStripe">
               <a:avLst>
-                <a:gd fmla="val 50000" name="adj"/>
+                <a:gd name="adj" fmla="val 50000"/>
               </a:avLst>
             </a:prstGeom>
             <a:solidFill>
@@ -3090,12 +3116,12 @@
             </a:ln>
           </p:spPr>
           <p:txBody>
-            <a:bodyPr anchorCtr="0" anchor="ctr" bIns="91425" lIns="91425" spcFirstLastPara="1" rIns="91425" wrap="square" tIns="91425">
+            <a:bodyPr spcFirstLastPara="1" wrap="square" lIns="91425" tIns="91425" rIns="91425" bIns="91425" anchor="ctr" anchorCtr="0">
               <a:noAutofit/>
             </a:bodyPr>
             <a:lstStyle/>
             <a:p>
-              <a:pPr indent="0" lvl="0" marL="0" rtl="0" algn="l">
+              <a:pPr marL="0" lvl="0" indent="0" algn="l" rtl="0">
                 <a:spcBef>
                   <a:spcPts val="0"/>
                 </a:spcBef>
@@ -3104,9 +3130,6 @@
                 </a:spcAft>
                 <a:buNone/>
               </a:pPr>
-              <a:r>
-                <a:t/>
-              </a:r>
               <a:endParaRPr/>
             </a:p>
           </p:txBody>
@@ -3124,7 +3147,7 @@
             </a:xfrm>
             <a:prstGeom prst="diagStripe">
               <a:avLst>
-                <a:gd fmla="val 50000" name="adj"/>
+                <a:gd name="adj" fmla="val 50000"/>
               </a:avLst>
             </a:prstGeom>
             <a:solidFill>
@@ -3137,12 +3160,12 @@
             </a:ln>
           </p:spPr>
           <p:txBody>
-            <a:bodyPr anchorCtr="0" anchor="ctr" bIns="91425" lIns="91425" spcFirstLastPara="1" rIns="91425" wrap="square" tIns="91425">
+            <a:bodyPr spcFirstLastPara="1" wrap="square" lIns="91425" tIns="91425" rIns="91425" bIns="91425" anchor="ctr" anchorCtr="0">
               <a:noAutofit/>
             </a:bodyPr>
             <a:lstStyle/>
             <a:p>
-              <a:pPr indent="0" lvl="0" marL="0" rtl="0" algn="l">
+              <a:pPr marL="0" lvl="0" indent="0" algn="l" rtl="0">
                 <a:spcBef>
                   <a:spcPts val="0"/>
                 </a:spcBef>
@@ -3151,9 +3174,6 @@
                 </a:spcAft>
                 <a:buNone/>
               </a:pPr>
-              <a:r>
-                <a:t/>
-              </a:r>
               <a:endParaRPr/>
             </a:p>
           </p:txBody>
@@ -3171,7 +3191,7 @@
             </a:xfrm>
             <a:prstGeom prst="diagStripe">
               <a:avLst>
-                <a:gd fmla="val 50000" name="adj"/>
+                <a:gd name="adj" fmla="val 50000"/>
               </a:avLst>
             </a:prstGeom>
             <a:solidFill>
@@ -3184,12 +3204,12 @@
             </a:ln>
           </p:spPr>
           <p:txBody>
-            <a:bodyPr anchorCtr="0" anchor="ctr" bIns="91425" lIns="91425" spcFirstLastPara="1" rIns="91425" wrap="square" tIns="91425">
+            <a:bodyPr spcFirstLastPara="1" wrap="square" lIns="91425" tIns="91425" rIns="91425" bIns="91425" anchor="ctr" anchorCtr="0">
               <a:noAutofit/>
             </a:bodyPr>
             <a:lstStyle/>
             <a:p>
-              <a:pPr indent="0" lvl="0" marL="0" rtl="0" algn="l">
+              <a:pPr marL="0" lvl="0" indent="0" algn="l" rtl="0">
                 <a:spcBef>
                   <a:spcPts val="0"/>
                 </a:spcBef>
@@ -3198,9 +3218,6 @@
                 </a:spcAft>
                 <a:buNone/>
               </a:pPr>
-              <a:r>
-                <a:t/>
-              </a:r>
               <a:endParaRPr/>
             </a:p>
           </p:txBody>
@@ -3218,7 +3235,7 @@
             </a:xfrm>
             <a:prstGeom prst="diagStripe">
               <a:avLst>
-                <a:gd fmla="val 50000" name="adj"/>
+                <a:gd name="adj" fmla="val 50000"/>
               </a:avLst>
             </a:prstGeom>
             <a:solidFill>
@@ -3231,12 +3248,12 @@
             </a:ln>
           </p:spPr>
           <p:txBody>
-            <a:bodyPr anchorCtr="0" anchor="ctr" bIns="91425" lIns="91425" spcFirstLastPara="1" rIns="91425" wrap="square" tIns="91425">
+            <a:bodyPr spcFirstLastPara="1" wrap="square" lIns="91425" tIns="91425" rIns="91425" bIns="91425" anchor="ctr" anchorCtr="0">
               <a:noAutofit/>
             </a:bodyPr>
             <a:lstStyle/>
             <a:p>
-              <a:pPr indent="0" lvl="0" marL="0" rtl="0" algn="l">
+              <a:pPr marL="0" lvl="0" indent="0" algn="l" rtl="0">
                 <a:spcBef>
                   <a:spcPts val="0"/>
                 </a:spcBef>
@@ -3245,9 +3262,6 @@
                 </a:spcAft>
                 <a:buNone/>
               </a:pPr>
-              <a:r>
-                <a:t/>
-              </a:r>
               <a:endParaRPr/>
             </a:p>
           </p:txBody>
@@ -3265,7 +3279,7 @@
             </a:xfrm>
             <a:prstGeom prst="diagStripe">
               <a:avLst>
-                <a:gd fmla="val 50000" name="adj"/>
+                <a:gd name="adj" fmla="val 50000"/>
               </a:avLst>
             </a:prstGeom>
             <a:solidFill>
@@ -3278,12 +3292,12 @@
             </a:ln>
           </p:spPr>
           <p:txBody>
-            <a:bodyPr anchorCtr="0" anchor="ctr" bIns="91425" lIns="91425" spcFirstLastPara="1" rIns="91425" wrap="square" tIns="91425">
+            <a:bodyPr spcFirstLastPara="1" wrap="square" lIns="91425" tIns="91425" rIns="91425" bIns="91425" anchor="ctr" anchorCtr="0">
               <a:noAutofit/>
             </a:bodyPr>
             <a:lstStyle/>
             <a:p>
-              <a:pPr indent="0" lvl="0" marL="0" rtl="0" algn="l">
+              <a:pPr marL="0" lvl="0" indent="0" algn="l" rtl="0">
                 <a:spcBef>
                   <a:spcPts val="0"/>
                 </a:spcBef>
@@ -3292,9 +3306,6 @@
                 </a:spcAft>
                 <a:buNone/>
               </a:pPr>
-              <a:r>
-                <a:t/>
-              </a:r>
               <a:endParaRPr/>
             </a:p>
           </p:txBody>
@@ -3303,9 +3314,11 @@
       <p:sp>
         <p:nvSpPr>
           <p:cNvPr id="125" name="Google Shape;125;p11"/>
-          <p:cNvSpPr txBox="1"/>
+          <p:cNvSpPr txBox="1">
+            <a:spLocks noGrp="1"/>
+          </p:cNvSpPr>
           <p:nvPr>
-            <p:ph hasCustomPrompt="1" type="title"/>
+            <p:ph type="title" hasCustomPrompt="1"/>
           </p:nvPr>
         </p:nvSpPr>
         <p:spPr>
@@ -3318,7 +3331,7 @@
           </a:prstGeom>
         </p:spPr>
         <p:txBody>
-          <a:bodyPr anchorCtr="0" anchor="t" bIns="91425" lIns="91425" spcFirstLastPara="1" rIns="91425" wrap="square" tIns="91425">
+          <a:bodyPr spcFirstLastPara="1" wrap="square" lIns="91425" tIns="91425" rIns="91425" bIns="91425" anchor="t" anchorCtr="0">
             <a:normAutofit/>
           </a:bodyPr>
           <a:lstStyle>
@@ -3432,9 +3445,11 @@
       <p:sp>
         <p:nvSpPr>
           <p:cNvPr id="126" name="Google Shape;126;p11"/>
-          <p:cNvSpPr txBox="1"/>
+          <p:cNvSpPr txBox="1">
+            <a:spLocks noGrp="1"/>
+          </p:cNvSpPr>
           <p:nvPr>
-            <p:ph idx="1" type="body"/>
+            <p:ph type="body" idx="1"/>
           </p:nvPr>
         </p:nvSpPr>
         <p:spPr>
@@ -3447,11 +3462,11 @@
           </a:prstGeom>
         </p:spPr>
         <p:txBody>
-          <a:bodyPr anchorCtr="0" anchor="t" bIns="91425" lIns="91425" spcFirstLastPara="1" rIns="91425" wrap="square" tIns="91425">
+          <a:bodyPr spcFirstLastPara="1" wrap="square" lIns="91425" tIns="91425" rIns="91425" bIns="91425" anchor="t" anchorCtr="0">
             <a:normAutofit/>
           </a:bodyPr>
           <a:lstStyle>
-            <a:lvl1pPr indent="-311150" lvl="0" marL="457200">
+            <a:lvl1pPr marL="457200" lvl="0" indent="-311150">
               <a:spcBef>
                 <a:spcPts val="0"/>
               </a:spcBef>
@@ -3462,7 +3477,7 @@
               <a:buChar char="●"/>
               <a:defRPr/>
             </a:lvl1pPr>
-            <a:lvl2pPr indent="-298450" lvl="1" marL="914400">
+            <a:lvl2pPr marL="914400" lvl="1" indent="-298450">
               <a:spcBef>
                 <a:spcPts val="0"/>
               </a:spcBef>
@@ -3473,7 +3488,7 @@
               <a:buChar char="○"/>
               <a:defRPr/>
             </a:lvl2pPr>
-            <a:lvl3pPr indent="-298450" lvl="2" marL="1371600">
+            <a:lvl3pPr marL="1371600" lvl="2" indent="-298450">
               <a:spcBef>
                 <a:spcPts val="0"/>
               </a:spcBef>
@@ -3484,7 +3499,7 @@
               <a:buChar char="■"/>
               <a:defRPr/>
             </a:lvl3pPr>
-            <a:lvl4pPr indent="-298450" lvl="3" marL="1828800">
+            <a:lvl4pPr marL="1828800" lvl="3" indent="-298450">
               <a:spcBef>
                 <a:spcPts val="0"/>
               </a:spcBef>
@@ -3495,7 +3510,7 @@
               <a:buChar char="●"/>
               <a:defRPr/>
             </a:lvl4pPr>
-            <a:lvl5pPr indent="-298450" lvl="4" marL="2286000">
+            <a:lvl5pPr marL="2286000" lvl="4" indent="-298450">
               <a:spcBef>
                 <a:spcPts val="0"/>
               </a:spcBef>
@@ -3506,7 +3521,7 @@
               <a:buChar char="○"/>
               <a:defRPr/>
             </a:lvl5pPr>
-            <a:lvl6pPr indent="-298450" lvl="5" marL="2743200">
+            <a:lvl6pPr marL="2743200" lvl="5" indent="-298450">
               <a:spcBef>
                 <a:spcPts val="0"/>
               </a:spcBef>
@@ -3517,7 +3532,7 @@
               <a:buChar char="■"/>
               <a:defRPr/>
             </a:lvl6pPr>
-            <a:lvl7pPr indent="-298450" lvl="6" marL="3200400">
+            <a:lvl7pPr marL="3200400" lvl="6" indent="-298450">
               <a:spcBef>
                 <a:spcPts val="0"/>
               </a:spcBef>
@@ -3528,7 +3543,7 @@
               <a:buChar char="●"/>
               <a:defRPr/>
             </a:lvl7pPr>
-            <a:lvl8pPr indent="-298450" lvl="7" marL="3657600">
+            <a:lvl8pPr marL="3657600" lvl="7" indent="-298450">
               <a:spcBef>
                 <a:spcPts val="0"/>
               </a:spcBef>
@@ -3539,7 +3554,7 @@
               <a:buChar char="○"/>
               <a:defRPr/>
             </a:lvl8pPr>
-            <a:lvl9pPr indent="-298450" lvl="8" marL="4114800">
+            <a:lvl9pPr marL="4114800" lvl="8" indent="-298450">
               <a:spcBef>
                 <a:spcPts val="0"/>
               </a:spcBef>
@@ -3551,15 +3566,19 @@
               <a:defRPr/>
             </a:lvl9pPr>
           </a:lstStyle>
-          <a:p/>
+          <a:p>
+            <a:endParaRPr/>
+          </a:p>
         </p:txBody>
       </p:sp>
       <p:sp>
         <p:nvSpPr>
           <p:cNvPr id="127" name="Google Shape;127;p11"/>
-          <p:cNvSpPr txBox="1"/>
+          <p:cNvSpPr txBox="1">
+            <a:spLocks noGrp="1"/>
+          </p:cNvSpPr>
           <p:nvPr>
-            <p:ph idx="12" type="sldNum"/>
+            <p:ph type="sldNum" idx="12"/>
           </p:nvPr>
         </p:nvSpPr>
         <p:spPr>
@@ -3572,7 +3591,7 @@
           </a:prstGeom>
         </p:spPr>
         <p:txBody>
-          <a:bodyPr anchorCtr="0" anchor="ctr" bIns="91425" lIns="91425" spcFirstLastPara="1" rIns="91425" wrap="square" tIns="91425">
+          <a:bodyPr spcFirstLastPara="1" wrap="square" lIns="91425" tIns="91425" rIns="91425" bIns="91425" anchor="ctr" anchorCtr="0">
             <a:normAutofit/>
           </a:bodyPr>
           <a:lstStyle>
@@ -3614,7 +3633,7 @@
             </a:lvl9pPr>
           </a:lstStyle>
           <a:p>
-            <a:pPr indent="0" lvl="0" marL="0" rtl="0" algn="r">
+            <a:pPr marL="0" lvl="0" indent="0" algn="r" rtl="0">
               <a:spcBef>
                 <a:spcPts val="0"/>
               </a:spcBef>
@@ -3640,11 +3659,11 @@
 </file>
 
 <file path=ppt/slideLayouts/slideLayout11.xml><?xml version="1.0" encoding="utf-8"?>
-<p:sldLayout xmlns:a="http://schemas.openxmlformats.org/drawingml/2006/main" xmlns:r="http://schemas.openxmlformats.org/officeDocument/2006/relationships" xmlns:mc="http://schemas.openxmlformats.org/markup-compatibility/2006" xmlns:mv="urn:schemas-microsoft-com:mac:vml" xmlns:p="http://schemas.openxmlformats.org/presentationml/2006/main" xmlns:c="http://schemas.openxmlformats.org/drawingml/2006/chart" xmlns:dgm="http://schemas.openxmlformats.org/drawingml/2006/diagram" xmlns:o="urn:schemas-microsoft-com:office:office" xmlns:v="urn:schemas-microsoft-com:vml" xmlns:pvml="urn:schemas-microsoft-com:office:powerpoint" xmlns:com="http://schemas.openxmlformats.org/drawingml/2006/compatibility" xmlns:p14="http://schemas.microsoft.com/office/powerpoint/2010/main" xmlns:p15="http://schemas.microsoft.com/office/powerpoint/2012/main" xmlns:ahyp="http://schemas.microsoft.com/office/drawing/2018/hyperlinkcolor" matchingName="Blank" type="blank">
+<p:sldLayout xmlns:a="http://schemas.openxmlformats.org/drawingml/2006/main" xmlns:r="http://schemas.openxmlformats.org/officeDocument/2006/relationships" xmlns:p="http://schemas.openxmlformats.org/presentationml/2006/main" matchingName="Blank" type="blank">
   <p:cSld name="BLANK">
     <p:spTree>
       <p:nvGrpSpPr>
-        <p:cNvPr id="128" name="Shape 128"/>
+        <p:cNvPr id="1" name="Shape 128"/>
         <p:cNvGrpSpPr/>
         <p:nvPr/>
       </p:nvGrpSpPr>
@@ -3659,9 +3678,11 @@
       <p:sp>
         <p:nvSpPr>
           <p:cNvPr id="129" name="Google Shape;129;p12"/>
-          <p:cNvSpPr txBox="1"/>
+          <p:cNvSpPr txBox="1">
+            <a:spLocks noGrp="1"/>
+          </p:cNvSpPr>
           <p:nvPr>
-            <p:ph idx="12" type="sldNum"/>
+            <p:ph type="sldNum" idx="12"/>
           </p:nvPr>
         </p:nvSpPr>
         <p:spPr>
@@ -3674,7 +3695,7 @@
           </a:prstGeom>
         </p:spPr>
         <p:txBody>
-          <a:bodyPr anchorCtr="0" anchor="ctr" bIns="91425" lIns="91425" spcFirstLastPara="1" rIns="91425" wrap="square" tIns="91425">
+          <a:bodyPr spcFirstLastPara="1" wrap="square" lIns="91425" tIns="91425" rIns="91425" bIns="91425" anchor="ctr" anchorCtr="0">
             <a:normAutofit/>
           </a:bodyPr>
           <a:lstStyle>
@@ -3716,7 +3737,7 @@
             </a:lvl9pPr>
           </a:lstStyle>
           <a:p>
-            <a:pPr indent="0" lvl="0" marL="0" rtl="0" algn="r">
+            <a:pPr marL="0" lvl="0" indent="0" algn="r" rtl="0">
               <a:spcBef>
                 <a:spcPts val="0"/>
               </a:spcBef>
@@ -3742,11 +3763,11 @@
 </file>
 
 <file path=ppt/slideLayouts/slideLayout2.xml><?xml version="1.0" encoding="utf-8"?>
-<p:sldLayout xmlns:a="http://schemas.openxmlformats.org/drawingml/2006/main" xmlns:r="http://schemas.openxmlformats.org/officeDocument/2006/relationships" xmlns:mc="http://schemas.openxmlformats.org/markup-compatibility/2006" xmlns:mv="urn:schemas-microsoft-com:mac:vml" xmlns:p="http://schemas.openxmlformats.org/presentationml/2006/main" xmlns:c="http://schemas.openxmlformats.org/drawingml/2006/chart" xmlns:dgm="http://schemas.openxmlformats.org/drawingml/2006/diagram" xmlns:o="urn:schemas-microsoft-com:office:office" xmlns:v="urn:schemas-microsoft-com:vml" xmlns:pvml="urn:schemas-microsoft-com:office:powerpoint" xmlns:com="http://schemas.openxmlformats.org/drawingml/2006/compatibility" xmlns:p14="http://schemas.microsoft.com/office/powerpoint/2010/main" xmlns:p15="http://schemas.microsoft.com/office/powerpoint/2012/main" xmlns:ahyp="http://schemas.microsoft.com/office/drawing/2018/hyperlinkcolor" matchingName="Section header" type="secHead">
+<p:sldLayout xmlns:a="http://schemas.openxmlformats.org/drawingml/2006/main" xmlns:r="http://schemas.openxmlformats.org/officeDocument/2006/relationships" xmlns:p="http://schemas.openxmlformats.org/presentationml/2006/main" matchingName="Section header" type="secHead">
   <p:cSld name="SECTION_HEADER">
     <p:spTree>
       <p:nvGrpSpPr>
-        <p:cNvPr id="19" name="Shape 19"/>
+        <p:cNvPr id="1" name="Shape 19"/>
         <p:cNvGrpSpPr/>
         <p:nvPr/>
       </p:nvGrpSpPr>
@@ -3785,7 +3806,7 @@
             </a:xfrm>
             <a:prstGeom prst="diagStripe">
               <a:avLst>
-                <a:gd fmla="val 49469" name="adj"/>
+                <a:gd name="adj" fmla="val 49469"/>
               </a:avLst>
             </a:prstGeom>
             <a:solidFill>
@@ -3798,12 +3819,12 @@
             </a:ln>
           </p:spPr>
           <p:txBody>
-            <a:bodyPr anchorCtr="0" anchor="ctr" bIns="91425" lIns="91425" spcFirstLastPara="1" rIns="91425" wrap="square" tIns="91425">
+            <a:bodyPr spcFirstLastPara="1" wrap="square" lIns="91425" tIns="91425" rIns="91425" bIns="91425" anchor="ctr" anchorCtr="0">
               <a:noAutofit/>
             </a:bodyPr>
             <a:lstStyle/>
             <a:p>
-              <a:pPr indent="0" lvl="0" marL="0" rtl="0" algn="l">
+              <a:pPr marL="0" lvl="0" indent="0" algn="l" rtl="0">
                 <a:spcBef>
                   <a:spcPts val="0"/>
                 </a:spcBef>
@@ -3812,9 +3833,6 @@
                 </a:spcAft>
                 <a:buNone/>
               </a:pPr>
-              <a:r>
-                <a:t/>
-              </a:r>
               <a:endParaRPr/>
             </a:p>
           </p:txBody>
@@ -3832,7 +3850,7 @@
             </a:xfrm>
             <a:prstGeom prst="diagStripe">
               <a:avLst>
-                <a:gd fmla="val 0" name="adj"/>
+                <a:gd name="adj" fmla="val 0"/>
               </a:avLst>
             </a:prstGeom>
             <a:solidFill>
@@ -3845,12 +3863,12 @@
             </a:ln>
           </p:spPr>
           <p:txBody>
-            <a:bodyPr anchorCtr="0" anchor="ctr" bIns="91425" lIns="91425" spcFirstLastPara="1" rIns="91425" wrap="square" tIns="91425">
+            <a:bodyPr spcFirstLastPara="1" wrap="square" lIns="91425" tIns="91425" rIns="91425" bIns="91425" anchor="ctr" anchorCtr="0">
               <a:noAutofit/>
             </a:bodyPr>
             <a:lstStyle/>
             <a:p>
-              <a:pPr indent="0" lvl="0" marL="0" rtl="0" algn="l">
+              <a:pPr marL="0" lvl="0" indent="0" algn="l" rtl="0">
                 <a:spcBef>
                   <a:spcPts val="0"/>
                 </a:spcBef>
@@ -3859,9 +3877,6 @@
                 </a:spcAft>
                 <a:buNone/>
               </a:pPr>
-              <a:r>
-                <a:t/>
-              </a:r>
               <a:endParaRPr/>
             </a:p>
           </p:txBody>
@@ -3879,7 +3894,7 @@
             </a:xfrm>
             <a:prstGeom prst="diagStripe">
               <a:avLst>
-                <a:gd fmla="val 50000" name="adj"/>
+                <a:gd name="adj" fmla="val 50000"/>
               </a:avLst>
             </a:prstGeom>
             <a:solidFill>
@@ -3892,12 +3907,12 @@
             </a:ln>
           </p:spPr>
           <p:txBody>
-            <a:bodyPr anchorCtr="0" anchor="ctr" bIns="91425" lIns="91425" spcFirstLastPara="1" rIns="91425" wrap="square" tIns="91425">
+            <a:bodyPr spcFirstLastPara="1" wrap="square" lIns="91425" tIns="91425" rIns="91425" bIns="91425" anchor="ctr" anchorCtr="0">
               <a:noAutofit/>
             </a:bodyPr>
             <a:lstStyle/>
             <a:p>
-              <a:pPr indent="0" lvl="0" marL="0" rtl="0" algn="l">
+              <a:pPr marL="0" lvl="0" indent="0" algn="l" rtl="0">
                 <a:spcBef>
                   <a:spcPts val="0"/>
                 </a:spcBef>
@@ -3906,9 +3921,6 @@
                 </a:spcAft>
                 <a:buNone/>
               </a:pPr>
-              <a:r>
-                <a:t/>
-              </a:r>
               <a:endParaRPr/>
             </a:p>
           </p:txBody>
@@ -3926,7 +3938,7 @@
             </a:xfrm>
             <a:prstGeom prst="diagStripe">
               <a:avLst>
-                <a:gd fmla="val 50000" name="adj"/>
+                <a:gd name="adj" fmla="val 50000"/>
               </a:avLst>
             </a:prstGeom>
             <a:solidFill>
@@ -3939,12 +3951,12 @@
             </a:ln>
           </p:spPr>
           <p:txBody>
-            <a:bodyPr anchorCtr="0" anchor="ctr" bIns="91425" lIns="91425" spcFirstLastPara="1" rIns="91425" wrap="square" tIns="91425">
+            <a:bodyPr spcFirstLastPara="1" wrap="square" lIns="91425" tIns="91425" rIns="91425" bIns="91425" anchor="ctr" anchorCtr="0">
               <a:noAutofit/>
             </a:bodyPr>
             <a:lstStyle/>
             <a:p>
-              <a:pPr indent="0" lvl="0" marL="0" rtl="0" algn="l">
+              <a:pPr marL="0" lvl="0" indent="0" algn="l" rtl="0">
                 <a:spcBef>
                   <a:spcPts val="0"/>
                 </a:spcBef>
@@ -3953,9 +3965,6 @@
                 </a:spcAft>
                 <a:buNone/>
               </a:pPr>
-              <a:r>
-                <a:t/>
-              </a:r>
               <a:endParaRPr/>
             </a:p>
           </p:txBody>
@@ -3973,7 +3982,7 @@
             </a:xfrm>
             <a:prstGeom prst="diagStripe">
               <a:avLst>
-                <a:gd fmla="val 50000" name="adj"/>
+                <a:gd name="adj" fmla="val 50000"/>
               </a:avLst>
             </a:prstGeom>
             <a:solidFill>
@@ -3986,12 +3995,12 @@
             </a:ln>
           </p:spPr>
           <p:txBody>
-            <a:bodyPr anchorCtr="0" anchor="ctr" bIns="91425" lIns="91425" spcFirstLastPara="1" rIns="91425" wrap="square" tIns="91425">
+            <a:bodyPr spcFirstLastPara="1" wrap="square" lIns="91425" tIns="91425" rIns="91425" bIns="91425" anchor="ctr" anchorCtr="0">
               <a:noAutofit/>
             </a:bodyPr>
             <a:lstStyle/>
             <a:p>
-              <a:pPr indent="0" lvl="0" marL="0" rtl="0" algn="l">
+              <a:pPr marL="0" lvl="0" indent="0" algn="l" rtl="0">
                 <a:spcBef>
                   <a:spcPts val="0"/>
                 </a:spcBef>
@@ -4000,9 +4009,6 @@
                 </a:spcAft>
                 <a:buNone/>
               </a:pPr>
-              <a:r>
-                <a:t/>
-              </a:r>
               <a:endParaRPr/>
             </a:p>
           </p:txBody>
@@ -4020,7 +4026,7 @@
             </a:xfrm>
             <a:prstGeom prst="diagStripe">
               <a:avLst>
-                <a:gd fmla="val 50000" name="adj"/>
+                <a:gd name="adj" fmla="val 50000"/>
               </a:avLst>
             </a:prstGeom>
             <a:solidFill>
@@ -4033,12 +4039,12 @@
             </a:ln>
           </p:spPr>
           <p:txBody>
-            <a:bodyPr anchorCtr="0" anchor="ctr" bIns="91425" lIns="91425" spcFirstLastPara="1" rIns="91425" wrap="square" tIns="91425">
+            <a:bodyPr spcFirstLastPara="1" wrap="square" lIns="91425" tIns="91425" rIns="91425" bIns="91425" anchor="ctr" anchorCtr="0">
               <a:noAutofit/>
             </a:bodyPr>
             <a:lstStyle/>
             <a:p>
-              <a:pPr indent="0" lvl="0" marL="0" rtl="0" algn="l">
+              <a:pPr marL="0" lvl="0" indent="0" algn="l" rtl="0">
                 <a:spcBef>
                   <a:spcPts val="0"/>
                 </a:spcBef>
@@ -4047,9 +4053,6 @@
                 </a:spcAft>
                 <a:buNone/>
               </a:pPr>
-              <a:r>
-                <a:t/>
-              </a:r>
               <a:endParaRPr/>
             </a:p>
           </p:txBody>
@@ -4067,7 +4070,7 @@
             </a:xfrm>
             <a:prstGeom prst="diagStripe">
               <a:avLst>
-                <a:gd fmla="val 50000" name="adj"/>
+                <a:gd name="adj" fmla="val 50000"/>
               </a:avLst>
             </a:prstGeom>
             <a:solidFill>
@@ -4080,12 +4083,12 @@
             </a:ln>
           </p:spPr>
           <p:txBody>
-            <a:bodyPr anchorCtr="0" anchor="ctr" bIns="91425" lIns="91425" spcFirstLastPara="1" rIns="91425" wrap="square" tIns="91425">
+            <a:bodyPr spcFirstLastPara="1" wrap="square" lIns="91425" tIns="91425" rIns="91425" bIns="91425" anchor="ctr" anchorCtr="0">
               <a:noAutofit/>
             </a:bodyPr>
             <a:lstStyle/>
             <a:p>
-              <a:pPr indent="0" lvl="0" marL="0" rtl="0" algn="l">
+              <a:pPr marL="0" lvl="0" indent="0" algn="l" rtl="0">
                 <a:spcBef>
                   <a:spcPts val="0"/>
                 </a:spcBef>
@@ -4094,9 +4097,6 @@
                 </a:spcAft>
                 <a:buNone/>
               </a:pPr>
-              <a:r>
-                <a:t/>
-              </a:r>
               <a:endParaRPr/>
             </a:p>
           </p:txBody>
@@ -4114,7 +4114,7 @@
             </a:xfrm>
             <a:prstGeom prst="diagStripe">
               <a:avLst>
-                <a:gd fmla="val 50000" name="adj"/>
+                <a:gd name="adj" fmla="val 50000"/>
               </a:avLst>
             </a:prstGeom>
             <a:solidFill>
@@ -4125,12 +4125,12 @@
             </a:ln>
           </p:spPr>
           <p:txBody>
-            <a:bodyPr anchorCtr="0" anchor="ctr" bIns="91425" lIns="91425" spcFirstLastPara="1" rIns="91425" wrap="square" tIns="91425">
+            <a:bodyPr spcFirstLastPara="1" wrap="square" lIns="91425" tIns="91425" rIns="91425" bIns="91425" anchor="ctr" anchorCtr="0">
               <a:noAutofit/>
             </a:bodyPr>
             <a:lstStyle/>
             <a:p>
-              <a:pPr indent="0" lvl="0" marL="0" rtl="0" algn="l">
+              <a:pPr marL="0" lvl="0" indent="0" algn="l" rtl="0">
                 <a:spcBef>
                   <a:spcPts val="0"/>
                 </a:spcBef>
@@ -4139,9 +4139,6 @@
                 </a:spcAft>
                 <a:buNone/>
               </a:pPr>
-              <a:r>
-                <a:t/>
-              </a:r>
               <a:endParaRPr/>
             </a:p>
           </p:txBody>
@@ -4159,7 +4156,7 @@
             </a:xfrm>
             <a:prstGeom prst="diagStripe">
               <a:avLst>
-                <a:gd fmla="val 50000" name="adj"/>
+                <a:gd name="adj" fmla="val 50000"/>
               </a:avLst>
             </a:prstGeom>
             <a:solidFill>
@@ -4172,12 +4169,12 @@
             </a:ln>
           </p:spPr>
           <p:txBody>
-            <a:bodyPr anchorCtr="0" anchor="ctr" bIns="91425" lIns="91425" spcFirstLastPara="1" rIns="91425" wrap="square" tIns="91425">
+            <a:bodyPr spcFirstLastPara="1" wrap="square" lIns="91425" tIns="91425" rIns="91425" bIns="91425" anchor="ctr" anchorCtr="0">
               <a:noAutofit/>
             </a:bodyPr>
             <a:lstStyle/>
             <a:p>
-              <a:pPr indent="0" lvl="0" marL="0" rtl="0" algn="l">
+              <a:pPr marL="0" lvl="0" indent="0" algn="l" rtl="0">
                 <a:spcBef>
                   <a:spcPts val="0"/>
                 </a:spcBef>
@@ -4186,9 +4183,6 @@
                 </a:spcAft>
                 <a:buNone/>
               </a:pPr>
-              <a:r>
-                <a:t/>
-              </a:r>
               <a:endParaRPr/>
             </a:p>
           </p:txBody>
@@ -4206,7 +4200,7 @@
             </a:xfrm>
             <a:prstGeom prst="diagStripe">
               <a:avLst>
-                <a:gd fmla="val 50000" name="adj"/>
+                <a:gd name="adj" fmla="val 50000"/>
               </a:avLst>
             </a:prstGeom>
             <a:solidFill>
@@ -4219,12 +4213,12 @@
             </a:ln>
           </p:spPr>
           <p:txBody>
-            <a:bodyPr anchorCtr="0" anchor="ctr" bIns="91425" lIns="91425" spcFirstLastPara="1" rIns="91425" wrap="square" tIns="91425">
+            <a:bodyPr spcFirstLastPara="1" wrap="square" lIns="91425" tIns="91425" rIns="91425" bIns="91425" anchor="ctr" anchorCtr="0">
               <a:noAutofit/>
             </a:bodyPr>
             <a:lstStyle/>
             <a:p>
-              <a:pPr indent="0" lvl="0" marL="0" rtl="0" algn="l">
+              <a:pPr marL="0" lvl="0" indent="0" algn="l" rtl="0">
                 <a:spcBef>
                   <a:spcPts val="0"/>
                 </a:spcBef>
@@ -4233,9 +4227,6 @@
                 </a:spcAft>
                 <a:buNone/>
               </a:pPr>
-              <a:r>
-                <a:t/>
-              </a:r>
               <a:endParaRPr/>
             </a:p>
           </p:txBody>
@@ -4253,7 +4244,7 @@
             </a:xfrm>
             <a:prstGeom prst="diagStripe">
               <a:avLst>
-                <a:gd fmla="val 50000" name="adj"/>
+                <a:gd name="adj" fmla="val 50000"/>
               </a:avLst>
             </a:prstGeom>
             <a:solidFill>
@@ -4266,12 +4257,12 @@
             </a:ln>
           </p:spPr>
           <p:txBody>
-            <a:bodyPr anchorCtr="0" anchor="ctr" bIns="91425" lIns="91425" spcFirstLastPara="1" rIns="91425" wrap="square" tIns="91425">
+            <a:bodyPr spcFirstLastPara="1" wrap="square" lIns="91425" tIns="91425" rIns="91425" bIns="91425" anchor="ctr" anchorCtr="0">
               <a:noAutofit/>
             </a:bodyPr>
             <a:lstStyle/>
             <a:p>
-              <a:pPr indent="0" lvl="0" marL="0" rtl="0" algn="l">
+              <a:pPr marL="0" lvl="0" indent="0" algn="l" rtl="0">
                 <a:spcBef>
                   <a:spcPts val="0"/>
                 </a:spcBef>
@@ -4280,9 +4271,6 @@
                 </a:spcAft>
                 <a:buNone/>
               </a:pPr>
-              <a:r>
-                <a:t/>
-              </a:r>
               <a:endParaRPr/>
             </a:p>
           </p:txBody>
@@ -4300,7 +4288,7 @@
             </a:xfrm>
             <a:prstGeom prst="diagStripe">
               <a:avLst>
-                <a:gd fmla="val 50000" name="adj"/>
+                <a:gd name="adj" fmla="val 50000"/>
               </a:avLst>
             </a:prstGeom>
             <a:solidFill>
@@ -4313,12 +4301,12 @@
             </a:ln>
           </p:spPr>
           <p:txBody>
-            <a:bodyPr anchorCtr="0" anchor="ctr" bIns="91425" lIns="91425" spcFirstLastPara="1" rIns="91425" wrap="square" tIns="91425">
+            <a:bodyPr spcFirstLastPara="1" wrap="square" lIns="91425" tIns="91425" rIns="91425" bIns="91425" anchor="ctr" anchorCtr="0">
               <a:noAutofit/>
             </a:bodyPr>
             <a:lstStyle/>
             <a:p>
-              <a:pPr indent="0" lvl="0" marL="0" rtl="0" algn="l">
+              <a:pPr marL="0" lvl="0" indent="0" algn="l" rtl="0">
                 <a:spcBef>
                   <a:spcPts val="0"/>
                 </a:spcBef>
@@ -4327,9 +4315,6 @@
                 </a:spcAft>
                 <a:buNone/>
               </a:pPr>
-              <a:r>
-                <a:t/>
-              </a:r>
               <a:endParaRPr/>
             </a:p>
           </p:txBody>
@@ -4347,7 +4332,7 @@
             </a:xfrm>
             <a:prstGeom prst="diagStripe">
               <a:avLst>
-                <a:gd fmla="val 50000" name="adj"/>
+                <a:gd name="adj" fmla="val 50000"/>
               </a:avLst>
             </a:prstGeom>
             <a:solidFill>
@@ -4360,12 +4345,12 @@
             </a:ln>
           </p:spPr>
           <p:txBody>
-            <a:bodyPr anchorCtr="0" anchor="ctr" bIns="91425" lIns="91425" spcFirstLastPara="1" rIns="91425" wrap="square" tIns="91425">
+            <a:bodyPr spcFirstLastPara="1" wrap="square" lIns="91425" tIns="91425" rIns="91425" bIns="91425" anchor="ctr" anchorCtr="0">
               <a:noAutofit/>
             </a:bodyPr>
             <a:lstStyle/>
             <a:p>
-              <a:pPr indent="0" lvl="0" marL="0" rtl="0" algn="l">
+              <a:pPr marL="0" lvl="0" indent="0" algn="l" rtl="0">
                 <a:spcBef>
                   <a:spcPts val="0"/>
                 </a:spcBef>
@@ -4374,9 +4359,6 @@
                 </a:spcAft>
                 <a:buNone/>
               </a:pPr>
-              <a:r>
-                <a:t/>
-              </a:r>
               <a:endParaRPr/>
             </a:p>
           </p:txBody>
@@ -4394,7 +4376,7 @@
             </a:xfrm>
             <a:prstGeom prst="diagStripe">
               <a:avLst>
-                <a:gd fmla="val 50000" name="adj"/>
+                <a:gd name="adj" fmla="val 50000"/>
               </a:avLst>
             </a:prstGeom>
             <a:solidFill>
@@ -4405,12 +4387,12 @@
             </a:ln>
           </p:spPr>
           <p:txBody>
-            <a:bodyPr anchorCtr="0" anchor="ctr" bIns="91425" lIns="91425" spcFirstLastPara="1" rIns="91425" wrap="square" tIns="91425">
+            <a:bodyPr spcFirstLastPara="1" wrap="square" lIns="91425" tIns="91425" rIns="91425" bIns="91425" anchor="ctr" anchorCtr="0">
               <a:noAutofit/>
             </a:bodyPr>
             <a:lstStyle/>
             <a:p>
-              <a:pPr indent="0" lvl="0" marL="0" rtl="0" algn="l">
+              <a:pPr marL="0" lvl="0" indent="0" algn="l" rtl="0">
                 <a:spcBef>
                   <a:spcPts val="0"/>
                 </a:spcBef>
@@ -4419,9 +4401,6 @@
                 </a:spcAft>
                 <a:buNone/>
               </a:pPr>
-              <a:r>
-                <a:t/>
-              </a:r>
               <a:endParaRPr/>
             </a:p>
           </p:txBody>
@@ -4439,7 +4418,7 @@
             </a:xfrm>
             <a:prstGeom prst="diagStripe">
               <a:avLst>
-                <a:gd fmla="val 50000" name="adj"/>
+                <a:gd name="adj" fmla="val 50000"/>
               </a:avLst>
             </a:prstGeom>
             <a:solidFill>
@@ -4452,12 +4431,12 @@
             </a:ln>
           </p:spPr>
           <p:txBody>
-            <a:bodyPr anchorCtr="0" anchor="ctr" bIns="91425" lIns="91425" spcFirstLastPara="1" rIns="91425" wrap="square" tIns="91425">
+            <a:bodyPr spcFirstLastPara="1" wrap="square" lIns="91425" tIns="91425" rIns="91425" bIns="91425" anchor="ctr" anchorCtr="0">
               <a:noAutofit/>
             </a:bodyPr>
             <a:lstStyle/>
             <a:p>
-              <a:pPr indent="0" lvl="0" marL="0" rtl="0" algn="l">
+              <a:pPr marL="0" lvl="0" indent="0" algn="l" rtl="0">
                 <a:spcBef>
                   <a:spcPts val="0"/>
                 </a:spcBef>
@@ -4466,9 +4445,6 @@
                 </a:spcAft>
                 <a:buNone/>
               </a:pPr>
-              <a:r>
-                <a:t/>
-              </a:r>
               <a:endParaRPr/>
             </a:p>
           </p:txBody>
@@ -4486,7 +4462,7 @@
             </a:xfrm>
             <a:prstGeom prst="diagStripe">
               <a:avLst>
-                <a:gd fmla="val 50000" name="adj"/>
+                <a:gd name="adj" fmla="val 50000"/>
               </a:avLst>
             </a:prstGeom>
             <a:solidFill>
@@ -4499,12 +4475,12 @@
             </a:ln>
           </p:spPr>
           <p:txBody>
-            <a:bodyPr anchorCtr="0" anchor="ctr" bIns="91425" lIns="91425" spcFirstLastPara="1" rIns="91425" wrap="square" tIns="91425">
+            <a:bodyPr spcFirstLastPara="1" wrap="square" lIns="91425" tIns="91425" rIns="91425" bIns="91425" anchor="ctr" anchorCtr="0">
               <a:noAutofit/>
             </a:bodyPr>
             <a:lstStyle/>
             <a:p>
-              <a:pPr indent="0" lvl="0" marL="0" rtl="0" algn="l">
+              <a:pPr marL="0" lvl="0" indent="0" algn="l" rtl="0">
                 <a:spcBef>
                   <a:spcPts val="0"/>
                 </a:spcBef>
@@ -4513,9 +4489,6 @@
                 </a:spcAft>
                 <a:buNone/>
               </a:pPr>
-              <a:r>
-                <a:t/>
-              </a:r>
               <a:endParaRPr/>
             </a:p>
           </p:txBody>
@@ -4533,7 +4506,7 @@
             </a:xfrm>
             <a:prstGeom prst="diagStripe">
               <a:avLst>
-                <a:gd fmla="val 50000" name="adj"/>
+                <a:gd name="adj" fmla="val 50000"/>
               </a:avLst>
             </a:prstGeom>
             <a:solidFill>
@@ -4546,12 +4519,12 @@
             </a:ln>
           </p:spPr>
           <p:txBody>
-            <a:bodyPr anchorCtr="0" anchor="ctr" bIns="91425" lIns="91425" spcFirstLastPara="1" rIns="91425" wrap="square" tIns="91425">
+            <a:bodyPr spcFirstLastPara="1" wrap="square" lIns="91425" tIns="91425" rIns="91425" bIns="91425" anchor="ctr" anchorCtr="0">
               <a:noAutofit/>
             </a:bodyPr>
             <a:lstStyle/>
             <a:p>
-              <a:pPr indent="0" lvl="0" marL="0" rtl="0" algn="l">
+              <a:pPr marL="0" lvl="0" indent="0" algn="l" rtl="0">
                 <a:spcBef>
                   <a:spcPts val="0"/>
                 </a:spcBef>
@@ -4560,9 +4533,6 @@
                 </a:spcAft>
                 <a:buNone/>
               </a:pPr>
-              <a:r>
-                <a:t/>
-              </a:r>
               <a:endParaRPr/>
             </a:p>
           </p:txBody>
@@ -4580,7 +4550,7 @@
             </a:xfrm>
             <a:prstGeom prst="diagStripe">
               <a:avLst>
-                <a:gd fmla="val 50000" name="adj"/>
+                <a:gd name="adj" fmla="val 50000"/>
               </a:avLst>
             </a:prstGeom>
             <a:solidFill>
@@ -4593,12 +4563,12 @@
             </a:ln>
           </p:spPr>
           <p:txBody>
-            <a:bodyPr anchorCtr="0" anchor="ctr" bIns="91425" lIns="91425" spcFirstLastPara="1" rIns="91425" wrap="square" tIns="91425">
+            <a:bodyPr spcFirstLastPara="1" wrap="square" lIns="91425" tIns="91425" rIns="91425" bIns="91425" anchor="ctr" anchorCtr="0">
               <a:noAutofit/>
             </a:bodyPr>
             <a:lstStyle/>
             <a:p>
-              <a:pPr indent="0" lvl="0" marL="0" rtl="0" algn="l">
+              <a:pPr marL="0" lvl="0" indent="0" algn="l" rtl="0">
                 <a:spcBef>
                   <a:spcPts val="0"/>
                 </a:spcBef>
@@ -4607,9 +4577,6 @@
                 </a:spcAft>
                 <a:buNone/>
               </a:pPr>
-              <a:r>
-                <a:t/>
-              </a:r>
               <a:endParaRPr/>
             </a:p>
           </p:txBody>
@@ -4618,7 +4585,9 @@
       <p:sp>
         <p:nvSpPr>
           <p:cNvPr id="39" name="Google Shape;39;p3"/>
-          <p:cNvSpPr txBox="1"/>
+          <p:cNvSpPr txBox="1">
+            <a:spLocks noGrp="1"/>
+          </p:cNvSpPr>
           <p:nvPr>
             <p:ph type="title"/>
           </p:nvPr>
@@ -4633,7 +4602,7 @@
           </a:prstGeom>
         </p:spPr>
         <p:txBody>
-          <a:bodyPr anchorCtr="0" anchor="ctr" bIns="91425" lIns="91425" spcFirstLastPara="1" rIns="91425" wrap="square" tIns="91425">
+          <a:bodyPr spcFirstLastPara="1" wrap="square" lIns="91425" tIns="91425" rIns="91425" bIns="91425" anchor="ctr" anchorCtr="0">
             <a:normAutofit/>
           </a:bodyPr>
           <a:lstStyle>
@@ -4737,15 +4706,19 @@
               <a:defRPr/>
             </a:lvl9pPr>
           </a:lstStyle>
-          <a:p/>
+          <a:p>
+            <a:endParaRPr/>
+          </a:p>
         </p:txBody>
       </p:sp>
       <p:sp>
         <p:nvSpPr>
           <p:cNvPr id="40" name="Google Shape;40;p3"/>
-          <p:cNvSpPr txBox="1"/>
+          <p:cNvSpPr txBox="1">
+            <a:spLocks noGrp="1"/>
+          </p:cNvSpPr>
           <p:nvPr>
-            <p:ph idx="12" type="sldNum"/>
+            <p:ph type="sldNum" idx="12"/>
           </p:nvPr>
         </p:nvSpPr>
         <p:spPr>
@@ -4758,7 +4731,7 @@
           </a:prstGeom>
         </p:spPr>
         <p:txBody>
-          <a:bodyPr anchorCtr="0" anchor="ctr" bIns="91425" lIns="91425" spcFirstLastPara="1" rIns="91425" wrap="square" tIns="91425">
+          <a:bodyPr spcFirstLastPara="1" wrap="square" lIns="91425" tIns="91425" rIns="91425" bIns="91425" anchor="ctr" anchorCtr="0">
             <a:normAutofit/>
           </a:bodyPr>
           <a:lstStyle>
@@ -4800,7 +4773,7 @@
             </a:lvl9pPr>
           </a:lstStyle>
           <a:p>
-            <a:pPr indent="0" lvl="0" marL="0" rtl="0" algn="r">
+            <a:pPr marL="0" lvl="0" indent="0" algn="r" rtl="0">
               <a:spcBef>
                 <a:spcPts val="0"/>
               </a:spcBef>
@@ -4826,11 +4799,11 @@
 </file>
 
 <file path=ppt/slideLayouts/slideLayout3.xml><?xml version="1.0" encoding="utf-8"?>
-<p:sldLayout xmlns:a="http://schemas.openxmlformats.org/drawingml/2006/main" xmlns:r="http://schemas.openxmlformats.org/officeDocument/2006/relationships" xmlns:mc="http://schemas.openxmlformats.org/markup-compatibility/2006" xmlns:mv="urn:schemas-microsoft-com:mac:vml" xmlns:p="http://schemas.openxmlformats.org/presentationml/2006/main" xmlns:c="http://schemas.openxmlformats.org/drawingml/2006/chart" xmlns:dgm="http://schemas.openxmlformats.org/drawingml/2006/diagram" xmlns:o="urn:schemas-microsoft-com:office:office" xmlns:v="urn:schemas-microsoft-com:vml" xmlns:pvml="urn:schemas-microsoft-com:office:powerpoint" xmlns:com="http://schemas.openxmlformats.org/drawingml/2006/compatibility" xmlns:p14="http://schemas.microsoft.com/office/powerpoint/2010/main" xmlns:p15="http://schemas.microsoft.com/office/powerpoint/2012/main" xmlns:ahyp="http://schemas.microsoft.com/office/drawing/2018/hyperlinkcolor" matchingName="Title and body" type="tx">
+<p:sldLayout xmlns:a="http://schemas.openxmlformats.org/drawingml/2006/main" xmlns:r="http://schemas.openxmlformats.org/officeDocument/2006/relationships" xmlns:p="http://schemas.openxmlformats.org/presentationml/2006/main" matchingName="Title and body" type="tx">
   <p:cSld name="TITLE_AND_BODY">
     <p:spTree>
       <p:nvGrpSpPr>
-        <p:cNvPr id="41" name="Shape 41"/>
+        <p:cNvPr id="1" name="Shape 41"/>
         <p:cNvGrpSpPr/>
         <p:nvPr/>
       </p:nvGrpSpPr>
@@ -4869,7 +4842,7 @@
             </a:xfrm>
             <a:prstGeom prst="diagStripe">
               <a:avLst>
-                <a:gd fmla="val 50000" name="adj"/>
+                <a:gd name="adj" fmla="val 50000"/>
               </a:avLst>
             </a:prstGeom>
             <a:solidFill>
@@ -4880,12 +4853,12 @@
             </a:ln>
           </p:spPr>
           <p:txBody>
-            <a:bodyPr anchorCtr="0" anchor="ctr" bIns="91425" lIns="91425" spcFirstLastPara="1" rIns="91425" wrap="square" tIns="91425">
+            <a:bodyPr spcFirstLastPara="1" wrap="square" lIns="91425" tIns="91425" rIns="91425" bIns="91425" anchor="ctr" anchorCtr="0">
               <a:noAutofit/>
             </a:bodyPr>
             <a:lstStyle/>
             <a:p>
-              <a:pPr indent="0" lvl="0" marL="0" rtl="0" algn="l">
+              <a:pPr marL="0" lvl="0" indent="0" algn="l" rtl="0">
                 <a:spcBef>
                   <a:spcPts val="0"/>
                 </a:spcBef>
@@ -4894,9 +4867,6 @@
                 </a:spcAft>
                 <a:buNone/>
               </a:pPr>
-              <a:r>
-                <a:t/>
-              </a:r>
               <a:endParaRPr/>
             </a:p>
           </p:txBody>
@@ -4914,7 +4884,7 @@
             </a:xfrm>
             <a:prstGeom prst="diagStripe">
               <a:avLst>
-                <a:gd fmla="val 50000" name="adj"/>
+                <a:gd name="adj" fmla="val 50000"/>
               </a:avLst>
             </a:prstGeom>
             <a:solidFill>
@@ -4925,12 +4895,12 @@
             </a:ln>
           </p:spPr>
           <p:txBody>
-            <a:bodyPr anchorCtr="0" anchor="ctr" bIns="91425" lIns="91425" spcFirstLastPara="1" rIns="91425" wrap="square" tIns="91425">
+            <a:bodyPr spcFirstLastPara="1" wrap="square" lIns="91425" tIns="91425" rIns="91425" bIns="91425" anchor="ctr" anchorCtr="0">
               <a:noAutofit/>
             </a:bodyPr>
             <a:lstStyle/>
             <a:p>
-              <a:pPr indent="0" lvl="0" marL="0" rtl="0" algn="l">
+              <a:pPr marL="0" lvl="0" indent="0" algn="l" rtl="0">
                 <a:spcBef>
                   <a:spcPts val="0"/>
                 </a:spcBef>
@@ -4939,9 +4909,6 @@
                 </a:spcAft>
                 <a:buNone/>
               </a:pPr>
-              <a:r>
-                <a:t/>
-              </a:r>
               <a:endParaRPr/>
             </a:p>
           </p:txBody>
@@ -4950,7 +4917,9 @@
       <p:sp>
         <p:nvSpPr>
           <p:cNvPr id="45" name="Google Shape;45;p4"/>
-          <p:cNvSpPr txBox="1"/>
+          <p:cNvSpPr txBox="1">
+            <a:spLocks noGrp="1"/>
+          </p:cNvSpPr>
           <p:nvPr>
             <p:ph type="title"/>
           </p:nvPr>
@@ -4965,7 +4934,7 @@
           </a:prstGeom>
         </p:spPr>
         <p:txBody>
-          <a:bodyPr anchorCtr="0" anchor="t" bIns="91425" lIns="91425" spcFirstLastPara="1" rIns="91425" wrap="square" tIns="91425">
+          <a:bodyPr spcFirstLastPara="1" wrap="square" lIns="91425" tIns="91425" rIns="91425" bIns="91425" anchor="t" anchorCtr="0">
             <a:normAutofit/>
           </a:bodyPr>
           <a:lstStyle>
@@ -5069,15 +5038,19 @@
               <a:defRPr sz="2400"/>
             </a:lvl9pPr>
           </a:lstStyle>
-          <a:p/>
+          <a:p>
+            <a:endParaRPr/>
+          </a:p>
         </p:txBody>
       </p:sp>
       <p:sp>
         <p:nvSpPr>
           <p:cNvPr id="46" name="Google Shape;46;p4"/>
-          <p:cNvSpPr txBox="1"/>
+          <p:cNvSpPr txBox="1">
+            <a:spLocks noGrp="1"/>
+          </p:cNvSpPr>
           <p:nvPr>
-            <p:ph idx="1" type="body"/>
+            <p:ph type="body" idx="1"/>
           </p:nvPr>
         </p:nvSpPr>
         <p:spPr>
@@ -5090,11 +5063,11 @@
           </a:prstGeom>
         </p:spPr>
         <p:txBody>
-          <a:bodyPr anchorCtr="0" anchor="t" bIns="91425" lIns="91425" spcFirstLastPara="1" rIns="91425" wrap="square" tIns="91425">
+          <a:bodyPr spcFirstLastPara="1" wrap="square" lIns="91425" tIns="91425" rIns="91425" bIns="91425" anchor="t" anchorCtr="0">
             <a:normAutofit/>
           </a:bodyPr>
           <a:lstStyle>
-            <a:lvl1pPr indent="-311150" lvl="0" marL="457200">
+            <a:lvl1pPr marL="457200" lvl="0" indent="-311150">
               <a:spcBef>
                 <a:spcPts val="0"/>
               </a:spcBef>
@@ -5105,7 +5078,7 @@
               <a:buChar char="●"/>
               <a:defRPr/>
             </a:lvl1pPr>
-            <a:lvl2pPr indent="-298450" lvl="1" marL="914400">
+            <a:lvl2pPr marL="914400" lvl="1" indent="-298450">
               <a:spcBef>
                 <a:spcPts val="0"/>
               </a:spcBef>
@@ -5116,7 +5089,7 @@
               <a:buChar char="○"/>
               <a:defRPr/>
             </a:lvl2pPr>
-            <a:lvl3pPr indent="-298450" lvl="2" marL="1371600">
+            <a:lvl3pPr marL="1371600" lvl="2" indent="-298450">
               <a:spcBef>
                 <a:spcPts val="0"/>
               </a:spcBef>
@@ -5127,7 +5100,7 @@
               <a:buChar char="■"/>
               <a:defRPr/>
             </a:lvl3pPr>
-            <a:lvl4pPr indent="-298450" lvl="3" marL="1828800">
+            <a:lvl4pPr marL="1828800" lvl="3" indent="-298450">
               <a:spcBef>
                 <a:spcPts val="0"/>
               </a:spcBef>
@@ -5138,7 +5111,7 @@
               <a:buChar char="●"/>
               <a:defRPr/>
             </a:lvl4pPr>
-            <a:lvl5pPr indent="-298450" lvl="4" marL="2286000">
+            <a:lvl5pPr marL="2286000" lvl="4" indent="-298450">
               <a:spcBef>
                 <a:spcPts val="0"/>
               </a:spcBef>
@@ -5149,7 +5122,7 @@
               <a:buChar char="○"/>
               <a:defRPr/>
             </a:lvl5pPr>
-            <a:lvl6pPr indent="-298450" lvl="5" marL="2743200">
+            <a:lvl6pPr marL="2743200" lvl="5" indent="-298450">
               <a:spcBef>
                 <a:spcPts val="0"/>
               </a:spcBef>
@@ -5160,7 +5133,7 @@
               <a:buChar char="■"/>
               <a:defRPr/>
             </a:lvl6pPr>
-            <a:lvl7pPr indent="-298450" lvl="6" marL="3200400">
+            <a:lvl7pPr marL="3200400" lvl="6" indent="-298450">
               <a:spcBef>
                 <a:spcPts val="0"/>
               </a:spcBef>
@@ -5171,7 +5144,7 @@
               <a:buChar char="●"/>
               <a:defRPr/>
             </a:lvl7pPr>
-            <a:lvl8pPr indent="-298450" lvl="7" marL="3657600">
+            <a:lvl8pPr marL="3657600" lvl="7" indent="-298450">
               <a:spcBef>
                 <a:spcPts val="0"/>
               </a:spcBef>
@@ -5182,7 +5155,7 @@
               <a:buChar char="○"/>
               <a:defRPr/>
             </a:lvl8pPr>
-            <a:lvl9pPr indent="-298450" lvl="8" marL="4114800">
+            <a:lvl9pPr marL="4114800" lvl="8" indent="-298450">
               <a:spcBef>
                 <a:spcPts val="0"/>
               </a:spcBef>
@@ -5194,15 +5167,19 @@
               <a:defRPr/>
             </a:lvl9pPr>
           </a:lstStyle>
-          <a:p/>
+          <a:p>
+            <a:endParaRPr/>
+          </a:p>
         </p:txBody>
       </p:sp>
       <p:sp>
         <p:nvSpPr>
           <p:cNvPr id="47" name="Google Shape;47;p4"/>
-          <p:cNvSpPr txBox="1"/>
+          <p:cNvSpPr txBox="1">
+            <a:spLocks noGrp="1"/>
+          </p:cNvSpPr>
           <p:nvPr>
-            <p:ph idx="12" type="sldNum"/>
+            <p:ph type="sldNum" idx="12"/>
           </p:nvPr>
         </p:nvSpPr>
         <p:spPr>
@@ -5215,7 +5192,7 @@
           </a:prstGeom>
         </p:spPr>
         <p:txBody>
-          <a:bodyPr anchorCtr="0" anchor="ctr" bIns="91425" lIns="91425" spcFirstLastPara="1" rIns="91425" wrap="square" tIns="91425">
+          <a:bodyPr spcFirstLastPara="1" wrap="square" lIns="91425" tIns="91425" rIns="91425" bIns="91425" anchor="ctr" anchorCtr="0">
             <a:normAutofit/>
           </a:bodyPr>
           <a:lstStyle>
@@ -5257,7 +5234,7 @@
             </a:lvl9pPr>
           </a:lstStyle>
           <a:p>
-            <a:pPr indent="0" lvl="0" marL="0" rtl="0" algn="r">
+            <a:pPr marL="0" lvl="0" indent="0" algn="r" rtl="0">
               <a:spcBef>
                 <a:spcPts val="0"/>
               </a:spcBef>
@@ -5283,11 +5260,11 @@
 </file>
 
 <file path=ppt/slideLayouts/slideLayout4.xml><?xml version="1.0" encoding="utf-8"?>
-<p:sldLayout xmlns:a="http://schemas.openxmlformats.org/drawingml/2006/main" xmlns:r="http://schemas.openxmlformats.org/officeDocument/2006/relationships" xmlns:mc="http://schemas.openxmlformats.org/markup-compatibility/2006" xmlns:mv="urn:schemas-microsoft-com:mac:vml" xmlns:p="http://schemas.openxmlformats.org/presentationml/2006/main" xmlns:c="http://schemas.openxmlformats.org/drawingml/2006/chart" xmlns:dgm="http://schemas.openxmlformats.org/drawingml/2006/diagram" xmlns:o="urn:schemas-microsoft-com:office:office" xmlns:v="urn:schemas-microsoft-com:vml" xmlns:pvml="urn:schemas-microsoft-com:office:powerpoint" xmlns:com="http://schemas.openxmlformats.org/drawingml/2006/compatibility" xmlns:p14="http://schemas.microsoft.com/office/powerpoint/2010/main" xmlns:p15="http://schemas.microsoft.com/office/powerpoint/2012/main" xmlns:ahyp="http://schemas.microsoft.com/office/drawing/2018/hyperlinkcolor" matchingName="Title and two columns" type="twoColTx">
+<p:sldLayout xmlns:a="http://schemas.openxmlformats.org/drawingml/2006/main" xmlns:r="http://schemas.openxmlformats.org/officeDocument/2006/relationships" xmlns:p="http://schemas.openxmlformats.org/presentationml/2006/main" matchingName="Title and two columns" type="twoColTx">
   <p:cSld name="TITLE_AND_TWO_COLUMNS">
     <p:spTree>
       <p:nvGrpSpPr>
-        <p:cNvPr id="48" name="Shape 48"/>
+        <p:cNvPr id="1" name="Shape 48"/>
         <p:cNvGrpSpPr/>
         <p:nvPr/>
       </p:nvGrpSpPr>
@@ -5326,7 +5303,7 @@
             </a:xfrm>
             <a:prstGeom prst="diagStripe">
               <a:avLst>
-                <a:gd fmla="val 50000" name="adj"/>
+                <a:gd name="adj" fmla="val 50000"/>
               </a:avLst>
             </a:prstGeom>
             <a:solidFill>
@@ -5337,12 +5314,12 @@
             </a:ln>
           </p:spPr>
           <p:txBody>
-            <a:bodyPr anchorCtr="0" anchor="ctr" bIns="91425" lIns="91425" spcFirstLastPara="1" rIns="91425" wrap="square" tIns="91425">
+            <a:bodyPr spcFirstLastPara="1" wrap="square" lIns="91425" tIns="91425" rIns="91425" bIns="91425" anchor="ctr" anchorCtr="0">
               <a:noAutofit/>
             </a:bodyPr>
             <a:lstStyle/>
             <a:p>
-              <a:pPr indent="0" lvl="0" marL="0" rtl="0" algn="l">
+              <a:pPr marL="0" lvl="0" indent="0" algn="l" rtl="0">
                 <a:spcBef>
                   <a:spcPts val="0"/>
                 </a:spcBef>
@@ -5351,9 +5328,6 @@
                 </a:spcAft>
                 <a:buNone/>
               </a:pPr>
-              <a:r>
-                <a:t/>
-              </a:r>
               <a:endParaRPr/>
             </a:p>
           </p:txBody>
@@ -5371,7 +5345,7 @@
             </a:xfrm>
             <a:prstGeom prst="diagStripe">
               <a:avLst>
-                <a:gd fmla="val 50000" name="adj"/>
+                <a:gd name="adj" fmla="val 50000"/>
               </a:avLst>
             </a:prstGeom>
             <a:solidFill>
@@ -5382,12 +5356,12 @@
             </a:ln>
           </p:spPr>
           <p:txBody>
-            <a:bodyPr anchorCtr="0" anchor="ctr" bIns="91425" lIns="91425" spcFirstLastPara="1" rIns="91425" wrap="square" tIns="91425">
+            <a:bodyPr spcFirstLastPara="1" wrap="square" lIns="91425" tIns="91425" rIns="91425" bIns="91425" anchor="ctr" anchorCtr="0">
               <a:noAutofit/>
             </a:bodyPr>
             <a:lstStyle/>
             <a:p>
-              <a:pPr indent="0" lvl="0" marL="0" rtl="0" algn="l">
+              <a:pPr marL="0" lvl="0" indent="0" algn="l" rtl="0">
                 <a:spcBef>
                   <a:spcPts val="0"/>
                 </a:spcBef>
@@ -5396,9 +5370,6 @@
                 </a:spcAft>
                 <a:buNone/>
               </a:pPr>
-              <a:r>
-                <a:t/>
-              </a:r>
               <a:endParaRPr/>
             </a:p>
           </p:txBody>
@@ -5407,7 +5378,9 @@
       <p:sp>
         <p:nvSpPr>
           <p:cNvPr id="52" name="Google Shape;52;p5"/>
-          <p:cNvSpPr txBox="1"/>
+          <p:cNvSpPr txBox="1">
+            <a:spLocks noGrp="1"/>
+          </p:cNvSpPr>
           <p:nvPr>
             <p:ph type="title"/>
           </p:nvPr>
@@ -5422,7 +5395,7 @@
           </a:prstGeom>
         </p:spPr>
         <p:txBody>
-          <a:bodyPr anchorCtr="0" anchor="t" bIns="91425" lIns="91425" spcFirstLastPara="1" rIns="91425" wrap="square" tIns="91425">
+          <a:bodyPr spcFirstLastPara="1" wrap="square" lIns="91425" tIns="91425" rIns="91425" bIns="91425" anchor="t" anchorCtr="0">
             <a:normAutofit/>
           </a:bodyPr>
           <a:lstStyle>
@@ -5526,15 +5499,19 @@
               <a:defRPr sz="2400"/>
             </a:lvl9pPr>
           </a:lstStyle>
-          <a:p/>
+          <a:p>
+            <a:endParaRPr/>
+          </a:p>
         </p:txBody>
       </p:sp>
       <p:sp>
         <p:nvSpPr>
           <p:cNvPr id="53" name="Google Shape;53;p5"/>
-          <p:cNvSpPr txBox="1"/>
+          <p:cNvSpPr txBox="1">
+            <a:spLocks noGrp="1"/>
+          </p:cNvSpPr>
           <p:nvPr>
-            <p:ph idx="1" type="body"/>
+            <p:ph type="body" idx="1"/>
           </p:nvPr>
         </p:nvSpPr>
         <p:spPr>
@@ -5547,11 +5524,11 @@
           </a:prstGeom>
         </p:spPr>
         <p:txBody>
-          <a:bodyPr anchorCtr="0" anchor="t" bIns="91425" lIns="91425" spcFirstLastPara="1" rIns="91425" wrap="square" tIns="91425">
+          <a:bodyPr spcFirstLastPara="1" wrap="square" lIns="91425" tIns="91425" rIns="91425" bIns="91425" anchor="t" anchorCtr="0">
             <a:normAutofit/>
           </a:bodyPr>
           <a:lstStyle>
-            <a:lvl1pPr indent="-311150" lvl="0" marL="457200">
+            <a:lvl1pPr marL="457200" lvl="0" indent="-311150">
               <a:spcBef>
                 <a:spcPts val="0"/>
               </a:spcBef>
@@ -5562,7 +5539,7 @@
               <a:buChar char="●"/>
               <a:defRPr/>
             </a:lvl1pPr>
-            <a:lvl2pPr indent="-298450" lvl="1" marL="914400">
+            <a:lvl2pPr marL="914400" lvl="1" indent="-298450">
               <a:spcBef>
                 <a:spcPts val="0"/>
               </a:spcBef>
@@ -5573,7 +5550,7 @@
               <a:buChar char="○"/>
               <a:defRPr/>
             </a:lvl2pPr>
-            <a:lvl3pPr indent="-298450" lvl="2" marL="1371600">
+            <a:lvl3pPr marL="1371600" lvl="2" indent="-298450">
               <a:spcBef>
                 <a:spcPts val="0"/>
               </a:spcBef>
@@ -5584,7 +5561,7 @@
               <a:buChar char="■"/>
               <a:defRPr/>
             </a:lvl3pPr>
-            <a:lvl4pPr indent="-298450" lvl="3" marL="1828800">
+            <a:lvl4pPr marL="1828800" lvl="3" indent="-298450">
               <a:spcBef>
                 <a:spcPts val="0"/>
               </a:spcBef>
@@ -5595,7 +5572,7 @@
               <a:buChar char="●"/>
               <a:defRPr/>
             </a:lvl4pPr>
-            <a:lvl5pPr indent="-298450" lvl="4" marL="2286000">
+            <a:lvl5pPr marL="2286000" lvl="4" indent="-298450">
               <a:spcBef>
                 <a:spcPts val="0"/>
               </a:spcBef>
@@ -5606,7 +5583,7 @@
               <a:buChar char="○"/>
               <a:defRPr/>
             </a:lvl5pPr>
-            <a:lvl6pPr indent="-298450" lvl="5" marL="2743200">
+            <a:lvl6pPr marL="2743200" lvl="5" indent="-298450">
               <a:spcBef>
                 <a:spcPts val="0"/>
               </a:spcBef>
@@ -5617,7 +5594,7 @@
               <a:buChar char="■"/>
               <a:defRPr/>
             </a:lvl6pPr>
-            <a:lvl7pPr indent="-298450" lvl="6" marL="3200400">
+            <a:lvl7pPr marL="3200400" lvl="6" indent="-298450">
               <a:spcBef>
                 <a:spcPts val="0"/>
               </a:spcBef>
@@ -5628,7 +5605,7 @@
               <a:buChar char="●"/>
               <a:defRPr/>
             </a:lvl7pPr>
-            <a:lvl8pPr indent="-298450" lvl="7" marL="3657600">
+            <a:lvl8pPr marL="3657600" lvl="7" indent="-298450">
               <a:spcBef>
                 <a:spcPts val="0"/>
               </a:spcBef>
@@ -5639,7 +5616,7 @@
               <a:buChar char="○"/>
               <a:defRPr/>
             </a:lvl8pPr>
-            <a:lvl9pPr indent="-298450" lvl="8" marL="4114800">
+            <a:lvl9pPr marL="4114800" lvl="8" indent="-298450">
               <a:spcBef>
                 <a:spcPts val="0"/>
               </a:spcBef>
@@ -5651,15 +5628,19 @@
               <a:defRPr/>
             </a:lvl9pPr>
           </a:lstStyle>
-          <a:p/>
+          <a:p>
+            <a:endParaRPr/>
+          </a:p>
         </p:txBody>
       </p:sp>
       <p:sp>
         <p:nvSpPr>
           <p:cNvPr id="54" name="Google Shape;54;p5"/>
-          <p:cNvSpPr txBox="1"/>
+          <p:cNvSpPr txBox="1">
+            <a:spLocks noGrp="1"/>
+          </p:cNvSpPr>
           <p:nvPr>
-            <p:ph idx="2" type="body"/>
+            <p:ph type="body" idx="2"/>
           </p:nvPr>
         </p:nvSpPr>
         <p:spPr>
@@ -5672,11 +5653,11 @@
           </a:prstGeom>
         </p:spPr>
         <p:txBody>
-          <a:bodyPr anchorCtr="0" anchor="t" bIns="91425" lIns="91425" spcFirstLastPara="1" rIns="91425" wrap="square" tIns="91425">
+          <a:bodyPr spcFirstLastPara="1" wrap="square" lIns="91425" tIns="91425" rIns="91425" bIns="91425" anchor="t" anchorCtr="0">
             <a:normAutofit/>
           </a:bodyPr>
           <a:lstStyle>
-            <a:lvl1pPr indent="-311150" lvl="0" marL="457200">
+            <a:lvl1pPr marL="457200" lvl="0" indent="-311150">
               <a:spcBef>
                 <a:spcPts val="0"/>
               </a:spcBef>
@@ -5687,7 +5668,7 @@
               <a:buChar char="●"/>
               <a:defRPr/>
             </a:lvl1pPr>
-            <a:lvl2pPr indent="-298450" lvl="1" marL="914400">
+            <a:lvl2pPr marL="914400" lvl="1" indent="-298450">
               <a:spcBef>
                 <a:spcPts val="0"/>
               </a:spcBef>
@@ -5698,7 +5679,7 @@
               <a:buChar char="○"/>
               <a:defRPr/>
             </a:lvl2pPr>
-            <a:lvl3pPr indent="-298450" lvl="2" marL="1371600">
+            <a:lvl3pPr marL="1371600" lvl="2" indent="-298450">
               <a:spcBef>
                 <a:spcPts val="0"/>
               </a:spcBef>
@@ -5709,7 +5690,7 @@
               <a:buChar char="■"/>
               <a:defRPr/>
             </a:lvl3pPr>
-            <a:lvl4pPr indent="-298450" lvl="3" marL="1828800">
+            <a:lvl4pPr marL="1828800" lvl="3" indent="-298450">
               <a:spcBef>
                 <a:spcPts val="0"/>
               </a:spcBef>
@@ -5720,7 +5701,7 @@
               <a:buChar char="●"/>
               <a:defRPr/>
             </a:lvl4pPr>
-            <a:lvl5pPr indent="-298450" lvl="4" marL="2286000">
+            <a:lvl5pPr marL="2286000" lvl="4" indent="-298450">
               <a:spcBef>
                 <a:spcPts val="0"/>
               </a:spcBef>
@@ -5731,7 +5712,7 @@
               <a:buChar char="○"/>
               <a:defRPr/>
             </a:lvl5pPr>
-            <a:lvl6pPr indent="-298450" lvl="5" marL="2743200">
+            <a:lvl6pPr marL="2743200" lvl="5" indent="-298450">
               <a:spcBef>
                 <a:spcPts val="0"/>
               </a:spcBef>
@@ -5742,7 +5723,7 @@
               <a:buChar char="■"/>
               <a:defRPr/>
             </a:lvl6pPr>
-            <a:lvl7pPr indent="-298450" lvl="6" marL="3200400">
+            <a:lvl7pPr marL="3200400" lvl="6" indent="-298450">
               <a:spcBef>
                 <a:spcPts val="0"/>
               </a:spcBef>
@@ -5753,7 +5734,7 @@
               <a:buChar char="●"/>
               <a:defRPr/>
             </a:lvl7pPr>
-            <a:lvl8pPr indent="-298450" lvl="7" marL="3657600">
+            <a:lvl8pPr marL="3657600" lvl="7" indent="-298450">
               <a:spcBef>
                 <a:spcPts val="0"/>
               </a:spcBef>
@@ -5764,7 +5745,7 @@
               <a:buChar char="○"/>
               <a:defRPr/>
             </a:lvl8pPr>
-            <a:lvl9pPr indent="-298450" lvl="8" marL="4114800">
+            <a:lvl9pPr marL="4114800" lvl="8" indent="-298450">
               <a:spcBef>
                 <a:spcPts val="0"/>
               </a:spcBef>
@@ -5776,15 +5757,19 @@
               <a:defRPr/>
             </a:lvl9pPr>
           </a:lstStyle>
-          <a:p/>
+          <a:p>
+            <a:endParaRPr/>
+          </a:p>
         </p:txBody>
       </p:sp>
       <p:sp>
         <p:nvSpPr>
           <p:cNvPr id="55" name="Google Shape;55;p5"/>
-          <p:cNvSpPr txBox="1"/>
+          <p:cNvSpPr txBox="1">
+            <a:spLocks noGrp="1"/>
+          </p:cNvSpPr>
           <p:nvPr>
-            <p:ph idx="12" type="sldNum"/>
+            <p:ph type="sldNum" idx="12"/>
           </p:nvPr>
         </p:nvSpPr>
         <p:spPr>
@@ -5797,7 +5782,7 @@
           </a:prstGeom>
         </p:spPr>
         <p:txBody>
-          <a:bodyPr anchorCtr="0" anchor="ctr" bIns="91425" lIns="91425" spcFirstLastPara="1" rIns="91425" wrap="square" tIns="91425">
+          <a:bodyPr spcFirstLastPara="1" wrap="square" lIns="91425" tIns="91425" rIns="91425" bIns="91425" anchor="ctr" anchorCtr="0">
             <a:normAutofit/>
           </a:bodyPr>
           <a:lstStyle>
@@ -5839,7 +5824,7 @@
             </a:lvl9pPr>
           </a:lstStyle>
           <a:p>
-            <a:pPr indent="0" lvl="0" marL="0" rtl="0" algn="r">
+            <a:pPr marL="0" lvl="0" indent="0" algn="r" rtl="0">
               <a:spcBef>
                 <a:spcPts val="0"/>
               </a:spcBef>
@@ -5865,11 +5850,11 @@
 </file>
 
 <file path=ppt/slideLayouts/slideLayout5.xml><?xml version="1.0" encoding="utf-8"?>
-<p:sldLayout xmlns:a="http://schemas.openxmlformats.org/drawingml/2006/main" xmlns:r="http://schemas.openxmlformats.org/officeDocument/2006/relationships" xmlns:mc="http://schemas.openxmlformats.org/markup-compatibility/2006" xmlns:mv="urn:schemas-microsoft-com:mac:vml" xmlns:p="http://schemas.openxmlformats.org/presentationml/2006/main" xmlns:c="http://schemas.openxmlformats.org/drawingml/2006/chart" xmlns:dgm="http://schemas.openxmlformats.org/drawingml/2006/diagram" xmlns:o="urn:schemas-microsoft-com:office:office" xmlns:v="urn:schemas-microsoft-com:vml" xmlns:pvml="urn:schemas-microsoft-com:office:powerpoint" xmlns:com="http://schemas.openxmlformats.org/drawingml/2006/compatibility" xmlns:p14="http://schemas.microsoft.com/office/powerpoint/2010/main" xmlns:p15="http://schemas.microsoft.com/office/powerpoint/2012/main" xmlns:ahyp="http://schemas.microsoft.com/office/drawing/2018/hyperlinkcolor" matchingName="Title only" type="titleOnly">
+<p:sldLayout xmlns:a="http://schemas.openxmlformats.org/drawingml/2006/main" xmlns:r="http://schemas.openxmlformats.org/officeDocument/2006/relationships" xmlns:p="http://schemas.openxmlformats.org/presentationml/2006/main" matchingName="Title only" type="titleOnly">
   <p:cSld name="TITLE_ONLY">
     <p:spTree>
       <p:nvGrpSpPr>
-        <p:cNvPr id="56" name="Shape 56"/>
+        <p:cNvPr id="1" name="Shape 56"/>
         <p:cNvGrpSpPr/>
         <p:nvPr/>
       </p:nvGrpSpPr>
@@ -5908,7 +5893,7 @@
             </a:xfrm>
             <a:prstGeom prst="diagStripe">
               <a:avLst>
-                <a:gd fmla="val 50000" name="adj"/>
+                <a:gd name="adj" fmla="val 50000"/>
               </a:avLst>
             </a:prstGeom>
             <a:solidFill>
@@ -5919,12 +5904,12 @@
             </a:ln>
           </p:spPr>
           <p:txBody>
-            <a:bodyPr anchorCtr="0" anchor="ctr" bIns="91425" lIns="91425" spcFirstLastPara="1" rIns="91425" wrap="square" tIns="91425">
+            <a:bodyPr spcFirstLastPara="1" wrap="square" lIns="91425" tIns="91425" rIns="91425" bIns="91425" anchor="ctr" anchorCtr="0">
               <a:noAutofit/>
             </a:bodyPr>
             <a:lstStyle/>
             <a:p>
-              <a:pPr indent="0" lvl="0" marL="0" rtl="0" algn="l">
+              <a:pPr marL="0" lvl="0" indent="0" algn="l" rtl="0">
                 <a:spcBef>
                   <a:spcPts val="0"/>
                 </a:spcBef>
@@ -5933,9 +5918,6 @@
                 </a:spcAft>
                 <a:buNone/>
               </a:pPr>
-              <a:r>
-                <a:t/>
-              </a:r>
               <a:endParaRPr/>
             </a:p>
           </p:txBody>
@@ -5953,7 +5935,7 @@
             </a:xfrm>
             <a:prstGeom prst="diagStripe">
               <a:avLst>
-                <a:gd fmla="val 50000" name="adj"/>
+                <a:gd name="adj" fmla="val 50000"/>
               </a:avLst>
             </a:prstGeom>
             <a:solidFill>
@@ -5964,12 +5946,12 @@
             </a:ln>
           </p:spPr>
           <p:txBody>
-            <a:bodyPr anchorCtr="0" anchor="ctr" bIns="91425" lIns="91425" spcFirstLastPara="1" rIns="91425" wrap="square" tIns="91425">
+            <a:bodyPr spcFirstLastPara="1" wrap="square" lIns="91425" tIns="91425" rIns="91425" bIns="91425" anchor="ctr" anchorCtr="0">
               <a:noAutofit/>
             </a:bodyPr>
             <a:lstStyle/>
             <a:p>
-              <a:pPr indent="0" lvl="0" marL="0" rtl="0" algn="l">
+              <a:pPr marL="0" lvl="0" indent="0" algn="l" rtl="0">
                 <a:spcBef>
                   <a:spcPts val="0"/>
                 </a:spcBef>
@@ -5978,9 +5960,6 @@
                 </a:spcAft>
                 <a:buNone/>
               </a:pPr>
-              <a:r>
-                <a:t/>
-              </a:r>
               <a:endParaRPr/>
             </a:p>
           </p:txBody>
@@ -5989,7 +5968,9 @@
       <p:sp>
         <p:nvSpPr>
           <p:cNvPr id="60" name="Google Shape;60;p6"/>
-          <p:cNvSpPr txBox="1"/>
+          <p:cNvSpPr txBox="1">
+            <a:spLocks noGrp="1"/>
+          </p:cNvSpPr>
           <p:nvPr>
             <p:ph type="title"/>
           </p:nvPr>
@@ -6004,7 +5985,7 @@
           </a:prstGeom>
         </p:spPr>
         <p:txBody>
-          <a:bodyPr anchorCtr="0" anchor="t" bIns="91425" lIns="91425" spcFirstLastPara="1" rIns="91425" wrap="square" tIns="91425">
+          <a:bodyPr spcFirstLastPara="1" wrap="square" lIns="91425" tIns="91425" rIns="91425" bIns="91425" anchor="t" anchorCtr="0">
             <a:normAutofit/>
           </a:bodyPr>
           <a:lstStyle>
@@ -6108,15 +6089,19 @@
               <a:defRPr sz="2400"/>
             </a:lvl9pPr>
           </a:lstStyle>
-          <a:p/>
+          <a:p>
+            <a:endParaRPr/>
+          </a:p>
         </p:txBody>
       </p:sp>
       <p:sp>
         <p:nvSpPr>
           <p:cNvPr id="61" name="Google Shape;61;p6"/>
-          <p:cNvSpPr txBox="1"/>
+          <p:cNvSpPr txBox="1">
+            <a:spLocks noGrp="1"/>
+          </p:cNvSpPr>
           <p:nvPr>
-            <p:ph idx="12" type="sldNum"/>
+            <p:ph type="sldNum" idx="12"/>
           </p:nvPr>
         </p:nvSpPr>
         <p:spPr>
@@ -6129,7 +6114,7 @@
           </a:prstGeom>
         </p:spPr>
         <p:txBody>
-          <a:bodyPr anchorCtr="0" anchor="ctr" bIns="91425" lIns="91425" spcFirstLastPara="1" rIns="91425" wrap="square" tIns="91425">
+          <a:bodyPr spcFirstLastPara="1" wrap="square" lIns="91425" tIns="91425" rIns="91425" bIns="91425" anchor="ctr" anchorCtr="0">
             <a:normAutofit/>
           </a:bodyPr>
           <a:lstStyle>
@@ -6171,7 +6156,7 @@
             </a:lvl9pPr>
           </a:lstStyle>
           <a:p>
-            <a:pPr indent="0" lvl="0" marL="0" rtl="0" algn="r">
+            <a:pPr marL="0" lvl="0" indent="0" algn="r" rtl="0">
               <a:spcBef>
                 <a:spcPts val="0"/>
               </a:spcBef>
@@ -6197,11 +6182,11 @@
 </file>
 
 <file path=ppt/slideLayouts/slideLayout6.xml><?xml version="1.0" encoding="utf-8"?>
-<p:sldLayout xmlns:a="http://schemas.openxmlformats.org/drawingml/2006/main" xmlns:r="http://schemas.openxmlformats.org/officeDocument/2006/relationships" xmlns:mc="http://schemas.openxmlformats.org/markup-compatibility/2006" xmlns:mv="urn:schemas-microsoft-com:mac:vml" xmlns:p="http://schemas.openxmlformats.org/presentationml/2006/main" xmlns:c="http://schemas.openxmlformats.org/drawingml/2006/chart" xmlns:dgm="http://schemas.openxmlformats.org/drawingml/2006/diagram" xmlns:o="urn:schemas-microsoft-com:office:office" xmlns:v="urn:schemas-microsoft-com:vml" xmlns:pvml="urn:schemas-microsoft-com:office:powerpoint" xmlns:com="http://schemas.openxmlformats.org/drawingml/2006/compatibility" xmlns:p14="http://schemas.microsoft.com/office/powerpoint/2010/main" xmlns:p15="http://schemas.microsoft.com/office/powerpoint/2012/main" xmlns:ahyp="http://schemas.microsoft.com/office/drawing/2018/hyperlinkcolor" matchingName="One column text">
+<p:sldLayout xmlns:a="http://schemas.openxmlformats.org/drawingml/2006/main" xmlns:r="http://schemas.openxmlformats.org/officeDocument/2006/relationships" xmlns:p="http://schemas.openxmlformats.org/presentationml/2006/main" matchingName="One column text">
   <p:cSld name="ONE_COLUMN_TEXT">
     <p:spTree>
       <p:nvGrpSpPr>
-        <p:cNvPr id="62" name="Shape 62"/>
+        <p:cNvPr id="1" name="Shape 62"/>
         <p:cNvGrpSpPr/>
         <p:nvPr/>
       </p:nvGrpSpPr>
@@ -6240,7 +6225,7 @@
             </a:xfrm>
             <a:prstGeom prst="diagStripe">
               <a:avLst>
-                <a:gd fmla="val 50000" name="adj"/>
+                <a:gd name="adj" fmla="val 50000"/>
               </a:avLst>
             </a:prstGeom>
             <a:solidFill>
@@ -6251,12 +6236,12 @@
             </a:ln>
           </p:spPr>
           <p:txBody>
-            <a:bodyPr anchorCtr="0" anchor="ctr" bIns="91425" lIns="91425" spcFirstLastPara="1" rIns="91425" wrap="square" tIns="91425">
+            <a:bodyPr spcFirstLastPara="1" wrap="square" lIns="91425" tIns="91425" rIns="91425" bIns="91425" anchor="ctr" anchorCtr="0">
               <a:noAutofit/>
             </a:bodyPr>
             <a:lstStyle/>
             <a:p>
-              <a:pPr indent="0" lvl="0" marL="0" rtl="0" algn="l">
+              <a:pPr marL="0" lvl="0" indent="0" algn="l" rtl="0">
                 <a:spcBef>
                   <a:spcPts val="0"/>
                 </a:spcBef>
@@ -6265,9 +6250,6 @@
                 </a:spcAft>
                 <a:buNone/>
               </a:pPr>
-              <a:r>
-                <a:t/>
-              </a:r>
               <a:endParaRPr/>
             </a:p>
           </p:txBody>
@@ -6285,7 +6267,7 @@
             </a:xfrm>
             <a:prstGeom prst="diagStripe">
               <a:avLst>
-                <a:gd fmla="val 50000" name="adj"/>
+                <a:gd name="adj" fmla="val 50000"/>
               </a:avLst>
             </a:prstGeom>
             <a:solidFill>
@@ -6296,12 +6278,12 @@
             </a:ln>
           </p:spPr>
           <p:txBody>
-            <a:bodyPr anchorCtr="0" anchor="ctr" bIns="91425" lIns="91425" spcFirstLastPara="1" rIns="91425" wrap="square" tIns="91425">
+            <a:bodyPr spcFirstLastPara="1" wrap="square" lIns="91425" tIns="91425" rIns="91425" bIns="91425" anchor="ctr" anchorCtr="0">
               <a:noAutofit/>
             </a:bodyPr>
             <a:lstStyle/>
             <a:p>
-              <a:pPr indent="0" lvl="0" marL="0" rtl="0" algn="l">
+              <a:pPr marL="0" lvl="0" indent="0" algn="l" rtl="0">
                 <a:spcBef>
                   <a:spcPts val="0"/>
                 </a:spcBef>
@@ -6310,9 +6292,6 @@
                 </a:spcAft>
                 <a:buNone/>
               </a:pPr>
-              <a:r>
-                <a:t/>
-              </a:r>
               <a:endParaRPr/>
             </a:p>
           </p:txBody>
@@ -6321,7 +6300,9 @@
       <p:sp>
         <p:nvSpPr>
           <p:cNvPr id="66" name="Google Shape;66;p7"/>
-          <p:cNvSpPr txBox="1"/>
+          <p:cNvSpPr txBox="1">
+            <a:spLocks noGrp="1"/>
+          </p:cNvSpPr>
           <p:nvPr>
             <p:ph type="title"/>
           </p:nvPr>
@@ -6336,7 +6317,7 @@
           </a:prstGeom>
         </p:spPr>
         <p:txBody>
-          <a:bodyPr anchorCtr="0" anchor="t" bIns="91425" lIns="91425" spcFirstLastPara="1" rIns="91425" wrap="square" tIns="91425">
+          <a:bodyPr spcFirstLastPara="1" wrap="square" lIns="91425" tIns="91425" rIns="91425" bIns="91425" anchor="t" anchorCtr="0">
             <a:normAutofit/>
           </a:bodyPr>
           <a:lstStyle>
@@ -6440,15 +6421,19 @@
               <a:defRPr sz="2400"/>
             </a:lvl9pPr>
           </a:lstStyle>
-          <a:p/>
+          <a:p>
+            <a:endParaRPr/>
+          </a:p>
         </p:txBody>
       </p:sp>
       <p:sp>
         <p:nvSpPr>
           <p:cNvPr id="67" name="Google Shape;67;p7"/>
-          <p:cNvSpPr txBox="1"/>
+          <p:cNvSpPr txBox="1">
+            <a:spLocks noGrp="1"/>
+          </p:cNvSpPr>
           <p:nvPr>
-            <p:ph idx="1" type="body"/>
+            <p:ph type="body" idx="1"/>
           </p:nvPr>
         </p:nvSpPr>
         <p:spPr>
@@ -6461,11 +6446,11 @@
           </a:prstGeom>
         </p:spPr>
         <p:txBody>
-          <a:bodyPr anchorCtr="0" anchor="t" bIns="91425" lIns="91425" spcFirstLastPara="1" rIns="91425" wrap="square" tIns="91425">
+          <a:bodyPr spcFirstLastPara="1" wrap="square" lIns="91425" tIns="91425" rIns="91425" bIns="91425" anchor="t" anchorCtr="0">
             <a:normAutofit/>
           </a:bodyPr>
           <a:lstStyle>
-            <a:lvl1pPr indent="-311150" lvl="0" marL="457200">
+            <a:lvl1pPr marL="457200" lvl="0" indent="-311150">
               <a:spcBef>
                 <a:spcPts val="0"/>
               </a:spcBef>
@@ -6476,7 +6461,7 @@
               <a:buChar char="●"/>
               <a:defRPr/>
             </a:lvl1pPr>
-            <a:lvl2pPr indent="-298450" lvl="1" marL="914400">
+            <a:lvl2pPr marL="914400" lvl="1" indent="-298450">
               <a:spcBef>
                 <a:spcPts val="0"/>
               </a:spcBef>
@@ -6487,7 +6472,7 @@
               <a:buChar char="○"/>
               <a:defRPr/>
             </a:lvl2pPr>
-            <a:lvl3pPr indent="-298450" lvl="2" marL="1371600">
+            <a:lvl3pPr marL="1371600" lvl="2" indent="-298450">
               <a:spcBef>
                 <a:spcPts val="0"/>
               </a:spcBef>
@@ -6498,7 +6483,7 @@
               <a:buChar char="■"/>
               <a:defRPr/>
             </a:lvl3pPr>
-            <a:lvl4pPr indent="-298450" lvl="3" marL="1828800">
+            <a:lvl4pPr marL="1828800" lvl="3" indent="-298450">
               <a:spcBef>
                 <a:spcPts val="0"/>
               </a:spcBef>
@@ -6509,7 +6494,7 @@
               <a:buChar char="●"/>
               <a:defRPr/>
             </a:lvl4pPr>
-            <a:lvl5pPr indent="-298450" lvl="4" marL="2286000">
+            <a:lvl5pPr marL="2286000" lvl="4" indent="-298450">
               <a:spcBef>
                 <a:spcPts val="0"/>
               </a:spcBef>
@@ -6520,7 +6505,7 @@
               <a:buChar char="○"/>
               <a:defRPr/>
             </a:lvl5pPr>
-            <a:lvl6pPr indent="-298450" lvl="5" marL="2743200">
+            <a:lvl6pPr marL="2743200" lvl="5" indent="-298450">
               <a:spcBef>
                 <a:spcPts val="0"/>
               </a:spcBef>
@@ -6531,7 +6516,7 @@
               <a:buChar char="■"/>
               <a:defRPr/>
             </a:lvl6pPr>
-            <a:lvl7pPr indent="-298450" lvl="6" marL="3200400">
+            <a:lvl7pPr marL="3200400" lvl="6" indent="-298450">
               <a:spcBef>
                 <a:spcPts val="0"/>
               </a:spcBef>
@@ -6542,7 +6527,7 @@
               <a:buChar char="●"/>
               <a:defRPr/>
             </a:lvl7pPr>
-            <a:lvl8pPr indent="-298450" lvl="7" marL="3657600">
+            <a:lvl8pPr marL="3657600" lvl="7" indent="-298450">
               <a:spcBef>
                 <a:spcPts val="0"/>
               </a:spcBef>
@@ -6553,7 +6538,7 @@
               <a:buChar char="○"/>
               <a:defRPr/>
             </a:lvl8pPr>
-            <a:lvl9pPr indent="-298450" lvl="8" marL="4114800">
+            <a:lvl9pPr marL="4114800" lvl="8" indent="-298450">
               <a:spcBef>
                 <a:spcPts val="0"/>
               </a:spcBef>
@@ -6565,15 +6550,19 @@
               <a:defRPr/>
             </a:lvl9pPr>
           </a:lstStyle>
-          <a:p/>
+          <a:p>
+            <a:endParaRPr/>
+          </a:p>
         </p:txBody>
       </p:sp>
       <p:sp>
         <p:nvSpPr>
           <p:cNvPr id="68" name="Google Shape;68;p7"/>
-          <p:cNvSpPr txBox="1"/>
+          <p:cNvSpPr txBox="1">
+            <a:spLocks noGrp="1"/>
+          </p:cNvSpPr>
           <p:nvPr>
-            <p:ph idx="12" type="sldNum"/>
+            <p:ph type="sldNum" idx="12"/>
           </p:nvPr>
         </p:nvSpPr>
         <p:spPr>
@@ -6586,7 +6575,7 @@
           </a:prstGeom>
         </p:spPr>
         <p:txBody>
-          <a:bodyPr anchorCtr="0" anchor="ctr" bIns="91425" lIns="91425" spcFirstLastPara="1" rIns="91425" wrap="square" tIns="91425">
+          <a:bodyPr spcFirstLastPara="1" wrap="square" lIns="91425" tIns="91425" rIns="91425" bIns="91425" anchor="ctr" anchorCtr="0">
             <a:normAutofit/>
           </a:bodyPr>
           <a:lstStyle>
@@ -6628,7 +6617,7 @@
             </a:lvl9pPr>
           </a:lstStyle>
           <a:p>
-            <a:pPr indent="0" lvl="0" marL="0" rtl="0" algn="r">
+            <a:pPr marL="0" lvl="0" indent="0" algn="r" rtl="0">
               <a:spcBef>
                 <a:spcPts val="0"/>
               </a:spcBef>
@@ -6654,11 +6643,11 @@
 </file>
 
 <file path=ppt/slideLayouts/slideLayout7.xml><?xml version="1.0" encoding="utf-8"?>
-<p:sldLayout xmlns:a="http://schemas.openxmlformats.org/drawingml/2006/main" xmlns:r="http://schemas.openxmlformats.org/officeDocument/2006/relationships" xmlns:mc="http://schemas.openxmlformats.org/markup-compatibility/2006" xmlns:mv="urn:schemas-microsoft-com:mac:vml" xmlns:p="http://schemas.openxmlformats.org/presentationml/2006/main" xmlns:c="http://schemas.openxmlformats.org/drawingml/2006/chart" xmlns:dgm="http://schemas.openxmlformats.org/drawingml/2006/diagram" xmlns:o="urn:schemas-microsoft-com:office:office" xmlns:v="urn:schemas-microsoft-com:vml" xmlns:pvml="urn:schemas-microsoft-com:office:powerpoint" xmlns:com="http://schemas.openxmlformats.org/drawingml/2006/compatibility" xmlns:p14="http://schemas.microsoft.com/office/powerpoint/2010/main" xmlns:p15="http://schemas.microsoft.com/office/powerpoint/2012/main" xmlns:ahyp="http://schemas.microsoft.com/office/drawing/2018/hyperlinkcolor" matchingName="Main point">
+<p:sldLayout xmlns:a="http://schemas.openxmlformats.org/drawingml/2006/main" xmlns:r="http://schemas.openxmlformats.org/officeDocument/2006/relationships" xmlns:p="http://schemas.openxmlformats.org/presentationml/2006/main" matchingName="Main point">
   <p:cSld name="MAIN_POINT">
     <p:spTree>
       <p:nvGrpSpPr>
-        <p:cNvPr id="69" name="Shape 69"/>
+        <p:cNvPr id="1" name="Shape 69"/>
         <p:cNvGrpSpPr/>
         <p:nvPr/>
       </p:nvGrpSpPr>
@@ -6697,7 +6686,7 @@
             </a:xfrm>
             <a:prstGeom prst="diagStripe">
               <a:avLst>
-                <a:gd fmla="val 49469" name="adj"/>
+                <a:gd name="adj" fmla="val 49469"/>
               </a:avLst>
             </a:prstGeom>
             <a:solidFill>
@@ -6710,12 +6699,12 @@
             </a:ln>
           </p:spPr>
           <p:txBody>
-            <a:bodyPr anchorCtr="0" anchor="ctr" bIns="91425" lIns="91425" spcFirstLastPara="1" rIns="91425" wrap="square" tIns="91425">
+            <a:bodyPr spcFirstLastPara="1" wrap="square" lIns="91425" tIns="91425" rIns="91425" bIns="91425" anchor="ctr" anchorCtr="0">
               <a:noAutofit/>
             </a:bodyPr>
             <a:lstStyle/>
             <a:p>
-              <a:pPr indent="0" lvl="0" marL="0" rtl="0" algn="l">
+              <a:pPr marL="0" lvl="0" indent="0" algn="l" rtl="0">
                 <a:spcBef>
                   <a:spcPts val="0"/>
                 </a:spcBef>
@@ -6724,9 +6713,6 @@
                 </a:spcAft>
                 <a:buNone/>
               </a:pPr>
-              <a:r>
-                <a:t/>
-              </a:r>
               <a:endParaRPr/>
             </a:p>
           </p:txBody>
@@ -6744,7 +6730,7 @@
             </a:xfrm>
             <a:prstGeom prst="diagStripe">
               <a:avLst>
-                <a:gd fmla="val 0" name="adj"/>
+                <a:gd name="adj" fmla="val 0"/>
               </a:avLst>
             </a:prstGeom>
             <a:solidFill>
@@ -6757,12 +6743,12 @@
             </a:ln>
           </p:spPr>
           <p:txBody>
-            <a:bodyPr anchorCtr="0" anchor="ctr" bIns="91425" lIns="91425" spcFirstLastPara="1" rIns="91425" wrap="square" tIns="91425">
+            <a:bodyPr spcFirstLastPara="1" wrap="square" lIns="91425" tIns="91425" rIns="91425" bIns="91425" anchor="ctr" anchorCtr="0">
               <a:noAutofit/>
             </a:bodyPr>
             <a:lstStyle/>
             <a:p>
-              <a:pPr indent="0" lvl="0" marL="0" rtl="0" algn="l">
+              <a:pPr marL="0" lvl="0" indent="0" algn="l" rtl="0">
                 <a:spcBef>
                   <a:spcPts val="0"/>
                 </a:spcBef>
@@ -6771,9 +6757,6 @@
                 </a:spcAft>
                 <a:buNone/>
               </a:pPr>
-              <a:r>
-                <a:t/>
-              </a:r>
               <a:endParaRPr/>
             </a:p>
           </p:txBody>
@@ -6791,7 +6774,7 @@
             </a:xfrm>
             <a:prstGeom prst="diagStripe">
               <a:avLst>
-                <a:gd fmla="val 50000" name="adj"/>
+                <a:gd name="adj" fmla="val 50000"/>
               </a:avLst>
             </a:prstGeom>
             <a:solidFill>
@@ -6804,12 +6787,12 @@
             </a:ln>
           </p:spPr>
           <p:txBody>
-            <a:bodyPr anchorCtr="0" anchor="ctr" bIns="91425" lIns="91425" spcFirstLastPara="1" rIns="91425" wrap="square" tIns="91425">
+            <a:bodyPr spcFirstLastPara="1" wrap="square" lIns="91425" tIns="91425" rIns="91425" bIns="91425" anchor="ctr" anchorCtr="0">
               <a:noAutofit/>
             </a:bodyPr>
             <a:lstStyle/>
             <a:p>
-              <a:pPr indent="0" lvl="0" marL="0" rtl="0" algn="l">
+              <a:pPr marL="0" lvl="0" indent="0" algn="l" rtl="0">
                 <a:spcBef>
                   <a:spcPts val="0"/>
                 </a:spcBef>
@@ -6818,9 +6801,6 @@
                 </a:spcAft>
                 <a:buNone/>
               </a:pPr>
-              <a:r>
-                <a:t/>
-              </a:r>
               <a:endParaRPr/>
             </a:p>
           </p:txBody>
@@ -6838,7 +6818,7 @@
             </a:xfrm>
             <a:prstGeom prst="diagStripe">
               <a:avLst>
-                <a:gd fmla="val 50000" name="adj"/>
+                <a:gd name="adj" fmla="val 50000"/>
               </a:avLst>
             </a:prstGeom>
             <a:solidFill>
@@ -6851,12 +6831,12 @@
             </a:ln>
           </p:spPr>
           <p:txBody>
-            <a:bodyPr anchorCtr="0" anchor="ctr" bIns="91425" lIns="91425" spcFirstLastPara="1" rIns="91425" wrap="square" tIns="91425">
+            <a:bodyPr spcFirstLastPara="1" wrap="square" lIns="91425" tIns="91425" rIns="91425" bIns="91425" anchor="ctr" anchorCtr="0">
               <a:noAutofit/>
             </a:bodyPr>
             <a:lstStyle/>
             <a:p>
-              <a:pPr indent="0" lvl="0" marL="0" rtl="0" algn="l">
+              <a:pPr marL="0" lvl="0" indent="0" algn="l" rtl="0">
                 <a:spcBef>
                   <a:spcPts val="0"/>
                 </a:spcBef>
@@ -6865,9 +6845,6 @@
                 </a:spcAft>
                 <a:buNone/>
               </a:pPr>
-              <a:r>
-                <a:t/>
-              </a:r>
               <a:endParaRPr/>
             </a:p>
           </p:txBody>
@@ -6885,7 +6862,7 @@
             </a:xfrm>
             <a:prstGeom prst="diagStripe">
               <a:avLst>
-                <a:gd fmla="val 50000" name="adj"/>
+                <a:gd name="adj" fmla="val 50000"/>
               </a:avLst>
             </a:prstGeom>
             <a:solidFill>
@@ -6898,12 +6875,12 @@
             </a:ln>
           </p:spPr>
           <p:txBody>
-            <a:bodyPr anchorCtr="0" anchor="ctr" bIns="91425" lIns="91425" spcFirstLastPara="1" rIns="91425" wrap="square" tIns="91425">
+            <a:bodyPr spcFirstLastPara="1" wrap="square" lIns="91425" tIns="91425" rIns="91425" bIns="91425" anchor="ctr" anchorCtr="0">
               <a:noAutofit/>
             </a:bodyPr>
             <a:lstStyle/>
             <a:p>
-              <a:pPr indent="0" lvl="0" marL="0" rtl="0" algn="l">
+              <a:pPr marL="0" lvl="0" indent="0" algn="l" rtl="0">
                 <a:spcBef>
                   <a:spcPts val="0"/>
                 </a:spcBef>
@@ -6912,9 +6889,6 @@
                 </a:spcAft>
                 <a:buNone/>
               </a:pPr>
-              <a:r>
-                <a:t/>
-              </a:r>
               <a:endParaRPr/>
             </a:p>
           </p:txBody>
@@ -6932,7 +6906,7 @@
             </a:xfrm>
             <a:prstGeom prst="diagStripe">
               <a:avLst>
-                <a:gd fmla="val 50000" name="adj"/>
+                <a:gd name="adj" fmla="val 50000"/>
               </a:avLst>
             </a:prstGeom>
             <a:solidFill>
@@ -6945,12 +6919,12 @@
             </a:ln>
           </p:spPr>
           <p:txBody>
-            <a:bodyPr anchorCtr="0" anchor="ctr" bIns="91425" lIns="91425" spcFirstLastPara="1" rIns="91425" wrap="square" tIns="91425">
+            <a:bodyPr spcFirstLastPara="1" wrap="square" lIns="91425" tIns="91425" rIns="91425" bIns="91425" anchor="ctr" anchorCtr="0">
               <a:noAutofit/>
             </a:bodyPr>
             <a:lstStyle/>
             <a:p>
-              <a:pPr indent="0" lvl="0" marL="0" rtl="0" algn="l">
+              <a:pPr marL="0" lvl="0" indent="0" algn="l" rtl="0">
                 <a:spcBef>
                   <a:spcPts val="0"/>
                 </a:spcBef>
@@ -6959,9 +6933,6 @@
                 </a:spcAft>
                 <a:buNone/>
               </a:pPr>
-              <a:r>
-                <a:t/>
-              </a:r>
               <a:endParaRPr/>
             </a:p>
           </p:txBody>
@@ -6979,7 +6950,7 @@
             </a:xfrm>
             <a:prstGeom prst="diagStripe">
               <a:avLst>
-                <a:gd fmla="val 50000" name="adj"/>
+                <a:gd name="adj" fmla="val 50000"/>
               </a:avLst>
             </a:prstGeom>
             <a:solidFill>
@@ -6992,12 +6963,12 @@
             </a:ln>
           </p:spPr>
           <p:txBody>
-            <a:bodyPr anchorCtr="0" anchor="ctr" bIns="91425" lIns="91425" spcFirstLastPara="1" rIns="91425" wrap="square" tIns="91425">
+            <a:bodyPr spcFirstLastPara="1" wrap="square" lIns="91425" tIns="91425" rIns="91425" bIns="91425" anchor="ctr" anchorCtr="0">
               <a:noAutofit/>
             </a:bodyPr>
             <a:lstStyle/>
             <a:p>
-              <a:pPr indent="0" lvl="0" marL="0" rtl="0" algn="l">
+              <a:pPr marL="0" lvl="0" indent="0" algn="l" rtl="0">
                 <a:spcBef>
                   <a:spcPts val="0"/>
                 </a:spcBef>
@@ -7006,9 +6977,6 @@
                 </a:spcAft>
                 <a:buNone/>
               </a:pPr>
-              <a:r>
-                <a:t/>
-              </a:r>
               <a:endParaRPr/>
             </a:p>
           </p:txBody>
@@ -7026,7 +6994,7 @@
             </a:xfrm>
             <a:prstGeom prst="diagStripe">
               <a:avLst>
-                <a:gd fmla="val 50000" name="adj"/>
+                <a:gd name="adj" fmla="val 50000"/>
               </a:avLst>
             </a:prstGeom>
             <a:solidFill>
@@ -7037,12 +7005,12 @@
             </a:ln>
           </p:spPr>
           <p:txBody>
-            <a:bodyPr anchorCtr="0" anchor="ctr" bIns="91425" lIns="91425" spcFirstLastPara="1" rIns="91425" wrap="square" tIns="91425">
+            <a:bodyPr spcFirstLastPara="1" wrap="square" lIns="91425" tIns="91425" rIns="91425" bIns="91425" anchor="ctr" anchorCtr="0">
               <a:noAutofit/>
             </a:bodyPr>
             <a:lstStyle/>
             <a:p>
-              <a:pPr indent="0" lvl="0" marL="0" rtl="0" algn="l">
+              <a:pPr marL="0" lvl="0" indent="0" algn="l" rtl="0">
                 <a:spcBef>
                   <a:spcPts val="0"/>
                 </a:spcBef>
@@ -7051,9 +7019,6 @@
                 </a:spcAft>
                 <a:buNone/>
               </a:pPr>
-              <a:r>
-                <a:t/>
-              </a:r>
               <a:endParaRPr/>
             </a:p>
           </p:txBody>
@@ -7071,7 +7036,7 @@
             </a:xfrm>
             <a:prstGeom prst="diagStripe">
               <a:avLst>
-                <a:gd fmla="val 50000" name="adj"/>
+                <a:gd name="adj" fmla="val 50000"/>
               </a:avLst>
             </a:prstGeom>
             <a:solidFill>
@@ -7084,12 +7049,12 @@
             </a:ln>
           </p:spPr>
           <p:txBody>
-            <a:bodyPr anchorCtr="0" anchor="ctr" bIns="91425" lIns="91425" spcFirstLastPara="1" rIns="91425" wrap="square" tIns="91425">
+            <a:bodyPr spcFirstLastPara="1" wrap="square" lIns="91425" tIns="91425" rIns="91425" bIns="91425" anchor="ctr" anchorCtr="0">
               <a:noAutofit/>
             </a:bodyPr>
             <a:lstStyle/>
             <a:p>
-              <a:pPr indent="0" lvl="0" marL="0" rtl="0" algn="l">
+              <a:pPr marL="0" lvl="0" indent="0" algn="l" rtl="0">
                 <a:spcBef>
                   <a:spcPts val="0"/>
                 </a:spcBef>
@@ -7098,9 +7063,6 @@
                 </a:spcAft>
                 <a:buNone/>
               </a:pPr>
-              <a:r>
-                <a:t/>
-              </a:r>
               <a:endParaRPr/>
             </a:p>
           </p:txBody>
@@ -7118,7 +7080,7 @@
             </a:xfrm>
             <a:prstGeom prst="diagStripe">
               <a:avLst>
-                <a:gd fmla="val 50000" name="adj"/>
+                <a:gd name="adj" fmla="val 50000"/>
               </a:avLst>
             </a:prstGeom>
             <a:solidFill>
@@ -7131,12 +7093,12 @@
             </a:ln>
           </p:spPr>
           <p:txBody>
-            <a:bodyPr anchorCtr="0" anchor="ctr" bIns="91425" lIns="91425" spcFirstLastPara="1" rIns="91425" wrap="square" tIns="91425">
+            <a:bodyPr spcFirstLastPara="1" wrap="square" lIns="91425" tIns="91425" rIns="91425" bIns="91425" anchor="ctr" anchorCtr="0">
               <a:noAutofit/>
             </a:bodyPr>
             <a:lstStyle/>
             <a:p>
-              <a:pPr indent="0" lvl="0" marL="0" rtl="0" algn="l">
+              <a:pPr marL="0" lvl="0" indent="0" algn="l" rtl="0">
                 <a:spcBef>
                   <a:spcPts val="0"/>
                 </a:spcBef>
@@ -7145,9 +7107,6 @@
                 </a:spcAft>
                 <a:buNone/>
               </a:pPr>
-              <a:r>
-                <a:t/>
-              </a:r>
               <a:endParaRPr/>
             </a:p>
           </p:txBody>
@@ -7165,7 +7124,7 @@
             </a:xfrm>
             <a:prstGeom prst="diagStripe">
               <a:avLst>
-                <a:gd fmla="val 50000" name="adj"/>
+                <a:gd name="adj" fmla="val 50000"/>
               </a:avLst>
             </a:prstGeom>
             <a:solidFill>
@@ -7178,12 +7137,12 @@
             </a:ln>
           </p:spPr>
           <p:txBody>
-            <a:bodyPr anchorCtr="0" anchor="ctr" bIns="91425" lIns="91425" spcFirstLastPara="1" rIns="91425" wrap="square" tIns="91425">
+            <a:bodyPr spcFirstLastPara="1" wrap="square" lIns="91425" tIns="91425" rIns="91425" bIns="91425" anchor="ctr" anchorCtr="0">
               <a:noAutofit/>
             </a:bodyPr>
             <a:lstStyle/>
             <a:p>
-              <a:pPr indent="0" lvl="0" marL="0" rtl="0" algn="l">
+              <a:pPr marL="0" lvl="0" indent="0" algn="l" rtl="0">
                 <a:spcBef>
                   <a:spcPts val="0"/>
                 </a:spcBef>
@@ -7192,9 +7151,6 @@
                 </a:spcAft>
                 <a:buNone/>
               </a:pPr>
-              <a:r>
-                <a:t/>
-              </a:r>
               <a:endParaRPr/>
             </a:p>
           </p:txBody>
@@ -7212,7 +7168,7 @@
             </a:xfrm>
             <a:prstGeom prst="diagStripe">
               <a:avLst>
-                <a:gd fmla="val 50000" name="adj"/>
+                <a:gd name="adj" fmla="val 50000"/>
               </a:avLst>
             </a:prstGeom>
             <a:solidFill>
@@ -7225,12 +7181,12 @@
             </a:ln>
           </p:spPr>
           <p:txBody>
-            <a:bodyPr anchorCtr="0" anchor="ctr" bIns="91425" lIns="91425" spcFirstLastPara="1" rIns="91425" wrap="square" tIns="91425">
+            <a:bodyPr spcFirstLastPara="1" wrap="square" lIns="91425" tIns="91425" rIns="91425" bIns="91425" anchor="ctr" anchorCtr="0">
               <a:noAutofit/>
             </a:bodyPr>
             <a:lstStyle/>
             <a:p>
-              <a:pPr indent="0" lvl="0" marL="0" rtl="0" algn="l">
+              <a:pPr marL="0" lvl="0" indent="0" algn="l" rtl="0">
                 <a:spcBef>
                   <a:spcPts val="0"/>
                 </a:spcBef>
@@ -7239,9 +7195,6 @@
                 </a:spcAft>
                 <a:buNone/>
               </a:pPr>
-              <a:r>
-                <a:t/>
-              </a:r>
               <a:endParaRPr/>
             </a:p>
           </p:txBody>
@@ -7259,7 +7212,7 @@
             </a:xfrm>
             <a:prstGeom prst="diagStripe">
               <a:avLst>
-                <a:gd fmla="val 50000" name="adj"/>
+                <a:gd name="adj" fmla="val 50000"/>
               </a:avLst>
             </a:prstGeom>
             <a:solidFill>
@@ -7272,12 +7225,12 @@
             </a:ln>
           </p:spPr>
           <p:txBody>
-            <a:bodyPr anchorCtr="0" anchor="ctr" bIns="91425" lIns="91425" spcFirstLastPara="1" rIns="91425" wrap="square" tIns="91425">
+            <a:bodyPr spcFirstLastPara="1" wrap="square" lIns="91425" tIns="91425" rIns="91425" bIns="91425" anchor="ctr" anchorCtr="0">
               <a:noAutofit/>
             </a:bodyPr>
             <a:lstStyle/>
             <a:p>
-              <a:pPr indent="0" lvl="0" marL="0" rtl="0" algn="l">
+              <a:pPr marL="0" lvl="0" indent="0" algn="l" rtl="0">
                 <a:spcBef>
                   <a:spcPts val="0"/>
                 </a:spcBef>
@@ -7286,9 +7239,6 @@
                 </a:spcAft>
                 <a:buNone/>
               </a:pPr>
-              <a:r>
-                <a:t/>
-              </a:r>
               <a:endParaRPr/>
             </a:p>
           </p:txBody>
@@ -7306,7 +7256,7 @@
             </a:xfrm>
             <a:prstGeom prst="diagStripe">
               <a:avLst>
-                <a:gd fmla="val 50000" name="adj"/>
+                <a:gd name="adj" fmla="val 50000"/>
               </a:avLst>
             </a:prstGeom>
             <a:solidFill>
@@ -7317,12 +7267,12 @@
             </a:ln>
           </p:spPr>
           <p:txBody>
-            <a:bodyPr anchorCtr="0" anchor="ctr" bIns="91425" lIns="91425" spcFirstLastPara="1" rIns="91425" wrap="square" tIns="91425">
+            <a:bodyPr spcFirstLastPara="1" wrap="square" lIns="91425" tIns="91425" rIns="91425" bIns="91425" anchor="ctr" anchorCtr="0">
               <a:noAutofit/>
             </a:bodyPr>
             <a:lstStyle/>
             <a:p>
-              <a:pPr indent="0" lvl="0" marL="0" rtl="0" algn="l">
+              <a:pPr marL="0" lvl="0" indent="0" algn="l" rtl="0">
                 <a:spcBef>
                   <a:spcPts val="0"/>
                 </a:spcBef>
@@ -7331,9 +7281,6 @@
                 </a:spcAft>
                 <a:buNone/>
               </a:pPr>
-              <a:r>
-                <a:t/>
-              </a:r>
               <a:endParaRPr/>
             </a:p>
           </p:txBody>
@@ -7351,7 +7298,7 @@
             </a:xfrm>
             <a:prstGeom prst="diagStripe">
               <a:avLst>
-                <a:gd fmla="val 50000" name="adj"/>
+                <a:gd name="adj" fmla="val 50000"/>
               </a:avLst>
             </a:prstGeom>
             <a:solidFill>
@@ -7364,12 +7311,12 @@
             </a:ln>
           </p:spPr>
           <p:txBody>
-            <a:bodyPr anchorCtr="0" anchor="ctr" bIns="91425" lIns="91425" spcFirstLastPara="1" rIns="91425" wrap="square" tIns="91425">
+            <a:bodyPr spcFirstLastPara="1" wrap="square" lIns="91425" tIns="91425" rIns="91425" bIns="91425" anchor="ctr" anchorCtr="0">
               <a:noAutofit/>
             </a:bodyPr>
             <a:lstStyle/>
             <a:p>
-              <a:pPr indent="0" lvl="0" marL="0" rtl="0" algn="l">
+              <a:pPr marL="0" lvl="0" indent="0" algn="l" rtl="0">
                 <a:spcBef>
                   <a:spcPts val="0"/>
                 </a:spcBef>
@@ -7378,9 +7325,6 @@
                 </a:spcAft>
                 <a:buNone/>
               </a:pPr>
-              <a:r>
-                <a:t/>
-              </a:r>
               <a:endParaRPr/>
             </a:p>
           </p:txBody>
@@ -7398,7 +7342,7 @@
             </a:xfrm>
             <a:prstGeom prst="diagStripe">
               <a:avLst>
-                <a:gd fmla="val 50000" name="adj"/>
+                <a:gd name="adj" fmla="val 50000"/>
               </a:avLst>
             </a:prstGeom>
             <a:solidFill>
@@ -7411,12 +7355,12 @@
             </a:ln>
           </p:spPr>
           <p:txBody>
-            <a:bodyPr anchorCtr="0" anchor="ctr" bIns="91425" lIns="91425" spcFirstLastPara="1" rIns="91425" wrap="square" tIns="91425">
+            <a:bodyPr spcFirstLastPara="1" wrap="square" lIns="91425" tIns="91425" rIns="91425" bIns="91425" anchor="ctr" anchorCtr="0">
               <a:noAutofit/>
             </a:bodyPr>
             <a:lstStyle/>
             <a:p>
-              <a:pPr indent="0" lvl="0" marL="0" rtl="0" algn="l">
+              <a:pPr marL="0" lvl="0" indent="0" algn="l" rtl="0">
                 <a:spcBef>
                   <a:spcPts val="0"/>
                 </a:spcBef>
@@ -7425,9 +7369,6 @@
                 </a:spcAft>
                 <a:buNone/>
               </a:pPr>
-              <a:r>
-                <a:t/>
-              </a:r>
               <a:endParaRPr/>
             </a:p>
           </p:txBody>
@@ -7445,7 +7386,7 @@
             </a:xfrm>
             <a:prstGeom prst="diagStripe">
               <a:avLst>
-                <a:gd fmla="val 50000" name="adj"/>
+                <a:gd name="adj" fmla="val 50000"/>
               </a:avLst>
             </a:prstGeom>
             <a:solidFill>
@@ -7458,12 +7399,12 @@
             </a:ln>
           </p:spPr>
           <p:txBody>
-            <a:bodyPr anchorCtr="0" anchor="ctr" bIns="91425" lIns="91425" spcFirstLastPara="1" rIns="91425" wrap="square" tIns="91425">
+            <a:bodyPr spcFirstLastPara="1" wrap="square" lIns="91425" tIns="91425" rIns="91425" bIns="91425" anchor="ctr" anchorCtr="0">
               <a:noAutofit/>
             </a:bodyPr>
             <a:lstStyle/>
             <a:p>
-              <a:pPr indent="0" lvl="0" marL="0" rtl="0" algn="l">
+              <a:pPr marL="0" lvl="0" indent="0" algn="l" rtl="0">
                 <a:spcBef>
                   <a:spcPts val="0"/>
                 </a:spcBef>
@@ -7472,9 +7413,6 @@
                 </a:spcAft>
                 <a:buNone/>
               </a:pPr>
-              <a:r>
-                <a:t/>
-              </a:r>
               <a:endParaRPr/>
             </a:p>
           </p:txBody>
@@ -7492,7 +7430,7 @@
             </a:xfrm>
             <a:prstGeom prst="diagStripe">
               <a:avLst>
-                <a:gd fmla="val 50000" name="adj"/>
+                <a:gd name="adj" fmla="val 50000"/>
               </a:avLst>
             </a:prstGeom>
             <a:solidFill>
@@ -7505,12 +7443,12 @@
             </a:ln>
           </p:spPr>
           <p:txBody>
-            <a:bodyPr anchorCtr="0" anchor="ctr" bIns="91425" lIns="91425" spcFirstLastPara="1" rIns="91425" wrap="square" tIns="91425">
+            <a:bodyPr spcFirstLastPara="1" wrap="square" lIns="91425" tIns="91425" rIns="91425" bIns="91425" anchor="ctr" anchorCtr="0">
               <a:noAutofit/>
             </a:bodyPr>
             <a:lstStyle/>
             <a:p>
-              <a:pPr indent="0" lvl="0" marL="0" rtl="0" algn="l">
+              <a:pPr marL="0" lvl="0" indent="0" algn="l" rtl="0">
                 <a:spcBef>
                   <a:spcPts val="0"/>
                 </a:spcBef>
@@ -7519,9 +7457,6 @@
                 </a:spcAft>
                 <a:buNone/>
               </a:pPr>
-              <a:r>
-                <a:t/>
-              </a:r>
               <a:endParaRPr/>
             </a:p>
           </p:txBody>
@@ -7530,7 +7465,9 @@
       <p:sp>
         <p:nvSpPr>
           <p:cNvPr id="89" name="Google Shape;89;p8"/>
-          <p:cNvSpPr txBox="1"/>
+          <p:cNvSpPr txBox="1">
+            <a:spLocks noGrp="1"/>
+          </p:cNvSpPr>
           <p:nvPr>
             <p:ph type="title"/>
           </p:nvPr>
@@ -7545,7 +7482,7 @@
           </a:prstGeom>
         </p:spPr>
         <p:txBody>
-          <a:bodyPr anchorCtr="0" anchor="ctr" bIns="91425" lIns="91425" spcFirstLastPara="1" rIns="91425" wrap="square" tIns="91425">
+          <a:bodyPr spcFirstLastPara="1" wrap="square" lIns="91425" tIns="91425" rIns="91425" bIns="91425" anchor="ctr" anchorCtr="0">
             <a:normAutofit/>
           </a:bodyPr>
           <a:lstStyle>
@@ -7649,15 +7586,19 @@
               <a:defRPr/>
             </a:lvl9pPr>
           </a:lstStyle>
-          <a:p/>
+          <a:p>
+            <a:endParaRPr/>
+          </a:p>
         </p:txBody>
       </p:sp>
       <p:sp>
         <p:nvSpPr>
           <p:cNvPr id="90" name="Google Shape;90;p8"/>
-          <p:cNvSpPr txBox="1"/>
+          <p:cNvSpPr txBox="1">
+            <a:spLocks noGrp="1"/>
+          </p:cNvSpPr>
           <p:nvPr>
-            <p:ph idx="12" type="sldNum"/>
+            <p:ph type="sldNum" idx="12"/>
           </p:nvPr>
         </p:nvSpPr>
         <p:spPr>
@@ -7670,7 +7611,7 @@
           </a:prstGeom>
         </p:spPr>
         <p:txBody>
-          <a:bodyPr anchorCtr="0" anchor="ctr" bIns="91425" lIns="91425" spcFirstLastPara="1" rIns="91425" wrap="square" tIns="91425">
+          <a:bodyPr spcFirstLastPara="1" wrap="square" lIns="91425" tIns="91425" rIns="91425" bIns="91425" anchor="ctr" anchorCtr="0">
             <a:normAutofit/>
           </a:bodyPr>
           <a:lstStyle>
@@ -7712,7 +7653,7 @@
             </a:lvl9pPr>
           </a:lstStyle>
           <a:p>
-            <a:pPr indent="0" lvl="0" marL="0" rtl="0" algn="r">
+            <a:pPr marL="0" lvl="0" indent="0" algn="r" rtl="0">
               <a:spcBef>
                 <a:spcPts val="0"/>
               </a:spcBef>
@@ -7738,11 +7679,11 @@
 </file>
 
 <file path=ppt/slideLayouts/slideLayout8.xml><?xml version="1.0" encoding="utf-8"?>
-<p:sldLayout xmlns:a="http://schemas.openxmlformats.org/drawingml/2006/main" xmlns:r="http://schemas.openxmlformats.org/officeDocument/2006/relationships" xmlns:mc="http://schemas.openxmlformats.org/markup-compatibility/2006" xmlns:mv="urn:schemas-microsoft-com:mac:vml" xmlns:p="http://schemas.openxmlformats.org/presentationml/2006/main" xmlns:c="http://schemas.openxmlformats.org/drawingml/2006/chart" xmlns:dgm="http://schemas.openxmlformats.org/drawingml/2006/diagram" xmlns:o="urn:schemas-microsoft-com:office:office" xmlns:v="urn:schemas-microsoft-com:vml" xmlns:pvml="urn:schemas-microsoft-com:office:powerpoint" xmlns:com="http://schemas.openxmlformats.org/drawingml/2006/compatibility" xmlns:p14="http://schemas.microsoft.com/office/powerpoint/2010/main" xmlns:p15="http://schemas.microsoft.com/office/powerpoint/2012/main" xmlns:ahyp="http://schemas.microsoft.com/office/drawing/2018/hyperlinkcolor" matchingName="Section title and description">
+<p:sldLayout xmlns:a="http://schemas.openxmlformats.org/drawingml/2006/main" xmlns:r="http://schemas.openxmlformats.org/officeDocument/2006/relationships" xmlns:p="http://schemas.openxmlformats.org/presentationml/2006/main" matchingName="Section title and description">
   <p:cSld name="SECTION_TITLE_AND_DESCRIPTION">
     <p:spTree>
       <p:nvGrpSpPr>
-        <p:cNvPr id="91" name="Shape 91"/>
+        <p:cNvPr id="1" name="Shape 91"/>
         <p:cNvGrpSpPr/>
         <p:nvPr/>
       </p:nvGrpSpPr>
@@ -7781,7 +7722,7 @@
             </a:xfrm>
             <a:prstGeom prst="diagStripe">
               <a:avLst>
-                <a:gd fmla="val 50000" name="adj"/>
+                <a:gd name="adj" fmla="val 50000"/>
               </a:avLst>
             </a:prstGeom>
             <a:solidFill>
@@ -7792,12 +7733,12 @@
             </a:ln>
           </p:spPr>
           <p:txBody>
-            <a:bodyPr anchorCtr="0" anchor="ctr" bIns="91425" lIns="91425" spcFirstLastPara="1" rIns="91425" wrap="square" tIns="91425">
+            <a:bodyPr spcFirstLastPara="1" wrap="square" lIns="91425" tIns="91425" rIns="91425" bIns="91425" anchor="ctr" anchorCtr="0">
               <a:noAutofit/>
             </a:bodyPr>
             <a:lstStyle/>
             <a:p>
-              <a:pPr indent="0" lvl="0" marL="0" rtl="0" algn="l">
+              <a:pPr marL="0" lvl="0" indent="0" algn="l" rtl="0">
                 <a:spcBef>
                   <a:spcPts val="0"/>
                 </a:spcBef>
@@ -7806,9 +7747,6 @@
                 </a:spcAft>
                 <a:buNone/>
               </a:pPr>
-              <a:r>
-                <a:t/>
-              </a:r>
               <a:endParaRPr/>
             </a:p>
           </p:txBody>
@@ -7826,7 +7764,7 @@
             </a:xfrm>
             <a:prstGeom prst="diagStripe">
               <a:avLst>
-                <a:gd fmla="val 50000" name="adj"/>
+                <a:gd name="adj" fmla="val 50000"/>
               </a:avLst>
             </a:prstGeom>
             <a:solidFill>
@@ -7837,12 +7775,12 @@
             </a:ln>
           </p:spPr>
           <p:txBody>
-            <a:bodyPr anchorCtr="0" anchor="ctr" bIns="91425" lIns="91425" spcFirstLastPara="1" rIns="91425" wrap="square" tIns="91425">
+            <a:bodyPr spcFirstLastPara="1" wrap="square" lIns="91425" tIns="91425" rIns="91425" bIns="91425" anchor="ctr" anchorCtr="0">
               <a:noAutofit/>
             </a:bodyPr>
             <a:lstStyle/>
             <a:p>
-              <a:pPr indent="0" lvl="0" marL="0" rtl="0" algn="l">
+              <a:pPr marL="0" lvl="0" indent="0" algn="l" rtl="0">
                 <a:spcBef>
                   <a:spcPts val="0"/>
                 </a:spcBef>
@@ -7851,9 +7789,6 @@
                 </a:spcAft>
                 <a:buNone/>
               </a:pPr>
-              <a:r>
-                <a:t/>
-              </a:r>
               <a:endParaRPr/>
             </a:p>
           </p:txBody>
@@ -7862,7 +7797,9 @@
       <p:sp>
         <p:nvSpPr>
           <p:cNvPr id="95" name="Google Shape;95;p9"/>
-          <p:cNvSpPr txBox="1"/>
+          <p:cNvSpPr txBox="1">
+            <a:spLocks noGrp="1"/>
+          </p:cNvSpPr>
           <p:nvPr>
             <p:ph type="title"/>
           </p:nvPr>
@@ -7877,7 +7814,7 @@
           </a:prstGeom>
         </p:spPr>
         <p:txBody>
-          <a:bodyPr anchorCtr="0" anchor="t" bIns="91425" lIns="91425" spcFirstLastPara="1" rIns="91425" wrap="square" tIns="91425">
+          <a:bodyPr spcFirstLastPara="1" wrap="square" lIns="91425" tIns="91425" rIns="91425" bIns="91425" anchor="t" anchorCtr="0">
             <a:normAutofit/>
           </a:bodyPr>
           <a:lstStyle>
@@ -7981,15 +7918,19 @@
               <a:defRPr sz="2400"/>
             </a:lvl9pPr>
           </a:lstStyle>
-          <a:p/>
+          <a:p>
+            <a:endParaRPr/>
+          </a:p>
         </p:txBody>
       </p:sp>
       <p:sp>
         <p:nvSpPr>
           <p:cNvPr id="96" name="Google Shape;96;p9"/>
-          <p:cNvSpPr txBox="1"/>
+          <p:cNvSpPr txBox="1">
+            <a:spLocks noGrp="1"/>
+          </p:cNvSpPr>
           <p:nvPr>
-            <p:ph idx="1" type="subTitle"/>
+            <p:ph type="subTitle" idx="1"/>
           </p:nvPr>
         </p:nvSpPr>
         <p:spPr>
@@ -8002,7 +7943,7 @@
           </a:prstGeom>
         </p:spPr>
         <p:txBody>
-          <a:bodyPr anchorCtr="0" anchor="t" bIns="91425" lIns="91425" spcFirstLastPara="1" rIns="91425" wrap="square" tIns="91425">
+          <a:bodyPr spcFirstLastPara="1" wrap="square" lIns="91425" tIns="91425" rIns="91425" bIns="91425" anchor="t" anchorCtr="0">
             <a:normAutofit/>
           </a:bodyPr>
           <a:lstStyle>
@@ -8133,15 +8074,19 @@
               <a:defRPr sz="1300"/>
             </a:lvl9pPr>
           </a:lstStyle>
-          <a:p/>
+          <a:p>
+            <a:endParaRPr/>
+          </a:p>
         </p:txBody>
       </p:sp>
       <p:sp>
         <p:nvSpPr>
           <p:cNvPr id="97" name="Google Shape;97;p9"/>
-          <p:cNvSpPr txBox="1"/>
+          <p:cNvSpPr txBox="1">
+            <a:spLocks noGrp="1"/>
+          </p:cNvSpPr>
           <p:nvPr>
-            <p:ph idx="2" type="body"/>
+            <p:ph type="body" idx="2"/>
           </p:nvPr>
         </p:nvSpPr>
         <p:spPr>
@@ -8154,11 +8099,11 @@
           </a:prstGeom>
         </p:spPr>
         <p:txBody>
-          <a:bodyPr anchorCtr="0" anchor="t" bIns="91425" lIns="91425" spcFirstLastPara="1" rIns="91425" wrap="square" tIns="91425">
+          <a:bodyPr spcFirstLastPara="1" wrap="square" lIns="91425" tIns="91425" rIns="91425" bIns="91425" anchor="t" anchorCtr="0">
             <a:normAutofit/>
           </a:bodyPr>
           <a:lstStyle>
-            <a:lvl1pPr indent="-311150" lvl="0" marL="457200">
+            <a:lvl1pPr marL="457200" lvl="0" indent="-311150">
               <a:spcBef>
                 <a:spcPts val="0"/>
               </a:spcBef>
@@ -8169,7 +8114,7 @@
               <a:buChar char="●"/>
               <a:defRPr/>
             </a:lvl1pPr>
-            <a:lvl2pPr indent="-298450" lvl="1" marL="914400">
+            <a:lvl2pPr marL="914400" lvl="1" indent="-298450">
               <a:spcBef>
                 <a:spcPts val="0"/>
               </a:spcBef>
@@ -8180,7 +8125,7 @@
               <a:buChar char="○"/>
               <a:defRPr/>
             </a:lvl2pPr>
-            <a:lvl3pPr indent="-298450" lvl="2" marL="1371600">
+            <a:lvl3pPr marL="1371600" lvl="2" indent="-298450">
               <a:spcBef>
                 <a:spcPts val="0"/>
               </a:spcBef>
@@ -8191,7 +8136,7 @@
               <a:buChar char="■"/>
               <a:defRPr/>
             </a:lvl3pPr>
-            <a:lvl4pPr indent="-298450" lvl="3" marL="1828800">
+            <a:lvl4pPr marL="1828800" lvl="3" indent="-298450">
               <a:spcBef>
                 <a:spcPts val="0"/>
               </a:spcBef>
@@ -8202,7 +8147,7 @@
               <a:buChar char="●"/>
               <a:defRPr/>
             </a:lvl4pPr>
-            <a:lvl5pPr indent="-298450" lvl="4" marL="2286000">
+            <a:lvl5pPr marL="2286000" lvl="4" indent="-298450">
               <a:spcBef>
                 <a:spcPts val="0"/>
               </a:spcBef>
@@ -8213,7 +8158,7 @@
               <a:buChar char="○"/>
               <a:defRPr/>
             </a:lvl5pPr>
-            <a:lvl6pPr indent="-298450" lvl="5" marL="2743200">
+            <a:lvl6pPr marL="2743200" lvl="5" indent="-298450">
               <a:spcBef>
                 <a:spcPts val="0"/>
               </a:spcBef>
@@ -8224,7 +8169,7 @@
               <a:buChar char="■"/>
               <a:defRPr/>
             </a:lvl6pPr>
-            <a:lvl7pPr indent="-298450" lvl="6" marL="3200400">
+            <a:lvl7pPr marL="3200400" lvl="6" indent="-298450">
               <a:spcBef>
                 <a:spcPts val="0"/>
               </a:spcBef>
@@ -8235,7 +8180,7 @@
               <a:buChar char="●"/>
               <a:defRPr/>
             </a:lvl7pPr>
-            <a:lvl8pPr indent="-298450" lvl="7" marL="3657600">
+            <a:lvl8pPr marL="3657600" lvl="7" indent="-298450">
               <a:spcBef>
                 <a:spcPts val="0"/>
               </a:spcBef>
@@ -8246,7 +8191,7 @@
               <a:buChar char="○"/>
               <a:defRPr/>
             </a:lvl8pPr>
-            <a:lvl9pPr indent="-298450" lvl="8" marL="4114800">
+            <a:lvl9pPr marL="4114800" lvl="8" indent="-298450">
               <a:spcBef>
                 <a:spcPts val="0"/>
               </a:spcBef>
@@ -8258,15 +8203,19 @@
               <a:defRPr/>
             </a:lvl9pPr>
           </a:lstStyle>
-          <a:p/>
+          <a:p>
+            <a:endParaRPr/>
+          </a:p>
         </p:txBody>
       </p:sp>
       <p:sp>
         <p:nvSpPr>
           <p:cNvPr id="98" name="Google Shape;98;p9"/>
-          <p:cNvSpPr txBox="1"/>
+          <p:cNvSpPr txBox="1">
+            <a:spLocks noGrp="1"/>
+          </p:cNvSpPr>
           <p:nvPr>
-            <p:ph idx="12" type="sldNum"/>
+            <p:ph type="sldNum" idx="12"/>
           </p:nvPr>
         </p:nvSpPr>
         <p:spPr>
@@ -8279,7 +8228,7 @@
           </a:prstGeom>
         </p:spPr>
         <p:txBody>
-          <a:bodyPr anchorCtr="0" anchor="ctr" bIns="91425" lIns="91425" spcFirstLastPara="1" rIns="91425" wrap="square" tIns="91425">
+          <a:bodyPr spcFirstLastPara="1" wrap="square" lIns="91425" tIns="91425" rIns="91425" bIns="91425" anchor="ctr" anchorCtr="0">
             <a:normAutofit/>
           </a:bodyPr>
           <a:lstStyle>
@@ -8321,7 +8270,7 @@
             </a:lvl9pPr>
           </a:lstStyle>
           <a:p>
-            <a:pPr indent="0" lvl="0" marL="0" rtl="0" algn="r">
+            <a:pPr marL="0" lvl="0" indent="0" algn="r" rtl="0">
               <a:spcBef>
                 <a:spcPts val="0"/>
               </a:spcBef>
@@ -8347,11 +8296,11 @@
 </file>
 
 <file path=ppt/slideLayouts/slideLayout9.xml><?xml version="1.0" encoding="utf-8"?>
-<p:sldLayout xmlns:a="http://schemas.openxmlformats.org/drawingml/2006/main" xmlns:r="http://schemas.openxmlformats.org/officeDocument/2006/relationships" xmlns:mc="http://schemas.openxmlformats.org/markup-compatibility/2006" xmlns:mv="urn:schemas-microsoft-com:mac:vml" xmlns:p="http://schemas.openxmlformats.org/presentationml/2006/main" xmlns:c="http://schemas.openxmlformats.org/drawingml/2006/chart" xmlns:dgm="http://schemas.openxmlformats.org/drawingml/2006/diagram" xmlns:o="urn:schemas-microsoft-com:office:office" xmlns:v="urn:schemas-microsoft-com:vml" xmlns:pvml="urn:schemas-microsoft-com:office:powerpoint" xmlns:com="http://schemas.openxmlformats.org/drawingml/2006/compatibility" xmlns:p14="http://schemas.microsoft.com/office/powerpoint/2010/main" xmlns:p15="http://schemas.microsoft.com/office/powerpoint/2012/main" xmlns:ahyp="http://schemas.microsoft.com/office/drawing/2018/hyperlinkcolor" matchingName="Caption">
+<p:sldLayout xmlns:a="http://schemas.openxmlformats.org/drawingml/2006/main" xmlns:r="http://schemas.openxmlformats.org/officeDocument/2006/relationships" xmlns:p="http://schemas.openxmlformats.org/presentationml/2006/main" matchingName="Caption">
   <p:cSld name="CAPTION_ONLY">
     <p:spTree>
       <p:nvGrpSpPr>
-        <p:cNvPr id="99" name="Shape 99"/>
+        <p:cNvPr id="1" name="Shape 99"/>
         <p:cNvGrpSpPr/>
         <p:nvPr/>
       </p:nvGrpSpPr>
@@ -8390,7 +8339,7 @@
             </a:xfrm>
             <a:prstGeom prst="diagStripe">
               <a:avLst>
-                <a:gd fmla="val 50000" name="adj"/>
+                <a:gd name="adj" fmla="val 50000"/>
               </a:avLst>
             </a:prstGeom>
             <a:solidFill>
@@ -8403,12 +8352,12 @@
             </a:ln>
           </p:spPr>
           <p:txBody>
-            <a:bodyPr anchorCtr="0" anchor="ctr" bIns="91425" lIns="91425" spcFirstLastPara="1" rIns="91425" wrap="square" tIns="91425">
+            <a:bodyPr spcFirstLastPara="1" wrap="square" lIns="91425" tIns="91425" rIns="91425" bIns="91425" anchor="ctr" anchorCtr="0">
               <a:noAutofit/>
             </a:bodyPr>
             <a:lstStyle/>
             <a:p>
-              <a:pPr indent="0" lvl="0" marL="0" rtl="0" algn="l">
+              <a:pPr marL="0" lvl="0" indent="0" algn="l" rtl="0">
                 <a:spcBef>
                   <a:spcPts val="0"/>
                 </a:spcBef>
@@ -8417,9 +8366,6 @@
                 </a:spcAft>
                 <a:buNone/>
               </a:pPr>
-              <a:r>
-                <a:t/>
-              </a:r>
               <a:endParaRPr/>
             </a:p>
           </p:txBody>
@@ -8437,7 +8383,7 @@
             </a:xfrm>
             <a:prstGeom prst="diagStripe">
               <a:avLst>
-                <a:gd fmla="val 50000" name="adj"/>
+                <a:gd name="adj" fmla="val 50000"/>
               </a:avLst>
             </a:prstGeom>
             <a:solidFill>
@@ -8450,12 +8396,12 @@
             </a:ln>
           </p:spPr>
           <p:txBody>
-            <a:bodyPr anchorCtr="0" anchor="ctr" bIns="91425" lIns="91425" spcFirstLastPara="1" rIns="91425" wrap="square" tIns="91425">
+            <a:bodyPr spcFirstLastPara="1" wrap="square" lIns="91425" tIns="91425" rIns="91425" bIns="91425" anchor="ctr" anchorCtr="0">
               <a:noAutofit/>
             </a:bodyPr>
             <a:lstStyle/>
             <a:p>
-              <a:pPr indent="0" lvl="0" marL="0" rtl="0" algn="l">
+              <a:pPr marL="0" lvl="0" indent="0" algn="l" rtl="0">
                 <a:spcBef>
                   <a:spcPts val="0"/>
                 </a:spcBef>
@@ -8464,9 +8410,6 @@
                 </a:spcAft>
                 <a:buNone/>
               </a:pPr>
-              <a:r>
-                <a:t/>
-              </a:r>
               <a:endParaRPr/>
             </a:p>
           </p:txBody>
@@ -8475,9 +8418,11 @@
       <p:sp>
         <p:nvSpPr>
           <p:cNvPr id="103" name="Google Shape;103;p10"/>
-          <p:cNvSpPr txBox="1"/>
+          <p:cNvSpPr txBox="1">
+            <a:spLocks noGrp="1"/>
+          </p:cNvSpPr>
           <p:nvPr>
-            <p:ph idx="1" type="body"/>
+            <p:ph type="body" idx="1"/>
           </p:nvPr>
         </p:nvSpPr>
         <p:spPr>
@@ -8490,11 +8435,11 @@
           </a:prstGeom>
         </p:spPr>
         <p:txBody>
-          <a:bodyPr anchorCtr="0" anchor="ctr" bIns="91425" lIns="91425" spcFirstLastPara="1" rIns="91425" wrap="square" tIns="91425">
+          <a:bodyPr spcFirstLastPara="1" wrap="square" lIns="91425" tIns="91425" rIns="91425" bIns="91425" anchor="ctr" anchorCtr="0">
             <a:normAutofit/>
           </a:bodyPr>
           <a:lstStyle>
-            <a:lvl1pPr indent="-228600" lvl="0" marL="457200">
+            <a:lvl1pPr marL="457200" lvl="0" indent="-228600">
               <a:lnSpc>
                 <a:spcPct val="100000"/>
               </a:lnSpc>
@@ -8509,15 +8454,19 @@
               <a:defRPr/>
             </a:lvl1pPr>
           </a:lstStyle>
-          <a:p/>
+          <a:p>
+            <a:endParaRPr/>
+          </a:p>
         </p:txBody>
       </p:sp>
       <p:sp>
         <p:nvSpPr>
           <p:cNvPr id="104" name="Google Shape;104;p10"/>
-          <p:cNvSpPr txBox="1"/>
+          <p:cNvSpPr txBox="1">
+            <a:spLocks noGrp="1"/>
+          </p:cNvSpPr>
           <p:nvPr>
-            <p:ph idx="12" type="sldNum"/>
+            <p:ph type="sldNum" idx="12"/>
           </p:nvPr>
         </p:nvSpPr>
         <p:spPr>
@@ -8530,7 +8479,7 @@
           </a:prstGeom>
         </p:spPr>
         <p:txBody>
-          <a:bodyPr anchorCtr="0" anchor="ctr" bIns="91425" lIns="91425" spcFirstLastPara="1" rIns="91425" wrap="square" tIns="91425">
+          <a:bodyPr spcFirstLastPara="1" wrap="square" lIns="91425" tIns="91425" rIns="91425" bIns="91425" anchor="ctr" anchorCtr="0">
             <a:normAutofit/>
           </a:bodyPr>
           <a:lstStyle>
@@ -8572,7 +8521,7 @@
             </a:lvl9pPr>
           </a:lstStyle>
           <a:p>
-            <a:pPr indent="0" lvl="0" marL="0" rtl="0" algn="r">
+            <a:pPr marL="0" lvl="0" indent="0" algn="r" rtl="0">
               <a:spcBef>
                 <a:spcPts val="0"/>
               </a:spcBef>
@@ -8598,18 +8547,19 @@
 </file>
 
 <file path=ppt/slideMasters/slideMaster1.xml><?xml version="1.0" encoding="utf-8"?>
-<p:sldMaster xmlns:a="http://schemas.openxmlformats.org/drawingml/2006/main" xmlns:r="http://schemas.openxmlformats.org/officeDocument/2006/relationships" xmlns:mc="http://schemas.openxmlformats.org/markup-compatibility/2006" xmlns:mv="urn:schemas-microsoft-com:mac:vml" xmlns:p="http://schemas.openxmlformats.org/presentationml/2006/main" xmlns:c="http://schemas.openxmlformats.org/drawingml/2006/chart" xmlns:dgm="http://schemas.openxmlformats.org/drawingml/2006/diagram" xmlns:o="urn:schemas-microsoft-com:office:office" xmlns:v="urn:schemas-microsoft-com:vml" xmlns:pvml="urn:schemas-microsoft-com:office:powerpoint" xmlns:com="http://schemas.openxmlformats.org/drawingml/2006/compatibility" xmlns:p14="http://schemas.microsoft.com/office/powerpoint/2010/main" xmlns:p15="http://schemas.microsoft.com/office/powerpoint/2012/main" xmlns:ahyp="http://schemas.microsoft.com/office/drawing/2018/hyperlinkcolor">
+<p:sldMaster xmlns:a="http://schemas.openxmlformats.org/drawingml/2006/main" xmlns:r="http://schemas.openxmlformats.org/officeDocument/2006/relationships" xmlns:p="http://schemas.openxmlformats.org/presentationml/2006/main">
   <p:cSld name="focus">
     <p:bg>
       <p:bgPr>
         <a:solidFill>
           <a:schemeClr val="dk1"/>
         </a:solidFill>
+        <a:effectLst/>
       </p:bgPr>
     </p:bg>
     <p:spTree>
       <p:nvGrpSpPr>
-        <p:cNvPr id="5" name="Shape 5"/>
+        <p:cNvPr id="1" name="Shape 5"/>
         <p:cNvGrpSpPr/>
         <p:nvPr/>
       </p:nvGrpSpPr>
@@ -8624,7 +8574,9 @@
       <p:sp>
         <p:nvSpPr>
           <p:cNvPr id="6" name="Google Shape;6;p1"/>
-          <p:cNvSpPr txBox="1"/>
+          <p:cNvSpPr txBox="1">
+            <a:spLocks noGrp="1"/>
+          </p:cNvSpPr>
           <p:nvPr>
             <p:ph type="title"/>
           </p:nvPr>
@@ -8643,7 +8595,7 @@
           </a:ln>
         </p:spPr>
         <p:txBody>
-          <a:bodyPr anchorCtr="0" anchor="t" bIns="91425" lIns="91425" spcFirstLastPara="1" rIns="91425" wrap="square" tIns="91425">
+          <a:bodyPr spcFirstLastPara="1" wrap="square" lIns="91425" tIns="91425" rIns="91425" bIns="91425" anchor="t" anchorCtr="0">
             <a:normAutofit/>
           </a:bodyPr>
           <a:lstStyle>
@@ -8855,15 +8807,19 @@
               </a:defRPr>
             </a:lvl9pPr>
           </a:lstStyle>
-          <a:p/>
+          <a:p>
+            <a:endParaRPr/>
+          </a:p>
         </p:txBody>
       </p:sp>
       <p:sp>
         <p:nvSpPr>
           <p:cNvPr id="7" name="Google Shape;7;p1"/>
-          <p:cNvSpPr txBox="1"/>
+          <p:cNvSpPr txBox="1">
+            <a:spLocks noGrp="1"/>
+          </p:cNvSpPr>
           <p:nvPr>
-            <p:ph idx="1" type="body"/>
+            <p:ph type="body" idx="1"/>
           </p:nvPr>
         </p:nvSpPr>
         <p:spPr>
@@ -8880,11 +8836,11 @@
           </a:ln>
         </p:spPr>
         <p:txBody>
-          <a:bodyPr anchorCtr="0" anchor="t" bIns="91425" lIns="91425" spcFirstLastPara="1" rIns="91425" wrap="square" tIns="91425">
+          <a:bodyPr spcFirstLastPara="1" wrap="square" lIns="91425" tIns="91425" rIns="91425" bIns="91425" anchor="t" anchorCtr="0">
             <a:normAutofit/>
           </a:bodyPr>
           <a:lstStyle>
-            <a:lvl1pPr indent="-311150" lvl="0" marL="457200">
+            <a:lvl1pPr marL="457200" lvl="0" indent="-311150">
               <a:lnSpc>
                 <a:spcPct val="115000"/>
               </a:lnSpc>
@@ -8910,7 +8866,7 @@
                 <a:sym typeface="Lato"/>
               </a:defRPr>
             </a:lvl1pPr>
-            <a:lvl2pPr indent="-298450" lvl="1" marL="914400">
+            <a:lvl2pPr marL="914400" lvl="1" indent="-298450">
               <a:lnSpc>
                 <a:spcPct val="115000"/>
               </a:lnSpc>
@@ -8936,7 +8892,7 @@
                 <a:sym typeface="Lato"/>
               </a:defRPr>
             </a:lvl2pPr>
-            <a:lvl3pPr indent="-298450" lvl="2" marL="1371600">
+            <a:lvl3pPr marL="1371600" lvl="2" indent="-298450">
               <a:lnSpc>
                 <a:spcPct val="115000"/>
               </a:lnSpc>
@@ -8962,7 +8918,7 @@
                 <a:sym typeface="Lato"/>
               </a:defRPr>
             </a:lvl3pPr>
-            <a:lvl4pPr indent="-298450" lvl="3" marL="1828800">
+            <a:lvl4pPr marL="1828800" lvl="3" indent="-298450">
               <a:lnSpc>
                 <a:spcPct val="115000"/>
               </a:lnSpc>
@@ -8988,7 +8944,7 @@
                 <a:sym typeface="Lato"/>
               </a:defRPr>
             </a:lvl4pPr>
-            <a:lvl5pPr indent="-298450" lvl="4" marL="2286000">
+            <a:lvl5pPr marL="2286000" lvl="4" indent="-298450">
               <a:lnSpc>
                 <a:spcPct val="115000"/>
               </a:lnSpc>
@@ -9014,7 +8970,7 @@
                 <a:sym typeface="Lato"/>
               </a:defRPr>
             </a:lvl5pPr>
-            <a:lvl6pPr indent="-298450" lvl="5" marL="2743200">
+            <a:lvl6pPr marL="2743200" lvl="5" indent="-298450">
               <a:lnSpc>
                 <a:spcPct val="115000"/>
               </a:lnSpc>
@@ -9040,7 +8996,7 @@
                 <a:sym typeface="Lato"/>
               </a:defRPr>
             </a:lvl6pPr>
-            <a:lvl7pPr indent="-298450" lvl="6" marL="3200400">
+            <a:lvl7pPr marL="3200400" lvl="6" indent="-298450">
               <a:lnSpc>
                 <a:spcPct val="115000"/>
               </a:lnSpc>
@@ -9066,7 +9022,7 @@
                 <a:sym typeface="Lato"/>
               </a:defRPr>
             </a:lvl7pPr>
-            <a:lvl8pPr indent="-298450" lvl="7" marL="3657600">
+            <a:lvl8pPr marL="3657600" lvl="7" indent="-298450">
               <a:lnSpc>
                 <a:spcPct val="115000"/>
               </a:lnSpc>
@@ -9092,7 +9048,7 @@
                 <a:sym typeface="Lato"/>
               </a:defRPr>
             </a:lvl8pPr>
-            <a:lvl9pPr indent="-298450" lvl="8" marL="4114800">
+            <a:lvl9pPr marL="4114800" lvl="8" indent="-298450">
               <a:lnSpc>
                 <a:spcPct val="115000"/>
               </a:lnSpc>
@@ -9119,15 +9075,19 @@
               </a:defRPr>
             </a:lvl9pPr>
           </a:lstStyle>
-          <a:p/>
+          <a:p>
+            <a:endParaRPr/>
+          </a:p>
         </p:txBody>
       </p:sp>
       <p:sp>
         <p:nvSpPr>
           <p:cNvPr id="8" name="Google Shape;8;p1"/>
-          <p:cNvSpPr txBox="1"/>
+          <p:cNvSpPr txBox="1">
+            <a:spLocks noGrp="1"/>
+          </p:cNvSpPr>
           <p:nvPr>
-            <p:ph idx="12" type="sldNum"/>
+            <p:ph type="sldNum" idx="12"/>
           </p:nvPr>
         </p:nvSpPr>
         <p:spPr>
@@ -9144,7 +9104,7 @@
           </a:ln>
         </p:spPr>
         <p:txBody>
-          <a:bodyPr anchorCtr="0" anchor="ctr" bIns="91425" lIns="91425" spcFirstLastPara="1" rIns="91425" wrap="square" tIns="91425">
+          <a:bodyPr spcFirstLastPara="1" wrap="square" lIns="91425" tIns="91425" rIns="91425" bIns="91425" anchor="ctr" anchorCtr="0">
             <a:normAutofit/>
           </a:bodyPr>
           <a:lstStyle>
@@ -9258,7 +9218,7 @@
             </a:lvl9pPr>
           </a:lstStyle>
           <a:p>
-            <a:pPr indent="0" lvl="0" marL="0" rtl="0" algn="r">
+            <a:pPr marL="0" lvl="0" indent="0" algn="r" rtl="0">
               <a:spcBef>
                 <a:spcPts val="0"/>
               </a:spcBef>
@@ -9277,7 +9237,7 @@
       </p:sp>
     </p:spTree>
   </p:cSld>
-  <p:clrMap accent1="accent1" accent2="accent2" accent3="accent3" accent4="accent4" accent5="accent5" accent6="accent6" bg1="lt1" bg2="dk2" tx1="dk1" tx2="lt2" folHlink="folHlink" hlink="hlink"/>
+  <p:clrMap bg1="lt1" tx1="dk1" bg2="dk2" tx2="lt2" accent1="accent1" accent2="accent2" accent3="accent3" accent4="accent4" accent5="accent5" accent6="accent6" hlink="hlink" folHlink="folHlink"/>
   <p:sldLayoutIdLst>
     <p:sldLayoutId id="2147483648" r:id="rId1"/>
     <p:sldLayoutId id="2147483649" r:id="rId2"/>
@@ -9291,10 +9251,10 @@
     <p:sldLayoutId id="2147483657" r:id="rId10"/>
     <p:sldLayoutId id="2147483658" r:id="rId11"/>
   </p:sldLayoutIdLst>
-  <p:hf dt="0" ftr="0" hdr="0" sldNum="0"/>
+  <p:hf sldNum="0" hdr="0" ftr="0" dt="0"/>
   <p:txStyles>
     <p:titleStyle>
-      <a:defPPr lvl="0" marR="0" rtl="0" algn="l">
+      <a:defPPr marR="0" lvl="0" algn="l" rtl="0">
         <a:lnSpc>
           <a:spcPct val="100000"/>
         </a:lnSpc>
@@ -9305,7 +9265,7 @@
           <a:spcPts val="0"/>
         </a:spcAft>
       </a:defPPr>
-      <a:lvl1pPr lvl="0" marR="0" rtl="0" algn="l">
+      <a:lvl1pPr marR="0" lvl="0" algn="l" rtl="0">
         <a:lnSpc>
           <a:spcPct val="100000"/>
         </a:lnSpc>
@@ -9319,7 +9279,7 @@
           <a:srgbClr val="000000"/>
         </a:buClr>
         <a:buFont typeface="Arial"/>
-        <a:defRPr b="0" i="0" sz="1400" u="none" cap="none" strike="noStrike">
+        <a:defRPr sz="1400" b="0" i="0" u="none" strike="noStrike" cap="none">
           <a:solidFill>
             <a:srgbClr val="000000"/>
           </a:solidFill>
@@ -9329,7 +9289,7 @@
           <a:sym typeface="Arial"/>
         </a:defRPr>
       </a:lvl1pPr>
-      <a:lvl2pPr lvl="1" marR="0" rtl="0" algn="l">
+      <a:lvl2pPr marR="0" lvl="1" algn="l" rtl="0">
         <a:lnSpc>
           <a:spcPct val="100000"/>
         </a:lnSpc>
@@ -9343,7 +9303,7 @@
           <a:srgbClr val="000000"/>
         </a:buClr>
         <a:buFont typeface="Arial"/>
-        <a:defRPr b="0" i="0" sz="1400" u="none" cap="none" strike="noStrike">
+        <a:defRPr sz="1400" b="0" i="0" u="none" strike="noStrike" cap="none">
           <a:solidFill>
             <a:srgbClr val="000000"/>
           </a:solidFill>
@@ -9353,7 +9313,7 @@
           <a:sym typeface="Arial"/>
         </a:defRPr>
       </a:lvl2pPr>
-      <a:lvl3pPr lvl="2" marR="0" rtl="0" algn="l">
+      <a:lvl3pPr marR="0" lvl="2" algn="l" rtl="0">
         <a:lnSpc>
           <a:spcPct val="100000"/>
         </a:lnSpc>
@@ -9367,7 +9327,7 @@
           <a:srgbClr val="000000"/>
         </a:buClr>
         <a:buFont typeface="Arial"/>
-        <a:defRPr b="0" i="0" sz="1400" u="none" cap="none" strike="noStrike">
+        <a:defRPr sz="1400" b="0" i="0" u="none" strike="noStrike" cap="none">
           <a:solidFill>
             <a:srgbClr val="000000"/>
           </a:solidFill>
@@ -9377,7 +9337,7 @@
           <a:sym typeface="Arial"/>
         </a:defRPr>
       </a:lvl3pPr>
-      <a:lvl4pPr lvl="3" marR="0" rtl="0" algn="l">
+      <a:lvl4pPr marR="0" lvl="3" algn="l" rtl="0">
         <a:lnSpc>
           <a:spcPct val="100000"/>
         </a:lnSpc>
@@ -9391,7 +9351,7 @@
           <a:srgbClr val="000000"/>
         </a:buClr>
         <a:buFont typeface="Arial"/>
-        <a:defRPr b="0" i="0" sz="1400" u="none" cap="none" strike="noStrike">
+        <a:defRPr sz="1400" b="0" i="0" u="none" strike="noStrike" cap="none">
           <a:solidFill>
             <a:srgbClr val="000000"/>
           </a:solidFill>
@@ -9401,7 +9361,7 @@
           <a:sym typeface="Arial"/>
         </a:defRPr>
       </a:lvl4pPr>
-      <a:lvl5pPr lvl="4" marR="0" rtl="0" algn="l">
+      <a:lvl5pPr marR="0" lvl="4" algn="l" rtl="0">
         <a:lnSpc>
           <a:spcPct val="100000"/>
         </a:lnSpc>
@@ -9415,7 +9375,7 @@
           <a:srgbClr val="000000"/>
         </a:buClr>
         <a:buFont typeface="Arial"/>
-        <a:defRPr b="0" i="0" sz="1400" u="none" cap="none" strike="noStrike">
+        <a:defRPr sz="1400" b="0" i="0" u="none" strike="noStrike" cap="none">
           <a:solidFill>
             <a:srgbClr val="000000"/>
           </a:solidFill>
@@ -9425,7 +9385,7 @@
           <a:sym typeface="Arial"/>
         </a:defRPr>
       </a:lvl5pPr>
-      <a:lvl6pPr lvl="5" marR="0" rtl="0" algn="l">
+      <a:lvl6pPr marR="0" lvl="5" algn="l" rtl="0">
         <a:lnSpc>
           <a:spcPct val="100000"/>
         </a:lnSpc>
@@ -9439,7 +9399,7 @@
           <a:srgbClr val="000000"/>
         </a:buClr>
         <a:buFont typeface="Arial"/>
-        <a:defRPr b="0" i="0" sz="1400" u="none" cap="none" strike="noStrike">
+        <a:defRPr sz="1400" b="0" i="0" u="none" strike="noStrike" cap="none">
           <a:solidFill>
             <a:srgbClr val="000000"/>
           </a:solidFill>
@@ -9449,7 +9409,7 @@
           <a:sym typeface="Arial"/>
         </a:defRPr>
       </a:lvl6pPr>
-      <a:lvl7pPr lvl="6" marR="0" rtl="0" algn="l">
+      <a:lvl7pPr marR="0" lvl="6" algn="l" rtl="0">
         <a:lnSpc>
           <a:spcPct val="100000"/>
         </a:lnSpc>
@@ -9463,7 +9423,7 @@
           <a:srgbClr val="000000"/>
         </a:buClr>
         <a:buFont typeface="Arial"/>
-        <a:defRPr b="0" i="0" sz="1400" u="none" cap="none" strike="noStrike">
+        <a:defRPr sz="1400" b="0" i="0" u="none" strike="noStrike" cap="none">
           <a:solidFill>
             <a:srgbClr val="000000"/>
           </a:solidFill>
@@ -9473,7 +9433,7 @@
           <a:sym typeface="Arial"/>
         </a:defRPr>
       </a:lvl7pPr>
-      <a:lvl8pPr lvl="7" marR="0" rtl="0" algn="l">
+      <a:lvl8pPr marR="0" lvl="7" algn="l" rtl="0">
         <a:lnSpc>
           <a:spcPct val="100000"/>
         </a:lnSpc>
@@ -9487,7 +9447,7 @@
           <a:srgbClr val="000000"/>
         </a:buClr>
         <a:buFont typeface="Arial"/>
-        <a:defRPr b="0" i="0" sz="1400" u="none" cap="none" strike="noStrike">
+        <a:defRPr sz="1400" b="0" i="0" u="none" strike="noStrike" cap="none">
           <a:solidFill>
             <a:srgbClr val="000000"/>
           </a:solidFill>
@@ -9497,7 +9457,7 @@
           <a:sym typeface="Arial"/>
         </a:defRPr>
       </a:lvl8pPr>
-      <a:lvl9pPr lvl="8" marR="0" rtl="0" algn="l">
+      <a:lvl9pPr marR="0" lvl="8" algn="l" rtl="0">
         <a:lnSpc>
           <a:spcPct val="100000"/>
         </a:lnSpc>
@@ -9511,7 +9471,7 @@
           <a:srgbClr val="000000"/>
         </a:buClr>
         <a:buFont typeface="Arial"/>
-        <a:defRPr b="0" i="0" sz="1400" u="none" cap="none" strike="noStrike">
+        <a:defRPr sz="1400" b="0" i="0" u="none" strike="noStrike" cap="none">
           <a:solidFill>
             <a:srgbClr val="000000"/>
           </a:solidFill>
@@ -9523,7 +9483,7 @@
       </a:lvl9pPr>
     </p:titleStyle>
     <p:bodyStyle>
-      <a:defPPr lvl="0" marR="0" rtl="0" algn="l">
+      <a:defPPr marR="0" lvl="0" algn="l" rtl="0">
         <a:lnSpc>
           <a:spcPct val="100000"/>
         </a:lnSpc>
@@ -9534,7 +9494,7 @@
           <a:spcPts val="0"/>
         </a:spcAft>
       </a:defPPr>
-      <a:lvl1pPr lvl="0" marR="0" rtl="0" algn="l">
+      <a:lvl1pPr marR="0" lvl="0" algn="l" rtl="0">
         <a:lnSpc>
           <a:spcPct val="100000"/>
         </a:lnSpc>
@@ -9548,7 +9508,7 @@
           <a:srgbClr val="000000"/>
         </a:buClr>
         <a:buFont typeface="Arial"/>
-        <a:defRPr b="0" i="0" sz="1400" u="none" cap="none" strike="noStrike">
+        <a:defRPr sz="1400" b="0" i="0" u="none" strike="noStrike" cap="none">
           <a:solidFill>
             <a:srgbClr val="000000"/>
           </a:solidFill>
@@ -9558,7 +9518,7 @@
           <a:sym typeface="Arial"/>
         </a:defRPr>
       </a:lvl1pPr>
-      <a:lvl2pPr lvl="1" marR="0" rtl="0" algn="l">
+      <a:lvl2pPr marR="0" lvl="1" algn="l" rtl="0">
         <a:lnSpc>
           <a:spcPct val="100000"/>
         </a:lnSpc>
@@ -9572,7 +9532,7 @@
           <a:srgbClr val="000000"/>
         </a:buClr>
         <a:buFont typeface="Arial"/>
-        <a:defRPr b="0" i="0" sz="1400" u="none" cap="none" strike="noStrike">
+        <a:defRPr sz="1400" b="0" i="0" u="none" strike="noStrike" cap="none">
           <a:solidFill>
             <a:srgbClr val="000000"/>
           </a:solidFill>
@@ -9582,7 +9542,7 @@
           <a:sym typeface="Arial"/>
         </a:defRPr>
       </a:lvl2pPr>
-      <a:lvl3pPr lvl="2" marR="0" rtl="0" algn="l">
+      <a:lvl3pPr marR="0" lvl="2" algn="l" rtl="0">
         <a:lnSpc>
           <a:spcPct val="100000"/>
         </a:lnSpc>
@@ -9596,7 +9556,7 @@
           <a:srgbClr val="000000"/>
         </a:buClr>
         <a:buFont typeface="Arial"/>
-        <a:defRPr b="0" i="0" sz="1400" u="none" cap="none" strike="noStrike">
+        <a:defRPr sz="1400" b="0" i="0" u="none" strike="noStrike" cap="none">
           <a:solidFill>
             <a:srgbClr val="000000"/>
           </a:solidFill>
@@ -9606,7 +9566,7 @@
           <a:sym typeface="Arial"/>
         </a:defRPr>
       </a:lvl3pPr>
-      <a:lvl4pPr lvl="3" marR="0" rtl="0" algn="l">
+      <a:lvl4pPr marR="0" lvl="3" algn="l" rtl="0">
         <a:lnSpc>
           <a:spcPct val="100000"/>
         </a:lnSpc>
@@ -9620,7 +9580,7 @@
           <a:srgbClr val="000000"/>
         </a:buClr>
         <a:buFont typeface="Arial"/>
-        <a:defRPr b="0" i="0" sz="1400" u="none" cap="none" strike="noStrike">
+        <a:defRPr sz="1400" b="0" i="0" u="none" strike="noStrike" cap="none">
           <a:solidFill>
             <a:srgbClr val="000000"/>
           </a:solidFill>
@@ -9630,7 +9590,7 @@
           <a:sym typeface="Arial"/>
         </a:defRPr>
       </a:lvl4pPr>
-      <a:lvl5pPr lvl="4" marR="0" rtl="0" algn="l">
+      <a:lvl5pPr marR="0" lvl="4" algn="l" rtl="0">
         <a:lnSpc>
           <a:spcPct val="100000"/>
         </a:lnSpc>
@@ -9644,7 +9604,7 @@
           <a:srgbClr val="000000"/>
         </a:buClr>
         <a:buFont typeface="Arial"/>
-        <a:defRPr b="0" i="0" sz="1400" u="none" cap="none" strike="noStrike">
+        <a:defRPr sz="1400" b="0" i="0" u="none" strike="noStrike" cap="none">
           <a:solidFill>
             <a:srgbClr val="000000"/>
           </a:solidFill>
@@ -9654,7 +9614,7 @@
           <a:sym typeface="Arial"/>
         </a:defRPr>
       </a:lvl5pPr>
-      <a:lvl6pPr lvl="5" marR="0" rtl="0" algn="l">
+      <a:lvl6pPr marR="0" lvl="5" algn="l" rtl="0">
         <a:lnSpc>
           <a:spcPct val="100000"/>
         </a:lnSpc>
@@ -9668,7 +9628,7 @@
           <a:srgbClr val="000000"/>
         </a:buClr>
         <a:buFont typeface="Arial"/>
-        <a:defRPr b="0" i="0" sz="1400" u="none" cap="none" strike="noStrike">
+        <a:defRPr sz="1400" b="0" i="0" u="none" strike="noStrike" cap="none">
           <a:solidFill>
             <a:srgbClr val="000000"/>
           </a:solidFill>
@@ -9678,7 +9638,7 @@
           <a:sym typeface="Arial"/>
         </a:defRPr>
       </a:lvl6pPr>
-      <a:lvl7pPr lvl="6" marR="0" rtl="0" algn="l">
+      <a:lvl7pPr marR="0" lvl="6" algn="l" rtl="0">
         <a:lnSpc>
           <a:spcPct val="100000"/>
         </a:lnSpc>
@@ -9692,7 +9652,7 @@
           <a:srgbClr val="000000"/>
         </a:buClr>
         <a:buFont typeface="Arial"/>
-        <a:defRPr b="0" i="0" sz="1400" u="none" cap="none" strike="noStrike">
+        <a:defRPr sz="1400" b="0" i="0" u="none" strike="noStrike" cap="none">
           <a:solidFill>
             <a:srgbClr val="000000"/>
           </a:solidFill>
@@ -9702,7 +9662,7 @@
           <a:sym typeface="Arial"/>
         </a:defRPr>
       </a:lvl7pPr>
-      <a:lvl8pPr lvl="7" marR="0" rtl="0" algn="l">
+      <a:lvl8pPr marR="0" lvl="7" algn="l" rtl="0">
         <a:lnSpc>
           <a:spcPct val="100000"/>
         </a:lnSpc>
@@ -9716,7 +9676,7 @@
           <a:srgbClr val="000000"/>
         </a:buClr>
         <a:buFont typeface="Arial"/>
-        <a:defRPr b="0" i="0" sz="1400" u="none" cap="none" strike="noStrike">
+        <a:defRPr sz="1400" b="0" i="0" u="none" strike="noStrike" cap="none">
           <a:solidFill>
             <a:srgbClr val="000000"/>
           </a:solidFill>
@@ -9726,7 +9686,7 @@
           <a:sym typeface="Arial"/>
         </a:defRPr>
       </a:lvl8pPr>
-      <a:lvl9pPr lvl="8" marR="0" rtl="0" algn="l">
+      <a:lvl9pPr marR="0" lvl="8" algn="l" rtl="0">
         <a:lnSpc>
           <a:spcPct val="100000"/>
         </a:lnSpc>
@@ -9740,7 +9700,7 @@
           <a:srgbClr val="000000"/>
         </a:buClr>
         <a:buFont typeface="Arial"/>
-        <a:defRPr b="0" i="0" sz="1400" u="none" cap="none" strike="noStrike">
+        <a:defRPr sz="1400" b="0" i="0" u="none" strike="noStrike" cap="none">
           <a:solidFill>
             <a:srgbClr val="000000"/>
           </a:solidFill>
@@ -9752,7 +9712,7 @@
       </a:lvl9pPr>
     </p:bodyStyle>
     <p:otherStyle>
-      <a:defPPr lvl="0" marR="0" rtl="0" algn="l">
+      <a:defPPr marR="0" lvl="0" algn="l" rtl="0">
         <a:lnSpc>
           <a:spcPct val="100000"/>
         </a:lnSpc>
@@ -9763,7 +9723,7 @@
           <a:spcPts val="0"/>
         </a:spcAft>
       </a:defPPr>
-      <a:lvl1pPr lvl="0" marR="0" rtl="0" algn="l">
+      <a:lvl1pPr marR="0" lvl="0" algn="l" rtl="0">
         <a:lnSpc>
           <a:spcPct val="100000"/>
         </a:lnSpc>
@@ -9777,7 +9737,7 @@
           <a:srgbClr val="000000"/>
         </a:buClr>
         <a:buFont typeface="Arial"/>
-        <a:defRPr b="0" i="0" sz="1400" u="none" cap="none" strike="noStrike">
+        <a:defRPr sz="1400" b="0" i="0" u="none" strike="noStrike" cap="none">
           <a:solidFill>
             <a:srgbClr val="000000"/>
           </a:solidFill>
@@ -9787,7 +9747,7 @@
           <a:sym typeface="Arial"/>
         </a:defRPr>
       </a:lvl1pPr>
-      <a:lvl2pPr lvl="1" marR="0" rtl="0" algn="l">
+      <a:lvl2pPr marR="0" lvl="1" algn="l" rtl="0">
         <a:lnSpc>
           <a:spcPct val="100000"/>
         </a:lnSpc>
@@ -9801,7 +9761,7 @@
           <a:srgbClr val="000000"/>
         </a:buClr>
         <a:buFont typeface="Arial"/>
-        <a:defRPr b="0" i="0" sz="1400" u="none" cap="none" strike="noStrike">
+        <a:defRPr sz="1400" b="0" i="0" u="none" strike="noStrike" cap="none">
           <a:solidFill>
             <a:srgbClr val="000000"/>
           </a:solidFill>
@@ -9811,7 +9771,7 @@
           <a:sym typeface="Arial"/>
         </a:defRPr>
       </a:lvl2pPr>
-      <a:lvl3pPr lvl="2" marR="0" rtl="0" algn="l">
+      <a:lvl3pPr marR="0" lvl="2" algn="l" rtl="0">
         <a:lnSpc>
           <a:spcPct val="100000"/>
         </a:lnSpc>
@@ -9825,7 +9785,7 @@
           <a:srgbClr val="000000"/>
         </a:buClr>
         <a:buFont typeface="Arial"/>
-        <a:defRPr b="0" i="0" sz="1400" u="none" cap="none" strike="noStrike">
+        <a:defRPr sz="1400" b="0" i="0" u="none" strike="noStrike" cap="none">
           <a:solidFill>
             <a:srgbClr val="000000"/>
           </a:solidFill>
@@ -9835,7 +9795,7 @@
           <a:sym typeface="Arial"/>
         </a:defRPr>
       </a:lvl3pPr>
-      <a:lvl4pPr lvl="3" marR="0" rtl="0" algn="l">
+      <a:lvl4pPr marR="0" lvl="3" algn="l" rtl="0">
         <a:lnSpc>
           <a:spcPct val="100000"/>
         </a:lnSpc>
@@ -9849,7 +9809,7 @@
           <a:srgbClr val="000000"/>
         </a:buClr>
         <a:buFont typeface="Arial"/>
-        <a:defRPr b="0" i="0" sz="1400" u="none" cap="none" strike="noStrike">
+        <a:defRPr sz="1400" b="0" i="0" u="none" strike="noStrike" cap="none">
           <a:solidFill>
             <a:srgbClr val="000000"/>
           </a:solidFill>
@@ -9859,7 +9819,7 @@
           <a:sym typeface="Arial"/>
         </a:defRPr>
       </a:lvl4pPr>
-      <a:lvl5pPr lvl="4" marR="0" rtl="0" algn="l">
+      <a:lvl5pPr marR="0" lvl="4" algn="l" rtl="0">
         <a:lnSpc>
           <a:spcPct val="100000"/>
         </a:lnSpc>
@@ -9873,7 +9833,7 @@
           <a:srgbClr val="000000"/>
         </a:buClr>
         <a:buFont typeface="Arial"/>
-        <a:defRPr b="0" i="0" sz="1400" u="none" cap="none" strike="noStrike">
+        <a:defRPr sz="1400" b="0" i="0" u="none" strike="noStrike" cap="none">
           <a:solidFill>
             <a:srgbClr val="000000"/>
           </a:solidFill>
@@ -9883,7 +9843,7 @@
           <a:sym typeface="Arial"/>
         </a:defRPr>
       </a:lvl5pPr>
-      <a:lvl6pPr lvl="5" marR="0" rtl="0" algn="l">
+      <a:lvl6pPr marR="0" lvl="5" algn="l" rtl="0">
         <a:lnSpc>
           <a:spcPct val="100000"/>
         </a:lnSpc>
@@ -9897,7 +9857,7 @@
           <a:srgbClr val="000000"/>
         </a:buClr>
         <a:buFont typeface="Arial"/>
-        <a:defRPr b="0" i="0" sz="1400" u="none" cap="none" strike="noStrike">
+        <a:defRPr sz="1400" b="0" i="0" u="none" strike="noStrike" cap="none">
           <a:solidFill>
             <a:srgbClr val="000000"/>
           </a:solidFill>
@@ -9907,7 +9867,7 @@
           <a:sym typeface="Arial"/>
         </a:defRPr>
       </a:lvl6pPr>
-      <a:lvl7pPr lvl="6" marR="0" rtl="0" algn="l">
+      <a:lvl7pPr marR="0" lvl="6" algn="l" rtl="0">
         <a:lnSpc>
           <a:spcPct val="100000"/>
         </a:lnSpc>
@@ -9921,7 +9881,7 @@
           <a:srgbClr val="000000"/>
         </a:buClr>
         <a:buFont typeface="Arial"/>
-        <a:defRPr b="0" i="0" sz="1400" u="none" cap="none" strike="noStrike">
+        <a:defRPr sz="1400" b="0" i="0" u="none" strike="noStrike" cap="none">
           <a:solidFill>
             <a:srgbClr val="000000"/>
           </a:solidFill>
@@ -9931,7 +9891,7 @@
           <a:sym typeface="Arial"/>
         </a:defRPr>
       </a:lvl7pPr>
-      <a:lvl8pPr lvl="7" marR="0" rtl="0" algn="l">
+      <a:lvl8pPr marR="0" lvl="7" algn="l" rtl="0">
         <a:lnSpc>
           <a:spcPct val="100000"/>
         </a:lnSpc>
@@ -9945,7 +9905,7 @@
           <a:srgbClr val="000000"/>
         </a:buClr>
         <a:buFont typeface="Arial"/>
-        <a:defRPr b="0" i="0" sz="1400" u="none" cap="none" strike="noStrike">
+        <a:defRPr sz="1400" b="0" i="0" u="none" strike="noStrike" cap="none">
           <a:solidFill>
             <a:srgbClr val="000000"/>
           </a:solidFill>
@@ -9955,7 +9915,7 @@
           <a:sym typeface="Arial"/>
         </a:defRPr>
       </a:lvl8pPr>
-      <a:lvl9pPr lvl="8" marR="0" rtl="0" algn="l">
+      <a:lvl9pPr marR="0" lvl="8" algn="l" rtl="0">
         <a:lnSpc>
           <a:spcPct val="100000"/>
         </a:lnSpc>
@@ -9969,7 +9929,7 @@
           <a:srgbClr val="000000"/>
         </a:buClr>
         <a:buFont typeface="Arial"/>
-        <a:defRPr b="0" i="0" sz="1400" u="none" cap="none" strike="noStrike">
+        <a:defRPr sz="1400" b="0" i="0" u="none" strike="noStrike" cap="none">
           <a:solidFill>
             <a:srgbClr val="000000"/>
           </a:solidFill>
@@ -9985,11 +9945,11 @@
 </file>
 
 <file path=ppt/slides/slide1.xml><?xml version="1.0" encoding="utf-8"?>
-<p:sld xmlns:a="http://schemas.openxmlformats.org/drawingml/2006/main" xmlns:r="http://schemas.openxmlformats.org/officeDocument/2006/relationships" xmlns:mc="http://schemas.openxmlformats.org/markup-compatibility/2006" xmlns:mv="urn:schemas-microsoft-com:mac:vml" xmlns:p="http://schemas.openxmlformats.org/presentationml/2006/main" xmlns:c="http://schemas.openxmlformats.org/drawingml/2006/chart" xmlns:dgm="http://schemas.openxmlformats.org/drawingml/2006/diagram" xmlns:o="urn:schemas-microsoft-com:office:office" xmlns:v="urn:schemas-microsoft-com:vml" xmlns:pvml="urn:schemas-microsoft-com:office:powerpoint" xmlns:com="http://schemas.openxmlformats.org/drawingml/2006/compatibility" xmlns:p14="http://schemas.microsoft.com/office/powerpoint/2010/main" xmlns:p15="http://schemas.microsoft.com/office/powerpoint/2012/main" xmlns:ahyp="http://schemas.microsoft.com/office/drawing/2018/hyperlinkcolor">
+<p:sld xmlns:a="http://schemas.openxmlformats.org/drawingml/2006/main" xmlns:r="http://schemas.openxmlformats.org/officeDocument/2006/relationships" xmlns:p="http://schemas.openxmlformats.org/presentationml/2006/main">
   <p:cSld>
     <p:spTree>
       <p:nvGrpSpPr>
-        <p:cNvPr id="133" name="Shape 133"/>
+        <p:cNvPr id="1" name="Shape 133"/>
         <p:cNvGrpSpPr/>
         <p:nvPr/>
       </p:nvGrpSpPr>
@@ -10004,7 +9964,9 @@
       <p:sp>
         <p:nvSpPr>
           <p:cNvPr id="134" name="Google Shape;134;p13"/>
-          <p:cNvSpPr txBox="1"/>
+          <p:cNvSpPr txBox="1">
+            <a:spLocks noGrp="1"/>
+          </p:cNvSpPr>
           <p:nvPr>
             <p:ph type="ctrTitle"/>
           </p:nvPr>
@@ -10019,12 +9981,12 @@
           </a:prstGeom>
         </p:spPr>
         <p:txBody>
-          <a:bodyPr anchorCtr="0" anchor="t" bIns="91425" lIns="91425" spcFirstLastPara="1" rIns="91425" wrap="square" tIns="91425">
+          <a:bodyPr spcFirstLastPara="1" wrap="square" lIns="91425" tIns="91425" rIns="91425" bIns="91425" anchor="t" anchorCtr="0">
             <a:normAutofit/>
           </a:bodyPr>
           <a:lstStyle/>
           <a:p>
-            <a:pPr indent="0" lvl="0" marL="0" rtl="0" algn="l">
+            <a:pPr marL="0" lvl="0" indent="0" algn="l" rtl="0">
               <a:spcBef>
                 <a:spcPts val="0"/>
               </a:spcBef>
@@ -10044,9 +10006,11 @@
       <p:sp>
         <p:nvSpPr>
           <p:cNvPr id="135" name="Google Shape;135;p13"/>
-          <p:cNvSpPr txBox="1"/>
+          <p:cNvSpPr txBox="1">
+            <a:spLocks noGrp="1"/>
+          </p:cNvSpPr>
           <p:nvPr>
-            <p:ph idx="1" type="subTitle"/>
+            <p:ph type="subTitle" idx="1"/>
           </p:nvPr>
         </p:nvSpPr>
         <p:spPr>
@@ -10059,12 +10023,12 @@
           </a:prstGeom>
         </p:spPr>
         <p:txBody>
-          <a:bodyPr anchorCtr="0" anchor="t" bIns="91425" lIns="91425" spcFirstLastPara="1" rIns="91425" wrap="square" tIns="91425">
+          <a:bodyPr spcFirstLastPara="1" wrap="square" lIns="91425" tIns="91425" rIns="91425" bIns="91425" anchor="t" anchorCtr="0">
             <a:normAutofit/>
           </a:bodyPr>
           <a:lstStyle/>
           <a:p>
-            <a:pPr indent="0" lvl="0" marL="0" rtl="0" algn="l">
+            <a:pPr marL="0" lvl="0" indent="0" algn="l" rtl="0">
               <a:spcBef>
                 <a:spcPts val="0"/>
               </a:spcBef>
@@ -10075,11 +10039,7 @@
             </a:pPr>
             <a:r>
               <a:rPr lang="ru" sz="1500"/>
-              <a:t>Автор: </a:t>
-            </a:r>
-            <a:r>
-              <a:rPr lang="ru" sz="1500"/>
-              <a:t>Рахметулла Акрам</a:t>
+              <a:t>Автор: Рахметулла Акрам</a:t>
             </a:r>
             <a:endParaRPr sz="1500"/>
           </a:p>
@@ -10094,11 +10054,11 @@
 </file>
 
 <file path=ppt/slides/slide10.xml><?xml version="1.0" encoding="utf-8"?>
-<p:sld xmlns:a="http://schemas.openxmlformats.org/drawingml/2006/main" xmlns:r="http://schemas.openxmlformats.org/officeDocument/2006/relationships" xmlns:mc="http://schemas.openxmlformats.org/markup-compatibility/2006" xmlns:mv="urn:schemas-microsoft-com:mac:vml" xmlns:p="http://schemas.openxmlformats.org/presentationml/2006/main" xmlns:c="http://schemas.openxmlformats.org/drawingml/2006/chart" xmlns:dgm="http://schemas.openxmlformats.org/drawingml/2006/diagram" xmlns:o="urn:schemas-microsoft-com:office:office" xmlns:v="urn:schemas-microsoft-com:vml" xmlns:pvml="urn:schemas-microsoft-com:office:powerpoint" xmlns:com="http://schemas.openxmlformats.org/drawingml/2006/compatibility" xmlns:p14="http://schemas.microsoft.com/office/powerpoint/2010/main" xmlns:p15="http://schemas.microsoft.com/office/powerpoint/2012/main" xmlns:ahyp="http://schemas.microsoft.com/office/drawing/2018/hyperlinkcolor">
+<p:sld xmlns:a="http://schemas.openxmlformats.org/drawingml/2006/main" xmlns:r="http://schemas.openxmlformats.org/officeDocument/2006/relationships" xmlns:p="http://schemas.openxmlformats.org/presentationml/2006/main">
   <p:cSld>
     <p:spTree>
       <p:nvGrpSpPr>
-        <p:cNvPr id="187" name="Shape 187"/>
+        <p:cNvPr id="1" name="Shape 187"/>
         <p:cNvGrpSpPr/>
         <p:nvPr/>
       </p:nvGrpSpPr>
@@ -10113,7 +10073,9 @@
       <p:sp>
         <p:nvSpPr>
           <p:cNvPr id="188" name="Google Shape;188;p22"/>
-          <p:cNvSpPr txBox="1"/>
+          <p:cNvSpPr txBox="1">
+            <a:spLocks noGrp="1"/>
+          </p:cNvSpPr>
           <p:nvPr>
             <p:ph type="title"/>
           </p:nvPr>
@@ -10128,12 +10090,12 @@
           </a:prstGeom>
         </p:spPr>
         <p:txBody>
-          <a:bodyPr anchorCtr="0" anchor="t" bIns="91425" lIns="91425" spcFirstLastPara="1" rIns="91425" wrap="square" tIns="91425">
+          <a:bodyPr spcFirstLastPara="1" wrap="square" lIns="91425" tIns="91425" rIns="91425" bIns="91425" anchor="t" anchorCtr="0">
             <a:normAutofit/>
           </a:bodyPr>
           <a:lstStyle/>
           <a:p>
-            <a:pPr indent="0" lvl="0" marL="0" rtl="0" algn="l">
+            <a:pPr marL="0" lvl="0" indent="0" algn="l" rtl="0">
               <a:spcBef>
                 <a:spcPts val="0"/>
               </a:spcBef>
@@ -10153,9 +10115,11 @@
       <p:sp>
         <p:nvSpPr>
           <p:cNvPr id="189" name="Google Shape;189;p22"/>
-          <p:cNvSpPr txBox="1"/>
+          <p:cNvSpPr txBox="1">
+            <a:spLocks noGrp="1"/>
+          </p:cNvSpPr>
           <p:nvPr>
-            <p:ph idx="1" type="body"/>
+            <p:ph type="body" idx="1"/>
           </p:nvPr>
         </p:nvSpPr>
         <p:spPr>
@@ -10168,12 +10132,12 @@
           </a:prstGeom>
         </p:spPr>
         <p:txBody>
-          <a:bodyPr anchorCtr="0" anchor="t" bIns="91425" lIns="91425" spcFirstLastPara="1" rIns="91425" wrap="square" tIns="91425">
+          <a:bodyPr spcFirstLastPara="1" wrap="square" lIns="91425" tIns="91425" rIns="91425" bIns="91425" anchor="t" anchorCtr="0">
             <a:normAutofit/>
           </a:bodyPr>
           <a:lstStyle/>
           <a:p>
-            <a:pPr indent="-311150" lvl="0" marL="457200" rtl="0" algn="l">
+            <a:pPr marL="457200" lvl="0" indent="-311150" algn="l" rtl="0">
               <a:spcBef>
                 <a:spcPts val="0"/>
               </a:spcBef>
@@ -10185,11 +10149,7 @@
             </a:pPr>
             <a:r>
               <a:rPr lang="ru"/>
-              <a:t>Запрос</a:t>
-            </a:r>
-            <a:r>
-              <a:rPr lang="ru"/>
-              <a:t>: </a:t>
+              <a:t>Запрос: </a:t>
             </a:r>
             <a:r>
               <a:rPr lang="ru" u="sng">
@@ -10203,7 +10163,7 @@
             <a:endParaRPr/>
           </a:p>
           <a:p>
-            <a:pPr indent="0" lvl="0" marL="457200" rtl="0" algn="l">
+            <a:pPr marL="457200" lvl="0" indent="0" algn="l" rtl="0">
               <a:spcBef>
                 <a:spcPts val="1200"/>
               </a:spcBef>
@@ -10251,9 +10211,11 @@
       <p:sp>
         <p:nvSpPr>
           <p:cNvPr id="191" name="Google Shape;191;p22"/>
-          <p:cNvSpPr txBox="1"/>
+          <p:cNvSpPr txBox="1">
+            <a:spLocks noGrp="1"/>
+          </p:cNvSpPr>
           <p:nvPr>
-            <p:ph idx="1" type="body"/>
+            <p:ph type="body" idx="1"/>
           </p:nvPr>
         </p:nvSpPr>
         <p:spPr>
@@ -10266,12 +10228,12 @@
           </a:prstGeom>
         </p:spPr>
         <p:txBody>
-          <a:bodyPr anchorCtr="0" anchor="t" bIns="91425" lIns="91425" spcFirstLastPara="1" rIns="91425" wrap="square" tIns="91425">
+          <a:bodyPr spcFirstLastPara="1" wrap="square" lIns="91425" tIns="91425" rIns="91425" bIns="91425" anchor="t" anchorCtr="0">
             <a:normAutofit/>
           </a:bodyPr>
           <a:lstStyle/>
           <a:p>
-            <a:pPr indent="-311150" lvl="0" marL="457200" rtl="0" algn="l">
+            <a:pPr marL="457200" lvl="0" indent="-311150" algn="l" rtl="0">
               <a:spcBef>
                 <a:spcPts val="0"/>
               </a:spcBef>
@@ -10293,7 +10255,7 @@
                 <a:hlinkClick r:id="rId5">
                   <a:extLst>
                     <a:ext uri="{A12FA001-AC4F-418D-AE19-62706E023703}">
-                      <ahyp:hlinkClr val="tx"/>
+                      <ahyp:hlinkClr xmlns:ahyp="http://schemas.microsoft.com/office/drawing/2018/hyperlinkcolor" xmlns:p15="http://schemas.microsoft.com/office/powerpoint/2012/main" xmlns:p14="http://schemas.microsoft.com/office/powerpoint/2010/main" xmlns:com="http://schemas.openxmlformats.org/drawingml/2006/compatibility" xmlns:pvml="urn:schemas-microsoft-com:office:powerpoint" xmlns:v="urn:schemas-microsoft-com:vml" xmlns:o="urn:schemas-microsoft-com:office:office" xmlns:dgm="http://schemas.openxmlformats.org/drawingml/2006/diagram" xmlns:c="http://schemas.openxmlformats.org/drawingml/2006/chart" xmlns:mv="urn:schemas-microsoft-com:mac:vml" xmlns:mc="http://schemas.openxmlformats.org/markup-compatibility/2006" xmlns="" val="tx"/>
                     </a:ext>
                   </a:extLst>
                 </a:hlinkClick>
@@ -10303,7 +10265,7 @@
             <a:endParaRPr/>
           </a:p>
           <a:p>
-            <a:pPr indent="0" lvl="0" marL="457200" rtl="0" algn="l">
+            <a:pPr marL="457200" lvl="0" indent="0" algn="l" rtl="0">
               <a:spcBef>
                 <a:spcPts val="1200"/>
               </a:spcBef>
@@ -10357,11 +10319,11 @@
 </file>
 
 <file path=ppt/slides/slide11.xml><?xml version="1.0" encoding="utf-8"?>
-<p:sld xmlns:a="http://schemas.openxmlformats.org/drawingml/2006/main" xmlns:r="http://schemas.openxmlformats.org/officeDocument/2006/relationships" xmlns:mc="http://schemas.openxmlformats.org/markup-compatibility/2006" xmlns:mv="urn:schemas-microsoft-com:mac:vml" xmlns:p="http://schemas.openxmlformats.org/presentationml/2006/main" xmlns:c="http://schemas.openxmlformats.org/drawingml/2006/chart" xmlns:dgm="http://schemas.openxmlformats.org/drawingml/2006/diagram" xmlns:o="urn:schemas-microsoft-com:office:office" xmlns:v="urn:schemas-microsoft-com:vml" xmlns:pvml="urn:schemas-microsoft-com:office:powerpoint" xmlns:com="http://schemas.openxmlformats.org/drawingml/2006/compatibility" xmlns:p14="http://schemas.microsoft.com/office/powerpoint/2010/main" xmlns:p15="http://schemas.microsoft.com/office/powerpoint/2012/main" xmlns:ahyp="http://schemas.microsoft.com/office/drawing/2018/hyperlinkcolor">
+<p:sld xmlns:a="http://schemas.openxmlformats.org/drawingml/2006/main" xmlns:r="http://schemas.openxmlformats.org/officeDocument/2006/relationships" xmlns:p="http://schemas.openxmlformats.org/presentationml/2006/main">
   <p:cSld>
     <p:spTree>
       <p:nvGrpSpPr>
-        <p:cNvPr id="196" name="Shape 196"/>
+        <p:cNvPr id="1" name="Shape 196"/>
         <p:cNvGrpSpPr/>
         <p:nvPr/>
       </p:nvGrpSpPr>
@@ -10376,7 +10338,9 @@
       <p:sp>
         <p:nvSpPr>
           <p:cNvPr id="197" name="Google Shape;197;p23"/>
-          <p:cNvSpPr txBox="1"/>
+          <p:cNvSpPr txBox="1">
+            <a:spLocks noGrp="1"/>
+          </p:cNvSpPr>
           <p:nvPr>
             <p:ph type="title"/>
           </p:nvPr>
@@ -10391,12 +10355,12 @@
           </a:prstGeom>
         </p:spPr>
         <p:txBody>
-          <a:bodyPr anchorCtr="0" anchor="t" bIns="91425" lIns="91425" spcFirstLastPara="1" rIns="91425" wrap="square" tIns="91425">
+          <a:bodyPr spcFirstLastPara="1" wrap="square" lIns="91425" tIns="91425" rIns="91425" bIns="91425" anchor="t" anchorCtr="0">
             <a:normAutofit/>
           </a:bodyPr>
           <a:lstStyle/>
           <a:p>
-            <a:pPr indent="0" lvl="0" marL="0" rtl="0" algn="l">
+            <a:pPr marL="0" lvl="0" indent="0" algn="l" rtl="0">
               <a:spcBef>
                 <a:spcPts val="0"/>
               </a:spcBef>
@@ -10416,9 +10380,11 @@
       <p:sp>
         <p:nvSpPr>
           <p:cNvPr id="198" name="Google Shape;198;p23"/>
-          <p:cNvSpPr txBox="1"/>
+          <p:cNvSpPr txBox="1">
+            <a:spLocks noGrp="1"/>
+          </p:cNvSpPr>
           <p:nvPr>
-            <p:ph idx="1" type="body"/>
+            <p:ph type="body" idx="1"/>
           </p:nvPr>
         </p:nvSpPr>
         <p:spPr>
@@ -10431,12 +10397,12 @@
           </a:prstGeom>
         </p:spPr>
         <p:txBody>
-          <a:bodyPr anchorCtr="0" anchor="t" bIns="91425" lIns="91425" spcFirstLastPara="1" rIns="91425" wrap="square" tIns="91425">
-            <a:normAutofit/>
+          <a:bodyPr spcFirstLastPara="1" wrap="square" lIns="91425" tIns="91425" rIns="91425" bIns="91425" anchor="t" anchorCtr="0">
+            <a:normAutofit lnSpcReduction="10000"/>
           </a:bodyPr>
           <a:lstStyle/>
           <a:p>
-            <a:pPr indent="0" lvl="0" marL="0" rtl="0" algn="l">
+            <a:pPr marL="0" lvl="0" indent="0" algn="l" rtl="0">
               <a:spcBef>
                 <a:spcPts val="0"/>
               </a:spcBef>
@@ -10452,7 +10418,7 @@
             <a:endParaRPr sz="1500"/>
           </a:p>
           <a:p>
-            <a:pPr indent="0" lvl="0" marL="0" rtl="0" algn="l">
+            <a:pPr marL="0" lvl="0" indent="0" algn="l" rtl="0">
               <a:spcBef>
                 <a:spcPts val="1200"/>
               </a:spcBef>
@@ -10461,13 +10427,10 @@
               </a:spcAft>
               <a:buNone/>
             </a:pPr>
-            <a:r>
-              <a:t/>
-            </a:r>
             <a:endParaRPr sz="1500"/>
           </a:p>
           <a:p>
-            <a:pPr indent="0" lvl="0" marL="0" rtl="0" algn="ctr">
+            <a:pPr marL="0" lvl="0" indent="0" algn="ctr" rtl="0">
               <a:spcBef>
                 <a:spcPts val="1200"/>
               </a:spcBef>
@@ -10477,13 +10440,13 @@
               <a:buNone/>
             </a:pPr>
             <a:r>
-              <a:rPr b="1" lang="ru" sz="2300"/>
+              <a:rPr lang="ru" sz="2300" b="1"/>
               <a:t>Спасибо за внимание!</a:t>
             </a:r>
-            <a:endParaRPr b="1" sz="2300"/>
+            <a:endParaRPr sz="2300" b="1"/>
           </a:p>
           <a:p>
-            <a:pPr indent="0" lvl="0" marL="0" rtl="0" algn="l">
+            <a:pPr marL="0" lvl="0" indent="0" algn="l" rtl="0">
               <a:spcBef>
                 <a:spcPts val="1200"/>
               </a:spcBef>
@@ -10492,13 +10455,10 @@
               </a:spcAft>
               <a:buNone/>
             </a:pPr>
-            <a:r>
-              <a:t/>
-            </a:r>
             <a:endParaRPr sz="1500"/>
           </a:p>
           <a:p>
-            <a:pPr indent="0" lvl="0" marL="0" rtl="0" algn="l">
+            <a:pPr marL="0" lvl="0" indent="0" algn="l" rtl="0">
               <a:spcBef>
                 <a:spcPts val="1200"/>
               </a:spcBef>
@@ -10507,13 +10467,10 @@
               </a:spcAft>
               <a:buNone/>
             </a:pPr>
-            <a:r>
-              <a:t/>
-            </a:r>
             <a:endParaRPr sz="1500"/>
           </a:p>
           <a:p>
-            <a:pPr indent="0" lvl="0" marL="0" rtl="0" algn="l">
+            <a:pPr marL="0" lvl="0" indent="0" algn="l" rtl="0">
               <a:spcBef>
                 <a:spcPts val="1200"/>
               </a:spcBef>
@@ -10522,13 +10479,10 @@
               </a:spcAft>
               <a:buNone/>
             </a:pPr>
-            <a:r>
-              <a:t/>
-            </a:r>
             <a:endParaRPr sz="1200"/>
           </a:p>
           <a:p>
-            <a:pPr indent="0" lvl="0" marL="0" rtl="0" algn="l">
+            <a:pPr marL="0" lvl="0" indent="0" algn="l" rtl="0">
               <a:spcBef>
                 <a:spcPts val="1200"/>
               </a:spcBef>
@@ -10549,7 +10503,7 @@
                 <a:hlinkClick r:id="rId3">
                   <a:extLst>
                     <a:ext uri="{A12FA001-AC4F-418D-AE19-62706E023703}">
-                      <ahyp:hlinkClr val="tx"/>
+                      <ahyp:hlinkClr xmlns:ahyp="http://schemas.microsoft.com/office/drawing/2018/hyperlinkcolor" xmlns:p15="http://schemas.microsoft.com/office/powerpoint/2012/main" xmlns:p14="http://schemas.microsoft.com/office/powerpoint/2010/main" xmlns:com="http://schemas.openxmlformats.org/drawingml/2006/compatibility" xmlns:pvml="urn:schemas-microsoft-com:office:powerpoint" xmlns:v="urn:schemas-microsoft-com:vml" xmlns:o="urn:schemas-microsoft-com:office:office" xmlns:dgm="http://schemas.openxmlformats.org/drawingml/2006/diagram" xmlns:c="http://schemas.openxmlformats.org/drawingml/2006/chart" xmlns:mv="urn:schemas-microsoft-com:mac:vml" xmlns:mc="http://schemas.openxmlformats.org/markup-compatibility/2006" xmlns="" val="tx"/>
                     </a:ext>
                   </a:extLst>
                 </a:hlinkClick>
@@ -10569,11 +10523,11 @@
 </file>
 
 <file path=ppt/slides/slide2.xml><?xml version="1.0" encoding="utf-8"?>
-<p:sld xmlns:a="http://schemas.openxmlformats.org/drawingml/2006/main" xmlns:r="http://schemas.openxmlformats.org/officeDocument/2006/relationships" xmlns:mc="http://schemas.openxmlformats.org/markup-compatibility/2006" xmlns:mv="urn:schemas-microsoft-com:mac:vml" xmlns:p="http://schemas.openxmlformats.org/presentationml/2006/main" xmlns:c="http://schemas.openxmlformats.org/drawingml/2006/chart" xmlns:dgm="http://schemas.openxmlformats.org/drawingml/2006/diagram" xmlns:o="urn:schemas-microsoft-com:office:office" xmlns:v="urn:schemas-microsoft-com:vml" xmlns:pvml="urn:schemas-microsoft-com:office:powerpoint" xmlns:com="http://schemas.openxmlformats.org/drawingml/2006/compatibility" xmlns:p14="http://schemas.microsoft.com/office/powerpoint/2010/main" xmlns:p15="http://schemas.microsoft.com/office/powerpoint/2012/main" xmlns:ahyp="http://schemas.microsoft.com/office/drawing/2018/hyperlinkcolor">
+<p:sld xmlns:a="http://schemas.openxmlformats.org/drawingml/2006/main" xmlns:r="http://schemas.openxmlformats.org/officeDocument/2006/relationships" xmlns:p="http://schemas.openxmlformats.org/presentationml/2006/main">
   <p:cSld>
     <p:spTree>
       <p:nvGrpSpPr>
-        <p:cNvPr id="139" name="Shape 139"/>
+        <p:cNvPr id="1" name="Shape 139"/>
         <p:cNvGrpSpPr/>
         <p:nvPr/>
       </p:nvGrpSpPr>
@@ -10588,7 +10542,9 @@
       <p:sp>
         <p:nvSpPr>
           <p:cNvPr id="140" name="Google Shape;140;p14"/>
-          <p:cNvSpPr txBox="1"/>
+          <p:cNvSpPr txBox="1">
+            <a:spLocks noGrp="1"/>
+          </p:cNvSpPr>
           <p:nvPr>
             <p:ph type="title"/>
           </p:nvPr>
@@ -10603,12 +10559,12 @@
           </a:prstGeom>
         </p:spPr>
         <p:txBody>
-          <a:bodyPr anchorCtr="0" anchor="t" bIns="91425" lIns="91425" spcFirstLastPara="1" rIns="91425" wrap="square" tIns="91425">
+          <a:bodyPr spcFirstLastPara="1" wrap="square" lIns="91425" tIns="91425" rIns="91425" bIns="91425" anchor="t" anchorCtr="0">
             <a:normAutofit/>
           </a:bodyPr>
           <a:lstStyle/>
           <a:p>
-            <a:pPr indent="0" lvl="0" marL="0" rtl="0" algn="l">
+            <a:pPr marL="0" lvl="0" indent="0" algn="l" rtl="0">
               <a:spcBef>
                 <a:spcPts val="0"/>
               </a:spcBef>
@@ -10628,9 +10584,11 @@
       <p:sp>
         <p:nvSpPr>
           <p:cNvPr id="141" name="Google Shape;141;p14"/>
-          <p:cNvSpPr txBox="1"/>
+          <p:cNvSpPr txBox="1">
+            <a:spLocks noGrp="1"/>
+          </p:cNvSpPr>
           <p:nvPr>
-            <p:ph idx="1" type="body"/>
+            <p:ph type="body" idx="1"/>
           </p:nvPr>
         </p:nvSpPr>
         <p:spPr>
@@ -10643,12 +10601,12 @@
           </a:prstGeom>
         </p:spPr>
         <p:txBody>
-          <a:bodyPr anchorCtr="0" anchor="t" bIns="91425" lIns="91425" spcFirstLastPara="1" rIns="91425" wrap="square" tIns="91425">
+          <a:bodyPr spcFirstLastPara="1" wrap="square" lIns="91425" tIns="91425" rIns="91425" bIns="91425" anchor="t" anchorCtr="0">
             <a:normAutofit/>
           </a:bodyPr>
           <a:lstStyle/>
           <a:p>
-            <a:pPr indent="0" lvl="0" marL="0" rtl="0" algn="just">
+            <a:pPr marL="0" lvl="0" indent="0" algn="just" rtl="0">
               <a:spcBef>
                 <a:spcPts val="0"/>
               </a:spcBef>
@@ -10664,7 +10622,7 @@
             <a:endParaRPr sz="1500"/>
           </a:p>
           <a:p>
-            <a:pPr indent="0" lvl="0" marL="0" rtl="0" algn="l">
+            <a:pPr marL="0" lvl="0" indent="0" algn="l" rtl="0">
               <a:spcBef>
                 <a:spcPts val="1200"/>
               </a:spcBef>
@@ -10680,7 +10638,7 @@
             <a:endParaRPr sz="1500"/>
           </a:p>
           <a:p>
-            <a:pPr indent="-323850" lvl="0" marL="457200" rtl="0" algn="just">
+            <a:pPr marL="457200" lvl="0" indent="-323850" algn="just" rtl="0">
               <a:spcBef>
                 <a:spcPts val="1200"/>
               </a:spcBef>
@@ -10697,7 +10655,7 @@
             <a:endParaRPr sz="1500"/>
           </a:p>
           <a:p>
-            <a:pPr indent="-323850" lvl="0" marL="457200" rtl="0" algn="just">
+            <a:pPr marL="457200" lvl="0" indent="-323850" algn="just" rtl="0">
               <a:spcBef>
                 <a:spcPts val="0"/>
               </a:spcBef>
@@ -10724,11 +10682,11 @@
 </file>
 
 <file path=ppt/slides/slide3.xml><?xml version="1.0" encoding="utf-8"?>
-<p:sld xmlns:a="http://schemas.openxmlformats.org/drawingml/2006/main" xmlns:r="http://schemas.openxmlformats.org/officeDocument/2006/relationships" xmlns:mc="http://schemas.openxmlformats.org/markup-compatibility/2006" xmlns:mv="urn:schemas-microsoft-com:mac:vml" xmlns:p="http://schemas.openxmlformats.org/presentationml/2006/main" xmlns:c="http://schemas.openxmlformats.org/drawingml/2006/chart" xmlns:dgm="http://schemas.openxmlformats.org/drawingml/2006/diagram" xmlns:o="urn:schemas-microsoft-com:office:office" xmlns:v="urn:schemas-microsoft-com:vml" xmlns:pvml="urn:schemas-microsoft-com:office:powerpoint" xmlns:com="http://schemas.openxmlformats.org/drawingml/2006/compatibility" xmlns:p14="http://schemas.microsoft.com/office/powerpoint/2010/main" xmlns:p15="http://schemas.microsoft.com/office/powerpoint/2012/main" xmlns:ahyp="http://schemas.microsoft.com/office/drawing/2018/hyperlinkcolor">
+<p:sld xmlns:a="http://schemas.openxmlformats.org/drawingml/2006/main" xmlns:r="http://schemas.openxmlformats.org/officeDocument/2006/relationships" xmlns:p="http://schemas.openxmlformats.org/presentationml/2006/main">
   <p:cSld>
     <p:spTree>
       <p:nvGrpSpPr>
-        <p:cNvPr id="145" name="Shape 145"/>
+        <p:cNvPr id="1" name="Shape 145"/>
         <p:cNvGrpSpPr/>
         <p:nvPr/>
       </p:nvGrpSpPr>
@@ -10743,7 +10701,9 @@
       <p:sp>
         <p:nvSpPr>
           <p:cNvPr id="146" name="Google Shape;146;p15"/>
-          <p:cNvSpPr txBox="1"/>
+          <p:cNvSpPr txBox="1">
+            <a:spLocks noGrp="1"/>
+          </p:cNvSpPr>
           <p:nvPr>
             <p:ph type="title"/>
           </p:nvPr>
@@ -10758,12 +10718,12 @@
           </a:prstGeom>
         </p:spPr>
         <p:txBody>
-          <a:bodyPr anchorCtr="0" anchor="t" bIns="91425" lIns="91425" spcFirstLastPara="1" rIns="91425" wrap="square" tIns="91425">
+          <a:bodyPr spcFirstLastPara="1" wrap="square" lIns="91425" tIns="91425" rIns="91425" bIns="91425" anchor="t" anchorCtr="0">
             <a:normAutofit fontScale="90000"/>
           </a:bodyPr>
           <a:lstStyle/>
           <a:p>
-            <a:pPr indent="0" lvl="0" marL="0" rtl="0" algn="l">
+            <a:pPr marL="0" lvl="0" indent="0" algn="l" rtl="0">
               <a:spcBef>
                 <a:spcPts val="0"/>
               </a:spcBef>
@@ -10817,11 +10777,11 @@
 </file>
 
 <file path=ppt/slides/slide4.xml><?xml version="1.0" encoding="utf-8"?>
-<p:sld xmlns:a="http://schemas.openxmlformats.org/drawingml/2006/main" xmlns:r="http://schemas.openxmlformats.org/officeDocument/2006/relationships" xmlns:mc="http://schemas.openxmlformats.org/markup-compatibility/2006" xmlns:mv="urn:schemas-microsoft-com:mac:vml" xmlns:p="http://schemas.openxmlformats.org/presentationml/2006/main" xmlns:c="http://schemas.openxmlformats.org/drawingml/2006/chart" xmlns:dgm="http://schemas.openxmlformats.org/drawingml/2006/diagram" xmlns:o="urn:schemas-microsoft-com:office:office" xmlns:v="urn:schemas-microsoft-com:vml" xmlns:pvml="urn:schemas-microsoft-com:office:powerpoint" xmlns:com="http://schemas.openxmlformats.org/drawingml/2006/compatibility" xmlns:p14="http://schemas.microsoft.com/office/powerpoint/2010/main" xmlns:p15="http://schemas.microsoft.com/office/powerpoint/2012/main" xmlns:ahyp="http://schemas.microsoft.com/office/drawing/2018/hyperlinkcolor">
+<p:sld xmlns:a="http://schemas.openxmlformats.org/drawingml/2006/main" xmlns:r="http://schemas.openxmlformats.org/officeDocument/2006/relationships" xmlns:p="http://schemas.openxmlformats.org/presentationml/2006/main">
   <p:cSld>
     <p:spTree>
       <p:nvGrpSpPr>
-        <p:cNvPr id="151" name="Shape 151"/>
+        <p:cNvPr id="1" name="Shape 151"/>
         <p:cNvGrpSpPr/>
         <p:nvPr/>
       </p:nvGrpSpPr>
@@ -10836,7 +10796,9 @@
       <p:sp>
         <p:nvSpPr>
           <p:cNvPr id="152" name="Google Shape;152;p16"/>
-          <p:cNvSpPr txBox="1"/>
+          <p:cNvSpPr txBox="1">
+            <a:spLocks noGrp="1"/>
+          </p:cNvSpPr>
           <p:nvPr>
             <p:ph type="title"/>
           </p:nvPr>
@@ -10851,12 +10813,12 @@
           </a:prstGeom>
         </p:spPr>
         <p:txBody>
-          <a:bodyPr anchorCtr="0" anchor="t" bIns="91425" lIns="91425" spcFirstLastPara="1" rIns="91425" wrap="square" tIns="91425">
+          <a:bodyPr spcFirstLastPara="1" wrap="square" lIns="91425" tIns="91425" rIns="91425" bIns="91425" anchor="t" anchorCtr="0">
             <a:normAutofit/>
           </a:bodyPr>
           <a:lstStyle/>
           <a:p>
-            <a:pPr indent="0" lvl="0" marL="0" rtl="0" algn="l">
+            <a:pPr marL="0" lvl="0" indent="0" algn="l" rtl="0">
               <a:spcBef>
                 <a:spcPts val="0"/>
               </a:spcBef>
@@ -10876,9 +10838,11 @@
       <p:sp>
         <p:nvSpPr>
           <p:cNvPr id="153" name="Google Shape;153;p16"/>
-          <p:cNvSpPr txBox="1"/>
+          <p:cNvSpPr txBox="1">
+            <a:spLocks noGrp="1"/>
+          </p:cNvSpPr>
           <p:nvPr>
-            <p:ph idx="1" type="body"/>
+            <p:ph type="body" idx="1"/>
           </p:nvPr>
         </p:nvSpPr>
         <p:spPr>
@@ -10891,12 +10855,12 @@
           </a:prstGeom>
         </p:spPr>
         <p:txBody>
-          <a:bodyPr anchorCtr="0" anchor="t" bIns="91425" lIns="91425" spcFirstLastPara="1" rIns="91425" wrap="square" tIns="91425">
+          <a:bodyPr spcFirstLastPara="1" wrap="square" lIns="91425" tIns="91425" rIns="91425" bIns="91425" anchor="t" anchorCtr="0">
             <a:normAutofit/>
           </a:bodyPr>
           <a:lstStyle/>
           <a:p>
-            <a:pPr indent="0" lvl="0" marL="0" rtl="0" algn="just">
+            <a:pPr marL="0" lvl="0" indent="0" algn="just" rtl="0">
               <a:spcBef>
                 <a:spcPts val="0"/>
               </a:spcBef>
@@ -10912,7 +10876,7 @@
             <a:endParaRPr sz="1500"/>
           </a:p>
           <a:p>
-            <a:pPr indent="0" lvl="0" marL="0" rtl="0" algn="just">
+            <a:pPr marL="0" lvl="0" indent="0" algn="just" rtl="0">
               <a:spcBef>
                 <a:spcPts val="1200"/>
               </a:spcBef>
@@ -10928,7 +10892,7 @@
             <a:endParaRPr sz="1500"/>
           </a:p>
           <a:p>
-            <a:pPr indent="0" lvl="0" marL="0" rtl="0" algn="just">
+            <a:pPr marL="0" lvl="0" indent="0" algn="just" rtl="0">
               <a:spcBef>
                 <a:spcPts val="1200"/>
               </a:spcBef>
@@ -10944,7 +10908,7 @@
             <a:endParaRPr sz="1500"/>
           </a:p>
           <a:p>
-            <a:pPr indent="0" lvl="0" marL="0" rtl="0" algn="just">
+            <a:pPr marL="0" lvl="0" indent="0" algn="just" rtl="0">
               <a:spcBef>
                 <a:spcPts val="1200"/>
               </a:spcBef>
@@ -10960,7 +10924,7 @@
             <a:endParaRPr sz="1500"/>
           </a:p>
           <a:p>
-            <a:pPr indent="0" lvl="0" marL="0" rtl="0" algn="just">
+            <a:pPr marL="0" lvl="0" indent="0" algn="just" rtl="0">
               <a:spcBef>
                 <a:spcPts val="1200"/>
               </a:spcBef>
@@ -10986,11 +10950,11 @@
 </file>
 
 <file path=ppt/slides/slide5.xml><?xml version="1.0" encoding="utf-8"?>
-<p:sld xmlns:a="http://schemas.openxmlformats.org/drawingml/2006/main" xmlns:r="http://schemas.openxmlformats.org/officeDocument/2006/relationships" xmlns:mc="http://schemas.openxmlformats.org/markup-compatibility/2006" xmlns:mv="urn:schemas-microsoft-com:mac:vml" xmlns:p="http://schemas.openxmlformats.org/presentationml/2006/main" xmlns:c="http://schemas.openxmlformats.org/drawingml/2006/chart" xmlns:dgm="http://schemas.openxmlformats.org/drawingml/2006/diagram" xmlns:o="urn:schemas-microsoft-com:office:office" xmlns:v="urn:schemas-microsoft-com:vml" xmlns:pvml="urn:schemas-microsoft-com:office:powerpoint" xmlns:com="http://schemas.openxmlformats.org/drawingml/2006/compatibility" xmlns:p14="http://schemas.microsoft.com/office/powerpoint/2010/main" xmlns:p15="http://schemas.microsoft.com/office/powerpoint/2012/main" xmlns:ahyp="http://schemas.microsoft.com/office/drawing/2018/hyperlinkcolor">
+<p:sld xmlns:a="http://schemas.openxmlformats.org/drawingml/2006/main" xmlns:r="http://schemas.openxmlformats.org/officeDocument/2006/relationships" xmlns:p="http://schemas.openxmlformats.org/presentationml/2006/main">
   <p:cSld>
     <p:spTree>
       <p:nvGrpSpPr>
-        <p:cNvPr id="157" name="Shape 157"/>
+        <p:cNvPr id="1" name="Shape 157"/>
         <p:cNvGrpSpPr/>
         <p:nvPr/>
       </p:nvGrpSpPr>
@@ -11005,7 +10969,9 @@
       <p:sp>
         <p:nvSpPr>
           <p:cNvPr id="158" name="Google Shape;158;p17"/>
-          <p:cNvSpPr txBox="1"/>
+          <p:cNvSpPr txBox="1">
+            <a:spLocks noGrp="1"/>
+          </p:cNvSpPr>
           <p:nvPr>
             <p:ph type="title"/>
           </p:nvPr>
@@ -11020,12 +10986,12 @@
           </a:prstGeom>
         </p:spPr>
         <p:txBody>
-          <a:bodyPr anchorCtr="0" anchor="t" bIns="91425" lIns="91425" spcFirstLastPara="1" rIns="91425" wrap="square" tIns="91425">
+          <a:bodyPr spcFirstLastPara="1" wrap="square" lIns="91425" tIns="91425" rIns="91425" bIns="91425" anchor="t" anchorCtr="0">
             <a:normAutofit/>
           </a:bodyPr>
           <a:lstStyle/>
           <a:p>
-            <a:pPr indent="0" lvl="0" marL="0" rtl="0" algn="l">
+            <a:pPr marL="0" lvl="0" indent="0" algn="l" rtl="0">
               <a:spcBef>
                 <a:spcPts val="0"/>
               </a:spcBef>
@@ -11045,9 +11011,11 @@
       <p:sp>
         <p:nvSpPr>
           <p:cNvPr id="159" name="Google Shape;159;p17"/>
-          <p:cNvSpPr txBox="1"/>
+          <p:cNvSpPr txBox="1">
+            <a:spLocks noGrp="1"/>
+          </p:cNvSpPr>
           <p:nvPr>
-            <p:ph idx="1" type="body"/>
+            <p:ph type="body" idx="1"/>
           </p:nvPr>
         </p:nvSpPr>
         <p:spPr>
@@ -11060,12 +11028,12 @@
           </a:prstGeom>
         </p:spPr>
         <p:txBody>
-          <a:bodyPr anchorCtr="0" anchor="t" bIns="91425" lIns="91425" spcFirstLastPara="1" rIns="91425" wrap="square" tIns="91425">
+          <a:bodyPr spcFirstLastPara="1" wrap="square" lIns="91425" tIns="91425" rIns="91425" bIns="91425" anchor="t" anchorCtr="0">
             <a:normAutofit/>
           </a:bodyPr>
           <a:lstStyle/>
           <a:p>
-            <a:pPr indent="0" lvl="0" marL="0" rtl="0" algn="l">
+            <a:pPr marL="0" lvl="0" indent="0" algn="l" rtl="0">
               <a:spcBef>
                 <a:spcPts val="0"/>
               </a:spcBef>
@@ -11081,7 +11049,7 @@
             <a:endParaRPr sz="1500"/>
           </a:p>
           <a:p>
-            <a:pPr indent="-323850" lvl="0" marL="457200" rtl="0" algn="l">
+            <a:pPr marL="457200" lvl="0" indent="-323850" algn="l" rtl="0">
               <a:spcBef>
                 <a:spcPts val="1200"/>
               </a:spcBef>
@@ -11098,7 +11066,7 @@
             <a:endParaRPr sz="1500"/>
           </a:p>
           <a:p>
-            <a:pPr indent="-323850" lvl="0" marL="457200" rtl="0" algn="l">
+            <a:pPr marL="457200" lvl="0" indent="-323850" algn="l" rtl="0">
               <a:spcBef>
                 <a:spcPts val="0"/>
               </a:spcBef>
@@ -11115,7 +11083,7 @@
             <a:endParaRPr sz="1500"/>
           </a:p>
           <a:p>
-            <a:pPr indent="-323850" lvl="0" marL="457200" rtl="0" algn="l">
+            <a:pPr marL="457200" lvl="0" indent="-323850" algn="l" rtl="0">
               <a:spcBef>
                 <a:spcPts val="0"/>
               </a:spcBef>
@@ -11132,7 +11100,7 @@
             <a:endParaRPr sz="1500"/>
           </a:p>
           <a:p>
-            <a:pPr indent="0" lvl="0" marL="0" rtl="0" algn="l">
+            <a:pPr marL="0" lvl="0" indent="0" algn="l" rtl="0">
               <a:spcBef>
                 <a:spcPts val="1200"/>
               </a:spcBef>
@@ -11141,9 +11109,6 @@
               </a:spcAft>
               <a:buNone/>
             </a:pPr>
-            <a:r>
-              <a:t/>
-            </a:r>
             <a:endParaRPr sz="1500"/>
           </a:p>
         </p:txBody>
@@ -11157,11 +11122,11 @@
 </file>
 
 <file path=ppt/slides/slide6.xml><?xml version="1.0" encoding="utf-8"?>
-<p:sld xmlns:a="http://schemas.openxmlformats.org/drawingml/2006/main" xmlns:r="http://schemas.openxmlformats.org/officeDocument/2006/relationships" xmlns:mc="http://schemas.openxmlformats.org/markup-compatibility/2006" xmlns:mv="urn:schemas-microsoft-com:mac:vml" xmlns:p="http://schemas.openxmlformats.org/presentationml/2006/main" xmlns:c="http://schemas.openxmlformats.org/drawingml/2006/chart" xmlns:dgm="http://schemas.openxmlformats.org/drawingml/2006/diagram" xmlns:o="urn:schemas-microsoft-com:office:office" xmlns:v="urn:schemas-microsoft-com:vml" xmlns:pvml="urn:schemas-microsoft-com:office:powerpoint" xmlns:com="http://schemas.openxmlformats.org/drawingml/2006/compatibility" xmlns:p14="http://schemas.microsoft.com/office/powerpoint/2010/main" xmlns:p15="http://schemas.microsoft.com/office/powerpoint/2012/main" xmlns:ahyp="http://schemas.microsoft.com/office/drawing/2018/hyperlinkcolor">
+<p:sld xmlns:a="http://schemas.openxmlformats.org/drawingml/2006/main" xmlns:r="http://schemas.openxmlformats.org/officeDocument/2006/relationships" xmlns:p="http://schemas.openxmlformats.org/presentationml/2006/main">
   <p:cSld>
     <p:spTree>
       <p:nvGrpSpPr>
-        <p:cNvPr id="163" name="Shape 163"/>
+        <p:cNvPr id="1" name="Shape 163"/>
         <p:cNvGrpSpPr/>
         <p:nvPr/>
       </p:nvGrpSpPr>
@@ -11176,7 +11141,9 @@
       <p:sp>
         <p:nvSpPr>
           <p:cNvPr id="164" name="Google Shape;164;p18"/>
-          <p:cNvSpPr txBox="1"/>
+          <p:cNvSpPr txBox="1">
+            <a:spLocks noGrp="1"/>
+          </p:cNvSpPr>
           <p:nvPr>
             <p:ph type="title"/>
           </p:nvPr>
@@ -11191,12 +11158,12 @@
           </a:prstGeom>
         </p:spPr>
         <p:txBody>
-          <a:bodyPr anchorCtr="0" anchor="t" bIns="91425" lIns="91425" spcFirstLastPara="1" rIns="91425" wrap="square" tIns="91425">
+          <a:bodyPr spcFirstLastPara="1" wrap="square" lIns="91425" tIns="91425" rIns="91425" bIns="91425" anchor="t" anchorCtr="0">
             <a:normAutofit/>
           </a:bodyPr>
           <a:lstStyle/>
           <a:p>
-            <a:pPr indent="0" lvl="0" marL="0" rtl="0" algn="l">
+            <a:pPr marL="0" lvl="0" indent="0" algn="l" rtl="0">
               <a:spcBef>
                 <a:spcPts val="0"/>
               </a:spcBef>
@@ -11216,9 +11183,11 @@
       <p:sp>
         <p:nvSpPr>
           <p:cNvPr id="165" name="Google Shape;165;p18"/>
-          <p:cNvSpPr txBox="1"/>
+          <p:cNvSpPr txBox="1">
+            <a:spLocks noGrp="1"/>
+          </p:cNvSpPr>
           <p:nvPr>
-            <p:ph idx="1" type="body"/>
+            <p:ph type="body" idx="1"/>
           </p:nvPr>
         </p:nvSpPr>
         <p:spPr>
@@ -11231,12 +11200,12 @@
           </a:prstGeom>
         </p:spPr>
         <p:txBody>
-          <a:bodyPr anchorCtr="0" anchor="t" bIns="91425" lIns="91425" spcFirstLastPara="1" rIns="91425" wrap="square" tIns="91425">
-            <a:normAutofit/>
+          <a:bodyPr spcFirstLastPara="1" wrap="square" lIns="91425" tIns="91425" rIns="91425" bIns="91425" anchor="t" anchorCtr="0">
+            <a:normAutofit lnSpcReduction="10000"/>
           </a:bodyPr>
           <a:lstStyle/>
           <a:p>
-            <a:pPr indent="0" lvl="0" marL="0" rtl="0" algn="just">
+            <a:pPr marL="0" lvl="0" indent="0" algn="just" rtl="0">
               <a:spcBef>
                 <a:spcPts val="0"/>
               </a:spcBef>
@@ -11246,26 +11215,54 @@
               <a:buNone/>
             </a:pPr>
             <a:r>
-              <a:rPr lang="ru" sz="1500"/>
-              <a:t>Чтобы отправить решение, вам необходимо авторизоваться в системе. Вы можете зарегистрироваться или войти в существующий аккаунт и отправить решение. Система автоматически проверит ваше решение и сообщит вердикт, максимально </a:t>
+              <a:rPr lang="ru" sz="1500" dirty="0"/>
+              <a:t>Чтобы отправить решение, вам необходимо авторизоваться в системе. Вы можете зарегистрироваться или войти в существующий аккаунт и отправить решение. Система автоматически проверит ваше решение и сообщит вердикт, максимально использованное время и максимальное количество используемой памяти. Как и говорилось ранее, одним из плюсов системы является то, что она хорошо оптимизирована - она быстро тестирует решение и выносит вердикт, даже если процессор вашего компьютера медленный</a:t>
             </a:r>
             <a:r>
-              <a:rPr lang="ru" sz="1500"/>
-              <a:t>использованное</a:t>
+              <a:rPr lang="ru" sz="1500" dirty="0" smtClean="0"/>
+              <a:t>.</a:t>
+            </a:r>
+            <a:endParaRPr lang="en-US" sz="1500" dirty="0" smtClean="0"/>
+          </a:p>
+          <a:p>
+            <a:pPr marL="0" lvl="0" indent="0" algn="just" rtl="0">
+              <a:spcBef>
+                <a:spcPts val="0"/>
+              </a:spcBef>
+              <a:spcAft>
+                <a:spcPts val="1200"/>
+              </a:spcAft>
+              <a:buNone/>
+            </a:pPr>
+            <a:r>
+              <a:rPr lang="ru-RU" sz="1500" dirty="0" smtClean="0"/>
+              <a:t>Также, у каждой задачи есть разбор и решение на языке </a:t>
             </a:r>
             <a:r>
-              <a:rPr lang="ru" sz="1500"/>
-              <a:t> время и максимальное количество используемой памяти. Как и говорилось ранее, о</a:t>
+              <a:rPr lang="en-US" sz="1500" dirty="0" smtClean="0"/>
+              <a:t>C++.</a:t>
+            </a:r>
+            <a:endParaRPr lang="en-US" sz="1500" dirty="0" smtClean="0"/>
+          </a:p>
+          <a:p>
+            <a:pPr marL="0" lvl="0" indent="0" algn="just" rtl="0">
+              <a:spcBef>
+                <a:spcPts val="0"/>
+              </a:spcBef>
+              <a:spcAft>
+                <a:spcPts val="1200"/>
+              </a:spcAft>
+              <a:buNone/>
+            </a:pPr>
+            <a:r>
+              <a:rPr lang="ru" sz="1500" dirty="0" smtClean="0"/>
+              <a:t>Администраторы </a:t>
             </a:r>
             <a:r>
-              <a:rPr lang="ru" sz="1500"/>
-              <a:t>дним из плюсов системы является то, что она хорошо оптимизирована - она быстро тестирует решение и выносит вердикт, даже если процессор вашего компьютера медленный. </a:t>
+              <a:rPr lang="ru" sz="1500" dirty="0"/>
+              <a:t>могут добавлять новые задачи.</a:t>
             </a:r>
-            <a:r>
-              <a:rPr lang="ru" sz="1500"/>
-              <a:t>Также администраторы могут добавлять новые задачи.</a:t>
-            </a:r>
-            <a:endParaRPr sz="1500"/>
+            <a:endParaRPr sz="1500" dirty="0"/>
           </a:p>
         </p:txBody>
       </p:sp>
@@ -11278,11 +11275,11 @@
 </file>
 
 <file path=ppt/slides/slide7.xml><?xml version="1.0" encoding="utf-8"?>
-<p:sld xmlns:a="http://schemas.openxmlformats.org/drawingml/2006/main" xmlns:r="http://schemas.openxmlformats.org/officeDocument/2006/relationships" xmlns:mc="http://schemas.openxmlformats.org/markup-compatibility/2006" xmlns:mv="urn:schemas-microsoft-com:mac:vml" xmlns:p="http://schemas.openxmlformats.org/presentationml/2006/main" xmlns:c="http://schemas.openxmlformats.org/drawingml/2006/chart" xmlns:dgm="http://schemas.openxmlformats.org/drawingml/2006/diagram" xmlns:o="urn:schemas-microsoft-com:office:office" xmlns:v="urn:schemas-microsoft-com:vml" xmlns:pvml="urn:schemas-microsoft-com:office:powerpoint" xmlns:com="http://schemas.openxmlformats.org/drawingml/2006/compatibility" xmlns:p14="http://schemas.microsoft.com/office/powerpoint/2010/main" xmlns:p15="http://schemas.microsoft.com/office/powerpoint/2012/main" xmlns:ahyp="http://schemas.microsoft.com/office/drawing/2018/hyperlinkcolor">
+<p:sld xmlns:a="http://schemas.openxmlformats.org/drawingml/2006/main" xmlns:r="http://schemas.openxmlformats.org/officeDocument/2006/relationships" xmlns:p="http://schemas.openxmlformats.org/presentationml/2006/main">
   <p:cSld>
     <p:spTree>
       <p:nvGrpSpPr>
-        <p:cNvPr id="169" name="Shape 169"/>
+        <p:cNvPr id="1" name="Shape 169"/>
         <p:cNvGrpSpPr/>
         <p:nvPr/>
       </p:nvGrpSpPr>
@@ -11297,7 +11294,9 @@
       <p:sp>
         <p:nvSpPr>
           <p:cNvPr id="170" name="Google Shape;170;p19"/>
-          <p:cNvSpPr txBox="1"/>
+          <p:cNvSpPr txBox="1">
+            <a:spLocks noGrp="1"/>
+          </p:cNvSpPr>
           <p:nvPr>
             <p:ph type="title"/>
           </p:nvPr>
@@ -11312,12 +11311,12 @@
           </a:prstGeom>
         </p:spPr>
         <p:txBody>
-          <a:bodyPr anchorCtr="0" anchor="t" bIns="91425" lIns="91425" spcFirstLastPara="1" rIns="91425" wrap="square" tIns="91425">
+          <a:bodyPr spcFirstLastPara="1" wrap="square" lIns="91425" tIns="91425" rIns="91425" bIns="91425" anchor="t" anchorCtr="0">
             <a:normAutofit/>
           </a:bodyPr>
           <a:lstStyle/>
           <a:p>
-            <a:pPr indent="0" lvl="0" marL="0" rtl="0" algn="l">
+            <a:pPr marL="0" lvl="0" indent="0" algn="l" rtl="0">
               <a:spcBef>
                 <a:spcPts val="0"/>
               </a:spcBef>
@@ -11337,9 +11336,11 @@
       <p:sp>
         <p:nvSpPr>
           <p:cNvPr id="171" name="Google Shape;171;p19"/>
-          <p:cNvSpPr txBox="1"/>
+          <p:cNvSpPr txBox="1">
+            <a:spLocks noGrp="1"/>
+          </p:cNvSpPr>
           <p:nvPr>
-            <p:ph idx="1" type="body"/>
+            <p:ph type="body" idx="1"/>
           </p:nvPr>
         </p:nvSpPr>
         <p:spPr>
@@ -11352,12 +11353,12 @@
           </a:prstGeom>
         </p:spPr>
         <p:txBody>
-          <a:bodyPr anchorCtr="0" anchor="t" bIns="91425" lIns="91425" spcFirstLastPara="1" rIns="91425" wrap="square" tIns="91425">
+          <a:bodyPr spcFirstLastPara="1" wrap="square" lIns="91425" tIns="91425" rIns="91425" bIns="91425" anchor="t" anchorCtr="0">
             <a:normAutofit/>
           </a:bodyPr>
           <a:lstStyle/>
           <a:p>
-            <a:pPr indent="0" lvl="0" marL="0" rtl="0" algn="just">
+            <a:pPr marL="0" lvl="0" indent="0" algn="just" rtl="0">
               <a:spcBef>
                 <a:spcPts val="0"/>
               </a:spcBef>
@@ -11373,7 +11374,7 @@
             <a:endParaRPr sz="1500"/>
           </a:p>
           <a:p>
-            <a:pPr indent="0" lvl="0" marL="0" rtl="0" algn="just">
+            <a:pPr marL="0" lvl="0" indent="0" algn="just" rtl="0">
               <a:spcBef>
                 <a:spcPts val="1200"/>
               </a:spcBef>
@@ -11389,7 +11390,7 @@
             <a:endParaRPr sz="1500"/>
           </a:p>
           <a:p>
-            <a:pPr indent="-323850" lvl="0" marL="457200" rtl="0" algn="just">
+            <a:pPr marL="457200" lvl="0" indent="-323850" algn="just" rtl="0">
               <a:spcBef>
                 <a:spcPts val="1200"/>
               </a:spcBef>
@@ -11406,7 +11407,7 @@
             <a:endParaRPr sz="1500"/>
           </a:p>
           <a:p>
-            <a:pPr indent="-323850" lvl="0" marL="457200" rtl="0" algn="just">
+            <a:pPr marL="457200" lvl="0" indent="-323850" algn="just" rtl="0">
               <a:spcBef>
                 <a:spcPts val="0"/>
               </a:spcBef>
@@ -11433,11 +11434,11 @@
 </file>
 
 <file path=ppt/slides/slide8.xml><?xml version="1.0" encoding="utf-8"?>
-<p:sld xmlns:a="http://schemas.openxmlformats.org/drawingml/2006/main" xmlns:r="http://schemas.openxmlformats.org/officeDocument/2006/relationships" xmlns:mc="http://schemas.openxmlformats.org/markup-compatibility/2006" xmlns:mv="urn:schemas-microsoft-com:mac:vml" xmlns:p="http://schemas.openxmlformats.org/presentationml/2006/main" xmlns:c="http://schemas.openxmlformats.org/drawingml/2006/chart" xmlns:dgm="http://schemas.openxmlformats.org/drawingml/2006/diagram" xmlns:o="urn:schemas-microsoft-com:office:office" xmlns:v="urn:schemas-microsoft-com:vml" xmlns:pvml="urn:schemas-microsoft-com:office:powerpoint" xmlns:com="http://schemas.openxmlformats.org/drawingml/2006/compatibility" xmlns:p14="http://schemas.microsoft.com/office/powerpoint/2010/main" xmlns:p15="http://schemas.microsoft.com/office/powerpoint/2012/main" xmlns:ahyp="http://schemas.microsoft.com/office/drawing/2018/hyperlinkcolor">
+<p:sld xmlns:a="http://schemas.openxmlformats.org/drawingml/2006/main" xmlns:r="http://schemas.openxmlformats.org/officeDocument/2006/relationships" xmlns:p="http://schemas.openxmlformats.org/presentationml/2006/main">
   <p:cSld>
     <p:spTree>
       <p:nvGrpSpPr>
-        <p:cNvPr id="175" name="Shape 175"/>
+        <p:cNvPr id="1" name="Shape 175"/>
         <p:cNvGrpSpPr/>
         <p:nvPr/>
       </p:nvGrpSpPr>
@@ -11452,7 +11453,9 @@
       <p:sp>
         <p:nvSpPr>
           <p:cNvPr id="176" name="Google Shape;176;p20"/>
-          <p:cNvSpPr txBox="1"/>
+          <p:cNvSpPr txBox="1">
+            <a:spLocks noGrp="1"/>
+          </p:cNvSpPr>
           <p:nvPr>
             <p:ph type="title"/>
           </p:nvPr>
@@ -11467,12 +11470,12 @@
           </a:prstGeom>
         </p:spPr>
         <p:txBody>
-          <a:bodyPr anchorCtr="0" anchor="t" bIns="91425" lIns="91425" spcFirstLastPara="1" rIns="91425" wrap="square" tIns="91425">
+          <a:bodyPr spcFirstLastPara="1" wrap="square" lIns="91425" tIns="91425" rIns="91425" bIns="91425" anchor="t" anchorCtr="0">
             <a:normAutofit/>
           </a:bodyPr>
           <a:lstStyle/>
           <a:p>
-            <a:pPr indent="0" lvl="0" marL="0" rtl="0" algn="l">
+            <a:pPr marL="0" lvl="0" indent="0" algn="l" rtl="0">
               <a:spcBef>
                 <a:spcPts val="0"/>
               </a:spcBef>
@@ -11492,9 +11495,11 @@
       <p:sp>
         <p:nvSpPr>
           <p:cNvPr id="177" name="Google Shape;177;p20"/>
-          <p:cNvSpPr txBox="1"/>
+          <p:cNvSpPr txBox="1">
+            <a:spLocks noGrp="1"/>
+          </p:cNvSpPr>
           <p:nvPr>
-            <p:ph idx="1" type="body"/>
+            <p:ph type="body" idx="1"/>
           </p:nvPr>
         </p:nvSpPr>
         <p:spPr>
@@ -11507,12 +11512,12 @@
           </a:prstGeom>
         </p:spPr>
         <p:txBody>
-          <a:bodyPr anchorCtr="0" anchor="t" bIns="91425" lIns="91425" spcFirstLastPara="1" rIns="91425" wrap="square" tIns="91425">
+          <a:bodyPr spcFirstLastPara="1" wrap="square" lIns="91425" tIns="91425" rIns="91425" bIns="91425" anchor="t" anchorCtr="0">
             <a:normAutofit/>
           </a:bodyPr>
           <a:lstStyle/>
           <a:p>
-            <a:pPr indent="0" lvl="0" marL="0" rtl="0" algn="l">
+            <a:pPr marL="0" lvl="0" indent="0" algn="l" rtl="0">
               <a:spcBef>
                 <a:spcPts val="0"/>
               </a:spcBef>
@@ -11528,7 +11533,7 @@
             <a:endParaRPr sz="1500"/>
           </a:p>
           <a:p>
-            <a:pPr indent="0" lvl="0" marL="0" rtl="0" algn="l">
+            <a:pPr marL="0" lvl="0" indent="0" algn="l" rtl="0">
               <a:spcBef>
                 <a:spcPts val="1200"/>
               </a:spcBef>
@@ -11544,7 +11549,7 @@
             <a:endParaRPr sz="1500"/>
           </a:p>
           <a:p>
-            <a:pPr indent="0" lvl="0" marL="0" rtl="0" algn="l">
+            <a:pPr marL="0" lvl="0" indent="0" algn="l" rtl="0">
               <a:spcBef>
                 <a:spcPts val="1200"/>
               </a:spcBef>
@@ -11570,11 +11575,11 @@
 </file>
 
 <file path=ppt/slides/slide9.xml><?xml version="1.0" encoding="utf-8"?>
-<p:sld xmlns:a="http://schemas.openxmlformats.org/drawingml/2006/main" xmlns:r="http://schemas.openxmlformats.org/officeDocument/2006/relationships" xmlns:mc="http://schemas.openxmlformats.org/markup-compatibility/2006" xmlns:mv="urn:schemas-microsoft-com:mac:vml" xmlns:p="http://schemas.openxmlformats.org/presentationml/2006/main" xmlns:c="http://schemas.openxmlformats.org/drawingml/2006/chart" xmlns:dgm="http://schemas.openxmlformats.org/drawingml/2006/diagram" xmlns:o="urn:schemas-microsoft-com:office:office" xmlns:v="urn:schemas-microsoft-com:vml" xmlns:pvml="urn:schemas-microsoft-com:office:powerpoint" xmlns:com="http://schemas.openxmlformats.org/drawingml/2006/compatibility" xmlns:p14="http://schemas.microsoft.com/office/powerpoint/2010/main" xmlns:p15="http://schemas.microsoft.com/office/powerpoint/2012/main" xmlns:ahyp="http://schemas.microsoft.com/office/drawing/2018/hyperlinkcolor">
+<p:sld xmlns:a="http://schemas.openxmlformats.org/drawingml/2006/main" xmlns:r="http://schemas.openxmlformats.org/officeDocument/2006/relationships" xmlns:p="http://schemas.openxmlformats.org/presentationml/2006/main">
   <p:cSld>
     <p:spTree>
       <p:nvGrpSpPr>
-        <p:cNvPr id="181" name="Shape 181"/>
+        <p:cNvPr id="1" name="Shape 181"/>
         <p:cNvGrpSpPr/>
         <p:nvPr/>
       </p:nvGrpSpPr>
@@ -11589,7 +11594,9 @@
       <p:sp>
         <p:nvSpPr>
           <p:cNvPr id="182" name="Google Shape;182;p21"/>
-          <p:cNvSpPr txBox="1"/>
+          <p:cNvSpPr txBox="1">
+            <a:spLocks noGrp="1"/>
+          </p:cNvSpPr>
           <p:nvPr>
             <p:ph type="title"/>
           </p:nvPr>
@@ -11604,12 +11611,12 @@
           </a:prstGeom>
         </p:spPr>
         <p:txBody>
-          <a:bodyPr anchorCtr="0" anchor="t" bIns="91425" lIns="91425" spcFirstLastPara="1" rIns="91425" wrap="square" tIns="91425">
+          <a:bodyPr spcFirstLastPara="1" wrap="square" lIns="91425" tIns="91425" rIns="91425" bIns="91425" anchor="t" anchorCtr="0">
             <a:normAutofit/>
           </a:bodyPr>
           <a:lstStyle/>
           <a:p>
-            <a:pPr indent="0" lvl="0" marL="0" rtl="0" algn="l">
+            <a:pPr marL="0" lvl="0" indent="0" algn="l" rtl="0">
               <a:spcBef>
                 <a:spcPts val="0"/>
               </a:spcBef>
@@ -11629,9 +11636,11 @@
       <p:sp>
         <p:nvSpPr>
           <p:cNvPr id="183" name="Google Shape;183;p21"/>
-          <p:cNvSpPr txBox="1"/>
+          <p:cNvSpPr txBox="1">
+            <a:spLocks noGrp="1"/>
+          </p:cNvSpPr>
           <p:nvPr>
-            <p:ph idx="1" type="body"/>
+            <p:ph type="body" idx="1"/>
           </p:nvPr>
         </p:nvSpPr>
         <p:spPr>
@@ -11644,12 +11653,12 @@
           </a:prstGeom>
         </p:spPr>
         <p:txBody>
-          <a:bodyPr anchorCtr="0" anchor="t" bIns="91425" lIns="91425" spcFirstLastPara="1" rIns="91425" wrap="square" tIns="91425">
+          <a:bodyPr spcFirstLastPara="1" wrap="square" lIns="91425" tIns="91425" rIns="91425" bIns="91425" anchor="t" anchorCtr="0">
             <a:normAutofit/>
           </a:bodyPr>
           <a:lstStyle/>
           <a:p>
-            <a:pPr indent="0" lvl="0" marL="0" rtl="0" algn="l">
+            <a:pPr marL="0" lvl="0" indent="0" algn="l" rtl="0">
               <a:spcBef>
                 <a:spcPts val="0"/>
               </a:spcBef>
@@ -11665,7 +11674,7 @@
             <a:endParaRPr sz="1500"/>
           </a:p>
           <a:p>
-            <a:pPr indent="-323850" lvl="0" marL="457200" rtl="0" algn="l">
+            <a:pPr marL="457200" lvl="0" indent="-323850" algn="l" rtl="0">
               <a:spcBef>
                 <a:spcPts val="1200"/>
               </a:spcBef>
@@ -11682,7 +11691,7 @@
             <a:endParaRPr sz="1500"/>
           </a:p>
           <a:p>
-            <a:pPr indent="-323850" lvl="0" marL="457200" rtl="0" algn="l">
+            <a:pPr marL="457200" lvl="0" indent="-323850" algn="l" rtl="0">
               <a:spcBef>
                 <a:spcPts val="0"/>
               </a:spcBef>
@@ -11699,7 +11708,7 @@
             <a:endParaRPr sz="1500"/>
           </a:p>
           <a:p>
-            <a:pPr indent="-323850" lvl="0" marL="457200" rtl="0" algn="l">
+            <a:pPr marL="457200" lvl="0" indent="-323850" algn="l" rtl="0">
               <a:spcBef>
                 <a:spcPts val="0"/>
               </a:spcBef>
@@ -11716,7 +11725,7 @@
             <a:endParaRPr sz="1500"/>
           </a:p>
           <a:p>
-            <a:pPr indent="-323850" lvl="0" marL="457200" rtl="0" algn="l">
+            <a:pPr marL="457200" lvl="0" indent="-323850" algn="l" rtl="0">
               <a:spcBef>
                 <a:spcPts val="0"/>
               </a:spcBef>
@@ -11733,7 +11742,7 @@
             <a:endParaRPr sz="1500"/>
           </a:p>
           <a:p>
-            <a:pPr indent="0" lvl="0" marL="0" rtl="0" algn="l">
+            <a:pPr marL="0" lvl="0" indent="0" algn="l" rtl="0">
               <a:spcBef>
                 <a:spcPts val="1200"/>
               </a:spcBef>
@@ -11762,7 +11771,7 @@
             <a:endParaRPr sz="1500"/>
           </a:p>
           <a:p>
-            <a:pPr indent="0" lvl="0" marL="0" rtl="0" algn="l">
+            <a:pPr marL="0" lvl="0" indent="0" algn="l" rtl="0">
               <a:spcBef>
                 <a:spcPts val="1200"/>
               </a:spcBef>
@@ -11771,9 +11780,6 @@
               </a:spcAft>
               <a:buNone/>
             </a:pPr>
-            <a:r>
-              <a:t/>
-            </a:r>
             <a:endParaRPr sz="1500"/>
           </a:p>
         </p:txBody>
@@ -11787,7 +11793,288 @@
 </file>
 
 <file path=ppt/theme/theme1.xml><?xml version="1.0" encoding="utf-8"?>
-<a:theme xmlns:a="http://schemas.openxmlformats.org/drawingml/2006/main" xmlns:r="http://schemas.openxmlformats.org/officeDocument/2006/relationships">
+<a:theme xmlns:a="http://schemas.openxmlformats.org/drawingml/2006/main" name="Focus">
+  <a:themeElements>
+    <a:clrScheme name="Focus">
+      <a:dk1>
+        <a:srgbClr val="1B212C"/>
+      </a:dk1>
+      <a:lt1>
+        <a:srgbClr val="FFFFFF"/>
+      </a:lt1>
+      <a:dk2>
+        <a:srgbClr val="D9D9D9"/>
+      </a:dk2>
+      <a:lt2>
+        <a:srgbClr val="82C7A5"/>
+      </a:lt2>
+      <a:accent1>
+        <a:srgbClr val="0145AC"/>
+      </a:accent1>
+      <a:accent2>
+        <a:srgbClr val="EECE1A"/>
+      </a:accent2>
+      <a:accent3>
+        <a:srgbClr val="4E5567"/>
+      </a:accent3>
+      <a:accent4>
+        <a:srgbClr val="F4D6AD"/>
+      </a:accent4>
+      <a:accent5>
+        <a:srgbClr val="7890CD"/>
+      </a:accent5>
+      <a:accent6>
+        <a:srgbClr val="F15E22"/>
+      </a:accent6>
+      <a:hlink>
+        <a:srgbClr val="7890CD"/>
+      </a:hlink>
+      <a:folHlink>
+        <a:srgbClr val="7890CD"/>
+      </a:folHlink>
+    </a:clrScheme>
+    <a:fontScheme name="Office">
+      <a:majorFont>
+        <a:latin typeface="Arial"/>
+        <a:ea typeface=""/>
+        <a:cs typeface=""/>
+        <a:font script="Jpan" typeface="ＭＳ Ｐゴシック"/>
+        <a:font script="Hang" typeface="맑은 고딕"/>
+        <a:font script="Hans" typeface="宋体"/>
+        <a:font script="Hant" typeface="新細明體"/>
+        <a:font script="Arab" typeface="Times New Roman"/>
+        <a:font script="Hebr" typeface="Times New Roman"/>
+        <a:font script="Thai" typeface="Angsana New"/>
+        <a:font script="Ethi" typeface="Nyala"/>
+        <a:font script="Beng" typeface="Vrinda"/>
+        <a:font script="Gujr" typeface="Shruti"/>
+        <a:font script="Khmr" typeface="MoolBoran"/>
+        <a:font script="Knda" typeface="Tunga"/>
+        <a:font script="Guru" typeface="Raavi"/>
+        <a:font script="Cans" typeface="Euphemia"/>
+        <a:font script="Cher" typeface="Plantagenet Cherokee"/>
+        <a:font script="Yiii" typeface="Microsoft Yi Baiti"/>
+        <a:font script="Tibt" typeface="Microsoft Himalaya"/>
+        <a:font script="Thaa" typeface="MV Boli"/>
+        <a:font script="Deva" typeface="Mangal"/>
+        <a:font script="Telu" typeface="Gautami"/>
+        <a:font script="Taml" typeface="Latha"/>
+        <a:font script="Syrc" typeface="Estrangelo Edessa"/>
+        <a:font script="Orya" typeface="Kalinga"/>
+        <a:font script="Mlym" typeface="Kartika"/>
+        <a:font script="Laoo" typeface="DokChampa"/>
+        <a:font script="Sinh" typeface="Iskoola Pota"/>
+        <a:font script="Mong" typeface="Mongolian Baiti"/>
+        <a:font script="Viet" typeface="Times New Roman"/>
+        <a:font script="Uigh" typeface="Microsoft Uighur"/>
+        <a:font script="Geor" typeface="Sylfaen"/>
+      </a:majorFont>
+      <a:minorFont>
+        <a:latin typeface="Arial"/>
+        <a:ea typeface=""/>
+        <a:cs typeface=""/>
+        <a:font script="Jpan" typeface="ＭＳ Ｐゴシック"/>
+        <a:font script="Hang" typeface="맑은 고딕"/>
+        <a:font script="Hans" typeface="宋体"/>
+        <a:font script="Hant" typeface="新細明體"/>
+        <a:font script="Arab" typeface="Arial"/>
+        <a:font script="Hebr" typeface="Arial"/>
+        <a:font script="Thai" typeface="Cordia New"/>
+        <a:font script="Ethi" typeface="Nyala"/>
+        <a:font script="Beng" typeface="Vrinda"/>
+        <a:font script="Gujr" typeface="Shruti"/>
+        <a:font script="Khmr" typeface="DaunPenh"/>
+        <a:font script="Knda" typeface="Tunga"/>
+        <a:font script="Guru" typeface="Raavi"/>
+        <a:font script="Cans" typeface="Euphemia"/>
+        <a:font script="Cher" typeface="Plantagenet Cherokee"/>
+        <a:font script="Yiii" typeface="Microsoft Yi Baiti"/>
+        <a:font script="Tibt" typeface="Microsoft Himalaya"/>
+        <a:font script="Thaa" typeface="MV Boli"/>
+        <a:font script="Deva" typeface="Mangal"/>
+        <a:font script="Telu" typeface="Gautami"/>
+        <a:font script="Taml" typeface="Latha"/>
+        <a:font script="Syrc" typeface="Estrangelo Edessa"/>
+        <a:font script="Orya" typeface="Kalinga"/>
+        <a:font script="Mlym" typeface="Kartika"/>
+        <a:font script="Laoo" typeface="DokChampa"/>
+        <a:font script="Sinh" typeface="Iskoola Pota"/>
+        <a:font script="Mong" typeface="Mongolian Baiti"/>
+        <a:font script="Viet" typeface="Arial"/>
+        <a:font script="Uigh" typeface="Microsoft Uighur"/>
+        <a:font script="Geor" typeface="Sylfaen"/>
+      </a:minorFont>
+    </a:fontScheme>
+    <a:fmtScheme name="Office">
+      <a:fillStyleLst>
+        <a:solidFill>
+          <a:schemeClr val="phClr"/>
+        </a:solidFill>
+        <a:gradFill rotWithShape="1">
+          <a:gsLst>
+            <a:gs pos="0">
+              <a:schemeClr val="phClr">
+                <a:tint val="50000"/>
+                <a:satMod val="300000"/>
+              </a:schemeClr>
+            </a:gs>
+            <a:gs pos="35000">
+              <a:schemeClr val="phClr">
+                <a:tint val="37000"/>
+                <a:satMod val="300000"/>
+              </a:schemeClr>
+            </a:gs>
+            <a:gs pos="100000">
+              <a:schemeClr val="phClr">
+                <a:tint val="15000"/>
+                <a:satMod val="350000"/>
+              </a:schemeClr>
+            </a:gs>
+          </a:gsLst>
+          <a:lin ang="16200000" scaled="1"/>
+        </a:gradFill>
+        <a:gradFill rotWithShape="1">
+          <a:gsLst>
+            <a:gs pos="0">
+              <a:schemeClr val="phClr">
+                <a:tint val="100000"/>
+                <a:shade val="100000"/>
+                <a:satMod val="130000"/>
+              </a:schemeClr>
+            </a:gs>
+            <a:gs pos="100000">
+              <a:schemeClr val="phClr">
+                <a:tint val="50000"/>
+                <a:shade val="100000"/>
+                <a:satMod val="350000"/>
+              </a:schemeClr>
+            </a:gs>
+          </a:gsLst>
+          <a:lin ang="16200000" scaled="0"/>
+        </a:gradFill>
+      </a:fillStyleLst>
+      <a:lnStyleLst>
+        <a:ln w="9525" cap="flat" cmpd="sng" algn="ctr">
+          <a:solidFill>
+            <a:schemeClr val="phClr">
+              <a:shade val="95000"/>
+              <a:satMod val="105000"/>
+            </a:schemeClr>
+          </a:solidFill>
+          <a:prstDash val="solid"/>
+        </a:ln>
+        <a:ln w="25400" cap="flat" cmpd="sng" algn="ctr">
+          <a:solidFill>
+            <a:schemeClr val="phClr"/>
+          </a:solidFill>
+          <a:prstDash val="solid"/>
+        </a:ln>
+        <a:ln w="38100" cap="flat" cmpd="sng" algn="ctr">
+          <a:solidFill>
+            <a:schemeClr val="phClr"/>
+          </a:solidFill>
+          <a:prstDash val="solid"/>
+        </a:ln>
+      </a:lnStyleLst>
+      <a:effectStyleLst>
+        <a:effectStyle>
+          <a:effectLst>
+            <a:outerShdw blurRad="40000" dist="20000" dir="5400000" rotWithShape="0">
+              <a:srgbClr val="000000">
+                <a:alpha val="38000"/>
+              </a:srgbClr>
+            </a:outerShdw>
+          </a:effectLst>
+        </a:effectStyle>
+        <a:effectStyle>
+          <a:effectLst>
+            <a:outerShdw blurRad="40000" dist="23000" dir="5400000" rotWithShape="0">
+              <a:srgbClr val="000000">
+                <a:alpha val="35000"/>
+              </a:srgbClr>
+            </a:outerShdw>
+          </a:effectLst>
+        </a:effectStyle>
+        <a:effectStyle>
+          <a:effectLst>
+            <a:outerShdw blurRad="40000" dist="23000" dir="5400000" rotWithShape="0">
+              <a:srgbClr val="000000">
+                <a:alpha val="35000"/>
+              </a:srgbClr>
+            </a:outerShdw>
+          </a:effectLst>
+          <a:scene3d>
+            <a:camera prst="orthographicFront">
+              <a:rot lat="0" lon="0" rev="0"/>
+            </a:camera>
+            <a:lightRig rig="threePt" dir="t">
+              <a:rot lat="0" lon="0" rev="1200000"/>
+            </a:lightRig>
+          </a:scene3d>
+          <a:sp3d>
+            <a:bevelT w="63500" h="25400"/>
+          </a:sp3d>
+        </a:effectStyle>
+      </a:effectStyleLst>
+      <a:bgFillStyleLst>
+        <a:solidFill>
+          <a:schemeClr val="phClr"/>
+        </a:solidFill>
+        <a:gradFill rotWithShape="1">
+          <a:gsLst>
+            <a:gs pos="0">
+              <a:schemeClr val="phClr">
+                <a:tint val="40000"/>
+                <a:satMod val="350000"/>
+              </a:schemeClr>
+            </a:gs>
+            <a:gs pos="40000">
+              <a:schemeClr val="phClr">
+                <a:tint val="45000"/>
+                <a:shade val="99000"/>
+                <a:satMod val="350000"/>
+              </a:schemeClr>
+            </a:gs>
+            <a:gs pos="100000">
+              <a:schemeClr val="phClr">
+                <a:shade val="20000"/>
+                <a:satMod val="255000"/>
+              </a:schemeClr>
+            </a:gs>
+          </a:gsLst>
+          <a:path path="circle">
+            <a:fillToRect l="50000" t="-80000" r="50000" b="180000"/>
+          </a:path>
+        </a:gradFill>
+        <a:gradFill rotWithShape="1">
+          <a:gsLst>
+            <a:gs pos="0">
+              <a:schemeClr val="phClr">
+                <a:tint val="80000"/>
+                <a:satMod val="300000"/>
+              </a:schemeClr>
+            </a:gs>
+            <a:gs pos="100000">
+              <a:schemeClr val="phClr">
+                <a:shade val="30000"/>
+                <a:satMod val="200000"/>
+              </a:schemeClr>
+            </a:gs>
+          </a:gsLst>
+          <a:path path="circle">
+            <a:fillToRect l="50000" t="50000" r="50000" b="50000"/>
+          </a:path>
+        </a:gradFill>
+      </a:bgFillStyleLst>
+    </a:fmtScheme>
+  </a:themeElements>
+  <a:objectDefaults/>
+  <a:extraClrSchemeLst/>
+</a:theme>
+</file>
+
+<file path=ppt/theme/theme2.xml><?xml version="1.0" encoding="utf-8"?>
+<a:theme xmlns:a="http://schemas.openxmlformats.org/drawingml/2006/main">
   <a:themeElements>
     <a:clrScheme name="Default">
       <a:dk1>
@@ -12062,284 +12349,7 @@
       </a:bgFillStyleLst>
     </a:fmtScheme>
   </a:themeElements>
-</a:theme>
-</file>
-
-<file path=ppt/theme/theme2.xml><?xml version="1.0" encoding="utf-8"?>
-<a:theme xmlns:a="http://schemas.openxmlformats.org/drawingml/2006/main" xmlns:r="http://schemas.openxmlformats.org/officeDocument/2006/relationships" name="Focus">
-  <a:themeElements>
-    <a:clrScheme name="Focus">
-      <a:dk1>
-        <a:srgbClr val="1B212C"/>
-      </a:dk1>
-      <a:lt1>
-        <a:srgbClr val="FFFFFF"/>
-      </a:lt1>
-      <a:dk2>
-        <a:srgbClr val="D9D9D9"/>
-      </a:dk2>
-      <a:lt2>
-        <a:srgbClr val="82C7A5"/>
-      </a:lt2>
-      <a:accent1>
-        <a:srgbClr val="0145AC"/>
-      </a:accent1>
-      <a:accent2>
-        <a:srgbClr val="EECE1A"/>
-      </a:accent2>
-      <a:accent3>
-        <a:srgbClr val="4E5567"/>
-      </a:accent3>
-      <a:accent4>
-        <a:srgbClr val="F4D6AD"/>
-      </a:accent4>
-      <a:accent5>
-        <a:srgbClr val="7890CD"/>
-      </a:accent5>
-      <a:accent6>
-        <a:srgbClr val="F15E22"/>
-      </a:accent6>
-      <a:hlink>
-        <a:srgbClr val="7890CD"/>
-      </a:hlink>
-      <a:folHlink>
-        <a:srgbClr val="7890CD"/>
-      </a:folHlink>
-    </a:clrScheme>
-    <a:fontScheme name="Office">
-      <a:majorFont>
-        <a:latin typeface="Arial"/>
-        <a:ea typeface=""/>
-        <a:cs typeface=""/>
-        <a:font script="Jpan" typeface="ＭＳ Ｐゴシック"/>
-        <a:font script="Hang" typeface="맑은 고딕"/>
-        <a:font script="Hans" typeface="宋体"/>
-        <a:font script="Hant" typeface="新細明體"/>
-        <a:font script="Arab" typeface="Times New Roman"/>
-        <a:font script="Hebr" typeface="Times New Roman"/>
-        <a:font script="Thai" typeface="Angsana New"/>
-        <a:font script="Ethi" typeface="Nyala"/>
-        <a:font script="Beng" typeface="Vrinda"/>
-        <a:font script="Gujr" typeface="Shruti"/>
-        <a:font script="Khmr" typeface="MoolBoran"/>
-        <a:font script="Knda" typeface="Tunga"/>
-        <a:font script="Guru" typeface="Raavi"/>
-        <a:font script="Cans" typeface="Euphemia"/>
-        <a:font script="Cher" typeface="Plantagenet Cherokee"/>
-        <a:font script="Yiii" typeface="Microsoft Yi Baiti"/>
-        <a:font script="Tibt" typeface="Microsoft Himalaya"/>
-        <a:font script="Thaa" typeface="MV Boli"/>
-        <a:font script="Deva" typeface="Mangal"/>
-        <a:font script="Telu" typeface="Gautami"/>
-        <a:font script="Taml" typeface="Latha"/>
-        <a:font script="Syrc" typeface="Estrangelo Edessa"/>
-        <a:font script="Orya" typeface="Kalinga"/>
-        <a:font script="Mlym" typeface="Kartika"/>
-        <a:font script="Laoo" typeface="DokChampa"/>
-        <a:font script="Sinh" typeface="Iskoola Pota"/>
-        <a:font script="Mong" typeface="Mongolian Baiti"/>
-        <a:font script="Viet" typeface="Times New Roman"/>
-        <a:font script="Uigh" typeface="Microsoft Uighur"/>
-        <a:font script="Geor" typeface="Sylfaen"/>
-      </a:majorFont>
-      <a:minorFont>
-        <a:latin typeface="Arial"/>
-        <a:ea typeface=""/>
-        <a:cs typeface=""/>
-        <a:font script="Jpan" typeface="ＭＳ Ｐゴシック"/>
-        <a:font script="Hang" typeface="맑은 고딕"/>
-        <a:font script="Hans" typeface="宋体"/>
-        <a:font script="Hant" typeface="新細明體"/>
-        <a:font script="Arab" typeface="Arial"/>
-        <a:font script="Hebr" typeface="Arial"/>
-        <a:font script="Thai" typeface="Cordia New"/>
-        <a:font script="Ethi" typeface="Nyala"/>
-        <a:font script="Beng" typeface="Vrinda"/>
-        <a:font script="Gujr" typeface="Shruti"/>
-        <a:font script="Khmr" typeface="DaunPenh"/>
-        <a:font script="Knda" typeface="Tunga"/>
-        <a:font script="Guru" typeface="Raavi"/>
-        <a:font script="Cans" typeface="Euphemia"/>
-        <a:font script="Cher" typeface="Plantagenet Cherokee"/>
-        <a:font script="Yiii" typeface="Microsoft Yi Baiti"/>
-        <a:font script="Tibt" typeface="Microsoft Himalaya"/>
-        <a:font script="Thaa" typeface="MV Boli"/>
-        <a:font script="Deva" typeface="Mangal"/>
-        <a:font script="Telu" typeface="Gautami"/>
-        <a:font script="Taml" typeface="Latha"/>
-        <a:font script="Syrc" typeface="Estrangelo Edessa"/>
-        <a:font script="Orya" typeface="Kalinga"/>
-        <a:font script="Mlym" typeface="Kartika"/>
-        <a:font script="Laoo" typeface="DokChampa"/>
-        <a:font script="Sinh" typeface="Iskoola Pota"/>
-        <a:font script="Mong" typeface="Mongolian Baiti"/>
-        <a:font script="Viet" typeface="Arial"/>
-        <a:font script="Uigh" typeface="Microsoft Uighur"/>
-        <a:font script="Geor" typeface="Sylfaen"/>
-      </a:minorFont>
-    </a:fontScheme>
-    <a:fmtScheme name="Office">
-      <a:fillStyleLst>
-        <a:solidFill>
-          <a:schemeClr val="phClr"/>
-        </a:solidFill>
-        <a:gradFill rotWithShape="1">
-          <a:gsLst>
-            <a:gs pos="0">
-              <a:schemeClr val="phClr">
-                <a:tint val="50000"/>
-                <a:satMod val="300000"/>
-              </a:schemeClr>
-            </a:gs>
-            <a:gs pos="35000">
-              <a:schemeClr val="phClr">
-                <a:tint val="37000"/>
-                <a:satMod val="300000"/>
-              </a:schemeClr>
-            </a:gs>
-            <a:gs pos="100000">
-              <a:schemeClr val="phClr">
-                <a:tint val="15000"/>
-                <a:satMod val="350000"/>
-              </a:schemeClr>
-            </a:gs>
-          </a:gsLst>
-          <a:lin ang="16200000" scaled="1"/>
-        </a:gradFill>
-        <a:gradFill rotWithShape="1">
-          <a:gsLst>
-            <a:gs pos="0">
-              <a:schemeClr val="phClr">
-                <a:tint val="100000"/>
-                <a:shade val="100000"/>
-                <a:satMod val="130000"/>
-              </a:schemeClr>
-            </a:gs>
-            <a:gs pos="100000">
-              <a:schemeClr val="phClr">
-                <a:tint val="50000"/>
-                <a:shade val="100000"/>
-                <a:satMod val="350000"/>
-              </a:schemeClr>
-            </a:gs>
-          </a:gsLst>
-          <a:lin ang="16200000" scaled="0"/>
-        </a:gradFill>
-      </a:fillStyleLst>
-      <a:lnStyleLst>
-        <a:ln w="9525" cap="flat" cmpd="sng" algn="ctr">
-          <a:solidFill>
-            <a:schemeClr val="phClr">
-              <a:shade val="95000"/>
-              <a:satMod val="105000"/>
-            </a:schemeClr>
-          </a:solidFill>
-          <a:prstDash val="solid"/>
-        </a:ln>
-        <a:ln w="25400" cap="flat" cmpd="sng" algn="ctr">
-          <a:solidFill>
-            <a:schemeClr val="phClr"/>
-          </a:solidFill>
-          <a:prstDash val="solid"/>
-        </a:ln>
-        <a:ln w="38100" cap="flat" cmpd="sng" algn="ctr">
-          <a:solidFill>
-            <a:schemeClr val="phClr"/>
-          </a:solidFill>
-          <a:prstDash val="solid"/>
-        </a:ln>
-      </a:lnStyleLst>
-      <a:effectStyleLst>
-        <a:effectStyle>
-          <a:effectLst>
-            <a:outerShdw blurRad="40000" dist="20000" dir="5400000" rotWithShape="0">
-              <a:srgbClr val="000000">
-                <a:alpha val="38000"/>
-              </a:srgbClr>
-            </a:outerShdw>
-          </a:effectLst>
-        </a:effectStyle>
-        <a:effectStyle>
-          <a:effectLst>
-            <a:outerShdw blurRad="40000" dist="23000" dir="5400000" rotWithShape="0">
-              <a:srgbClr val="000000">
-                <a:alpha val="35000"/>
-              </a:srgbClr>
-            </a:outerShdw>
-          </a:effectLst>
-        </a:effectStyle>
-        <a:effectStyle>
-          <a:effectLst>
-            <a:outerShdw blurRad="40000" dist="23000" dir="5400000" rotWithShape="0">
-              <a:srgbClr val="000000">
-                <a:alpha val="35000"/>
-              </a:srgbClr>
-            </a:outerShdw>
-          </a:effectLst>
-          <a:scene3d>
-            <a:camera prst="orthographicFront">
-              <a:rot lat="0" lon="0" rev="0"/>
-            </a:camera>
-            <a:lightRig rig="threePt" dir="t">
-              <a:rot lat="0" lon="0" rev="1200000"/>
-            </a:lightRig>
-          </a:scene3d>
-          <a:sp3d>
-            <a:bevelT w="63500" h="25400"/>
-          </a:sp3d>
-        </a:effectStyle>
-      </a:effectStyleLst>
-      <a:bgFillStyleLst>
-        <a:solidFill>
-          <a:schemeClr val="phClr"/>
-        </a:solidFill>
-        <a:gradFill rotWithShape="1">
-          <a:gsLst>
-            <a:gs pos="0">
-              <a:schemeClr val="phClr">
-                <a:tint val="40000"/>
-                <a:satMod val="350000"/>
-              </a:schemeClr>
-            </a:gs>
-            <a:gs pos="40000">
-              <a:schemeClr val="phClr">
-                <a:tint val="45000"/>
-                <a:shade val="99000"/>
-                <a:satMod val="350000"/>
-              </a:schemeClr>
-            </a:gs>
-            <a:gs pos="100000">
-              <a:schemeClr val="phClr">
-                <a:shade val="20000"/>
-                <a:satMod val="255000"/>
-              </a:schemeClr>
-            </a:gs>
-          </a:gsLst>
-          <a:path path="circle">
-            <a:fillToRect l="50000" t="-80000" r="50000" b="180000"/>
-          </a:path>
-        </a:gradFill>
-        <a:gradFill rotWithShape="1">
-          <a:gsLst>
-            <a:gs pos="0">
-              <a:schemeClr val="phClr">
-                <a:tint val="80000"/>
-                <a:satMod val="300000"/>
-              </a:schemeClr>
-            </a:gs>
-            <a:gs pos="100000">
-              <a:schemeClr val="phClr">
-                <a:shade val="30000"/>
-                <a:satMod val="200000"/>
-              </a:schemeClr>
-            </a:gs>
-          </a:gsLst>
-          <a:path path="circle">
-            <a:fillToRect l="50000" t="50000" r="50000" b="50000"/>
-          </a:path>
-        </a:gradFill>
-      </a:bgFillStyleLst>
-    </a:fmtScheme>
-  </a:themeElements>
+  <a:objectDefaults/>
+  <a:extraClrSchemeLst/>
 </a:theme>
 </file>
--- a/presentation_ru.pptx
+++ b/presentation_ru.pptx
@@ -1,45 +1,45 @@
 
 <file path=ppt/presentation.xml><?xml version="1.0" encoding="utf-8"?>
-<p:presentation xmlns:a="http://schemas.openxmlformats.org/drawingml/2006/main" xmlns:r="http://schemas.openxmlformats.org/officeDocument/2006/relationships" xmlns:p="http://schemas.openxmlformats.org/presentationml/2006/main" strictFirstAndLastChars="0" embedTrueTypeFonts="1" saveSubsetFonts="1" autoCompressPictures="0">
+<p:presentation xmlns:a="http://schemas.openxmlformats.org/drawingml/2006/main" xmlns:r="http://schemas.openxmlformats.org/officeDocument/2006/relationships" xmlns:mc="http://schemas.openxmlformats.org/markup-compatibility/2006" xmlns:mv="urn:schemas-microsoft-com:mac:vml" xmlns:p="http://schemas.openxmlformats.org/presentationml/2006/main" xmlns:c="http://schemas.openxmlformats.org/drawingml/2006/chart" xmlns:dgm="http://schemas.openxmlformats.org/drawingml/2006/diagram" xmlns:o="urn:schemas-microsoft-com:office:office" xmlns:v="urn:schemas-microsoft-com:vml" xmlns:pvml="urn:schemas-microsoft-com:office:powerpoint" xmlns:com="http://schemas.openxmlformats.org/drawingml/2006/compatibility" xmlns:p14="http://schemas.microsoft.com/office/powerpoint/2010/main" xmlns:p15="http://schemas.microsoft.com/office/powerpoint/2012/main" xmlns:ahyp="http://schemas.microsoft.com/office/drawing/2018/hyperlinkcolor" autoCompressPictures="0" embedTrueTypeFonts="1" strictFirstAndLastChars="0" saveSubsetFonts="1">
   <p:sldMasterIdLst>
-    <p:sldMasterId id="2147483659" r:id="rId1"/>
+    <p:sldMasterId id="2147483659" r:id="rId4"/>
   </p:sldMasterIdLst>
   <p:notesMasterIdLst>
-    <p:notesMasterId r:id="rId13"/>
+    <p:notesMasterId r:id="rId5"/>
   </p:notesMasterIdLst>
   <p:sldIdLst>
-    <p:sldId id="256" r:id="rId2"/>
-    <p:sldId id="257" r:id="rId3"/>
-    <p:sldId id="258" r:id="rId4"/>
-    <p:sldId id="259" r:id="rId5"/>
-    <p:sldId id="260" r:id="rId6"/>
-    <p:sldId id="261" r:id="rId7"/>
-    <p:sldId id="262" r:id="rId8"/>
-    <p:sldId id="263" r:id="rId9"/>
-    <p:sldId id="264" r:id="rId10"/>
-    <p:sldId id="265" r:id="rId11"/>
-    <p:sldId id="266" r:id="rId12"/>
+    <p:sldId id="256" r:id="rId6"/>
+    <p:sldId id="257" r:id="rId7"/>
+    <p:sldId id="258" r:id="rId8"/>
+    <p:sldId id="259" r:id="rId9"/>
+    <p:sldId id="260" r:id="rId10"/>
+    <p:sldId id="261" r:id="rId11"/>
+    <p:sldId id="262" r:id="rId12"/>
+    <p:sldId id="263" r:id="rId13"/>
+    <p:sldId id="264" r:id="rId14"/>
+    <p:sldId id="265" r:id="rId15"/>
+    <p:sldId id="266" r:id="rId16"/>
   </p:sldIdLst>
-  <p:sldSz cx="9144000" cy="5143500" type="screen16x9"/>
+  <p:sldSz cy="5143500" cx="9144000"/>
   <p:notesSz cx="6858000" cy="9144000"/>
   <p:embeddedFontLst>
     <p:embeddedFont>
-      <p:font typeface="Montserrat" panose="020B0604020202020204" charset="-52"/>
-      <p:regular r:id="rId14"/>
-      <p:bold r:id="rId15"/>
-      <p:italic r:id="rId16"/>
-      <p:boldItalic r:id="rId17"/>
+      <p:font typeface="Montserrat"/>
+      <p:regular r:id="rId17"/>
+      <p:bold r:id="rId18"/>
+      <p:italic r:id="rId19"/>
+      <p:boldItalic r:id="rId20"/>
     </p:embeddedFont>
     <p:embeddedFont>
-      <p:font typeface="Lato" panose="020B0604020202020204" charset="0"/>
-      <p:regular r:id="rId18"/>
-      <p:bold r:id="rId19"/>
-      <p:italic r:id="rId20"/>
-      <p:boldItalic r:id="rId21"/>
+      <p:font typeface="Lato"/>
+      <p:regular r:id="rId21"/>
+      <p:bold r:id="rId22"/>
+      <p:italic r:id="rId23"/>
+      <p:boldItalic r:id="rId24"/>
     </p:embeddedFont>
   </p:embeddedFontLst>
   <p:defaultTextStyle>
-    <a:defPPr marR="0" lvl="0" algn="l" rtl="0">
+    <a:defPPr lvl="0" marR="0" rtl="0" algn="l">
       <a:lnSpc>
         <a:spcPct val="100000"/>
       </a:lnSpc>
@@ -50,7 +50,7 @@
         <a:spcPts val="0"/>
       </a:spcAft>
     </a:defPPr>
-    <a:lvl1pPr marR="0" lvl="0" algn="l" rtl="0">
+    <a:lvl1pPr lvl="0" marR="0" rtl="0" algn="l">
       <a:lnSpc>
         <a:spcPct val="100000"/>
       </a:lnSpc>
@@ -64,7 +64,7 @@
         <a:srgbClr val="000000"/>
       </a:buClr>
       <a:buFont typeface="Arial"/>
-      <a:defRPr sz="1400" b="0" i="0" u="none" strike="noStrike" cap="none">
+      <a:defRPr b="0" i="0" sz="1400" u="none" cap="none" strike="noStrike">
         <a:solidFill>
           <a:srgbClr val="000000"/>
         </a:solidFill>
@@ -74,7 +74,7 @@
         <a:sym typeface="Arial"/>
       </a:defRPr>
     </a:lvl1pPr>
-    <a:lvl2pPr marR="0" lvl="1" algn="l" rtl="0">
+    <a:lvl2pPr lvl="1" marR="0" rtl="0" algn="l">
       <a:lnSpc>
         <a:spcPct val="100000"/>
       </a:lnSpc>
@@ -88,7 +88,7 @@
         <a:srgbClr val="000000"/>
       </a:buClr>
       <a:buFont typeface="Arial"/>
-      <a:defRPr sz="1400" b="0" i="0" u="none" strike="noStrike" cap="none">
+      <a:defRPr b="0" i="0" sz="1400" u="none" cap="none" strike="noStrike">
         <a:solidFill>
           <a:srgbClr val="000000"/>
         </a:solidFill>
@@ -98,7 +98,7 @@
         <a:sym typeface="Arial"/>
       </a:defRPr>
     </a:lvl2pPr>
-    <a:lvl3pPr marR="0" lvl="2" algn="l" rtl="0">
+    <a:lvl3pPr lvl="2" marR="0" rtl="0" algn="l">
       <a:lnSpc>
         <a:spcPct val="100000"/>
       </a:lnSpc>
@@ -112,7 +112,7 @@
         <a:srgbClr val="000000"/>
       </a:buClr>
       <a:buFont typeface="Arial"/>
-      <a:defRPr sz="1400" b="0" i="0" u="none" strike="noStrike" cap="none">
+      <a:defRPr b="0" i="0" sz="1400" u="none" cap="none" strike="noStrike">
         <a:solidFill>
           <a:srgbClr val="000000"/>
         </a:solidFill>
@@ -122,7 +122,7 @@
         <a:sym typeface="Arial"/>
       </a:defRPr>
     </a:lvl3pPr>
-    <a:lvl4pPr marR="0" lvl="3" algn="l" rtl="0">
+    <a:lvl4pPr lvl="3" marR="0" rtl="0" algn="l">
       <a:lnSpc>
         <a:spcPct val="100000"/>
       </a:lnSpc>
@@ -136,7 +136,7 @@
         <a:srgbClr val="000000"/>
       </a:buClr>
       <a:buFont typeface="Arial"/>
-      <a:defRPr sz="1400" b="0" i="0" u="none" strike="noStrike" cap="none">
+      <a:defRPr b="0" i="0" sz="1400" u="none" cap="none" strike="noStrike">
         <a:solidFill>
           <a:srgbClr val="000000"/>
         </a:solidFill>
@@ -146,7 +146,7 @@
         <a:sym typeface="Arial"/>
       </a:defRPr>
     </a:lvl4pPr>
-    <a:lvl5pPr marR="0" lvl="4" algn="l" rtl="0">
+    <a:lvl5pPr lvl="4" marR="0" rtl="0" algn="l">
       <a:lnSpc>
         <a:spcPct val="100000"/>
       </a:lnSpc>
@@ -160,7 +160,7 @@
         <a:srgbClr val="000000"/>
       </a:buClr>
       <a:buFont typeface="Arial"/>
-      <a:defRPr sz="1400" b="0" i="0" u="none" strike="noStrike" cap="none">
+      <a:defRPr b="0" i="0" sz="1400" u="none" cap="none" strike="noStrike">
         <a:solidFill>
           <a:srgbClr val="000000"/>
         </a:solidFill>
@@ -170,7 +170,7 @@
         <a:sym typeface="Arial"/>
       </a:defRPr>
     </a:lvl5pPr>
-    <a:lvl6pPr marR="0" lvl="5" algn="l" rtl="0">
+    <a:lvl6pPr lvl="5" marR="0" rtl="0" algn="l">
       <a:lnSpc>
         <a:spcPct val="100000"/>
       </a:lnSpc>
@@ -184,7 +184,7 @@
         <a:srgbClr val="000000"/>
       </a:buClr>
       <a:buFont typeface="Arial"/>
-      <a:defRPr sz="1400" b="0" i="0" u="none" strike="noStrike" cap="none">
+      <a:defRPr b="0" i="0" sz="1400" u="none" cap="none" strike="noStrike">
         <a:solidFill>
           <a:srgbClr val="000000"/>
         </a:solidFill>
@@ -194,7 +194,7 @@
         <a:sym typeface="Arial"/>
       </a:defRPr>
     </a:lvl6pPr>
-    <a:lvl7pPr marR="0" lvl="6" algn="l" rtl="0">
+    <a:lvl7pPr lvl="6" marR="0" rtl="0" algn="l">
       <a:lnSpc>
         <a:spcPct val="100000"/>
       </a:lnSpc>
@@ -208,7 +208,7 @@
         <a:srgbClr val="000000"/>
       </a:buClr>
       <a:buFont typeface="Arial"/>
-      <a:defRPr sz="1400" b="0" i="0" u="none" strike="noStrike" cap="none">
+      <a:defRPr b="0" i="0" sz="1400" u="none" cap="none" strike="noStrike">
         <a:solidFill>
           <a:srgbClr val="000000"/>
         </a:solidFill>
@@ -218,7 +218,7 @@
         <a:sym typeface="Arial"/>
       </a:defRPr>
     </a:lvl7pPr>
-    <a:lvl8pPr marR="0" lvl="7" algn="l" rtl="0">
+    <a:lvl8pPr lvl="7" marR="0" rtl="0" algn="l">
       <a:lnSpc>
         <a:spcPct val="100000"/>
       </a:lnSpc>
@@ -232,7 +232,7 @@
         <a:srgbClr val="000000"/>
       </a:buClr>
       <a:buFont typeface="Arial"/>
-      <a:defRPr sz="1400" b="0" i="0" u="none" strike="noStrike" cap="none">
+      <a:defRPr b="0" i="0" sz="1400" u="none" cap="none" strike="noStrike">
         <a:solidFill>
           <a:srgbClr val="000000"/>
         </a:solidFill>
@@ -242,7 +242,7 @@
         <a:sym typeface="Arial"/>
       </a:defRPr>
     </a:lvl8pPr>
-    <a:lvl9pPr marR="0" lvl="8" algn="l" rtl="0">
+    <a:lvl9pPr lvl="8" marR="0" rtl="0" algn="l">
       <a:lnSpc>
         <a:spcPct val="100000"/>
       </a:lnSpc>
@@ -256,7 +256,7 @@
         <a:srgbClr val="000000"/>
       </a:buClr>
       <a:buFont typeface="Arial"/>
-      <a:defRPr sz="1400" b="0" i="0" u="none" strike="noStrike" cap="none">
+      <a:defRPr b="0" i="0" sz="1400" u="none" cap="none" strike="noStrike">
         <a:solidFill>
           <a:srgbClr val="000000"/>
         </a:solidFill>
@@ -269,7 +269,7 @@
   </p:defaultTextStyle>
   <p:extLst>
     <p:ext uri="{EFAFB233-063F-42B5-8137-9DF3F51BA10A}">
-      <p15:sldGuideLst xmlns:p15="http://schemas.microsoft.com/office/powerpoint/2012/main">
+      <p15:sldGuideLst>
         <p15:guide id="1" orient="horz" pos="1620">
           <p15:clr>
             <a:srgbClr val="A4A3A4"/>
@@ -287,16 +287,11 @@
 </file>
 
 <file path=ppt/notesMasters/notesMaster1.xml><?xml version="1.0" encoding="utf-8"?>
-<p:notesMaster xmlns:a="http://schemas.openxmlformats.org/drawingml/2006/main" xmlns:r="http://schemas.openxmlformats.org/officeDocument/2006/relationships" xmlns:p="http://schemas.openxmlformats.org/presentationml/2006/main">
+<p:notesMaster xmlns:a="http://schemas.openxmlformats.org/drawingml/2006/main" xmlns:r="http://schemas.openxmlformats.org/officeDocument/2006/relationships" xmlns:mc="http://schemas.openxmlformats.org/markup-compatibility/2006" xmlns:mv="urn:schemas-microsoft-com:mac:vml" xmlns:p="http://schemas.openxmlformats.org/presentationml/2006/main" xmlns:c="http://schemas.openxmlformats.org/drawingml/2006/chart" xmlns:dgm="http://schemas.openxmlformats.org/drawingml/2006/diagram" xmlns:o="urn:schemas-microsoft-com:office:office" xmlns:v="urn:schemas-microsoft-com:vml" xmlns:pvml="urn:schemas-microsoft-com:office:powerpoint" xmlns:com="http://schemas.openxmlformats.org/drawingml/2006/compatibility" xmlns:p14="http://schemas.microsoft.com/office/powerpoint/2010/main" xmlns:p15="http://schemas.microsoft.com/office/powerpoint/2012/main" xmlns:ahyp="http://schemas.microsoft.com/office/drawing/2018/hyperlinkcolor">
   <p:cSld>
-    <p:bg>
-      <p:bgRef idx="1001">
-        <a:schemeClr val="bg1"/>
-      </p:bgRef>
-    </p:bg>
     <p:spTree>
       <p:nvGrpSpPr>
-        <p:cNvPr id="1" name="Shape 2"/>
+        <p:cNvPr id="2" name="Shape 2"/>
         <p:cNvGrpSpPr/>
         <p:nvPr/>
       </p:nvGrpSpPr>
@@ -311,11 +306,9 @@
       <p:sp>
         <p:nvSpPr>
           <p:cNvPr id="3" name="Google Shape;3;n"/>
-          <p:cNvSpPr>
-            <a:spLocks noGrp="1" noRot="1" noChangeAspect="1"/>
-          </p:cNvSpPr>
+          <p:cNvSpPr/>
           <p:nvPr>
-            <p:ph type="sldImg" idx="2"/>
+            <p:ph idx="2" type="sldImg"/>
           </p:nvPr>
         </p:nvSpPr>
         <p:spPr>
@@ -324,13 +317,9 @@
             <a:ext cx="6096075" cy="3429000"/>
           </a:xfrm>
           <a:custGeom>
-            <a:avLst/>
-            <a:gdLst/>
-            <a:ahLst/>
-            <a:cxnLst/>
-            <a:rect l="l" t="t" r="r" b="b"/>
+            <a:rect b="b" l="l" r="r" t="t"/>
             <a:pathLst>
-              <a:path w="120000" h="120000" extrusionOk="0">
+              <a:path extrusionOk="0" h="120000" w="120000">
                 <a:moveTo>
                   <a:pt x="0" y="0"/>
                 </a:moveTo>
@@ -348,25 +337,23 @@
             </a:pathLst>
           </a:custGeom>
           <a:noFill/>
-          <a:ln w="9525" cap="flat" cmpd="sng">
+          <a:ln cap="flat" cmpd="sng" w="9525">
             <a:solidFill>
               <a:srgbClr val="000000"/>
             </a:solidFill>
             <a:prstDash val="solid"/>
             <a:round/>
-            <a:headEnd type="none" w="sm" len="sm"/>
-            <a:tailEnd type="none" w="sm" len="sm"/>
+            <a:headEnd len="sm" w="sm" type="none"/>
+            <a:tailEnd len="sm" w="sm" type="none"/>
           </a:ln>
         </p:spPr>
       </p:sp>
       <p:sp>
         <p:nvSpPr>
           <p:cNvPr id="4" name="Google Shape;4;n"/>
-          <p:cNvSpPr txBox="1">
-            <a:spLocks noGrp="1"/>
-          </p:cNvSpPr>
+          <p:cNvSpPr txBox="1"/>
           <p:nvPr>
-            <p:ph type="body" idx="1"/>
+            <p:ph idx="1" type="body"/>
           </p:nvPr>
         </p:nvSpPr>
         <p:spPr>
@@ -383,11 +370,11 @@
           </a:ln>
         </p:spPr>
         <p:txBody>
-          <a:bodyPr spcFirstLastPara="1" wrap="square" lIns="91425" tIns="91425" rIns="91425" bIns="91425" anchor="t" anchorCtr="0">
+          <a:bodyPr anchorCtr="0" anchor="t" bIns="91425" lIns="91425" spcFirstLastPara="1" rIns="91425" wrap="square" tIns="91425">
             <a:noAutofit/>
           </a:bodyPr>
           <a:lstStyle>
-            <a:lvl1pPr marL="457200" lvl="0" indent="-298450">
+            <a:lvl1pPr indent="-298450" lvl="0" marL="457200">
               <a:spcBef>
                 <a:spcPts val="0"/>
               </a:spcBef>
@@ -398,7 +385,7 @@
               <a:buChar char="●"/>
               <a:defRPr sz="1100"/>
             </a:lvl1pPr>
-            <a:lvl2pPr marL="914400" lvl="1" indent="-298450">
+            <a:lvl2pPr indent="-298450" lvl="1" marL="914400">
               <a:spcBef>
                 <a:spcPts val="0"/>
               </a:spcBef>
@@ -409,7 +396,7 @@
               <a:buChar char="○"/>
               <a:defRPr sz="1100"/>
             </a:lvl2pPr>
-            <a:lvl3pPr marL="1371600" lvl="2" indent="-298450">
+            <a:lvl3pPr indent="-298450" lvl="2" marL="1371600">
               <a:spcBef>
                 <a:spcPts val="0"/>
               </a:spcBef>
@@ -420,7 +407,7 @@
               <a:buChar char="■"/>
               <a:defRPr sz="1100"/>
             </a:lvl3pPr>
-            <a:lvl4pPr marL="1828800" lvl="3" indent="-298450">
+            <a:lvl4pPr indent="-298450" lvl="3" marL="1828800">
               <a:spcBef>
                 <a:spcPts val="0"/>
               </a:spcBef>
@@ -431,7 +418,7 @@
               <a:buChar char="●"/>
               <a:defRPr sz="1100"/>
             </a:lvl4pPr>
-            <a:lvl5pPr marL="2286000" lvl="4" indent="-298450">
+            <a:lvl5pPr indent="-298450" lvl="4" marL="2286000">
               <a:spcBef>
                 <a:spcPts val="0"/>
               </a:spcBef>
@@ -442,7 +429,7 @@
               <a:buChar char="○"/>
               <a:defRPr sz="1100"/>
             </a:lvl5pPr>
-            <a:lvl6pPr marL="2743200" lvl="5" indent="-298450">
+            <a:lvl6pPr indent="-298450" lvl="5" marL="2743200">
               <a:spcBef>
                 <a:spcPts val="0"/>
               </a:spcBef>
@@ -453,7 +440,7 @@
               <a:buChar char="■"/>
               <a:defRPr sz="1100"/>
             </a:lvl6pPr>
-            <a:lvl7pPr marL="3200400" lvl="6" indent="-298450">
+            <a:lvl7pPr indent="-298450" lvl="6" marL="3200400">
               <a:spcBef>
                 <a:spcPts val="0"/>
               </a:spcBef>
@@ -464,7 +451,7 @@
               <a:buChar char="●"/>
               <a:defRPr sz="1100"/>
             </a:lvl7pPr>
-            <a:lvl8pPr marL="3657600" lvl="7" indent="-298450">
+            <a:lvl8pPr indent="-298450" lvl="7" marL="3657600">
               <a:spcBef>
                 <a:spcPts val="0"/>
               </a:spcBef>
@@ -475,7 +462,7 @@
               <a:buChar char="○"/>
               <a:defRPr sz="1100"/>
             </a:lvl8pPr>
-            <a:lvl9pPr marL="4114800" lvl="8" indent="-298450">
+            <a:lvl9pPr indent="-298450" lvl="8" marL="4114800">
               <a:spcBef>
                 <a:spcPts val="0"/>
               </a:spcBef>
@@ -487,16 +474,14 @@
               <a:defRPr sz="1100"/>
             </a:lvl9pPr>
           </a:lstStyle>
-          <a:p>
-            <a:endParaRPr/>
-          </a:p>
+          <a:p/>
         </p:txBody>
       </p:sp>
     </p:spTree>
   </p:cSld>
-  <p:clrMap bg1="lt1" tx1="dk1" bg2="dk2" tx2="lt2" accent1="accent1" accent2="accent2" accent3="accent3" accent4="accent4" accent5="accent5" accent6="accent6" hlink="hlink" folHlink="folHlink"/>
+  <p:clrMap accent1="accent1" accent2="accent2" accent3="accent3" accent4="accent4" accent5="accent5" accent6="accent6" bg1="lt1" bg2="dk2" tx1="dk1" tx2="lt2" folHlink="folHlink" hlink="hlink"/>
   <p:notesStyle>
-    <a:defPPr marR="0" lvl="0" algn="l" rtl="0">
+    <a:defPPr lvl="0" marR="0" rtl="0" algn="l">
       <a:lnSpc>
         <a:spcPct val="100000"/>
       </a:lnSpc>
@@ -507,7 +492,7 @@
         <a:spcPts val="0"/>
       </a:spcAft>
     </a:defPPr>
-    <a:lvl1pPr marR="0" lvl="0" algn="l" rtl="0">
+    <a:lvl1pPr lvl="0" marR="0" rtl="0" algn="l">
       <a:lnSpc>
         <a:spcPct val="100000"/>
       </a:lnSpc>
@@ -521,7 +506,7 @@
         <a:srgbClr val="000000"/>
       </a:buClr>
       <a:buFont typeface="Arial"/>
-      <a:defRPr sz="1400" b="0" i="0" u="none" strike="noStrike" cap="none">
+      <a:defRPr b="0" i="0" sz="1400" u="none" cap="none" strike="noStrike">
         <a:solidFill>
           <a:srgbClr val="000000"/>
         </a:solidFill>
@@ -531,7 +516,7 @@
         <a:sym typeface="Arial"/>
       </a:defRPr>
     </a:lvl1pPr>
-    <a:lvl2pPr marR="0" lvl="1" algn="l" rtl="0">
+    <a:lvl2pPr lvl="1" marR="0" rtl="0" algn="l">
       <a:lnSpc>
         <a:spcPct val="100000"/>
       </a:lnSpc>
@@ -545,7 +530,7 @@
         <a:srgbClr val="000000"/>
       </a:buClr>
       <a:buFont typeface="Arial"/>
-      <a:defRPr sz="1400" b="0" i="0" u="none" strike="noStrike" cap="none">
+      <a:defRPr b="0" i="0" sz="1400" u="none" cap="none" strike="noStrike">
         <a:solidFill>
           <a:srgbClr val="000000"/>
         </a:solidFill>
@@ -555,7 +540,7 @@
         <a:sym typeface="Arial"/>
       </a:defRPr>
     </a:lvl2pPr>
-    <a:lvl3pPr marR="0" lvl="2" algn="l" rtl="0">
+    <a:lvl3pPr lvl="2" marR="0" rtl="0" algn="l">
       <a:lnSpc>
         <a:spcPct val="100000"/>
       </a:lnSpc>
@@ -569,7 +554,7 @@
         <a:srgbClr val="000000"/>
       </a:buClr>
       <a:buFont typeface="Arial"/>
-      <a:defRPr sz="1400" b="0" i="0" u="none" strike="noStrike" cap="none">
+      <a:defRPr b="0" i="0" sz="1400" u="none" cap="none" strike="noStrike">
         <a:solidFill>
           <a:srgbClr val="000000"/>
         </a:solidFill>
@@ -579,7 +564,7 @@
         <a:sym typeface="Arial"/>
       </a:defRPr>
     </a:lvl3pPr>
-    <a:lvl4pPr marR="0" lvl="3" algn="l" rtl="0">
+    <a:lvl4pPr lvl="3" marR="0" rtl="0" algn="l">
       <a:lnSpc>
         <a:spcPct val="100000"/>
       </a:lnSpc>
@@ -593,7 +578,7 @@
         <a:srgbClr val="000000"/>
       </a:buClr>
       <a:buFont typeface="Arial"/>
-      <a:defRPr sz="1400" b="0" i="0" u="none" strike="noStrike" cap="none">
+      <a:defRPr b="0" i="0" sz="1400" u="none" cap="none" strike="noStrike">
         <a:solidFill>
           <a:srgbClr val="000000"/>
         </a:solidFill>
@@ -603,7 +588,7 @@
         <a:sym typeface="Arial"/>
       </a:defRPr>
     </a:lvl4pPr>
-    <a:lvl5pPr marR="0" lvl="4" algn="l" rtl="0">
+    <a:lvl5pPr lvl="4" marR="0" rtl="0" algn="l">
       <a:lnSpc>
         <a:spcPct val="100000"/>
       </a:lnSpc>
@@ -617,7 +602,7 @@
         <a:srgbClr val="000000"/>
       </a:buClr>
       <a:buFont typeface="Arial"/>
-      <a:defRPr sz="1400" b="0" i="0" u="none" strike="noStrike" cap="none">
+      <a:defRPr b="0" i="0" sz="1400" u="none" cap="none" strike="noStrike">
         <a:solidFill>
           <a:srgbClr val="000000"/>
         </a:solidFill>
@@ -627,7 +612,7 @@
         <a:sym typeface="Arial"/>
       </a:defRPr>
     </a:lvl5pPr>
-    <a:lvl6pPr marR="0" lvl="5" algn="l" rtl="0">
+    <a:lvl6pPr lvl="5" marR="0" rtl="0" algn="l">
       <a:lnSpc>
         <a:spcPct val="100000"/>
       </a:lnSpc>
@@ -641,7 +626,7 @@
         <a:srgbClr val="000000"/>
       </a:buClr>
       <a:buFont typeface="Arial"/>
-      <a:defRPr sz="1400" b="0" i="0" u="none" strike="noStrike" cap="none">
+      <a:defRPr b="0" i="0" sz="1400" u="none" cap="none" strike="noStrike">
         <a:solidFill>
           <a:srgbClr val="000000"/>
         </a:solidFill>
@@ -651,7 +636,7 @@
         <a:sym typeface="Arial"/>
       </a:defRPr>
     </a:lvl6pPr>
-    <a:lvl7pPr marR="0" lvl="6" algn="l" rtl="0">
+    <a:lvl7pPr lvl="6" marR="0" rtl="0" algn="l">
       <a:lnSpc>
         <a:spcPct val="100000"/>
       </a:lnSpc>
@@ -665,7 +650,7 @@
         <a:srgbClr val="000000"/>
       </a:buClr>
       <a:buFont typeface="Arial"/>
-      <a:defRPr sz="1400" b="0" i="0" u="none" strike="noStrike" cap="none">
+      <a:defRPr b="0" i="0" sz="1400" u="none" cap="none" strike="noStrike">
         <a:solidFill>
           <a:srgbClr val="000000"/>
         </a:solidFill>
@@ -675,7 +660,7 @@
         <a:sym typeface="Arial"/>
       </a:defRPr>
     </a:lvl7pPr>
-    <a:lvl8pPr marR="0" lvl="7" algn="l" rtl="0">
+    <a:lvl8pPr lvl="7" marR="0" rtl="0" algn="l">
       <a:lnSpc>
         <a:spcPct val="100000"/>
       </a:lnSpc>
@@ -689,7 +674,7 @@
         <a:srgbClr val="000000"/>
       </a:buClr>
       <a:buFont typeface="Arial"/>
-      <a:defRPr sz="1400" b="0" i="0" u="none" strike="noStrike" cap="none">
+      <a:defRPr b="0" i="0" sz="1400" u="none" cap="none" strike="noStrike">
         <a:solidFill>
           <a:srgbClr val="000000"/>
         </a:solidFill>
@@ -699,7 +684,7 @@
         <a:sym typeface="Arial"/>
       </a:defRPr>
     </a:lvl8pPr>
-    <a:lvl9pPr marR="0" lvl="8" algn="l" rtl="0">
+    <a:lvl9pPr lvl="8" marR="0" rtl="0" algn="l">
       <a:lnSpc>
         <a:spcPct val="100000"/>
       </a:lnSpc>
@@ -713,7 +698,7 @@
         <a:srgbClr val="000000"/>
       </a:buClr>
       <a:buFont typeface="Arial"/>
-      <a:defRPr sz="1400" b="0" i="0" u="none" strike="noStrike" cap="none">
+      <a:defRPr b="0" i="0" sz="1400" u="none" cap="none" strike="noStrike">
         <a:solidFill>
           <a:srgbClr val="000000"/>
         </a:solidFill>
@@ -728,11 +713,11 @@
 </file>
 
 <file path=ppt/notesSlides/notesSlide1.xml><?xml version="1.0" encoding="utf-8"?>
-<p:notes xmlns:a="http://schemas.openxmlformats.org/drawingml/2006/main" xmlns:r="http://schemas.openxmlformats.org/officeDocument/2006/relationships" xmlns:p="http://schemas.openxmlformats.org/presentationml/2006/main" showMasterSp="0" showMasterPhAnim="0">
+<p:notes xmlns:a="http://schemas.openxmlformats.org/drawingml/2006/main" xmlns:r="http://schemas.openxmlformats.org/officeDocument/2006/relationships" xmlns:mc="http://schemas.openxmlformats.org/markup-compatibility/2006" xmlns:mv="urn:schemas-microsoft-com:mac:vml" xmlns:p="http://schemas.openxmlformats.org/presentationml/2006/main" xmlns:c="http://schemas.openxmlformats.org/drawingml/2006/chart" xmlns:dgm="http://schemas.openxmlformats.org/drawingml/2006/diagram" xmlns:o="urn:schemas-microsoft-com:office:office" xmlns:v="urn:schemas-microsoft-com:vml" xmlns:pvml="urn:schemas-microsoft-com:office:powerpoint" xmlns:com="http://schemas.openxmlformats.org/drawingml/2006/compatibility" xmlns:p14="http://schemas.microsoft.com/office/powerpoint/2010/main" xmlns:p15="http://schemas.microsoft.com/office/powerpoint/2012/main" xmlns:ahyp="http://schemas.microsoft.com/office/drawing/2018/hyperlinkcolor" showMasterPhAnim="0" showMasterSp="0">
   <p:cSld>
     <p:spTree>
       <p:nvGrpSpPr>
-        <p:cNvPr id="1" name="Shape 130"/>
+        <p:cNvPr id="130" name="Shape 130"/>
         <p:cNvGrpSpPr/>
         <p:nvPr/>
       </p:nvGrpSpPr>
@@ -747,26 +732,20 @@
       <p:sp>
         <p:nvSpPr>
           <p:cNvPr id="131" name="Google Shape;131;p:notes"/>
-          <p:cNvSpPr>
-            <a:spLocks noGrp="1" noRot="1" noChangeAspect="1"/>
-          </p:cNvSpPr>
+          <p:cNvSpPr/>
           <p:nvPr>
-            <p:ph type="sldImg" idx="2"/>
+            <p:ph idx="2" type="sldImg"/>
           </p:nvPr>
         </p:nvSpPr>
         <p:spPr>
           <a:xfrm>
-            <a:off x="381000" y="685800"/>
-            <a:ext cx="6096000" cy="3429000"/>
+            <a:off x="381300" y="685800"/>
+            <a:ext cx="6096075" cy="3429000"/>
           </a:xfrm>
           <a:custGeom>
-            <a:avLst/>
-            <a:gdLst/>
-            <a:ahLst/>
-            <a:cxnLst/>
-            <a:rect l="l" t="t" r="r" b="b"/>
+            <a:rect b="b" l="l" r="r" t="t"/>
             <a:pathLst>
-              <a:path w="120000" h="120000" extrusionOk="0">
+              <a:path extrusionOk="0" h="120000" w="120000">
                 <a:moveTo>
                   <a:pt x="0" y="0"/>
                 </a:moveTo>
@@ -788,11 +767,9 @@
       <p:sp>
         <p:nvSpPr>
           <p:cNvPr id="132" name="Google Shape;132;p:notes"/>
-          <p:cNvSpPr txBox="1">
-            <a:spLocks noGrp="1"/>
-          </p:cNvSpPr>
+          <p:cNvSpPr txBox="1"/>
           <p:nvPr>
-            <p:ph type="body" idx="1"/>
+            <p:ph idx="1" type="body"/>
           </p:nvPr>
         </p:nvSpPr>
         <p:spPr>
@@ -805,12 +782,12 @@
           </a:prstGeom>
         </p:spPr>
         <p:txBody>
-          <a:bodyPr spcFirstLastPara="1" wrap="square" lIns="91425" tIns="91425" rIns="91425" bIns="91425" anchor="t" anchorCtr="0">
+          <a:bodyPr anchorCtr="0" anchor="t" bIns="91425" lIns="91425" spcFirstLastPara="1" rIns="91425" wrap="square" tIns="91425">
             <a:noAutofit/>
           </a:bodyPr>
           <a:lstStyle/>
           <a:p>
-            <a:pPr marL="0" lvl="0" indent="0" algn="l" rtl="0">
+            <a:pPr indent="0" lvl="0" marL="0" rtl="0" algn="l">
               <a:spcBef>
                 <a:spcPts val="0"/>
               </a:spcBef>
@@ -819,6 +796,9 @@
               </a:spcAft>
               <a:buNone/>
             </a:pPr>
+            <a:r>
+              <a:t/>
+            </a:r>
             <a:endParaRPr/>
           </a:p>
         </p:txBody>
@@ -832,11 +812,11 @@
 </file>
 
 <file path=ppt/notesSlides/notesSlide10.xml><?xml version="1.0" encoding="utf-8"?>
-<p:notes xmlns:a="http://schemas.openxmlformats.org/drawingml/2006/main" xmlns:r="http://schemas.openxmlformats.org/officeDocument/2006/relationships" xmlns:p="http://schemas.openxmlformats.org/presentationml/2006/main" showMasterSp="0" showMasterPhAnim="0">
+<p:notes xmlns:a="http://schemas.openxmlformats.org/drawingml/2006/main" xmlns:r="http://schemas.openxmlformats.org/officeDocument/2006/relationships" xmlns:mc="http://schemas.openxmlformats.org/markup-compatibility/2006" xmlns:mv="urn:schemas-microsoft-com:mac:vml" xmlns:p="http://schemas.openxmlformats.org/presentationml/2006/main" xmlns:c="http://schemas.openxmlformats.org/drawingml/2006/chart" xmlns:dgm="http://schemas.openxmlformats.org/drawingml/2006/diagram" xmlns:o="urn:schemas-microsoft-com:office:office" xmlns:v="urn:schemas-microsoft-com:vml" xmlns:pvml="urn:schemas-microsoft-com:office:powerpoint" xmlns:com="http://schemas.openxmlformats.org/drawingml/2006/compatibility" xmlns:p14="http://schemas.microsoft.com/office/powerpoint/2010/main" xmlns:p15="http://schemas.microsoft.com/office/powerpoint/2012/main" xmlns:ahyp="http://schemas.microsoft.com/office/drawing/2018/hyperlinkcolor" showMasterPhAnim="0" showMasterSp="0">
   <p:cSld>
     <p:spTree>
       <p:nvGrpSpPr>
-        <p:cNvPr id="1" name="Shape 184"/>
+        <p:cNvPr id="184" name="Shape 184"/>
         <p:cNvGrpSpPr/>
         <p:nvPr/>
       </p:nvGrpSpPr>
@@ -851,26 +831,20 @@
       <p:sp>
         <p:nvSpPr>
           <p:cNvPr id="185" name="Google Shape;185;gd596b29c03_0_631:notes"/>
-          <p:cNvSpPr>
-            <a:spLocks noGrp="1" noRot="1" noChangeAspect="1"/>
-          </p:cNvSpPr>
+          <p:cNvSpPr/>
           <p:nvPr>
-            <p:ph type="sldImg" idx="2"/>
+            <p:ph idx="2" type="sldImg"/>
           </p:nvPr>
         </p:nvSpPr>
         <p:spPr>
           <a:xfrm>
-            <a:off x="381000" y="685800"/>
+            <a:off x="381300" y="685800"/>
             <a:ext cx="6096000" cy="3429000"/>
           </a:xfrm>
           <a:custGeom>
-            <a:avLst/>
-            <a:gdLst/>
-            <a:ahLst/>
-            <a:cxnLst/>
-            <a:rect l="l" t="t" r="r" b="b"/>
+            <a:rect b="b" l="l" r="r" t="t"/>
             <a:pathLst>
-              <a:path w="120000" h="120000" extrusionOk="0">
+              <a:path extrusionOk="0" h="120000" w="120000">
                 <a:moveTo>
                   <a:pt x="0" y="0"/>
                 </a:moveTo>
@@ -892,11 +866,9 @@
       <p:sp>
         <p:nvSpPr>
           <p:cNvPr id="186" name="Google Shape;186;gd596b29c03_0_631:notes"/>
-          <p:cNvSpPr txBox="1">
-            <a:spLocks noGrp="1"/>
-          </p:cNvSpPr>
+          <p:cNvSpPr txBox="1"/>
           <p:nvPr>
-            <p:ph type="body" idx="1"/>
+            <p:ph idx="1" type="body"/>
           </p:nvPr>
         </p:nvSpPr>
         <p:spPr>
@@ -909,12 +881,12 @@
           </a:prstGeom>
         </p:spPr>
         <p:txBody>
-          <a:bodyPr spcFirstLastPara="1" wrap="square" lIns="91425" tIns="91425" rIns="91425" bIns="91425" anchor="t" anchorCtr="0">
+          <a:bodyPr anchorCtr="0" anchor="t" bIns="91425" lIns="91425" spcFirstLastPara="1" rIns="91425" wrap="square" tIns="91425">
             <a:noAutofit/>
           </a:bodyPr>
           <a:lstStyle/>
           <a:p>
-            <a:pPr marL="0" lvl="0" indent="0" algn="l" rtl="0">
+            <a:pPr indent="0" lvl="0" marL="0" rtl="0" algn="l">
               <a:spcBef>
                 <a:spcPts val="0"/>
               </a:spcBef>
@@ -923,6 +895,9 @@
               </a:spcAft>
               <a:buNone/>
             </a:pPr>
+            <a:r>
+              <a:t/>
+            </a:r>
             <a:endParaRPr/>
           </a:p>
         </p:txBody>
@@ -936,11 +911,11 @@
 </file>
 
 <file path=ppt/notesSlides/notesSlide11.xml><?xml version="1.0" encoding="utf-8"?>
-<p:notes xmlns:a="http://schemas.openxmlformats.org/drawingml/2006/main" xmlns:r="http://schemas.openxmlformats.org/officeDocument/2006/relationships" xmlns:p="http://schemas.openxmlformats.org/presentationml/2006/main" showMasterSp="0" showMasterPhAnim="0">
+<p:notes xmlns:a="http://schemas.openxmlformats.org/drawingml/2006/main" xmlns:r="http://schemas.openxmlformats.org/officeDocument/2006/relationships" xmlns:mc="http://schemas.openxmlformats.org/markup-compatibility/2006" xmlns:mv="urn:schemas-microsoft-com:mac:vml" xmlns:p="http://schemas.openxmlformats.org/presentationml/2006/main" xmlns:c="http://schemas.openxmlformats.org/drawingml/2006/chart" xmlns:dgm="http://schemas.openxmlformats.org/drawingml/2006/diagram" xmlns:o="urn:schemas-microsoft-com:office:office" xmlns:v="urn:schemas-microsoft-com:vml" xmlns:pvml="urn:schemas-microsoft-com:office:powerpoint" xmlns:com="http://schemas.openxmlformats.org/drawingml/2006/compatibility" xmlns:p14="http://schemas.microsoft.com/office/powerpoint/2010/main" xmlns:p15="http://schemas.microsoft.com/office/powerpoint/2012/main" xmlns:ahyp="http://schemas.microsoft.com/office/drawing/2018/hyperlinkcolor" showMasterPhAnim="0" showMasterSp="0">
   <p:cSld>
     <p:spTree>
       <p:nvGrpSpPr>
-        <p:cNvPr id="1" name="Shape 193"/>
+        <p:cNvPr id="193" name="Shape 193"/>
         <p:cNvGrpSpPr/>
         <p:nvPr/>
       </p:nvGrpSpPr>
@@ -955,26 +930,20 @@
       <p:sp>
         <p:nvSpPr>
           <p:cNvPr id="194" name="Google Shape;194;gd596b29c03_0_626:notes"/>
-          <p:cNvSpPr>
-            <a:spLocks noGrp="1" noRot="1" noChangeAspect="1"/>
-          </p:cNvSpPr>
+          <p:cNvSpPr/>
           <p:nvPr>
-            <p:ph type="sldImg" idx="2"/>
+            <p:ph idx="2" type="sldImg"/>
           </p:nvPr>
         </p:nvSpPr>
         <p:spPr>
           <a:xfrm>
-            <a:off x="381000" y="685800"/>
+            <a:off x="381300" y="685800"/>
             <a:ext cx="6096000" cy="3429000"/>
           </a:xfrm>
           <a:custGeom>
-            <a:avLst/>
-            <a:gdLst/>
-            <a:ahLst/>
-            <a:cxnLst/>
-            <a:rect l="l" t="t" r="r" b="b"/>
+            <a:rect b="b" l="l" r="r" t="t"/>
             <a:pathLst>
-              <a:path w="120000" h="120000" extrusionOk="0">
+              <a:path extrusionOk="0" h="120000" w="120000">
                 <a:moveTo>
                   <a:pt x="0" y="0"/>
                 </a:moveTo>
@@ -996,11 +965,9 @@
       <p:sp>
         <p:nvSpPr>
           <p:cNvPr id="195" name="Google Shape;195;gd596b29c03_0_626:notes"/>
-          <p:cNvSpPr txBox="1">
-            <a:spLocks noGrp="1"/>
-          </p:cNvSpPr>
+          <p:cNvSpPr txBox="1"/>
           <p:nvPr>
-            <p:ph type="body" idx="1"/>
+            <p:ph idx="1" type="body"/>
           </p:nvPr>
         </p:nvSpPr>
         <p:spPr>
@@ -1013,12 +980,12 @@
           </a:prstGeom>
         </p:spPr>
         <p:txBody>
-          <a:bodyPr spcFirstLastPara="1" wrap="square" lIns="91425" tIns="91425" rIns="91425" bIns="91425" anchor="t" anchorCtr="0">
+          <a:bodyPr anchorCtr="0" anchor="t" bIns="91425" lIns="91425" spcFirstLastPara="1" rIns="91425" wrap="square" tIns="91425">
             <a:noAutofit/>
           </a:bodyPr>
           <a:lstStyle/>
           <a:p>
-            <a:pPr marL="0" lvl="0" indent="0" algn="l" rtl="0">
+            <a:pPr indent="0" lvl="0" marL="0" rtl="0" algn="l">
               <a:spcBef>
                 <a:spcPts val="0"/>
               </a:spcBef>
@@ -1027,6 +994,9 @@
               </a:spcAft>
               <a:buNone/>
             </a:pPr>
+            <a:r>
+              <a:t/>
+            </a:r>
             <a:endParaRPr/>
           </a:p>
         </p:txBody>
@@ -1040,11 +1010,11 @@
 </file>
 
 <file path=ppt/notesSlides/notesSlide2.xml><?xml version="1.0" encoding="utf-8"?>
-<p:notes xmlns:a="http://schemas.openxmlformats.org/drawingml/2006/main" xmlns:r="http://schemas.openxmlformats.org/officeDocument/2006/relationships" xmlns:p="http://schemas.openxmlformats.org/presentationml/2006/main" showMasterSp="0" showMasterPhAnim="0">
+<p:notes xmlns:a="http://schemas.openxmlformats.org/drawingml/2006/main" xmlns:r="http://schemas.openxmlformats.org/officeDocument/2006/relationships" xmlns:mc="http://schemas.openxmlformats.org/markup-compatibility/2006" xmlns:mv="urn:schemas-microsoft-com:mac:vml" xmlns:p="http://schemas.openxmlformats.org/presentationml/2006/main" xmlns:c="http://schemas.openxmlformats.org/drawingml/2006/chart" xmlns:dgm="http://schemas.openxmlformats.org/drawingml/2006/diagram" xmlns:o="urn:schemas-microsoft-com:office:office" xmlns:v="urn:schemas-microsoft-com:vml" xmlns:pvml="urn:schemas-microsoft-com:office:powerpoint" xmlns:com="http://schemas.openxmlformats.org/drawingml/2006/compatibility" xmlns:p14="http://schemas.microsoft.com/office/powerpoint/2010/main" xmlns:p15="http://schemas.microsoft.com/office/powerpoint/2012/main" xmlns:ahyp="http://schemas.microsoft.com/office/drawing/2018/hyperlinkcolor" showMasterPhAnim="0" showMasterSp="0">
   <p:cSld>
     <p:spTree>
       <p:nvGrpSpPr>
-        <p:cNvPr id="1" name="Shape 136"/>
+        <p:cNvPr id="136" name="Shape 136"/>
         <p:cNvGrpSpPr/>
         <p:nvPr/>
       </p:nvGrpSpPr>
@@ -1059,26 +1029,20 @@
       <p:sp>
         <p:nvSpPr>
           <p:cNvPr id="137" name="Google Shape;137;gd596b29c03_0_125:notes"/>
-          <p:cNvSpPr>
-            <a:spLocks noGrp="1" noRot="1" noChangeAspect="1"/>
-          </p:cNvSpPr>
+          <p:cNvSpPr/>
           <p:nvPr>
-            <p:ph type="sldImg" idx="2"/>
+            <p:ph idx="2" type="sldImg"/>
           </p:nvPr>
         </p:nvSpPr>
         <p:spPr>
           <a:xfrm>
-            <a:off x="381000" y="685800"/>
+            <a:off x="381300" y="685800"/>
             <a:ext cx="6096000" cy="3429000"/>
           </a:xfrm>
           <a:custGeom>
-            <a:avLst/>
-            <a:gdLst/>
-            <a:ahLst/>
-            <a:cxnLst/>
-            <a:rect l="l" t="t" r="r" b="b"/>
+            <a:rect b="b" l="l" r="r" t="t"/>
             <a:pathLst>
-              <a:path w="120000" h="120000" extrusionOk="0">
+              <a:path extrusionOk="0" h="120000" w="120000">
                 <a:moveTo>
                   <a:pt x="0" y="0"/>
                 </a:moveTo>
@@ -1100,11 +1064,9 @@
       <p:sp>
         <p:nvSpPr>
           <p:cNvPr id="138" name="Google Shape;138;gd596b29c03_0_125:notes"/>
-          <p:cNvSpPr txBox="1">
-            <a:spLocks noGrp="1"/>
-          </p:cNvSpPr>
+          <p:cNvSpPr txBox="1"/>
           <p:nvPr>
-            <p:ph type="body" idx="1"/>
+            <p:ph idx="1" type="body"/>
           </p:nvPr>
         </p:nvSpPr>
         <p:spPr>
@@ -1117,12 +1079,12 @@
           </a:prstGeom>
         </p:spPr>
         <p:txBody>
-          <a:bodyPr spcFirstLastPara="1" wrap="square" lIns="91425" tIns="91425" rIns="91425" bIns="91425" anchor="t" anchorCtr="0">
+          <a:bodyPr anchorCtr="0" anchor="t" bIns="91425" lIns="91425" spcFirstLastPara="1" rIns="91425" wrap="square" tIns="91425">
             <a:noAutofit/>
           </a:bodyPr>
           <a:lstStyle/>
           <a:p>
-            <a:pPr marL="0" lvl="0" indent="0" algn="l" rtl="0">
+            <a:pPr indent="0" lvl="0" marL="0" rtl="0" algn="l">
               <a:spcBef>
                 <a:spcPts val="0"/>
               </a:spcBef>
@@ -1131,6 +1093,9 @@
               </a:spcAft>
               <a:buNone/>
             </a:pPr>
+            <a:r>
+              <a:t/>
+            </a:r>
             <a:endParaRPr/>
           </a:p>
         </p:txBody>
@@ -1144,11 +1109,11 @@
 </file>
 
 <file path=ppt/notesSlides/notesSlide3.xml><?xml version="1.0" encoding="utf-8"?>
-<p:notes xmlns:a="http://schemas.openxmlformats.org/drawingml/2006/main" xmlns:r="http://schemas.openxmlformats.org/officeDocument/2006/relationships" xmlns:p="http://schemas.openxmlformats.org/presentationml/2006/main" showMasterSp="0" showMasterPhAnim="0">
+<p:notes xmlns:a="http://schemas.openxmlformats.org/drawingml/2006/main" xmlns:r="http://schemas.openxmlformats.org/officeDocument/2006/relationships" xmlns:mc="http://schemas.openxmlformats.org/markup-compatibility/2006" xmlns:mv="urn:schemas-microsoft-com:mac:vml" xmlns:p="http://schemas.openxmlformats.org/presentationml/2006/main" xmlns:c="http://schemas.openxmlformats.org/drawingml/2006/chart" xmlns:dgm="http://schemas.openxmlformats.org/drawingml/2006/diagram" xmlns:o="urn:schemas-microsoft-com:office:office" xmlns:v="urn:schemas-microsoft-com:vml" xmlns:pvml="urn:schemas-microsoft-com:office:powerpoint" xmlns:com="http://schemas.openxmlformats.org/drawingml/2006/compatibility" xmlns:p14="http://schemas.microsoft.com/office/powerpoint/2010/main" xmlns:p15="http://schemas.microsoft.com/office/powerpoint/2012/main" xmlns:ahyp="http://schemas.microsoft.com/office/drawing/2018/hyperlinkcolor" showMasterPhAnim="0" showMasterSp="0">
   <p:cSld>
     <p:spTree>
       <p:nvGrpSpPr>
-        <p:cNvPr id="1" name="Shape 142"/>
+        <p:cNvPr id="142" name="Shape 142"/>
         <p:cNvGrpSpPr/>
         <p:nvPr/>
       </p:nvGrpSpPr>
@@ -1163,26 +1128,20 @@
       <p:sp>
         <p:nvSpPr>
           <p:cNvPr id="143" name="Google Shape;143;gd596b29c03_0_573:notes"/>
-          <p:cNvSpPr>
-            <a:spLocks noGrp="1" noRot="1" noChangeAspect="1"/>
-          </p:cNvSpPr>
+          <p:cNvSpPr/>
           <p:nvPr>
-            <p:ph type="sldImg" idx="2"/>
+            <p:ph idx="2" type="sldImg"/>
           </p:nvPr>
         </p:nvSpPr>
         <p:spPr>
           <a:xfrm>
-            <a:off x="381000" y="685800"/>
+            <a:off x="381300" y="685800"/>
             <a:ext cx="6096000" cy="3429000"/>
           </a:xfrm>
           <a:custGeom>
-            <a:avLst/>
-            <a:gdLst/>
-            <a:ahLst/>
-            <a:cxnLst/>
-            <a:rect l="l" t="t" r="r" b="b"/>
+            <a:rect b="b" l="l" r="r" t="t"/>
             <a:pathLst>
-              <a:path w="120000" h="120000" extrusionOk="0">
+              <a:path extrusionOk="0" h="120000" w="120000">
                 <a:moveTo>
                   <a:pt x="0" y="0"/>
                 </a:moveTo>
@@ -1204,11 +1163,9 @@
       <p:sp>
         <p:nvSpPr>
           <p:cNvPr id="144" name="Google Shape;144;gd596b29c03_0_573:notes"/>
-          <p:cNvSpPr txBox="1">
-            <a:spLocks noGrp="1"/>
-          </p:cNvSpPr>
+          <p:cNvSpPr txBox="1"/>
           <p:nvPr>
-            <p:ph type="body" idx="1"/>
+            <p:ph idx="1" type="body"/>
           </p:nvPr>
         </p:nvSpPr>
         <p:spPr>
@@ -1221,12 +1178,12 @@
           </a:prstGeom>
         </p:spPr>
         <p:txBody>
-          <a:bodyPr spcFirstLastPara="1" wrap="square" lIns="91425" tIns="91425" rIns="91425" bIns="91425" anchor="t" anchorCtr="0">
+          <a:bodyPr anchorCtr="0" anchor="t" bIns="91425" lIns="91425" spcFirstLastPara="1" rIns="91425" wrap="square" tIns="91425">
             <a:noAutofit/>
           </a:bodyPr>
           <a:lstStyle/>
           <a:p>
-            <a:pPr marL="0" lvl="0" indent="0" algn="l" rtl="0">
+            <a:pPr indent="0" lvl="0" marL="0" rtl="0" algn="l">
               <a:spcBef>
                 <a:spcPts val="0"/>
               </a:spcBef>
@@ -1235,6 +1192,9 @@
               </a:spcAft>
               <a:buNone/>
             </a:pPr>
+            <a:r>
+              <a:t/>
+            </a:r>
             <a:endParaRPr/>
           </a:p>
         </p:txBody>
@@ -1248,11 +1208,11 @@
 </file>
 
 <file path=ppt/notesSlides/notesSlide4.xml><?xml version="1.0" encoding="utf-8"?>
-<p:notes xmlns:a="http://schemas.openxmlformats.org/drawingml/2006/main" xmlns:r="http://schemas.openxmlformats.org/officeDocument/2006/relationships" xmlns:p="http://schemas.openxmlformats.org/presentationml/2006/main" showMasterSp="0" showMasterPhAnim="0">
+<p:notes xmlns:a="http://schemas.openxmlformats.org/drawingml/2006/main" xmlns:r="http://schemas.openxmlformats.org/officeDocument/2006/relationships" xmlns:mc="http://schemas.openxmlformats.org/markup-compatibility/2006" xmlns:mv="urn:schemas-microsoft-com:mac:vml" xmlns:p="http://schemas.openxmlformats.org/presentationml/2006/main" xmlns:c="http://schemas.openxmlformats.org/drawingml/2006/chart" xmlns:dgm="http://schemas.openxmlformats.org/drawingml/2006/diagram" xmlns:o="urn:schemas-microsoft-com:office:office" xmlns:v="urn:schemas-microsoft-com:vml" xmlns:pvml="urn:schemas-microsoft-com:office:powerpoint" xmlns:com="http://schemas.openxmlformats.org/drawingml/2006/compatibility" xmlns:p14="http://schemas.microsoft.com/office/powerpoint/2010/main" xmlns:p15="http://schemas.microsoft.com/office/powerpoint/2012/main" xmlns:ahyp="http://schemas.microsoft.com/office/drawing/2018/hyperlinkcolor" showMasterPhAnim="0" showMasterSp="0">
   <p:cSld>
     <p:spTree>
       <p:nvGrpSpPr>
-        <p:cNvPr id="1" name="Shape 148"/>
+        <p:cNvPr id="148" name="Shape 148"/>
         <p:cNvGrpSpPr/>
         <p:nvPr/>
       </p:nvGrpSpPr>
@@ -1267,26 +1227,20 @@
       <p:sp>
         <p:nvSpPr>
           <p:cNvPr id="149" name="Google Shape;149;gd596b29c03_0_579:notes"/>
-          <p:cNvSpPr>
-            <a:spLocks noGrp="1" noRot="1" noChangeAspect="1"/>
-          </p:cNvSpPr>
+          <p:cNvSpPr/>
           <p:nvPr>
-            <p:ph type="sldImg" idx="2"/>
+            <p:ph idx="2" type="sldImg"/>
           </p:nvPr>
         </p:nvSpPr>
         <p:spPr>
           <a:xfrm>
-            <a:off x="381000" y="685800"/>
+            <a:off x="381300" y="685800"/>
             <a:ext cx="6096000" cy="3429000"/>
           </a:xfrm>
           <a:custGeom>
-            <a:avLst/>
-            <a:gdLst/>
-            <a:ahLst/>
-            <a:cxnLst/>
-            <a:rect l="l" t="t" r="r" b="b"/>
+            <a:rect b="b" l="l" r="r" t="t"/>
             <a:pathLst>
-              <a:path w="120000" h="120000" extrusionOk="0">
+              <a:path extrusionOk="0" h="120000" w="120000">
                 <a:moveTo>
                   <a:pt x="0" y="0"/>
                 </a:moveTo>
@@ -1308,11 +1262,9 @@
       <p:sp>
         <p:nvSpPr>
           <p:cNvPr id="150" name="Google Shape;150;gd596b29c03_0_579:notes"/>
-          <p:cNvSpPr txBox="1">
-            <a:spLocks noGrp="1"/>
-          </p:cNvSpPr>
+          <p:cNvSpPr txBox="1"/>
           <p:nvPr>
-            <p:ph type="body" idx="1"/>
+            <p:ph idx="1" type="body"/>
           </p:nvPr>
         </p:nvSpPr>
         <p:spPr>
@@ -1325,12 +1277,12 @@
           </a:prstGeom>
         </p:spPr>
         <p:txBody>
-          <a:bodyPr spcFirstLastPara="1" wrap="square" lIns="91425" tIns="91425" rIns="91425" bIns="91425" anchor="t" anchorCtr="0">
+          <a:bodyPr anchorCtr="0" anchor="t" bIns="91425" lIns="91425" spcFirstLastPara="1" rIns="91425" wrap="square" tIns="91425">
             <a:noAutofit/>
           </a:bodyPr>
           <a:lstStyle/>
           <a:p>
-            <a:pPr marL="0" lvl="0" indent="0" algn="l" rtl="0">
+            <a:pPr indent="0" lvl="0" marL="0" rtl="0" algn="l">
               <a:spcBef>
                 <a:spcPts val="0"/>
               </a:spcBef>
@@ -1339,6 +1291,9 @@
               </a:spcAft>
               <a:buNone/>
             </a:pPr>
+            <a:r>
+              <a:t/>
+            </a:r>
             <a:endParaRPr/>
           </a:p>
         </p:txBody>
@@ -1352,11 +1307,11 @@
 </file>
 
 <file path=ppt/notesSlides/notesSlide5.xml><?xml version="1.0" encoding="utf-8"?>
-<p:notes xmlns:a="http://schemas.openxmlformats.org/drawingml/2006/main" xmlns:r="http://schemas.openxmlformats.org/officeDocument/2006/relationships" xmlns:p="http://schemas.openxmlformats.org/presentationml/2006/main" showMasterSp="0" showMasterPhAnim="0">
+<p:notes xmlns:a="http://schemas.openxmlformats.org/drawingml/2006/main" xmlns:r="http://schemas.openxmlformats.org/officeDocument/2006/relationships" xmlns:mc="http://schemas.openxmlformats.org/markup-compatibility/2006" xmlns:mv="urn:schemas-microsoft-com:mac:vml" xmlns:p="http://schemas.openxmlformats.org/presentationml/2006/main" xmlns:c="http://schemas.openxmlformats.org/drawingml/2006/chart" xmlns:dgm="http://schemas.openxmlformats.org/drawingml/2006/diagram" xmlns:o="urn:schemas-microsoft-com:office:office" xmlns:v="urn:schemas-microsoft-com:vml" xmlns:pvml="urn:schemas-microsoft-com:office:powerpoint" xmlns:com="http://schemas.openxmlformats.org/drawingml/2006/compatibility" xmlns:p14="http://schemas.microsoft.com/office/powerpoint/2010/main" xmlns:p15="http://schemas.microsoft.com/office/powerpoint/2012/main" xmlns:ahyp="http://schemas.microsoft.com/office/drawing/2018/hyperlinkcolor" showMasterPhAnim="0" showMasterSp="0">
   <p:cSld>
     <p:spTree>
       <p:nvGrpSpPr>
-        <p:cNvPr id="1" name="Shape 154"/>
+        <p:cNvPr id="154" name="Shape 154"/>
         <p:cNvGrpSpPr/>
         <p:nvPr/>
       </p:nvGrpSpPr>
@@ -1371,26 +1326,20 @@
       <p:sp>
         <p:nvSpPr>
           <p:cNvPr id="155" name="Google Shape;155;gd596b29c03_0_584:notes"/>
-          <p:cNvSpPr>
-            <a:spLocks noGrp="1" noRot="1" noChangeAspect="1"/>
-          </p:cNvSpPr>
+          <p:cNvSpPr/>
           <p:nvPr>
-            <p:ph type="sldImg" idx="2"/>
+            <p:ph idx="2" type="sldImg"/>
           </p:nvPr>
         </p:nvSpPr>
         <p:spPr>
           <a:xfrm>
-            <a:off x="381000" y="685800"/>
+            <a:off x="381300" y="685800"/>
             <a:ext cx="6096000" cy="3429000"/>
           </a:xfrm>
           <a:custGeom>
-            <a:avLst/>
-            <a:gdLst/>
-            <a:ahLst/>
-            <a:cxnLst/>
-            <a:rect l="l" t="t" r="r" b="b"/>
+            <a:rect b="b" l="l" r="r" t="t"/>
             <a:pathLst>
-              <a:path w="120000" h="120000" extrusionOk="0">
+              <a:path extrusionOk="0" h="120000" w="120000">
                 <a:moveTo>
                   <a:pt x="0" y="0"/>
                 </a:moveTo>
@@ -1412,11 +1361,9 @@
       <p:sp>
         <p:nvSpPr>
           <p:cNvPr id="156" name="Google Shape;156;gd596b29c03_0_584:notes"/>
-          <p:cNvSpPr txBox="1">
-            <a:spLocks noGrp="1"/>
-          </p:cNvSpPr>
+          <p:cNvSpPr txBox="1"/>
           <p:nvPr>
-            <p:ph type="body" idx="1"/>
+            <p:ph idx="1" type="body"/>
           </p:nvPr>
         </p:nvSpPr>
         <p:spPr>
@@ -1429,12 +1376,12 @@
           </a:prstGeom>
         </p:spPr>
         <p:txBody>
-          <a:bodyPr spcFirstLastPara="1" wrap="square" lIns="91425" tIns="91425" rIns="91425" bIns="91425" anchor="t" anchorCtr="0">
+          <a:bodyPr anchorCtr="0" anchor="t" bIns="91425" lIns="91425" spcFirstLastPara="1" rIns="91425" wrap="square" tIns="91425">
             <a:noAutofit/>
           </a:bodyPr>
           <a:lstStyle/>
           <a:p>
-            <a:pPr marL="0" lvl="0" indent="0" algn="l" rtl="0">
+            <a:pPr indent="0" lvl="0" marL="0" rtl="0" algn="l">
               <a:spcBef>
                 <a:spcPts val="0"/>
               </a:spcBef>
@@ -1443,6 +1390,9 @@
               </a:spcAft>
               <a:buNone/>
             </a:pPr>
+            <a:r>
+              <a:t/>
+            </a:r>
             <a:endParaRPr/>
           </a:p>
         </p:txBody>
@@ -1456,11 +1406,11 @@
 </file>
 
 <file path=ppt/notesSlides/notesSlide6.xml><?xml version="1.0" encoding="utf-8"?>
-<p:notes xmlns:a="http://schemas.openxmlformats.org/drawingml/2006/main" xmlns:r="http://schemas.openxmlformats.org/officeDocument/2006/relationships" xmlns:p="http://schemas.openxmlformats.org/presentationml/2006/main" showMasterSp="0" showMasterPhAnim="0">
+<p:notes xmlns:a="http://schemas.openxmlformats.org/drawingml/2006/main" xmlns:r="http://schemas.openxmlformats.org/officeDocument/2006/relationships" xmlns:mc="http://schemas.openxmlformats.org/markup-compatibility/2006" xmlns:mv="urn:schemas-microsoft-com:mac:vml" xmlns:p="http://schemas.openxmlformats.org/presentationml/2006/main" xmlns:c="http://schemas.openxmlformats.org/drawingml/2006/chart" xmlns:dgm="http://schemas.openxmlformats.org/drawingml/2006/diagram" xmlns:o="urn:schemas-microsoft-com:office:office" xmlns:v="urn:schemas-microsoft-com:vml" xmlns:pvml="urn:schemas-microsoft-com:office:powerpoint" xmlns:com="http://schemas.openxmlformats.org/drawingml/2006/compatibility" xmlns:p14="http://schemas.microsoft.com/office/powerpoint/2010/main" xmlns:p15="http://schemas.microsoft.com/office/powerpoint/2012/main" xmlns:ahyp="http://schemas.microsoft.com/office/drawing/2018/hyperlinkcolor" showMasterPhAnim="0" showMasterSp="0">
   <p:cSld>
     <p:spTree>
       <p:nvGrpSpPr>
-        <p:cNvPr id="1" name="Shape 160"/>
+        <p:cNvPr id="160" name="Shape 160"/>
         <p:cNvGrpSpPr/>
         <p:nvPr/>
       </p:nvGrpSpPr>
@@ -1475,26 +1425,20 @@
       <p:sp>
         <p:nvSpPr>
           <p:cNvPr id="161" name="Google Shape;161;gd596b29c03_0_589:notes"/>
-          <p:cNvSpPr>
-            <a:spLocks noGrp="1" noRot="1" noChangeAspect="1"/>
-          </p:cNvSpPr>
+          <p:cNvSpPr/>
           <p:nvPr>
-            <p:ph type="sldImg" idx="2"/>
+            <p:ph idx="2" type="sldImg"/>
           </p:nvPr>
         </p:nvSpPr>
         <p:spPr>
           <a:xfrm>
-            <a:off x="381000" y="685800"/>
+            <a:off x="381300" y="685800"/>
             <a:ext cx="6096000" cy="3429000"/>
           </a:xfrm>
           <a:custGeom>
-            <a:avLst/>
-            <a:gdLst/>
-            <a:ahLst/>
-            <a:cxnLst/>
-            <a:rect l="l" t="t" r="r" b="b"/>
+            <a:rect b="b" l="l" r="r" t="t"/>
             <a:pathLst>
-              <a:path w="120000" h="120000" extrusionOk="0">
+              <a:path extrusionOk="0" h="120000" w="120000">
                 <a:moveTo>
                   <a:pt x="0" y="0"/>
                 </a:moveTo>
@@ -1516,11 +1460,9 @@
       <p:sp>
         <p:nvSpPr>
           <p:cNvPr id="162" name="Google Shape;162;gd596b29c03_0_589:notes"/>
-          <p:cNvSpPr txBox="1">
-            <a:spLocks noGrp="1"/>
-          </p:cNvSpPr>
+          <p:cNvSpPr txBox="1"/>
           <p:nvPr>
-            <p:ph type="body" idx="1"/>
+            <p:ph idx="1" type="body"/>
           </p:nvPr>
         </p:nvSpPr>
         <p:spPr>
@@ -1533,12 +1475,12 @@
           </a:prstGeom>
         </p:spPr>
         <p:txBody>
-          <a:bodyPr spcFirstLastPara="1" wrap="square" lIns="91425" tIns="91425" rIns="91425" bIns="91425" anchor="t" anchorCtr="0">
+          <a:bodyPr anchorCtr="0" anchor="t" bIns="91425" lIns="91425" spcFirstLastPara="1" rIns="91425" wrap="square" tIns="91425">
             <a:noAutofit/>
           </a:bodyPr>
           <a:lstStyle/>
           <a:p>
-            <a:pPr marL="0" lvl="0" indent="0" algn="l" rtl="0">
+            <a:pPr indent="0" lvl="0" marL="0" rtl="0" algn="l">
               <a:spcBef>
                 <a:spcPts val="0"/>
               </a:spcBef>
@@ -1547,6 +1489,9 @@
               </a:spcAft>
               <a:buNone/>
             </a:pPr>
+            <a:r>
+              <a:t/>
+            </a:r>
             <a:endParaRPr/>
           </a:p>
         </p:txBody>
@@ -1560,11 +1505,11 @@
 </file>
 
 <file path=ppt/notesSlides/notesSlide7.xml><?xml version="1.0" encoding="utf-8"?>
-<p:notes xmlns:a="http://schemas.openxmlformats.org/drawingml/2006/main" xmlns:r="http://schemas.openxmlformats.org/officeDocument/2006/relationships" xmlns:p="http://schemas.openxmlformats.org/presentationml/2006/main" showMasterSp="0" showMasterPhAnim="0">
+<p:notes xmlns:a="http://schemas.openxmlformats.org/drawingml/2006/main" xmlns:r="http://schemas.openxmlformats.org/officeDocument/2006/relationships" xmlns:mc="http://schemas.openxmlformats.org/markup-compatibility/2006" xmlns:mv="urn:schemas-microsoft-com:mac:vml" xmlns:p="http://schemas.openxmlformats.org/presentationml/2006/main" xmlns:c="http://schemas.openxmlformats.org/drawingml/2006/chart" xmlns:dgm="http://schemas.openxmlformats.org/drawingml/2006/diagram" xmlns:o="urn:schemas-microsoft-com:office:office" xmlns:v="urn:schemas-microsoft-com:vml" xmlns:pvml="urn:schemas-microsoft-com:office:powerpoint" xmlns:com="http://schemas.openxmlformats.org/drawingml/2006/compatibility" xmlns:p14="http://schemas.microsoft.com/office/powerpoint/2010/main" xmlns:p15="http://schemas.microsoft.com/office/powerpoint/2012/main" xmlns:ahyp="http://schemas.microsoft.com/office/drawing/2018/hyperlinkcolor" showMasterPhAnim="0" showMasterSp="0">
   <p:cSld>
     <p:spTree>
       <p:nvGrpSpPr>
-        <p:cNvPr id="1" name="Shape 166"/>
+        <p:cNvPr id="166" name="Shape 166"/>
         <p:cNvGrpSpPr/>
         <p:nvPr/>
       </p:nvGrpSpPr>
@@ -1579,26 +1524,20 @@
       <p:sp>
         <p:nvSpPr>
           <p:cNvPr id="167" name="Google Shape;167;gd596b29c03_0_596:notes"/>
-          <p:cNvSpPr>
-            <a:spLocks noGrp="1" noRot="1" noChangeAspect="1"/>
-          </p:cNvSpPr>
+          <p:cNvSpPr/>
           <p:nvPr>
-            <p:ph type="sldImg" idx="2"/>
+            <p:ph idx="2" type="sldImg"/>
           </p:nvPr>
         </p:nvSpPr>
         <p:spPr>
           <a:xfrm>
-            <a:off x="381000" y="685800"/>
+            <a:off x="381300" y="685800"/>
             <a:ext cx="6096000" cy="3429000"/>
           </a:xfrm>
           <a:custGeom>
-            <a:avLst/>
-            <a:gdLst/>
-            <a:ahLst/>
-            <a:cxnLst/>
-            <a:rect l="l" t="t" r="r" b="b"/>
+            <a:rect b="b" l="l" r="r" t="t"/>
             <a:pathLst>
-              <a:path w="120000" h="120000" extrusionOk="0">
+              <a:path extrusionOk="0" h="120000" w="120000">
                 <a:moveTo>
                   <a:pt x="0" y="0"/>
                 </a:moveTo>
@@ -1620,11 +1559,9 @@
       <p:sp>
         <p:nvSpPr>
           <p:cNvPr id="168" name="Google Shape;168;gd596b29c03_0_596:notes"/>
-          <p:cNvSpPr txBox="1">
-            <a:spLocks noGrp="1"/>
-          </p:cNvSpPr>
+          <p:cNvSpPr txBox="1"/>
           <p:nvPr>
-            <p:ph type="body" idx="1"/>
+            <p:ph idx="1" type="body"/>
           </p:nvPr>
         </p:nvSpPr>
         <p:spPr>
@@ -1637,12 +1574,12 @@
           </a:prstGeom>
         </p:spPr>
         <p:txBody>
-          <a:bodyPr spcFirstLastPara="1" wrap="square" lIns="91425" tIns="91425" rIns="91425" bIns="91425" anchor="t" anchorCtr="0">
+          <a:bodyPr anchorCtr="0" anchor="t" bIns="91425" lIns="91425" spcFirstLastPara="1" rIns="91425" wrap="square" tIns="91425">
             <a:noAutofit/>
           </a:bodyPr>
           <a:lstStyle/>
           <a:p>
-            <a:pPr marL="0" lvl="0" indent="0" algn="l" rtl="0">
+            <a:pPr indent="0" lvl="0" marL="0" rtl="0" algn="l">
               <a:spcBef>
                 <a:spcPts val="0"/>
               </a:spcBef>
@@ -1651,6 +1588,9 @@
               </a:spcAft>
               <a:buNone/>
             </a:pPr>
+            <a:r>
+              <a:t/>
+            </a:r>
             <a:endParaRPr/>
           </a:p>
         </p:txBody>
@@ -1664,11 +1604,11 @@
 </file>
 
 <file path=ppt/notesSlides/notesSlide8.xml><?xml version="1.0" encoding="utf-8"?>
-<p:notes xmlns:a="http://schemas.openxmlformats.org/drawingml/2006/main" xmlns:r="http://schemas.openxmlformats.org/officeDocument/2006/relationships" xmlns:p="http://schemas.openxmlformats.org/presentationml/2006/main" showMasterSp="0" showMasterPhAnim="0">
+<p:notes xmlns:a="http://schemas.openxmlformats.org/drawingml/2006/main" xmlns:r="http://schemas.openxmlformats.org/officeDocument/2006/relationships" xmlns:mc="http://schemas.openxmlformats.org/markup-compatibility/2006" xmlns:mv="urn:schemas-microsoft-com:mac:vml" xmlns:p="http://schemas.openxmlformats.org/presentationml/2006/main" xmlns:c="http://schemas.openxmlformats.org/drawingml/2006/chart" xmlns:dgm="http://schemas.openxmlformats.org/drawingml/2006/diagram" xmlns:o="urn:schemas-microsoft-com:office:office" xmlns:v="urn:schemas-microsoft-com:vml" xmlns:pvml="urn:schemas-microsoft-com:office:powerpoint" xmlns:com="http://schemas.openxmlformats.org/drawingml/2006/compatibility" xmlns:p14="http://schemas.microsoft.com/office/powerpoint/2010/main" xmlns:p15="http://schemas.microsoft.com/office/powerpoint/2012/main" xmlns:ahyp="http://schemas.microsoft.com/office/drawing/2018/hyperlinkcolor" showMasterPhAnim="0" showMasterSp="0">
   <p:cSld>
     <p:spTree>
       <p:nvGrpSpPr>
-        <p:cNvPr id="1" name="Shape 172"/>
+        <p:cNvPr id="172" name="Shape 172"/>
         <p:cNvGrpSpPr/>
         <p:nvPr/>
       </p:nvGrpSpPr>
@@ -1683,26 +1623,20 @@
       <p:sp>
         <p:nvSpPr>
           <p:cNvPr id="173" name="Google Shape;173;gd596b29c03_0_604:notes"/>
-          <p:cNvSpPr>
-            <a:spLocks noGrp="1" noRot="1" noChangeAspect="1"/>
-          </p:cNvSpPr>
+          <p:cNvSpPr/>
           <p:nvPr>
-            <p:ph type="sldImg" idx="2"/>
+            <p:ph idx="2" type="sldImg"/>
           </p:nvPr>
         </p:nvSpPr>
         <p:spPr>
           <a:xfrm>
-            <a:off x="381000" y="685800"/>
+            <a:off x="381300" y="685800"/>
             <a:ext cx="6096000" cy="3429000"/>
           </a:xfrm>
           <a:custGeom>
-            <a:avLst/>
-            <a:gdLst/>
-            <a:ahLst/>
-            <a:cxnLst/>
-            <a:rect l="l" t="t" r="r" b="b"/>
+            <a:rect b="b" l="l" r="r" t="t"/>
             <a:pathLst>
-              <a:path w="120000" h="120000" extrusionOk="0">
+              <a:path extrusionOk="0" h="120000" w="120000">
                 <a:moveTo>
                   <a:pt x="0" y="0"/>
                 </a:moveTo>
@@ -1724,11 +1658,9 @@
       <p:sp>
         <p:nvSpPr>
           <p:cNvPr id="174" name="Google Shape;174;gd596b29c03_0_604:notes"/>
-          <p:cNvSpPr txBox="1">
-            <a:spLocks noGrp="1"/>
-          </p:cNvSpPr>
+          <p:cNvSpPr txBox="1"/>
           <p:nvPr>
-            <p:ph type="body" idx="1"/>
+            <p:ph idx="1" type="body"/>
           </p:nvPr>
         </p:nvSpPr>
         <p:spPr>
@@ -1741,12 +1673,12 @@
           </a:prstGeom>
         </p:spPr>
         <p:txBody>
-          <a:bodyPr spcFirstLastPara="1" wrap="square" lIns="91425" tIns="91425" rIns="91425" bIns="91425" anchor="t" anchorCtr="0">
+          <a:bodyPr anchorCtr="0" anchor="t" bIns="91425" lIns="91425" spcFirstLastPara="1" rIns="91425" wrap="square" tIns="91425">
             <a:noAutofit/>
           </a:bodyPr>
           <a:lstStyle/>
           <a:p>
-            <a:pPr marL="0" lvl="0" indent="0" algn="l" rtl="0">
+            <a:pPr indent="0" lvl="0" marL="0" rtl="0" algn="l">
               <a:spcBef>
                 <a:spcPts val="0"/>
               </a:spcBef>
@@ -1755,6 +1687,9 @@
               </a:spcAft>
               <a:buNone/>
             </a:pPr>
+            <a:r>
+              <a:t/>
+            </a:r>
             <a:endParaRPr/>
           </a:p>
         </p:txBody>
@@ -1768,11 +1703,11 @@
 </file>
 
 <file path=ppt/notesSlides/notesSlide9.xml><?xml version="1.0" encoding="utf-8"?>
-<p:notes xmlns:a="http://schemas.openxmlformats.org/drawingml/2006/main" xmlns:r="http://schemas.openxmlformats.org/officeDocument/2006/relationships" xmlns:p="http://schemas.openxmlformats.org/presentationml/2006/main" showMasterSp="0" showMasterPhAnim="0">
+<p:notes xmlns:a="http://schemas.openxmlformats.org/drawingml/2006/main" xmlns:r="http://schemas.openxmlformats.org/officeDocument/2006/relationships" xmlns:mc="http://schemas.openxmlformats.org/markup-compatibility/2006" xmlns:mv="urn:schemas-microsoft-com:mac:vml" xmlns:p="http://schemas.openxmlformats.org/presentationml/2006/main" xmlns:c="http://schemas.openxmlformats.org/drawingml/2006/chart" xmlns:dgm="http://schemas.openxmlformats.org/drawingml/2006/diagram" xmlns:o="urn:schemas-microsoft-com:office:office" xmlns:v="urn:schemas-microsoft-com:vml" xmlns:pvml="urn:schemas-microsoft-com:office:powerpoint" xmlns:com="http://schemas.openxmlformats.org/drawingml/2006/compatibility" xmlns:p14="http://schemas.microsoft.com/office/powerpoint/2010/main" xmlns:p15="http://schemas.microsoft.com/office/powerpoint/2012/main" xmlns:ahyp="http://schemas.microsoft.com/office/drawing/2018/hyperlinkcolor" showMasterPhAnim="0" showMasterSp="0">
   <p:cSld>
     <p:spTree>
       <p:nvGrpSpPr>
-        <p:cNvPr id="1" name="Shape 178"/>
+        <p:cNvPr id="178" name="Shape 178"/>
         <p:cNvGrpSpPr/>
         <p:nvPr/>
       </p:nvGrpSpPr>
@@ -1787,26 +1722,20 @@
       <p:sp>
         <p:nvSpPr>
           <p:cNvPr id="179" name="Google Shape;179;gd596b29c03_0_610:notes"/>
-          <p:cNvSpPr>
-            <a:spLocks noGrp="1" noRot="1" noChangeAspect="1"/>
-          </p:cNvSpPr>
+          <p:cNvSpPr/>
           <p:nvPr>
-            <p:ph type="sldImg" idx="2"/>
+            <p:ph idx="2" type="sldImg"/>
           </p:nvPr>
         </p:nvSpPr>
         <p:spPr>
           <a:xfrm>
-            <a:off x="381000" y="685800"/>
+            <a:off x="381300" y="685800"/>
             <a:ext cx="6096000" cy="3429000"/>
           </a:xfrm>
           <a:custGeom>
-            <a:avLst/>
-            <a:gdLst/>
-            <a:ahLst/>
-            <a:cxnLst/>
-            <a:rect l="l" t="t" r="r" b="b"/>
+            <a:rect b="b" l="l" r="r" t="t"/>
             <a:pathLst>
-              <a:path w="120000" h="120000" extrusionOk="0">
+              <a:path extrusionOk="0" h="120000" w="120000">
                 <a:moveTo>
                   <a:pt x="0" y="0"/>
                 </a:moveTo>
@@ -1828,11 +1757,9 @@
       <p:sp>
         <p:nvSpPr>
           <p:cNvPr id="180" name="Google Shape;180;gd596b29c03_0_610:notes"/>
-          <p:cNvSpPr txBox="1">
-            <a:spLocks noGrp="1"/>
-          </p:cNvSpPr>
+          <p:cNvSpPr txBox="1"/>
           <p:nvPr>
-            <p:ph type="body" idx="1"/>
+            <p:ph idx="1" type="body"/>
           </p:nvPr>
         </p:nvSpPr>
         <p:spPr>
@@ -1845,12 +1772,12 @@
           </a:prstGeom>
         </p:spPr>
         <p:txBody>
-          <a:bodyPr spcFirstLastPara="1" wrap="square" lIns="91425" tIns="91425" rIns="91425" bIns="91425" anchor="t" anchorCtr="0">
+          <a:bodyPr anchorCtr="0" anchor="t" bIns="91425" lIns="91425" spcFirstLastPara="1" rIns="91425" wrap="square" tIns="91425">
             <a:noAutofit/>
           </a:bodyPr>
           <a:lstStyle/>
           <a:p>
-            <a:pPr marL="0" lvl="0" indent="0" algn="l" rtl="0">
+            <a:pPr indent="0" lvl="0" marL="0" rtl="0" algn="l">
               <a:spcBef>
                 <a:spcPts val="0"/>
               </a:spcBef>
@@ -1859,6 +1786,9 @@
               </a:spcAft>
               <a:buNone/>
             </a:pPr>
+            <a:r>
+              <a:t/>
+            </a:r>
             <a:endParaRPr/>
           </a:p>
         </p:txBody>
@@ -1872,11 +1802,11 @@
 </file>
 
 <file path=ppt/slideLayouts/slideLayout1.xml><?xml version="1.0" encoding="utf-8"?>
-<p:sldLayout xmlns:a="http://schemas.openxmlformats.org/drawingml/2006/main" xmlns:r="http://schemas.openxmlformats.org/officeDocument/2006/relationships" xmlns:p="http://schemas.openxmlformats.org/presentationml/2006/main" matchingName="Title slide" type="title">
+<p:sldLayout xmlns:a="http://schemas.openxmlformats.org/drawingml/2006/main" xmlns:r="http://schemas.openxmlformats.org/officeDocument/2006/relationships" xmlns:mc="http://schemas.openxmlformats.org/markup-compatibility/2006" xmlns:mv="urn:schemas-microsoft-com:mac:vml" xmlns:p="http://schemas.openxmlformats.org/presentationml/2006/main" xmlns:c="http://schemas.openxmlformats.org/drawingml/2006/chart" xmlns:dgm="http://schemas.openxmlformats.org/drawingml/2006/diagram" xmlns:o="urn:schemas-microsoft-com:office:office" xmlns:v="urn:schemas-microsoft-com:vml" xmlns:pvml="urn:schemas-microsoft-com:office:powerpoint" xmlns:com="http://schemas.openxmlformats.org/drawingml/2006/compatibility" xmlns:p14="http://schemas.microsoft.com/office/powerpoint/2010/main" xmlns:p15="http://schemas.microsoft.com/office/powerpoint/2012/main" xmlns:ahyp="http://schemas.microsoft.com/office/drawing/2018/hyperlinkcolor" matchingName="Title slide" type="title">
   <p:cSld name="TITLE">
     <p:spTree>
       <p:nvGrpSpPr>
-        <p:cNvPr id="1" name="Shape 9"/>
+        <p:cNvPr id="9" name="Shape 9"/>
         <p:cNvGrpSpPr/>
         <p:nvPr/>
       </p:nvGrpSpPr>
@@ -1901,7 +1831,7 @@
           </a:xfrm>
           <a:prstGeom prst="diagStripe">
             <a:avLst>
-              <a:gd name="adj" fmla="val 0"/>
+              <a:gd fmla="val 0" name="adj"/>
             </a:avLst>
           </a:prstGeom>
           <a:solidFill>
@@ -1914,12 +1844,12 @@
           </a:ln>
         </p:spPr>
         <p:txBody>
-          <a:bodyPr spcFirstLastPara="1" wrap="square" lIns="91425" tIns="91425" rIns="91425" bIns="91425" anchor="ctr" anchorCtr="0">
+          <a:bodyPr anchorCtr="0" anchor="ctr" bIns="91425" lIns="91425" spcFirstLastPara="1" rIns="91425" wrap="square" tIns="91425">
             <a:noAutofit/>
           </a:bodyPr>
           <a:lstStyle/>
           <a:p>
-            <a:pPr marL="0" lvl="0" indent="0" algn="l" rtl="0">
+            <a:pPr indent="0" lvl="0" marL="0" rtl="0" algn="l">
               <a:spcBef>
                 <a:spcPts val="0"/>
               </a:spcBef>
@@ -1928,6 +1858,9 @@
               </a:spcAft>
               <a:buNone/>
             </a:pPr>
+            <a:r>
+              <a:t/>
+            </a:r>
             <a:endParaRPr/>
           </a:p>
         </p:txBody>
@@ -1959,7 +1892,7 @@
             </a:xfrm>
             <a:prstGeom prst="diagStripe">
               <a:avLst>
-                <a:gd name="adj" fmla="val 50000"/>
+                <a:gd fmla="val 50000" name="adj"/>
               </a:avLst>
             </a:prstGeom>
             <a:solidFill>
@@ -1972,12 +1905,12 @@
             </a:ln>
           </p:spPr>
           <p:txBody>
-            <a:bodyPr spcFirstLastPara="1" wrap="square" lIns="91425" tIns="91425" rIns="91425" bIns="91425" anchor="ctr" anchorCtr="0">
+            <a:bodyPr anchorCtr="0" anchor="ctr" bIns="91425" lIns="91425" spcFirstLastPara="1" rIns="91425" wrap="square" tIns="91425">
               <a:noAutofit/>
             </a:bodyPr>
             <a:lstStyle/>
             <a:p>
-              <a:pPr marL="0" lvl="0" indent="0" algn="l" rtl="0">
+              <a:pPr indent="0" lvl="0" marL="0" rtl="0" algn="l">
                 <a:spcBef>
                   <a:spcPts val="0"/>
                 </a:spcBef>
@@ -1986,6 +1919,9 @@
                 </a:spcAft>
                 <a:buNone/>
               </a:pPr>
+              <a:r>
+                <a:t/>
+              </a:r>
               <a:endParaRPr/>
             </a:p>
           </p:txBody>
@@ -2003,7 +1939,7 @@
             </a:xfrm>
             <a:prstGeom prst="diagStripe">
               <a:avLst>
-                <a:gd name="adj" fmla="val 58774"/>
+                <a:gd fmla="val 58774" name="adj"/>
               </a:avLst>
             </a:prstGeom>
             <a:solidFill>
@@ -2016,12 +1952,12 @@
             </a:ln>
           </p:spPr>
           <p:txBody>
-            <a:bodyPr spcFirstLastPara="1" wrap="square" lIns="91425" tIns="91425" rIns="91425" bIns="91425" anchor="ctr" anchorCtr="0">
+            <a:bodyPr anchorCtr="0" anchor="ctr" bIns="91425" lIns="91425" spcFirstLastPara="1" rIns="91425" wrap="square" tIns="91425">
               <a:noAutofit/>
             </a:bodyPr>
             <a:lstStyle/>
             <a:p>
-              <a:pPr marL="0" lvl="0" indent="0" algn="l" rtl="0">
+              <a:pPr indent="0" lvl="0" marL="0" rtl="0" algn="l">
                 <a:spcBef>
                   <a:spcPts val="0"/>
                 </a:spcBef>
@@ -2030,6 +1966,9 @@
                 </a:spcAft>
                 <a:buNone/>
               </a:pPr>
+              <a:r>
+                <a:t/>
+              </a:r>
               <a:endParaRPr/>
             </a:p>
           </p:txBody>
@@ -2047,7 +1986,7 @@
             </a:xfrm>
             <a:prstGeom prst="diagStripe">
               <a:avLst>
-                <a:gd name="adj" fmla="val 50000"/>
+                <a:gd fmla="val 50000" name="adj"/>
               </a:avLst>
             </a:prstGeom>
             <a:solidFill>
@@ -2058,12 +1997,12 @@
             </a:ln>
           </p:spPr>
           <p:txBody>
-            <a:bodyPr spcFirstLastPara="1" wrap="square" lIns="91425" tIns="91425" rIns="91425" bIns="91425" anchor="ctr" anchorCtr="0">
+            <a:bodyPr anchorCtr="0" anchor="ctr" bIns="91425" lIns="91425" spcFirstLastPara="1" rIns="91425" wrap="square" tIns="91425">
               <a:noAutofit/>
             </a:bodyPr>
             <a:lstStyle/>
             <a:p>
-              <a:pPr marL="0" lvl="0" indent="0" algn="l" rtl="0">
+              <a:pPr indent="0" lvl="0" marL="0" rtl="0" algn="l">
                 <a:spcBef>
                   <a:spcPts val="0"/>
                 </a:spcBef>
@@ -2072,6 +2011,9 @@
                 </a:spcAft>
                 <a:buNone/>
               </a:pPr>
+              <a:r>
+                <a:t/>
+              </a:r>
               <a:endParaRPr/>
             </a:p>
           </p:txBody>
@@ -2089,7 +2031,7 @@
             </a:xfrm>
             <a:prstGeom prst="diagStripe">
               <a:avLst>
-                <a:gd name="adj" fmla="val 50000"/>
+                <a:gd fmla="val 50000" name="adj"/>
               </a:avLst>
             </a:prstGeom>
             <a:solidFill>
@@ -2100,12 +2042,12 @@
             </a:ln>
           </p:spPr>
           <p:txBody>
-            <a:bodyPr spcFirstLastPara="1" wrap="square" lIns="91425" tIns="91425" rIns="91425" bIns="91425" anchor="ctr" anchorCtr="0">
+            <a:bodyPr anchorCtr="0" anchor="ctr" bIns="91425" lIns="91425" spcFirstLastPara="1" rIns="91425" wrap="square" tIns="91425">
               <a:noAutofit/>
             </a:bodyPr>
             <a:lstStyle/>
             <a:p>
-              <a:pPr marL="0" lvl="0" indent="0" algn="l" rtl="0">
+              <a:pPr indent="0" lvl="0" marL="0" rtl="0" algn="l">
                 <a:spcBef>
                   <a:spcPts val="0"/>
                 </a:spcBef>
@@ -2114,6 +2056,9 @@
                 </a:spcAft>
                 <a:buNone/>
               </a:pPr>
+              <a:r>
+                <a:t/>
+              </a:r>
               <a:endParaRPr/>
             </a:p>
           </p:txBody>
@@ -2122,9 +2067,7 @@
       <p:sp>
         <p:nvSpPr>
           <p:cNvPr id="16" name="Google Shape;16;p2"/>
-          <p:cNvSpPr txBox="1">
-            <a:spLocks noGrp="1"/>
-          </p:cNvSpPr>
+          <p:cNvSpPr txBox="1"/>
           <p:nvPr>
             <p:ph type="ctrTitle"/>
           </p:nvPr>
@@ -2139,7 +2082,7 @@
           </a:prstGeom>
         </p:spPr>
         <p:txBody>
-          <a:bodyPr spcFirstLastPara="1" wrap="square" lIns="91425" tIns="91425" rIns="91425" bIns="91425" anchor="t" anchorCtr="0">
+          <a:bodyPr anchorCtr="0" anchor="t" bIns="91425" lIns="91425" spcFirstLastPara="1" rIns="91425" wrap="square" tIns="91425">
             <a:normAutofit/>
           </a:bodyPr>
           <a:lstStyle>
@@ -2243,19 +2186,15 @@
               <a:defRPr sz="4000"/>
             </a:lvl9pPr>
           </a:lstStyle>
-          <a:p>
-            <a:endParaRPr/>
-          </a:p>
+          <a:p/>
         </p:txBody>
       </p:sp>
       <p:sp>
         <p:nvSpPr>
           <p:cNvPr id="17" name="Google Shape;17;p2"/>
-          <p:cNvSpPr txBox="1">
-            <a:spLocks noGrp="1"/>
-          </p:cNvSpPr>
+          <p:cNvSpPr txBox="1"/>
           <p:nvPr>
-            <p:ph type="subTitle" idx="1"/>
+            <p:ph idx="1" type="subTitle"/>
           </p:nvPr>
         </p:nvSpPr>
         <p:spPr>
@@ -2268,7 +2207,7 @@
           </a:prstGeom>
         </p:spPr>
         <p:txBody>
-          <a:bodyPr spcFirstLastPara="1" wrap="square" lIns="91425" tIns="91425" rIns="91425" bIns="91425" anchor="t" anchorCtr="0">
+          <a:bodyPr anchorCtr="0" anchor="t" bIns="91425" lIns="91425" spcFirstLastPara="1" rIns="91425" wrap="square" tIns="91425">
             <a:normAutofit/>
           </a:bodyPr>
           <a:lstStyle>
@@ -2399,19 +2338,15 @@
               <a:defRPr sz="1300"/>
             </a:lvl9pPr>
           </a:lstStyle>
-          <a:p>
-            <a:endParaRPr/>
-          </a:p>
+          <a:p/>
         </p:txBody>
       </p:sp>
       <p:sp>
         <p:nvSpPr>
           <p:cNvPr id="18" name="Google Shape;18;p2"/>
-          <p:cNvSpPr txBox="1">
-            <a:spLocks noGrp="1"/>
-          </p:cNvSpPr>
+          <p:cNvSpPr txBox="1"/>
           <p:nvPr>
-            <p:ph type="sldNum" idx="12"/>
+            <p:ph idx="12" type="sldNum"/>
           </p:nvPr>
         </p:nvSpPr>
         <p:spPr>
@@ -2424,7 +2359,7 @@
           </a:prstGeom>
         </p:spPr>
         <p:txBody>
-          <a:bodyPr spcFirstLastPara="1" wrap="square" lIns="91425" tIns="91425" rIns="91425" bIns="91425" anchor="ctr" anchorCtr="0">
+          <a:bodyPr anchorCtr="0" anchor="ctr" bIns="91425" lIns="91425" spcFirstLastPara="1" rIns="91425" wrap="square" tIns="91425">
             <a:normAutofit/>
           </a:bodyPr>
           <a:lstStyle>
@@ -2466,7 +2401,7 @@
             </a:lvl9pPr>
           </a:lstStyle>
           <a:p>
-            <a:pPr marL="0" lvl="0" indent="0" algn="r" rtl="0">
+            <a:pPr indent="0" lvl="0" marL="0" rtl="0" algn="r">
               <a:spcBef>
                 <a:spcPts val="0"/>
               </a:spcBef>
@@ -2492,11 +2427,11 @@
 </file>
 
 <file path=ppt/slideLayouts/slideLayout10.xml><?xml version="1.0" encoding="utf-8"?>
-<p:sldLayout xmlns:a="http://schemas.openxmlformats.org/drawingml/2006/main" xmlns:r="http://schemas.openxmlformats.org/officeDocument/2006/relationships" xmlns:p="http://schemas.openxmlformats.org/presentationml/2006/main" matchingName="Big number">
+<p:sldLayout xmlns:a="http://schemas.openxmlformats.org/drawingml/2006/main" xmlns:r="http://schemas.openxmlformats.org/officeDocument/2006/relationships" xmlns:mc="http://schemas.openxmlformats.org/markup-compatibility/2006" xmlns:mv="urn:schemas-microsoft-com:mac:vml" xmlns:p="http://schemas.openxmlformats.org/presentationml/2006/main" xmlns:c="http://schemas.openxmlformats.org/drawingml/2006/chart" xmlns:dgm="http://schemas.openxmlformats.org/drawingml/2006/diagram" xmlns:o="urn:schemas-microsoft-com:office:office" xmlns:v="urn:schemas-microsoft-com:vml" xmlns:pvml="urn:schemas-microsoft-com:office:powerpoint" xmlns:com="http://schemas.openxmlformats.org/drawingml/2006/compatibility" xmlns:p14="http://schemas.microsoft.com/office/powerpoint/2010/main" xmlns:p15="http://schemas.microsoft.com/office/powerpoint/2012/main" xmlns:ahyp="http://schemas.microsoft.com/office/drawing/2018/hyperlinkcolor" matchingName="Big number">
   <p:cSld name="BIG_NUMBER">
     <p:spTree>
       <p:nvGrpSpPr>
-        <p:cNvPr id="1" name="Shape 105"/>
+        <p:cNvPr id="105" name="Shape 105"/>
         <p:cNvGrpSpPr/>
         <p:nvPr/>
       </p:nvGrpSpPr>
@@ -2535,7 +2470,7 @@
             </a:xfrm>
             <a:prstGeom prst="diagStripe">
               <a:avLst>
-                <a:gd name="adj" fmla="val 49469"/>
+                <a:gd fmla="val 49469" name="adj"/>
               </a:avLst>
             </a:prstGeom>
             <a:solidFill>
@@ -2548,12 +2483,12 @@
             </a:ln>
           </p:spPr>
           <p:txBody>
-            <a:bodyPr spcFirstLastPara="1" wrap="square" lIns="91425" tIns="91425" rIns="91425" bIns="91425" anchor="ctr" anchorCtr="0">
+            <a:bodyPr anchorCtr="0" anchor="ctr" bIns="91425" lIns="91425" spcFirstLastPara="1" rIns="91425" wrap="square" tIns="91425">
               <a:noAutofit/>
             </a:bodyPr>
             <a:lstStyle/>
             <a:p>
-              <a:pPr marL="0" lvl="0" indent="0" algn="l" rtl="0">
+              <a:pPr indent="0" lvl="0" marL="0" rtl="0" algn="l">
                 <a:spcBef>
                   <a:spcPts val="0"/>
                 </a:spcBef>
@@ -2562,6 +2497,9 @@
                 </a:spcAft>
                 <a:buNone/>
               </a:pPr>
+              <a:r>
+                <a:t/>
+              </a:r>
               <a:endParaRPr/>
             </a:p>
           </p:txBody>
@@ -2579,7 +2517,7 @@
             </a:xfrm>
             <a:prstGeom prst="diagStripe">
               <a:avLst>
-                <a:gd name="adj" fmla="val 0"/>
+                <a:gd fmla="val 0" name="adj"/>
               </a:avLst>
             </a:prstGeom>
             <a:solidFill>
@@ -2592,12 +2530,12 @@
             </a:ln>
           </p:spPr>
           <p:txBody>
-            <a:bodyPr spcFirstLastPara="1" wrap="square" lIns="91425" tIns="91425" rIns="91425" bIns="91425" anchor="ctr" anchorCtr="0">
+            <a:bodyPr anchorCtr="0" anchor="ctr" bIns="91425" lIns="91425" spcFirstLastPara="1" rIns="91425" wrap="square" tIns="91425">
               <a:noAutofit/>
             </a:bodyPr>
             <a:lstStyle/>
             <a:p>
-              <a:pPr marL="0" lvl="0" indent="0" algn="l" rtl="0">
+              <a:pPr indent="0" lvl="0" marL="0" rtl="0" algn="l">
                 <a:spcBef>
                   <a:spcPts val="0"/>
                 </a:spcBef>
@@ -2606,6 +2544,9 @@
                 </a:spcAft>
                 <a:buNone/>
               </a:pPr>
+              <a:r>
+                <a:t/>
+              </a:r>
               <a:endParaRPr/>
             </a:p>
           </p:txBody>
@@ -2623,7 +2564,7 @@
             </a:xfrm>
             <a:prstGeom prst="diagStripe">
               <a:avLst>
-                <a:gd name="adj" fmla="val 50000"/>
+                <a:gd fmla="val 50000" name="adj"/>
               </a:avLst>
             </a:prstGeom>
             <a:solidFill>
@@ -2636,12 +2577,12 @@
             </a:ln>
           </p:spPr>
           <p:txBody>
-            <a:bodyPr spcFirstLastPara="1" wrap="square" lIns="91425" tIns="91425" rIns="91425" bIns="91425" anchor="ctr" anchorCtr="0">
+            <a:bodyPr anchorCtr="0" anchor="ctr" bIns="91425" lIns="91425" spcFirstLastPara="1" rIns="91425" wrap="square" tIns="91425">
               <a:noAutofit/>
             </a:bodyPr>
             <a:lstStyle/>
             <a:p>
-              <a:pPr marL="0" lvl="0" indent="0" algn="l" rtl="0">
+              <a:pPr indent="0" lvl="0" marL="0" rtl="0" algn="l">
                 <a:spcBef>
                   <a:spcPts val="0"/>
                 </a:spcBef>
@@ -2650,6 +2591,9 @@
                 </a:spcAft>
                 <a:buNone/>
               </a:pPr>
+              <a:r>
+                <a:t/>
+              </a:r>
               <a:endParaRPr/>
             </a:p>
           </p:txBody>
@@ -2667,7 +2611,7 @@
             </a:xfrm>
             <a:prstGeom prst="diagStripe">
               <a:avLst>
-                <a:gd name="adj" fmla="val 50000"/>
+                <a:gd fmla="val 50000" name="adj"/>
               </a:avLst>
             </a:prstGeom>
             <a:solidFill>
@@ -2680,12 +2624,12 @@
             </a:ln>
           </p:spPr>
           <p:txBody>
-            <a:bodyPr spcFirstLastPara="1" wrap="square" lIns="91425" tIns="91425" rIns="91425" bIns="91425" anchor="ctr" anchorCtr="0">
+            <a:bodyPr anchorCtr="0" anchor="ctr" bIns="91425" lIns="91425" spcFirstLastPara="1" rIns="91425" wrap="square" tIns="91425">
               <a:noAutofit/>
             </a:bodyPr>
             <a:lstStyle/>
             <a:p>
-              <a:pPr marL="0" lvl="0" indent="0" algn="l" rtl="0">
+              <a:pPr indent="0" lvl="0" marL="0" rtl="0" algn="l">
                 <a:spcBef>
                   <a:spcPts val="0"/>
                 </a:spcBef>
@@ -2694,6 +2638,9 @@
                 </a:spcAft>
                 <a:buNone/>
               </a:pPr>
+              <a:r>
+                <a:t/>
+              </a:r>
               <a:endParaRPr/>
             </a:p>
           </p:txBody>
@@ -2711,7 +2658,7 @@
             </a:xfrm>
             <a:prstGeom prst="diagStripe">
               <a:avLst>
-                <a:gd name="adj" fmla="val 50000"/>
+                <a:gd fmla="val 50000" name="adj"/>
               </a:avLst>
             </a:prstGeom>
             <a:solidFill>
@@ -2724,12 +2671,12 @@
             </a:ln>
           </p:spPr>
           <p:txBody>
-            <a:bodyPr spcFirstLastPara="1" wrap="square" lIns="91425" tIns="91425" rIns="91425" bIns="91425" anchor="ctr" anchorCtr="0">
+            <a:bodyPr anchorCtr="0" anchor="ctr" bIns="91425" lIns="91425" spcFirstLastPara="1" rIns="91425" wrap="square" tIns="91425">
               <a:noAutofit/>
             </a:bodyPr>
             <a:lstStyle/>
             <a:p>
-              <a:pPr marL="0" lvl="0" indent="0" algn="l" rtl="0">
+              <a:pPr indent="0" lvl="0" marL="0" rtl="0" algn="l">
                 <a:spcBef>
                   <a:spcPts val="0"/>
                 </a:spcBef>
@@ -2738,6 +2685,9 @@
                 </a:spcAft>
                 <a:buNone/>
               </a:pPr>
+              <a:r>
+                <a:t/>
+              </a:r>
               <a:endParaRPr/>
             </a:p>
           </p:txBody>
@@ -2755,7 +2705,7 @@
             </a:xfrm>
             <a:prstGeom prst="diagStripe">
               <a:avLst>
-                <a:gd name="adj" fmla="val 50000"/>
+                <a:gd fmla="val 50000" name="adj"/>
               </a:avLst>
             </a:prstGeom>
             <a:solidFill>
@@ -2768,12 +2718,12 @@
             </a:ln>
           </p:spPr>
           <p:txBody>
-            <a:bodyPr spcFirstLastPara="1" wrap="square" lIns="91425" tIns="91425" rIns="91425" bIns="91425" anchor="ctr" anchorCtr="0">
+            <a:bodyPr anchorCtr="0" anchor="ctr" bIns="91425" lIns="91425" spcFirstLastPara="1" rIns="91425" wrap="square" tIns="91425">
               <a:noAutofit/>
             </a:bodyPr>
             <a:lstStyle/>
             <a:p>
-              <a:pPr marL="0" lvl="0" indent="0" algn="l" rtl="0">
+              <a:pPr indent="0" lvl="0" marL="0" rtl="0" algn="l">
                 <a:spcBef>
                   <a:spcPts val="0"/>
                 </a:spcBef>
@@ -2782,6 +2732,9 @@
                 </a:spcAft>
                 <a:buNone/>
               </a:pPr>
+              <a:r>
+                <a:t/>
+              </a:r>
               <a:endParaRPr/>
             </a:p>
           </p:txBody>
@@ -2799,7 +2752,7 @@
             </a:xfrm>
             <a:prstGeom prst="diagStripe">
               <a:avLst>
-                <a:gd name="adj" fmla="val 50000"/>
+                <a:gd fmla="val 50000" name="adj"/>
               </a:avLst>
             </a:prstGeom>
             <a:solidFill>
@@ -2812,12 +2765,12 @@
             </a:ln>
           </p:spPr>
           <p:txBody>
-            <a:bodyPr spcFirstLastPara="1" wrap="square" lIns="91425" tIns="91425" rIns="91425" bIns="91425" anchor="ctr" anchorCtr="0">
+            <a:bodyPr anchorCtr="0" anchor="ctr" bIns="91425" lIns="91425" spcFirstLastPara="1" rIns="91425" wrap="square" tIns="91425">
               <a:noAutofit/>
             </a:bodyPr>
             <a:lstStyle/>
             <a:p>
-              <a:pPr marL="0" lvl="0" indent="0" algn="l" rtl="0">
+              <a:pPr indent="0" lvl="0" marL="0" rtl="0" algn="l">
                 <a:spcBef>
                   <a:spcPts val="0"/>
                 </a:spcBef>
@@ -2826,6 +2779,9 @@
                 </a:spcAft>
                 <a:buNone/>
               </a:pPr>
+              <a:r>
+                <a:t/>
+              </a:r>
               <a:endParaRPr/>
             </a:p>
           </p:txBody>
@@ -2843,7 +2799,7 @@
             </a:xfrm>
             <a:prstGeom prst="diagStripe">
               <a:avLst>
-                <a:gd name="adj" fmla="val 50000"/>
+                <a:gd fmla="val 50000" name="adj"/>
               </a:avLst>
             </a:prstGeom>
             <a:solidFill>
@@ -2854,12 +2810,12 @@
             </a:ln>
           </p:spPr>
           <p:txBody>
-            <a:bodyPr spcFirstLastPara="1" wrap="square" lIns="91425" tIns="91425" rIns="91425" bIns="91425" anchor="ctr" anchorCtr="0">
+            <a:bodyPr anchorCtr="0" anchor="ctr" bIns="91425" lIns="91425" spcFirstLastPara="1" rIns="91425" wrap="square" tIns="91425">
               <a:noAutofit/>
             </a:bodyPr>
             <a:lstStyle/>
             <a:p>
-              <a:pPr marL="0" lvl="0" indent="0" algn="l" rtl="0">
+              <a:pPr indent="0" lvl="0" marL="0" rtl="0" algn="l">
                 <a:spcBef>
                   <a:spcPts val="0"/>
                 </a:spcBef>
@@ -2868,6 +2824,9 @@
                 </a:spcAft>
                 <a:buNone/>
               </a:pPr>
+              <a:r>
+                <a:t/>
+              </a:r>
               <a:endParaRPr/>
             </a:p>
           </p:txBody>
@@ -2885,7 +2844,7 @@
             </a:xfrm>
             <a:prstGeom prst="diagStripe">
               <a:avLst>
-                <a:gd name="adj" fmla="val 50000"/>
+                <a:gd fmla="val 50000" name="adj"/>
               </a:avLst>
             </a:prstGeom>
             <a:solidFill>
@@ -2898,12 +2857,12 @@
             </a:ln>
           </p:spPr>
           <p:txBody>
-            <a:bodyPr spcFirstLastPara="1" wrap="square" lIns="91425" tIns="91425" rIns="91425" bIns="91425" anchor="ctr" anchorCtr="0">
+            <a:bodyPr anchorCtr="0" anchor="ctr" bIns="91425" lIns="91425" spcFirstLastPara="1" rIns="91425" wrap="square" tIns="91425">
               <a:noAutofit/>
             </a:bodyPr>
             <a:lstStyle/>
             <a:p>
-              <a:pPr marL="0" lvl="0" indent="0" algn="l" rtl="0">
+              <a:pPr indent="0" lvl="0" marL="0" rtl="0" algn="l">
                 <a:spcBef>
                   <a:spcPts val="0"/>
                 </a:spcBef>
@@ -2912,6 +2871,9 @@
                 </a:spcAft>
                 <a:buNone/>
               </a:pPr>
+              <a:r>
+                <a:t/>
+              </a:r>
               <a:endParaRPr/>
             </a:p>
           </p:txBody>
@@ -2929,7 +2891,7 @@
             </a:xfrm>
             <a:prstGeom prst="diagStripe">
               <a:avLst>
-                <a:gd name="adj" fmla="val 50000"/>
+                <a:gd fmla="val 50000" name="adj"/>
               </a:avLst>
             </a:prstGeom>
             <a:solidFill>
@@ -2942,12 +2904,12 @@
             </a:ln>
           </p:spPr>
           <p:txBody>
-            <a:bodyPr spcFirstLastPara="1" wrap="square" lIns="91425" tIns="91425" rIns="91425" bIns="91425" anchor="ctr" anchorCtr="0">
+            <a:bodyPr anchorCtr="0" anchor="ctr" bIns="91425" lIns="91425" spcFirstLastPara="1" rIns="91425" wrap="square" tIns="91425">
               <a:noAutofit/>
             </a:bodyPr>
             <a:lstStyle/>
             <a:p>
-              <a:pPr marL="0" lvl="0" indent="0" algn="l" rtl="0">
+              <a:pPr indent="0" lvl="0" marL="0" rtl="0" algn="l">
                 <a:spcBef>
                   <a:spcPts val="0"/>
                 </a:spcBef>
@@ -2956,6 +2918,9 @@
                 </a:spcAft>
                 <a:buNone/>
               </a:pPr>
+              <a:r>
+                <a:t/>
+              </a:r>
               <a:endParaRPr/>
             </a:p>
           </p:txBody>
@@ -2973,7 +2938,7 @@
             </a:xfrm>
             <a:prstGeom prst="diagStripe">
               <a:avLst>
-                <a:gd name="adj" fmla="val 50000"/>
+                <a:gd fmla="val 50000" name="adj"/>
               </a:avLst>
             </a:prstGeom>
             <a:solidFill>
@@ -2986,12 +2951,12 @@
             </a:ln>
           </p:spPr>
           <p:txBody>
-            <a:bodyPr spcFirstLastPara="1" wrap="square" lIns="91425" tIns="91425" rIns="91425" bIns="91425" anchor="ctr" anchorCtr="0">
+            <a:bodyPr anchorCtr="0" anchor="ctr" bIns="91425" lIns="91425" spcFirstLastPara="1" rIns="91425" wrap="square" tIns="91425">
               <a:noAutofit/>
             </a:bodyPr>
             <a:lstStyle/>
             <a:p>
-              <a:pPr marL="0" lvl="0" indent="0" algn="l" rtl="0">
+              <a:pPr indent="0" lvl="0" marL="0" rtl="0" algn="l">
                 <a:spcBef>
                   <a:spcPts val="0"/>
                 </a:spcBef>
@@ -3000,6 +2965,9 @@
                 </a:spcAft>
                 <a:buNone/>
               </a:pPr>
+              <a:r>
+                <a:t/>
+              </a:r>
               <a:endParaRPr/>
             </a:p>
           </p:txBody>
@@ -3017,7 +2985,7 @@
             </a:xfrm>
             <a:prstGeom prst="diagStripe">
               <a:avLst>
-                <a:gd name="adj" fmla="val 50000"/>
+                <a:gd fmla="val 50000" name="adj"/>
               </a:avLst>
             </a:prstGeom>
             <a:solidFill>
@@ -3030,12 +2998,12 @@
             </a:ln>
           </p:spPr>
           <p:txBody>
-            <a:bodyPr spcFirstLastPara="1" wrap="square" lIns="91425" tIns="91425" rIns="91425" bIns="91425" anchor="ctr" anchorCtr="0">
+            <a:bodyPr anchorCtr="0" anchor="ctr" bIns="91425" lIns="91425" spcFirstLastPara="1" rIns="91425" wrap="square" tIns="91425">
               <a:noAutofit/>
             </a:bodyPr>
             <a:lstStyle/>
             <a:p>
-              <a:pPr marL="0" lvl="0" indent="0" algn="l" rtl="0">
+              <a:pPr indent="0" lvl="0" marL="0" rtl="0" algn="l">
                 <a:spcBef>
                   <a:spcPts val="0"/>
                 </a:spcBef>
@@ -3044,6 +3012,9 @@
                 </a:spcAft>
                 <a:buNone/>
               </a:pPr>
+              <a:r>
+                <a:t/>
+              </a:r>
               <a:endParaRPr/>
             </a:p>
           </p:txBody>
@@ -3061,7 +3032,7 @@
             </a:xfrm>
             <a:prstGeom prst="diagStripe">
               <a:avLst>
-                <a:gd name="adj" fmla="val 50000"/>
+                <a:gd fmla="val 50000" name="adj"/>
               </a:avLst>
             </a:prstGeom>
             <a:solidFill>
@@ -3074,12 +3045,12 @@
             </a:ln>
           </p:spPr>
           <p:txBody>
-            <a:bodyPr spcFirstLastPara="1" wrap="square" lIns="91425" tIns="91425" rIns="91425" bIns="91425" anchor="ctr" anchorCtr="0">
+            <a:bodyPr anchorCtr="0" anchor="ctr" bIns="91425" lIns="91425" spcFirstLastPara="1" rIns="91425" wrap="square" tIns="91425">
               <a:noAutofit/>
             </a:bodyPr>
             <a:lstStyle/>
             <a:p>
-              <a:pPr marL="0" lvl="0" indent="0" algn="l" rtl="0">
+              <a:pPr indent="0" lvl="0" marL="0" rtl="0" algn="l">
                 <a:spcBef>
                   <a:spcPts val="0"/>
                 </a:spcBef>
@@ -3088,6 +3059,9 @@
                 </a:spcAft>
                 <a:buNone/>
               </a:pPr>
+              <a:r>
+                <a:t/>
+              </a:r>
               <a:endParaRPr/>
             </a:p>
           </p:txBody>
@@ -3105,7 +3079,7 @@
             </a:xfrm>
             <a:prstGeom prst="diagStripe">
               <a:avLst>
-                <a:gd name="adj" fmla="val 50000"/>
+                <a:gd fmla="val 50000" name="adj"/>
               </a:avLst>
             </a:prstGeom>
             <a:solidFill>
@@ -3116,12 +3090,12 @@
             </a:ln>
           </p:spPr>
           <p:txBody>
-            <a:bodyPr spcFirstLastPara="1" wrap="square" lIns="91425" tIns="91425" rIns="91425" bIns="91425" anchor="ctr" anchorCtr="0">
+            <a:bodyPr anchorCtr="0" anchor="ctr" bIns="91425" lIns="91425" spcFirstLastPara="1" rIns="91425" wrap="square" tIns="91425">
               <a:noAutofit/>
             </a:bodyPr>
             <a:lstStyle/>
             <a:p>
-              <a:pPr marL="0" lvl="0" indent="0" algn="l" rtl="0">
+              <a:pPr indent="0" lvl="0" marL="0" rtl="0" algn="l">
                 <a:spcBef>
                   <a:spcPts val="0"/>
                 </a:spcBef>
@@ -3130,6 +3104,9 @@
                 </a:spcAft>
                 <a:buNone/>
               </a:pPr>
+              <a:r>
+                <a:t/>
+              </a:r>
               <a:endParaRPr/>
             </a:p>
           </p:txBody>
@@ -3147,7 +3124,7 @@
             </a:xfrm>
             <a:prstGeom prst="diagStripe">
               <a:avLst>
-                <a:gd name="adj" fmla="val 50000"/>
+                <a:gd fmla="val 50000" name="adj"/>
               </a:avLst>
             </a:prstGeom>
             <a:solidFill>
@@ -3160,12 +3137,12 @@
             </a:ln>
           </p:spPr>
           <p:txBody>
-            <a:bodyPr spcFirstLastPara="1" wrap="square" lIns="91425" tIns="91425" rIns="91425" bIns="91425" anchor="ctr" anchorCtr="0">
+            <a:bodyPr anchorCtr="0" anchor="ctr" bIns="91425" lIns="91425" spcFirstLastPara="1" rIns="91425" wrap="square" tIns="91425">
               <a:noAutofit/>
             </a:bodyPr>
             <a:lstStyle/>
             <a:p>
-              <a:pPr marL="0" lvl="0" indent="0" algn="l" rtl="0">
+              <a:pPr indent="0" lvl="0" marL="0" rtl="0" algn="l">
                 <a:spcBef>
                   <a:spcPts val="0"/>
                 </a:spcBef>
@@ -3174,6 +3151,9 @@
                 </a:spcAft>
                 <a:buNone/>
               </a:pPr>
+              <a:r>
+                <a:t/>
+              </a:r>
               <a:endParaRPr/>
             </a:p>
           </p:txBody>
@@ -3191,7 +3171,7 @@
             </a:xfrm>
             <a:prstGeom prst="diagStripe">
               <a:avLst>
-                <a:gd name="adj" fmla="val 50000"/>
+                <a:gd fmla="val 50000" name="adj"/>
               </a:avLst>
             </a:prstGeom>
             <a:solidFill>
@@ -3204,12 +3184,12 @@
             </a:ln>
           </p:spPr>
           <p:txBody>
-            <a:bodyPr spcFirstLastPara="1" wrap="square" lIns="91425" tIns="91425" rIns="91425" bIns="91425" anchor="ctr" anchorCtr="0">
+            <a:bodyPr anchorCtr="0" anchor="ctr" bIns="91425" lIns="91425" spcFirstLastPara="1" rIns="91425" wrap="square" tIns="91425">
               <a:noAutofit/>
             </a:bodyPr>
             <a:lstStyle/>
             <a:p>
-              <a:pPr marL="0" lvl="0" indent="0" algn="l" rtl="0">
+              <a:pPr indent="0" lvl="0" marL="0" rtl="0" algn="l">
                 <a:spcBef>
                   <a:spcPts val="0"/>
                 </a:spcBef>
@@ -3218,6 +3198,9 @@
                 </a:spcAft>
                 <a:buNone/>
               </a:pPr>
+              <a:r>
+                <a:t/>
+              </a:r>
               <a:endParaRPr/>
             </a:p>
           </p:txBody>
@@ -3235,7 +3218,7 @@
             </a:xfrm>
             <a:prstGeom prst="diagStripe">
               <a:avLst>
-                <a:gd name="adj" fmla="val 50000"/>
+                <a:gd fmla="val 50000" name="adj"/>
               </a:avLst>
             </a:prstGeom>
             <a:solidFill>
@@ -3248,12 +3231,12 @@
             </a:ln>
           </p:spPr>
           <p:txBody>
-            <a:bodyPr spcFirstLastPara="1" wrap="square" lIns="91425" tIns="91425" rIns="91425" bIns="91425" anchor="ctr" anchorCtr="0">
+            <a:bodyPr anchorCtr="0" anchor="ctr" bIns="91425" lIns="91425" spcFirstLastPara="1" rIns="91425" wrap="square" tIns="91425">
               <a:noAutofit/>
             </a:bodyPr>
             <a:lstStyle/>
             <a:p>
-              <a:pPr marL="0" lvl="0" indent="0" algn="l" rtl="0">
+              <a:pPr indent="0" lvl="0" marL="0" rtl="0" algn="l">
                 <a:spcBef>
                   <a:spcPts val="0"/>
                 </a:spcBef>
@@ -3262,6 +3245,9 @@
                 </a:spcAft>
                 <a:buNone/>
               </a:pPr>
+              <a:r>
+                <a:t/>
+              </a:r>
               <a:endParaRPr/>
             </a:p>
           </p:txBody>
@@ -3279,7 +3265,7 @@
             </a:xfrm>
             <a:prstGeom prst="diagStripe">
               <a:avLst>
-                <a:gd name="adj" fmla="val 50000"/>
+                <a:gd fmla="val 50000" name="adj"/>
               </a:avLst>
             </a:prstGeom>
             <a:solidFill>
@@ -3292,12 +3278,12 @@
             </a:ln>
           </p:spPr>
           <p:txBody>
-            <a:bodyPr spcFirstLastPara="1" wrap="square" lIns="91425" tIns="91425" rIns="91425" bIns="91425" anchor="ctr" anchorCtr="0">
+            <a:bodyPr anchorCtr="0" anchor="ctr" bIns="91425" lIns="91425" spcFirstLastPara="1" rIns="91425" wrap="square" tIns="91425">
               <a:noAutofit/>
             </a:bodyPr>
             <a:lstStyle/>
             <a:p>
-              <a:pPr marL="0" lvl="0" indent="0" algn="l" rtl="0">
+              <a:pPr indent="0" lvl="0" marL="0" rtl="0" algn="l">
                 <a:spcBef>
                   <a:spcPts val="0"/>
                 </a:spcBef>
@@ -3306,6 +3292,9 @@
                 </a:spcAft>
                 <a:buNone/>
               </a:pPr>
+              <a:r>
+                <a:t/>
+              </a:r>
               <a:endParaRPr/>
             </a:p>
           </p:txBody>
@@ -3314,11 +3303,9 @@
       <p:sp>
         <p:nvSpPr>
           <p:cNvPr id="125" name="Google Shape;125;p11"/>
-          <p:cNvSpPr txBox="1">
-            <a:spLocks noGrp="1"/>
-          </p:cNvSpPr>
+          <p:cNvSpPr txBox="1"/>
           <p:nvPr>
-            <p:ph type="title" hasCustomPrompt="1"/>
+            <p:ph hasCustomPrompt="1" type="title"/>
           </p:nvPr>
         </p:nvSpPr>
         <p:spPr>
@@ -3331,7 +3318,7 @@
           </a:prstGeom>
         </p:spPr>
         <p:txBody>
-          <a:bodyPr spcFirstLastPara="1" wrap="square" lIns="91425" tIns="91425" rIns="91425" bIns="91425" anchor="t" anchorCtr="0">
+          <a:bodyPr anchorCtr="0" anchor="t" bIns="91425" lIns="91425" spcFirstLastPara="1" rIns="91425" wrap="square" tIns="91425">
             <a:normAutofit/>
           </a:bodyPr>
           <a:lstStyle>
@@ -3445,11 +3432,9 @@
       <p:sp>
         <p:nvSpPr>
           <p:cNvPr id="126" name="Google Shape;126;p11"/>
-          <p:cNvSpPr txBox="1">
-            <a:spLocks noGrp="1"/>
-          </p:cNvSpPr>
+          <p:cNvSpPr txBox="1"/>
           <p:nvPr>
-            <p:ph type="body" idx="1"/>
+            <p:ph idx="1" type="body"/>
           </p:nvPr>
         </p:nvSpPr>
         <p:spPr>
@@ -3462,11 +3447,11 @@
           </a:prstGeom>
         </p:spPr>
         <p:txBody>
-          <a:bodyPr spcFirstLastPara="1" wrap="square" lIns="91425" tIns="91425" rIns="91425" bIns="91425" anchor="t" anchorCtr="0">
+          <a:bodyPr anchorCtr="0" anchor="t" bIns="91425" lIns="91425" spcFirstLastPara="1" rIns="91425" wrap="square" tIns="91425">
             <a:normAutofit/>
           </a:bodyPr>
           <a:lstStyle>
-            <a:lvl1pPr marL="457200" lvl="0" indent="-311150">
+            <a:lvl1pPr indent="-311150" lvl="0" marL="457200">
               <a:spcBef>
                 <a:spcPts val="0"/>
               </a:spcBef>
@@ -3477,7 +3462,7 @@
               <a:buChar char="●"/>
               <a:defRPr/>
             </a:lvl1pPr>
-            <a:lvl2pPr marL="914400" lvl="1" indent="-298450">
+            <a:lvl2pPr indent="-298450" lvl="1" marL="914400">
               <a:spcBef>
                 <a:spcPts val="0"/>
               </a:spcBef>
@@ -3488,7 +3473,7 @@
               <a:buChar char="○"/>
               <a:defRPr/>
             </a:lvl2pPr>
-            <a:lvl3pPr marL="1371600" lvl="2" indent="-298450">
+            <a:lvl3pPr indent="-298450" lvl="2" marL="1371600">
               <a:spcBef>
                 <a:spcPts val="0"/>
               </a:spcBef>
@@ -3499,7 +3484,7 @@
               <a:buChar char="■"/>
               <a:defRPr/>
             </a:lvl3pPr>
-            <a:lvl4pPr marL="1828800" lvl="3" indent="-298450">
+            <a:lvl4pPr indent="-298450" lvl="3" marL="1828800">
               <a:spcBef>
                 <a:spcPts val="0"/>
               </a:spcBef>
@@ -3510,7 +3495,7 @@
               <a:buChar char="●"/>
               <a:defRPr/>
             </a:lvl4pPr>
-            <a:lvl5pPr marL="2286000" lvl="4" indent="-298450">
+            <a:lvl5pPr indent="-298450" lvl="4" marL="2286000">
               <a:spcBef>
                 <a:spcPts val="0"/>
               </a:spcBef>
@@ -3521,7 +3506,7 @@
               <a:buChar char="○"/>
               <a:defRPr/>
             </a:lvl5pPr>
-            <a:lvl6pPr marL="2743200" lvl="5" indent="-298450">
+            <a:lvl6pPr indent="-298450" lvl="5" marL="2743200">
               <a:spcBef>
                 <a:spcPts val="0"/>
               </a:spcBef>
@@ -3532,7 +3517,7 @@
               <a:buChar char="■"/>
               <a:defRPr/>
             </a:lvl6pPr>
-            <a:lvl7pPr marL="3200400" lvl="6" indent="-298450">
+            <a:lvl7pPr indent="-298450" lvl="6" marL="3200400">
               <a:spcBef>
                 <a:spcPts val="0"/>
               </a:spcBef>
@@ -3543,7 +3528,7 @@
               <a:buChar char="●"/>
               <a:defRPr/>
             </a:lvl7pPr>
-            <a:lvl8pPr marL="3657600" lvl="7" indent="-298450">
+            <a:lvl8pPr indent="-298450" lvl="7" marL="3657600">
               <a:spcBef>
                 <a:spcPts val="0"/>
               </a:spcBef>
@@ -3554,7 +3539,7 @@
               <a:buChar char="○"/>
               <a:defRPr/>
             </a:lvl8pPr>
-            <a:lvl9pPr marL="4114800" lvl="8" indent="-298450">
+            <a:lvl9pPr indent="-298450" lvl="8" marL="4114800">
               <a:spcBef>
                 <a:spcPts val="0"/>
               </a:spcBef>
@@ -3566,19 +3551,15 @@
               <a:defRPr/>
             </a:lvl9pPr>
           </a:lstStyle>
-          <a:p>
-            <a:endParaRPr/>
-          </a:p>
+          <a:p/>
         </p:txBody>
       </p:sp>
       <p:sp>
         <p:nvSpPr>
           <p:cNvPr id="127" name="Google Shape;127;p11"/>
-          <p:cNvSpPr txBox="1">
-            <a:spLocks noGrp="1"/>
-          </p:cNvSpPr>
+          <p:cNvSpPr txBox="1"/>
           <p:nvPr>
-            <p:ph type="sldNum" idx="12"/>
+            <p:ph idx="12" type="sldNum"/>
           </p:nvPr>
         </p:nvSpPr>
         <p:spPr>
@@ -3591,7 +3572,7 @@
           </a:prstGeom>
         </p:spPr>
         <p:txBody>
-          <a:bodyPr spcFirstLastPara="1" wrap="square" lIns="91425" tIns="91425" rIns="91425" bIns="91425" anchor="ctr" anchorCtr="0">
+          <a:bodyPr anchorCtr="0" anchor="ctr" bIns="91425" lIns="91425" spcFirstLastPara="1" rIns="91425" wrap="square" tIns="91425">
             <a:normAutofit/>
           </a:bodyPr>
           <a:lstStyle>
@@ -3633,7 +3614,7 @@
             </a:lvl9pPr>
           </a:lstStyle>
           <a:p>
-            <a:pPr marL="0" lvl="0" indent="0" algn="r" rtl="0">
+            <a:pPr indent="0" lvl="0" marL="0" rtl="0" algn="r">
               <a:spcBef>
                 <a:spcPts val="0"/>
               </a:spcBef>
@@ -3659,11 +3640,11 @@
 </file>
 
 <file path=ppt/slideLayouts/slideLayout11.xml><?xml version="1.0" encoding="utf-8"?>
-<p:sldLayout xmlns:a="http://schemas.openxmlformats.org/drawingml/2006/main" xmlns:r="http://schemas.openxmlformats.org/officeDocument/2006/relationships" xmlns:p="http://schemas.openxmlformats.org/presentationml/2006/main" matchingName="Blank" type="blank">
+<p:sldLayout xmlns:a="http://schemas.openxmlformats.org/drawingml/2006/main" xmlns:r="http://schemas.openxmlformats.org/officeDocument/2006/relationships" xmlns:mc="http://schemas.openxmlformats.org/markup-compatibility/2006" xmlns:mv="urn:schemas-microsoft-com:mac:vml" xmlns:p="http://schemas.openxmlformats.org/presentationml/2006/main" xmlns:c="http://schemas.openxmlformats.org/drawingml/2006/chart" xmlns:dgm="http://schemas.openxmlformats.org/drawingml/2006/diagram" xmlns:o="urn:schemas-microsoft-com:office:office" xmlns:v="urn:schemas-microsoft-com:vml" xmlns:pvml="urn:schemas-microsoft-com:office:powerpoint" xmlns:com="http://schemas.openxmlformats.org/drawingml/2006/compatibility" xmlns:p14="http://schemas.microsoft.com/office/powerpoint/2010/main" xmlns:p15="http://schemas.microsoft.com/office/powerpoint/2012/main" xmlns:ahyp="http://schemas.microsoft.com/office/drawing/2018/hyperlinkcolor" matchingName="Blank" type="blank">
   <p:cSld name="BLANK">
     <p:spTree>
       <p:nvGrpSpPr>
-        <p:cNvPr id="1" name="Shape 128"/>
+        <p:cNvPr id="128" name="Shape 128"/>
         <p:cNvGrpSpPr/>
         <p:nvPr/>
       </p:nvGrpSpPr>
@@ -3678,11 +3659,9 @@
       <p:sp>
         <p:nvSpPr>
           <p:cNvPr id="129" name="Google Shape;129;p12"/>
-          <p:cNvSpPr txBox="1">
-            <a:spLocks noGrp="1"/>
-          </p:cNvSpPr>
+          <p:cNvSpPr txBox="1"/>
           <p:nvPr>
-            <p:ph type="sldNum" idx="12"/>
+            <p:ph idx="12" type="sldNum"/>
           </p:nvPr>
         </p:nvSpPr>
         <p:spPr>
@@ -3695,7 +3674,7 @@
           </a:prstGeom>
         </p:spPr>
         <p:txBody>
-          <a:bodyPr spcFirstLastPara="1" wrap="square" lIns="91425" tIns="91425" rIns="91425" bIns="91425" anchor="ctr" anchorCtr="0">
+          <a:bodyPr anchorCtr="0" anchor="ctr" bIns="91425" lIns="91425" spcFirstLastPara="1" rIns="91425" wrap="square" tIns="91425">
             <a:normAutofit/>
           </a:bodyPr>
           <a:lstStyle>
@@ -3737,7 +3716,7 @@
             </a:lvl9pPr>
           </a:lstStyle>
           <a:p>
-            <a:pPr marL="0" lvl="0" indent="0" algn="r" rtl="0">
+            <a:pPr indent="0" lvl="0" marL="0" rtl="0" algn="r">
               <a:spcBef>
                 <a:spcPts val="0"/>
               </a:spcBef>
@@ -3763,11 +3742,11 @@
 </file>
 
 <file path=ppt/slideLayouts/slideLayout2.xml><?xml version="1.0" encoding="utf-8"?>
-<p:sldLayout xmlns:a="http://schemas.openxmlformats.org/drawingml/2006/main" xmlns:r="http://schemas.openxmlformats.org/officeDocument/2006/relationships" xmlns:p="http://schemas.openxmlformats.org/presentationml/2006/main" matchingName="Section header" type="secHead">
+<p:sldLayout xmlns:a="http://schemas.openxmlformats.org/drawingml/2006/main" xmlns:r="http://schemas.openxmlformats.org/officeDocument/2006/relationships" xmlns:mc="http://schemas.openxmlformats.org/markup-compatibility/2006" xmlns:mv="urn:schemas-microsoft-com:mac:vml" xmlns:p="http://schemas.openxmlformats.org/presentationml/2006/main" xmlns:c="http://schemas.openxmlformats.org/drawingml/2006/chart" xmlns:dgm="http://schemas.openxmlformats.org/drawingml/2006/diagram" xmlns:o="urn:schemas-microsoft-com:office:office" xmlns:v="urn:schemas-microsoft-com:vml" xmlns:pvml="urn:schemas-microsoft-com:office:powerpoint" xmlns:com="http://schemas.openxmlformats.org/drawingml/2006/compatibility" xmlns:p14="http://schemas.microsoft.com/office/powerpoint/2010/main" xmlns:p15="http://schemas.microsoft.com/office/powerpoint/2012/main" xmlns:ahyp="http://schemas.microsoft.com/office/drawing/2018/hyperlinkcolor" matchingName="Section header" type="secHead">
   <p:cSld name="SECTION_HEADER">
     <p:spTree>
       <p:nvGrpSpPr>
-        <p:cNvPr id="1" name="Shape 19"/>
+        <p:cNvPr id="19" name="Shape 19"/>
         <p:cNvGrpSpPr/>
         <p:nvPr/>
       </p:nvGrpSpPr>
@@ -3806,7 +3785,7 @@
             </a:xfrm>
             <a:prstGeom prst="diagStripe">
               <a:avLst>
-                <a:gd name="adj" fmla="val 49469"/>
+                <a:gd fmla="val 49469" name="adj"/>
               </a:avLst>
             </a:prstGeom>
             <a:solidFill>
@@ -3819,12 +3798,12 @@
             </a:ln>
           </p:spPr>
           <p:txBody>
-            <a:bodyPr spcFirstLastPara="1" wrap="square" lIns="91425" tIns="91425" rIns="91425" bIns="91425" anchor="ctr" anchorCtr="0">
+            <a:bodyPr anchorCtr="0" anchor="ctr" bIns="91425" lIns="91425" spcFirstLastPara="1" rIns="91425" wrap="square" tIns="91425">
               <a:noAutofit/>
             </a:bodyPr>
             <a:lstStyle/>
             <a:p>
-              <a:pPr marL="0" lvl="0" indent="0" algn="l" rtl="0">
+              <a:pPr indent="0" lvl="0" marL="0" rtl="0" algn="l">
                 <a:spcBef>
                   <a:spcPts val="0"/>
                 </a:spcBef>
@@ -3833,6 +3812,9 @@
                 </a:spcAft>
                 <a:buNone/>
               </a:pPr>
+              <a:r>
+                <a:t/>
+              </a:r>
               <a:endParaRPr/>
             </a:p>
           </p:txBody>
@@ -3850,7 +3832,7 @@
             </a:xfrm>
             <a:prstGeom prst="diagStripe">
               <a:avLst>
-                <a:gd name="adj" fmla="val 0"/>
+                <a:gd fmla="val 0" name="adj"/>
               </a:avLst>
             </a:prstGeom>
             <a:solidFill>
@@ -3863,12 +3845,12 @@
             </a:ln>
           </p:spPr>
           <p:txBody>
-            <a:bodyPr spcFirstLastPara="1" wrap="square" lIns="91425" tIns="91425" rIns="91425" bIns="91425" anchor="ctr" anchorCtr="0">
+            <a:bodyPr anchorCtr="0" anchor="ctr" bIns="91425" lIns="91425" spcFirstLastPara="1" rIns="91425" wrap="square" tIns="91425">
               <a:noAutofit/>
             </a:bodyPr>
             <a:lstStyle/>
             <a:p>
-              <a:pPr marL="0" lvl="0" indent="0" algn="l" rtl="0">
+              <a:pPr indent="0" lvl="0" marL="0" rtl="0" algn="l">
                 <a:spcBef>
                   <a:spcPts val="0"/>
                 </a:spcBef>
@@ -3877,6 +3859,9 @@
                 </a:spcAft>
                 <a:buNone/>
               </a:pPr>
+              <a:r>
+                <a:t/>
+              </a:r>
               <a:endParaRPr/>
             </a:p>
           </p:txBody>
@@ -3894,7 +3879,7 @@
             </a:xfrm>
             <a:prstGeom prst="diagStripe">
               <a:avLst>
-                <a:gd name="adj" fmla="val 50000"/>
+                <a:gd fmla="val 50000" name="adj"/>
               </a:avLst>
             </a:prstGeom>
             <a:solidFill>
@@ -3907,12 +3892,12 @@
             </a:ln>
           </p:spPr>
           <p:txBody>
-            <a:bodyPr spcFirstLastPara="1" wrap="square" lIns="91425" tIns="91425" rIns="91425" bIns="91425" anchor="ctr" anchorCtr="0">
+            <a:bodyPr anchorCtr="0" anchor="ctr" bIns="91425" lIns="91425" spcFirstLastPara="1" rIns="91425" wrap="square" tIns="91425">
               <a:noAutofit/>
             </a:bodyPr>
             <a:lstStyle/>
             <a:p>
-              <a:pPr marL="0" lvl="0" indent="0" algn="l" rtl="0">
+              <a:pPr indent="0" lvl="0" marL="0" rtl="0" algn="l">
                 <a:spcBef>
                   <a:spcPts val="0"/>
                 </a:spcBef>
@@ -3921,6 +3906,9 @@
                 </a:spcAft>
                 <a:buNone/>
               </a:pPr>
+              <a:r>
+                <a:t/>
+              </a:r>
               <a:endParaRPr/>
             </a:p>
           </p:txBody>
@@ -3938,7 +3926,7 @@
             </a:xfrm>
             <a:prstGeom prst="diagStripe">
               <a:avLst>
-                <a:gd name="adj" fmla="val 50000"/>
+                <a:gd fmla="val 50000" name="adj"/>
               </a:avLst>
             </a:prstGeom>
             <a:solidFill>
@@ -3951,12 +3939,12 @@
             </a:ln>
           </p:spPr>
           <p:txBody>
-            <a:bodyPr spcFirstLastPara="1" wrap="square" lIns="91425" tIns="91425" rIns="91425" bIns="91425" anchor="ctr" anchorCtr="0">
+            <a:bodyPr anchorCtr="0" anchor="ctr" bIns="91425" lIns="91425" spcFirstLastPara="1" rIns="91425" wrap="square" tIns="91425">
               <a:noAutofit/>
             </a:bodyPr>
             <a:lstStyle/>
             <a:p>
-              <a:pPr marL="0" lvl="0" indent="0" algn="l" rtl="0">
+              <a:pPr indent="0" lvl="0" marL="0" rtl="0" algn="l">
                 <a:spcBef>
                   <a:spcPts val="0"/>
                 </a:spcBef>
@@ -3965,6 +3953,9 @@
                 </a:spcAft>
                 <a:buNone/>
               </a:pPr>
+              <a:r>
+                <a:t/>
+              </a:r>
               <a:endParaRPr/>
             </a:p>
           </p:txBody>
@@ -3982,7 +3973,7 @@
             </a:xfrm>
             <a:prstGeom prst="diagStripe">
               <a:avLst>
-                <a:gd name="adj" fmla="val 50000"/>
+                <a:gd fmla="val 50000" name="adj"/>
               </a:avLst>
             </a:prstGeom>
             <a:solidFill>
@@ -3995,12 +3986,12 @@
             </a:ln>
           </p:spPr>
           <p:txBody>
-            <a:bodyPr spcFirstLastPara="1" wrap="square" lIns="91425" tIns="91425" rIns="91425" bIns="91425" anchor="ctr" anchorCtr="0">
+            <a:bodyPr anchorCtr="0" anchor="ctr" bIns="91425" lIns="91425" spcFirstLastPara="1" rIns="91425" wrap="square" tIns="91425">
               <a:noAutofit/>
             </a:bodyPr>
             <a:lstStyle/>
             <a:p>
-              <a:pPr marL="0" lvl="0" indent="0" algn="l" rtl="0">
+              <a:pPr indent="0" lvl="0" marL="0" rtl="0" algn="l">
                 <a:spcBef>
                   <a:spcPts val="0"/>
                 </a:spcBef>
@@ -4009,6 +4000,9 @@
                 </a:spcAft>
                 <a:buNone/>
               </a:pPr>
+              <a:r>
+                <a:t/>
+              </a:r>
               <a:endParaRPr/>
             </a:p>
           </p:txBody>
@@ -4026,7 +4020,7 @@
             </a:xfrm>
             <a:prstGeom prst="diagStripe">
               <a:avLst>
-                <a:gd name="adj" fmla="val 50000"/>
+                <a:gd fmla="val 50000" name="adj"/>
               </a:avLst>
             </a:prstGeom>
             <a:solidFill>
@@ -4039,12 +4033,12 @@
             </a:ln>
           </p:spPr>
           <p:txBody>
-            <a:bodyPr spcFirstLastPara="1" wrap="square" lIns="91425" tIns="91425" rIns="91425" bIns="91425" anchor="ctr" anchorCtr="0">
+            <a:bodyPr anchorCtr="0" anchor="ctr" bIns="91425" lIns="91425" spcFirstLastPara="1" rIns="91425" wrap="square" tIns="91425">
               <a:noAutofit/>
             </a:bodyPr>
             <a:lstStyle/>
             <a:p>
-              <a:pPr marL="0" lvl="0" indent="0" algn="l" rtl="0">
+              <a:pPr indent="0" lvl="0" marL="0" rtl="0" algn="l">
                 <a:spcBef>
                   <a:spcPts val="0"/>
                 </a:spcBef>
@@ -4053,6 +4047,9 @@
                 </a:spcAft>
                 <a:buNone/>
               </a:pPr>
+              <a:r>
+                <a:t/>
+              </a:r>
               <a:endParaRPr/>
             </a:p>
           </p:txBody>
@@ -4070,7 +4067,7 @@
             </a:xfrm>
             <a:prstGeom prst="diagStripe">
               <a:avLst>
-                <a:gd name="adj" fmla="val 50000"/>
+                <a:gd fmla="val 50000" name="adj"/>
               </a:avLst>
             </a:prstGeom>
             <a:solidFill>
@@ -4083,12 +4080,12 @@
             </a:ln>
           </p:spPr>
           <p:txBody>
-            <a:bodyPr spcFirstLastPara="1" wrap="square" lIns="91425" tIns="91425" rIns="91425" bIns="91425" anchor="ctr" anchorCtr="0">
+            <a:bodyPr anchorCtr="0" anchor="ctr" bIns="91425" lIns="91425" spcFirstLastPara="1" rIns="91425" wrap="square" tIns="91425">
               <a:noAutofit/>
             </a:bodyPr>
             <a:lstStyle/>
             <a:p>
-              <a:pPr marL="0" lvl="0" indent="0" algn="l" rtl="0">
+              <a:pPr indent="0" lvl="0" marL="0" rtl="0" algn="l">
                 <a:spcBef>
                   <a:spcPts val="0"/>
                 </a:spcBef>
@@ -4097,6 +4094,9 @@
                 </a:spcAft>
                 <a:buNone/>
               </a:pPr>
+              <a:r>
+                <a:t/>
+              </a:r>
               <a:endParaRPr/>
             </a:p>
           </p:txBody>
@@ -4114,7 +4114,7 @@
             </a:xfrm>
             <a:prstGeom prst="diagStripe">
               <a:avLst>
-                <a:gd name="adj" fmla="val 50000"/>
+                <a:gd fmla="val 50000" name="adj"/>
               </a:avLst>
             </a:prstGeom>
             <a:solidFill>
@@ -4125,12 +4125,12 @@
             </a:ln>
           </p:spPr>
           <p:txBody>
-            <a:bodyPr spcFirstLastPara="1" wrap="square" lIns="91425" tIns="91425" rIns="91425" bIns="91425" anchor="ctr" anchorCtr="0">
+            <a:bodyPr anchorCtr="0" anchor="ctr" bIns="91425" lIns="91425" spcFirstLastPara="1" rIns="91425" wrap="square" tIns="91425">
               <a:noAutofit/>
             </a:bodyPr>
             <a:lstStyle/>
             <a:p>
-              <a:pPr marL="0" lvl="0" indent="0" algn="l" rtl="0">
+              <a:pPr indent="0" lvl="0" marL="0" rtl="0" algn="l">
                 <a:spcBef>
                   <a:spcPts val="0"/>
                 </a:spcBef>
@@ -4139,6 +4139,9 @@
                 </a:spcAft>
                 <a:buNone/>
               </a:pPr>
+              <a:r>
+                <a:t/>
+              </a:r>
               <a:endParaRPr/>
             </a:p>
           </p:txBody>
@@ -4156,7 +4159,7 @@
             </a:xfrm>
             <a:prstGeom prst="diagStripe">
               <a:avLst>
-                <a:gd name="adj" fmla="val 50000"/>
+                <a:gd fmla="val 50000" name="adj"/>
               </a:avLst>
             </a:prstGeom>
             <a:solidFill>
@@ -4169,12 +4172,12 @@
             </a:ln>
           </p:spPr>
           <p:txBody>
-            <a:bodyPr spcFirstLastPara="1" wrap="square" lIns="91425" tIns="91425" rIns="91425" bIns="91425" anchor="ctr" anchorCtr="0">
+            <a:bodyPr anchorCtr="0" anchor="ctr" bIns="91425" lIns="91425" spcFirstLastPara="1" rIns="91425" wrap="square" tIns="91425">
               <a:noAutofit/>
             </a:bodyPr>
             <a:lstStyle/>
             <a:p>
-              <a:pPr marL="0" lvl="0" indent="0" algn="l" rtl="0">
+              <a:pPr indent="0" lvl="0" marL="0" rtl="0" algn="l">
                 <a:spcBef>
                   <a:spcPts val="0"/>
                 </a:spcBef>
@@ -4183,6 +4186,9 @@
                 </a:spcAft>
                 <a:buNone/>
               </a:pPr>
+              <a:r>
+                <a:t/>
+              </a:r>
               <a:endParaRPr/>
             </a:p>
           </p:txBody>
@@ -4200,7 +4206,7 @@
             </a:xfrm>
             <a:prstGeom prst="diagStripe">
               <a:avLst>
-                <a:gd name="adj" fmla="val 50000"/>
+                <a:gd fmla="val 50000" name="adj"/>
               </a:avLst>
             </a:prstGeom>
             <a:solidFill>
@@ -4213,12 +4219,12 @@
             </a:ln>
           </p:spPr>
           <p:txBody>
-            <a:bodyPr spcFirstLastPara="1" wrap="square" lIns="91425" tIns="91425" rIns="91425" bIns="91425" anchor="ctr" anchorCtr="0">
+            <a:bodyPr anchorCtr="0" anchor="ctr" bIns="91425" lIns="91425" spcFirstLastPara="1" rIns="91425" wrap="square" tIns="91425">
               <a:noAutofit/>
             </a:bodyPr>
             <a:lstStyle/>
             <a:p>
-              <a:pPr marL="0" lvl="0" indent="0" algn="l" rtl="0">
+              <a:pPr indent="0" lvl="0" marL="0" rtl="0" algn="l">
                 <a:spcBef>
                   <a:spcPts val="0"/>
                 </a:spcBef>
@@ -4227,6 +4233,9 @@
                 </a:spcAft>
                 <a:buNone/>
               </a:pPr>
+              <a:r>
+                <a:t/>
+              </a:r>
               <a:endParaRPr/>
             </a:p>
           </p:txBody>
@@ -4244,7 +4253,7 @@
             </a:xfrm>
             <a:prstGeom prst="diagStripe">
               <a:avLst>
-                <a:gd name="adj" fmla="val 50000"/>
+                <a:gd fmla="val 50000" name="adj"/>
               </a:avLst>
             </a:prstGeom>
             <a:solidFill>
@@ -4257,12 +4266,12 @@
             </a:ln>
           </p:spPr>
           <p:txBody>
-            <a:bodyPr spcFirstLastPara="1" wrap="square" lIns="91425" tIns="91425" rIns="91425" bIns="91425" anchor="ctr" anchorCtr="0">
+            <a:bodyPr anchorCtr="0" anchor="ctr" bIns="91425" lIns="91425" spcFirstLastPara="1" rIns="91425" wrap="square" tIns="91425">
               <a:noAutofit/>
             </a:bodyPr>
             <a:lstStyle/>
             <a:p>
-              <a:pPr marL="0" lvl="0" indent="0" algn="l" rtl="0">
+              <a:pPr indent="0" lvl="0" marL="0" rtl="0" algn="l">
                 <a:spcBef>
                   <a:spcPts val="0"/>
                 </a:spcBef>
@@ -4271,6 +4280,9 @@
                 </a:spcAft>
                 <a:buNone/>
               </a:pPr>
+              <a:r>
+                <a:t/>
+              </a:r>
               <a:endParaRPr/>
             </a:p>
           </p:txBody>
@@ -4288,7 +4300,7 @@
             </a:xfrm>
             <a:prstGeom prst="diagStripe">
               <a:avLst>
-                <a:gd name="adj" fmla="val 50000"/>
+                <a:gd fmla="val 50000" name="adj"/>
               </a:avLst>
             </a:prstGeom>
             <a:solidFill>
@@ -4301,12 +4313,12 @@
             </a:ln>
           </p:spPr>
           <p:txBody>
-            <a:bodyPr spcFirstLastPara="1" wrap="square" lIns="91425" tIns="91425" rIns="91425" bIns="91425" anchor="ctr" anchorCtr="0">
+            <a:bodyPr anchorCtr="0" anchor="ctr" bIns="91425" lIns="91425" spcFirstLastPara="1" rIns="91425" wrap="square" tIns="91425">
               <a:noAutofit/>
             </a:bodyPr>
             <a:lstStyle/>
             <a:p>
-              <a:pPr marL="0" lvl="0" indent="0" algn="l" rtl="0">
+              <a:pPr indent="0" lvl="0" marL="0" rtl="0" algn="l">
                 <a:spcBef>
                   <a:spcPts val="0"/>
                 </a:spcBef>
@@ -4315,6 +4327,9 @@
                 </a:spcAft>
                 <a:buNone/>
               </a:pPr>
+              <a:r>
+                <a:t/>
+              </a:r>
               <a:endParaRPr/>
             </a:p>
           </p:txBody>
@@ -4332,7 +4347,7 @@
             </a:xfrm>
             <a:prstGeom prst="diagStripe">
               <a:avLst>
-                <a:gd name="adj" fmla="val 50000"/>
+                <a:gd fmla="val 50000" name="adj"/>
               </a:avLst>
             </a:prstGeom>
             <a:solidFill>
@@ -4345,12 +4360,12 @@
             </a:ln>
           </p:spPr>
           <p:txBody>
-            <a:bodyPr spcFirstLastPara="1" wrap="square" lIns="91425" tIns="91425" rIns="91425" bIns="91425" anchor="ctr" anchorCtr="0">
+            <a:bodyPr anchorCtr="0" anchor="ctr" bIns="91425" lIns="91425" spcFirstLastPara="1" rIns="91425" wrap="square" tIns="91425">
               <a:noAutofit/>
             </a:bodyPr>
             <a:lstStyle/>
             <a:p>
-              <a:pPr marL="0" lvl="0" indent="0" algn="l" rtl="0">
+              <a:pPr indent="0" lvl="0" marL="0" rtl="0" algn="l">
                 <a:spcBef>
                   <a:spcPts val="0"/>
                 </a:spcBef>
@@ -4359,6 +4374,9 @@
                 </a:spcAft>
                 <a:buNone/>
               </a:pPr>
+              <a:r>
+                <a:t/>
+              </a:r>
               <a:endParaRPr/>
             </a:p>
           </p:txBody>
@@ -4376,7 +4394,7 @@
             </a:xfrm>
             <a:prstGeom prst="diagStripe">
               <a:avLst>
-                <a:gd name="adj" fmla="val 50000"/>
+                <a:gd fmla="val 50000" name="adj"/>
               </a:avLst>
             </a:prstGeom>
             <a:solidFill>
@@ -4387,12 +4405,12 @@
             </a:ln>
           </p:spPr>
           <p:txBody>
-            <a:bodyPr spcFirstLastPara="1" wrap="square" lIns="91425" tIns="91425" rIns="91425" bIns="91425" anchor="ctr" anchorCtr="0">
+            <a:bodyPr anchorCtr="0" anchor="ctr" bIns="91425" lIns="91425" spcFirstLastPara="1" rIns="91425" wrap="square" tIns="91425">
               <a:noAutofit/>
             </a:bodyPr>
             <a:lstStyle/>
             <a:p>
-              <a:pPr marL="0" lvl="0" indent="0" algn="l" rtl="0">
+              <a:pPr indent="0" lvl="0" marL="0" rtl="0" algn="l">
                 <a:spcBef>
                   <a:spcPts val="0"/>
                 </a:spcBef>
@@ -4401,6 +4419,9 @@
                 </a:spcAft>
                 <a:buNone/>
               </a:pPr>
+              <a:r>
+                <a:t/>
+              </a:r>
               <a:endParaRPr/>
             </a:p>
           </p:txBody>
@@ -4418,7 +4439,7 @@
             </a:xfrm>
             <a:prstGeom prst="diagStripe">
               <a:avLst>
-                <a:gd name="adj" fmla="val 50000"/>
+                <a:gd fmla="val 50000" name="adj"/>
               </a:avLst>
             </a:prstGeom>
             <a:solidFill>
@@ -4431,12 +4452,12 @@
             </a:ln>
           </p:spPr>
           <p:txBody>
-            <a:bodyPr spcFirstLastPara="1" wrap="square" lIns="91425" tIns="91425" rIns="91425" bIns="91425" anchor="ctr" anchorCtr="0">
+            <a:bodyPr anchorCtr="0" anchor="ctr" bIns="91425" lIns="91425" spcFirstLastPara="1" rIns="91425" wrap="square" tIns="91425">
               <a:noAutofit/>
             </a:bodyPr>
             <a:lstStyle/>
             <a:p>
-              <a:pPr marL="0" lvl="0" indent="0" algn="l" rtl="0">
+              <a:pPr indent="0" lvl="0" marL="0" rtl="0" algn="l">
                 <a:spcBef>
                   <a:spcPts val="0"/>
                 </a:spcBef>
@@ -4445,6 +4466,9 @@
                 </a:spcAft>
                 <a:buNone/>
               </a:pPr>
+              <a:r>
+                <a:t/>
+              </a:r>
               <a:endParaRPr/>
             </a:p>
           </p:txBody>
@@ -4462,7 +4486,7 @@
             </a:xfrm>
             <a:prstGeom prst="diagStripe">
               <a:avLst>
-                <a:gd name="adj" fmla="val 50000"/>
+                <a:gd fmla="val 50000" name="adj"/>
               </a:avLst>
             </a:prstGeom>
             <a:solidFill>
@@ -4475,12 +4499,12 @@
             </a:ln>
           </p:spPr>
           <p:txBody>
-            <a:bodyPr spcFirstLastPara="1" wrap="square" lIns="91425" tIns="91425" rIns="91425" bIns="91425" anchor="ctr" anchorCtr="0">
+            <a:bodyPr anchorCtr="0" anchor="ctr" bIns="91425" lIns="91425" spcFirstLastPara="1" rIns="91425" wrap="square" tIns="91425">
               <a:noAutofit/>
             </a:bodyPr>
             <a:lstStyle/>
             <a:p>
-              <a:pPr marL="0" lvl="0" indent="0" algn="l" rtl="0">
+              <a:pPr indent="0" lvl="0" marL="0" rtl="0" algn="l">
                 <a:spcBef>
                   <a:spcPts val="0"/>
                 </a:spcBef>
@@ -4489,6 +4513,9 @@
                 </a:spcAft>
                 <a:buNone/>
               </a:pPr>
+              <a:r>
+                <a:t/>
+              </a:r>
               <a:endParaRPr/>
             </a:p>
           </p:txBody>
@@ -4506,7 +4533,7 @@
             </a:xfrm>
             <a:prstGeom prst="diagStripe">
               <a:avLst>
-                <a:gd name="adj" fmla="val 50000"/>
+                <a:gd fmla="val 50000" name="adj"/>
               </a:avLst>
             </a:prstGeom>
             <a:solidFill>
@@ -4519,12 +4546,12 @@
             </a:ln>
           </p:spPr>
           <p:txBody>
-            <a:bodyPr spcFirstLastPara="1" wrap="square" lIns="91425" tIns="91425" rIns="91425" bIns="91425" anchor="ctr" anchorCtr="0">
+            <a:bodyPr anchorCtr="0" anchor="ctr" bIns="91425" lIns="91425" spcFirstLastPara="1" rIns="91425" wrap="square" tIns="91425">
               <a:noAutofit/>
             </a:bodyPr>
             <a:lstStyle/>
             <a:p>
-              <a:pPr marL="0" lvl="0" indent="0" algn="l" rtl="0">
+              <a:pPr indent="0" lvl="0" marL="0" rtl="0" algn="l">
                 <a:spcBef>
                   <a:spcPts val="0"/>
                 </a:spcBef>
@@ -4533,6 +4560,9 @@
                 </a:spcAft>
                 <a:buNone/>
               </a:pPr>
+              <a:r>
+                <a:t/>
+              </a:r>
               <a:endParaRPr/>
             </a:p>
           </p:txBody>
@@ -4550,7 +4580,7 @@
             </a:xfrm>
             <a:prstGeom prst="diagStripe">
               <a:avLst>
-                <a:gd name="adj" fmla="val 50000"/>
+                <a:gd fmla="val 50000" name="adj"/>
               </a:avLst>
             </a:prstGeom>
             <a:solidFill>
@@ -4563,12 +4593,12 @@
             </a:ln>
           </p:spPr>
           <p:txBody>
-            <a:bodyPr spcFirstLastPara="1" wrap="square" lIns="91425" tIns="91425" rIns="91425" bIns="91425" anchor="ctr" anchorCtr="0">
+            <a:bodyPr anchorCtr="0" anchor="ctr" bIns="91425" lIns="91425" spcFirstLastPara="1" rIns="91425" wrap="square" tIns="91425">
               <a:noAutofit/>
             </a:bodyPr>
             <a:lstStyle/>
             <a:p>
-              <a:pPr marL="0" lvl="0" indent="0" algn="l" rtl="0">
+              <a:pPr indent="0" lvl="0" marL="0" rtl="0" algn="l">
                 <a:spcBef>
                   <a:spcPts val="0"/>
                 </a:spcBef>
@@ -4577,6 +4607,9 @@
                 </a:spcAft>
                 <a:buNone/>
               </a:pPr>
+              <a:r>
+                <a:t/>
+              </a:r>
               <a:endParaRPr/>
             </a:p>
           </p:txBody>
@@ -4585,9 +4618,7 @@
       <p:sp>
         <p:nvSpPr>
           <p:cNvPr id="39" name="Google Shape;39;p3"/>
-          <p:cNvSpPr txBox="1">
-            <a:spLocks noGrp="1"/>
-          </p:cNvSpPr>
+          <p:cNvSpPr txBox="1"/>
           <p:nvPr>
             <p:ph type="title"/>
           </p:nvPr>
@@ -4602,7 +4633,7 @@
           </a:prstGeom>
         </p:spPr>
         <p:txBody>
-          <a:bodyPr spcFirstLastPara="1" wrap="square" lIns="91425" tIns="91425" rIns="91425" bIns="91425" anchor="ctr" anchorCtr="0">
+          <a:bodyPr anchorCtr="0" anchor="ctr" bIns="91425" lIns="91425" spcFirstLastPara="1" rIns="91425" wrap="square" tIns="91425">
             <a:normAutofit/>
           </a:bodyPr>
           <a:lstStyle>
@@ -4706,19 +4737,15 @@
               <a:defRPr/>
             </a:lvl9pPr>
           </a:lstStyle>
-          <a:p>
-            <a:endParaRPr/>
-          </a:p>
+          <a:p/>
         </p:txBody>
       </p:sp>
       <p:sp>
         <p:nvSpPr>
           <p:cNvPr id="40" name="Google Shape;40;p3"/>
-          <p:cNvSpPr txBox="1">
-            <a:spLocks noGrp="1"/>
-          </p:cNvSpPr>
+          <p:cNvSpPr txBox="1"/>
           <p:nvPr>
-            <p:ph type="sldNum" idx="12"/>
+            <p:ph idx="12" type="sldNum"/>
           </p:nvPr>
         </p:nvSpPr>
         <p:spPr>
@@ -4731,7 +4758,7 @@
           </a:prstGeom>
         </p:spPr>
         <p:txBody>
-          <a:bodyPr spcFirstLastPara="1" wrap="square" lIns="91425" tIns="91425" rIns="91425" bIns="91425" anchor="ctr" anchorCtr="0">
+          <a:bodyPr anchorCtr="0" anchor="ctr" bIns="91425" lIns="91425" spcFirstLastPara="1" rIns="91425" wrap="square" tIns="91425">
             <a:normAutofit/>
           </a:bodyPr>
           <a:lstStyle>
@@ -4773,7 +4800,7 @@
             </a:lvl9pPr>
           </a:lstStyle>
           <a:p>
-            <a:pPr marL="0" lvl="0" indent="0" algn="r" rtl="0">
+            <a:pPr indent="0" lvl="0" marL="0" rtl="0" algn="r">
               <a:spcBef>
                 <a:spcPts val="0"/>
               </a:spcBef>
@@ -4799,11 +4826,11 @@
 </file>
 
 <file path=ppt/slideLayouts/slideLayout3.xml><?xml version="1.0" encoding="utf-8"?>
-<p:sldLayout xmlns:a="http://schemas.openxmlformats.org/drawingml/2006/main" xmlns:r="http://schemas.openxmlformats.org/officeDocument/2006/relationships" xmlns:p="http://schemas.openxmlformats.org/presentationml/2006/main" matchingName="Title and body" type="tx">
+<p:sldLayout xmlns:a="http://schemas.openxmlformats.org/drawingml/2006/main" xmlns:r="http://schemas.openxmlformats.org/officeDocument/2006/relationships" xmlns:mc="http://schemas.openxmlformats.org/markup-compatibility/2006" xmlns:mv="urn:schemas-microsoft-com:mac:vml" xmlns:p="http://schemas.openxmlformats.org/presentationml/2006/main" xmlns:c="http://schemas.openxmlformats.org/drawingml/2006/chart" xmlns:dgm="http://schemas.openxmlformats.org/drawingml/2006/diagram" xmlns:o="urn:schemas-microsoft-com:office:office" xmlns:v="urn:schemas-microsoft-com:vml" xmlns:pvml="urn:schemas-microsoft-com:office:powerpoint" xmlns:com="http://schemas.openxmlformats.org/drawingml/2006/compatibility" xmlns:p14="http://schemas.microsoft.com/office/powerpoint/2010/main" xmlns:p15="http://schemas.microsoft.com/office/powerpoint/2012/main" xmlns:ahyp="http://schemas.microsoft.com/office/drawing/2018/hyperlinkcolor" matchingName="Title and body" type="tx">
   <p:cSld name="TITLE_AND_BODY">
     <p:spTree>
       <p:nvGrpSpPr>
-        <p:cNvPr id="1" name="Shape 41"/>
+        <p:cNvPr id="41" name="Shape 41"/>
         <p:cNvGrpSpPr/>
         <p:nvPr/>
       </p:nvGrpSpPr>
@@ -4842,7 +4869,7 @@
             </a:xfrm>
             <a:prstGeom prst="diagStripe">
               <a:avLst>
-                <a:gd name="adj" fmla="val 50000"/>
+                <a:gd fmla="val 50000" name="adj"/>
               </a:avLst>
             </a:prstGeom>
             <a:solidFill>
@@ -4853,12 +4880,12 @@
             </a:ln>
           </p:spPr>
           <p:txBody>
-            <a:bodyPr spcFirstLastPara="1" wrap="square" lIns="91425" tIns="91425" rIns="91425" bIns="91425" anchor="ctr" anchorCtr="0">
+            <a:bodyPr anchorCtr="0" anchor="ctr" bIns="91425" lIns="91425" spcFirstLastPara="1" rIns="91425" wrap="square" tIns="91425">
               <a:noAutofit/>
             </a:bodyPr>
             <a:lstStyle/>
             <a:p>
-              <a:pPr marL="0" lvl="0" indent="0" algn="l" rtl="0">
+              <a:pPr indent="0" lvl="0" marL="0" rtl="0" algn="l">
                 <a:spcBef>
                   <a:spcPts val="0"/>
                 </a:spcBef>
@@ -4867,6 +4894,9 @@
                 </a:spcAft>
                 <a:buNone/>
               </a:pPr>
+              <a:r>
+                <a:t/>
+              </a:r>
               <a:endParaRPr/>
             </a:p>
           </p:txBody>
@@ -4884,7 +4914,7 @@
             </a:xfrm>
             <a:prstGeom prst="diagStripe">
               <a:avLst>
-                <a:gd name="adj" fmla="val 50000"/>
+                <a:gd fmla="val 50000" name="adj"/>
               </a:avLst>
             </a:prstGeom>
             <a:solidFill>
@@ -4895,12 +4925,12 @@
             </a:ln>
           </p:spPr>
           <p:txBody>
-            <a:bodyPr spcFirstLastPara="1" wrap="square" lIns="91425" tIns="91425" rIns="91425" bIns="91425" anchor="ctr" anchorCtr="0">
+            <a:bodyPr anchorCtr="0" anchor="ctr" bIns="91425" lIns="91425" spcFirstLastPara="1" rIns="91425" wrap="square" tIns="91425">
               <a:noAutofit/>
             </a:bodyPr>
             <a:lstStyle/>
             <a:p>
-              <a:pPr marL="0" lvl="0" indent="0" algn="l" rtl="0">
+              <a:pPr indent="0" lvl="0" marL="0" rtl="0" algn="l">
                 <a:spcBef>
                   <a:spcPts val="0"/>
                 </a:spcBef>
@@ -4909,6 +4939,9 @@
                 </a:spcAft>
                 <a:buNone/>
               </a:pPr>
+              <a:r>
+                <a:t/>
+              </a:r>
               <a:endParaRPr/>
             </a:p>
           </p:txBody>
@@ -4917,9 +4950,7 @@
       <p:sp>
         <p:nvSpPr>
           <p:cNvPr id="45" name="Google Shape;45;p4"/>
-          <p:cNvSpPr txBox="1">
-            <a:spLocks noGrp="1"/>
-          </p:cNvSpPr>
+          <p:cNvSpPr txBox="1"/>
           <p:nvPr>
             <p:ph type="title"/>
           </p:nvPr>
@@ -4934,7 +4965,7 @@
           </a:prstGeom>
         </p:spPr>
         <p:txBody>
-          <a:bodyPr spcFirstLastPara="1" wrap="square" lIns="91425" tIns="91425" rIns="91425" bIns="91425" anchor="t" anchorCtr="0">
+          <a:bodyPr anchorCtr="0" anchor="t" bIns="91425" lIns="91425" spcFirstLastPara="1" rIns="91425" wrap="square" tIns="91425">
             <a:normAutofit/>
           </a:bodyPr>
           <a:lstStyle>
@@ -5038,19 +5069,15 @@
               <a:defRPr sz="2400"/>
             </a:lvl9pPr>
           </a:lstStyle>
-          <a:p>
-            <a:endParaRPr/>
-          </a:p>
+          <a:p/>
         </p:txBody>
       </p:sp>
       <p:sp>
         <p:nvSpPr>
           <p:cNvPr id="46" name="Google Shape;46;p4"/>
-          <p:cNvSpPr txBox="1">
-            <a:spLocks noGrp="1"/>
-          </p:cNvSpPr>
+          <p:cNvSpPr txBox="1"/>
           <p:nvPr>
-            <p:ph type="body" idx="1"/>
+            <p:ph idx="1" type="body"/>
           </p:nvPr>
         </p:nvSpPr>
         <p:spPr>
@@ -5063,11 +5090,11 @@
           </a:prstGeom>
         </p:spPr>
         <p:txBody>
-          <a:bodyPr spcFirstLastPara="1" wrap="square" lIns="91425" tIns="91425" rIns="91425" bIns="91425" anchor="t" anchorCtr="0">
+          <a:bodyPr anchorCtr="0" anchor="t" bIns="91425" lIns="91425" spcFirstLastPara="1" rIns="91425" wrap="square" tIns="91425">
             <a:normAutofit/>
           </a:bodyPr>
           <a:lstStyle>
-            <a:lvl1pPr marL="457200" lvl="0" indent="-311150">
+            <a:lvl1pPr indent="-311150" lvl="0" marL="457200">
               <a:spcBef>
                 <a:spcPts val="0"/>
               </a:spcBef>
@@ -5078,7 +5105,7 @@
               <a:buChar char="●"/>
               <a:defRPr/>
             </a:lvl1pPr>
-            <a:lvl2pPr marL="914400" lvl="1" indent="-298450">
+            <a:lvl2pPr indent="-298450" lvl="1" marL="914400">
               <a:spcBef>
                 <a:spcPts val="0"/>
               </a:spcBef>
@@ -5089,7 +5116,7 @@
               <a:buChar char="○"/>
               <a:defRPr/>
             </a:lvl2pPr>
-            <a:lvl3pPr marL="1371600" lvl="2" indent="-298450">
+            <a:lvl3pPr indent="-298450" lvl="2" marL="1371600">
               <a:spcBef>
                 <a:spcPts val="0"/>
               </a:spcBef>
@@ -5100,7 +5127,7 @@
               <a:buChar char="■"/>
               <a:defRPr/>
             </a:lvl3pPr>
-            <a:lvl4pPr marL="1828800" lvl="3" indent="-298450">
+            <a:lvl4pPr indent="-298450" lvl="3" marL="1828800">
               <a:spcBef>
                 <a:spcPts val="0"/>
               </a:spcBef>
@@ -5111,7 +5138,7 @@
               <a:buChar char="●"/>
               <a:defRPr/>
             </a:lvl4pPr>
-            <a:lvl5pPr marL="2286000" lvl="4" indent="-298450">
+            <a:lvl5pPr indent="-298450" lvl="4" marL="2286000">
               <a:spcBef>
                 <a:spcPts val="0"/>
               </a:spcBef>
@@ -5122,7 +5149,7 @@
               <a:buChar char="○"/>
               <a:defRPr/>
             </a:lvl5pPr>
-            <a:lvl6pPr marL="2743200" lvl="5" indent="-298450">
+            <a:lvl6pPr indent="-298450" lvl="5" marL="2743200">
               <a:spcBef>
                 <a:spcPts val="0"/>
               </a:spcBef>
@@ -5133,7 +5160,7 @@
               <a:buChar char="■"/>
               <a:defRPr/>
             </a:lvl6pPr>
-            <a:lvl7pPr marL="3200400" lvl="6" indent="-298450">
+            <a:lvl7pPr indent="-298450" lvl="6" marL="3200400">
               <a:spcBef>
                 <a:spcPts val="0"/>
               </a:spcBef>
@@ -5144,7 +5171,7 @@
               <a:buChar char="●"/>
               <a:defRPr/>
             </a:lvl7pPr>
-            <a:lvl8pPr marL="3657600" lvl="7" indent="-298450">
+            <a:lvl8pPr indent="-298450" lvl="7" marL="3657600">
               <a:spcBef>
                 <a:spcPts val="0"/>
               </a:spcBef>
@@ -5155,7 +5182,7 @@
               <a:buChar char="○"/>
               <a:defRPr/>
             </a:lvl8pPr>
-            <a:lvl9pPr marL="4114800" lvl="8" indent="-298450">
+            <a:lvl9pPr indent="-298450" lvl="8" marL="4114800">
               <a:spcBef>
                 <a:spcPts val="0"/>
               </a:spcBef>
@@ -5167,19 +5194,15 @@
               <a:defRPr/>
             </a:lvl9pPr>
           </a:lstStyle>
-          <a:p>
-            <a:endParaRPr/>
-          </a:p>
+          <a:p/>
         </p:txBody>
       </p:sp>
       <p:sp>
         <p:nvSpPr>
           <p:cNvPr id="47" name="Google Shape;47;p4"/>
-          <p:cNvSpPr txBox="1">
-            <a:spLocks noGrp="1"/>
-          </p:cNvSpPr>
+          <p:cNvSpPr txBox="1"/>
           <p:nvPr>
-            <p:ph type="sldNum" idx="12"/>
+            <p:ph idx="12" type="sldNum"/>
           </p:nvPr>
         </p:nvSpPr>
         <p:spPr>
@@ -5192,7 +5215,7 @@
           </a:prstGeom>
         </p:spPr>
         <p:txBody>
-          <a:bodyPr spcFirstLastPara="1" wrap="square" lIns="91425" tIns="91425" rIns="91425" bIns="91425" anchor="ctr" anchorCtr="0">
+          <a:bodyPr anchorCtr="0" anchor="ctr" bIns="91425" lIns="91425" spcFirstLastPara="1" rIns="91425" wrap="square" tIns="91425">
             <a:normAutofit/>
           </a:bodyPr>
           <a:lstStyle>
@@ -5234,7 +5257,7 @@
             </a:lvl9pPr>
           </a:lstStyle>
           <a:p>
-            <a:pPr marL="0" lvl="0" indent="0" algn="r" rtl="0">
+            <a:pPr indent="0" lvl="0" marL="0" rtl="0" algn="r">
               <a:spcBef>
                 <a:spcPts val="0"/>
               </a:spcBef>
@@ -5260,11 +5283,11 @@
 </file>
 
 <file path=ppt/slideLayouts/slideLayout4.xml><?xml version="1.0" encoding="utf-8"?>
-<p:sldLayout xmlns:a="http://schemas.openxmlformats.org/drawingml/2006/main" xmlns:r="http://schemas.openxmlformats.org/officeDocument/2006/relationships" xmlns:p="http://schemas.openxmlformats.org/presentationml/2006/main" matchingName="Title and two columns" type="twoColTx">
+<p:sldLayout xmlns:a="http://schemas.openxmlformats.org/drawingml/2006/main" xmlns:r="http://schemas.openxmlformats.org/officeDocument/2006/relationships" xmlns:mc="http://schemas.openxmlformats.org/markup-compatibility/2006" xmlns:mv="urn:schemas-microsoft-com:mac:vml" xmlns:p="http://schemas.openxmlformats.org/presentationml/2006/main" xmlns:c="http://schemas.openxmlformats.org/drawingml/2006/chart" xmlns:dgm="http://schemas.openxmlformats.org/drawingml/2006/diagram" xmlns:o="urn:schemas-microsoft-com:office:office" xmlns:v="urn:schemas-microsoft-com:vml" xmlns:pvml="urn:schemas-microsoft-com:office:powerpoint" xmlns:com="http://schemas.openxmlformats.org/drawingml/2006/compatibility" xmlns:p14="http://schemas.microsoft.com/office/powerpoint/2010/main" xmlns:p15="http://schemas.microsoft.com/office/powerpoint/2012/main" xmlns:ahyp="http://schemas.microsoft.com/office/drawing/2018/hyperlinkcolor" matchingName="Title and two columns" type="twoColTx">
   <p:cSld name="TITLE_AND_TWO_COLUMNS">
     <p:spTree>
       <p:nvGrpSpPr>
-        <p:cNvPr id="1" name="Shape 48"/>
+        <p:cNvPr id="48" name="Shape 48"/>
         <p:cNvGrpSpPr/>
         <p:nvPr/>
       </p:nvGrpSpPr>
@@ -5303,7 +5326,7 @@
             </a:xfrm>
             <a:prstGeom prst="diagStripe">
               <a:avLst>
-                <a:gd name="adj" fmla="val 50000"/>
+                <a:gd fmla="val 50000" name="adj"/>
               </a:avLst>
             </a:prstGeom>
             <a:solidFill>
@@ -5314,12 +5337,12 @@
             </a:ln>
           </p:spPr>
           <p:txBody>
-            <a:bodyPr spcFirstLastPara="1" wrap="square" lIns="91425" tIns="91425" rIns="91425" bIns="91425" anchor="ctr" anchorCtr="0">
+            <a:bodyPr anchorCtr="0" anchor="ctr" bIns="91425" lIns="91425" spcFirstLastPara="1" rIns="91425" wrap="square" tIns="91425">
               <a:noAutofit/>
             </a:bodyPr>
             <a:lstStyle/>
             <a:p>
-              <a:pPr marL="0" lvl="0" indent="0" algn="l" rtl="0">
+              <a:pPr indent="0" lvl="0" marL="0" rtl="0" algn="l">
                 <a:spcBef>
                   <a:spcPts val="0"/>
                 </a:spcBef>
@@ -5328,6 +5351,9 @@
                 </a:spcAft>
                 <a:buNone/>
               </a:pPr>
+              <a:r>
+                <a:t/>
+              </a:r>
               <a:endParaRPr/>
             </a:p>
           </p:txBody>
@@ -5345,7 +5371,7 @@
             </a:xfrm>
             <a:prstGeom prst="diagStripe">
               <a:avLst>
-                <a:gd name="adj" fmla="val 50000"/>
+                <a:gd fmla="val 50000" name="adj"/>
               </a:avLst>
             </a:prstGeom>
             <a:solidFill>
@@ -5356,12 +5382,12 @@
             </a:ln>
           </p:spPr>
           <p:txBody>
-            <a:bodyPr spcFirstLastPara="1" wrap="square" lIns="91425" tIns="91425" rIns="91425" bIns="91425" anchor="ctr" anchorCtr="0">
+            <a:bodyPr anchorCtr="0" anchor="ctr" bIns="91425" lIns="91425" spcFirstLastPara="1" rIns="91425" wrap="square" tIns="91425">
               <a:noAutofit/>
             </a:bodyPr>
             <a:lstStyle/>
             <a:p>
-              <a:pPr marL="0" lvl="0" indent="0" algn="l" rtl="0">
+              <a:pPr indent="0" lvl="0" marL="0" rtl="0" algn="l">
                 <a:spcBef>
                   <a:spcPts val="0"/>
                 </a:spcBef>
@@ -5370,6 +5396,9 @@
                 </a:spcAft>
                 <a:buNone/>
               </a:pPr>
+              <a:r>
+                <a:t/>
+              </a:r>
               <a:endParaRPr/>
             </a:p>
           </p:txBody>
@@ -5378,9 +5407,7 @@
       <p:sp>
         <p:nvSpPr>
           <p:cNvPr id="52" name="Google Shape;52;p5"/>
-          <p:cNvSpPr txBox="1">
-            <a:spLocks noGrp="1"/>
-          </p:cNvSpPr>
+          <p:cNvSpPr txBox="1"/>
           <p:nvPr>
             <p:ph type="title"/>
           </p:nvPr>
@@ -5395,7 +5422,7 @@
           </a:prstGeom>
         </p:spPr>
         <p:txBody>
-          <a:bodyPr spcFirstLastPara="1" wrap="square" lIns="91425" tIns="91425" rIns="91425" bIns="91425" anchor="t" anchorCtr="0">
+          <a:bodyPr anchorCtr="0" anchor="t" bIns="91425" lIns="91425" spcFirstLastPara="1" rIns="91425" wrap="square" tIns="91425">
             <a:normAutofit/>
           </a:bodyPr>
           <a:lstStyle>
@@ -5499,19 +5526,15 @@
               <a:defRPr sz="2400"/>
             </a:lvl9pPr>
           </a:lstStyle>
-          <a:p>
-            <a:endParaRPr/>
-          </a:p>
+          <a:p/>
         </p:txBody>
       </p:sp>
       <p:sp>
         <p:nvSpPr>
           <p:cNvPr id="53" name="Google Shape;53;p5"/>
-          <p:cNvSpPr txBox="1">
-            <a:spLocks noGrp="1"/>
-          </p:cNvSpPr>
+          <p:cNvSpPr txBox="1"/>
           <p:nvPr>
-            <p:ph type="body" idx="1"/>
+            <p:ph idx="1" type="body"/>
           </p:nvPr>
         </p:nvSpPr>
         <p:spPr>
@@ -5524,11 +5547,11 @@
           </a:prstGeom>
         </p:spPr>
         <p:txBody>
-          <a:bodyPr spcFirstLastPara="1" wrap="square" lIns="91425" tIns="91425" rIns="91425" bIns="91425" anchor="t" anchorCtr="0">
+          <a:bodyPr anchorCtr="0" anchor="t" bIns="91425" lIns="91425" spcFirstLastPara="1" rIns="91425" wrap="square" tIns="91425">
             <a:normAutofit/>
           </a:bodyPr>
           <a:lstStyle>
-            <a:lvl1pPr marL="457200" lvl="0" indent="-311150">
+            <a:lvl1pPr indent="-311150" lvl="0" marL="457200">
               <a:spcBef>
                 <a:spcPts val="0"/>
               </a:spcBef>
@@ -5539,7 +5562,7 @@
               <a:buChar char="●"/>
               <a:defRPr/>
             </a:lvl1pPr>
-            <a:lvl2pPr marL="914400" lvl="1" indent="-298450">
+            <a:lvl2pPr indent="-298450" lvl="1" marL="914400">
               <a:spcBef>
                 <a:spcPts val="0"/>
               </a:spcBef>
@@ -5550,7 +5573,7 @@
               <a:buChar char="○"/>
               <a:defRPr/>
             </a:lvl2pPr>
-            <a:lvl3pPr marL="1371600" lvl="2" indent="-298450">
+            <a:lvl3pPr indent="-298450" lvl="2" marL="1371600">
               <a:spcBef>
                 <a:spcPts val="0"/>
               </a:spcBef>
@@ -5561,7 +5584,7 @@
               <a:buChar char="■"/>
               <a:defRPr/>
             </a:lvl3pPr>
-            <a:lvl4pPr marL="1828800" lvl="3" indent="-298450">
+            <a:lvl4pPr indent="-298450" lvl="3" marL="1828800">
               <a:spcBef>
                 <a:spcPts val="0"/>
               </a:spcBef>
@@ -5572,7 +5595,7 @@
               <a:buChar char="●"/>
               <a:defRPr/>
             </a:lvl4pPr>
-            <a:lvl5pPr marL="2286000" lvl="4" indent="-298450">
+            <a:lvl5pPr indent="-298450" lvl="4" marL="2286000">
               <a:spcBef>
                 <a:spcPts val="0"/>
               </a:spcBef>
@@ -5583,7 +5606,7 @@
               <a:buChar char="○"/>
               <a:defRPr/>
             </a:lvl5pPr>
-            <a:lvl6pPr marL="2743200" lvl="5" indent="-298450">
+            <a:lvl6pPr indent="-298450" lvl="5" marL="2743200">
               <a:spcBef>
                 <a:spcPts val="0"/>
               </a:spcBef>
@@ -5594,7 +5617,7 @@
               <a:buChar char="■"/>
               <a:defRPr/>
             </a:lvl6pPr>
-            <a:lvl7pPr marL="3200400" lvl="6" indent="-298450">
+            <a:lvl7pPr indent="-298450" lvl="6" marL="3200400">
               <a:spcBef>
                 <a:spcPts val="0"/>
               </a:spcBef>
@@ -5605,7 +5628,7 @@
               <a:buChar char="●"/>
               <a:defRPr/>
             </a:lvl7pPr>
-            <a:lvl8pPr marL="3657600" lvl="7" indent="-298450">
+            <a:lvl8pPr indent="-298450" lvl="7" marL="3657600">
               <a:spcBef>
                 <a:spcPts val="0"/>
               </a:spcBef>
@@ -5616,7 +5639,7 @@
               <a:buChar char="○"/>
               <a:defRPr/>
             </a:lvl8pPr>
-            <a:lvl9pPr marL="4114800" lvl="8" indent="-298450">
+            <a:lvl9pPr indent="-298450" lvl="8" marL="4114800">
               <a:spcBef>
                 <a:spcPts val="0"/>
               </a:spcBef>
@@ -5628,19 +5651,15 @@
               <a:defRPr/>
             </a:lvl9pPr>
           </a:lstStyle>
-          <a:p>
-            <a:endParaRPr/>
-          </a:p>
+          <a:p/>
         </p:txBody>
       </p:sp>
       <p:sp>
         <p:nvSpPr>
           <p:cNvPr id="54" name="Google Shape;54;p5"/>
-          <p:cNvSpPr txBox="1">
-            <a:spLocks noGrp="1"/>
-          </p:cNvSpPr>
+          <p:cNvSpPr txBox="1"/>
           <p:nvPr>
-            <p:ph type="body" idx="2"/>
+            <p:ph idx="2" type="body"/>
           </p:nvPr>
         </p:nvSpPr>
         <p:spPr>
@@ -5653,11 +5672,11 @@
           </a:prstGeom>
         </p:spPr>
         <p:txBody>
-          <a:bodyPr spcFirstLastPara="1" wrap="square" lIns="91425" tIns="91425" rIns="91425" bIns="91425" anchor="t" anchorCtr="0">
+          <a:bodyPr anchorCtr="0" anchor="t" bIns="91425" lIns="91425" spcFirstLastPara="1" rIns="91425" wrap="square" tIns="91425">
             <a:normAutofit/>
           </a:bodyPr>
           <a:lstStyle>
-            <a:lvl1pPr marL="457200" lvl="0" indent="-311150">
+            <a:lvl1pPr indent="-311150" lvl="0" marL="457200">
               <a:spcBef>
                 <a:spcPts val="0"/>
               </a:spcBef>
@@ -5668,7 +5687,7 @@
               <a:buChar char="●"/>
               <a:defRPr/>
             </a:lvl1pPr>
-            <a:lvl2pPr marL="914400" lvl="1" indent="-298450">
+            <a:lvl2pPr indent="-298450" lvl="1" marL="914400">
               <a:spcBef>
                 <a:spcPts val="0"/>
               </a:spcBef>
@@ -5679,7 +5698,7 @@
               <a:buChar char="○"/>
               <a:defRPr/>
             </a:lvl2pPr>
-            <a:lvl3pPr marL="1371600" lvl="2" indent="-298450">
+            <a:lvl3pPr indent="-298450" lvl="2" marL="1371600">
               <a:spcBef>
                 <a:spcPts val="0"/>
               </a:spcBef>
@@ -5690,7 +5709,7 @@
               <a:buChar char="■"/>
               <a:defRPr/>
             </a:lvl3pPr>
-            <a:lvl4pPr marL="1828800" lvl="3" indent="-298450">
+            <a:lvl4pPr indent="-298450" lvl="3" marL="1828800">
               <a:spcBef>
                 <a:spcPts val="0"/>
               </a:spcBef>
@@ -5701,7 +5720,7 @@
               <a:buChar char="●"/>
               <a:defRPr/>
             </a:lvl4pPr>
-            <a:lvl5pPr marL="2286000" lvl="4" indent="-298450">
+            <a:lvl5pPr indent="-298450" lvl="4" marL="2286000">
               <a:spcBef>
                 <a:spcPts val="0"/>
               </a:spcBef>
@@ -5712,7 +5731,7 @@
               <a:buChar char="○"/>
               <a:defRPr/>
             </a:lvl5pPr>
-            <a:lvl6pPr marL="2743200" lvl="5" indent="-298450">
+            <a:lvl6pPr indent="-298450" lvl="5" marL="2743200">
               <a:spcBef>
                 <a:spcPts val="0"/>
               </a:spcBef>
@@ -5723,7 +5742,7 @@
               <a:buChar char="■"/>
               <a:defRPr/>
             </a:lvl6pPr>
-            <a:lvl7pPr marL="3200400" lvl="6" indent="-298450">
+            <a:lvl7pPr indent="-298450" lvl="6" marL="3200400">
               <a:spcBef>
                 <a:spcPts val="0"/>
               </a:spcBef>
@@ -5734,7 +5753,7 @@
               <a:buChar char="●"/>
               <a:defRPr/>
             </a:lvl7pPr>
-            <a:lvl8pPr marL="3657600" lvl="7" indent="-298450">
+            <a:lvl8pPr indent="-298450" lvl="7" marL="3657600">
               <a:spcBef>
                 <a:spcPts val="0"/>
               </a:spcBef>
@@ -5745,7 +5764,7 @@
               <a:buChar char="○"/>
               <a:defRPr/>
             </a:lvl8pPr>
-            <a:lvl9pPr marL="4114800" lvl="8" indent="-298450">
+            <a:lvl9pPr indent="-298450" lvl="8" marL="4114800">
               <a:spcBef>
                 <a:spcPts val="0"/>
               </a:spcBef>
@@ -5757,19 +5776,15 @@
               <a:defRPr/>
             </a:lvl9pPr>
           </a:lstStyle>
-          <a:p>
-            <a:endParaRPr/>
-          </a:p>
+          <a:p/>
         </p:txBody>
       </p:sp>
       <p:sp>
         <p:nvSpPr>
           <p:cNvPr id="55" name="Google Shape;55;p5"/>
-          <p:cNvSpPr txBox="1">
-            <a:spLocks noGrp="1"/>
-          </p:cNvSpPr>
+          <p:cNvSpPr txBox="1"/>
           <p:nvPr>
-            <p:ph type="sldNum" idx="12"/>
+            <p:ph idx="12" type="sldNum"/>
           </p:nvPr>
         </p:nvSpPr>
         <p:spPr>
@@ -5782,7 +5797,7 @@
           </a:prstGeom>
         </p:spPr>
         <p:txBody>
-          <a:bodyPr spcFirstLastPara="1" wrap="square" lIns="91425" tIns="91425" rIns="91425" bIns="91425" anchor="ctr" anchorCtr="0">
+          <a:bodyPr anchorCtr="0" anchor="ctr" bIns="91425" lIns="91425" spcFirstLastPara="1" rIns="91425" wrap="square" tIns="91425">
             <a:normAutofit/>
           </a:bodyPr>
           <a:lstStyle>
@@ -5824,7 +5839,7 @@
             </a:lvl9pPr>
           </a:lstStyle>
           <a:p>
-            <a:pPr marL="0" lvl="0" indent="0" algn="r" rtl="0">
+            <a:pPr indent="0" lvl="0" marL="0" rtl="0" algn="r">
               <a:spcBef>
                 <a:spcPts val="0"/>
               </a:spcBef>
@@ -5850,11 +5865,11 @@
 </file>
 
 <file path=ppt/slideLayouts/slideLayout5.xml><?xml version="1.0" encoding="utf-8"?>
-<p:sldLayout xmlns:a="http://schemas.openxmlformats.org/drawingml/2006/main" xmlns:r="http://schemas.openxmlformats.org/officeDocument/2006/relationships" xmlns:p="http://schemas.openxmlformats.org/presentationml/2006/main" matchingName="Title only" type="titleOnly">
+<p:sldLayout xmlns:a="http://schemas.openxmlformats.org/drawingml/2006/main" xmlns:r="http://schemas.openxmlformats.org/officeDocument/2006/relationships" xmlns:mc="http://schemas.openxmlformats.org/markup-compatibility/2006" xmlns:mv="urn:schemas-microsoft-com:mac:vml" xmlns:p="http://schemas.openxmlformats.org/presentationml/2006/main" xmlns:c="http://schemas.openxmlformats.org/drawingml/2006/chart" xmlns:dgm="http://schemas.openxmlformats.org/drawingml/2006/diagram" xmlns:o="urn:schemas-microsoft-com:office:office" xmlns:v="urn:schemas-microsoft-com:vml" xmlns:pvml="urn:schemas-microsoft-com:office:powerpoint" xmlns:com="http://schemas.openxmlformats.org/drawingml/2006/compatibility" xmlns:p14="http://schemas.microsoft.com/office/powerpoint/2010/main" xmlns:p15="http://schemas.microsoft.com/office/powerpoint/2012/main" xmlns:ahyp="http://schemas.microsoft.com/office/drawing/2018/hyperlinkcolor" matchingName="Title only" type="titleOnly">
   <p:cSld name="TITLE_ONLY">
     <p:spTree>
       <p:nvGrpSpPr>
-        <p:cNvPr id="1" name="Shape 56"/>
+        <p:cNvPr id="56" name="Shape 56"/>
         <p:cNvGrpSpPr/>
         <p:nvPr/>
       </p:nvGrpSpPr>
@@ -5893,7 +5908,7 @@
             </a:xfrm>
             <a:prstGeom prst="diagStripe">
               <a:avLst>
-                <a:gd name="adj" fmla="val 50000"/>
+                <a:gd fmla="val 50000" name="adj"/>
               </a:avLst>
             </a:prstGeom>
             <a:solidFill>
@@ -5904,12 +5919,12 @@
             </a:ln>
           </p:spPr>
           <p:txBody>
-            <a:bodyPr spcFirstLastPara="1" wrap="square" lIns="91425" tIns="91425" rIns="91425" bIns="91425" anchor="ctr" anchorCtr="0">
+            <a:bodyPr anchorCtr="0" anchor="ctr" bIns="91425" lIns="91425" spcFirstLastPara="1" rIns="91425" wrap="square" tIns="91425">
               <a:noAutofit/>
             </a:bodyPr>
             <a:lstStyle/>
             <a:p>
-              <a:pPr marL="0" lvl="0" indent="0" algn="l" rtl="0">
+              <a:pPr indent="0" lvl="0" marL="0" rtl="0" algn="l">
                 <a:spcBef>
                   <a:spcPts val="0"/>
                 </a:spcBef>
@@ -5918,6 +5933,9 @@
                 </a:spcAft>
                 <a:buNone/>
               </a:pPr>
+              <a:r>
+                <a:t/>
+              </a:r>
               <a:endParaRPr/>
             </a:p>
           </p:txBody>
@@ -5935,7 +5953,7 @@
             </a:xfrm>
             <a:prstGeom prst="diagStripe">
               <a:avLst>
-                <a:gd name="adj" fmla="val 50000"/>
+                <a:gd fmla="val 50000" name="adj"/>
               </a:avLst>
             </a:prstGeom>
             <a:solidFill>
@@ -5946,12 +5964,12 @@
             </a:ln>
           </p:spPr>
           <p:txBody>
-            <a:bodyPr spcFirstLastPara="1" wrap="square" lIns="91425" tIns="91425" rIns="91425" bIns="91425" anchor="ctr" anchorCtr="0">
+            <a:bodyPr anchorCtr="0" anchor="ctr" bIns="91425" lIns="91425" spcFirstLastPara="1" rIns="91425" wrap="square" tIns="91425">
               <a:noAutofit/>
             </a:bodyPr>
             <a:lstStyle/>
             <a:p>
-              <a:pPr marL="0" lvl="0" indent="0" algn="l" rtl="0">
+              <a:pPr indent="0" lvl="0" marL="0" rtl="0" algn="l">
                 <a:spcBef>
                   <a:spcPts val="0"/>
                 </a:spcBef>
@@ -5960,6 +5978,9 @@
                 </a:spcAft>
                 <a:buNone/>
               </a:pPr>
+              <a:r>
+                <a:t/>
+              </a:r>
               <a:endParaRPr/>
             </a:p>
           </p:txBody>
@@ -5968,9 +5989,7 @@
       <p:sp>
         <p:nvSpPr>
           <p:cNvPr id="60" name="Google Shape;60;p6"/>
-          <p:cNvSpPr txBox="1">
-            <a:spLocks noGrp="1"/>
-          </p:cNvSpPr>
+          <p:cNvSpPr txBox="1"/>
           <p:nvPr>
             <p:ph type="title"/>
           </p:nvPr>
@@ -5985,7 +6004,7 @@
           </a:prstGeom>
         </p:spPr>
         <p:txBody>
-          <a:bodyPr spcFirstLastPara="1" wrap="square" lIns="91425" tIns="91425" rIns="91425" bIns="91425" anchor="t" anchorCtr="0">
+          <a:bodyPr anchorCtr="0" anchor="t" bIns="91425" lIns="91425" spcFirstLastPara="1" rIns="91425" wrap="square" tIns="91425">
             <a:normAutofit/>
           </a:bodyPr>
           <a:lstStyle>
@@ -6089,19 +6108,15 @@
               <a:defRPr sz="2400"/>
             </a:lvl9pPr>
           </a:lstStyle>
-          <a:p>
-            <a:endParaRPr/>
-          </a:p>
+          <a:p/>
         </p:txBody>
       </p:sp>
       <p:sp>
         <p:nvSpPr>
           <p:cNvPr id="61" name="Google Shape;61;p6"/>
-          <p:cNvSpPr txBox="1">
-            <a:spLocks noGrp="1"/>
-          </p:cNvSpPr>
+          <p:cNvSpPr txBox="1"/>
           <p:nvPr>
-            <p:ph type="sldNum" idx="12"/>
+            <p:ph idx="12" type="sldNum"/>
           </p:nvPr>
         </p:nvSpPr>
         <p:spPr>
@@ -6114,7 +6129,7 @@
           </a:prstGeom>
         </p:spPr>
         <p:txBody>
-          <a:bodyPr spcFirstLastPara="1" wrap="square" lIns="91425" tIns="91425" rIns="91425" bIns="91425" anchor="ctr" anchorCtr="0">
+          <a:bodyPr anchorCtr="0" anchor="ctr" bIns="91425" lIns="91425" spcFirstLastPara="1" rIns="91425" wrap="square" tIns="91425">
             <a:normAutofit/>
           </a:bodyPr>
           <a:lstStyle>
@@ -6156,7 +6171,7 @@
             </a:lvl9pPr>
           </a:lstStyle>
           <a:p>
-            <a:pPr marL="0" lvl="0" indent="0" algn="r" rtl="0">
+            <a:pPr indent="0" lvl="0" marL="0" rtl="0" algn="r">
               <a:spcBef>
                 <a:spcPts val="0"/>
               </a:spcBef>
@@ -6182,11 +6197,11 @@
 </file>
 
 <file path=ppt/slideLayouts/slideLayout6.xml><?xml version="1.0" encoding="utf-8"?>
-<p:sldLayout xmlns:a="http://schemas.openxmlformats.org/drawingml/2006/main" xmlns:r="http://schemas.openxmlformats.org/officeDocument/2006/relationships" xmlns:p="http://schemas.openxmlformats.org/presentationml/2006/main" matchingName="One column text">
+<p:sldLayout xmlns:a="http://schemas.openxmlformats.org/drawingml/2006/main" xmlns:r="http://schemas.openxmlformats.org/officeDocument/2006/relationships" xmlns:mc="http://schemas.openxmlformats.org/markup-compatibility/2006" xmlns:mv="urn:schemas-microsoft-com:mac:vml" xmlns:p="http://schemas.openxmlformats.org/presentationml/2006/main" xmlns:c="http://schemas.openxmlformats.org/drawingml/2006/chart" xmlns:dgm="http://schemas.openxmlformats.org/drawingml/2006/diagram" xmlns:o="urn:schemas-microsoft-com:office:office" xmlns:v="urn:schemas-microsoft-com:vml" xmlns:pvml="urn:schemas-microsoft-com:office:powerpoint" xmlns:com="http://schemas.openxmlformats.org/drawingml/2006/compatibility" xmlns:p14="http://schemas.microsoft.com/office/powerpoint/2010/main" xmlns:p15="http://schemas.microsoft.com/office/powerpoint/2012/main" xmlns:ahyp="http://schemas.microsoft.com/office/drawing/2018/hyperlinkcolor" matchingName="One column text">
   <p:cSld name="ONE_COLUMN_TEXT">
     <p:spTree>
       <p:nvGrpSpPr>
-        <p:cNvPr id="1" name="Shape 62"/>
+        <p:cNvPr id="62" name="Shape 62"/>
         <p:cNvGrpSpPr/>
         <p:nvPr/>
       </p:nvGrpSpPr>
@@ -6225,7 +6240,7 @@
             </a:xfrm>
             <a:prstGeom prst="diagStripe">
               <a:avLst>
-                <a:gd name="adj" fmla="val 50000"/>
+                <a:gd fmla="val 50000" name="adj"/>
               </a:avLst>
             </a:prstGeom>
             <a:solidFill>
@@ -6236,12 +6251,12 @@
             </a:ln>
           </p:spPr>
           <p:txBody>
-            <a:bodyPr spcFirstLastPara="1" wrap="square" lIns="91425" tIns="91425" rIns="91425" bIns="91425" anchor="ctr" anchorCtr="0">
+            <a:bodyPr anchorCtr="0" anchor="ctr" bIns="91425" lIns="91425" spcFirstLastPara="1" rIns="91425" wrap="square" tIns="91425">
               <a:noAutofit/>
             </a:bodyPr>
             <a:lstStyle/>
             <a:p>
-              <a:pPr marL="0" lvl="0" indent="0" algn="l" rtl="0">
+              <a:pPr indent="0" lvl="0" marL="0" rtl="0" algn="l">
                 <a:spcBef>
                   <a:spcPts val="0"/>
                 </a:spcBef>
@@ -6250,6 +6265,9 @@
                 </a:spcAft>
                 <a:buNone/>
               </a:pPr>
+              <a:r>
+                <a:t/>
+              </a:r>
               <a:endParaRPr/>
             </a:p>
           </p:txBody>
@@ -6267,7 +6285,7 @@
             </a:xfrm>
             <a:prstGeom prst="diagStripe">
               <a:avLst>
-                <a:gd name="adj" fmla="val 50000"/>
+                <a:gd fmla="val 50000" name="adj"/>
               </a:avLst>
             </a:prstGeom>
             <a:solidFill>
@@ -6278,12 +6296,12 @@
             </a:ln>
           </p:spPr>
           <p:txBody>
-            <a:bodyPr spcFirstLastPara="1" wrap="square" lIns="91425" tIns="91425" rIns="91425" bIns="91425" anchor="ctr" anchorCtr="0">
+            <a:bodyPr anchorCtr="0" anchor="ctr" bIns="91425" lIns="91425" spcFirstLastPara="1" rIns="91425" wrap="square" tIns="91425">
               <a:noAutofit/>
             </a:bodyPr>
             <a:lstStyle/>
             <a:p>
-              <a:pPr marL="0" lvl="0" indent="0" algn="l" rtl="0">
+              <a:pPr indent="0" lvl="0" marL="0" rtl="0" algn="l">
                 <a:spcBef>
                   <a:spcPts val="0"/>
                 </a:spcBef>
@@ -6292,6 +6310,9 @@
                 </a:spcAft>
                 <a:buNone/>
               </a:pPr>
+              <a:r>
+                <a:t/>
+              </a:r>
               <a:endParaRPr/>
             </a:p>
           </p:txBody>
@@ -6300,9 +6321,7 @@
       <p:sp>
         <p:nvSpPr>
           <p:cNvPr id="66" name="Google Shape;66;p7"/>
-          <p:cNvSpPr txBox="1">
-            <a:spLocks noGrp="1"/>
-          </p:cNvSpPr>
+          <p:cNvSpPr txBox="1"/>
           <p:nvPr>
             <p:ph type="title"/>
           </p:nvPr>
@@ -6317,7 +6336,7 @@
           </a:prstGeom>
         </p:spPr>
         <p:txBody>
-          <a:bodyPr spcFirstLastPara="1" wrap="square" lIns="91425" tIns="91425" rIns="91425" bIns="91425" anchor="t" anchorCtr="0">
+          <a:bodyPr anchorCtr="0" anchor="t" bIns="91425" lIns="91425" spcFirstLastPara="1" rIns="91425" wrap="square" tIns="91425">
             <a:normAutofit/>
           </a:bodyPr>
           <a:lstStyle>
@@ -6421,19 +6440,15 @@
               <a:defRPr sz="2400"/>
             </a:lvl9pPr>
           </a:lstStyle>
-          <a:p>
-            <a:endParaRPr/>
-          </a:p>
+          <a:p/>
         </p:txBody>
       </p:sp>
       <p:sp>
         <p:nvSpPr>
           <p:cNvPr id="67" name="Google Shape;67;p7"/>
-          <p:cNvSpPr txBox="1">
-            <a:spLocks noGrp="1"/>
-          </p:cNvSpPr>
+          <p:cNvSpPr txBox="1"/>
           <p:nvPr>
-            <p:ph type="body" idx="1"/>
+            <p:ph idx="1" type="body"/>
           </p:nvPr>
         </p:nvSpPr>
         <p:spPr>
@@ -6446,11 +6461,11 @@
           </a:prstGeom>
         </p:spPr>
         <p:txBody>
-          <a:bodyPr spcFirstLastPara="1" wrap="square" lIns="91425" tIns="91425" rIns="91425" bIns="91425" anchor="t" anchorCtr="0">
+          <a:bodyPr anchorCtr="0" anchor="t" bIns="91425" lIns="91425" spcFirstLastPara="1" rIns="91425" wrap="square" tIns="91425">
             <a:normAutofit/>
           </a:bodyPr>
           <a:lstStyle>
-            <a:lvl1pPr marL="457200" lvl="0" indent="-311150">
+            <a:lvl1pPr indent="-311150" lvl="0" marL="457200">
               <a:spcBef>
                 <a:spcPts val="0"/>
               </a:spcBef>
@@ -6461,7 +6476,7 @@
               <a:buChar char="●"/>
               <a:defRPr/>
             </a:lvl1pPr>
-            <a:lvl2pPr marL="914400" lvl="1" indent="-298450">
+            <a:lvl2pPr indent="-298450" lvl="1" marL="914400">
               <a:spcBef>
                 <a:spcPts val="0"/>
               </a:spcBef>
@@ -6472,7 +6487,7 @@
               <a:buChar char="○"/>
               <a:defRPr/>
             </a:lvl2pPr>
-            <a:lvl3pPr marL="1371600" lvl="2" indent="-298450">
+            <a:lvl3pPr indent="-298450" lvl="2" marL="1371600">
               <a:spcBef>
                 <a:spcPts val="0"/>
               </a:spcBef>
@@ -6483,7 +6498,7 @@
               <a:buChar char="■"/>
               <a:defRPr/>
             </a:lvl3pPr>
-            <a:lvl4pPr marL="1828800" lvl="3" indent="-298450">
+            <a:lvl4pPr indent="-298450" lvl="3" marL="1828800">
               <a:spcBef>
                 <a:spcPts val="0"/>
               </a:spcBef>
@@ -6494,7 +6509,7 @@
               <a:buChar char="●"/>
               <a:defRPr/>
             </a:lvl4pPr>
-            <a:lvl5pPr marL="2286000" lvl="4" indent="-298450">
+            <a:lvl5pPr indent="-298450" lvl="4" marL="2286000">
               <a:spcBef>
                 <a:spcPts val="0"/>
               </a:spcBef>
@@ -6505,7 +6520,7 @@
               <a:buChar char="○"/>
               <a:defRPr/>
             </a:lvl5pPr>
-            <a:lvl6pPr marL="2743200" lvl="5" indent="-298450">
+            <a:lvl6pPr indent="-298450" lvl="5" marL="2743200">
               <a:spcBef>
                 <a:spcPts val="0"/>
               </a:spcBef>
@@ -6516,7 +6531,7 @@
               <a:buChar char="■"/>
               <a:defRPr/>
             </a:lvl6pPr>
-            <a:lvl7pPr marL="3200400" lvl="6" indent="-298450">
+            <a:lvl7pPr indent="-298450" lvl="6" marL="3200400">
               <a:spcBef>
                 <a:spcPts val="0"/>
               </a:spcBef>
@@ -6527,7 +6542,7 @@
               <a:buChar char="●"/>
               <a:defRPr/>
             </a:lvl7pPr>
-            <a:lvl8pPr marL="3657600" lvl="7" indent="-298450">
+            <a:lvl8pPr indent="-298450" lvl="7" marL="3657600">
               <a:spcBef>
                 <a:spcPts val="0"/>
               </a:spcBef>
@@ -6538,7 +6553,7 @@
               <a:buChar char="○"/>
               <a:defRPr/>
             </a:lvl8pPr>
-            <a:lvl9pPr marL="4114800" lvl="8" indent="-298450">
+            <a:lvl9pPr indent="-298450" lvl="8" marL="4114800">
               <a:spcBef>
                 <a:spcPts val="0"/>
               </a:spcBef>
@@ -6550,19 +6565,15 @@
               <a:defRPr/>
             </a:lvl9pPr>
           </a:lstStyle>
-          <a:p>
-            <a:endParaRPr/>
-          </a:p>
+          <a:p/>
         </p:txBody>
       </p:sp>
       <p:sp>
         <p:nvSpPr>
           <p:cNvPr id="68" name="Google Shape;68;p7"/>
-          <p:cNvSpPr txBox="1">
-            <a:spLocks noGrp="1"/>
-          </p:cNvSpPr>
+          <p:cNvSpPr txBox="1"/>
           <p:nvPr>
-            <p:ph type="sldNum" idx="12"/>
+            <p:ph idx="12" type="sldNum"/>
           </p:nvPr>
         </p:nvSpPr>
         <p:spPr>
@@ -6575,7 +6586,7 @@
           </a:prstGeom>
         </p:spPr>
         <p:txBody>
-          <a:bodyPr spcFirstLastPara="1" wrap="square" lIns="91425" tIns="91425" rIns="91425" bIns="91425" anchor="ctr" anchorCtr="0">
+          <a:bodyPr anchorCtr="0" anchor="ctr" bIns="91425" lIns="91425" spcFirstLastPara="1" rIns="91425" wrap="square" tIns="91425">
             <a:normAutofit/>
           </a:bodyPr>
           <a:lstStyle>
@@ -6617,7 +6628,7 @@
             </a:lvl9pPr>
           </a:lstStyle>
           <a:p>
-            <a:pPr marL="0" lvl="0" indent="0" algn="r" rtl="0">
+            <a:pPr indent="0" lvl="0" marL="0" rtl="0" algn="r">
               <a:spcBef>
                 <a:spcPts val="0"/>
               </a:spcBef>
@@ -6643,11 +6654,11 @@
 </file>
 
 <file path=ppt/slideLayouts/slideLayout7.xml><?xml version="1.0" encoding="utf-8"?>
-<p:sldLayout xmlns:a="http://schemas.openxmlformats.org/drawingml/2006/main" xmlns:r="http://schemas.openxmlformats.org/officeDocument/2006/relationships" xmlns:p="http://schemas.openxmlformats.org/presentationml/2006/main" matchingName="Main point">
+<p:sldLayout xmlns:a="http://schemas.openxmlformats.org/drawingml/2006/main" xmlns:r="http://schemas.openxmlformats.org/officeDocument/2006/relationships" xmlns:mc="http://schemas.openxmlformats.org/markup-compatibility/2006" xmlns:mv="urn:schemas-microsoft-com:mac:vml" xmlns:p="http://schemas.openxmlformats.org/presentationml/2006/main" xmlns:c="http://schemas.openxmlformats.org/drawingml/2006/chart" xmlns:dgm="http://schemas.openxmlformats.org/drawingml/2006/diagram" xmlns:o="urn:schemas-microsoft-com:office:office" xmlns:v="urn:schemas-microsoft-com:vml" xmlns:pvml="urn:schemas-microsoft-com:office:powerpoint" xmlns:com="http://schemas.openxmlformats.org/drawingml/2006/compatibility" xmlns:p14="http://schemas.microsoft.com/office/powerpoint/2010/main" xmlns:p15="http://schemas.microsoft.com/office/powerpoint/2012/main" xmlns:ahyp="http://schemas.microsoft.com/office/drawing/2018/hyperlinkcolor" matchingName="Main point">
   <p:cSld name="MAIN_POINT">
     <p:spTree>
       <p:nvGrpSpPr>
-        <p:cNvPr id="1" name="Shape 69"/>
+        <p:cNvPr id="69" name="Shape 69"/>
         <p:cNvGrpSpPr/>
         <p:nvPr/>
       </p:nvGrpSpPr>
@@ -6686,7 +6697,7 @@
             </a:xfrm>
             <a:prstGeom prst="diagStripe">
               <a:avLst>
-                <a:gd name="adj" fmla="val 49469"/>
+                <a:gd fmla="val 49469" name="adj"/>
               </a:avLst>
             </a:prstGeom>
             <a:solidFill>
@@ -6699,12 +6710,12 @@
             </a:ln>
           </p:spPr>
           <p:txBody>
-            <a:bodyPr spcFirstLastPara="1" wrap="square" lIns="91425" tIns="91425" rIns="91425" bIns="91425" anchor="ctr" anchorCtr="0">
+            <a:bodyPr anchorCtr="0" anchor="ctr" bIns="91425" lIns="91425" spcFirstLastPara="1" rIns="91425" wrap="square" tIns="91425">
               <a:noAutofit/>
             </a:bodyPr>
             <a:lstStyle/>
             <a:p>
-              <a:pPr marL="0" lvl="0" indent="0" algn="l" rtl="0">
+              <a:pPr indent="0" lvl="0" marL="0" rtl="0" algn="l">
                 <a:spcBef>
                   <a:spcPts val="0"/>
                 </a:spcBef>
@@ -6713,6 +6724,9 @@
                 </a:spcAft>
                 <a:buNone/>
               </a:pPr>
+              <a:r>
+                <a:t/>
+              </a:r>
               <a:endParaRPr/>
             </a:p>
           </p:txBody>
@@ -6730,7 +6744,7 @@
             </a:xfrm>
             <a:prstGeom prst="diagStripe">
               <a:avLst>
-                <a:gd name="adj" fmla="val 0"/>
+                <a:gd fmla="val 0" name="adj"/>
               </a:avLst>
             </a:prstGeom>
             <a:solidFill>
@@ -6743,12 +6757,12 @@
             </a:ln>
           </p:spPr>
           <p:txBody>
-            <a:bodyPr spcFirstLastPara="1" wrap="square" lIns="91425" tIns="91425" rIns="91425" bIns="91425" anchor="ctr" anchorCtr="0">
+            <a:bodyPr anchorCtr="0" anchor="ctr" bIns="91425" lIns="91425" spcFirstLastPara="1" rIns="91425" wrap="square" tIns="91425">
               <a:noAutofit/>
             </a:bodyPr>
             <a:lstStyle/>
             <a:p>
-              <a:pPr marL="0" lvl="0" indent="0" algn="l" rtl="0">
+              <a:pPr indent="0" lvl="0" marL="0" rtl="0" algn="l">
                 <a:spcBef>
                   <a:spcPts val="0"/>
                 </a:spcBef>
@@ -6757,6 +6771,9 @@
                 </a:spcAft>
                 <a:buNone/>
               </a:pPr>
+              <a:r>
+                <a:t/>
+              </a:r>
               <a:endParaRPr/>
             </a:p>
           </p:txBody>
@@ -6774,7 +6791,7 @@
             </a:xfrm>
             <a:prstGeom prst="diagStripe">
               <a:avLst>
-                <a:gd name="adj" fmla="val 50000"/>
+                <a:gd fmla="val 50000" name="adj"/>
               </a:avLst>
             </a:prstGeom>
             <a:solidFill>
@@ -6787,12 +6804,12 @@
             </a:ln>
           </p:spPr>
           <p:txBody>
-            <a:bodyPr spcFirstLastPara="1" wrap="square" lIns="91425" tIns="91425" rIns="91425" bIns="91425" anchor="ctr" anchorCtr="0">
+            <a:bodyPr anchorCtr="0" anchor="ctr" bIns="91425" lIns="91425" spcFirstLastPara="1" rIns="91425" wrap="square" tIns="91425">
               <a:noAutofit/>
             </a:bodyPr>
             <a:lstStyle/>
             <a:p>
-              <a:pPr marL="0" lvl="0" indent="0" algn="l" rtl="0">
+              <a:pPr indent="0" lvl="0" marL="0" rtl="0" algn="l">
                 <a:spcBef>
                   <a:spcPts val="0"/>
                 </a:spcBef>
@@ -6801,6 +6818,9 @@
                 </a:spcAft>
                 <a:buNone/>
               </a:pPr>
+              <a:r>
+                <a:t/>
+              </a:r>
               <a:endParaRPr/>
             </a:p>
           </p:txBody>
@@ -6818,7 +6838,7 @@
             </a:xfrm>
             <a:prstGeom prst="diagStripe">
               <a:avLst>
-                <a:gd name="adj" fmla="val 50000"/>
+                <a:gd fmla="val 50000" name="adj"/>
               </a:avLst>
             </a:prstGeom>
             <a:solidFill>
@@ -6831,12 +6851,12 @@
             </a:ln>
           </p:spPr>
           <p:txBody>
-            <a:bodyPr spcFirstLastPara="1" wrap="square" lIns="91425" tIns="91425" rIns="91425" bIns="91425" anchor="ctr" anchorCtr="0">
+            <a:bodyPr anchorCtr="0" anchor="ctr" bIns="91425" lIns="91425" spcFirstLastPara="1" rIns="91425" wrap="square" tIns="91425">
               <a:noAutofit/>
             </a:bodyPr>
             <a:lstStyle/>
             <a:p>
-              <a:pPr marL="0" lvl="0" indent="0" algn="l" rtl="0">
+              <a:pPr indent="0" lvl="0" marL="0" rtl="0" algn="l">
                 <a:spcBef>
                   <a:spcPts val="0"/>
                 </a:spcBef>
@@ -6845,6 +6865,9 @@
                 </a:spcAft>
                 <a:buNone/>
               </a:pPr>
+              <a:r>
+                <a:t/>
+              </a:r>
               <a:endParaRPr/>
             </a:p>
           </p:txBody>
@@ -6862,7 +6885,7 @@
             </a:xfrm>
             <a:prstGeom prst="diagStripe">
               <a:avLst>
-                <a:gd name="adj" fmla="val 50000"/>
+                <a:gd fmla="val 50000" name="adj"/>
               </a:avLst>
             </a:prstGeom>
             <a:solidFill>
@@ -6875,12 +6898,12 @@
             </a:ln>
           </p:spPr>
           <p:txBody>
-            <a:bodyPr spcFirstLastPara="1" wrap="square" lIns="91425" tIns="91425" rIns="91425" bIns="91425" anchor="ctr" anchorCtr="0">
+            <a:bodyPr anchorCtr="0" anchor="ctr" bIns="91425" lIns="91425" spcFirstLastPara="1" rIns="91425" wrap="square" tIns="91425">
               <a:noAutofit/>
             </a:bodyPr>
             <a:lstStyle/>
             <a:p>
-              <a:pPr marL="0" lvl="0" indent="0" algn="l" rtl="0">
+              <a:pPr indent="0" lvl="0" marL="0" rtl="0" algn="l">
                 <a:spcBef>
                   <a:spcPts val="0"/>
                 </a:spcBef>
@@ -6889,6 +6912,9 @@
                 </a:spcAft>
                 <a:buNone/>
               </a:pPr>
+              <a:r>
+                <a:t/>
+              </a:r>
               <a:endParaRPr/>
             </a:p>
           </p:txBody>
@@ -6906,7 +6932,7 @@
             </a:xfrm>
             <a:prstGeom prst="diagStripe">
               <a:avLst>
-                <a:gd name="adj" fmla="val 50000"/>
+                <a:gd fmla="val 50000" name="adj"/>
               </a:avLst>
             </a:prstGeom>
             <a:solidFill>
@@ -6919,12 +6945,12 @@
             </a:ln>
           </p:spPr>
           <p:txBody>
-            <a:bodyPr spcFirstLastPara="1" wrap="square" lIns="91425" tIns="91425" rIns="91425" bIns="91425" anchor="ctr" anchorCtr="0">
+            <a:bodyPr anchorCtr="0" anchor="ctr" bIns="91425" lIns="91425" spcFirstLastPara="1" rIns="91425" wrap="square" tIns="91425">
               <a:noAutofit/>
             </a:bodyPr>
             <a:lstStyle/>
             <a:p>
-              <a:pPr marL="0" lvl="0" indent="0" algn="l" rtl="0">
+              <a:pPr indent="0" lvl="0" marL="0" rtl="0" algn="l">
                 <a:spcBef>
                   <a:spcPts val="0"/>
                 </a:spcBef>
@@ -6933,6 +6959,9 @@
                 </a:spcAft>
                 <a:buNone/>
               </a:pPr>
+              <a:r>
+                <a:t/>
+              </a:r>
               <a:endParaRPr/>
             </a:p>
           </p:txBody>
@@ -6950,7 +6979,7 @@
             </a:xfrm>
             <a:prstGeom prst="diagStripe">
               <a:avLst>
-                <a:gd name="adj" fmla="val 50000"/>
+                <a:gd fmla="val 50000" name="adj"/>
               </a:avLst>
             </a:prstGeom>
             <a:solidFill>
@@ -6963,12 +6992,12 @@
             </a:ln>
           </p:spPr>
           <p:txBody>
-            <a:bodyPr spcFirstLastPara="1" wrap="square" lIns="91425" tIns="91425" rIns="91425" bIns="91425" anchor="ctr" anchorCtr="0">
+            <a:bodyPr anchorCtr="0" anchor="ctr" bIns="91425" lIns="91425" spcFirstLastPara="1" rIns="91425" wrap="square" tIns="91425">
               <a:noAutofit/>
             </a:bodyPr>
             <a:lstStyle/>
             <a:p>
-              <a:pPr marL="0" lvl="0" indent="0" algn="l" rtl="0">
+              <a:pPr indent="0" lvl="0" marL="0" rtl="0" algn="l">
                 <a:spcBef>
                   <a:spcPts val="0"/>
                 </a:spcBef>
@@ -6977,6 +7006,9 @@
                 </a:spcAft>
                 <a:buNone/>
               </a:pPr>
+              <a:r>
+                <a:t/>
+              </a:r>
               <a:endParaRPr/>
             </a:p>
           </p:txBody>
@@ -6994,7 +7026,7 @@
             </a:xfrm>
             <a:prstGeom prst="diagStripe">
               <a:avLst>
-                <a:gd name="adj" fmla="val 50000"/>
+                <a:gd fmla="val 50000" name="adj"/>
               </a:avLst>
             </a:prstGeom>
             <a:solidFill>
@@ -7005,12 +7037,12 @@
             </a:ln>
           </p:spPr>
           <p:txBody>
-            <a:bodyPr spcFirstLastPara="1" wrap="square" lIns="91425" tIns="91425" rIns="91425" bIns="91425" anchor="ctr" anchorCtr="0">
+            <a:bodyPr anchorCtr="0" anchor="ctr" bIns="91425" lIns="91425" spcFirstLastPara="1" rIns="91425" wrap="square" tIns="91425">
               <a:noAutofit/>
             </a:bodyPr>
             <a:lstStyle/>
             <a:p>
-              <a:pPr marL="0" lvl="0" indent="0" algn="l" rtl="0">
+              <a:pPr indent="0" lvl="0" marL="0" rtl="0" algn="l">
                 <a:spcBef>
                   <a:spcPts val="0"/>
                 </a:spcBef>
@@ -7019,6 +7051,9 @@
                 </a:spcAft>
                 <a:buNone/>
               </a:pPr>
+              <a:r>
+                <a:t/>
+              </a:r>
               <a:endParaRPr/>
             </a:p>
           </p:txBody>
@@ -7036,7 +7071,7 @@
             </a:xfrm>
             <a:prstGeom prst="diagStripe">
               <a:avLst>
-                <a:gd name="adj" fmla="val 50000"/>
+                <a:gd fmla="val 50000" name="adj"/>
               </a:avLst>
             </a:prstGeom>
             <a:solidFill>
@@ -7049,12 +7084,12 @@
             </a:ln>
           </p:spPr>
           <p:txBody>
-            <a:bodyPr spcFirstLastPara="1" wrap="square" lIns="91425" tIns="91425" rIns="91425" bIns="91425" anchor="ctr" anchorCtr="0">
+            <a:bodyPr anchorCtr="0" anchor="ctr" bIns="91425" lIns="91425" spcFirstLastPara="1" rIns="91425" wrap="square" tIns="91425">
               <a:noAutofit/>
             </a:bodyPr>
             <a:lstStyle/>
             <a:p>
-              <a:pPr marL="0" lvl="0" indent="0" algn="l" rtl="0">
+              <a:pPr indent="0" lvl="0" marL="0" rtl="0" algn="l">
                 <a:spcBef>
                   <a:spcPts val="0"/>
                 </a:spcBef>
@@ -7063,6 +7098,9 @@
                 </a:spcAft>
                 <a:buNone/>
               </a:pPr>
+              <a:r>
+                <a:t/>
+              </a:r>
               <a:endParaRPr/>
             </a:p>
           </p:txBody>
@@ -7080,7 +7118,7 @@
             </a:xfrm>
             <a:prstGeom prst="diagStripe">
               <a:avLst>
-                <a:gd name="adj" fmla="val 50000"/>
+                <a:gd fmla="val 50000" name="adj"/>
               </a:avLst>
             </a:prstGeom>
             <a:solidFill>
@@ -7093,12 +7131,12 @@
             </a:ln>
           </p:spPr>
           <p:txBody>
-            <a:bodyPr spcFirstLastPara="1" wrap="square" lIns="91425" tIns="91425" rIns="91425" bIns="91425" anchor="ctr" anchorCtr="0">
+            <a:bodyPr anchorCtr="0" anchor="ctr" bIns="91425" lIns="91425" spcFirstLastPara="1" rIns="91425" wrap="square" tIns="91425">
               <a:noAutofit/>
             </a:bodyPr>
             <a:lstStyle/>
             <a:p>
-              <a:pPr marL="0" lvl="0" indent="0" algn="l" rtl="0">
+              <a:pPr indent="0" lvl="0" marL="0" rtl="0" algn="l">
                 <a:spcBef>
                   <a:spcPts val="0"/>
                 </a:spcBef>
@@ -7107,6 +7145,9 @@
                 </a:spcAft>
                 <a:buNone/>
               </a:pPr>
+              <a:r>
+                <a:t/>
+              </a:r>
               <a:endParaRPr/>
             </a:p>
           </p:txBody>
@@ -7124,7 +7165,7 @@
             </a:xfrm>
             <a:prstGeom prst="diagStripe">
               <a:avLst>
-                <a:gd name="adj" fmla="val 50000"/>
+                <a:gd fmla="val 50000" name="adj"/>
               </a:avLst>
             </a:prstGeom>
             <a:solidFill>
@@ -7137,12 +7178,12 @@
             </a:ln>
           </p:spPr>
           <p:txBody>
-            <a:bodyPr spcFirstLastPara="1" wrap="square" lIns="91425" tIns="91425" rIns="91425" bIns="91425" anchor="ctr" anchorCtr="0">
+            <a:bodyPr anchorCtr="0" anchor="ctr" bIns="91425" lIns="91425" spcFirstLastPara="1" rIns="91425" wrap="square" tIns="91425">
               <a:noAutofit/>
             </a:bodyPr>
             <a:lstStyle/>
             <a:p>
-              <a:pPr marL="0" lvl="0" indent="0" algn="l" rtl="0">
+              <a:pPr indent="0" lvl="0" marL="0" rtl="0" algn="l">
                 <a:spcBef>
                   <a:spcPts val="0"/>
                 </a:spcBef>
@@ -7151,6 +7192,9 @@
                 </a:spcAft>
                 <a:buNone/>
               </a:pPr>
+              <a:r>
+                <a:t/>
+              </a:r>
               <a:endParaRPr/>
             </a:p>
           </p:txBody>
@@ -7168,7 +7212,7 @@
             </a:xfrm>
             <a:prstGeom prst="diagStripe">
               <a:avLst>
-                <a:gd name="adj" fmla="val 50000"/>
+                <a:gd fmla="val 50000" name="adj"/>
               </a:avLst>
             </a:prstGeom>
             <a:solidFill>
@@ -7181,12 +7225,12 @@
             </a:ln>
           </p:spPr>
           <p:txBody>
-            <a:bodyPr spcFirstLastPara="1" wrap="square" lIns="91425" tIns="91425" rIns="91425" bIns="91425" anchor="ctr" anchorCtr="0">
+            <a:bodyPr anchorCtr="0" anchor="ctr" bIns="91425" lIns="91425" spcFirstLastPara="1" rIns="91425" wrap="square" tIns="91425">
               <a:noAutofit/>
             </a:bodyPr>
             <a:lstStyle/>
             <a:p>
-              <a:pPr marL="0" lvl="0" indent="0" algn="l" rtl="0">
+              <a:pPr indent="0" lvl="0" marL="0" rtl="0" algn="l">
                 <a:spcBef>
                   <a:spcPts val="0"/>
                 </a:spcBef>
@@ -7195,6 +7239,9 @@
                 </a:spcAft>
                 <a:buNone/>
               </a:pPr>
+              <a:r>
+                <a:t/>
+              </a:r>
               <a:endParaRPr/>
             </a:p>
           </p:txBody>
@@ -7212,7 +7259,7 @@
             </a:xfrm>
             <a:prstGeom prst="diagStripe">
               <a:avLst>
-                <a:gd name="adj" fmla="val 50000"/>
+                <a:gd fmla="val 50000" name="adj"/>
               </a:avLst>
             </a:prstGeom>
             <a:solidFill>
@@ -7225,12 +7272,12 @@
             </a:ln>
           </p:spPr>
           <p:txBody>
-            <a:bodyPr spcFirstLastPara="1" wrap="square" lIns="91425" tIns="91425" rIns="91425" bIns="91425" anchor="ctr" anchorCtr="0">
+            <a:bodyPr anchorCtr="0" anchor="ctr" bIns="91425" lIns="91425" spcFirstLastPara="1" rIns="91425" wrap="square" tIns="91425">
               <a:noAutofit/>
             </a:bodyPr>
             <a:lstStyle/>
             <a:p>
-              <a:pPr marL="0" lvl="0" indent="0" algn="l" rtl="0">
+              <a:pPr indent="0" lvl="0" marL="0" rtl="0" algn="l">
                 <a:spcBef>
                   <a:spcPts val="0"/>
                 </a:spcBef>
@@ -7239,6 +7286,9 @@
                 </a:spcAft>
                 <a:buNone/>
               </a:pPr>
+              <a:r>
+                <a:t/>
+              </a:r>
               <a:endParaRPr/>
             </a:p>
           </p:txBody>
@@ -7256,7 +7306,7 @@
             </a:xfrm>
             <a:prstGeom prst="diagStripe">
               <a:avLst>
-                <a:gd name="adj" fmla="val 50000"/>
+                <a:gd fmla="val 50000" name="adj"/>
               </a:avLst>
             </a:prstGeom>
             <a:solidFill>
@@ -7267,12 +7317,12 @@
             </a:ln>
           </p:spPr>
           <p:txBody>
-            <a:bodyPr spcFirstLastPara="1" wrap="square" lIns="91425" tIns="91425" rIns="91425" bIns="91425" anchor="ctr" anchorCtr="0">
+            <a:bodyPr anchorCtr="0" anchor="ctr" bIns="91425" lIns="91425" spcFirstLastPara="1" rIns="91425" wrap="square" tIns="91425">
               <a:noAutofit/>
             </a:bodyPr>
             <a:lstStyle/>
             <a:p>
-              <a:pPr marL="0" lvl="0" indent="0" algn="l" rtl="0">
+              <a:pPr indent="0" lvl="0" marL="0" rtl="0" algn="l">
                 <a:spcBef>
                   <a:spcPts val="0"/>
                 </a:spcBef>
@@ -7281,6 +7331,9 @@
                 </a:spcAft>
                 <a:buNone/>
               </a:pPr>
+              <a:r>
+                <a:t/>
+              </a:r>
               <a:endParaRPr/>
             </a:p>
           </p:txBody>
@@ -7298,7 +7351,7 @@
             </a:xfrm>
             <a:prstGeom prst="diagStripe">
               <a:avLst>
-                <a:gd name="adj" fmla="val 50000"/>
+                <a:gd fmla="val 50000" name="adj"/>
               </a:avLst>
             </a:prstGeom>
             <a:solidFill>
@@ -7311,12 +7364,12 @@
             </a:ln>
           </p:spPr>
           <p:txBody>
-            <a:bodyPr spcFirstLastPara="1" wrap="square" lIns="91425" tIns="91425" rIns="91425" bIns="91425" anchor="ctr" anchorCtr="0">
+            <a:bodyPr anchorCtr="0" anchor="ctr" bIns="91425" lIns="91425" spcFirstLastPara="1" rIns="91425" wrap="square" tIns="91425">
               <a:noAutofit/>
             </a:bodyPr>
             <a:lstStyle/>
             <a:p>
-              <a:pPr marL="0" lvl="0" indent="0" algn="l" rtl="0">
+              <a:pPr indent="0" lvl="0" marL="0" rtl="0" algn="l">
                 <a:spcBef>
                   <a:spcPts val="0"/>
                 </a:spcBef>
@@ -7325,6 +7378,9 @@
                 </a:spcAft>
                 <a:buNone/>
               </a:pPr>
+              <a:r>
+                <a:t/>
+              </a:r>
               <a:endParaRPr/>
             </a:p>
           </p:txBody>
@@ -7342,7 +7398,7 @@
             </a:xfrm>
             <a:prstGeom prst="diagStripe">
               <a:avLst>
-                <a:gd name="adj" fmla="val 50000"/>
+                <a:gd fmla="val 50000" name="adj"/>
               </a:avLst>
             </a:prstGeom>
             <a:solidFill>
@@ -7355,12 +7411,12 @@
             </a:ln>
           </p:spPr>
           <p:txBody>
-            <a:bodyPr spcFirstLastPara="1" wrap="square" lIns="91425" tIns="91425" rIns="91425" bIns="91425" anchor="ctr" anchorCtr="0">
+            <a:bodyPr anchorCtr="0" anchor="ctr" bIns="91425" lIns="91425" spcFirstLastPara="1" rIns="91425" wrap="square" tIns="91425">
               <a:noAutofit/>
             </a:bodyPr>
             <a:lstStyle/>
             <a:p>
-              <a:pPr marL="0" lvl="0" indent="0" algn="l" rtl="0">
+              <a:pPr indent="0" lvl="0" marL="0" rtl="0" algn="l">
                 <a:spcBef>
                   <a:spcPts val="0"/>
                 </a:spcBef>
@@ -7369,6 +7425,9 @@
                 </a:spcAft>
                 <a:buNone/>
               </a:pPr>
+              <a:r>
+                <a:t/>
+              </a:r>
               <a:endParaRPr/>
             </a:p>
           </p:txBody>
@@ -7386,7 +7445,7 @@
             </a:xfrm>
             <a:prstGeom prst="diagStripe">
               <a:avLst>
-                <a:gd name="adj" fmla="val 50000"/>
+                <a:gd fmla="val 50000" name="adj"/>
               </a:avLst>
             </a:prstGeom>
             <a:solidFill>
@@ -7399,12 +7458,12 @@
             </a:ln>
           </p:spPr>
           <p:txBody>
-            <a:bodyPr spcFirstLastPara="1" wrap="square" lIns="91425" tIns="91425" rIns="91425" bIns="91425" anchor="ctr" anchorCtr="0">
+            <a:bodyPr anchorCtr="0" anchor="ctr" bIns="91425" lIns="91425" spcFirstLastPara="1" rIns="91425" wrap="square" tIns="91425">
               <a:noAutofit/>
             </a:bodyPr>
             <a:lstStyle/>
             <a:p>
-              <a:pPr marL="0" lvl="0" indent="0" algn="l" rtl="0">
+              <a:pPr indent="0" lvl="0" marL="0" rtl="0" algn="l">
                 <a:spcBef>
                   <a:spcPts val="0"/>
                 </a:spcBef>
@@ -7413,6 +7472,9 @@
                 </a:spcAft>
                 <a:buNone/>
               </a:pPr>
+              <a:r>
+                <a:t/>
+              </a:r>
               <a:endParaRPr/>
             </a:p>
           </p:txBody>
@@ -7430,7 +7492,7 @@
             </a:xfrm>
             <a:prstGeom prst="diagStripe">
               <a:avLst>
-                <a:gd name="adj" fmla="val 50000"/>
+                <a:gd fmla="val 50000" name="adj"/>
               </a:avLst>
             </a:prstGeom>
             <a:solidFill>
@@ -7443,12 +7505,12 @@
             </a:ln>
           </p:spPr>
           <p:txBody>
-            <a:bodyPr spcFirstLastPara="1" wrap="square" lIns="91425" tIns="91425" rIns="91425" bIns="91425" anchor="ctr" anchorCtr="0">
+            <a:bodyPr anchorCtr="0" anchor="ctr" bIns="91425" lIns="91425" spcFirstLastPara="1" rIns="91425" wrap="square" tIns="91425">
               <a:noAutofit/>
             </a:bodyPr>
             <a:lstStyle/>
             <a:p>
-              <a:pPr marL="0" lvl="0" indent="0" algn="l" rtl="0">
+              <a:pPr indent="0" lvl="0" marL="0" rtl="0" algn="l">
                 <a:spcBef>
                   <a:spcPts val="0"/>
                 </a:spcBef>
@@ -7457,6 +7519,9 @@
                 </a:spcAft>
                 <a:buNone/>
               </a:pPr>
+              <a:r>
+                <a:t/>
+              </a:r>
               <a:endParaRPr/>
             </a:p>
           </p:txBody>
@@ -7465,9 +7530,7 @@
       <p:sp>
         <p:nvSpPr>
           <p:cNvPr id="89" name="Google Shape;89;p8"/>
-          <p:cNvSpPr txBox="1">
-            <a:spLocks noGrp="1"/>
-          </p:cNvSpPr>
+          <p:cNvSpPr txBox="1"/>
           <p:nvPr>
             <p:ph type="title"/>
           </p:nvPr>
@@ -7482,7 +7545,7 @@
           </a:prstGeom>
         </p:spPr>
         <p:txBody>
-          <a:bodyPr spcFirstLastPara="1" wrap="square" lIns="91425" tIns="91425" rIns="91425" bIns="91425" anchor="ctr" anchorCtr="0">
+          <a:bodyPr anchorCtr="0" anchor="ctr" bIns="91425" lIns="91425" spcFirstLastPara="1" rIns="91425" wrap="square" tIns="91425">
             <a:normAutofit/>
           </a:bodyPr>
           <a:lstStyle>
@@ -7586,19 +7649,15 @@
               <a:defRPr/>
             </a:lvl9pPr>
           </a:lstStyle>
-          <a:p>
-            <a:endParaRPr/>
-          </a:p>
+          <a:p/>
         </p:txBody>
       </p:sp>
       <p:sp>
         <p:nvSpPr>
           <p:cNvPr id="90" name="Google Shape;90;p8"/>
-          <p:cNvSpPr txBox="1">
-            <a:spLocks noGrp="1"/>
-          </p:cNvSpPr>
+          <p:cNvSpPr txBox="1"/>
           <p:nvPr>
-            <p:ph type="sldNum" idx="12"/>
+            <p:ph idx="12" type="sldNum"/>
           </p:nvPr>
         </p:nvSpPr>
         <p:spPr>
@@ -7611,7 +7670,7 @@
           </a:prstGeom>
         </p:spPr>
         <p:txBody>
-          <a:bodyPr spcFirstLastPara="1" wrap="square" lIns="91425" tIns="91425" rIns="91425" bIns="91425" anchor="ctr" anchorCtr="0">
+          <a:bodyPr anchorCtr="0" anchor="ctr" bIns="91425" lIns="91425" spcFirstLastPara="1" rIns="91425" wrap="square" tIns="91425">
             <a:normAutofit/>
           </a:bodyPr>
           <a:lstStyle>
@@ -7653,7 +7712,7 @@
             </a:lvl9pPr>
           </a:lstStyle>
           <a:p>
-            <a:pPr marL="0" lvl="0" indent="0" algn="r" rtl="0">
+            <a:pPr indent="0" lvl="0" marL="0" rtl="0" algn="r">
               <a:spcBef>
                 <a:spcPts val="0"/>
               </a:spcBef>
@@ -7679,11 +7738,11 @@
 </file>
 
 <file path=ppt/slideLayouts/slideLayout8.xml><?xml version="1.0" encoding="utf-8"?>
-<p:sldLayout xmlns:a="http://schemas.openxmlformats.org/drawingml/2006/main" xmlns:r="http://schemas.openxmlformats.org/officeDocument/2006/relationships" xmlns:p="http://schemas.openxmlformats.org/presentationml/2006/main" matchingName="Section title and description">
+<p:sldLayout xmlns:a="http://schemas.openxmlformats.org/drawingml/2006/main" xmlns:r="http://schemas.openxmlformats.org/officeDocument/2006/relationships" xmlns:mc="http://schemas.openxmlformats.org/markup-compatibility/2006" xmlns:mv="urn:schemas-microsoft-com:mac:vml" xmlns:p="http://schemas.openxmlformats.org/presentationml/2006/main" xmlns:c="http://schemas.openxmlformats.org/drawingml/2006/chart" xmlns:dgm="http://schemas.openxmlformats.org/drawingml/2006/diagram" xmlns:o="urn:schemas-microsoft-com:office:office" xmlns:v="urn:schemas-microsoft-com:vml" xmlns:pvml="urn:schemas-microsoft-com:office:powerpoint" xmlns:com="http://schemas.openxmlformats.org/drawingml/2006/compatibility" xmlns:p14="http://schemas.microsoft.com/office/powerpoint/2010/main" xmlns:p15="http://schemas.microsoft.com/office/powerpoint/2012/main" xmlns:ahyp="http://schemas.microsoft.com/office/drawing/2018/hyperlinkcolor" matchingName="Section title and description">
   <p:cSld name="SECTION_TITLE_AND_DESCRIPTION">
     <p:spTree>
       <p:nvGrpSpPr>
-        <p:cNvPr id="1" name="Shape 91"/>
+        <p:cNvPr id="91" name="Shape 91"/>
         <p:cNvGrpSpPr/>
         <p:nvPr/>
       </p:nvGrpSpPr>
@@ -7722,7 +7781,7 @@
             </a:xfrm>
             <a:prstGeom prst="diagStripe">
               <a:avLst>
-                <a:gd name="adj" fmla="val 50000"/>
+                <a:gd fmla="val 50000" name="adj"/>
               </a:avLst>
             </a:prstGeom>
             <a:solidFill>
@@ -7733,12 +7792,12 @@
             </a:ln>
           </p:spPr>
           <p:txBody>
-            <a:bodyPr spcFirstLastPara="1" wrap="square" lIns="91425" tIns="91425" rIns="91425" bIns="91425" anchor="ctr" anchorCtr="0">
+            <a:bodyPr anchorCtr="0" anchor="ctr" bIns="91425" lIns="91425" spcFirstLastPara="1" rIns="91425" wrap="square" tIns="91425">
               <a:noAutofit/>
             </a:bodyPr>
             <a:lstStyle/>
             <a:p>
-              <a:pPr marL="0" lvl="0" indent="0" algn="l" rtl="0">
+              <a:pPr indent="0" lvl="0" marL="0" rtl="0" algn="l">
                 <a:spcBef>
                   <a:spcPts val="0"/>
                 </a:spcBef>
@@ -7747,6 +7806,9 @@
                 </a:spcAft>
                 <a:buNone/>
               </a:pPr>
+              <a:r>
+                <a:t/>
+              </a:r>
               <a:endParaRPr/>
             </a:p>
           </p:txBody>
@@ -7764,7 +7826,7 @@
             </a:xfrm>
             <a:prstGeom prst="diagStripe">
               <a:avLst>
-                <a:gd name="adj" fmla="val 50000"/>
+                <a:gd fmla="val 50000" name="adj"/>
               </a:avLst>
             </a:prstGeom>
             <a:solidFill>
@@ -7775,12 +7837,12 @@
             </a:ln>
           </p:spPr>
           <p:txBody>
-            <a:bodyPr spcFirstLastPara="1" wrap="square" lIns="91425" tIns="91425" rIns="91425" bIns="91425" anchor="ctr" anchorCtr="0">
+            <a:bodyPr anchorCtr="0" anchor="ctr" bIns="91425" lIns="91425" spcFirstLastPara="1" rIns="91425" wrap="square" tIns="91425">
               <a:noAutofit/>
             </a:bodyPr>
             <a:lstStyle/>
             <a:p>
-              <a:pPr marL="0" lvl="0" indent="0" algn="l" rtl="0">
+              <a:pPr indent="0" lvl="0" marL="0" rtl="0" algn="l">
                 <a:spcBef>
                   <a:spcPts val="0"/>
                 </a:spcBef>
@@ -7789,6 +7851,9 @@
                 </a:spcAft>
                 <a:buNone/>
               </a:pPr>
+              <a:r>
+                <a:t/>
+              </a:r>
               <a:endParaRPr/>
             </a:p>
           </p:txBody>
@@ -7797,9 +7862,7 @@
       <p:sp>
         <p:nvSpPr>
           <p:cNvPr id="95" name="Google Shape;95;p9"/>
-          <p:cNvSpPr txBox="1">
-            <a:spLocks noGrp="1"/>
-          </p:cNvSpPr>
+          <p:cNvSpPr txBox="1"/>
           <p:nvPr>
             <p:ph type="title"/>
           </p:nvPr>
@@ -7814,7 +7877,7 @@
           </a:prstGeom>
         </p:spPr>
         <p:txBody>
-          <a:bodyPr spcFirstLastPara="1" wrap="square" lIns="91425" tIns="91425" rIns="91425" bIns="91425" anchor="t" anchorCtr="0">
+          <a:bodyPr anchorCtr="0" anchor="t" bIns="91425" lIns="91425" spcFirstLastPara="1" rIns="91425" wrap="square" tIns="91425">
             <a:normAutofit/>
           </a:bodyPr>
           <a:lstStyle>
@@ -7918,19 +7981,15 @@
               <a:defRPr sz="2400"/>
             </a:lvl9pPr>
           </a:lstStyle>
-          <a:p>
-            <a:endParaRPr/>
-          </a:p>
+          <a:p/>
         </p:txBody>
       </p:sp>
       <p:sp>
         <p:nvSpPr>
           <p:cNvPr id="96" name="Google Shape;96;p9"/>
-          <p:cNvSpPr txBox="1">
-            <a:spLocks noGrp="1"/>
-          </p:cNvSpPr>
+          <p:cNvSpPr txBox="1"/>
           <p:nvPr>
-            <p:ph type="subTitle" idx="1"/>
+            <p:ph idx="1" type="subTitle"/>
           </p:nvPr>
         </p:nvSpPr>
         <p:spPr>
@@ -7943,7 +8002,7 @@
           </a:prstGeom>
         </p:spPr>
         <p:txBody>
-          <a:bodyPr spcFirstLastPara="1" wrap="square" lIns="91425" tIns="91425" rIns="91425" bIns="91425" anchor="t" anchorCtr="0">
+          <a:bodyPr anchorCtr="0" anchor="t" bIns="91425" lIns="91425" spcFirstLastPara="1" rIns="91425" wrap="square" tIns="91425">
             <a:normAutofit/>
           </a:bodyPr>
           <a:lstStyle>
@@ -8074,19 +8133,15 @@
               <a:defRPr sz="1300"/>
             </a:lvl9pPr>
           </a:lstStyle>
-          <a:p>
-            <a:endParaRPr/>
-          </a:p>
+          <a:p/>
         </p:txBody>
       </p:sp>
       <p:sp>
         <p:nvSpPr>
           <p:cNvPr id="97" name="Google Shape;97;p9"/>
-          <p:cNvSpPr txBox="1">
-            <a:spLocks noGrp="1"/>
-          </p:cNvSpPr>
+          <p:cNvSpPr txBox="1"/>
           <p:nvPr>
-            <p:ph type="body" idx="2"/>
+            <p:ph idx="2" type="body"/>
           </p:nvPr>
         </p:nvSpPr>
         <p:spPr>
@@ -8099,11 +8154,11 @@
           </a:prstGeom>
         </p:spPr>
         <p:txBody>
-          <a:bodyPr spcFirstLastPara="1" wrap="square" lIns="91425" tIns="91425" rIns="91425" bIns="91425" anchor="t" anchorCtr="0">
+          <a:bodyPr anchorCtr="0" anchor="t" bIns="91425" lIns="91425" spcFirstLastPara="1" rIns="91425" wrap="square" tIns="91425">
             <a:normAutofit/>
           </a:bodyPr>
           <a:lstStyle>
-            <a:lvl1pPr marL="457200" lvl="0" indent="-311150">
+            <a:lvl1pPr indent="-311150" lvl="0" marL="457200">
               <a:spcBef>
                 <a:spcPts val="0"/>
               </a:spcBef>
@@ -8114,7 +8169,7 @@
               <a:buChar char="●"/>
               <a:defRPr/>
             </a:lvl1pPr>
-            <a:lvl2pPr marL="914400" lvl="1" indent="-298450">
+            <a:lvl2pPr indent="-298450" lvl="1" marL="914400">
               <a:spcBef>
                 <a:spcPts val="0"/>
               </a:spcBef>
@@ -8125,7 +8180,7 @@
               <a:buChar char="○"/>
               <a:defRPr/>
             </a:lvl2pPr>
-            <a:lvl3pPr marL="1371600" lvl="2" indent="-298450">
+            <a:lvl3pPr indent="-298450" lvl="2" marL="1371600">
               <a:spcBef>
                 <a:spcPts val="0"/>
               </a:spcBef>
@@ -8136,7 +8191,7 @@
               <a:buChar char="■"/>
               <a:defRPr/>
             </a:lvl3pPr>
-            <a:lvl4pPr marL="1828800" lvl="3" indent="-298450">
+            <a:lvl4pPr indent="-298450" lvl="3" marL="1828800">
               <a:spcBef>
                 <a:spcPts val="0"/>
               </a:spcBef>
@@ -8147,7 +8202,7 @@
               <a:buChar char="●"/>
               <a:defRPr/>
             </a:lvl4pPr>
-            <a:lvl5pPr marL="2286000" lvl="4" indent="-298450">
+            <a:lvl5pPr indent="-298450" lvl="4" marL="2286000">
               <a:spcBef>
                 <a:spcPts val="0"/>
               </a:spcBef>
@@ -8158,7 +8213,7 @@
               <a:buChar char="○"/>
               <a:defRPr/>
             </a:lvl5pPr>
-            <a:lvl6pPr marL="2743200" lvl="5" indent="-298450">
+            <a:lvl6pPr indent="-298450" lvl="5" marL="2743200">
               <a:spcBef>
                 <a:spcPts val="0"/>
               </a:spcBef>
@@ -8169,7 +8224,7 @@
               <a:buChar char="■"/>
               <a:defRPr/>
             </a:lvl6pPr>
-            <a:lvl7pPr marL="3200400" lvl="6" indent="-298450">
+            <a:lvl7pPr indent="-298450" lvl="6" marL="3200400">
               <a:spcBef>
                 <a:spcPts val="0"/>
               </a:spcBef>
@@ -8180,7 +8235,7 @@
               <a:buChar char="●"/>
               <a:defRPr/>
             </a:lvl7pPr>
-            <a:lvl8pPr marL="3657600" lvl="7" indent="-298450">
+            <a:lvl8pPr indent="-298450" lvl="7" marL="3657600">
               <a:spcBef>
                 <a:spcPts val="0"/>
               </a:spcBef>
@@ -8191,7 +8246,7 @@
               <a:buChar char="○"/>
               <a:defRPr/>
             </a:lvl8pPr>
-            <a:lvl9pPr marL="4114800" lvl="8" indent="-298450">
+            <a:lvl9pPr indent="-298450" lvl="8" marL="4114800">
               <a:spcBef>
                 <a:spcPts val="0"/>
               </a:spcBef>
@@ -8203,19 +8258,15 @@
               <a:defRPr/>
             </a:lvl9pPr>
           </a:lstStyle>
-          <a:p>
-            <a:endParaRPr/>
-          </a:p>
+          <a:p/>
         </p:txBody>
       </p:sp>
       <p:sp>
         <p:nvSpPr>
           <p:cNvPr id="98" name="Google Shape;98;p9"/>
-          <p:cNvSpPr txBox="1">
-            <a:spLocks noGrp="1"/>
-          </p:cNvSpPr>
+          <p:cNvSpPr txBox="1"/>
           <p:nvPr>
-            <p:ph type="sldNum" idx="12"/>
+            <p:ph idx="12" type="sldNum"/>
           </p:nvPr>
         </p:nvSpPr>
         <p:spPr>
@@ -8228,7 +8279,7 @@
           </a:prstGeom>
         </p:spPr>
         <p:txBody>
-          <a:bodyPr spcFirstLastPara="1" wrap="square" lIns="91425" tIns="91425" rIns="91425" bIns="91425" anchor="ctr" anchorCtr="0">
+          <a:bodyPr anchorCtr="0" anchor="ctr" bIns="91425" lIns="91425" spcFirstLastPara="1" rIns="91425" wrap="square" tIns="91425">
             <a:normAutofit/>
           </a:bodyPr>
           <a:lstStyle>
@@ -8270,7 +8321,7 @@
             </a:lvl9pPr>
           </a:lstStyle>
           <a:p>
-            <a:pPr marL="0" lvl="0" indent="0" algn="r" rtl="0">
+            <a:pPr indent="0" lvl="0" marL="0" rtl="0" algn="r">
               <a:spcBef>
                 <a:spcPts val="0"/>
               </a:spcBef>
@@ -8296,11 +8347,11 @@
 </file>
 
 <file path=ppt/slideLayouts/slideLayout9.xml><?xml version="1.0" encoding="utf-8"?>
-<p:sldLayout xmlns:a="http://schemas.openxmlformats.org/drawingml/2006/main" xmlns:r="http://schemas.openxmlformats.org/officeDocument/2006/relationships" xmlns:p="http://schemas.openxmlformats.org/presentationml/2006/main" matchingName="Caption">
+<p:sldLayout xmlns:a="http://schemas.openxmlformats.org/drawingml/2006/main" xmlns:r="http://schemas.openxmlformats.org/officeDocument/2006/relationships" xmlns:mc="http://schemas.openxmlformats.org/markup-compatibility/2006" xmlns:mv="urn:schemas-microsoft-com:mac:vml" xmlns:p="http://schemas.openxmlformats.org/presentationml/2006/main" xmlns:c="http://schemas.openxmlformats.org/drawingml/2006/chart" xmlns:dgm="http://schemas.openxmlformats.org/drawingml/2006/diagram" xmlns:o="urn:schemas-microsoft-com:office:office" xmlns:v="urn:schemas-microsoft-com:vml" xmlns:pvml="urn:schemas-microsoft-com:office:powerpoint" xmlns:com="http://schemas.openxmlformats.org/drawingml/2006/compatibility" xmlns:p14="http://schemas.microsoft.com/office/powerpoint/2010/main" xmlns:p15="http://schemas.microsoft.com/office/powerpoint/2012/main" xmlns:ahyp="http://schemas.microsoft.com/office/drawing/2018/hyperlinkcolor" matchingName="Caption">
   <p:cSld name="CAPTION_ONLY">
     <p:spTree>
       <p:nvGrpSpPr>
-        <p:cNvPr id="1" name="Shape 99"/>
+        <p:cNvPr id="99" name="Shape 99"/>
         <p:cNvGrpSpPr/>
         <p:nvPr/>
       </p:nvGrpSpPr>
@@ -8339,7 +8390,7 @@
             </a:xfrm>
             <a:prstGeom prst="diagStripe">
               <a:avLst>
-                <a:gd name="adj" fmla="val 50000"/>
+                <a:gd fmla="val 50000" name="adj"/>
               </a:avLst>
             </a:prstGeom>
             <a:solidFill>
@@ -8352,12 +8403,12 @@
             </a:ln>
           </p:spPr>
           <p:txBody>
-            <a:bodyPr spcFirstLastPara="1" wrap="square" lIns="91425" tIns="91425" rIns="91425" bIns="91425" anchor="ctr" anchorCtr="0">
+            <a:bodyPr anchorCtr="0" anchor="ctr" bIns="91425" lIns="91425" spcFirstLastPara="1" rIns="91425" wrap="square" tIns="91425">
               <a:noAutofit/>
             </a:bodyPr>
             <a:lstStyle/>
             <a:p>
-              <a:pPr marL="0" lvl="0" indent="0" algn="l" rtl="0">
+              <a:pPr indent="0" lvl="0" marL="0" rtl="0" algn="l">
                 <a:spcBef>
                   <a:spcPts val="0"/>
                 </a:spcBef>
@@ -8366,6 +8417,9 @@
                 </a:spcAft>
                 <a:buNone/>
               </a:pPr>
+              <a:r>
+                <a:t/>
+              </a:r>
               <a:endParaRPr/>
             </a:p>
           </p:txBody>
@@ -8383,7 +8437,7 @@
             </a:xfrm>
             <a:prstGeom prst="diagStripe">
               <a:avLst>
-                <a:gd name="adj" fmla="val 50000"/>
+                <a:gd fmla="val 50000" name="adj"/>
               </a:avLst>
             </a:prstGeom>
             <a:solidFill>
@@ -8396,12 +8450,12 @@
             </a:ln>
           </p:spPr>
           <p:txBody>
-            <a:bodyPr spcFirstLastPara="1" wrap="square" lIns="91425" tIns="91425" rIns="91425" bIns="91425" anchor="ctr" anchorCtr="0">
+            <a:bodyPr anchorCtr="0" anchor="ctr" bIns="91425" lIns="91425" spcFirstLastPara="1" rIns="91425" wrap="square" tIns="91425">
               <a:noAutofit/>
             </a:bodyPr>
             <a:lstStyle/>
             <a:p>
-              <a:pPr marL="0" lvl="0" indent="0" algn="l" rtl="0">
+              <a:pPr indent="0" lvl="0" marL="0" rtl="0" algn="l">
                 <a:spcBef>
                   <a:spcPts val="0"/>
                 </a:spcBef>
@@ -8410,6 +8464,9 @@
                 </a:spcAft>
                 <a:buNone/>
               </a:pPr>
+              <a:r>
+                <a:t/>
+              </a:r>
               <a:endParaRPr/>
             </a:p>
           </p:txBody>
@@ -8418,11 +8475,9 @@
       <p:sp>
         <p:nvSpPr>
           <p:cNvPr id="103" name="Google Shape;103;p10"/>
-          <p:cNvSpPr txBox="1">
-            <a:spLocks noGrp="1"/>
-          </p:cNvSpPr>
+          <p:cNvSpPr txBox="1"/>
           <p:nvPr>
-            <p:ph type="body" idx="1"/>
+            <p:ph idx="1" type="body"/>
           </p:nvPr>
         </p:nvSpPr>
         <p:spPr>
@@ -8435,11 +8490,11 @@
           </a:prstGeom>
         </p:spPr>
         <p:txBody>
-          <a:bodyPr spcFirstLastPara="1" wrap="square" lIns="91425" tIns="91425" rIns="91425" bIns="91425" anchor="ctr" anchorCtr="0">
+          <a:bodyPr anchorCtr="0" anchor="ctr" bIns="91425" lIns="91425" spcFirstLastPara="1" rIns="91425" wrap="square" tIns="91425">
             <a:normAutofit/>
           </a:bodyPr>
           <a:lstStyle>
-            <a:lvl1pPr marL="457200" lvl="0" indent="-228600">
+            <a:lvl1pPr indent="-228600" lvl="0" marL="457200">
               <a:lnSpc>
                 <a:spcPct val="100000"/>
               </a:lnSpc>
@@ -8454,19 +8509,15 @@
               <a:defRPr/>
             </a:lvl1pPr>
           </a:lstStyle>
-          <a:p>
-            <a:endParaRPr/>
-          </a:p>
+          <a:p/>
         </p:txBody>
       </p:sp>
       <p:sp>
         <p:nvSpPr>
           <p:cNvPr id="104" name="Google Shape;104;p10"/>
-          <p:cNvSpPr txBox="1">
-            <a:spLocks noGrp="1"/>
-          </p:cNvSpPr>
+          <p:cNvSpPr txBox="1"/>
           <p:nvPr>
-            <p:ph type="sldNum" idx="12"/>
+            <p:ph idx="12" type="sldNum"/>
           </p:nvPr>
         </p:nvSpPr>
         <p:spPr>
@@ -8479,7 +8530,7 @@
           </a:prstGeom>
         </p:spPr>
         <p:txBody>
-          <a:bodyPr spcFirstLastPara="1" wrap="square" lIns="91425" tIns="91425" rIns="91425" bIns="91425" anchor="ctr" anchorCtr="0">
+          <a:bodyPr anchorCtr="0" anchor="ctr" bIns="91425" lIns="91425" spcFirstLastPara="1" rIns="91425" wrap="square" tIns="91425">
             <a:normAutofit/>
           </a:bodyPr>
           <a:lstStyle>
@@ -8521,7 +8572,7 @@
             </a:lvl9pPr>
           </a:lstStyle>
           <a:p>
-            <a:pPr marL="0" lvl="0" indent="0" algn="r" rtl="0">
+            <a:pPr indent="0" lvl="0" marL="0" rtl="0" algn="r">
               <a:spcBef>
                 <a:spcPts val="0"/>
               </a:spcBef>
@@ -8547,19 +8598,18 @@
 </file>
 
 <file path=ppt/slideMasters/slideMaster1.xml><?xml version="1.0" encoding="utf-8"?>
-<p:sldMaster xmlns:a="http://schemas.openxmlformats.org/drawingml/2006/main" xmlns:r="http://schemas.openxmlformats.org/officeDocument/2006/relationships" xmlns:p="http://schemas.openxmlformats.org/presentationml/2006/main">
+<p:sldMaster xmlns:a="http://schemas.openxmlformats.org/drawingml/2006/main" xmlns:r="http://schemas.openxmlformats.org/officeDocument/2006/relationships" xmlns:mc="http://schemas.openxmlformats.org/markup-compatibility/2006" xmlns:mv="urn:schemas-microsoft-com:mac:vml" xmlns:p="http://schemas.openxmlformats.org/presentationml/2006/main" xmlns:c="http://schemas.openxmlformats.org/drawingml/2006/chart" xmlns:dgm="http://schemas.openxmlformats.org/drawingml/2006/diagram" xmlns:o="urn:schemas-microsoft-com:office:office" xmlns:v="urn:schemas-microsoft-com:vml" xmlns:pvml="urn:schemas-microsoft-com:office:powerpoint" xmlns:com="http://schemas.openxmlformats.org/drawingml/2006/compatibility" xmlns:p14="http://schemas.microsoft.com/office/powerpoint/2010/main" xmlns:p15="http://schemas.microsoft.com/office/powerpoint/2012/main" xmlns:ahyp="http://schemas.microsoft.com/office/drawing/2018/hyperlinkcolor">
   <p:cSld name="focus">
     <p:bg>
       <p:bgPr>
         <a:solidFill>
           <a:schemeClr val="dk1"/>
         </a:solidFill>
-        <a:effectLst/>
       </p:bgPr>
     </p:bg>
     <p:spTree>
       <p:nvGrpSpPr>
-        <p:cNvPr id="1" name="Shape 5"/>
+        <p:cNvPr id="5" name="Shape 5"/>
         <p:cNvGrpSpPr/>
         <p:nvPr/>
       </p:nvGrpSpPr>
@@ -8574,9 +8624,7 @@
       <p:sp>
         <p:nvSpPr>
           <p:cNvPr id="6" name="Google Shape;6;p1"/>
-          <p:cNvSpPr txBox="1">
-            <a:spLocks noGrp="1"/>
-          </p:cNvSpPr>
+          <p:cNvSpPr txBox="1"/>
           <p:nvPr>
             <p:ph type="title"/>
           </p:nvPr>
@@ -8595,7 +8643,7 @@
           </a:ln>
         </p:spPr>
         <p:txBody>
-          <a:bodyPr spcFirstLastPara="1" wrap="square" lIns="91425" tIns="91425" rIns="91425" bIns="91425" anchor="t" anchorCtr="0">
+          <a:bodyPr anchorCtr="0" anchor="t" bIns="91425" lIns="91425" spcFirstLastPara="1" rIns="91425" wrap="square" tIns="91425">
             <a:normAutofit/>
           </a:bodyPr>
           <a:lstStyle>
@@ -8807,19 +8855,15 @@
               </a:defRPr>
             </a:lvl9pPr>
           </a:lstStyle>
-          <a:p>
-            <a:endParaRPr/>
-          </a:p>
+          <a:p/>
         </p:txBody>
       </p:sp>
       <p:sp>
         <p:nvSpPr>
           <p:cNvPr id="7" name="Google Shape;7;p1"/>
-          <p:cNvSpPr txBox="1">
-            <a:spLocks noGrp="1"/>
-          </p:cNvSpPr>
+          <p:cNvSpPr txBox="1"/>
           <p:nvPr>
-            <p:ph type="body" idx="1"/>
+            <p:ph idx="1" type="body"/>
           </p:nvPr>
         </p:nvSpPr>
         <p:spPr>
@@ -8836,11 +8880,11 @@
           </a:ln>
         </p:spPr>
         <p:txBody>
-          <a:bodyPr spcFirstLastPara="1" wrap="square" lIns="91425" tIns="91425" rIns="91425" bIns="91425" anchor="t" anchorCtr="0">
+          <a:bodyPr anchorCtr="0" anchor="t" bIns="91425" lIns="91425" spcFirstLastPara="1" rIns="91425" wrap="square" tIns="91425">
             <a:normAutofit/>
           </a:bodyPr>
           <a:lstStyle>
-            <a:lvl1pPr marL="457200" lvl="0" indent="-311150">
+            <a:lvl1pPr indent="-311150" lvl="0" marL="457200">
               <a:lnSpc>
                 <a:spcPct val="115000"/>
               </a:lnSpc>
@@ -8866,7 +8910,7 @@
                 <a:sym typeface="Lato"/>
               </a:defRPr>
             </a:lvl1pPr>
-            <a:lvl2pPr marL="914400" lvl="1" indent="-298450">
+            <a:lvl2pPr indent="-298450" lvl="1" marL="914400">
               <a:lnSpc>
                 <a:spcPct val="115000"/>
               </a:lnSpc>
@@ -8892,7 +8936,7 @@
                 <a:sym typeface="Lato"/>
               </a:defRPr>
             </a:lvl2pPr>
-            <a:lvl3pPr marL="1371600" lvl="2" indent="-298450">
+            <a:lvl3pPr indent="-298450" lvl="2" marL="1371600">
               <a:lnSpc>
                 <a:spcPct val="115000"/>
               </a:lnSpc>
@@ -8918,7 +8962,7 @@
                 <a:sym typeface="Lato"/>
               </a:defRPr>
             </a:lvl3pPr>
-            <a:lvl4pPr marL="1828800" lvl="3" indent="-298450">
+            <a:lvl4pPr indent="-298450" lvl="3" marL="1828800">
               <a:lnSpc>
                 <a:spcPct val="115000"/>
               </a:lnSpc>
@@ -8944,7 +8988,7 @@
                 <a:sym typeface="Lato"/>
               </a:defRPr>
             </a:lvl4pPr>
-            <a:lvl5pPr marL="2286000" lvl="4" indent="-298450">
+            <a:lvl5pPr indent="-298450" lvl="4" marL="2286000">
               <a:lnSpc>
                 <a:spcPct val="115000"/>
               </a:lnSpc>
@@ -8970,7 +9014,7 @@
                 <a:sym typeface="Lato"/>
               </a:defRPr>
             </a:lvl5pPr>
-            <a:lvl6pPr marL="2743200" lvl="5" indent="-298450">
+            <a:lvl6pPr indent="-298450" lvl="5" marL="2743200">
               <a:lnSpc>
                 <a:spcPct val="115000"/>
               </a:lnSpc>
@@ -8996,7 +9040,7 @@
                 <a:sym typeface="Lato"/>
               </a:defRPr>
             </a:lvl6pPr>
-            <a:lvl7pPr marL="3200400" lvl="6" indent="-298450">
+            <a:lvl7pPr indent="-298450" lvl="6" marL="3200400">
               <a:lnSpc>
                 <a:spcPct val="115000"/>
               </a:lnSpc>
@@ -9022,7 +9066,7 @@
                 <a:sym typeface="Lato"/>
               </a:defRPr>
             </a:lvl7pPr>
-            <a:lvl8pPr marL="3657600" lvl="7" indent="-298450">
+            <a:lvl8pPr indent="-298450" lvl="7" marL="3657600">
               <a:lnSpc>
                 <a:spcPct val="115000"/>
               </a:lnSpc>
@@ -9048,7 +9092,7 @@
                 <a:sym typeface="Lato"/>
               </a:defRPr>
             </a:lvl8pPr>
-            <a:lvl9pPr marL="4114800" lvl="8" indent="-298450">
+            <a:lvl9pPr indent="-298450" lvl="8" marL="4114800">
               <a:lnSpc>
                 <a:spcPct val="115000"/>
               </a:lnSpc>
@@ -9075,19 +9119,15 @@
               </a:defRPr>
             </a:lvl9pPr>
           </a:lstStyle>
-          <a:p>
-            <a:endParaRPr/>
-          </a:p>
+          <a:p/>
         </p:txBody>
       </p:sp>
       <p:sp>
         <p:nvSpPr>
           <p:cNvPr id="8" name="Google Shape;8;p1"/>
-          <p:cNvSpPr txBox="1">
-            <a:spLocks noGrp="1"/>
-          </p:cNvSpPr>
+          <p:cNvSpPr txBox="1"/>
           <p:nvPr>
-            <p:ph type="sldNum" idx="12"/>
+            <p:ph idx="12" type="sldNum"/>
           </p:nvPr>
         </p:nvSpPr>
         <p:spPr>
@@ -9104,7 +9144,7 @@
           </a:ln>
         </p:spPr>
         <p:txBody>
-          <a:bodyPr spcFirstLastPara="1" wrap="square" lIns="91425" tIns="91425" rIns="91425" bIns="91425" anchor="ctr" anchorCtr="0">
+          <a:bodyPr anchorCtr="0" anchor="ctr" bIns="91425" lIns="91425" spcFirstLastPara="1" rIns="91425" wrap="square" tIns="91425">
             <a:normAutofit/>
           </a:bodyPr>
           <a:lstStyle>
@@ -9218,7 +9258,7 @@
             </a:lvl9pPr>
           </a:lstStyle>
           <a:p>
-            <a:pPr marL="0" lvl="0" indent="0" algn="r" rtl="0">
+            <a:pPr indent="0" lvl="0" marL="0" rtl="0" algn="r">
               <a:spcBef>
                 <a:spcPts val="0"/>
               </a:spcBef>
@@ -9237,7 +9277,7 @@
       </p:sp>
     </p:spTree>
   </p:cSld>
-  <p:clrMap bg1="lt1" tx1="dk1" bg2="dk2" tx2="lt2" accent1="accent1" accent2="accent2" accent3="accent3" accent4="accent4" accent5="accent5" accent6="accent6" hlink="hlink" folHlink="folHlink"/>
+  <p:clrMap accent1="accent1" accent2="accent2" accent3="accent3" accent4="accent4" accent5="accent5" accent6="accent6" bg1="lt1" bg2="dk2" tx1="dk1" tx2="lt2" folHlink="folHlink" hlink="hlink"/>
   <p:sldLayoutIdLst>
     <p:sldLayoutId id="2147483648" r:id="rId1"/>
     <p:sldLayoutId id="2147483649" r:id="rId2"/>
@@ -9251,10 +9291,10 @@
     <p:sldLayoutId id="2147483657" r:id="rId10"/>
     <p:sldLayoutId id="2147483658" r:id="rId11"/>
   </p:sldLayoutIdLst>
-  <p:hf sldNum="0" hdr="0" ftr="0" dt="0"/>
+  <p:hf dt="0" ftr="0" hdr="0" sldNum="0"/>
   <p:txStyles>
     <p:titleStyle>
-      <a:defPPr marR="0" lvl="0" algn="l" rtl="0">
+      <a:defPPr lvl="0" marR="0" rtl="0" algn="l">
         <a:lnSpc>
           <a:spcPct val="100000"/>
         </a:lnSpc>
@@ -9265,7 +9305,7 @@
           <a:spcPts val="0"/>
         </a:spcAft>
       </a:defPPr>
-      <a:lvl1pPr marR="0" lvl="0" algn="l" rtl="0">
+      <a:lvl1pPr lvl="0" marR="0" rtl="0" algn="l">
         <a:lnSpc>
           <a:spcPct val="100000"/>
         </a:lnSpc>
@@ -9279,7 +9319,7 @@
           <a:srgbClr val="000000"/>
         </a:buClr>
         <a:buFont typeface="Arial"/>
-        <a:defRPr sz="1400" b="0" i="0" u="none" strike="noStrike" cap="none">
+        <a:defRPr b="0" i="0" sz="1400" u="none" cap="none" strike="noStrike">
           <a:solidFill>
             <a:srgbClr val="000000"/>
           </a:solidFill>
@@ -9289,7 +9329,7 @@
           <a:sym typeface="Arial"/>
         </a:defRPr>
       </a:lvl1pPr>
-      <a:lvl2pPr marR="0" lvl="1" algn="l" rtl="0">
+      <a:lvl2pPr lvl="1" marR="0" rtl="0" algn="l">
         <a:lnSpc>
           <a:spcPct val="100000"/>
         </a:lnSpc>
@@ -9303,7 +9343,7 @@
           <a:srgbClr val="000000"/>
         </a:buClr>
         <a:buFont typeface="Arial"/>
-        <a:defRPr sz="1400" b="0" i="0" u="none" strike="noStrike" cap="none">
+        <a:defRPr b="0" i="0" sz="1400" u="none" cap="none" strike="noStrike">
           <a:solidFill>
             <a:srgbClr val="000000"/>
           </a:solidFill>
@@ -9313,7 +9353,7 @@
           <a:sym typeface="Arial"/>
         </a:defRPr>
       </a:lvl2pPr>
-      <a:lvl3pPr marR="0" lvl="2" algn="l" rtl="0">
+      <a:lvl3pPr lvl="2" marR="0" rtl="0" algn="l">
         <a:lnSpc>
           <a:spcPct val="100000"/>
         </a:lnSpc>
@@ -9327,7 +9367,7 @@
           <a:srgbClr val="000000"/>
         </a:buClr>
         <a:buFont typeface="Arial"/>
-        <a:defRPr sz="1400" b="0" i="0" u="none" strike="noStrike" cap="none">
+        <a:defRPr b="0" i="0" sz="1400" u="none" cap="none" strike="noStrike">
           <a:solidFill>
             <a:srgbClr val="000000"/>
           </a:solidFill>
@@ -9337,7 +9377,7 @@
           <a:sym typeface="Arial"/>
         </a:defRPr>
       </a:lvl3pPr>
-      <a:lvl4pPr marR="0" lvl="3" algn="l" rtl="0">
+      <a:lvl4pPr lvl="3" marR="0" rtl="0" algn="l">
         <a:lnSpc>
           <a:spcPct val="100000"/>
         </a:lnSpc>
@@ -9351,7 +9391,7 @@
           <a:srgbClr val="000000"/>
         </a:buClr>
         <a:buFont typeface="Arial"/>
-        <a:defRPr sz="1400" b="0" i="0" u="none" strike="noStrike" cap="none">
+        <a:defRPr b="0" i="0" sz="1400" u="none" cap="none" strike="noStrike">
           <a:solidFill>
             <a:srgbClr val="000000"/>
           </a:solidFill>
@@ -9361,7 +9401,7 @@
           <a:sym typeface="Arial"/>
         </a:defRPr>
       </a:lvl4pPr>
-      <a:lvl5pPr marR="0" lvl="4" algn="l" rtl="0">
+      <a:lvl5pPr lvl="4" marR="0" rtl="0" algn="l">
         <a:lnSpc>
           <a:spcPct val="100000"/>
         </a:lnSpc>
@@ -9375,7 +9415,7 @@
           <a:srgbClr val="000000"/>
         </a:buClr>
         <a:buFont typeface="Arial"/>
-        <a:defRPr sz="1400" b="0" i="0" u="none" strike="noStrike" cap="none">
+        <a:defRPr b="0" i="0" sz="1400" u="none" cap="none" strike="noStrike">
           <a:solidFill>
             <a:srgbClr val="000000"/>
           </a:solidFill>
@@ -9385,7 +9425,7 @@
           <a:sym typeface="Arial"/>
         </a:defRPr>
       </a:lvl5pPr>
-      <a:lvl6pPr marR="0" lvl="5" algn="l" rtl="0">
+      <a:lvl6pPr lvl="5" marR="0" rtl="0" algn="l">
         <a:lnSpc>
           <a:spcPct val="100000"/>
         </a:lnSpc>
@@ -9399,7 +9439,7 @@
           <a:srgbClr val="000000"/>
         </a:buClr>
         <a:buFont typeface="Arial"/>
-        <a:defRPr sz="1400" b="0" i="0" u="none" strike="noStrike" cap="none">
+        <a:defRPr b="0" i="0" sz="1400" u="none" cap="none" strike="noStrike">
           <a:solidFill>
             <a:srgbClr val="000000"/>
           </a:solidFill>
@@ -9409,7 +9449,7 @@
           <a:sym typeface="Arial"/>
         </a:defRPr>
       </a:lvl6pPr>
-      <a:lvl7pPr marR="0" lvl="6" algn="l" rtl="0">
+      <a:lvl7pPr lvl="6" marR="0" rtl="0" algn="l">
         <a:lnSpc>
           <a:spcPct val="100000"/>
         </a:lnSpc>
@@ -9423,7 +9463,7 @@
           <a:srgbClr val="000000"/>
         </a:buClr>
         <a:buFont typeface="Arial"/>
-        <a:defRPr sz="1400" b="0" i="0" u="none" strike="noStrike" cap="none">
+        <a:defRPr b="0" i="0" sz="1400" u="none" cap="none" strike="noStrike">
           <a:solidFill>
             <a:srgbClr val="000000"/>
           </a:solidFill>
@@ -9433,7 +9473,7 @@
           <a:sym typeface="Arial"/>
         </a:defRPr>
       </a:lvl7pPr>
-      <a:lvl8pPr marR="0" lvl="7" algn="l" rtl="0">
+      <a:lvl8pPr lvl="7" marR="0" rtl="0" algn="l">
         <a:lnSpc>
           <a:spcPct val="100000"/>
         </a:lnSpc>
@@ -9447,7 +9487,7 @@
           <a:srgbClr val="000000"/>
         </a:buClr>
         <a:buFont typeface="Arial"/>
-        <a:defRPr sz="1400" b="0" i="0" u="none" strike="noStrike" cap="none">
+        <a:defRPr b="0" i="0" sz="1400" u="none" cap="none" strike="noStrike">
           <a:solidFill>
             <a:srgbClr val="000000"/>
           </a:solidFill>
@@ -9457,7 +9497,7 @@
           <a:sym typeface="Arial"/>
         </a:defRPr>
       </a:lvl8pPr>
-      <a:lvl9pPr marR="0" lvl="8" algn="l" rtl="0">
+      <a:lvl9pPr lvl="8" marR="0" rtl="0" algn="l">
         <a:lnSpc>
           <a:spcPct val="100000"/>
         </a:lnSpc>
@@ -9471,7 +9511,7 @@
           <a:srgbClr val="000000"/>
         </a:buClr>
         <a:buFont typeface="Arial"/>
-        <a:defRPr sz="1400" b="0" i="0" u="none" strike="noStrike" cap="none">
+        <a:defRPr b="0" i="0" sz="1400" u="none" cap="none" strike="noStrike">
           <a:solidFill>
             <a:srgbClr val="000000"/>
           </a:solidFill>
@@ -9483,7 +9523,7 @@
       </a:lvl9pPr>
     </p:titleStyle>
     <p:bodyStyle>
-      <a:defPPr marR="0" lvl="0" algn="l" rtl="0">
+      <a:defPPr lvl="0" marR="0" rtl="0" algn="l">
         <a:lnSpc>
           <a:spcPct val="100000"/>
         </a:lnSpc>
@@ -9494,7 +9534,7 @@
           <a:spcPts val="0"/>
         </a:spcAft>
       </a:defPPr>
-      <a:lvl1pPr marR="0" lvl="0" algn="l" rtl="0">
+      <a:lvl1pPr lvl="0" marR="0" rtl="0" algn="l">
         <a:lnSpc>
           <a:spcPct val="100000"/>
         </a:lnSpc>
@@ -9508,7 +9548,7 @@
           <a:srgbClr val="000000"/>
         </a:buClr>
         <a:buFont typeface="Arial"/>
-        <a:defRPr sz="1400" b="0" i="0" u="none" strike="noStrike" cap="none">
+        <a:defRPr b="0" i="0" sz="1400" u="none" cap="none" strike="noStrike">
           <a:solidFill>
             <a:srgbClr val="000000"/>
           </a:solidFill>
@@ -9518,7 +9558,7 @@
           <a:sym typeface="Arial"/>
         </a:defRPr>
       </a:lvl1pPr>
-      <a:lvl2pPr marR="0" lvl="1" algn="l" rtl="0">
+      <a:lvl2pPr lvl="1" marR="0" rtl="0" algn="l">
         <a:lnSpc>
           <a:spcPct val="100000"/>
         </a:lnSpc>
@@ -9532,7 +9572,7 @@
           <a:srgbClr val="000000"/>
         </a:buClr>
         <a:buFont typeface="Arial"/>
-        <a:defRPr sz="1400" b="0" i="0" u="none" strike="noStrike" cap="none">
+        <a:defRPr b="0" i="0" sz="1400" u="none" cap="none" strike="noStrike">
           <a:solidFill>
             <a:srgbClr val="000000"/>
           </a:solidFill>
@@ -9542,7 +9582,7 @@
           <a:sym typeface="Arial"/>
         </a:defRPr>
       </a:lvl2pPr>
-      <a:lvl3pPr marR="0" lvl="2" algn="l" rtl="0">
+      <a:lvl3pPr lvl="2" marR="0" rtl="0" algn="l">
         <a:lnSpc>
           <a:spcPct val="100000"/>
         </a:lnSpc>
@@ -9556,7 +9596,7 @@
           <a:srgbClr val="000000"/>
         </a:buClr>
         <a:buFont typeface="Arial"/>
-        <a:defRPr sz="1400" b="0" i="0" u="none" strike="noStrike" cap="none">
+        <a:defRPr b="0" i="0" sz="1400" u="none" cap="none" strike="noStrike">
           <a:solidFill>
             <a:srgbClr val="000000"/>
           </a:solidFill>
@@ -9566,7 +9606,7 @@
           <a:sym typeface="Arial"/>
         </a:defRPr>
       </a:lvl3pPr>
-      <a:lvl4pPr marR="0" lvl="3" algn="l" rtl="0">
+      <a:lvl4pPr lvl="3" marR="0" rtl="0" algn="l">
         <a:lnSpc>
           <a:spcPct val="100000"/>
         </a:lnSpc>
@@ -9580,7 +9620,7 @@
           <a:srgbClr val="000000"/>
         </a:buClr>
         <a:buFont typeface="Arial"/>
-        <a:defRPr sz="1400" b="0" i="0" u="none" strike="noStrike" cap="none">
+        <a:defRPr b="0" i="0" sz="1400" u="none" cap="none" strike="noStrike">
           <a:solidFill>
             <a:srgbClr val="000000"/>
           </a:solidFill>
@@ -9590,7 +9630,7 @@
           <a:sym typeface="Arial"/>
         </a:defRPr>
       </a:lvl4pPr>
-      <a:lvl5pPr marR="0" lvl="4" algn="l" rtl="0">
+      <a:lvl5pPr lvl="4" marR="0" rtl="0" algn="l">
         <a:lnSpc>
           <a:spcPct val="100000"/>
         </a:lnSpc>
@@ -9604,7 +9644,7 @@
           <a:srgbClr val="000000"/>
         </a:buClr>
         <a:buFont typeface="Arial"/>
-        <a:defRPr sz="1400" b="0" i="0" u="none" strike="noStrike" cap="none">
+        <a:defRPr b="0" i="0" sz="1400" u="none" cap="none" strike="noStrike">
           <a:solidFill>
             <a:srgbClr val="000000"/>
           </a:solidFill>
@@ -9614,7 +9654,7 @@
           <a:sym typeface="Arial"/>
         </a:defRPr>
       </a:lvl5pPr>
-      <a:lvl6pPr marR="0" lvl="5" algn="l" rtl="0">
+      <a:lvl6pPr lvl="5" marR="0" rtl="0" algn="l">
         <a:lnSpc>
           <a:spcPct val="100000"/>
         </a:lnSpc>
@@ -9628,7 +9668,7 @@
           <a:srgbClr val="000000"/>
         </a:buClr>
         <a:buFont typeface="Arial"/>
-        <a:defRPr sz="1400" b="0" i="0" u="none" strike="noStrike" cap="none">
+        <a:defRPr b="0" i="0" sz="1400" u="none" cap="none" strike="noStrike">
           <a:solidFill>
             <a:srgbClr val="000000"/>
           </a:solidFill>
@@ -9638,7 +9678,7 @@
           <a:sym typeface="Arial"/>
         </a:defRPr>
       </a:lvl6pPr>
-      <a:lvl7pPr marR="0" lvl="6" algn="l" rtl="0">
+      <a:lvl7pPr lvl="6" marR="0" rtl="0" algn="l">
         <a:lnSpc>
           <a:spcPct val="100000"/>
         </a:lnSpc>
@@ -9652,7 +9692,7 @@
           <a:srgbClr val="000000"/>
         </a:buClr>
         <a:buFont typeface="Arial"/>
-        <a:defRPr sz="1400" b="0" i="0" u="none" strike="noStrike" cap="none">
+        <a:defRPr b="0" i="0" sz="1400" u="none" cap="none" strike="noStrike">
           <a:solidFill>
             <a:srgbClr val="000000"/>
           </a:solidFill>
@@ -9662,7 +9702,7 @@
           <a:sym typeface="Arial"/>
         </a:defRPr>
       </a:lvl7pPr>
-      <a:lvl8pPr marR="0" lvl="7" algn="l" rtl="0">
+      <a:lvl8pPr lvl="7" marR="0" rtl="0" algn="l">
         <a:lnSpc>
           <a:spcPct val="100000"/>
         </a:lnSpc>
@@ -9676,7 +9716,7 @@
           <a:srgbClr val="000000"/>
         </a:buClr>
         <a:buFont typeface="Arial"/>
-        <a:defRPr sz="1400" b="0" i="0" u="none" strike="noStrike" cap="none">
+        <a:defRPr b="0" i="0" sz="1400" u="none" cap="none" strike="noStrike">
           <a:solidFill>
             <a:srgbClr val="000000"/>
           </a:solidFill>
@@ -9686,7 +9726,7 @@
           <a:sym typeface="Arial"/>
         </a:defRPr>
       </a:lvl8pPr>
-      <a:lvl9pPr marR="0" lvl="8" algn="l" rtl="0">
+      <a:lvl9pPr lvl="8" marR="0" rtl="0" algn="l">
         <a:lnSpc>
           <a:spcPct val="100000"/>
         </a:lnSpc>
@@ -9700,7 +9740,7 @@
           <a:srgbClr val="000000"/>
         </a:buClr>
         <a:buFont typeface="Arial"/>
-        <a:defRPr sz="1400" b="0" i="0" u="none" strike="noStrike" cap="none">
+        <a:defRPr b="0" i="0" sz="1400" u="none" cap="none" strike="noStrike">
           <a:solidFill>
             <a:srgbClr val="000000"/>
           </a:solidFill>
@@ -9712,7 +9752,7 @@
       </a:lvl9pPr>
     </p:bodyStyle>
     <p:otherStyle>
-      <a:defPPr marR="0" lvl="0" algn="l" rtl="0">
+      <a:defPPr lvl="0" marR="0" rtl="0" algn="l">
         <a:lnSpc>
           <a:spcPct val="100000"/>
         </a:lnSpc>
@@ -9723,7 +9763,7 @@
           <a:spcPts val="0"/>
         </a:spcAft>
       </a:defPPr>
-      <a:lvl1pPr marR="0" lvl="0" algn="l" rtl="0">
+      <a:lvl1pPr lvl="0" marR="0" rtl="0" algn="l">
         <a:lnSpc>
           <a:spcPct val="100000"/>
         </a:lnSpc>
@@ -9737,7 +9777,7 @@
           <a:srgbClr val="000000"/>
         </a:buClr>
         <a:buFont typeface="Arial"/>
-        <a:defRPr sz="1400" b="0" i="0" u="none" strike="noStrike" cap="none">
+        <a:defRPr b="0" i="0" sz="1400" u="none" cap="none" strike="noStrike">
           <a:solidFill>
             <a:srgbClr val="000000"/>
           </a:solidFill>
@@ -9747,7 +9787,7 @@
           <a:sym typeface="Arial"/>
         </a:defRPr>
       </a:lvl1pPr>
-      <a:lvl2pPr marR="0" lvl="1" algn="l" rtl="0">
+      <a:lvl2pPr lvl="1" marR="0" rtl="0" algn="l">
         <a:lnSpc>
           <a:spcPct val="100000"/>
         </a:lnSpc>
@@ -9761,7 +9801,7 @@
           <a:srgbClr val="000000"/>
         </a:buClr>
         <a:buFont typeface="Arial"/>
-        <a:defRPr sz="1400" b="0" i="0" u="none" strike="noStrike" cap="none">
+        <a:defRPr b="0" i="0" sz="1400" u="none" cap="none" strike="noStrike">
           <a:solidFill>
             <a:srgbClr val="000000"/>
           </a:solidFill>
@@ -9771,7 +9811,7 @@
           <a:sym typeface="Arial"/>
         </a:defRPr>
       </a:lvl2pPr>
-      <a:lvl3pPr marR="0" lvl="2" algn="l" rtl="0">
+      <a:lvl3pPr lvl="2" marR="0" rtl="0" algn="l">
         <a:lnSpc>
           <a:spcPct val="100000"/>
         </a:lnSpc>
@@ -9785,7 +9825,7 @@
           <a:srgbClr val="000000"/>
         </a:buClr>
         <a:buFont typeface="Arial"/>
-        <a:defRPr sz="1400" b="0" i="0" u="none" strike="noStrike" cap="none">
+        <a:defRPr b="0" i="0" sz="1400" u="none" cap="none" strike="noStrike">
           <a:solidFill>
             <a:srgbClr val="000000"/>
           </a:solidFill>
@@ -9795,7 +9835,7 @@
           <a:sym typeface="Arial"/>
         </a:defRPr>
       </a:lvl3pPr>
-      <a:lvl4pPr marR="0" lvl="3" algn="l" rtl="0">
+      <a:lvl4pPr lvl="3" marR="0" rtl="0" algn="l">
         <a:lnSpc>
           <a:spcPct val="100000"/>
         </a:lnSpc>
@@ -9809,7 +9849,7 @@
           <a:srgbClr val="000000"/>
         </a:buClr>
         <a:buFont typeface="Arial"/>
-        <a:defRPr sz="1400" b="0" i="0" u="none" strike="noStrike" cap="none">
+        <a:defRPr b="0" i="0" sz="1400" u="none" cap="none" strike="noStrike">
           <a:solidFill>
             <a:srgbClr val="000000"/>
           </a:solidFill>
@@ -9819,7 +9859,7 @@
           <a:sym typeface="Arial"/>
         </a:defRPr>
       </a:lvl4pPr>
-      <a:lvl5pPr marR="0" lvl="4" algn="l" rtl="0">
+      <a:lvl5pPr lvl="4" marR="0" rtl="0" algn="l">
         <a:lnSpc>
           <a:spcPct val="100000"/>
         </a:lnSpc>
@@ -9833,7 +9873,7 @@
           <a:srgbClr val="000000"/>
         </a:buClr>
         <a:buFont typeface="Arial"/>
-        <a:defRPr sz="1400" b="0" i="0" u="none" strike="noStrike" cap="none">
+        <a:defRPr b="0" i="0" sz="1400" u="none" cap="none" strike="noStrike">
           <a:solidFill>
             <a:srgbClr val="000000"/>
           </a:solidFill>
@@ -9843,7 +9883,7 @@
           <a:sym typeface="Arial"/>
         </a:defRPr>
       </a:lvl5pPr>
-      <a:lvl6pPr marR="0" lvl="5" algn="l" rtl="0">
+      <a:lvl6pPr lvl="5" marR="0" rtl="0" algn="l">
         <a:lnSpc>
           <a:spcPct val="100000"/>
         </a:lnSpc>
@@ -9857,7 +9897,7 @@
           <a:srgbClr val="000000"/>
         </a:buClr>
         <a:buFont typeface="Arial"/>
-        <a:defRPr sz="1400" b="0" i="0" u="none" strike="noStrike" cap="none">
+        <a:defRPr b="0" i="0" sz="1400" u="none" cap="none" strike="noStrike">
           <a:solidFill>
             <a:srgbClr val="000000"/>
           </a:solidFill>
@@ -9867,7 +9907,7 @@
           <a:sym typeface="Arial"/>
         </a:defRPr>
       </a:lvl6pPr>
-      <a:lvl7pPr marR="0" lvl="6" algn="l" rtl="0">
+      <a:lvl7pPr lvl="6" marR="0" rtl="0" algn="l">
         <a:lnSpc>
           <a:spcPct val="100000"/>
         </a:lnSpc>
@@ -9881,7 +9921,7 @@
           <a:srgbClr val="000000"/>
         </a:buClr>
         <a:buFont typeface="Arial"/>
-        <a:defRPr sz="1400" b="0" i="0" u="none" strike="noStrike" cap="none">
+        <a:defRPr b="0" i="0" sz="1400" u="none" cap="none" strike="noStrike">
           <a:solidFill>
             <a:srgbClr val="000000"/>
           </a:solidFill>
@@ -9891,7 +9931,7 @@
           <a:sym typeface="Arial"/>
         </a:defRPr>
       </a:lvl7pPr>
-      <a:lvl8pPr marR="0" lvl="7" algn="l" rtl="0">
+      <a:lvl8pPr lvl="7" marR="0" rtl="0" algn="l">
         <a:lnSpc>
           <a:spcPct val="100000"/>
         </a:lnSpc>
@@ -9905,7 +9945,7 @@
           <a:srgbClr val="000000"/>
         </a:buClr>
         <a:buFont typeface="Arial"/>
-        <a:defRPr sz="1400" b="0" i="0" u="none" strike="noStrike" cap="none">
+        <a:defRPr b="0" i="0" sz="1400" u="none" cap="none" strike="noStrike">
           <a:solidFill>
             <a:srgbClr val="000000"/>
           </a:solidFill>
@@ -9915,7 +9955,7 @@
           <a:sym typeface="Arial"/>
         </a:defRPr>
       </a:lvl8pPr>
-      <a:lvl9pPr marR="0" lvl="8" algn="l" rtl="0">
+      <a:lvl9pPr lvl="8" marR="0" rtl="0" algn="l">
         <a:lnSpc>
           <a:spcPct val="100000"/>
         </a:lnSpc>
@@ -9929,7 +9969,7 @@
           <a:srgbClr val="000000"/>
         </a:buClr>
         <a:buFont typeface="Arial"/>
-        <a:defRPr sz="1400" b="0" i="0" u="none" strike="noStrike" cap="none">
+        <a:defRPr b="0" i="0" sz="1400" u="none" cap="none" strike="noStrike">
           <a:solidFill>
             <a:srgbClr val="000000"/>
           </a:solidFill>
@@ -9945,11 +9985,11 @@
 </file>
 
 <file path=ppt/slides/slide1.xml><?xml version="1.0" encoding="utf-8"?>
-<p:sld xmlns:a="http://schemas.openxmlformats.org/drawingml/2006/main" xmlns:r="http://schemas.openxmlformats.org/officeDocument/2006/relationships" xmlns:p="http://schemas.openxmlformats.org/presentationml/2006/main">
+<p:sld xmlns:a="http://schemas.openxmlformats.org/drawingml/2006/main" xmlns:r="http://schemas.openxmlformats.org/officeDocument/2006/relationships" xmlns:mc="http://schemas.openxmlformats.org/markup-compatibility/2006" xmlns:mv="urn:schemas-microsoft-com:mac:vml" xmlns:p="http://schemas.openxmlformats.org/presentationml/2006/main" xmlns:c="http://schemas.openxmlformats.org/drawingml/2006/chart" xmlns:dgm="http://schemas.openxmlformats.org/drawingml/2006/diagram" xmlns:o="urn:schemas-microsoft-com:office:office" xmlns:v="urn:schemas-microsoft-com:vml" xmlns:pvml="urn:schemas-microsoft-com:office:powerpoint" xmlns:com="http://schemas.openxmlformats.org/drawingml/2006/compatibility" xmlns:p14="http://schemas.microsoft.com/office/powerpoint/2010/main" xmlns:p15="http://schemas.microsoft.com/office/powerpoint/2012/main" xmlns:ahyp="http://schemas.microsoft.com/office/drawing/2018/hyperlinkcolor">
   <p:cSld>
     <p:spTree>
       <p:nvGrpSpPr>
-        <p:cNvPr id="1" name="Shape 133"/>
+        <p:cNvPr id="133" name="Shape 133"/>
         <p:cNvGrpSpPr/>
         <p:nvPr/>
       </p:nvGrpSpPr>
@@ -9964,9 +10004,7 @@
       <p:sp>
         <p:nvSpPr>
           <p:cNvPr id="134" name="Google Shape;134;p13"/>
-          <p:cNvSpPr txBox="1">
-            <a:spLocks noGrp="1"/>
-          </p:cNvSpPr>
+          <p:cNvSpPr txBox="1"/>
           <p:nvPr>
             <p:ph type="ctrTitle"/>
           </p:nvPr>
@@ -9981,12 +10019,12 @@
           </a:prstGeom>
         </p:spPr>
         <p:txBody>
-          <a:bodyPr spcFirstLastPara="1" wrap="square" lIns="91425" tIns="91425" rIns="91425" bIns="91425" anchor="t" anchorCtr="0">
+          <a:bodyPr anchorCtr="0" anchor="t" bIns="91425" lIns="91425" spcFirstLastPara="1" rIns="91425" wrap="square" tIns="91425">
             <a:normAutofit/>
           </a:bodyPr>
           <a:lstStyle/>
           <a:p>
-            <a:pPr marL="0" lvl="0" indent="0" algn="l" rtl="0">
+            <a:pPr indent="0" lvl="0" marL="0" rtl="0" algn="l">
               <a:spcBef>
                 <a:spcPts val="0"/>
               </a:spcBef>
@@ -10006,11 +10044,9 @@
       <p:sp>
         <p:nvSpPr>
           <p:cNvPr id="135" name="Google Shape;135;p13"/>
-          <p:cNvSpPr txBox="1">
-            <a:spLocks noGrp="1"/>
-          </p:cNvSpPr>
+          <p:cNvSpPr txBox="1"/>
           <p:nvPr>
-            <p:ph type="subTitle" idx="1"/>
+            <p:ph idx="1" type="subTitle"/>
           </p:nvPr>
         </p:nvSpPr>
         <p:spPr>
@@ -10023,12 +10059,12 @@
           </a:prstGeom>
         </p:spPr>
         <p:txBody>
-          <a:bodyPr spcFirstLastPara="1" wrap="square" lIns="91425" tIns="91425" rIns="91425" bIns="91425" anchor="t" anchorCtr="0">
+          <a:bodyPr anchorCtr="0" anchor="t" bIns="91425" lIns="91425" spcFirstLastPara="1" rIns="91425" wrap="square" tIns="91425">
             <a:normAutofit/>
           </a:bodyPr>
           <a:lstStyle/>
           <a:p>
-            <a:pPr marL="0" lvl="0" indent="0" algn="l" rtl="0">
+            <a:pPr indent="0" lvl="0" marL="0" rtl="0" algn="l">
               <a:spcBef>
                 <a:spcPts val="0"/>
               </a:spcBef>
@@ -10039,7 +10075,11 @@
             </a:pPr>
             <a:r>
               <a:rPr lang="ru" sz="1500"/>
-              <a:t>Автор: Рахметулла Акрам</a:t>
+              <a:t>Автор: </a:t>
+            </a:r>
+            <a:r>
+              <a:rPr lang="ru" sz="1500"/>
+              <a:t>Рахметулла Акрам</a:t>
             </a:r>
             <a:endParaRPr sz="1500"/>
           </a:p>
@@ -10054,11 +10094,11 @@
 </file>
 
 <file path=ppt/slides/slide10.xml><?xml version="1.0" encoding="utf-8"?>
-<p:sld xmlns:a="http://schemas.openxmlformats.org/drawingml/2006/main" xmlns:r="http://schemas.openxmlformats.org/officeDocument/2006/relationships" xmlns:p="http://schemas.openxmlformats.org/presentationml/2006/main">
+<p:sld xmlns:a="http://schemas.openxmlformats.org/drawingml/2006/main" xmlns:r="http://schemas.openxmlformats.org/officeDocument/2006/relationships" xmlns:mc="http://schemas.openxmlformats.org/markup-compatibility/2006" xmlns:mv="urn:schemas-microsoft-com:mac:vml" xmlns:p="http://schemas.openxmlformats.org/presentationml/2006/main" xmlns:c="http://schemas.openxmlformats.org/drawingml/2006/chart" xmlns:dgm="http://schemas.openxmlformats.org/drawingml/2006/diagram" xmlns:o="urn:schemas-microsoft-com:office:office" xmlns:v="urn:schemas-microsoft-com:vml" xmlns:pvml="urn:schemas-microsoft-com:office:powerpoint" xmlns:com="http://schemas.openxmlformats.org/drawingml/2006/compatibility" xmlns:p14="http://schemas.microsoft.com/office/powerpoint/2010/main" xmlns:p15="http://schemas.microsoft.com/office/powerpoint/2012/main" xmlns:ahyp="http://schemas.microsoft.com/office/drawing/2018/hyperlinkcolor">
   <p:cSld>
     <p:spTree>
       <p:nvGrpSpPr>
-        <p:cNvPr id="1" name="Shape 187"/>
+        <p:cNvPr id="187" name="Shape 187"/>
         <p:cNvGrpSpPr/>
         <p:nvPr/>
       </p:nvGrpSpPr>
@@ -10073,9 +10113,7 @@
       <p:sp>
         <p:nvSpPr>
           <p:cNvPr id="188" name="Google Shape;188;p22"/>
-          <p:cNvSpPr txBox="1">
-            <a:spLocks noGrp="1"/>
-          </p:cNvSpPr>
+          <p:cNvSpPr txBox="1"/>
           <p:nvPr>
             <p:ph type="title"/>
           </p:nvPr>
@@ -10090,12 +10128,12 @@
           </a:prstGeom>
         </p:spPr>
         <p:txBody>
-          <a:bodyPr spcFirstLastPara="1" wrap="square" lIns="91425" tIns="91425" rIns="91425" bIns="91425" anchor="t" anchorCtr="0">
+          <a:bodyPr anchorCtr="0" anchor="t" bIns="91425" lIns="91425" spcFirstLastPara="1" rIns="91425" wrap="square" tIns="91425">
             <a:normAutofit/>
           </a:bodyPr>
           <a:lstStyle/>
           <a:p>
-            <a:pPr marL="0" lvl="0" indent="0" algn="l" rtl="0">
+            <a:pPr indent="0" lvl="0" marL="0" rtl="0" algn="l">
               <a:spcBef>
                 <a:spcPts val="0"/>
               </a:spcBef>
@@ -10115,11 +10153,9 @@
       <p:sp>
         <p:nvSpPr>
           <p:cNvPr id="189" name="Google Shape;189;p22"/>
-          <p:cNvSpPr txBox="1">
-            <a:spLocks noGrp="1"/>
-          </p:cNvSpPr>
+          <p:cNvSpPr txBox="1"/>
           <p:nvPr>
-            <p:ph type="body" idx="1"/>
+            <p:ph idx="1" type="body"/>
           </p:nvPr>
         </p:nvSpPr>
         <p:spPr>
@@ -10132,12 +10168,12 @@
           </a:prstGeom>
         </p:spPr>
         <p:txBody>
-          <a:bodyPr spcFirstLastPara="1" wrap="square" lIns="91425" tIns="91425" rIns="91425" bIns="91425" anchor="t" anchorCtr="0">
+          <a:bodyPr anchorCtr="0" anchor="t" bIns="91425" lIns="91425" spcFirstLastPara="1" rIns="91425" wrap="square" tIns="91425">
             <a:normAutofit/>
           </a:bodyPr>
           <a:lstStyle/>
           <a:p>
-            <a:pPr marL="457200" lvl="0" indent="-311150" algn="l" rtl="0">
+            <a:pPr indent="-311150" lvl="0" marL="457200" rtl="0" algn="l">
               <a:spcBef>
                 <a:spcPts val="0"/>
               </a:spcBef>
@@ -10149,7 +10185,11 @@
             </a:pPr>
             <a:r>
               <a:rPr lang="ru"/>
-              <a:t>Запрос: </a:t>
+              <a:t>Запрос</a:t>
+            </a:r>
+            <a:r>
+              <a:rPr lang="ru"/>
+              <a:t>: </a:t>
             </a:r>
             <a:r>
               <a:rPr lang="ru" u="sng">
@@ -10163,7 +10203,7 @@
             <a:endParaRPr/>
           </a:p>
           <a:p>
-            <a:pPr marL="457200" lvl="0" indent="0" algn="l" rtl="0">
+            <a:pPr indent="0" lvl="0" marL="457200" rtl="0" algn="l">
               <a:spcBef>
                 <a:spcPts val="1200"/>
               </a:spcBef>
@@ -10211,11 +10251,9 @@
       <p:sp>
         <p:nvSpPr>
           <p:cNvPr id="191" name="Google Shape;191;p22"/>
-          <p:cNvSpPr txBox="1">
-            <a:spLocks noGrp="1"/>
-          </p:cNvSpPr>
+          <p:cNvSpPr txBox="1"/>
           <p:nvPr>
-            <p:ph type="body" idx="1"/>
+            <p:ph idx="1" type="body"/>
           </p:nvPr>
         </p:nvSpPr>
         <p:spPr>
@@ -10228,12 +10266,12 @@
           </a:prstGeom>
         </p:spPr>
         <p:txBody>
-          <a:bodyPr spcFirstLastPara="1" wrap="square" lIns="91425" tIns="91425" rIns="91425" bIns="91425" anchor="t" anchorCtr="0">
+          <a:bodyPr anchorCtr="0" anchor="t" bIns="91425" lIns="91425" spcFirstLastPara="1" rIns="91425" wrap="square" tIns="91425">
             <a:normAutofit/>
           </a:bodyPr>
           <a:lstStyle/>
           <a:p>
-            <a:pPr marL="457200" lvl="0" indent="-311150" algn="l" rtl="0">
+            <a:pPr indent="-311150" lvl="0" marL="457200" rtl="0" algn="l">
               <a:spcBef>
                 <a:spcPts val="0"/>
               </a:spcBef>
@@ -10255,7 +10293,7 @@
                 <a:hlinkClick r:id="rId5">
                   <a:extLst>
                     <a:ext uri="{A12FA001-AC4F-418D-AE19-62706E023703}">
-                      <ahyp:hlinkClr xmlns:ahyp="http://schemas.microsoft.com/office/drawing/2018/hyperlinkcolor" xmlns:p15="http://schemas.microsoft.com/office/powerpoint/2012/main" xmlns:p14="http://schemas.microsoft.com/office/powerpoint/2010/main" xmlns:com="http://schemas.openxmlformats.org/drawingml/2006/compatibility" xmlns:pvml="urn:schemas-microsoft-com:office:powerpoint" xmlns:v="urn:schemas-microsoft-com:vml" xmlns:o="urn:schemas-microsoft-com:office:office" xmlns:dgm="http://schemas.openxmlformats.org/drawingml/2006/diagram" xmlns:c="http://schemas.openxmlformats.org/drawingml/2006/chart" xmlns:mv="urn:schemas-microsoft-com:mac:vml" xmlns:mc="http://schemas.openxmlformats.org/markup-compatibility/2006" xmlns="" val="tx"/>
+                      <ahyp:hlinkClr val="tx"/>
                     </a:ext>
                   </a:extLst>
                 </a:hlinkClick>
@@ -10265,7 +10303,7 @@
             <a:endParaRPr/>
           </a:p>
           <a:p>
-            <a:pPr marL="457200" lvl="0" indent="0" algn="l" rtl="0">
+            <a:pPr indent="0" lvl="0" marL="457200" rtl="0" algn="l">
               <a:spcBef>
                 <a:spcPts val="1200"/>
               </a:spcBef>
@@ -10319,11 +10357,11 @@
 </file>
 
 <file path=ppt/slides/slide11.xml><?xml version="1.0" encoding="utf-8"?>
-<p:sld xmlns:a="http://schemas.openxmlformats.org/drawingml/2006/main" xmlns:r="http://schemas.openxmlformats.org/officeDocument/2006/relationships" xmlns:p="http://schemas.openxmlformats.org/presentationml/2006/main">
+<p:sld xmlns:a="http://schemas.openxmlformats.org/drawingml/2006/main" xmlns:r="http://schemas.openxmlformats.org/officeDocument/2006/relationships" xmlns:mc="http://schemas.openxmlformats.org/markup-compatibility/2006" xmlns:mv="urn:schemas-microsoft-com:mac:vml" xmlns:p="http://schemas.openxmlformats.org/presentationml/2006/main" xmlns:c="http://schemas.openxmlformats.org/drawingml/2006/chart" xmlns:dgm="http://schemas.openxmlformats.org/drawingml/2006/diagram" xmlns:o="urn:schemas-microsoft-com:office:office" xmlns:v="urn:schemas-microsoft-com:vml" xmlns:pvml="urn:schemas-microsoft-com:office:powerpoint" xmlns:com="http://schemas.openxmlformats.org/drawingml/2006/compatibility" xmlns:p14="http://schemas.microsoft.com/office/powerpoint/2010/main" xmlns:p15="http://schemas.microsoft.com/office/powerpoint/2012/main" xmlns:ahyp="http://schemas.microsoft.com/office/drawing/2018/hyperlinkcolor">
   <p:cSld>
     <p:spTree>
       <p:nvGrpSpPr>
-        <p:cNvPr id="1" name="Shape 196"/>
+        <p:cNvPr id="196" name="Shape 196"/>
         <p:cNvGrpSpPr/>
         <p:nvPr/>
       </p:nvGrpSpPr>
@@ -10338,9 +10376,7 @@
       <p:sp>
         <p:nvSpPr>
           <p:cNvPr id="197" name="Google Shape;197;p23"/>
-          <p:cNvSpPr txBox="1">
-            <a:spLocks noGrp="1"/>
-          </p:cNvSpPr>
+          <p:cNvSpPr txBox="1"/>
           <p:nvPr>
             <p:ph type="title"/>
           </p:nvPr>
@@ -10355,12 +10391,12 @@
           </a:prstGeom>
         </p:spPr>
         <p:txBody>
-          <a:bodyPr spcFirstLastPara="1" wrap="square" lIns="91425" tIns="91425" rIns="91425" bIns="91425" anchor="t" anchorCtr="0">
+          <a:bodyPr anchorCtr="0" anchor="t" bIns="91425" lIns="91425" spcFirstLastPara="1" rIns="91425" wrap="square" tIns="91425">
             <a:normAutofit/>
           </a:bodyPr>
           <a:lstStyle/>
           <a:p>
-            <a:pPr marL="0" lvl="0" indent="0" algn="l" rtl="0">
+            <a:pPr indent="0" lvl="0" marL="0" rtl="0" algn="l">
               <a:spcBef>
                 <a:spcPts val="0"/>
               </a:spcBef>
@@ -10380,11 +10416,9 @@
       <p:sp>
         <p:nvSpPr>
           <p:cNvPr id="198" name="Google Shape;198;p23"/>
-          <p:cNvSpPr txBox="1">
-            <a:spLocks noGrp="1"/>
-          </p:cNvSpPr>
+          <p:cNvSpPr txBox="1"/>
           <p:nvPr>
-            <p:ph type="body" idx="1"/>
+            <p:ph idx="1" type="body"/>
           </p:nvPr>
         </p:nvSpPr>
         <p:spPr>
@@ -10397,12 +10431,12 @@
           </a:prstGeom>
         </p:spPr>
         <p:txBody>
-          <a:bodyPr spcFirstLastPara="1" wrap="square" lIns="91425" tIns="91425" rIns="91425" bIns="91425" anchor="t" anchorCtr="0">
-            <a:normAutofit lnSpcReduction="10000"/>
+          <a:bodyPr anchorCtr="0" anchor="t" bIns="91425" lIns="91425" spcFirstLastPara="1" rIns="91425" wrap="square" tIns="91425">
+            <a:normAutofit/>
           </a:bodyPr>
           <a:lstStyle/>
           <a:p>
-            <a:pPr marL="0" lvl="0" indent="0" algn="l" rtl="0">
+            <a:pPr indent="0" lvl="0" marL="0" rtl="0" algn="l">
               <a:spcBef>
                 <a:spcPts val="0"/>
               </a:spcBef>
@@ -10418,7 +10452,7 @@
             <a:endParaRPr sz="1500"/>
           </a:p>
           <a:p>
-            <a:pPr marL="0" lvl="0" indent="0" algn="l" rtl="0">
+            <a:pPr indent="0" lvl="0" marL="0" rtl="0" algn="l">
               <a:spcBef>
                 <a:spcPts val="1200"/>
               </a:spcBef>
@@ -10427,10 +10461,13 @@
               </a:spcAft>
               <a:buNone/>
             </a:pPr>
+            <a:r>
+              <a:t/>
+            </a:r>
             <a:endParaRPr sz="1500"/>
           </a:p>
           <a:p>
-            <a:pPr marL="0" lvl="0" indent="0" algn="ctr" rtl="0">
+            <a:pPr indent="0" lvl="0" marL="0" rtl="0" algn="ctr">
               <a:spcBef>
                 <a:spcPts val="1200"/>
               </a:spcBef>
@@ -10440,13 +10477,13 @@
               <a:buNone/>
             </a:pPr>
             <a:r>
-              <a:rPr lang="ru" sz="2300" b="1"/>
+              <a:rPr b="1" lang="ru" sz="2300"/>
               <a:t>Спасибо за внимание!</a:t>
             </a:r>
-            <a:endParaRPr sz="2300" b="1"/>
+            <a:endParaRPr b="1" sz="2300"/>
           </a:p>
           <a:p>
-            <a:pPr marL="0" lvl="0" indent="0" algn="l" rtl="0">
+            <a:pPr indent="0" lvl="0" marL="0" rtl="0" algn="l">
               <a:spcBef>
                 <a:spcPts val="1200"/>
               </a:spcBef>
@@ -10455,10 +10492,13 @@
               </a:spcAft>
               <a:buNone/>
             </a:pPr>
+            <a:r>
+              <a:t/>
+            </a:r>
             <a:endParaRPr sz="1500"/>
           </a:p>
           <a:p>
-            <a:pPr marL="0" lvl="0" indent="0" algn="l" rtl="0">
+            <a:pPr indent="0" lvl="0" marL="0" rtl="0" algn="l">
               <a:spcBef>
                 <a:spcPts val="1200"/>
               </a:spcBef>
@@ -10467,10 +10507,13 @@
               </a:spcAft>
               <a:buNone/>
             </a:pPr>
+            <a:r>
+              <a:t/>
+            </a:r>
             <a:endParaRPr sz="1500"/>
           </a:p>
           <a:p>
-            <a:pPr marL="0" lvl="0" indent="0" algn="l" rtl="0">
+            <a:pPr indent="0" lvl="0" marL="0" rtl="0" algn="l">
               <a:spcBef>
                 <a:spcPts val="1200"/>
               </a:spcBef>
@@ -10479,10 +10522,13 @@
               </a:spcAft>
               <a:buNone/>
             </a:pPr>
+            <a:r>
+              <a:t/>
+            </a:r>
             <a:endParaRPr sz="1200"/>
           </a:p>
           <a:p>
-            <a:pPr marL="0" lvl="0" indent="0" algn="l" rtl="0">
+            <a:pPr indent="0" lvl="0" marL="0" rtl="0" algn="l">
               <a:spcBef>
                 <a:spcPts val="1200"/>
               </a:spcBef>
@@ -10503,7 +10549,7 @@
                 <a:hlinkClick r:id="rId3">
                   <a:extLst>
                     <a:ext uri="{A12FA001-AC4F-418D-AE19-62706E023703}">
-                      <ahyp:hlinkClr xmlns:ahyp="http://schemas.microsoft.com/office/drawing/2018/hyperlinkcolor" xmlns:p15="http://schemas.microsoft.com/office/powerpoint/2012/main" xmlns:p14="http://schemas.microsoft.com/office/powerpoint/2010/main" xmlns:com="http://schemas.openxmlformats.org/drawingml/2006/compatibility" xmlns:pvml="urn:schemas-microsoft-com:office:powerpoint" xmlns:v="urn:schemas-microsoft-com:vml" xmlns:o="urn:schemas-microsoft-com:office:office" xmlns:dgm="http://schemas.openxmlformats.org/drawingml/2006/diagram" xmlns:c="http://schemas.openxmlformats.org/drawingml/2006/chart" xmlns:mv="urn:schemas-microsoft-com:mac:vml" xmlns:mc="http://schemas.openxmlformats.org/markup-compatibility/2006" xmlns="" val="tx"/>
+                      <ahyp:hlinkClr val="tx"/>
                     </a:ext>
                   </a:extLst>
                 </a:hlinkClick>
@@ -10523,11 +10569,11 @@
 </file>
 
 <file path=ppt/slides/slide2.xml><?xml version="1.0" encoding="utf-8"?>
-<p:sld xmlns:a="http://schemas.openxmlformats.org/drawingml/2006/main" xmlns:r="http://schemas.openxmlformats.org/officeDocument/2006/relationships" xmlns:p="http://schemas.openxmlformats.org/presentationml/2006/main">
+<p:sld xmlns:a="http://schemas.openxmlformats.org/drawingml/2006/main" xmlns:r="http://schemas.openxmlformats.org/officeDocument/2006/relationships" xmlns:mc="http://schemas.openxmlformats.org/markup-compatibility/2006" xmlns:mv="urn:schemas-microsoft-com:mac:vml" xmlns:p="http://schemas.openxmlformats.org/presentationml/2006/main" xmlns:c="http://schemas.openxmlformats.org/drawingml/2006/chart" xmlns:dgm="http://schemas.openxmlformats.org/drawingml/2006/diagram" xmlns:o="urn:schemas-microsoft-com:office:office" xmlns:v="urn:schemas-microsoft-com:vml" xmlns:pvml="urn:schemas-microsoft-com:office:powerpoint" xmlns:com="http://schemas.openxmlformats.org/drawingml/2006/compatibility" xmlns:p14="http://schemas.microsoft.com/office/powerpoint/2010/main" xmlns:p15="http://schemas.microsoft.com/office/powerpoint/2012/main" xmlns:ahyp="http://schemas.microsoft.com/office/drawing/2018/hyperlinkcolor">
   <p:cSld>
     <p:spTree>
       <p:nvGrpSpPr>
-        <p:cNvPr id="1" name="Shape 139"/>
+        <p:cNvPr id="139" name="Shape 139"/>
         <p:cNvGrpSpPr/>
         <p:nvPr/>
       </p:nvGrpSpPr>
@@ -10542,9 +10588,7 @@
       <p:sp>
         <p:nvSpPr>
           <p:cNvPr id="140" name="Google Shape;140;p14"/>
-          <p:cNvSpPr txBox="1">
-            <a:spLocks noGrp="1"/>
-          </p:cNvSpPr>
+          <p:cNvSpPr txBox="1"/>
           <p:nvPr>
             <p:ph type="title"/>
           </p:nvPr>
@@ -10559,12 +10603,12 @@
           </a:prstGeom>
         </p:spPr>
         <p:txBody>
-          <a:bodyPr spcFirstLastPara="1" wrap="square" lIns="91425" tIns="91425" rIns="91425" bIns="91425" anchor="t" anchorCtr="0">
+          <a:bodyPr anchorCtr="0" anchor="t" bIns="91425" lIns="91425" spcFirstLastPara="1" rIns="91425" wrap="square" tIns="91425">
             <a:normAutofit/>
           </a:bodyPr>
           <a:lstStyle/>
           <a:p>
-            <a:pPr marL="0" lvl="0" indent="0" algn="l" rtl="0">
+            <a:pPr indent="0" lvl="0" marL="0" rtl="0" algn="l">
               <a:spcBef>
                 <a:spcPts val="0"/>
               </a:spcBef>
@@ -10584,29 +10628,27 @@
       <p:sp>
         <p:nvSpPr>
           <p:cNvPr id="141" name="Google Shape;141;p14"/>
-          <p:cNvSpPr txBox="1">
-            <a:spLocks noGrp="1"/>
-          </p:cNvSpPr>
+          <p:cNvSpPr txBox="1"/>
           <p:nvPr>
-            <p:ph type="body" idx="1"/>
+            <p:ph idx="1" type="body"/>
           </p:nvPr>
         </p:nvSpPr>
         <p:spPr>
           <a:xfrm>
-            <a:off x="1297500" y="1360875"/>
-            <a:ext cx="7038900" cy="3921900"/>
+            <a:off x="1178725" y="1360875"/>
+            <a:ext cx="7329600" cy="3921900"/>
           </a:xfrm>
           <a:prstGeom prst="rect">
             <a:avLst/>
           </a:prstGeom>
         </p:spPr>
         <p:txBody>
-          <a:bodyPr spcFirstLastPara="1" wrap="square" lIns="91425" tIns="91425" rIns="91425" bIns="91425" anchor="t" anchorCtr="0">
+          <a:bodyPr anchorCtr="0" anchor="t" bIns="91425" lIns="91425" spcFirstLastPara="1" rIns="91425" wrap="square" tIns="91425">
             <a:normAutofit/>
           </a:bodyPr>
           <a:lstStyle/>
           <a:p>
-            <a:pPr marL="0" lvl="0" indent="0" algn="just" rtl="0">
+            <a:pPr indent="0" lvl="0" marL="0" rtl="0" algn="just">
               <a:spcBef>
                 <a:spcPts val="0"/>
               </a:spcBef>
@@ -10622,7 +10664,7 @@
             <a:endParaRPr sz="1500"/>
           </a:p>
           <a:p>
-            <a:pPr marL="0" lvl="0" indent="0" algn="l" rtl="0">
+            <a:pPr indent="0" lvl="0" marL="0" rtl="0" algn="l">
               <a:spcBef>
                 <a:spcPts val="1200"/>
               </a:spcBef>
@@ -10638,7 +10680,7 @@
             <a:endParaRPr sz="1500"/>
           </a:p>
           <a:p>
-            <a:pPr marL="457200" lvl="0" indent="-323850" algn="just" rtl="0">
+            <a:pPr indent="-323850" lvl="0" marL="457200" rtl="0" algn="just">
               <a:spcBef>
                 <a:spcPts val="1200"/>
               </a:spcBef>
@@ -10650,12 +10692,12 @@
             </a:pPr>
             <a:r>
               <a:rPr lang="ru" sz="1500"/>
-              <a:t>Сервер и тестирующая система написаны с помощью возможностей языка Python. Один из самых важных плюсов тестирующей системы - это быстрая проверка решения, даже если слабый процессор. Также, сервер и тестирующая система работают независимо, благодаря библиотеке multiprocessing.</a:t>
+              <a:t>Сервер и тестирующая система написаны с помощью возможностей языка Python. Один из самых важных плюсов тестирующей системы - это быстрая проверка решения, даже если процессор вашего компьютера медленный. Также, сервер и тестирующая система работают одновременно с помощью технологии параллелизма, благодаря библиотеке multiprocessing.</a:t>
             </a:r>
             <a:endParaRPr sz="1500"/>
           </a:p>
           <a:p>
-            <a:pPr marL="457200" lvl="0" indent="-323850" algn="just" rtl="0">
+            <a:pPr indent="-323850" lvl="0" marL="457200" rtl="0" algn="just">
               <a:spcBef>
                 <a:spcPts val="0"/>
               </a:spcBef>
@@ -10682,11 +10724,11 @@
 </file>
 
 <file path=ppt/slides/slide3.xml><?xml version="1.0" encoding="utf-8"?>
-<p:sld xmlns:a="http://schemas.openxmlformats.org/drawingml/2006/main" xmlns:r="http://schemas.openxmlformats.org/officeDocument/2006/relationships" xmlns:p="http://schemas.openxmlformats.org/presentationml/2006/main">
+<p:sld xmlns:a="http://schemas.openxmlformats.org/drawingml/2006/main" xmlns:r="http://schemas.openxmlformats.org/officeDocument/2006/relationships" xmlns:mc="http://schemas.openxmlformats.org/markup-compatibility/2006" xmlns:mv="urn:schemas-microsoft-com:mac:vml" xmlns:p="http://schemas.openxmlformats.org/presentationml/2006/main" xmlns:c="http://schemas.openxmlformats.org/drawingml/2006/chart" xmlns:dgm="http://schemas.openxmlformats.org/drawingml/2006/diagram" xmlns:o="urn:schemas-microsoft-com:office:office" xmlns:v="urn:schemas-microsoft-com:vml" xmlns:pvml="urn:schemas-microsoft-com:office:powerpoint" xmlns:com="http://schemas.openxmlformats.org/drawingml/2006/compatibility" xmlns:p14="http://schemas.microsoft.com/office/powerpoint/2010/main" xmlns:p15="http://schemas.microsoft.com/office/powerpoint/2012/main" xmlns:ahyp="http://schemas.microsoft.com/office/drawing/2018/hyperlinkcolor">
   <p:cSld>
     <p:spTree>
       <p:nvGrpSpPr>
-        <p:cNvPr id="1" name="Shape 145"/>
+        <p:cNvPr id="145" name="Shape 145"/>
         <p:cNvGrpSpPr/>
         <p:nvPr/>
       </p:nvGrpSpPr>
@@ -10701,9 +10743,7 @@
       <p:sp>
         <p:nvSpPr>
           <p:cNvPr id="146" name="Google Shape;146;p15"/>
-          <p:cNvSpPr txBox="1">
-            <a:spLocks noGrp="1"/>
-          </p:cNvSpPr>
+          <p:cNvSpPr txBox="1"/>
           <p:nvPr>
             <p:ph type="title"/>
           </p:nvPr>
@@ -10718,12 +10758,12 @@
           </a:prstGeom>
         </p:spPr>
         <p:txBody>
-          <a:bodyPr spcFirstLastPara="1" wrap="square" lIns="91425" tIns="91425" rIns="91425" bIns="91425" anchor="t" anchorCtr="0">
+          <a:bodyPr anchorCtr="0" anchor="t" bIns="91425" lIns="91425" spcFirstLastPara="1" rIns="91425" wrap="square" tIns="91425">
             <a:normAutofit fontScale="90000"/>
           </a:bodyPr>
           <a:lstStyle/>
           <a:p>
-            <a:pPr marL="0" lvl="0" indent="0" algn="l" rtl="0">
+            <a:pPr indent="0" lvl="0" marL="0" rtl="0" algn="l">
               <a:spcBef>
                 <a:spcPts val="0"/>
               </a:spcBef>
@@ -10777,11 +10817,11 @@
 </file>
 
 <file path=ppt/slides/slide4.xml><?xml version="1.0" encoding="utf-8"?>
-<p:sld xmlns:a="http://schemas.openxmlformats.org/drawingml/2006/main" xmlns:r="http://schemas.openxmlformats.org/officeDocument/2006/relationships" xmlns:p="http://schemas.openxmlformats.org/presentationml/2006/main">
+<p:sld xmlns:a="http://schemas.openxmlformats.org/drawingml/2006/main" xmlns:r="http://schemas.openxmlformats.org/officeDocument/2006/relationships" xmlns:mc="http://schemas.openxmlformats.org/markup-compatibility/2006" xmlns:mv="urn:schemas-microsoft-com:mac:vml" xmlns:p="http://schemas.openxmlformats.org/presentationml/2006/main" xmlns:c="http://schemas.openxmlformats.org/drawingml/2006/chart" xmlns:dgm="http://schemas.openxmlformats.org/drawingml/2006/diagram" xmlns:o="urn:schemas-microsoft-com:office:office" xmlns:v="urn:schemas-microsoft-com:vml" xmlns:pvml="urn:schemas-microsoft-com:office:powerpoint" xmlns:com="http://schemas.openxmlformats.org/drawingml/2006/compatibility" xmlns:p14="http://schemas.microsoft.com/office/powerpoint/2010/main" xmlns:p15="http://schemas.microsoft.com/office/powerpoint/2012/main" xmlns:ahyp="http://schemas.microsoft.com/office/drawing/2018/hyperlinkcolor">
   <p:cSld>
     <p:spTree>
       <p:nvGrpSpPr>
-        <p:cNvPr id="1" name="Shape 151"/>
+        <p:cNvPr id="151" name="Shape 151"/>
         <p:cNvGrpSpPr/>
         <p:nvPr/>
       </p:nvGrpSpPr>
@@ -10796,9 +10836,7 @@
       <p:sp>
         <p:nvSpPr>
           <p:cNvPr id="152" name="Google Shape;152;p16"/>
-          <p:cNvSpPr txBox="1">
-            <a:spLocks noGrp="1"/>
-          </p:cNvSpPr>
+          <p:cNvSpPr txBox="1"/>
           <p:nvPr>
             <p:ph type="title"/>
           </p:nvPr>
@@ -10813,12 +10851,12 @@
           </a:prstGeom>
         </p:spPr>
         <p:txBody>
-          <a:bodyPr spcFirstLastPara="1" wrap="square" lIns="91425" tIns="91425" rIns="91425" bIns="91425" anchor="t" anchorCtr="0">
+          <a:bodyPr anchorCtr="0" anchor="t" bIns="91425" lIns="91425" spcFirstLastPara="1" rIns="91425" wrap="square" tIns="91425">
             <a:normAutofit/>
           </a:bodyPr>
           <a:lstStyle/>
           <a:p>
-            <a:pPr marL="0" lvl="0" indent="0" algn="l" rtl="0">
+            <a:pPr indent="0" lvl="0" marL="0" rtl="0" algn="l">
               <a:spcBef>
                 <a:spcPts val="0"/>
               </a:spcBef>
@@ -10838,11 +10876,9 @@
       <p:sp>
         <p:nvSpPr>
           <p:cNvPr id="153" name="Google Shape;153;p16"/>
-          <p:cNvSpPr txBox="1">
-            <a:spLocks noGrp="1"/>
-          </p:cNvSpPr>
+          <p:cNvSpPr txBox="1"/>
           <p:nvPr>
-            <p:ph type="body" idx="1"/>
+            <p:ph idx="1" type="body"/>
           </p:nvPr>
         </p:nvSpPr>
         <p:spPr>
@@ -10855,12 +10891,12 @@
           </a:prstGeom>
         </p:spPr>
         <p:txBody>
-          <a:bodyPr spcFirstLastPara="1" wrap="square" lIns="91425" tIns="91425" rIns="91425" bIns="91425" anchor="t" anchorCtr="0">
+          <a:bodyPr anchorCtr="0" anchor="t" bIns="91425" lIns="91425" spcFirstLastPara="1" rIns="91425" wrap="square" tIns="91425">
             <a:normAutofit/>
           </a:bodyPr>
           <a:lstStyle/>
           <a:p>
-            <a:pPr marL="0" lvl="0" indent="0" algn="just" rtl="0">
+            <a:pPr indent="0" lvl="0" marL="0" rtl="0" algn="just">
               <a:spcBef>
                 <a:spcPts val="0"/>
               </a:spcBef>
@@ -10876,7 +10912,7 @@
             <a:endParaRPr sz="1500"/>
           </a:p>
           <a:p>
-            <a:pPr marL="0" lvl="0" indent="0" algn="just" rtl="0">
+            <a:pPr indent="0" lvl="0" marL="0" rtl="0" algn="just">
               <a:spcBef>
                 <a:spcPts val="1200"/>
               </a:spcBef>
@@ -10892,7 +10928,7 @@
             <a:endParaRPr sz="1500"/>
           </a:p>
           <a:p>
-            <a:pPr marL="0" lvl="0" indent="0" algn="just" rtl="0">
+            <a:pPr indent="0" lvl="0" marL="0" rtl="0" algn="just">
               <a:spcBef>
                 <a:spcPts val="1200"/>
               </a:spcBef>
@@ -10908,7 +10944,7 @@
             <a:endParaRPr sz="1500"/>
           </a:p>
           <a:p>
-            <a:pPr marL="0" lvl="0" indent="0" algn="just" rtl="0">
+            <a:pPr indent="0" lvl="0" marL="0" rtl="0" algn="just">
               <a:spcBef>
                 <a:spcPts val="1200"/>
               </a:spcBef>
@@ -10924,7 +10960,7 @@
             <a:endParaRPr sz="1500"/>
           </a:p>
           <a:p>
-            <a:pPr marL="0" lvl="0" indent="0" algn="just" rtl="0">
+            <a:pPr indent="0" lvl="0" marL="0" rtl="0" algn="just">
               <a:spcBef>
                 <a:spcPts val="1200"/>
               </a:spcBef>
@@ -10950,11 +10986,11 @@
 </file>
 
 <file path=ppt/slides/slide5.xml><?xml version="1.0" encoding="utf-8"?>
-<p:sld xmlns:a="http://schemas.openxmlformats.org/drawingml/2006/main" xmlns:r="http://schemas.openxmlformats.org/officeDocument/2006/relationships" xmlns:p="http://schemas.openxmlformats.org/presentationml/2006/main">
+<p:sld xmlns:a="http://schemas.openxmlformats.org/drawingml/2006/main" xmlns:r="http://schemas.openxmlformats.org/officeDocument/2006/relationships" xmlns:mc="http://schemas.openxmlformats.org/markup-compatibility/2006" xmlns:mv="urn:schemas-microsoft-com:mac:vml" xmlns:p="http://schemas.openxmlformats.org/presentationml/2006/main" xmlns:c="http://schemas.openxmlformats.org/drawingml/2006/chart" xmlns:dgm="http://schemas.openxmlformats.org/drawingml/2006/diagram" xmlns:o="urn:schemas-microsoft-com:office:office" xmlns:v="urn:schemas-microsoft-com:vml" xmlns:pvml="urn:schemas-microsoft-com:office:powerpoint" xmlns:com="http://schemas.openxmlformats.org/drawingml/2006/compatibility" xmlns:p14="http://schemas.microsoft.com/office/powerpoint/2010/main" xmlns:p15="http://schemas.microsoft.com/office/powerpoint/2012/main" xmlns:ahyp="http://schemas.microsoft.com/office/drawing/2018/hyperlinkcolor">
   <p:cSld>
     <p:spTree>
       <p:nvGrpSpPr>
-        <p:cNvPr id="1" name="Shape 157"/>
+        <p:cNvPr id="157" name="Shape 157"/>
         <p:cNvGrpSpPr/>
         <p:nvPr/>
       </p:nvGrpSpPr>
@@ -10969,9 +11005,7 @@
       <p:sp>
         <p:nvSpPr>
           <p:cNvPr id="158" name="Google Shape;158;p17"/>
-          <p:cNvSpPr txBox="1">
-            <a:spLocks noGrp="1"/>
-          </p:cNvSpPr>
+          <p:cNvSpPr txBox="1"/>
           <p:nvPr>
             <p:ph type="title"/>
           </p:nvPr>
@@ -10986,12 +11020,12 @@
           </a:prstGeom>
         </p:spPr>
         <p:txBody>
-          <a:bodyPr spcFirstLastPara="1" wrap="square" lIns="91425" tIns="91425" rIns="91425" bIns="91425" anchor="t" anchorCtr="0">
+          <a:bodyPr anchorCtr="0" anchor="t" bIns="91425" lIns="91425" spcFirstLastPara="1" rIns="91425" wrap="square" tIns="91425">
             <a:normAutofit/>
           </a:bodyPr>
           <a:lstStyle/>
           <a:p>
-            <a:pPr marL="0" lvl="0" indent="0" algn="l" rtl="0">
+            <a:pPr indent="0" lvl="0" marL="0" rtl="0" algn="l">
               <a:spcBef>
                 <a:spcPts val="0"/>
               </a:spcBef>
@@ -11011,11 +11045,9 @@
       <p:sp>
         <p:nvSpPr>
           <p:cNvPr id="159" name="Google Shape;159;p17"/>
-          <p:cNvSpPr txBox="1">
-            <a:spLocks noGrp="1"/>
-          </p:cNvSpPr>
+          <p:cNvSpPr txBox="1"/>
           <p:nvPr>
-            <p:ph type="body" idx="1"/>
+            <p:ph idx="1" type="body"/>
           </p:nvPr>
         </p:nvSpPr>
         <p:spPr>
@@ -11028,12 +11060,12 @@
           </a:prstGeom>
         </p:spPr>
         <p:txBody>
-          <a:bodyPr spcFirstLastPara="1" wrap="square" lIns="91425" tIns="91425" rIns="91425" bIns="91425" anchor="t" anchorCtr="0">
+          <a:bodyPr anchorCtr="0" anchor="t" bIns="91425" lIns="91425" spcFirstLastPara="1" rIns="91425" wrap="square" tIns="91425">
             <a:normAutofit/>
           </a:bodyPr>
           <a:lstStyle/>
           <a:p>
-            <a:pPr marL="0" lvl="0" indent="0" algn="l" rtl="0">
+            <a:pPr indent="0" lvl="0" marL="0" rtl="0" algn="l">
               <a:spcBef>
                 <a:spcPts val="0"/>
               </a:spcBef>
@@ -11049,7 +11081,7 @@
             <a:endParaRPr sz="1500"/>
           </a:p>
           <a:p>
-            <a:pPr marL="457200" lvl="0" indent="-323850" algn="l" rtl="0">
+            <a:pPr indent="-323850" lvl="0" marL="457200" rtl="0" algn="l">
               <a:spcBef>
                 <a:spcPts val="1200"/>
               </a:spcBef>
@@ -11066,7 +11098,7 @@
             <a:endParaRPr sz="1500"/>
           </a:p>
           <a:p>
-            <a:pPr marL="457200" lvl="0" indent="-323850" algn="l" rtl="0">
+            <a:pPr indent="-323850" lvl="0" marL="457200" rtl="0" algn="l">
               <a:spcBef>
                 <a:spcPts val="0"/>
               </a:spcBef>
@@ -11083,7 +11115,7 @@
             <a:endParaRPr sz="1500"/>
           </a:p>
           <a:p>
-            <a:pPr marL="457200" lvl="0" indent="-323850" algn="l" rtl="0">
+            <a:pPr indent="-323850" lvl="0" marL="457200" rtl="0" algn="l">
               <a:spcBef>
                 <a:spcPts val="0"/>
               </a:spcBef>
@@ -11100,7 +11132,7 @@
             <a:endParaRPr sz="1500"/>
           </a:p>
           <a:p>
-            <a:pPr marL="0" lvl="0" indent="0" algn="l" rtl="0">
+            <a:pPr indent="0" lvl="0" marL="0" rtl="0" algn="l">
               <a:spcBef>
                 <a:spcPts val="1200"/>
               </a:spcBef>
@@ -11109,6 +11141,9 @@
               </a:spcAft>
               <a:buNone/>
             </a:pPr>
+            <a:r>
+              <a:t/>
+            </a:r>
             <a:endParaRPr sz="1500"/>
           </a:p>
         </p:txBody>
@@ -11122,11 +11157,11 @@
 </file>
 
 <file path=ppt/slides/slide6.xml><?xml version="1.0" encoding="utf-8"?>
-<p:sld xmlns:a="http://schemas.openxmlformats.org/drawingml/2006/main" xmlns:r="http://schemas.openxmlformats.org/officeDocument/2006/relationships" xmlns:p="http://schemas.openxmlformats.org/presentationml/2006/main">
+<p:sld xmlns:a="http://schemas.openxmlformats.org/drawingml/2006/main" xmlns:r="http://schemas.openxmlformats.org/officeDocument/2006/relationships" xmlns:mc="http://schemas.openxmlformats.org/markup-compatibility/2006" xmlns:mv="urn:schemas-microsoft-com:mac:vml" xmlns:p="http://schemas.openxmlformats.org/presentationml/2006/main" xmlns:c="http://schemas.openxmlformats.org/drawingml/2006/chart" xmlns:dgm="http://schemas.openxmlformats.org/drawingml/2006/diagram" xmlns:o="urn:schemas-microsoft-com:office:office" xmlns:v="urn:schemas-microsoft-com:vml" xmlns:pvml="urn:schemas-microsoft-com:office:powerpoint" xmlns:com="http://schemas.openxmlformats.org/drawingml/2006/compatibility" xmlns:p14="http://schemas.microsoft.com/office/powerpoint/2010/main" xmlns:p15="http://schemas.microsoft.com/office/powerpoint/2012/main" xmlns:ahyp="http://schemas.microsoft.com/office/drawing/2018/hyperlinkcolor">
   <p:cSld>
     <p:spTree>
       <p:nvGrpSpPr>
-        <p:cNvPr id="1" name="Shape 163"/>
+        <p:cNvPr id="163" name="Shape 163"/>
         <p:cNvGrpSpPr/>
         <p:nvPr/>
       </p:nvGrpSpPr>
@@ -11141,9 +11176,7 @@
       <p:sp>
         <p:nvSpPr>
           <p:cNvPr id="164" name="Google Shape;164;p18"/>
-          <p:cNvSpPr txBox="1">
-            <a:spLocks noGrp="1"/>
-          </p:cNvSpPr>
+          <p:cNvSpPr txBox="1"/>
           <p:nvPr>
             <p:ph type="title"/>
           </p:nvPr>
@@ -11158,12 +11191,12 @@
           </a:prstGeom>
         </p:spPr>
         <p:txBody>
-          <a:bodyPr spcFirstLastPara="1" wrap="square" lIns="91425" tIns="91425" rIns="91425" bIns="91425" anchor="t" anchorCtr="0">
+          <a:bodyPr anchorCtr="0" anchor="t" bIns="91425" lIns="91425" spcFirstLastPara="1" rIns="91425" wrap="square" tIns="91425">
             <a:normAutofit/>
           </a:bodyPr>
           <a:lstStyle/>
           <a:p>
-            <a:pPr marL="0" lvl="0" indent="0" algn="l" rtl="0">
+            <a:pPr indent="0" lvl="0" marL="0" rtl="0" algn="l">
               <a:spcBef>
                 <a:spcPts val="0"/>
               </a:spcBef>
@@ -11183,71 +11216,87 @@
       <p:sp>
         <p:nvSpPr>
           <p:cNvPr id="165" name="Google Shape;165;p18"/>
-          <p:cNvSpPr txBox="1">
-            <a:spLocks noGrp="1"/>
-          </p:cNvSpPr>
+          <p:cNvSpPr txBox="1"/>
           <p:nvPr>
-            <p:ph type="body" idx="1"/>
+            <p:ph idx="1" type="body"/>
           </p:nvPr>
         </p:nvSpPr>
         <p:spPr>
           <a:xfrm>
-            <a:off x="1297500" y="1567550"/>
-            <a:ext cx="7038900" cy="2911200"/>
+            <a:off x="1297500" y="1446600"/>
+            <a:ext cx="7038900" cy="3386100"/>
           </a:xfrm>
           <a:prstGeom prst="rect">
             <a:avLst/>
           </a:prstGeom>
         </p:spPr>
         <p:txBody>
-          <a:bodyPr spcFirstLastPara="1" wrap="square" lIns="91425" tIns="91425" rIns="91425" bIns="91425" anchor="t" anchorCtr="0">
-            <a:normAutofit lnSpcReduction="10000"/>
+          <a:bodyPr anchorCtr="0" anchor="t" bIns="91425" lIns="91425" spcFirstLastPara="1" rIns="91425" wrap="square" tIns="91425">
+            <a:normAutofit/>
           </a:bodyPr>
           <a:lstStyle/>
           <a:p>
-            <a:pPr marL="0" lvl="0" indent="0" algn="just" rtl="0">
-              <a:spcBef>
-                <a:spcPts val="0"/>
-              </a:spcBef>
-              <a:spcAft>
-                <a:spcPts val="1200"/>
+            <a:pPr indent="0" lvl="0" marL="0" rtl="0" algn="just">
+              <a:spcBef>
+                <a:spcPts val="0"/>
+              </a:spcBef>
+              <a:spcAft>
+                <a:spcPts val="0"/>
               </a:spcAft>
               <a:buNone/>
             </a:pPr>
             <a:r>
-              <a:rPr lang="ru" sz="1500" dirty="0"/>
-              <a:t>Чтобы отправить решение, вам необходимо авторизоваться в системе. Вы можете зарегистрироваться или войти в существующий аккаунт и отправить решение. Система автоматически проверит ваше решение и сообщит вердикт, максимально использованное время и максимальное количество используемой памяти. Как и говорилось ранее, одним из плюсов системы является то, что она хорошо оптимизирована - она быстро тестирует решение и выносит вердикт, даже если процессор вашего компьютера медленный</a:t>
+              <a:rPr lang="ru" sz="1500"/>
+              <a:t>Чтобы отправить решение, вам необходимо авторизоваться в системе. Вы можете зарегистрироваться или войти в существующий аккаунт и отправить решение. Система автоматически проверит ваше решение и сообщит вердикт, максимально </a:t>
             </a:r>
             <a:r>
-              <a:rPr lang="ru" sz="1500" dirty="0" smtClean="0"/>
-              <a:t>.</a:t>
+              <a:rPr lang="ru" sz="1500"/>
+              <a:t>использованное</a:t>
             </a:r>
-            <a:endParaRPr lang="en-US" sz="1500" dirty="0" smtClean="0"/>
+            <a:r>
+              <a:rPr lang="ru" sz="1500"/>
+              <a:t> время и максимальное количество используемой памяти. Как и говорилось ранее, о</a:t>
+            </a:r>
+            <a:r>
+              <a:rPr lang="ru" sz="1500"/>
+              <a:t>дним из плюсов системы является то, что она хорошо оптимизирована - она быстро тестирует решение и выносит вердикт, даже если процессор вашего компьютера медленный.</a:t>
+            </a:r>
+            <a:endParaRPr sz="1500"/>
           </a:p>
           <a:p>
-            <a:pPr marL="0" lvl="0" indent="0" algn="just" rtl="0">
-              <a:spcBef>
-                <a:spcPts val="0"/>
-              </a:spcBef>
-              <a:spcAft>
+            <a:pPr indent="0" lvl="0" marL="0" rtl="0" algn="just">
+              <a:lnSpc>
+                <a:spcPct val="115000"/>
+              </a:lnSpc>
+              <a:spcBef>
                 <a:spcPts val="1200"/>
+              </a:spcBef>
+              <a:spcAft>
+                <a:spcPts val="0"/>
               </a:spcAft>
               <a:buNone/>
             </a:pPr>
             <a:r>
-              <a:rPr lang="ru-RU" sz="1500" dirty="0" smtClean="0"/>
-              <a:t>Также, у каждой задачи есть разбор и решение на языке </a:t>
+              <a:rPr lang="ru" sz="1500">
+                <a:solidFill>
+                  <a:srgbClr val="FFFFFF"/>
+                </a:solidFill>
+              </a:rPr>
+              <a:t>Также, у каждой задачи есть разбор и решение на языке C++.</a:t>
             </a:r>
-            <a:r>
-              <a:rPr lang="en-US" sz="1500" dirty="0" smtClean="0"/>
-              <a:t>C++.</a:t>
-            </a:r>
-            <a:endParaRPr lang="en-US" sz="1500" dirty="0" smtClean="0"/>
+            <a:endParaRPr sz="1500">
+              <a:solidFill>
+                <a:srgbClr val="FFFFFF"/>
+              </a:solidFill>
+            </a:endParaRPr>
           </a:p>
           <a:p>
-            <a:pPr marL="0" lvl="0" indent="0" algn="just" rtl="0">
-              <a:spcBef>
-                <a:spcPts val="0"/>
+            <a:pPr indent="0" lvl="0" marL="0" rtl="0" algn="just">
+              <a:lnSpc>
+                <a:spcPct val="115000"/>
+              </a:lnSpc>
+              <a:spcBef>
+                <a:spcPts val="1200"/>
               </a:spcBef>
               <a:spcAft>
                 <a:spcPts val="1200"/>
@@ -11255,14 +11304,14 @@
               <a:buNone/>
             </a:pPr>
             <a:r>
-              <a:rPr lang="ru" sz="1500" dirty="0" smtClean="0"/>
-              <a:t>Администраторы </a:t>
+              <a:rPr lang="ru" sz="1500">
+                <a:solidFill>
+                  <a:srgbClr val="FFFFFF"/>
+                </a:solidFill>
+              </a:rPr>
+              <a:t>Администраторы могут добавлять новые задачи.</a:t>
             </a:r>
-            <a:r>
-              <a:rPr lang="ru" sz="1500" dirty="0"/>
-              <a:t>могут добавлять новые задачи.</a:t>
-            </a:r>
-            <a:endParaRPr sz="1500" dirty="0"/>
+            <a:endParaRPr sz="1500"/>
           </a:p>
         </p:txBody>
       </p:sp>
@@ -11275,11 +11324,11 @@
 </file>
 
 <file path=ppt/slides/slide7.xml><?xml version="1.0" encoding="utf-8"?>
-<p:sld xmlns:a="http://schemas.openxmlformats.org/drawingml/2006/main" xmlns:r="http://schemas.openxmlformats.org/officeDocument/2006/relationships" xmlns:p="http://schemas.openxmlformats.org/presentationml/2006/main">
+<p:sld xmlns:a="http://schemas.openxmlformats.org/drawingml/2006/main" xmlns:r="http://schemas.openxmlformats.org/officeDocument/2006/relationships" xmlns:mc="http://schemas.openxmlformats.org/markup-compatibility/2006" xmlns:mv="urn:schemas-microsoft-com:mac:vml" xmlns:p="http://schemas.openxmlformats.org/presentationml/2006/main" xmlns:c="http://schemas.openxmlformats.org/drawingml/2006/chart" xmlns:dgm="http://schemas.openxmlformats.org/drawingml/2006/diagram" xmlns:o="urn:schemas-microsoft-com:office:office" xmlns:v="urn:schemas-microsoft-com:vml" xmlns:pvml="urn:schemas-microsoft-com:office:powerpoint" xmlns:com="http://schemas.openxmlformats.org/drawingml/2006/compatibility" xmlns:p14="http://schemas.microsoft.com/office/powerpoint/2010/main" xmlns:p15="http://schemas.microsoft.com/office/powerpoint/2012/main" xmlns:ahyp="http://schemas.microsoft.com/office/drawing/2018/hyperlinkcolor">
   <p:cSld>
     <p:spTree>
       <p:nvGrpSpPr>
-        <p:cNvPr id="1" name="Shape 169"/>
+        <p:cNvPr id="169" name="Shape 169"/>
         <p:cNvGrpSpPr/>
         <p:nvPr/>
       </p:nvGrpSpPr>
@@ -11294,9 +11343,7 @@
       <p:sp>
         <p:nvSpPr>
           <p:cNvPr id="170" name="Google Shape;170;p19"/>
-          <p:cNvSpPr txBox="1">
-            <a:spLocks noGrp="1"/>
-          </p:cNvSpPr>
+          <p:cNvSpPr txBox="1"/>
           <p:nvPr>
             <p:ph type="title"/>
           </p:nvPr>
@@ -11311,12 +11358,12 @@
           </a:prstGeom>
         </p:spPr>
         <p:txBody>
-          <a:bodyPr spcFirstLastPara="1" wrap="square" lIns="91425" tIns="91425" rIns="91425" bIns="91425" anchor="t" anchorCtr="0">
+          <a:bodyPr anchorCtr="0" anchor="t" bIns="91425" lIns="91425" spcFirstLastPara="1" rIns="91425" wrap="square" tIns="91425">
             <a:normAutofit/>
           </a:bodyPr>
           <a:lstStyle/>
           <a:p>
-            <a:pPr marL="0" lvl="0" indent="0" algn="l" rtl="0">
+            <a:pPr indent="0" lvl="0" marL="0" rtl="0" algn="l">
               <a:spcBef>
                 <a:spcPts val="0"/>
               </a:spcBef>
@@ -11336,29 +11383,27 @@
       <p:sp>
         <p:nvSpPr>
           <p:cNvPr id="171" name="Google Shape;171;p19"/>
-          <p:cNvSpPr txBox="1">
-            <a:spLocks noGrp="1"/>
-          </p:cNvSpPr>
+          <p:cNvSpPr txBox="1"/>
           <p:nvPr>
-            <p:ph type="body" idx="1"/>
+            <p:ph idx="1" type="body"/>
           </p:nvPr>
         </p:nvSpPr>
         <p:spPr>
           <a:xfrm>
-            <a:off x="1297500" y="1307850"/>
-            <a:ext cx="7038900" cy="3653700"/>
+            <a:off x="1297500" y="975125"/>
+            <a:ext cx="7038900" cy="4168500"/>
           </a:xfrm>
           <a:prstGeom prst="rect">
             <a:avLst/>
           </a:prstGeom>
         </p:spPr>
         <p:txBody>
-          <a:bodyPr spcFirstLastPara="1" wrap="square" lIns="91425" tIns="91425" rIns="91425" bIns="91425" anchor="t" anchorCtr="0">
-            <a:normAutofit/>
+          <a:bodyPr anchorCtr="0" anchor="t" bIns="91425" lIns="91425" spcFirstLastPara="1" rIns="91425" wrap="square" tIns="91425">
+            <a:normAutofit lnSpcReduction="10000"/>
           </a:bodyPr>
           <a:lstStyle/>
           <a:p>
-            <a:pPr marL="0" lvl="0" indent="0" algn="just" rtl="0">
+            <a:pPr indent="0" lvl="0" marL="0" rtl="0" algn="just">
               <a:spcBef>
                 <a:spcPts val="0"/>
               </a:spcBef>
@@ -11374,7 +11419,7 @@
             <a:endParaRPr sz="1500"/>
           </a:p>
           <a:p>
-            <a:pPr marL="0" lvl="0" indent="0" algn="just" rtl="0">
+            <a:pPr indent="0" lvl="0" marL="0" rtl="0" algn="just">
               <a:spcBef>
                 <a:spcPts val="1200"/>
               </a:spcBef>
@@ -11390,7 +11435,7 @@
             <a:endParaRPr sz="1500"/>
           </a:p>
           <a:p>
-            <a:pPr marL="457200" lvl="0" indent="-323850" algn="just" rtl="0">
+            <a:pPr indent="-323850" lvl="0" marL="457200" rtl="0" algn="just">
               <a:spcBef>
                 <a:spcPts val="1200"/>
               </a:spcBef>
@@ -11407,7 +11452,7 @@
             <a:endParaRPr sz="1500"/>
           </a:p>
           <a:p>
-            <a:pPr marL="457200" lvl="0" indent="-323850" algn="just" rtl="0">
+            <a:pPr indent="-323850" lvl="0" marL="457200" rtl="0" algn="just">
               <a:spcBef>
                 <a:spcPts val="0"/>
               </a:spcBef>
@@ -11420,6 +11465,29 @@
             <a:r>
               <a:rPr lang="ru" sz="1500"/>
               <a:t>Бизнес-аккаунт - эти пользователи или компании могут публиковать, редактировать или удалять вакансии, а также находить и общаться по электронной почте или телефону с другими пользователями. Опубликуйте вакансию, при необходимости отредактируйте и просто дождитесь, пока какой-нибудь квалифицированный специалист свяжется с вами по электронной почте или телефону.</a:t>
+            </a:r>
+            <a:endParaRPr sz="1500"/>
+          </a:p>
+          <a:p>
+            <a:pPr indent="0" lvl="0" marL="0" rtl="0" algn="just">
+              <a:lnSpc>
+                <a:spcPct val="115000"/>
+              </a:lnSpc>
+              <a:spcBef>
+                <a:spcPts val="1200"/>
+              </a:spcBef>
+              <a:spcAft>
+                <a:spcPts val="0"/>
+              </a:spcAft>
+              <a:buNone/>
+            </a:pPr>
+            <a:r>
+              <a:rPr lang="ru" sz="1500">
+                <a:solidFill>
+                  <a:srgbClr val="FFFFFF"/>
+                </a:solidFill>
+              </a:rPr>
+              <a:t>Также, администраторы могут добавлять работу, а также редактировать/удалять любую другую.</a:t>
             </a:r>
             <a:endParaRPr sz="1500"/>
           </a:p>
@@ -11434,11 +11502,11 @@
 </file>
 
 <file path=ppt/slides/slide8.xml><?xml version="1.0" encoding="utf-8"?>
-<p:sld xmlns:a="http://schemas.openxmlformats.org/drawingml/2006/main" xmlns:r="http://schemas.openxmlformats.org/officeDocument/2006/relationships" xmlns:p="http://schemas.openxmlformats.org/presentationml/2006/main">
+<p:sld xmlns:a="http://schemas.openxmlformats.org/drawingml/2006/main" xmlns:r="http://schemas.openxmlformats.org/officeDocument/2006/relationships" xmlns:mc="http://schemas.openxmlformats.org/markup-compatibility/2006" xmlns:mv="urn:schemas-microsoft-com:mac:vml" xmlns:p="http://schemas.openxmlformats.org/presentationml/2006/main" xmlns:c="http://schemas.openxmlformats.org/drawingml/2006/chart" xmlns:dgm="http://schemas.openxmlformats.org/drawingml/2006/diagram" xmlns:o="urn:schemas-microsoft-com:office:office" xmlns:v="urn:schemas-microsoft-com:vml" xmlns:pvml="urn:schemas-microsoft-com:office:powerpoint" xmlns:com="http://schemas.openxmlformats.org/drawingml/2006/compatibility" xmlns:p14="http://schemas.microsoft.com/office/powerpoint/2010/main" xmlns:p15="http://schemas.microsoft.com/office/powerpoint/2012/main" xmlns:ahyp="http://schemas.microsoft.com/office/drawing/2018/hyperlinkcolor">
   <p:cSld>
     <p:spTree>
       <p:nvGrpSpPr>
-        <p:cNvPr id="1" name="Shape 175"/>
+        <p:cNvPr id="175" name="Shape 175"/>
         <p:cNvGrpSpPr/>
         <p:nvPr/>
       </p:nvGrpSpPr>
@@ -11453,9 +11521,7 @@
       <p:sp>
         <p:nvSpPr>
           <p:cNvPr id="176" name="Google Shape;176;p20"/>
-          <p:cNvSpPr txBox="1">
-            <a:spLocks noGrp="1"/>
-          </p:cNvSpPr>
+          <p:cNvSpPr txBox="1"/>
           <p:nvPr>
             <p:ph type="title"/>
           </p:nvPr>
@@ -11470,12 +11536,12 @@
           </a:prstGeom>
         </p:spPr>
         <p:txBody>
-          <a:bodyPr spcFirstLastPara="1" wrap="square" lIns="91425" tIns="91425" rIns="91425" bIns="91425" anchor="t" anchorCtr="0">
+          <a:bodyPr anchorCtr="0" anchor="t" bIns="91425" lIns="91425" spcFirstLastPara="1" rIns="91425" wrap="square" tIns="91425">
             <a:normAutofit/>
           </a:bodyPr>
           <a:lstStyle/>
           <a:p>
-            <a:pPr marL="0" lvl="0" indent="0" algn="l" rtl="0">
+            <a:pPr indent="0" lvl="0" marL="0" rtl="0" algn="l">
               <a:spcBef>
                 <a:spcPts val="0"/>
               </a:spcBef>
@@ -11495,11 +11561,9 @@
       <p:sp>
         <p:nvSpPr>
           <p:cNvPr id="177" name="Google Shape;177;p20"/>
-          <p:cNvSpPr txBox="1">
-            <a:spLocks noGrp="1"/>
-          </p:cNvSpPr>
+          <p:cNvSpPr txBox="1"/>
           <p:nvPr>
-            <p:ph type="body" idx="1"/>
+            <p:ph idx="1" type="body"/>
           </p:nvPr>
         </p:nvSpPr>
         <p:spPr>
@@ -11512,12 +11576,12 @@
           </a:prstGeom>
         </p:spPr>
         <p:txBody>
-          <a:bodyPr spcFirstLastPara="1" wrap="square" lIns="91425" tIns="91425" rIns="91425" bIns="91425" anchor="t" anchorCtr="0">
+          <a:bodyPr anchorCtr="0" anchor="t" bIns="91425" lIns="91425" spcFirstLastPara="1" rIns="91425" wrap="square" tIns="91425">
             <a:normAutofit/>
           </a:bodyPr>
           <a:lstStyle/>
           <a:p>
-            <a:pPr marL="0" lvl="0" indent="0" algn="l" rtl="0">
+            <a:pPr indent="0" lvl="0" marL="0" rtl="0" algn="l">
               <a:spcBef>
                 <a:spcPts val="0"/>
               </a:spcBef>
@@ -11533,7 +11597,7 @@
             <a:endParaRPr sz="1500"/>
           </a:p>
           <a:p>
-            <a:pPr marL="0" lvl="0" indent="0" algn="l" rtl="0">
+            <a:pPr indent="0" lvl="0" marL="0" rtl="0" algn="l">
               <a:spcBef>
                 <a:spcPts val="1200"/>
               </a:spcBef>
@@ -11549,7 +11613,7 @@
             <a:endParaRPr sz="1500"/>
           </a:p>
           <a:p>
-            <a:pPr marL="0" lvl="0" indent="0" algn="l" rtl="0">
+            <a:pPr indent="0" lvl="0" marL="0" rtl="0" algn="l">
               <a:spcBef>
                 <a:spcPts val="1200"/>
               </a:spcBef>
@@ -11575,11 +11639,11 @@
 </file>
 
 <file path=ppt/slides/slide9.xml><?xml version="1.0" encoding="utf-8"?>
-<p:sld xmlns:a="http://schemas.openxmlformats.org/drawingml/2006/main" xmlns:r="http://schemas.openxmlformats.org/officeDocument/2006/relationships" xmlns:p="http://schemas.openxmlformats.org/presentationml/2006/main">
+<p:sld xmlns:a="http://schemas.openxmlformats.org/drawingml/2006/main" xmlns:r="http://schemas.openxmlformats.org/officeDocument/2006/relationships" xmlns:mc="http://schemas.openxmlformats.org/markup-compatibility/2006" xmlns:mv="urn:schemas-microsoft-com:mac:vml" xmlns:p="http://schemas.openxmlformats.org/presentationml/2006/main" xmlns:c="http://schemas.openxmlformats.org/drawingml/2006/chart" xmlns:dgm="http://schemas.openxmlformats.org/drawingml/2006/diagram" xmlns:o="urn:schemas-microsoft-com:office:office" xmlns:v="urn:schemas-microsoft-com:vml" xmlns:pvml="urn:schemas-microsoft-com:office:powerpoint" xmlns:com="http://schemas.openxmlformats.org/drawingml/2006/compatibility" xmlns:p14="http://schemas.microsoft.com/office/powerpoint/2010/main" xmlns:p15="http://schemas.microsoft.com/office/powerpoint/2012/main" xmlns:ahyp="http://schemas.microsoft.com/office/drawing/2018/hyperlinkcolor">
   <p:cSld>
     <p:spTree>
       <p:nvGrpSpPr>
-        <p:cNvPr id="1" name="Shape 181"/>
+        <p:cNvPr id="181" name="Shape 181"/>
         <p:cNvGrpSpPr/>
         <p:nvPr/>
       </p:nvGrpSpPr>
@@ -11594,9 +11658,7 @@
       <p:sp>
         <p:nvSpPr>
           <p:cNvPr id="182" name="Google Shape;182;p21"/>
-          <p:cNvSpPr txBox="1">
-            <a:spLocks noGrp="1"/>
-          </p:cNvSpPr>
+          <p:cNvSpPr txBox="1"/>
           <p:nvPr>
             <p:ph type="title"/>
           </p:nvPr>
@@ -11611,12 +11673,12 @@
           </a:prstGeom>
         </p:spPr>
         <p:txBody>
-          <a:bodyPr spcFirstLastPara="1" wrap="square" lIns="91425" tIns="91425" rIns="91425" bIns="91425" anchor="t" anchorCtr="0">
+          <a:bodyPr anchorCtr="0" anchor="t" bIns="91425" lIns="91425" spcFirstLastPara="1" rIns="91425" wrap="square" tIns="91425">
             <a:normAutofit/>
           </a:bodyPr>
           <a:lstStyle/>
           <a:p>
-            <a:pPr marL="0" lvl="0" indent="0" algn="l" rtl="0">
+            <a:pPr indent="0" lvl="0" marL="0" rtl="0" algn="l">
               <a:spcBef>
                 <a:spcPts val="0"/>
               </a:spcBef>
@@ -11636,11 +11698,9 @@
       <p:sp>
         <p:nvSpPr>
           <p:cNvPr id="183" name="Google Shape;183;p21"/>
-          <p:cNvSpPr txBox="1">
-            <a:spLocks noGrp="1"/>
-          </p:cNvSpPr>
+          <p:cNvSpPr txBox="1"/>
           <p:nvPr>
-            <p:ph type="body" idx="1"/>
+            <p:ph idx="1" type="body"/>
           </p:nvPr>
         </p:nvSpPr>
         <p:spPr>
@@ -11653,12 +11713,12 @@
           </a:prstGeom>
         </p:spPr>
         <p:txBody>
-          <a:bodyPr spcFirstLastPara="1" wrap="square" lIns="91425" tIns="91425" rIns="91425" bIns="91425" anchor="t" anchorCtr="0">
+          <a:bodyPr anchorCtr="0" anchor="t" bIns="91425" lIns="91425" spcFirstLastPara="1" rIns="91425" wrap="square" tIns="91425">
             <a:normAutofit/>
           </a:bodyPr>
           <a:lstStyle/>
           <a:p>
-            <a:pPr marL="0" lvl="0" indent="0" algn="l" rtl="0">
+            <a:pPr indent="0" lvl="0" marL="0" rtl="0" algn="l">
               <a:spcBef>
                 <a:spcPts val="0"/>
               </a:spcBef>
@@ -11674,7 +11734,7 @@
             <a:endParaRPr sz="1500"/>
           </a:p>
           <a:p>
-            <a:pPr marL="457200" lvl="0" indent="-323850" algn="l" rtl="0">
+            <a:pPr indent="-323850" lvl="0" marL="457200" rtl="0" algn="l">
               <a:spcBef>
                 <a:spcPts val="1200"/>
               </a:spcBef>
@@ -11691,7 +11751,7 @@
             <a:endParaRPr sz="1500"/>
           </a:p>
           <a:p>
-            <a:pPr marL="457200" lvl="0" indent="-323850" algn="l" rtl="0">
+            <a:pPr indent="-323850" lvl="0" marL="457200" rtl="0" algn="l">
               <a:spcBef>
                 <a:spcPts val="0"/>
               </a:spcBef>
@@ -11708,7 +11768,7 @@
             <a:endParaRPr sz="1500"/>
           </a:p>
           <a:p>
-            <a:pPr marL="457200" lvl="0" indent="-323850" algn="l" rtl="0">
+            <a:pPr indent="-323850" lvl="0" marL="457200" rtl="0" algn="l">
               <a:spcBef>
                 <a:spcPts val="0"/>
               </a:spcBef>
@@ -11725,7 +11785,7 @@
             <a:endParaRPr sz="1500"/>
           </a:p>
           <a:p>
-            <a:pPr marL="457200" lvl="0" indent="-323850" algn="l" rtl="0">
+            <a:pPr indent="-323850" lvl="0" marL="457200" rtl="0" algn="l">
               <a:spcBef>
                 <a:spcPts val="0"/>
               </a:spcBef>
@@ -11742,7 +11802,7 @@
             <a:endParaRPr sz="1500"/>
           </a:p>
           <a:p>
-            <a:pPr marL="0" lvl="0" indent="0" algn="l" rtl="0">
+            <a:pPr indent="0" lvl="0" marL="0" rtl="0" algn="l">
               <a:spcBef>
                 <a:spcPts val="1200"/>
               </a:spcBef>
@@ -11771,7 +11831,7 @@
             <a:endParaRPr sz="1500"/>
           </a:p>
           <a:p>
-            <a:pPr marL="0" lvl="0" indent="0" algn="l" rtl="0">
+            <a:pPr indent="0" lvl="0" marL="0" rtl="0" algn="l">
               <a:spcBef>
                 <a:spcPts val="1200"/>
               </a:spcBef>
@@ -11780,6 +11840,9 @@
               </a:spcAft>
               <a:buNone/>
             </a:pPr>
+            <a:r>
+              <a:t/>
+            </a:r>
             <a:endParaRPr sz="1500"/>
           </a:p>
         </p:txBody>
@@ -11793,7 +11856,7 @@
 </file>
 
 <file path=ppt/theme/theme1.xml><?xml version="1.0" encoding="utf-8"?>
-<a:theme xmlns:a="http://schemas.openxmlformats.org/drawingml/2006/main" name="Focus">
+<a:theme xmlns:a="http://schemas.openxmlformats.org/drawingml/2006/main" xmlns:r="http://schemas.openxmlformats.org/officeDocument/2006/relationships" name="Focus">
   <a:themeElements>
     <a:clrScheme name="Focus">
       <a:dk1>
@@ -12068,13 +12131,11 @@
       </a:bgFillStyleLst>
     </a:fmtScheme>
   </a:themeElements>
-  <a:objectDefaults/>
-  <a:extraClrSchemeLst/>
 </a:theme>
 </file>
 
 <file path=ppt/theme/theme2.xml><?xml version="1.0" encoding="utf-8"?>
-<a:theme xmlns:a="http://schemas.openxmlformats.org/drawingml/2006/main">
+<a:theme xmlns:a="http://schemas.openxmlformats.org/drawingml/2006/main" xmlns:r="http://schemas.openxmlformats.org/officeDocument/2006/relationships">
   <a:themeElements>
     <a:clrScheme name="Default">
       <a:dk1>
@@ -12349,7 +12410,5 @@
       </a:bgFillStyleLst>
     </a:fmtScheme>
   </a:themeElements>
-  <a:objectDefaults/>
-  <a:extraClrSchemeLst/>
 </a:theme>
 </file>
--- a/presentation_ru.pptx
+++ b/presentation_ru.pptx
@@ -1,45 +1,45 @@
 
 <file path=ppt/presentation.xml><?xml version="1.0" encoding="utf-8"?>
-<p:presentation xmlns:a="http://schemas.openxmlformats.org/drawingml/2006/main" xmlns:r="http://schemas.openxmlformats.org/officeDocument/2006/relationships" xmlns:mc="http://schemas.openxmlformats.org/markup-compatibility/2006" xmlns:mv="urn:schemas-microsoft-com:mac:vml" xmlns:p="http://schemas.openxmlformats.org/presentationml/2006/main" xmlns:c="http://schemas.openxmlformats.org/drawingml/2006/chart" xmlns:dgm="http://schemas.openxmlformats.org/drawingml/2006/diagram" xmlns:o="urn:schemas-microsoft-com:office:office" xmlns:v="urn:schemas-microsoft-com:vml" xmlns:pvml="urn:schemas-microsoft-com:office:powerpoint" xmlns:com="http://schemas.openxmlformats.org/drawingml/2006/compatibility" xmlns:p14="http://schemas.microsoft.com/office/powerpoint/2010/main" xmlns:p15="http://schemas.microsoft.com/office/powerpoint/2012/main" xmlns:ahyp="http://schemas.microsoft.com/office/drawing/2018/hyperlinkcolor" autoCompressPictures="0" embedTrueTypeFonts="1" strictFirstAndLastChars="0" saveSubsetFonts="1">
+<p:presentation xmlns:a="http://schemas.openxmlformats.org/drawingml/2006/main" xmlns:r="http://schemas.openxmlformats.org/officeDocument/2006/relationships" xmlns:p="http://schemas.openxmlformats.org/presentationml/2006/main" strictFirstAndLastChars="0" embedTrueTypeFonts="1" saveSubsetFonts="1" autoCompressPictures="0">
   <p:sldMasterIdLst>
-    <p:sldMasterId id="2147483659" r:id="rId4"/>
+    <p:sldMasterId id="2147483659" r:id="rId1"/>
   </p:sldMasterIdLst>
   <p:notesMasterIdLst>
-    <p:notesMasterId r:id="rId5"/>
+    <p:notesMasterId r:id="rId13"/>
   </p:notesMasterIdLst>
   <p:sldIdLst>
-    <p:sldId id="256" r:id="rId6"/>
-    <p:sldId id="257" r:id="rId7"/>
-    <p:sldId id="258" r:id="rId8"/>
-    <p:sldId id="259" r:id="rId9"/>
-    <p:sldId id="260" r:id="rId10"/>
-    <p:sldId id="261" r:id="rId11"/>
-    <p:sldId id="262" r:id="rId12"/>
-    <p:sldId id="263" r:id="rId13"/>
-    <p:sldId id="264" r:id="rId14"/>
-    <p:sldId id="265" r:id="rId15"/>
-    <p:sldId id="266" r:id="rId16"/>
+    <p:sldId id="256" r:id="rId2"/>
+    <p:sldId id="257" r:id="rId3"/>
+    <p:sldId id="258" r:id="rId4"/>
+    <p:sldId id="259" r:id="rId5"/>
+    <p:sldId id="260" r:id="rId6"/>
+    <p:sldId id="261" r:id="rId7"/>
+    <p:sldId id="262" r:id="rId8"/>
+    <p:sldId id="263" r:id="rId9"/>
+    <p:sldId id="264" r:id="rId10"/>
+    <p:sldId id="265" r:id="rId11"/>
+    <p:sldId id="266" r:id="rId12"/>
   </p:sldIdLst>
-  <p:sldSz cy="5143500" cx="9144000"/>
+  <p:sldSz cx="9144000" cy="5143500" type="screen16x9"/>
   <p:notesSz cx="6858000" cy="9144000"/>
   <p:embeddedFontLst>
     <p:embeddedFont>
-      <p:font typeface="Montserrat"/>
-      <p:regular r:id="rId17"/>
-      <p:bold r:id="rId18"/>
-      <p:italic r:id="rId19"/>
-      <p:boldItalic r:id="rId20"/>
+      <p:font typeface="Montserrat" panose="020B0604020202020204" charset="-52"/>
+      <p:regular r:id="rId14"/>
+      <p:bold r:id="rId15"/>
+      <p:italic r:id="rId16"/>
+      <p:boldItalic r:id="rId17"/>
     </p:embeddedFont>
     <p:embeddedFont>
-      <p:font typeface="Lato"/>
-      <p:regular r:id="rId21"/>
-      <p:bold r:id="rId22"/>
-      <p:italic r:id="rId23"/>
-      <p:boldItalic r:id="rId24"/>
+      <p:font typeface="Lato" panose="020B0604020202020204" charset="0"/>
+      <p:regular r:id="rId18"/>
+      <p:bold r:id="rId19"/>
+      <p:italic r:id="rId20"/>
+      <p:boldItalic r:id="rId21"/>
     </p:embeddedFont>
   </p:embeddedFontLst>
   <p:defaultTextStyle>
-    <a:defPPr lvl="0" marR="0" rtl="0" algn="l">
+    <a:defPPr marR="0" lvl="0" algn="l" rtl="0">
       <a:lnSpc>
         <a:spcPct val="100000"/>
       </a:lnSpc>
@@ -50,7 +50,7 @@
         <a:spcPts val="0"/>
       </a:spcAft>
     </a:defPPr>
-    <a:lvl1pPr lvl="0" marR="0" rtl="0" algn="l">
+    <a:lvl1pPr marR="0" lvl="0" algn="l" rtl="0">
       <a:lnSpc>
         <a:spcPct val="100000"/>
       </a:lnSpc>
@@ -64,7 +64,7 @@
         <a:srgbClr val="000000"/>
       </a:buClr>
       <a:buFont typeface="Arial"/>
-      <a:defRPr b="0" i="0" sz="1400" u="none" cap="none" strike="noStrike">
+      <a:defRPr sz="1400" b="0" i="0" u="none" strike="noStrike" cap="none">
         <a:solidFill>
           <a:srgbClr val="000000"/>
         </a:solidFill>
@@ -74,7 +74,7 @@
         <a:sym typeface="Arial"/>
       </a:defRPr>
     </a:lvl1pPr>
-    <a:lvl2pPr lvl="1" marR="0" rtl="0" algn="l">
+    <a:lvl2pPr marR="0" lvl="1" algn="l" rtl="0">
       <a:lnSpc>
         <a:spcPct val="100000"/>
       </a:lnSpc>
@@ -88,7 +88,7 @@
         <a:srgbClr val="000000"/>
       </a:buClr>
       <a:buFont typeface="Arial"/>
-      <a:defRPr b="0" i="0" sz="1400" u="none" cap="none" strike="noStrike">
+      <a:defRPr sz="1400" b="0" i="0" u="none" strike="noStrike" cap="none">
         <a:solidFill>
           <a:srgbClr val="000000"/>
         </a:solidFill>
@@ -98,7 +98,7 @@
         <a:sym typeface="Arial"/>
       </a:defRPr>
     </a:lvl2pPr>
-    <a:lvl3pPr lvl="2" marR="0" rtl="0" algn="l">
+    <a:lvl3pPr marR="0" lvl="2" algn="l" rtl="0">
       <a:lnSpc>
         <a:spcPct val="100000"/>
       </a:lnSpc>
@@ -112,7 +112,7 @@
         <a:srgbClr val="000000"/>
       </a:buClr>
       <a:buFont typeface="Arial"/>
-      <a:defRPr b="0" i="0" sz="1400" u="none" cap="none" strike="noStrike">
+      <a:defRPr sz="1400" b="0" i="0" u="none" strike="noStrike" cap="none">
         <a:solidFill>
           <a:srgbClr val="000000"/>
         </a:solidFill>
@@ -122,7 +122,7 @@
         <a:sym typeface="Arial"/>
       </a:defRPr>
     </a:lvl3pPr>
-    <a:lvl4pPr lvl="3" marR="0" rtl="0" algn="l">
+    <a:lvl4pPr marR="0" lvl="3" algn="l" rtl="0">
       <a:lnSpc>
         <a:spcPct val="100000"/>
       </a:lnSpc>
@@ -136,7 +136,7 @@
         <a:srgbClr val="000000"/>
       </a:buClr>
       <a:buFont typeface="Arial"/>
-      <a:defRPr b="0" i="0" sz="1400" u="none" cap="none" strike="noStrike">
+      <a:defRPr sz="1400" b="0" i="0" u="none" strike="noStrike" cap="none">
         <a:solidFill>
           <a:srgbClr val="000000"/>
         </a:solidFill>
@@ -146,7 +146,7 @@
         <a:sym typeface="Arial"/>
       </a:defRPr>
     </a:lvl4pPr>
-    <a:lvl5pPr lvl="4" marR="0" rtl="0" algn="l">
+    <a:lvl5pPr marR="0" lvl="4" algn="l" rtl="0">
       <a:lnSpc>
         <a:spcPct val="100000"/>
       </a:lnSpc>
@@ -160,7 +160,7 @@
         <a:srgbClr val="000000"/>
       </a:buClr>
       <a:buFont typeface="Arial"/>
-      <a:defRPr b="0" i="0" sz="1400" u="none" cap="none" strike="noStrike">
+      <a:defRPr sz="1400" b="0" i="0" u="none" strike="noStrike" cap="none">
         <a:solidFill>
           <a:srgbClr val="000000"/>
         </a:solidFill>
@@ -170,7 +170,7 @@
         <a:sym typeface="Arial"/>
       </a:defRPr>
     </a:lvl5pPr>
-    <a:lvl6pPr lvl="5" marR="0" rtl="0" algn="l">
+    <a:lvl6pPr marR="0" lvl="5" algn="l" rtl="0">
       <a:lnSpc>
         <a:spcPct val="100000"/>
       </a:lnSpc>
@@ -184,7 +184,7 @@
         <a:srgbClr val="000000"/>
       </a:buClr>
       <a:buFont typeface="Arial"/>
-      <a:defRPr b="0" i="0" sz="1400" u="none" cap="none" strike="noStrike">
+      <a:defRPr sz="1400" b="0" i="0" u="none" strike="noStrike" cap="none">
         <a:solidFill>
           <a:srgbClr val="000000"/>
         </a:solidFill>
@@ -194,7 +194,7 @@
         <a:sym typeface="Arial"/>
       </a:defRPr>
     </a:lvl6pPr>
-    <a:lvl7pPr lvl="6" marR="0" rtl="0" algn="l">
+    <a:lvl7pPr marR="0" lvl="6" algn="l" rtl="0">
       <a:lnSpc>
         <a:spcPct val="100000"/>
       </a:lnSpc>
@@ -208,7 +208,7 @@
         <a:srgbClr val="000000"/>
       </a:buClr>
       <a:buFont typeface="Arial"/>
-      <a:defRPr b="0" i="0" sz="1400" u="none" cap="none" strike="noStrike">
+      <a:defRPr sz="1400" b="0" i="0" u="none" strike="noStrike" cap="none">
         <a:solidFill>
           <a:srgbClr val="000000"/>
         </a:solidFill>
@@ -218,7 +218,7 @@
         <a:sym typeface="Arial"/>
       </a:defRPr>
     </a:lvl7pPr>
-    <a:lvl8pPr lvl="7" marR="0" rtl="0" algn="l">
+    <a:lvl8pPr marR="0" lvl="7" algn="l" rtl="0">
       <a:lnSpc>
         <a:spcPct val="100000"/>
       </a:lnSpc>
@@ -232,7 +232,7 @@
         <a:srgbClr val="000000"/>
       </a:buClr>
       <a:buFont typeface="Arial"/>
-      <a:defRPr b="0" i="0" sz="1400" u="none" cap="none" strike="noStrike">
+      <a:defRPr sz="1400" b="0" i="0" u="none" strike="noStrike" cap="none">
         <a:solidFill>
           <a:srgbClr val="000000"/>
         </a:solidFill>
@@ -242,7 +242,7 @@
         <a:sym typeface="Arial"/>
       </a:defRPr>
     </a:lvl8pPr>
-    <a:lvl9pPr lvl="8" marR="0" rtl="0" algn="l">
+    <a:lvl9pPr marR="0" lvl="8" algn="l" rtl="0">
       <a:lnSpc>
         <a:spcPct val="100000"/>
       </a:lnSpc>
@@ -256,7 +256,7 @@
         <a:srgbClr val="000000"/>
       </a:buClr>
       <a:buFont typeface="Arial"/>
-      <a:defRPr b="0" i="0" sz="1400" u="none" cap="none" strike="noStrike">
+      <a:defRPr sz="1400" b="0" i="0" u="none" strike="noStrike" cap="none">
         <a:solidFill>
           <a:srgbClr val="000000"/>
         </a:solidFill>
@@ -269,7 +269,7 @@
   </p:defaultTextStyle>
   <p:extLst>
     <p:ext uri="{EFAFB233-063F-42B5-8137-9DF3F51BA10A}">
-      <p15:sldGuideLst>
+      <p15:sldGuideLst xmlns:p15="http://schemas.microsoft.com/office/powerpoint/2012/main">
         <p15:guide id="1" orient="horz" pos="1620">
           <p15:clr>
             <a:srgbClr val="A4A3A4"/>
@@ -287,11 +287,16 @@
 </file>
 
 <file path=ppt/notesMasters/notesMaster1.xml><?xml version="1.0" encoding="utf-8"?>
-<p:notesMaster xmlns:a="http://schemas.openxmlformats.org/drawingml/2006/main" xmlns:r="http://schemas.openxmlformats.org/officeDocument/2006/relationships" xmlns:mc="http://schemas.openxmlformats.org/markup-compatibility/2006" xmlns:mv="urn:schemas-microsoft-com:mac:vml" xmlns:p="http://schemas.openxmlformats.org/presentationml/2006/main" xmlns:c="http://schemas.openxmlformats.org/drawingml/2006/chart" xmlns:dgm="http://schemas.openxmlformats.org/drawingml/2006/diagram" xmlns:o="urn:schemas-microsoft-com:office:office" xmlns:v="urn:schemas-microsoft-com:vml" xmlns:pvml="urn:schemas-microsoft-com:office:powerpoint" xmlns:com="http://schemas.openxmlformats.org/drawingml/2006/compatibility" xmlns:p14="http://schemas.microsoft.com/office/powerpoint/2010/main" xmlns:p15="http://schemas.microsoft.com/office/powerpoint/2012/main" xmlns:ahyp="http://schemas.microsoft.com/office/drawing/2018/hyperlinkcolor">
+<p:notesMaster xmlns:a="http://schemas.openxmlformats.org/drawingml/2006/main" xmlns:r="http://schemas.openxmlformats.org/officeDocument/2006/relationships" xmlns:p="http://schemas.openxmlformats.org/presentationml/2006/main">
   <p:cSld>
+    <p:bg>
+      <p:bgRef idx="1001">
+        <a:schemeClr val="bg1"/>
+      </p:bgRef>
+    </p:bg>
     <p:spTree>
       <p:nvGrpSpPr>
-        <p:cNvPr id="2" name="Shape 2"/>
+        <p:cNvPr id="1" name="Shape 2"/>
         <p:cNvGrpSpPr/>
         <p:nvPr/>
       </p:nvGrpSpPr>
@@ -306,9 +311,11 @@
       <p:sp>
         <p:nvSpPr>
           <p:cNvPr id="3" name="Google Shape;3;n"/>
-          <p:cNvSpPr/>
+          <p:cNvSpPr>
+            <a:spLocks noGrp="1" noRot="1" noChangeAspect="1"/>
+          </p:cNvSpPr>
           <p:nvPr>
-            <p:ph idx="2" type="sldImg"/>
+            <p:ph type="sldImg" idx="2"/>
           </p:nvPr>
         </p:nvSpPr>
         <p:spPr>
@@ -317,9 +324,13 @@
             <a:ext cx="6096075" cy="3429000"/>
           </a:xfrm>
           <a:custGeom>
-            <a:rect b="b" l="l" r="r" t="t"/>
+            <a:avLst/>
+            <a:gdLst/>
+            <a:ahLst/>
+            <a:cxnLst/>
+            <a:rect l="l" t="t" r="r" b="b"/>
             <a:pathLst>
-              <a:path extrusionOk="0" h="120000" w="120000">
+              <a:path w="120000" h="120000" extrusionOk="0">
                 <a:moveTo>
                   <a:pt x="0" y="0"/>
                 </a:moveTo>
@@ -337,23 +348,25 @@
             </a:pathLst>
           </a:custGeom>
           <a:noFill/>
-          <a:ln cap="flat" cmpd="sng" w="9525">
+          <a:ln w="9525" cap="flat" cmpd="sng">
             <a:solidFill>
               <a:srgbClr val="000000"/>
             </a:solidFill>
             <a:prstDash val="solid"/>
             <a:round/>
-            <a:headEnd len="sm" w="sm" type="none"/>
-            <a:tailEnd len="sm" w="sm" type="none"/>
+            <a:headEnd type="none" w="sm" len="sm"/>
+            <a:tailEnd type="none" w="sm" len="sm"/>
           </a:ln>
         </p:spPr>
       </p:sp>
       <p:sp>
         <p:nvSpPr>
           <p:cNvPr id="4" name="Google Shape;4;n"/>
-          <p:cNvSpPr txBox="1"/>
+          <p:cNvSpPr txBox="1">
+            <a:spLocks noGrp="1"/>
+          </p:cNvSpPr>
           <p:nvPr>
-            <p:ph idx="1" type="body"/>
+            <p:ph type="body" idx="1"/>
           </p:nvPr>
         </p:nvSpPr>
         <p:spPr>
@@ -370,11 +383,11 @@
           </a:ln>
         </p:spPr>
         <p:txBody>
-          <a:bodyPr anchorCtr="0" anchor="t" bIns="91425" lIns="91425" spcFirstLastPara="1" rIns="91425" wrap="square" tIns="91425">
+          <a:bodyPr spcFirstLastPara="1" wrap="square" lIns="91425" tIns="91425" rIns="91425" bIns="91425" anchor="t" anchorCtr="0">
             <a:noAutofit/>
           </a:bodyPr>
           <a:lstStyle>
-            <a:lvl1pPr indent="-298450" lvl="0" marL="457200">
+            <a:lvl1pPr marL="457200" lvl="0" indent="-298450">
               <a:spcBef>
                 <a:spcPts val="0"/>
               </a:spcBef>
@@ -385,7 +398,7 @@
               <a:buChar char="●"/>
               <a:defRPr sz="1100"/>
             </a:lvl1pPr>
-            <a:lvl2pPr indent="-298450" lvl="1" marL="914400">
+            <a:lvl2pPr marL="914400" lvl="1" indent="-298450">
               <a:spcBef>
                 <a:spcPts val="0"/>
               </a:spcBef>
@@ -396,7 +409,7 @@
               <a:buChar char="○"/>
               <a:defRPr sz="1100"/>
             </a:lvl2pPr>
-            <a:lvl3pPr indent="-298450" lvl="2" marL="1371600">
+            <a:lvl3pPr marL="1371600" lvl="2" indent="-298450">
               <a:spcBef>
                 <a:spcPts val="0"/>
               </a:spcBef>
@@ -407,7 +420,7 @@
               <a:buChar char="■"/>
               <a:defRPr sz="1100"/>
             </a:lvl3pPr>
-            <a:lvl4pPr indent="-298450" lvl="3" marL="1828800">
+            <a:lvl4pPr marL="1828800" lvl="3" indent="-298450">
               <a:spcBef>
                 <a:spcPts val="0"/>
               </a:spcBef>
@@ -418,7 +431,7 @@
               <a:buChar char="●"/>
               <a:defRPr sz="1100"/>
             </a:lvl4pPr>
-            <a:lvl5pPr indent="-298450" lvl="4" marL="2286000">
+            <a:lvl5pPr marL="2286000" lvl="4" indent="-298450">
               <a:spcBef>
                 <a:spcPts val="0"/>
               </a:spcBef>
@@ -429,7 +442,7 @@
               <a:buChar char="○"/>
               <a:defRPr sz="1100"/>
             </a:lvl5pPr>
-            <a:lvl6pPr indent="-298450" lvl="5" marL="2743200">
+            <a:lvl6pPr marL="2743200" lvl="5" indent="-298450">
               <a:spcBef>
                 <a:spcPts val="0"/>
               </a:spcBef>
@@ -440,7 +453,7 @@
               <a:buChar char="■"/>
               <a:defRPr sz="1100"/>
             </a:lvl6pPr>
-            <a:lvl7pPr indent="-298450" lvl="6" marL="3200400">
+            <a:lvl7pPr marL="3200400" lvl="6" indent="-298450">
               <a:spcBef>
                 <a:spcPts val="0"/>
               </a:spcBef>
@@ -451,7 +464,7 @@
               <a:buChar char="●"/>
               <a:defRPr sz="1100"/>
             </a:lvl7pPr>
-            <a:lvl8pPr indent="-298450" lvl="7" marL="3657600">
+            <a:lvl8pPr marL="3657600" lvl="7" indent="-298450">
               <a:spcBef>
                 <a:spcPts val="0"/>
               </a:spcBef>
@@ -462,7 +475,7 @@
               <a:buChar char="○"/>
               <a:defRPr sz="1100"/>
             </a:lvl8pPr>
-            <a:lvl9pPr indent="-298450" lvl="8" marL="4114800">
+            <a:lvl9pPr marL="4114800" lvl="8" indent="-298450">
               <a:spcBef>
                 <a:spcPts val="0"/>
               </a:spcBef>
@@ -474,14 +487,16 @@
               <a:defRPr sz="1100"/>
             </a:lvl9pPr>
           </a:lstStyle>
-          <a:p/>
+          <a:p>
+            <a:endParaRPr/>
+          </a:p>
         </p:txBody>
       </p:sp>
     </p:spTree>
   </p:cSld>
-  <p:clrMap accent1="accent1" accent2="accent2" accent3="accent3" accent4="accent4" accent5="accent5" accent6="accent6" bg1="lt1" bg2="dk2" tx1="dk1" tx2="lt2" folHlink="folHlink" hlink="hlink"/>
+  <p:clrMap bg1="lt1" tx1="dk1" bg2="dk2" tx2="lt2" accent1="accent1" accent2="accent2" accent3="accent3" accent4="accent4" accent5="accent5" accent6="accent6" hlink="hlink" folHlink="folHlink"/>
   <p:notesStyle>
-    <a:defPPr lvl="0" marR="0" rtl="0" algn="l">
+    <a:defPPr marR="0" lvl="0" algn="l" rtl="0">
       <a:lnSpc>
         <a:spcPct val="100000"/>
       </a:lnSpc>
@@ -492,7 +507,7 @@
         <a:spcPts val="0"/>
       </a:spcAft>
     </a:defPPr>
-    <a:lvl1pPr lvl="0" marR="0" rtl="0" algn="l">
+    <a:lvl1pPr marR="0" lvl="0" algn="l" rtl="0">
       <a:lnSpc>
         <a:spcPct val="100000"/>
       </a:lnSpc>
@@ -506,7 +521,7 @@
         <a:srgbClr val="000000"/>
       </a:buClr>
       <a:buFont typeface="Arial"/>
-      <a:defRPr b="0" i="0" sz="1400" u="none" cap="none" strike="noStrike">
+      <a:defRPr sz="1400" b="0" i="0" u="none" strike="noStrike" cap="none">
         <a:solidFill>
           <a:srgbClr val="000000"/>
         </a:solidFill>
@@ -516,7 +531,7 @@
         <a:sym typeface="Arial"/>
       </a:defRPr>
     </a:lvl1pPr>
-    <a:lvl2pPr lvl="1" marR="0" rtl="0" algn="l">
+    <a:lvl2pPr marR="0" lvl="1" algn="l" rtl="0">
       <a:lnSpc>
         <a:spcPct val="100000"/>
       </a:lnSpc>
@@ -530,7 +545,7 @@
         <a:srgbClr val="000000"/>
       </a:buClr>
       <a:buFont typeface="Arial"/>
-      <a:defRPr b="0" i="0" sz="1400" u="none" cap="none" strike="noStrike">
+      <a:defRPr sz="1400" b="0" i="0" u="none" strike="noStrike" cap="none">
         <a:solidFill>
           <a:srgbClr val="000000"/>
         </a:solidFill>
@@ -540,7 +555,7 @@
         <a:sym typeface="Arial"/>
       </a:defRPr>
     </a:lvl2pPr>
-    <a:lvl3pPr lvl="2" marR="0" rtl="0" algn="l">
+    <a:lvl3pPr marR="0" lvl="2" algn="l" rtl="0">
       <a:lnSpc>
         <a:spcPct val="100000"/>
       </a:lnSpc>
@@ -554,7 +569,7 @@
         <a:srgbClr val="000000"/>
       </a:buClr>
       <a:buFont typeface="Arial"/>
-      <a:defRPr b="0" i="0" sz="1400" u="none" cap="none" strike="noStrike">
+      <a:defRPr sz="1400" b="0" i="0" u="none" strike="noStrike" cap="none">
         <a:solidFill>
           <a:srgbClr val="000000"/>
         </a:solidFill>
@@ -564,7 +579,7 @@
         <a:sym typeface="Arial"/>
       </a:defRPr>
     </a:lvl3pPr>
-    <a:lvl4pPr lvl="3" marR="0" rtl="0" algn="l">
+    <a:lvl4pPr marR="0" lvl="3" algn="l" rtl="0">
       <a:lnSpc>
         <a:spcPct val="100000"/>
       </a:lnSpc>
@@ -578,7 +593,7 @@
         <a:srgbClr val="000000"/>
       </a:buClr>
       <a:buFont typeface="Arial"/>
-      <a:defRPr b="0" i="0" sz="1400" u="none" cap="none" strike="noStrike">
+      <a:defRPr sz="1400" b="0" i="0" u="none" strike="noStrike" cap="none">
         <a:solidFill>
           <a:srgbClr val="000000"/>
         </a:solidFill>
@@ -588,7 +603,7 @@
         <a:sym typeface="Arial"/>
       </a:defRPr>
     </a:lvl4pPr>
-    <a:lvl5pPr lvl="4" marR="0" rtl="0" algn="l">
+    <a:lvl5pPr marR="0" lvl="4" algn="l" rtl="0">
       <a:lnSpc>
         <a:spcPct val="100000"/>
       </a:lnSpc>
@@ -602,7 +617,7 @@
         <a:srgbClr val="000000"/>
       </a:buClr>
       <a:buFont typeface="Arial"/>
-      <a:defRPr b="0" i="0" sz="1400" u="none" cap="none" strike="noStrike">
+      <a:defRPr sz="1400" b="0" i="0" u="none" strike="noStrike" cap="none">
         <a:solidFill>
           <a:srgbClr val="000000"/>
         </a:solidFill>
@@ -612,7 +627,7 @@
         <a:sym typeface="Arial"/>
       </a:defRPr>
     </a:lvl5pPr>
-    <a:lvl6pPr lvl="5" marR="0" rtl="0" algn="l">
+    <a:lvl6pPr marR="0" lvl="5" algn="l" rtl="0">
       <a:lnSpc>
         <a:spcPct val="100000"/>
       </a:lnSpc>
@@ -626,7 +641,7 @@
         <a:srgbClr val="000000"/>
       </a:buClr>
       <a:buFont typeface="Arial"/>
-      <a:defRPr b="0" i="0" sz="1400" u="none" cap="none" strike="noStrike">
+      <a:defRPr sz="1400" b="0" i="0" u="none" strike="noStrike" cap="none">
         <a:solidFill>
           <a:srgbClr val="000000"/>
         </a:solidFill>
@@ -636,7 +651,7 @@
         <a:sym typeface="Arial"/>
       </a:defRPr>
     </a:lvl6pPr>
-    <a:lvl7pPr lvl="6" marR="0" rtl="0" algn="l">
+    <a:lvl7pPr marR="0" lvl="6" algn="l" rtl="0">
       <a:lnSpc>
         <a:spcPct val="100000"/>
       </a:lnSpc>
@@ -650,7 +665,7 @@
         <a:srgbClr val="000000"/>
       </a:buClr>
       <a:buFont typeface="Arial"/>
-      <a:defRPr b="0" i="0" sz="1400" u="none" cap="none" strike="noStrike">
+      <a:defRPr sz="1400" b="0" i="0" u="none" strike="noStrike" cap="none">
         <a:solidFill>
           <a:srgbClr val="000000"/>
         </a:solidFill>
@@ -660,7 +675,7 @@
         <a:sym typeface="Arial"/>
       </a:defRPr>
     </a:lvl7pPr>
-    <a:lvl8pPr lvl="7" marR="0" rtl="0" algn="l">
+    <a:lvl8pPr marR="0" lvl="7" algn="l" rtl="0">
       <a:lnSpc>
         <a:spcPct val="100000"/>
       </a:lnSpc>
@@ -674,7 +689,7 @@
         <a:srgbClr val="000000"/>
       </a:buClr>
       <a:buFont typeface="Arial"/>
-      <a:defRPr b="0" i="0" sz="1400" u="none" cap="none" strike="noStrike">
+      <a:defRPr sz="1400" b="0" i="0" u="none" strike="noStrike" cap="none">
         <a:solidFill>
           <a:srgbClr val="000000"/>
         </a:solidFill>
@@ -684,7 +699,7 @@
         <a:sym typeface="Arial"/>
       </a:defRPr>
     </a:lvl8pPr>
-    <a:lvl9pPr lvl="8" marR="0" rtl="0" algn="l">
+    <a:lvl9pPr marR="0" lvl="8" algn="l" rtl="0">
       <a:lnSpc>
         <a:spcPct val="100000"/>
       </a:lnSpc>
@@ -698,7 +713,7 @@
         <a:srgbClr val="000000"/>
       </a:buClr>
       <a:buFont typeface="Arial"/>
-      <a:defRPr b="0" i="0" sz="1400" u="none" cap="none" strike="noStrike">
+      <a:defRPr sz="1400" b="0" i="0" u="none" strike="noStrike" cap="none">
         <a:solidFill>
           <a:srgbClr val="000000"/>
         </a:solidFill>
@@ -713,11 +728,11 @@
 </file>
 
 <file path=ppt/notesSlides/notesSlide1.xml><?xml version="1.0" encoding="utf-8"?>
-<p:notes xmlns:a="http://schemas.openxmlformats.org/drawingml/2006/main" xmlns:r="http://schemas.openxmlformats.org/officeDocument/2006/relationships" xmlns:mc="http://schemas.openxmlformats.org/markup-compatibility/2006" xmlns:mv="urn:schemas-microsoft-com:mac:vml" xmlns:p="http://schemas.openxmlformats.org/presentationml/2006/main" xmlns:c="http://schemas.openxmlformats.org/drawingml/2006/chart" xmlns:dgm="http://schemas.openxmlformats.org/drawingml/2006/diagram" xmlns:o="urn:schemas-microsoft-com:office:office" xmlns:v="urn:schemas-microsoft-com:vml" xmlns:pvml="urn:schemas-microsoft-com:office:powerpoint" xmlns:com="http://schemas.openxmlformats.org/drawingml/2006/compatibility" xmlns:p14="http://schemas.microsoft.com/office/powerpoint/2010/main" xmlns:p15="http://schemas.microsoft.com/office/powerpoint/2012/main" xmlns:ahyp="http://schemas.microsoft.com/office/drawing/2018/hyperlinkcolor" showMasterPhAnim="0" showMasterSp="0">
+<p:notes xmlns:a="http://schemas.openxmlformats.org/drawingml/2006/main" xmlns:r="http://schemas.openxmlformats.org/officeDocument/2006/relationships" xmlns:p="http://schemas.openxmlformats.org/presentationml/2006/main" showMasterSp="0" showMasterPhAnim="0">
   <p:cSld>
     <p:spTree>
       <p:nvGrpSpPr>
-        <p:cNvPr id="130" name="Shape 130"/>
+        <p:cNvPr id="1" name="Shape 130"/>
         <p:cNvGrpSpPr/>
         <p:nvPr/>
       </p:nvGrpSpPr>
@@ -732,9 +747,11 @@
       <p:sp>
         <p:nvSpPr>
           <p:cNvPr id="131" name="Google Shape;131;p:notes"/>
-          <p:cNvSpPr/>
+          <p:cNvSpPr>
+            <a:spLocks noGrp="1" noRot="1" noChangeAspect="1"/>
+          </p:cNvSpPr>
           <p:nvPr>
-            <p:ph idx="2" type="sldImg"/>
+            <p:ph type="sldImg" idx="2"/>
           </p:nvPr>
         </p:nvSpPr>
         <p:spPr>
@@ -743,9 +760,13 @@
             <a:ext cx="6096075" cy="3429000"/>
           </a:xfrm>
           <a:custGeom>
-            <a:rect b="b" l="l" r="r" t="t"/>
+            <a:avLst/>
+            <a:gdLst/>
+            <a:ahLst/>
+            <a:cxnLst/>
+            <a:rect l="l" t="t" r="r" b="b"/>
             <a:pathLst>
-              <a:path extrusionOk="0" h="120000" w="120000">
+              <a:path w="120000" h="120000" extrusionOk="0">
                 <a:moveTo>
                   <a:pt x="0" y="0"/>
                 </a:moveTo>
@@ -767,9 +788,11 @@
       <p:sp>
         <p:nvSpPr>
           <p:cNvPr id="132" name="Google Shape;132;p:notes"/>
-          <p:cNvSpPr txBox="1"/>
+          <p:cNvSpPr txBox="1">
+            <a:spLocks noGrp="1"/>
+          </p:cNvSpPr>
           <p:nvPr>
-            <p:ph idx="1" type="body"/>
+            <p:ph type="body" idx="1"/>
           </p:nvPr>
         </p:nvSpPr>
         <p:spPr>
@@ -782,12 +805,12 @@
           </a:prstGeom>
         </p:spPr>
         <p:txBody>
-          <a:bodyPr anchorCtr="0" anchor="t" bIns="91425" lIns="91425" spcFirstLastPara="1" rIns="91425" wrap="square" tIns="91425">
+          <a:bodyPr spcFirstLastPara="1" wrap="square" lIns="91425" tIns="91425" rIns="91425" bIns="91425" anchor="t" anchorCtr="0">
             <a:noAutofit/>
           </a:bodyPr>
           <a:lstStyle/>
           <a:p>
-            <a:pPr indent="0" lvl="0" marL="0" rtl="0" algn="l">
+            <a:pPr marL="0" lvl="0" indent="0" algn="l" rtl="0">
               <a:spcBef>
                 <a:spcPts val="0"/>
               </a:spcBef>
@@ -796,9 +819,6 @@
               </a:spcAft>
               <a:buNone/>
             </a:pPr>
-            <a:r>
-              <a:t/>
-            </a:r>
             <a:endParaRPr/>
           </a:p>
         </p:txBody>
@@ -812,11 +832,11 @@
 </file>
 
 <file path=ppt/notesSlides/notesSlide10.xml><?xml version="1.0" encoding="utf-8"?>
-<p:notes xmlns:a="http://schemas.openxmlformats.org/drawingml/2006/main" xmlns:r="http://schemas.openxmlformats.org/officeDocument/2006/relationships" xmlns:mc="http://schemas.openxmlformats.org/markup-compatibility/2006" xmlns:mv="urn:schemas-microsoft-com:mac:vml" xmlns:p="http://schemas.openxmlformats.org/presentationml/2006/main" xmlns:c="http://schemas.openxmlformats.org/drawingml/2006/chart" xmlns:dgm="http://schemas.openxmlformats.org/drawingml/2006/diagram" xmlns:o="urn:schemas-microsoft-com:office:office" xmlns:v="urn:schemas-microsoft-com:vml" xmlns:pvml="urn:schemas-microsoft-com:office:powerpoint" xmlns:com="http://schemas.openxmlformats.org/drawingml/2006/compatibility" xmlns:p14="http://schemas.microsoft.com/office/powerpoint/2010/main" xmlns:p15="http://schemas.microsoft.com/office/powerpoint/2012/main" xmlns:ahyp="http://schemas.microsoft.com/office/drawing/2018/hyperlinkcolor" showMasterPhAnim="0" showMasterSp="0">
+<p:notes xmlns:a="http://schemas.openxmlformats.org/drawingml/2006/main" xmlns:r="http://schemas.openxmlformats.org/officeDocument/2006/relationships" xmlns:p="http://schemas.openxmlformats.org/presentationml/2006/main" showMasterSp="0" showMasterPhAnim="0">
   <p:cSld>
     <p:spTree>
       <p:nvGrpSpPr>
-        <p:cNvPr id="184" name="Shape 184"/>
+        <p:cNvPr id="1" name="Shape 184"/>
         <p:cNvGrpSpPr/>
         <p:nvPr/>
       </p:nvGrpSpPr>
@@ -831,9 +851,11 @@
       <p:sp>
         <p:nvSpPr>
           <p:cNvPr id="185" name="Google Shape;185;gd596b29c03_0_631:notes"/>
-          <p:cNvSpPr/>
+          <p:cNvSpPr>
+            <a:spLocks noGrp="1" noRot="1" noChangeAspect="1"/>
+          </p:cNvSpPr>
           <p:nvPr>
-            <p:ph idx="2" type="sldImg"/>
+            <p:ph type="sldImg" idx="2"/>
           </p:nvPr>
         </p:nvSpPr>
         <p:spPr>
@@ -842,9 +864,13 @@
             <a:ext cx="6096000" cy="3429000"/>
           </a:xfrm>
           <a:custGeom>
-            <a:rect b="b" l="l" r="r" t="t"/>
+            <a:avLst/>
+            <a:gdLst/>
+            <a:ahLst/>
+            <a:cxnLst/>
+            <a:rect l="l" t="t" r="r" b="b"/>
             <a:pathLst>
-              <a:path extrusionOk="0" h="120000" w="120000">
+              <a:path w="120000" h="120000" extrusionOk="0">
                 <a:moveTo>
                   <a:pt x="0" y="0"/>
                 </a:moveTo>
@@ -866,9 +892,11 @@
       <p:sp>
         <p:nvSpPr>
           <p:cNvPr id="186" name="Google Shape;186;gd596b29c03_0_631:notes"/>
-          <p:cNvSpPr txBox="1"/>
+          <p:cNvSpPr txBox="1">
+            <a:spLocks noGrp="1"/>
+          </p:cNvSpPr>
           <p:nvPr>
-            <p:ph idx="1" type="body"/>
+            <p:ph type="body" idx="1"/>
           </p:nvPr>
         </p:nvSpPr>
         <p:spPr>
@@ -881,12 +909,12 @@
           </a:prstGeom>
         </p:spPr>
         <p:txBody>
-          <a:bodyPr anchorCtr="0" anchor="t" bIns="91425" lIns="91425" spcFirstLastPara="1" rIns="91425" wrap="square" tIns="91425">
+          <a:bodyPr spcFirstLastPara="1" wrap="square" lIns="91425" tIns="91425" rIns="91425" bIns="91425" anchor="t" anchorCtr="0">
             <a:noAutofit/>
           </a:bodyPr>
           <a:lstStyle/>
           <a:p>
-            <a:pPr indent="0" lvl="0" marL="0" rtl="0" algn="l">
+            <a:pPr marL="0" lvl="0" indent="0" algn="l" rtl="0">
               <a:spcBef>
                 <a:spcPts val="0"/>
               </a:spcBef>
@@ -895,9 +923,6 @@
               </a:spcAft>
               <a:buNone/>
             </a:pPr>
-            <a:r>
-              <a:t/>
-            </a:r>
             <a:endParaRPr/>
           </a:p>
         </p:txBody>
@@ -911,11 +936,11 @@
 </file>
 
 <file path=ppt/notesSlides/notesSlide11.xml><?xml version="1.0" encoding="utf-8"?>
-<p:notes xmlns:a="http://schemas.openxmlformats.org/drawingml/2006/main" xmlns:r="http://schemas.openxmlformats.org/officeDocument/2006/relationships" xmlns:mc="http://schemas.openxmlformats.org/markup-compatibility/2006" xmlns:mv="urn:schemas-microsoft-com:mac:vml" xmlns:p="http://schemas.openxmlformats.org/presentationml/2006/main" xmlns:c="http://schemas.openxmlformats.org/drawingml/2006/chart" xmlns:dgm="http://schemas.openxmlformats.org/drawingml/2006/diagram" xmlns:o="urn:schemas-microsoft-com:office:office" xmlns:v="urn:schemas-microsoft-com:vml" xmlns:pvml="urn:schemas-microsoft-com:office:powerpoint" xmlns:com="http://schemas.openxmlformats.org/drawingml/2006/compatibility" xmlns:p14="http://schemas.microsoft.com/office/powerpoint/2010/main" xmlns:p15="http://schemas.microsoft.com/office/powerpoint/2012/main" xmlns:ahyp="http://schemas.microsoft.com/office/drawing/2018/hyperlinkcolor" showMasterPhAnim="0" showMasterSp="0">
+<p:notes xmlns:a="http://schemas.openxmlformats.org/drawingml/2006/main" xmlns:r="http://schemas.openxmlformats.org/officeDocument/2006/relationships" xmlns:p="http://schemas.openxmlformats.org/presentationml/2006/main" showMasterSp="0" showMasterPhAnim="0">
   <p:cSld>
     <p:spTree>
       <p:nvGrpSpPr>
-        <p:cNvPr id="193" name="Shape 193"/>
+        <p:cNvPr id="1" name="Shape 193"/>
         <p:cNvGrpSpPr/>
         <p:nvPr/>
       </p:nvGrpSpPr>
@@ -930,20 +955,26 @@
       <p:sp>
         <p:nvSpPr>
           <p:cNvPr id="194" name="Google Shape;194;gd596b29c03_0_626:notes"/>
-          <p:cNvSpPr/>
+          <p:cNvSpPr>
+            <a:spLocks noGrp="1" noRot="1" noChangeAspect="1"/>
+          </p:cNvSpPr>
           <p:nvPr>
-            <p:ph idx="2" type="sldImg"/>
+            <p:ph type="sldImg" idx="2"/>
           </p:nvPr>
         </p:nvSpPr>
         <p:spPr>
           <a:xfrm>
-            <a:off x="381300" y="685800"/>
+            <a:off x="381000" y="685800"/>
             <a:ext cx="6096000" cy="3429000"/>
           </a:xfrm>
           <a:custGeom>
-            <a:rect b="b" l="l" r="r" t="t"/>
+            <a:avLst/>
+            <a:gdLst/>
+            <a:ahLst/>
+            <a:cxnLst/>
+            <a:rect l="l" t="t" r="r" b="b"/>
             <a:pathLst>
-              <a:path extrusionOk="0" h="120000" w="120000">
+              <a:path w="120000" h="120000" extrusionOk="0">
                 <a:moveTo>
                   <a:pt x="0" y="0"/>
                 </a:moveTo>
@@ -965,9 +996,11 @@
       <p:sp>
         <p:nvSpPr>
           <p:cNvPr id="195" name="Google Shape;195;gd596b29c03_0_626:notes"/>
-          <p:cNvSpPr txBox="1"/>
+          <p:cNvSpPr txBox="1">
+            <a:spLocks noGrp="1"/>
+          </p:cNvSpPr>
           <p:nvPr>
-            <p:ph idx="1" type="body"/>
+            <p:ph type="body" idx="1"/>
           </p:nvPr>
         </p:nvSpPr>
         <p:spPr>
@@ -980,12 +1013,12 @@
           </a:prstGeom>
         </p:spPr>
         <p:txBody>
-          <a:bodyPr anchorCtr="0" anchor="t" bIns="91425" lIns="91425" spcFirstLastPara="1" rIns="91425" wrap="square" tIns="91425">
+          <a:bodyPr spcFirstLastPara="1" wrap="square" lIns="91425" tIns="91425" rIns="91425" bIns="91425" anchor="t" anchorCtr="0">
             <a:noAutofit/>
           </a:bodyPr>
           <a:lstStyle/>
           <a:p>
-            <a:pPr indent="0" lvl="0" marL="0" rtl="0" algn="l">
+            <a:pPr marL="0" lvl="0" indent="0" algn="l" rtl="0">
               <a:spcBef>
                 <a:spcPts val="0"/>
               </a:spcBef>
@@ -994,9 +1027,6 @@
               </a:spcAft>
               <a:buNone/>
             </a:pPr>
-            <a:r>
-              <a:t/>
-            </a:r>
             <a:endParaRPr/>
           </a:p>
         </p:txBody>
@@ -1010,11 +1040,11 @@
 </file>
 
 <file path=ppt/notesSlides/notesSlide2.xml><?xml version="1.0" encoding="utf-8"?>
-<p:notes xmlns:a="http://schemas.openxmlformats.org/drawingml/2006/main" xmlns:r="http://schemas.openxmlformats.org/officeDocument/2006/relationships" xmlns:mc="http://schemas.openxmlformats.org/markup-compatibility/2006" xmlns:mv="urn:schemas-microsoft-com:mac:vml" xmlns:p="http://schemas.openxmlformats.org/presentationml/2006/main" xmlns:c="http://schemas.openxmlformats.org/drawingml/2006/chart" xmlns:dgm="http://schemas.openxmlformats.org/drawingml/2006/diagram" xmlns:o="urn:schemas-microsoft-com:office:office" xmlns:v="urn:schemas-microsoft-com:vml" xmlns:pvml="urn:schemas-microsoft-com:office:powerpoint" xmlns:com="http://schemas.openxmlformats.org/drawingml/2006/compatibility" xmlns:p14="http://schemas.microsoft.com/office/powerpoint/2010/main" xmlns:p15="http://schemas.microsoft.com/office/powerpoint/2012/main" xmlns:ahyp="http://schemas.microsoft.com/office/drawing/2018/hyperlinkcolor" showMasterPhAnim="0" showMasterSp="0">
+<p:notes xmlns:a="http://schemas.openxmlformats.org/drawingml/2006/main" xmlns:r="http://schemas.openxmlformats.org/officeDocument/2006/relationships" xmlns:p="http://schemas.openxmlformats.org/presentationml/2006/main" showMasterSp="0" showMasterPhAnim="0">
   <p:cSld>
     <p:spTree>
       <p:nvGrpSpPr>
-        <p:cNvPr id="136" name="Shape 136"/>
+        <p:cNvPr id="1" name="Shape 136"/>
         <p:cNvGrpSpPr/>
         <p:nvPr/>
       </p:nvGrpSpPr>
@@ -1029,20 +1059,26 @@
       <p:sp>
         <p:nvSpPr>
           <p:cNvPr id="137" name="Google Shape;137;gd596b29c03_0_125:notes"/>
-          <p:cNvSpPr/>
+          <p:cNvSpPr>
+            <a:spLocks noGrp="1" noRot="1" noChangeAspect="1"/>
+          </p:cNvSpPr>
           <p:nvPr>
-            <p:ph idx="2" type="sldImg"/>
+            <p:ph type="sldImg" idx="2"/>
           </p:nvPr>
         </p:nvSpPr>
         <p:spPr>
           <a:xfrm>
-            <a:off x="381300" y="685800"/>
+            <a:off x="381000" y="685800"/>
             <a:ext cx="6096000" cy="3429000"/>
           </a:xfrm>
           <a:custGeom>
-            <a:rect b="b" l="l" r="r" t="t"/>
+            <a:avLst/>
+            <a:gdLst/>
+            <a:ahLst/>
+            <a:cxnLst/>
+            <a:rect l="l" t="t" r="r" b="b"/>
             <a:pathLst>
-              <a:path extrusionOk="0" h="120000" w="120000">
+              <a:path w="120000" h="120000" extrusionOk="0">
                 <a:moveTo>
                   <a:pt x="0" y="0"/>
                 </a:moveTo>
@@ -1064,9 +1100,11 @@
       <p:sp>
         <p:nvSpPr>
           <p:cNvPr id="138" name="Google Shape;138;gd596b29c03_0_125:notes"/>
-          <p:cNvSpPr txBox="1"/>
+          <p:cNvSpPr txBox="1">
+            <a:spLocks noGrp="1"/>
+          </p:cNvSpPr>
           <p:nvPr>
-            <p:ph idx="1" type="body"/>
+            <p:ph type="body" idx="1"/>
           </p:nvPr>
         </p:nvSpPr>
         <p:spPr>
@@ -1079,12 +1117,12 @@
           </a:prstGeom>
         </p:spPr>
         <p:txBody>
-          <a:bodyPr anchorCtr="0" anchor="t" bIns="91425" lIns="91425" spcFirstLastPara="1" rIns="91425" wrap="square" tIns="91425">
+          <a:bodyPr spcFirstLastPara="1" wrap="square" lIns="91425" tIns="91425" rIns="91425" bIns="91425" anchor="t" anchorCtr="0">
             <a:noAutofit/>
           </a:bodyPr>
           <a:lstStyle/>
           <a:p>
-            <a:pPr indent="0" lvl="0" marL="0" rtl="0" algn="l">
+            <a:pPr marL="0" lvl="0" indent="0" algn="l" rtl="0">
               <a:spcBef>
                 <a:spcPts val="0"/>
               </a:spcBef>
@@ -1093,9 +1131,6 @@
               </a:spcAft>
               <a:buNone/>
             </a:pPr>
-            <a:r>
-              <a:t/>
-            </a:r>
             <a:endParaRPr/>
           </a:p>
         </p:txBody>
@@ -1109,11 +1144,11 @@
 </file>
 
 <file path=ppt/notesSlides/notesSlide3.xml><?xml version="1.0" encoding="utf-8"?>
-<p:notes xmlns:a="http://schemas.openxmlformats.org/drawingml/2006/main" xmlns:r="http://schemas.openxmlformats.org/officeDocument/2006/relationships" xmlns:mc="http://schemas.openxmlformats.org/markup-compatibility/2006" xmlns:mv="urn:schemas-microsoft-com:mac:vml" xmlns:p="http://schemas.openxmlformats.org/presentationml/2006/main" xmlns:c="http://schemas.openxmlformats.org/drawingml/2006/chart" xmlns:dgm="http://schemas.openxmlformats.org/drawingml/2006/diagram" xmlns:o="urn:schemas-microsoft-com:office:office" xmlns:v="urn:schemas-microsoft-com:vml" xmlns:pvml="urn:schemas-microsoft-com:office:powerpoint" xmlns:com="http://schemas.openxmlformats.org/drawingml/2006/compatibility" xmlns:p14="http://schemas.microsoft.com/office/powerpoint/2010/main" xmlns:p15="http://schemas.microsoft.com/office/powerpoint/2012/main" xmlns:ahyp="http://schemas.microsoft.com/office/drawing/2018/hyperlinkcolor" showMasterPhAnim="0" showMasterSp="0">
+<p:notes xmlns:a="http://schemas.openxmlformats.org/drawingml/2006/main" xmlns:r="http://schemas.openxmlformats.org/officeDocument/2006/relationships" xmlns:p="http://schemas.openxmlformats.org/presentationml/2006/main" showMasterSp="0" showMasterPhAnim="0">
   <p:cSld>
     <p:spTree>
       <p:nvGrpSpPr>
-        <p:cNvPr id="142" name="Shape 142"/>
+        <p:cNvPr id="1" name="Shape 142"/>
         <p:cNvGrpSpPr/>
         <p:nvPr/>
       </p:nvGrpSpPr>
@@ -1128,9 +1163,11 @@
       <p:sp>
         <p:nvSpPr>
           <p:cNvPr id="143" name="Google Shape;143;gd596b29c03_0_573:notes"/>
-          <p:cNvSpPr/>
+          <p:cNvSpPr>
+            <a:spLocks noGrp="1" noRot="1" noChangeAspect="1"/>
+          </p:cNvSpPr>
           <p:nvPr>
-            <p:ph idx="2" type="sldImg"/>
+            <p:ph type="sldImg" idx="2"/>
           </p:nvPr>
         </p:nvSpPr>
         <p:spPr>
@@ -1139,9 +1176,13 @@
             <a:ext cx="6096000" cy="3429000"/>
           </a:xfrm>
           <a:custGeom>
-            <a:rect b="b" l="l" r="r" t="t"/>
+            <a:avLst/>
+            <a:gdLst/>
+            <a:ahLst/>
+            <a:cxnLst/>
+            <a:rect l="l" t="t" r="r" b="b"/>
             <a:pathLst>
-              <a:path extrusionOk="0" h="120000" w="120000">
+              <a:path w="120000" h="120000" extrusionOk="0">
                 <a:moveTo>
                   <a:pt x="0" y="0"/>
                 </a:moveTo>
@@ -1163,9 +1204,11 @@
       <p:sp>
         <p:nvSpPr>
           <p:cNvPr id="144" name="Google Shape;144;gd596b29c03_0_573:notes"/>
-          <p:cNvSpPr txBox="1"/>
+          <p:cNvSpPr txBox="1">
+            <a:spLocks noGrp="1"/>
+          </p:cNvSpPr>
           <p:nvPr>
-            <p:ph idx="1" type="body"/>
+            <p:ph type="body" idx="1"/>
           </p:nvPr>
         </p:nvSpPr>
         <p:spPr>
@@ -1178,12 +1221,12 @@
           </a:prstGeom>
         </p:spPr>
         <p:txBody>
-          <a:bodyPr anchorCtr="0" anchor="t" bIns="91425" lIns="91425" spcFirstLastPara="1" rIns="91425" wrap="square" tIns="91425">
+          <a:bodyPr spcFirstLastPara="1" wrap="square" lIns="91425" tIns="91425" rIns="91425" bIns="91425" anchor="t" anchorCtr="0">
             <a:noAutofit/>
           </a:bodyPr>
           <a:lstStyle/>
           <a:p>
-            <a:pPr indent="0" lvl="0" marL="0" rtl="0" algn="l">
+            <a:pPr marL="0" lvl="0" indent="0" algn="l" rtl="0">
               <a:spcBef>
                 <a:spcPts val="0"/>
               </a:spcBef>
@@ -1192,9 +1235,6 @@
               </a:spcAft>
               <a:buNone/>
             </a:pPr>
-            <a:r>
-              <a:t/>
-            </a:r>
             <a:endParaRPr/>
           </a:p>
         </p:txBody>
@@ -1208,11 +1248,11 @@
 </file>
 
 <file path=ppt/notesSlides/notesSlide4.xml><?xml version="1.0" encoding="utf-8"?>
-<p:notes xmlns:a="http://schemas.openxmlformats.org/drawingml/2006/main" xmlns:r="http://schemas.openxmlformats.org/officeDocument/2006/relationships" xmlns:mc="http://schemas.openxmlformats.org/markup-compatibility/2006" xmlns:mv="urn:schemas-microsoft-com:mac:vml" xmlns:p="http://schemas.openxmlformats.org/presentationml/2006/main" xmlns:c="http://schemas.openxmlformats.org/drawingml/2006/chart" xmlns:dgm="http://schemas.openxmlformats.org/drawingml/2006/diagram" xmlns:o="urn:schemas-microsoft-com:office:office" xmlns:v="urn:schemas-microsoft-com:vml" xmlns:pvml="urn:schemas-microsoft-com:office:powerpoint" xmlns:com="http://schemas.openxmlformats.org/drawingml/2006/compatibility" xmlns:p14="http://schemas.microsoft.com/office/powerpoint/2010/main" xmlns:p15="http://schemas.microsoft.com/office/powerpoint/2012/main" xmlns:ahyp="http://schemas.microsoft.com/office/drawing/2018/hyperlinkcolor" showMasterPhAnim="0" showMasterSp="0">
+<p:notes xmlns:a="http://schemas.openxmlformats.org/drawingml/2006/main" xmlns:r="http://schemas.openxmlformats.org/officeDocument/2006/relationships" xmlns:p="http://schemas.openxmlformats.org/presentationml/2006/main" showMasterSp="0" showMasterPhAnim="0">
   <p:cSld>
     <p:spTree>
       <p:nvGrpSpPr>
-        <p:cNvPr id="148" name="Shape 148"/>
+        <p:cNvPr id="1" name="Shape 148"/>
         <p:cNvGrpSpPr/>
         <p:nvPr/>
       </p:nvGrpSpPr>
@@ -1227,9 +1267,11 @@
       <p:sp>
         <p:nvSpPr>
           <p:cNvPr id="149" name="Google Shape;149;gd596b29c03_0_579:notes"/>
-          <p:cNvSpPr/>
+          <p:cNvSpPr>
+            <a:spLocks noGrp="1" noRot="1" noChangeAspect="1"/>
+          </p:cNvSpPr>
           <p:nvPr>
-            <p:ph idx="2" type="sldImg"/>
+            <p:ph type="sldImg" idx="2"/>
           </p:nvPr>
         </p:nvSpPr>
         <p:spPr>
@@ -1238,9 +1280,13 @@
             <a:ext cx="6096000" cy="3429000"/>
           </a:xfrm>
           <a:custGeom>
-            <a:rect b="b" l="l" r="r" t="t"/>
+            <a:avLst/>
+            <a:gdLst/>
+            <a:ahLst/>
+            <a:cxnLst/>
+            <a:rect l="l" t="t" r="r" b="b"/>
             <a:pathLst>
-              <a:path extrusionOk="0" h="120000" w="120000">
+              <a:path w="120000" h="120000" extrusionOk="0">
                 <a:moveTo>
                   <a:pt x="0" y="0"/>
                 </a:moveTo>
@@ -1262,9 +1308,11 @@
       <p:sp>
         <p:nvSpPr>
           <p:cNvPr id="150" name="Google Shape;150;gd596b29c03_0_579:notes"/>
-          <p:cNvSpPr txBox="1"/>
+          <p:cNvSpPr txBox="1">
+            <a:spLocks noGrp="1"/>
+          </p:cNvSpPr>
           <p:nvPr>
-            <p:ph idx="1" type="body"/>
+            <p:ph type="body" idx="1"/>
           </p:nvPr>
         </p:nvSpPr>
         <p:spPr>
@@ -1277,12 +1325,12 @@
           </a:prstGeom>
         </p:spPr>
         <p:txBody>
-          <a:bodyPr anchorCtr="0" anchor="t" bIns="91425" lIns="91425" spcFirstLastPara="1" rIns="91425" wrap="square" tIns="91425">
+          <a:bodyPr spcFirstLastPara="1" wrap="square" lIns="91425" tIns="91425" rIns="91425" bIns="91425" anchor="t" anchorCtr="0">
             <a:noAutofit/>
           </a:bodyPr>
           <a:lstStyle/>
           <a:p>
-            <a:pPr indent="0" lvl="0" marL="0" rtl="0" algn="l">
+            <a:pPr marL="0" lvl="0" indent="0" algn="l" rtl="0">
               <a:spcBef>
                 <a:spcPts val="0"/>
               </a:spcBef>
@@ -1291,9 +1339,6 @@
               </a:spcAft>
               <a:buNone/>
             </a:pPr>
-            <a:r>
-              <a:t/>
-            </a:r>
             <a:endParaRPr/>
           </a:p>
         </p:txBody>
@@ -1307,11 +1352,11 @@
 </file>
 
 <file path=ppt/notesSlides/notesSlide5.xml><?xml version="1.0" encoding="utf-8"?>
-<p:notes xmlns:a="http://schemas.openxmlformats.org/drawingml/2006/main" xmlns:r="http://schemas.openxmlformats.org/officeDocument/2006/relationships" xmlns:mc="http://schemas.openxmlformats.org/markup-compatibility/2006" xmlns:mv="urn:schemas-microsoft-com:mac:vml" xmlns:p="http://schemas.openxmlformats.org/presentationml/2006/main" xmlns:c="http://schemas.openxmlformats.org/drawingml/2006/chart" xmlns:dgm="http://schemas.openxmlformats.org/drawingml/2006/diagram" xmlns:o="urn:schemas-microsoft-com:office:office" xmlns:v="urn:schemas-microsoft-com:vml" xmlns:pvml="urn:schemas-microsoft-com:office:powerpoint" xmlns:com="http://schemas.openxmlformats.org/drawingml/2006/compatibility" xmlns:p14="http://schemas.microsoft.com/office/powerpoint/2010/main" xmlns:p15="http://schemas.microsoft.com/office/powerpoint/2012/main" xmlns:ahyp="http://schemas.microsoft.com/office/drawing/2018/hyperlinkcolor" showMasterPhAnim="0" showMasterSp="0">
+<p:notes xmlns:a="http://schemas.openxmlformats.org/drawingml/2006/main" xmlns:r="http://schemas.openxmlformats.org/officeDocument/2006/relationships" xmlns:p="http://schemas.openxmlformats.org/presentationml/2006/main" showMasterSp="0" showMasterPhAnim="0">
   <p:cSld>
     <p:spTree>
       <p:nvGrpSpPr>
-        <p:cNvPr id="154" name="Shape 154"/>
+        <p:cNvPr id="1" name="Shape 154"/>
         <p:cNvGrpSpPr/>
         <p:nvPr/>
       </p:nvGrpSpPr>
@@ -1326,9 +1371,11 @@
       <p:sp>
         <p:nvSpPr>
           <p:cNvPr id="155" name="Google Shape;155;gd596b29c03_0_584:notes"/>
-          <p:cNvSpPr/>
+          <p:cNvSpPr>
+            <a:spLocks noGrp="1" noRot="1" noChangeAspect="1"/>
+          </p:cNvSpPr>
           <p:nvPr>
-            <p:ph idx="2" type="sldImg"/>
+            <p:ph type="sldImg" idx="2"/>
           </p:nvPr>
         </p:nvSpPr>
         <p:spPr>
@@ -1337,9 +1384,13 @@
             <a:ext cx="6096000" cy="3429000"/>
           </a:xfrm>
           <a:custGeom>
-            <a:rect b="b" l="l" r="r" t="t"/>
+            <a:avLst/>
+            <a:gdLst/>
+            <a:ahLst/>
+            <a:cxnLst/>
+            <a:rect l="l" t="t" r="r" b="b"/>
             <a:pathLst>
-              <a:path extrusionOk="0" h="120000" w="120000">
+              <a:path w="120000" h="120000" extrusionOk="0">
                 <a:moveTo>
                   <a:pt x="0" y="0"/>
                 </a:moveTo>
@@ -1361,9 +1412,11 @@
       <p:sp>
         <p:nvSpPr>
           <p:cNvPr id="156" name="Google Shape;156;gd596b29c03_0_584:notes"/>
-          <p:cNvSpPr txBox="1"/>
+          <p:cNvSpPr txBox="1">
+            <a:spLocks noGrp="1"/>
+          </p:cNvSpPr>
           <p:nvPr>
-            <p:ph idx="1" type="body"/>
+            <p:ph type="body" idx="1"/>
           </p:nvPr>
         </p:nvSpPr>
         <p:spPr>
@@ -1376,12 +1429,12 @@
           </a:prstGeom>
         </p:spPr>
         <p:txBody>
-          <a:bodyPr anchorCtr="0" anchor="t" bIns="91425" lIns="91425" spcFirstLastPara="1" rIns="91425" wrap="square" tIns="91425">
+          <a:bodyPr spcFirstLastPara="1" wrap="square" lIns="91425" tIns="91425" rIns="91425" bIns="91425" anchor="t" anchorCtr="0">
             <a:noAutofit/>
           </a:bodyPr>
           <a:lstStyle/>
           <a:p>
-            <a:pPr indent="0" lvl="0" marL="0" rtl="0" algn="l">
+            <a:pPr marL="0" lvl="0" indent="0" algn="l" rtl="0">
               <a:spcBef>
                 <a:spcPts val="0"/>
               </a:spcBef>
@@ -1390,9 +1443,6 @@
               </a:spcAft>
               <a:buNone/>
             </a:pPr>
-            <a:r>
-              <a:t/>
-            </a:r>
             <a:endParaRPr/>
           </a:p>
         </p:txBody>
@@ -1406,11 +1456,11 @@
 </file>
 
 <file path=ppt/notesSlides/notesSlide6.xml><?xml version="1.0" encoding="utf-8"?>
-<p:notes xmlns:a="http://schemas.openxmlformats.org/drawingml/2006/main" xmlns:r="http://schemas.openxmlformats.org/officeDocument/2006/relationships" xmlns:mc="http://schemas.openxmlformats.org/markup-compatibility/2006" xmlns:mv="urn:schemas-microsoft-com:mac:vml" xmlns:p="http://schemas.openxmlformats.org/presentationml/2006/main" xmlns:c="http://schemas.openxmlformats.org/drawingml/2006/chart" xmlns:dgm="http://schemas.openxmlformats.org/drawingml/2006/diagram" xmlns:o="urn:schemas-microsoft-com:office:office" xmlns:v="urn:schemas-microsoft-com:vml" xmlns:pvml="urn:schemas-microsoft-com:office:powerpoint" xmlns:com="http://schemas.openxmlformats.org/drawingml/2006/compatibility" xmlns:p14="http://schemas.microsoft.com/office/powerpoint/2010/main" xmlns:p15="http://schemas.microsoft.com/office/powerpoint/2012/main" xmlns:ahyp="http://schemas.microsoft.com/office/drawing/2018/hyperlinkcolor" showMasterPhAnim="0" showMasterSp="0">
+<p:notes xmlns:a="http://schemas.openxmlformats.org/drawingml/2006/main" xmlns:r="http://schemas.openxmlformats.org/officeDocument/2006/relationships" xmlns:p="http://schemas.openxmlformats.org/presentationml/2006/main" showMasterSp="0" showMasterPhAnim="0">
   <p:cSld>
     <p:spTree>
       <p:nvGrpSpPr>
-        <p:cNvPr id="160" name="Shape 160"/>
+        <p:cNvPr id="1" name="Shape 160"/>
         <p:cNvGrpSpPr/>
         <p:nvPr/>
       </p:nvGrpSpPr>
@@ -1425,20 +1475,26 @@
       <p:sp>
         <p:nvSpPr>
           <p:cNvPr id="161" name="Google Shape;161;gd596b29c03_0_589:notes"/>
-          <p:cNvSpPr/>
+          <p:cNvSpPr>
+            <a:spLocks noGrp="1" noRot="1" noChangeAspect="1"/>
+          </p:cNvSpPr>
           <p:nvPr>
-            <p:ph idx="2" type="sldImg"/>
+            <p:ph type="sldImg" idx="2"/>
           </p:nvPr>
         </p:nvSpPr>
         <p:spPr>
           <a:xfrm>
-            <a:off x="381300" y="685800"/>
+            <a:off x="381000" y="685800"/>
             <a:ext cx="6096000" cy="3429000"/>
           </a:xfrm>
           <a:custGeom>
-            <a:rect b="b" l="l" r="r" t="t"/>
+            <a:avLst/>
+            <a:gdLst/>
+            <a:ahLst/>
+            <a:cxnLst/>
+            <a:rect l="l" t="t" r="r" b="b"/>
             <a:pathLst>
-              <a:path extrusionOk="0" h="120000" w="120000">
+              <a:path w="120000" h="120000" extrusionOk="0">
                 <a:moveTo>
                   <a:pt x="0" y="0"/>
                 </a:moveTo>
@@ -1460,9 +1516,11 @@
       <p:sp>
         <p:nvSpPr>
           <p:cNvPr id="162" name="Google Shape;162;gd596b29c03_0_589:notes"/>
-          <p:cNvSpPr txBox="1"/>
+          <p:cNvSpPr txBox="1">
+            <a:spLocks noGrp="1"/>
+          </p:cNvSpPr>
           <p:nvPr>
-            <p:ph idx="1" type="body"/>
+            <p:ph type="body" idx="1"/>
           </p:nvPr>
         </p:nvSpPr>
         <p:spPr>
@@ -1475,12 +1533,12 @@
           </a:prstGeom>
         </p:spPr>
         <p:txBody>
-          <a:bodyPr anchorCtr="0" anchor="t" bIns="91425" lIns="91425" spcFirstLastPara="1" rIns="91425" wrap="square" tIns="91425">
+          <a:bodyPr spcFirstLastPara="1" wrap="square" lIns="91425" tIns="91425" rIns="91425" bIns="91425" anchor="t" anchorCtr="0">
             <a:noAutofit/>
           </a:bodyPr>
           <a:lstStyle/>
           <a:p>
-            <a:pPr indent="0" lvl="0" marL="0" rtl="0" algn="l">
+            <a:pPr marL="0" lvl="0" indent="0" algn="l" rtl="0">
               <a:spcBef>
                 <a:spcPts val="0"/>
               </a:spcBef>
@@ -1489,9 +1547,6 @@
               </a:spcAft>
               <a:buNone/>
             </a:pPr>
-            <a:r>
-              <a:t/>
-            </a:r>
             <a:endParaRPr/>
           </a:p>
         </p:txBody>
@@ -1505,11 +1560,11 @@
 </file>
 
 <file path=ppt/notesSlides/notesSlide7.xml><?xml version="1.0" encoding="utf-8"?>
-<p:notes xmlns:a="http://schemas.openxmlformats.org/drawingml/2006/main" xmlns:r="http://schemas.openxmlformats.org/officeDocument/2006/relationships" xmlns:mc="http://schemas.openxmlformats.org/markup-compatibility/2006" xmlns:mv="urn:schemas-microsoft-com:mac:vml" xmlns:p="http://schemas.openxmlformats.org/presentationml/2006/main" xmlns:c="http://schemas.openxmlformats.org/drawingml/2006/chart" xmlns:dgm="http://schemas.openxmlformats.org/drawingml/2006/diagram" xmlns:o="urn:schemas-microsoft-com:office:office" xmlns:v="urn:schemas-microsoft-com:vml" xmlns:pvml="urn:schemas-microsoft-com:office:powerpoint" xmlns:com="http://schemas.openxmlformats.org/drawingml/2006/compatibility" xmlns:p14="http://schemas.microsoft.com/office/powerpoint/2010/main" xmlns:p15="http://schemas.microsoft.com/office/powerpoint/2012/main" xmlns:ahyp="http://schemas.microsoft.com/office/drawing/2018/hyperlinkcolor" showMasterPhAnim="0" showMasterSp="0">
+<p:notes xmlns:a="http://schemas.openxmlformats.org/drawingml/2006/main" xmlns:r="http://schemas.openxmlformats.org/officeDocument/2006/relationships" xmlns:p="http://schemas.openxmlformats.org/presentationml/2006/main" showMasterSp="0" showMasterPhAnim="0">
   <p:cSld>
     <p:spTree>
       <p:nvGrpSpPr>
-        <p:cNvPr id="166" name="Shape 166"/>
+        <p:cNvPr id="1" name="Shape 166"/>
         <p:cNvGrpSpPr/>
         <p:nvPr/>
       </p:nvGrpSpPr>
@@ -1524,9 +1579,11 @@
       <p:sp>
         <p:nvSpPr>
           <p:cNvPr id="167" name="Google Shape;167;gd596b29c03_0_596:notes"/>
-          <p:cNvSpPr/>
+          <p:cNvSpPr>
+            <a:spLocks noGrp="1" noRot="1" noChangeAspect="1"/>
+          </p:cNvSpPr>
           <p:nvPr>
-            <p:ph idx="2" type="sldImg"/>
+            <p:ph type="sldImg" idx="2"/>
           </p:nvPr>
         </p:nvSpPr>
         <p:spPr>
@@ -1535,9 +1592,13 @@
             <a:ext cx="6096000" cy="3429000"/>
           </a:xfrm>
           <a:custGeom>
-            <a:rect b="b" l="l" r="r" t="t"/>
+            <a:avLst/>
+            <a:gdLst/>
+            <a:ahLst/>
+            <a:cxnLst/>
+            <a:rect l="l" t="t" r="r" b="b"/>
             <a:pathLst>
-              <a:path extrusionOk="0" h="120000" w="120000">
+              <a:path w="120000" h="120000" extrusionOk="0">
                 <a:moveTo>
                   <a:pt x="0" y="0"/>
                 </a:moveTo>
@@ -1559,9 +1620,11 @@
       <p:sp>
         <p:nvSpPr>
           <p:cNvPr id="168" name="Google Shape;168;gd596b29c03_0_596:notes"/>
-          <p:cNvSpPr txBox="1"/>
+          <p:cNvSpPr txBox="1">
+            <a:spLocks noGrp="1"/>
+          </p:cNvSpPr>
           <p:nvPr>
-            <p:ph idx="1" type="body"/>
+            <p:ph type="body" idx="1"/>
           </p:nvPr>
         </p:nvSpPr>
         <p:spPr>
@@ -1574,12 +1637,12 @@
           </a:prstGeom>
         </p:spPr>
         <p:txBody>
-          <a:bodyPr anchorCtr="0" anchor="t" bIns="91425" lIns="91425" spcFirstLastPara="1" rIns="91425" wrap="square" tIns="91425">
+          <a:bodyPr spcFirstLastPara="1" wrap="square" lIns="91425" tIns="91425" rIns="91425" bIns="91425" anchor="t" anchorCtr="0">
             <a:noAutofit/>
           </a:bodyPr>
           <a:lstStyle/>
           <a:p>
-            <a:pPr indent="0" lvl="0" marL="0" rtl="0" algn="l">
+            <a:pPr marL="0" lvl="0" indent="0" algn="l" rtl="0">
               <a:spcBef>
                 <a:spcPts val="0"/>
               </a:spcBef>
@@ -1588,9 +1651,6 @@
               </a:spcAft>
               <a:buNone/>
             </a:pPr>
-            <a:r>
-              <a:t/>
-            </a:r>
             <a:endParaRPr/>
           </a:p>
         </p:txBody>
@@ -1604,11 +1664,11 @@
 </file>
 
 <file path=ppt/notesSlides/notesSlide8.xml><?xml version="1.0" encoding="utf-8"?>
-<p:notes xmlns:a="http://schemas.openxmlformats.org/drawingml/2006/main" xmlns:r="http://schemas.openxmlformats.org/officeDocument/2006/relationships" xmlns:mc="http://schemas.openxmlformats.org/markup-compatibility/2006" xmlns:mv="urn:schemas-microsoft-com:mac:vml" xmlns:p="http://schemas.openxmlformats.org/presentationml/2006/main" xmlns:c="http://schemas.openxmlformats.org/drawingml/2006/chart" xmlns:dgm="http://schemas.openxmlformats.org/drawingml/2006/diagram" xmlns:o="urn:schemas-microsoft-com:office:office" xmlns:v="urn:schemas-microsoft-com:vml" xmlns:pvml="urn:schemas-microsoft-com:office:powerpoint" xmlns:com="http://schemas.openxmlformats.org/drawingml/2006/compatibility" xmlns:p14="http://schemas.microsoft.com/office/powerpoint/2010/main" xmlns:p15="http://schemas.microsoft.com/office/powerpoint/2012/main" xmlns:ahyp="http://schemas.microsoft.com/office/drawing/2018/hyperlinkcolor" showMasterPhAnim="0" showMasterSp="0">
+<p:notes xmlns:a="http://schemas.openxmlformats.org/drawingml/2006/main" xmlns:r="http://schemas.openxmlformats.org/officeDocument/2006/relationships" xmlns:p="http://schemas.openxmlformats.org/presentationml/2006/main" showMasterSp="0" showMasterPhAnim="0">
   <p:cSld>
     <p:spTree>
       <p:nvGrpSpPr>
-        <p:cNvPr id="172" name="Shape 172"/>
+        <p:cNvPr id="1" name="Shape 172"/>
         <p:cNvGrpSpPr/>
         <p:nvPr/>
       </p:nvGrpSpPr>
@@ -1623,9 +1683,11 @@
       <p:sp>
         <p:nvSpPr>
           <p:cNvPr id="173" name="Google Shape;173;gd596b29c03_0_604:notes"/>
-          <p:cNvSpPr/>
+          <p:cNvSpPr>
+            <a:spLocks noGrp="1" noRot="1" noChangeAspect="1"/>
+          </p:cNvSpPr>
           <p:nvPr>
-            <p:ph idx="2" type="sldImg"/>
+            <p:ph type="sldImg" idx="2"/>
           </p:nvPr>
         </p:nvSpPr>
         <p:spPr>
@@ -1634,9 +1696,13 @@
             <a:ext cx="6096000" cy="3429000"/>
           </a:xfrm>
           <a:custGeom>
-            <a:rect b="b" l="l" r="r" t="t"/>
+            <a:avLst/>
+            <a:gdLst/>
+            <a:ahLst/>
+            <a:cxnLst/>
+            <a:rect l="l" t="t" r="r" b="b"/>
             <a:pathLst>
-              <a:path extrusionOk="0" h="120000" w="120000">
+              <a:path w="120000" h="120000" extrusionOk="0">
                 <a:moveTo>
                   <a:pt x="0" y="0"/>
                 </a:moveTo>
@@ -1658,9 +1724,11 @@
       <p:sp>
         <p:nvSpPr>
           <p:cNvPr id="174" name="Google Shape;174;gd596b29c03_0_604:notes"/>
-          <p:cNvSpPr txBox="1"/>
+          <p:cNvSpPr txBox="1">
+            <a:spLocks noGrp="1"/>
+          </p:cNvSpPr>
           <p:nvPr>
-            <p:ph idx="1" type="body"/>
+            <p:ph type="body" idx="1"/>
           </p:nvPr>
         </p:nvSpPr>
         <p:spPr>
@@ -1673,12 +1741,12 @@
           </a:prstGeom>
         </p:spPr>
         <p:txBody>
-          <a:bodyPr anchorCtr="0" anchor="t" bIns="91425" lIns="91425" spcFirstLastPara="1" rIns="91425" wrap="square" tIns="91425">
+          <a:bodyPr spcFirstLastPara="1" wrap="square" lIns="91425" tIns="91425" rIns="91425" bIns="91425" anchor="t" anchorCtr="0">
             <a:noAutofit/>
           </a:bodyPr>
           <a:lstStyle/>
           <a:p>
-            <a:pPr indent="0" lvl="0" marL="0" rtl="0" algn="l">
+            <a:pPr marL="0" lvl="0" indent="0" algn="l" rtl="0">
               <a:spcBef>
                 <a:spcPts val="0"/>
               </a:spcBef>
@@ -1687,9 +1755,6 @@
               </a:spcAft>
               <a:buNone/>
             </a:pPr>
-            <a:r>
-              <a:t/>
-            </a:r>
             <a:endParaRPr/>
           </a:p>
         </p:txBody>
@@ -1703,11 +1768,11 @@
 </file>
 
 <file path=ppt/notesSlides/notesSlide9.xml><?xml version="1.0" encoding="utf-8"?>
-<p:notes xmlns:a="http://schemas.openxmlformats.org/drawingml/2006/main" xmlns:r="http://schemas.openxmlformats.org/officeDocument/2006/relationships" xmlns:mc="http://schemas.openxmlformats.org/markup-compatibility/2006" xmlns:mv="urn:schemas-microsoft-com:mac:vml" xmlns:p="http://schemas.openxmlformats.org/presentationml/2006/main" xmlns:c="http://schemas.openxmlformats.org/drawingml/2006/chart" xmlns:dgm="http://schemas.openxmlformats.org/drawingml/2006/diagram" xmlns:o="urn:schemas-microsoft-com:office:office" xmlns:v="urn:schemas-microsoft-com:vml" xmlns:pvml="urn:schemas-microsoft-com:office:powerpoint" xmlns:com="http://schemas.openxmlformats.org/drawingml/2006/compatibility" xmlns:p14="http://schemas.microsoft.com/office/powerpoint/2010/main" xmlns:p15="http://schemas.microsoft.com/office/powerpoint/2012/main" xmlns:ahyp="http://schemas.microsoft.com/office/drawing/2018/hyperlinkcolor" showMasterPhAnim="0" showMasterSp="0">
+<p:notes xmlns:a="http://schemas.openxmlformats.org/drawingml/2006/main" xmlns:r="http://schemas.openxmlformats.org/officeDocument/2006/relationships" xmlns:p="http://schemas.openxmlformats.org/presentationml/2006/main" showMasterSp="0" showMasterPhAnim="0">
   <p:cSld>
     <p:spTree>
       <p:nvGrpSpPr>
-        <p:cNvPr id="178" name="Shape 178"/>
+        <p:cNvPr id="1" name="Shape 178"/>
         <p:cNvGrpSpPr/>
         <p:nvPr/>
       </p:nvGrpSpPr>
@@ -1722,9 +1787,11 @@
       <p:sp>
         <p:nvSpPr>
           <p:cNvPr id="179" name="Google Shape;179;gd596b29c03_0_610:notes"/>
-          <p:cNvSpPr/>
+          <p:cNvSpPr>
+            <a:spLocks noGrp="1" noRot="1" noChangeAspect="1"/>
+          </p:cNvSpPr>
           <p:nvPr>
-            <p:ph idx="2" type="sldImg"/>
+            <p:ph type="sldImg" idx="2"/>
           </p:nvPr>
         </p:nvSpPr>
         <p:spPr>
@@ -1733,9 +1800,13 @@
             <a:ext cx="6096000" cy="3429000"/>
           </a:xfrm>
           <a:custGeom>
-            <a:rect b="b" l="l" r="r" t="t"/>
+            <a:avLst/>
+            <a:gdLst/>
+            <a:ahLst/>
+            <a:cxnLst/>
+            <a:rect l="l" t="t" r="r" b="b"/>
             <a:pathLst>
-              <a:path extrusionOk="0" h="120000" w="120000">
+              <a:path w="120000" h="120000" extrusionOk="0">
                 <a:moveTo>
                   <a:pt x="0" y="0"/>
                 </a:moveTo>
@@ -1757,9 +1828,11 @@
       <p:sp>
         <p:nvSpPr>
           <p:cNvPr id="180" name="Google Shape;180;gd596b29c03_0_610:notes"/>
-          <p:cNvSpPr txBox="1"/>
+          <p:cNvSpPr txBox="1">
+            <a:spLocks noGrp="1"/>
+          </p:cNvSpPr>
           <p:nvPr>
-            <p:ph idx="1" type="body"/>
+            <p:ph type="body" idx="1"/>
           </p:nvPr>
         </p:nvSpPr>
         <p:spPr>
@@ -1772,12 +1845,12 @@
           </a:prstGeom>
         </p:spPr>
         <p:txBody>
-          <a:bodyPr anchorCtr="0" anchor="t" bIns="91425" lIns="91425" spcFirstLastPara="1" rIns="91425" wrap="square" tIns="91425">
+          <a:bodyPr spcFirstLastPara="1" wrap="square" lIns="91425" tIns="91425" rIns="91425" bIns="91425" anchor="t" anchorCtr="0">
             <a:noAutofit/>
           </a:bodyPr>
           <a:lstStyle/>
           <a:p>
-            <a:pPr indent="0" lvl="0" marL="0" rtl="0" algn="l">
+            <a:pPr marL="0" lvl="0" indent="0" algn="l" rtl="0">
               <a:spcBef>
                 <a:spcPts val="0"/>
               </a:spcBef>
@@ -1786,9 +1859,6 @@
               </a:spcAft>
               <a:buNone/>
             </a:pPr>
-            <a:r>
-              <a:t/>
-            </a:r>
             <a:endParaRPr/>
           </a:p>
         </p:txBody>
@@ -1802,11 +1872,11 @@
 </file>
 
 <file path=ppt/slideLayouts/slideLayout1.xml><?xml version="1.0" encoding="utf-8"?>
-<p:sldLayout xmlns:a="http://schemas.openxmlformats.org/drawingml/2006/main" xmlns:r="http://schemas.openxmlformats.org/officeDocument/2006/relationships" xmlns:mc="http://schemas.openxmlformats.org/markup-compatibility/2006" xmlns:mv="urn:schemas-microsoft-com:mac:vml" xmlns:p="http://schemas.openxmlformats.org/presentationml/2006/main" xmlns:c="http://schemas.openxmlformats.org/drawingml/2006/chart" xmlns:dgm="http://schemas.openxmlformats.org/drawingml/2006/diagram" xmlns:o="urn:schemas-microsoft-com:office:office" xmlns:v="urn:schemas-microsoft-com:vml" xmlns:pvml="urn:schemas-microsoft-com:office:powerpoint" xmlns:com="http://schemas.openxmlformats.org/drawingml/2006/compatibility" xmlns:p14="http://schemas.microsoft.com/office/powerpoint/2010/main" xmlns:p15="http://schemas.microsoft.com/office/powerpoint/2012/main" xmlns:ahyp="http://schemas.microsoft.com/office/drawing/2018/hyperlinkcolor" matchingName="Title slide" type="title">
+<p:sldLayout xmlns:a="http://schemas.openxmlformats.org/drawingml/2006/main" xmlns:r="http://schemas.openxmlformats.org/officeDocument/2006/relationships" xmlns:p="http://schemas.openxmlformats.org/presentationml/2006/main" matchingName="Title slide" type="title">
   <p:cSld name="TITLE">
     <p:spTree>
       <p:nvGrpSpPr>
-        <p:cNvPr id="9" name="Shape 9"/>
+        <p:cNvPr id="1" name="Shape 9"/>
         <p:cNvGrpSpPr/>
         <p:nvPr/>
       </p:nvGrpSpPr>
@@ -1831,7 +1901,7 @@
           </a:xfrm>
           <a:prstGeom prst="diagStripe">
             <a:avLst>
-              <a:gd fmla="val 0" name="adj"/>
+              <a:gd name="adj" fmla="val 0"/>
             </a:avLst>
           </a:prstGeom>
           <a:solidFill>
@@ -1844,12 +1914,12 @@
           </a:ln>
         </p:spPr>
         <p:txBody>
-          <a:bodyPr anchorCtr="0" anchor="ctr" bIns="91425" lIns="91425" spcFirstLastPara="1" rIns="91425" wrap="square" tIns="91425">
+          <a:bodyPr spcFirstLastPara="1" wrap="square" lIns="91425" tIns="91425" rIns="91425" bIns="91425" anchor="ctr" anchorCtr="0">
             <a:noAutofit/>
           </a:bodyPr>
           <a:lstStyle/>
           <a:p>
-            <a:pPr indent="0" lvl="0" marL="0" rtl="0" algn="l">
+            <a:pPr marL="0" lvl="0" indent="0" algn="l" rtl="0">
               <a:spcBef>
                 <a:spcPts val="0"/>
               </a:spcBef>
@@ -1858,9 +1928,6 @@
               </a:spcAft>
               <a:buNone/>
             </a:pPr>
-            <a:r>
-              <a:t/>
-            </a:r>
             <a:endParaRPr/>
           </a:p>
         </p:txBody>
@@ -1892,7 +1959,7 @@
             </a:xfrm>
             <a:prstGeom prst="diagStripe">
               <a:avLst>
-                <a:gd fmla="val 50000" name="adj"/>
+                <a:gd name="adj" fmla="val 50000"/>
               </a:avLst>
             </a:prstGeom>
             <a:solidFill>
@@ -1905,12 +1972,12 @@
             </a:ln>
           </p:spPr>
           <p:txBody>
-            <a:bodyPr anchorCtr="0" anchor="ctr" bIns="91425" lIns="91425" spcFirstLastPara="1" rIns="91425" wrap="square" tIns="91425">
+            <a:bodyPr spcFirstLastPara="1" wrap="square" lIns="91425" tIns="91425" rIns="91425" bIns="91425" anchor="ctr" anchorCtr="0">
               <a:noAutofit/>
             </a:bodyPr>
             <a:lstStyle/>
             <a:p>
-              <a:pPr indent="0" lvl="0" marL="0" rtl="0" algn="l">
+              <a:pPr marL="0" lvl="0" indent="0" algn="l" rtl="0">
                 <a:spcBef>
                   <a:spcPts val="0"/>
                 </a:spcBef>
@@ -1919,9 +1986,6 @@
                 </a:spcAft>
                 <a:buNone/>
               </a:pPr>
-              <a:r>
-                <a:t/>
-              </a:r>
               <a:endParaRPr/>
             </a:p>
           </p:txBody>
@@ -1939,7 +2003,7 @@
             </a:xfrm>
             <a:prstGeom prst="diagStripe">
               <a:avLst>
-                <a:gd fmla="val 58774" name="adj"/>
+                <a:gd name="adj" fmla="val 58774"/>
               </a:avLst>
             </a:prstGeom>
             <a:solidFill>
@@ -1952,12 +2016,12 @@
             </a:ln>
           </p:spPr>
           <p:txBody>
-            <a:bodyPr anchorCtr="0" anchor="ctr" bIns="91425" lIns="91425" spcFirstLastPara="1" rIns="91425" wrap="square" tIns="91425">
+            <a:bodyPr spcFirstLastPara="1" wrap="square" lIns="91425" tIns="91425" rIns="91425" bIns="91425" anchor="ctr" anchorCtr="0">
               <a:noAutofit/>
             </a:bodyPr>
             <a:lstStyle/>
             <a:p>
-              <a:pPr indent="0" lvl="0" marL="0" rtl="0" algn="l">
+              <a:pPr marL="0" lvl="0" indent="0" algn="l" rtl="0">
                 <a:spcBef>
                   <a:spcPts val="0"/>
                 </a:spcBef>
@@ -1966,9 +2030,6 @@
                 </a:spcAft>
                 <a:buNone/>
               </a:pPr>
-              <a:r>
-                <a:t/>
-              </a:r>
               <a:endParaRPr/>
             </a:p>
           </p:txBody>
@@ -1986,7 +2047,7 @@
             </a:xfrm>
             <a:prstGeom prst="diagStripe">
               <a:avLst>
-                <a:gd fmla="val 50000" name="adj"/>
+                <a:gd name="adj" fmla="val 50000"/>
               </a:avLst>
             </a:prstGeom>
             <a:solidFill>
@@ -1997,12 +2058,12 @@
             </a:ln>
           </p:spPr>
           <p:txBody>
-            <a:bodyPr anchorCtr="0" anchor="ctr" bIns="91425" lIns="91425" spcFirstLastPara="1" rIns="91425" wrap="square" tIns="91425">
+            <a:bodyPr spcFirstLastPara="1" wrap="square" lIns="91425" tIns="91425" rIns="91425" bIns="91425" anchor="ctr" anchorCtr="0">
               <a:noAutofit/>
             </a:bodyPr>
             <a:lstStyle/>
             <a:p>
-              <a:pPr indent="0" lvl="0" marL="0" rtl="0" algn="l">
+              <a:pPr marL="0" lvl="0" indent="0" algn="l" rtl="0">
                 <a:spcBef>
                   <a:spcPts val="0"/>
                 </a:spcBef>
@@ -2011,9 +2072,6 @@
                 </a:spcAft>
                 <a:buNone/>
               </a:pPr>
-              <a:r>
-                <a:t/>
-              </a:r>
               <a:endParaRPr/>
             </a:p>
           </p:txBody>
@@ -2031,7 +2089,7 @@
             </a:xfrm>
             <a:prstGeom prst="diagStripe">
               <a:avLst>
-                <a:gd fmla="val 50000" name="adj"/>
+                <a:gd name="adj" fmla="val 50000"/>
               </a:avLst>
             </a:prstGeom>
             <a:solidFill>
@@ -2042,12 +2100,12 @@
             </a:ln>
           </p:spPr>
           <p:txBody>
-            <a:bodyPr anchorCtr="0" anchor="ctr" bIns="91425" lIns="91425" spcFirstLastPara="1" rIns="91425" wrap="square" tIns="91425">
+            <a:bodyPr spcFirstLastPara="1" wrap="square" lIns="91425" tIns="91425" rIns="91425" bIns="91425" anchor="ctr" anchorCtr="0">
               <a:noAutofit/>
             </a:bodyPr>
             <a:lstStyle/>
             <a:p>
-              <a:pPr indent="0" lvl="0" marL="0" rtl="0" algn="l">
+              <a:pPr marL="0" lvl="0" indent="0" algn="l" rtl="0">
                 <a:spcBef>
                   <a:spcPts val="0"/>
                 </a:spcBef>
@@ -2056,9 +2114,6 @@
                 </a:spcAft>
                 <a:buNone/>
               </a:pPr>
-              <a:r>
-                <a:t/>
-              </a:r>
               <a:endParaRPr/>
             </a:p>
           </p:txBody>
@@ -2067,7 +2122,9 @@
       <p:sp>
         <p:nvSpPr>
           <p:cNvPr id="16" name="Google Shape;16;p2"/>
-          <p:cNvSpPr txBox="1"/>
+          <p:cNvSpPr txBox="1">
+            <a:spLocks noGrp="1"/>
+          </p:cNvSpPr>
           <p:nvPr>
             <p:ph type="ctrTitle"/>
           </p:nvPr>
@@ -2082,7 +2139,7 @@
           </a:prstGeom>
         </p:spPr>
         <p:txBody>
-          <a:bodyPr anchorCtr="0" anchor="t" bIns="91425" lIns="91425" spcFirstLastPara="1" rIns="91425" wrap="square" tIns="91425">
+          <a:bodyPr spcFirstLastPara="1" wrap="square" lIns="91425" tIns="91425" rIns="91425" bIns="91425" anchor="t" anchorCtr="0">
             <a:normAutofit/>
           </a:bodyPr>
           <a:lstStyle>
@@ -2186,15 +2243,19 @@
               <a:defRPr sz="4000"/>
             </a:lvl9pPr>
           </a:lstStyle>
-          <a:p/>
+          <a:p>
+            <a:endParaRPr/>
+          </a:p>
         </p:txBody>
       </p:sp>
       <p:sp>
         <p:nvSpPr>
           <p:cNvPr id="17" name="Google Shape;17;p2"/>
-          <p:cNvSpPr txBox="1"/>
+          <p:cNvSpPr txBox="1">
+            <a:spLocks noGrp="1"/>
+          </p:cNvSpPr>
           <p:nvPr>
-            <p:ph idx="1" type="subTitle"/>
+            <p:ph type="subTitle" idx="1"/>
           </p:nvPr>
         </p:nvSpPr>
         <p:spPr>
@@ -2207,7 +2268,7 @@
           </a:prstGeom>
         </p:spPr>
         <p:txBody>
-          <a:bodyPr anchorCtr="0" anchor="t" bIns="91425" lIns="91425" spcFirstLastPara="1" rIns="91425" wrap="square" tIns="91425">
+          <a:bodyPr spcFirstLastPara="1" wrap="square" lIns="91425" tIns="91425" rIns="91425" bIns="91425" anchor="t" anchorCtr="0">
             <a:normAutofit/>
           </a:bodyPr>
           <a:lstStyle>
@@ -2338,15 +2399,19 @@
               <a:defRPr sz="1300"/>
             </a:lvl9pPr>
           </a:lstStyle>
-          <a:p/>
+          <a:p>
+            <a:endParaRPr/>
+          </a:p>
         </p:txBody>
       </p:sp>
       <p:sp>
         <p:nvSpPr>
           <p:cNvPr id="18" name="Google Shape;18;p2"/>
-          <p:cNvSpPr txBox="1"/>
+          <p:cNvSpPr txBox="1">
+            <a:spLocks noGrp="1"/>
+          </p:cNvSpPr>
           <p:nvPr>
-            <p:ph idx="12" type="sldNum"/>
+            <p:ph type="sldNum" idx="12"/>
           </p:nvPr>
         </p:nvSpPr>
         <p:spPr>
@@ -2359,7 +2424,7 @@
           </a:prstGeom>
         </p:spPr>
         <p:txBody>
-          <a:bodyPr anchorCtr="0" anchor="ctr" bIns="91425" lIns="91425" spcFirstLastPara="1" rIns="91425" wrap="square" tIns="91425">
+          <a:bodyPr spcFirstLastPara="1" wrap="square" lIns="91425" tIns="91425" rIns="91425" bIns="91425" anchor="ctr" anchorCtr="0">
             <a:normAutofit/>
           </a:bodyPr>
           <a:lstStyle>
@@ -2401,7 +2466,7 @@
             </a:lvl9pPr>
           </a:lstStyle>
           <a:p>
-            <a:pPr indent="0" lvl="0" marL="0" rtl="0" algn="r">
+            <a:pPr marL="0" lvl="0" indent="0" algn="r" rtl="0">
               <a:spcBef>
                 <a:spcPts val="0"/>
               </a:spcBef>
@@ -2427,11 +2492,11 @@
 </file>
 
 <file path=ppt/slideLayouts/slideLayout10.xml><?xml version="1.0" encoding="utf-8"?>
-<p:sldLayout xmlns:a="http://schemas.openxmlformats.org/drawingml/2006/main" xmlns:r="http://schemas.openxmlformats.org/officeDocument/2006/relationships" xmlns:mc="http://schemas.openxmlformats.org/markup-compatibility/2006" xmlns:mv="urn:schemas-microsoft-com:mac:vml" xmlns:p="http://schemas.openxmlformats.org/presentationml/2006/main" xmlns:c="http://schemas.openxmlformats.org/drawingml/2006/chart" xmlns:dgm="http://schemas.openxmlformats.org/drawingml/2006/diagram" xmlns:o="urn:schemas-microsoft-com:office:office" xmlns:v="urn:schemas-microsoft-com:vml" xmlns:pvml="urn:schemas-microsoft-com:office:powerpoint" xmlns:com="http://schemas.openxmlformats.org/drawingml/2006/compatibility" xmlns:p14="http://schemas.microsoft.com/office/powerpoint/2010/main" xmlns:p15="http://schemas.microsoft.com/office/powerpoint/2012/main" xmlns:ahyp="http://schemas.microsoft.com/office/drawing/2018/hyperlinkcolor" matchingName="Big number">
+<p:sldLayout xmlns:a="http://schemas.openxmlformats.org/drawingml/2006/main" xmlns:r="http://schemas.openxmlformats.org/officeDocument/2006/relationships" xmlns:p="http://schemas.openxmlformats.org/presentationml/2006/main" matchingName="Big number">
   <p:cSld name="BIG_NUMBER">
     <p:spTree>
       <p:nvGrpSpPr>
-        <p:cNvPr id="105" name="Shape 105"/>
+        <p:cNvPr id="1" name="Shape 105"/>
         <p:cNvGrpSpPr/>
         <p:nvPr/>
       </p:nvGrpSpPr>
@@ -2470,7 +2535,7 @@
             </a:xfrm>
             <a:prstGeom prst="diagStripe">
               <a:avLst>
-                <a:gd fmla="val 49469" name="adj"/>
+                <a:gd name="adj" fmla="val 49469"/>
               </a:avLst>
             </a:prstGeom>
             <a:solidFill>
@@ -2483,12 +2548,12 @@
             </a:ln>
           </p:spPr>
           <p:txBody>
-            <a:bodyPr anchorCtr="0" anchor="ctr" bIns="91425" lIns="91425" spcFirstLastPara="1" rIns="91425" wrap="square" tIns="91425">
+            <a:bodyPr spcFirstLastPara="1" wrap="square" lIns="91425" tIns="91425" rIns="91425" bIns="91425" anchor="ctr" anchorCtr="0">
               <a:noAutofit/>
             </a:bodyPr>
             <a:lstStyle/>
             <a:p>
-              <a:pPr indent="0" lvl="0" marL="0" rtl="0" algn="l">
+              <a:pPr marL="0" lvl="0" indent="0" algn="l" rtl="0">
                 <a:spcBef>
                   <a:spcPts val="0"/>
                 </a:spcBef>
@@ -2497,9 +2562,6 @@
                 </a:spcAft>
                 <a:buNone/>
               </a:pPr>
-              <a:r>
-                <a:t/>
-              </a:r>
               <a:endParaRPr/>
             </a:p>
           </p:txBody>
@@ -2517,7 +2579,7 @@
             </a:xfrm>
             <a:prstGeom prst="diagStripe">
               <a:avLst>
-                <a:gd fmla="val 0" name="adj"/>
+                <a:gd name="adj" fmla="val 0"/>
               </a:avLst>
             </a:prstGeom>
             <a:solidFill>
@@ -2530,12 +2592,12 @@
             </a:ln>
           </p:spPr>
           <p:txBody>
-            <a:bodyPr anchorCtr="0" anchor="ctr" bIns="91425" lIns="91425" spcFirstLastPara="1" rIns="91425" wrap="square" tIns="91425">
+            <a:bodyPr spcFirstLastPara="1" wrap="square" lIns="91425" tIns="91425" rIns="91425" bIns="91425" anchor="ctr" anchorCtr="0">
               <a:noAutofit/>
             </a:bodyPr>
             <a:lstStyle/>
             <a:p>
-              <a:pPr indent="0" lvl="0" marL="0" rtl="0" algn="l">
+              <a:pPr marL="0" lvl="0" indent="0" algn="l" rtl="0">
                 <a:spcBef>
                   <a:spcPts val="0"/>
                 </a:spcBef>
@@ -2544,9 +2606,6 @@
                 </a:spcAft>
                 <a:buNone/>
               </a:pPr>
-              <a:r>
-                <a:t/>
-              </a:r>
               <a:endParaRPr/>
             </a:p>
           </p:txBody>
@@ -2564,7 +2623,7 @@
             </a:xfrm>
             <a:prstGeom prst="diagStripe">
               <a:avLst>
-                <a:gd fmla="val 50000" name="adj"/>
+                <a:gd name="adj" fmla="val 50000"/>
               </a:avLst>
             </a:prstGeom>
             <a:solidFill>
@@ -2577,12 +2636,12 @@
             </a:ln>
           </p:spPr>
           <p:txBody>
-            <a:bodyPr anchorCtr="0" anchor="ctr" bIns="91425" lIns="91425" spcFirstLastPara="1" rIns="91425" wrap="square" tIns="91425">
+            <a:bodyPr spcFirstLastPara="1" wrap="square" lIns="91425" tIns="91425" rIns="91425" bIns="91425" anchor="ctr" anchorCtr="0">
               <a:noAutofit/>
             </a:bodyPr>
             <a:lstStyle/>
             <a:p>
-              <a:pPr indent="0" lvl="0" marL="0" rtl="0" algn="l">
+              <a:pPr marL="0" lvl="0" indent="0" algn="l" rtl="0">
                 <a:spcBef>
                   <a:spcPts val="0"/>
                 </a:spcBef>
@@ -2591,9 +2650,6 @@
                 </a:spcAft>
                 <a:buNone/>
               </a:pPr>
-              <a:r>
-                <a:t/>
-              </a:r>
               <a:endParaRPr/>
             </a:p>
           </p:txBody>
@@ -2611,7 +2667,7 @@
             </a:xfrm>
             <a:prstGeom prst="diagStripe">
               <a:avLst>
-                <a:gd fmla="val 50000" name="adj"/>
+                <a:gd name="adj" fmla="val 50000"/>
               </a:avLst>
             </a:prstGeom>
             <a:solidFill>
@@ -2624,12 +2680,12 @@
             </a:ln>
           </p:spPr>
           <p:txBody>
-            <a:bodyPr anchorCtr="0" anchor="ctr" bIns="91425" lIns="91425" spcFirstLastPara="1" rIns="91425" wrap="square" tIns="91425">
+            <a:bodyPr spcFirstLastPara="1" wrap="square" lIns="91425" tIns="91425" rIns="91425" bIns="91425" anchor="ctr" anchorCtr="0">
               <a:noAutofit/>
             </a:bodyPr>
             <a:lstStyle/>
             <a:p>
-              <a:pPr indent="0" lvl="0" marL="0" rtl="0" algn="l">
+              <a:pPr marL="0" lvl="0" indent="0" algn="l" rtl="0">
                 <a:spcBef>
                   <a:spcPts val="0"/>
                 </a:spcBef>
@@ -2638,9 +2694,6 @@
                 </a:spcAft>
                 <a:buNone/>
               </a:pPr>
-              <a:r>
-                <a:t/>
-              </a:r>
               <a:endParaRPr/>
             </a:p>
           </p:txBody>
@@ -2658,7 +2711,7 @@
             </a:xfrm>
             <a:prstGeom prst="diagStripe">
               <a:avLst>
-                <a:gd fmla="val 50000" name="adj"/>
+                <a:gd name="adj" fmla="val 50000"/>
               </a:avLst>
             </a:prstGeom>
             <a:solidFill>
@@ -2671,12 +2724,12 @@
             </a:ln>
           </p:spPr>
           <p:txBody>
-            <a:bodyPr anchorCtr="0" anchor="ctr" bIns="91425" lIns="91425" spcFirstLastPara="1" rIns="91425" wrap="square" tIns="91425">
+            <a:bodyPr spcFirstLastPara="1" wrap="square" lIns="91425" tIns="91425" rIns="91425" bIns="91425" anchor="ctr" anchorCtr="0">
               <a:noAutofit/>
             </a:bodyPr>
             <a:lstStyle/>
             <a:p>
-              <a:pPr indent="0" lvl="0" marL="0" rtl="0" algn="l">
+              <a:pPr marL="0" lvl="0" indent="0" algn="l" rtl="0">
                 <a:spcBef>
                   <a:spcPts val="0"/>
                 </a:spcBef>
@@ -2685,9 +2738,6 @@
                 </a:spcAft>
                 <a:buNone/>
               </a:pPr>
-              <a:r>
-                <a:t/>
-              </a:r>
               <a:endParaRPr/>
             </a:p>
           </p:txBody>
@@ -2705,7 +2755,7 @@
             </a:xfrm>
             <a:prstGeom prst="diagStripe">
               <a:avLst>
-                <a:gd fmla="val 50000" name="adj"/>
+                <a:gd name="adj" fmla="val 50000"/>
               </a:avLst>
             </a:prstGeom>
             <a:solidFill>
@@ -2718,12 +2768,12 @@
             </a:ln>
           </p:spPr>
           <p:txBody>
-            <a:bodyPr anchorCtr="0" anchor="ctr" bIns="91425" lIns="91425" spcFirstLastPara="1" rIns="91425" wrap="square" tIns="91425">
+            <a:bodyPr spcFirstLastPara="1" wrap="square" lIns="91425" tIns="91425" rIns="91425" bIns="91425" anchor="ctr" anchorCtr="0">
               <a:noAutofit/>
             </a:bodyPr>
             <a:lstStyle/>
             <a:p>
-              <a:pPr indent="0" lvl="0" marL="0" rtl="0" algn="l">
+              <a:pPr marL="0" lvl="0" indent="0" algn="l" rtl="0">
                 <a:spcBef>
                   <a:spcPts val="0"/>
                 </a:spcBef>
@@ -2732,9 +2782,6 @@
                 </a:spcAft>
                 <a:buNone/>
               </a:pPr>
-              <a:r>
-                <a:t/>
-              </a:r>
               <a:endParaRPr/>
             </a:p>
           </p:txBody>
@@ -2752,7 +2799,7 @@
             </a:xfrm>
             <a:prstGeom prst="diagStripe">
               <a:avLst>
-                <a:gd fmla="val 50000" name="adj"/>
+                <a:gd name="adj" fmla="val 50000"/>
               </a:avLst>
             </a:prstGeom>
             <a:solidFill>
@@ -2765,12 +2812,12 @@
             </a:ln>
           </p:spPr>
           <p:txBody>
-            <a:bodyPr anchorCtr="0" anchor="ctr" bIns="91425" lIns="91425" spcFirstLastPara="1" rIns="91425" wrap="square" tIns="91425">
+            <a:bodyPr spcFirstLastPara="1" wrap="square" lIns="91425" tIns="91425" rIns="91425" bIns="91425" anchor="ctr" anchorCtr="0">
               <a:noAutofit/>
             </a:bodyPr>
             <a:lstStyle/>
             <a:p>
-              <a:pPr indent="0" lvl="0" marL="0" rtl="0" algn="l">
+              <a:pPr marL="0" lvl="0" indent="0" algn="l" rtl="0">
                 <a:spcBef>
                   <a:spcPts val="0"/>
                 </a:spcBef>
@@ -2779,9 +2826,6 @@
                 </a:spcAft>
                 <a:buNone/>
               </a:pPr>
-              <a:r>
-                <a:t/>
-              </a:r>
               <a:endParaRPr/>
             </a:p>
           </p:txBody>
@@ -2799,7 +2843,7 @@
             </a:xfrm>
             <a:prstGeom prst="diagStripe">
               <a:avLst>
-                <a:gd fmla="val 50000" name="adj"/>
+                <a:gd name="adj" fmla="val 50000"/>
               </a:avLst>
             </a:prstGeom>
             <a:solidFill>
@@ -2810,12 +2854,12 @@
             </a:ln>
           </p:spPr>
           <p:txBody>
-            <a:bodyPr anchorCtr="0" anchor="ctr" bIns="91425" lIns="91425" spcFirstLastPara="1" rIns="91425" wrap="square" tIns="91425">
+            <a:bodyPr spcFirstLastPara="1" wrap="square" lIns="91425" tIns="91425" rIns="91425" bIns="91425" anchor="ctr" anchorCtr="0">
               <a:noAutofit/>
             </a:bodyPr>
             <a:lstStyle/>
             <a:p>
-              <a:pPr indent="0" lvl="0" marL="0" rtl="0" algn="l">
+              <a:pPr marL="0" lvl="0" indent="0" algn="l" rtl="0">
                 <a:spcBef>
                   <a:spcPts val="0"/>
                 </a:spcBef>
@@ -2824,9 +2868,6 @@
                 </a:spcAft>
                 <a:buNone/>
               </a:pPr>
-              <a:r>
-                <a:t/>
-              </a:r>
               <a:endParaRPr/>
             </a:p>
           </p:txBody>
@@ -2844,7 +2885,7 @@
             </a:xfrm>
             <a:prstGeom prst="diagStripe">
               <a:avLst>
-                <a:gd fmla="val 50000" name="adj"/>
+                <a:gd name="adj" fmla="val 50000"/>
               </a:avLst>
             </a:prstGeom>
             <a:solidFill>
@@ -2857,12 +2898,12 @@
             </a:ln>
           </p:spPr>
           <p:txBody>
-            <a:bodyPr anchorCtr="0" anchor="ctr" bIns="91425" lIns="91425" spcFirstLastPara="1" rIns="91425" wrap="square" tIns="91425">
+            <a:bodyPr spcFirstLastPara="1" wrap="square" lIns="91425" tIns="91425" rIns="91425" bIns="91425" anchor="ctr" anchorCtr="0">
               <a:noAutofit/>
             </a:bodyPr>
             <a:lstStyle/>
             <a:p>
-              <a:pPr indent="0" lvl="0" marL="0" rtl="0" algn="l">
+              <a:pPr marL="0" lvl="0" indent="0" algn="l" rtl="0">
                 <a:spcBef>
                   <a:spcPts val="0"/>
                 </a:spcBef>
@@ -2871,9 +2912,6 @@
                 </a:spcAft>
                 <a:buNone/>
               </a:pPr>
-              <a:r>
-                <a:t/>
-              </a:r>
               <a:endParaRPr/>
             </a:p>
           </p:txBody>
@@ -2891,7 +2929,7 @@
             </a:xfrm>
             <a:prstGeom prst="diagStripe">
               <a:avLst>
-                <a:gd fmla="val 50000" name="adj"/>
+                <a:gd name="adj" fmla="val 50000"/>
               </a:avLst>
             </a:prstGeom>
             <a:solidFill>
@@ -2904,12 +2942,12 @@
             </a:ln>
           </p:spPr>
           <p:txBody>
-            <a:bodyPr anchorCtr="0" anchor="ctr" bIns="91425" lIns="91425" spcFirstLastPara="1" rIns="91425" wrap="square" tIns="91425">
+            <a:bodyPr spcFirstLastPara="1" wrap="square" lIns="91425" tIns="91425" rIns="91425" bIns="91425" anchor="ctr" anchorCtr="0">
               <a:noAutofit/>
             </a:bodyPr>
             <a:lstStyle/>
             <a:p>
-              <a:pPr indent="0" lvl="0" marL="0" rtl="0" algn="l">
+              <a:pPr marL="0" lvl="0" indent="0" algn="l" rtl="0">
                 <a:spcBef>
                   <a:spcPts val="0"/>
                 </a:spcBef>
@@ -2918,9 +2956,6 @@
                 </a:spcAft>
                 <a:buNone/>
               </a:pPr>
-              <a:r>
-                <a:t/>
-              </a:r>
               <a:endParaRPr/>
             </a:p>
           </p:txBody>
@@ -2938,7 +2973,7 @@
             </a:xfrm>
             <a:prstGeom prst="diagStripe">
               <a:avLst>
-                <a:gd fmla="val 50000" name="adj"/>
+                <a:gd name="adj" fmla="val 50000"/>
               </a:avLst>
             </a:prstGeom>
             <a:solidFill>
@@ -2951,12 +2986,12 @@
             </a:ln>
           </p:spPr>
           <p:txBody>
-            <a:bodyPr anchorCtr="0" anchor="ctr" bIns="91425" lIns="91425" spcFirstLastPara="1" rIns="91425" wrap="square" tIns="91425">
+            <a:bodyPr spcFirstLastPara="1" wrap="square" lIns="91425" tIns="91425" rIns="91425" bIns="91425" anchor="ctr" anchorCtr="0">
               <a:noAutofit/>
             </a:bodyPr>
             <a:lstStyle/>
             <a:p>
-              <a:pPr indent="0" lvl="0" marL="0" rtl="0" algn="l">
+              <a:pPr marL="0" lvl="0" indent="0" algn="l" rtl="0">
                 <a:spcBef>
                   <a:spcPts val="0"/>
                 </a:spcBef>
@@ -2965,9 +3000,6 @@
                 </a:spcAft>
                 <a:buNone/>
               </a:pPr>
-              <a:r>
-                <a:t/>
-              </a:r>
               <a:endParaRPr/>
             </a:p>
           </p:txBody>
@@ -2985,7 +3017,7 @@
             </a:xfrm>
             <a:prstGeom prst="diagStripe">
               <a:avLst>
-                <a:gd fmla="val 50000" name="adj"/>
+                <a:gd name="adj" fmla="val 50000"/>
               </a:avLst>
             </a:prstGeom>
             <a:solidFill>
@@ -2998,12 +3030,12 @@
             </a:ln>
           </p:spPr>
           <p:txBody>
-            <a:bodyPr anchorCtr="0" anchor="ctr" bIns="91425" lIns="91425" spcFirstLastPara="1" rIns="91425" wrap="square" tIns="91425">
+            <a:bodyPr spcFirstLastPara="1" wrap="square" lIns="91425" tIns="91425" rIns="91425" bIns="91425" anchor="ctr" anchorCtr="0">
               <a:noAutofit/>
             </a:bodyPr>
             <a:lstStyle/>
             <a:p>
-              <a:pPr indent="0" lvl="0" marL="0" rtl="0" algn="l">
+              <a:pPr marL="0" lvl="0" indent="0" algn="l" rtl="0">
                 <a:spcBef>
                   <a:spcPts val="0"/>
                 </a:spcBef>
@@ -3012,9 +3044,6 @@
                 </a:spcAft>
                 <a:buNone/>
               </a:pPr>
-              <a:r>
-                <a:t/>
-              </a:r>
               <a:endParaRPr/>
             </a:p>
           </p:txBody>
@@ -3032,7 +3061,7 @@
             </a:xfrm>
             <a:prstGeom prst="diagStripe">
               <a:avLst>
-                <a:gd fmla="val 50000" name="adj"/>
+                <a:gd name="adj" fmla="val 50000"/>
               </a:avLst>
             </a:prstGeom>
             <a:solidFill>
@@ -3045,12 +3074,12 @@
             </a:ln>
           </p:spPr>
           <p:txBody>
-            <a:bodyPr anchorCtr="0" anchor="ctr" bIns="91425" lIns="91425" spcFirstLastPara="1" rIns="91425" wrap="square" tIns="91425">
+            <a:bodyPr spcFirstLastPara="1" wrap="square" lIns="91425" tIns="91425" rIns="91425" bIns="91425" anchor="ctr" anchorCtr="0">
               <a:noAutofit/>
             </a:bodyPr>
             <a:lstStyle/>
             <a:p>
-              <a:pPr indent="0" lvl="0" marL="0" rtl="0" algn="l">
+              <a:pPr marL="0" lvl="0" indent="0" algn="l" rtl="0">
                 <a:spcBef>
                   <a:spcPts val="0"/>
                 </a:spcBef>
@@ -3059,9 +3088,6 @@
                 </a:spcAft>
                 <a:buNone/>
               </a:pPr>
-              <a:r>
-                <a:t/>
-              </a:r>
               <a:endParaRPr/>
             </a:p>
           </p:txBody>
@@ -3079,7 +3105,7 @@
             </a:xfrm>
             <a:prstGeom prst="diagStripe">
               <a:avLst>
-                <a:gd fmla="val 50000" name="adj"/>
+                <a:gd name="adj" fmla="val 50000"/>
               </a:avLst>
             </a:prstGeom>
             <a:solidFill>
@@ -3090,12 +3116,12 @@
             </a:ln>
           </p:spPr>
           <p:txBody>
-            <a:bodyPr anchorCtr="0" anchor="ctr" bIns="91425" lIns="91425" spcFirstLastPara="1" rIns="91425" wrap="square" tIns="91425">
+            <a:bodyPr spcFirstLastPara="1" wrap="square" lIns="91425" tIns="91425" rIns="91425" bIns="91425" anchor="ctr" anchorCtr="0">
               <a:noAutofit/>
             </a:bodyPr>
             <a:lstStyle/>
             <a:p>
-              <a:pPr indent="0" lvl="0" marL="0" rtl="0" algn="l">
+              <a:pPr marL="0" lvl="0" indent="0" algn="l" rtl="0">
                 <a:spcBef>
                   <a:spcPts val="0"/>
                 </a:spcBef>
@@ -3104,9 +3130,6 @@
                 </a:spcAft>
                 <a:buNone/>
               </a:pPr>
-              <a:r>
-                <a:t/>
-              </a:r>
               <a:endParaRPr/>
             </a:p>
           </p:txBody>
@@ -3124,7 +3147,7 @@
             </a:xfrm>
             <a:prstGeom prst="diagStripe">
               <a:avLst>
-                <a:gd fmla="val 50000" name="adj"/>
+                <a:gd name="adj" fmla="val 50000"/>
               </a:avLst>
             </a:prstGeom>
             <a:solidFill>
@@ -3137,12 +3160,12 @@
             </a:ln>
           </p:spPr>
           <p:txBody>
-            <a:bodyPr anchorCtr="0" anchor="ctr" bIns="91425" lIns="91425" spcFirstLastPara="1" rIns="91425" wrap="square" tIns="91425">
+            <a:bodyPr spcFirstLastPara="1" wrap="square" lIns="91425" tIns="91425" rIns="91425" bIns="91425" anchor="ctr" anchorCtr="0">
               <a:noAutofit/>
             </a:bodyPr>
             <a:lstStyle/>
             <a:p>
-              <a:pPr indent="0" lvl="0" marL="0" rtl="0" algn="l">
+              <a:pPr marL="0" lvl="0" indent="0" algn="l" rtl="0">
                 <a:spcBef>
                   <a:spcPts val="0"/>
                 </a:spcBef>
@@ -3151,9 +3174,6 @@
                 </a:spcAft>
                 <a:buNone/>
               </a:pPr>
-              <a:r>
-                <a:t/>
-              </a:r>
               <a:endParaRPr/>
             </a:p>
           </p:txBody>
@@ -3171,7 +3191,7 @@
             </a:xfrm>
             <a:prstGeom prst="diagStripe">
               <a:avLst>
-                <a:gd fmla="val 50000" name="adj"/>
+                <a:gd name="adj" fmla="val 50000"/>
               </a:avLst>
             </a:prstGeom>
             <a:solidFill>
@@ -3184,12 +3204,12 @@
             </a:ln>
           </p:spPr>
           <p:txBody>
-            <a:bodyPr anchorCtr="0" anchor="ctr" bIns="91425" lIns="91425" spcFirstLastPara="1" rIns="91425" wrap="square" tIns="91425">
+            <a:bodyPr spcFirstLastPara="1" wrap="square" lIns="91425" tIns="91425" rIns="91425" bIns="91425" anchor="ctr" anchorCtr="0">
               <a:noAutofit/>
             </a:bodyPr>
             <a:lstStyle/>
             <a:p>
-              <a:pPr indent="0" lvl="0" marL="0" rtl="0" algn="l">
+              <a:pPr marL="0" lvl="0" indent="0" algn="l" rtl="0">
                 <a:spcBef>
                   <a:spcPts val="0"/>
                 </a:spcBef>
@@ -3198,9 +3218,6 @@
                 </a:spcAft>
                 <a:buNone/>
               </a:pPr>
-              <a:r>
-                <a:t/>
-              </a:r>
               <a:endParaRPr/>
             </a:p>
           </p:txBody>
@@ -3218,7 +3235,7 @@
             </a:xfrm>
             <a:prstGeom prst="diagStripe">
               <a:avLst>
-                <a:gd fmla="val 50000" name="adj"/>
+                <a:gd name="adj" fmla="val 50000"/>
               </a:avLst>
             </a:prstGeom>
             <a:solidFill>
@@ -3231,12 +3248,12 @@
             </a:ln>
           </p:spPr>
           <p:txBody>
-            <a:bodyPr anchorCtr="0" anchor="ctr" bIns="91425" lIns="91425" spcFirstLastPara="1" rIns="91425" wrap="square" tIns="91425">
+            <a:bodyPr spcFirstLastPara="1" wrap="square" lIns="91425" tIns="91425" rIns="91425" bIns="91425" anchor="ctr" anchorCtr="0">
               <a:noAutofit/>
             </a:bodyPr>
             <a:lstStyle/>
             <a:p>
-              <a:pPr indent="0" lvl="0" marL="0" rtl="0" algn="l">
+              <a:pPr marL="0" lvl="0" indent="0" algn="l" rtl="0">
                 <a:spcBef>
                   <a:spcPts val="0"/>
                 </a:spcBef>
@@ -3245,9 +3262,6 @@
                 </a:spcAft>
                 <a:buNone/>
               </a:pPr>
-              <a:r>
-                <a:t/>
-              </a:r>
               <a:endParaRPr/>
             </a:p>
           </p:txBody>
@@ -3265,7 +3279,7 @@
             </a:xfrm>
             <a:prstGeom prst="diagStripe">
               <a:avLst>
-                <a:gd fmla="val 50000" name="adj"/>
+                <a:gd name="adj" fmla="val 50000"/>
               </a:avLst>
             </a:prstGeom>
             <a:solidFill>
@@ -3278,12 +3292,12 @@
             </a:ln>
           </p:spPr>
           <p:txBody>
-            <a:bodyPr anchorCtr="0" anchor="ctr" bIns="91425" lIns="91425" spcFirstLastPara="1" rIns="91425" wrap="square" tIns="91425">
+            <a:bodyPr spcFirstLastPara="1" wrap="square" lIns="91425" tIns="91425" rIns="91425" bIns="91425" anchor="ctr" anchorCtr="0">
               <a:noAutofit/>
             </a:bodyPr>
             <a:lstStyle/>
             <a:p>
-              <a:pPr indent="0" lvl="0" marL="0" rtl="0" algn="l">
+              <a:pPr marL="0" lvl="0" indent="0" algn="l" rtl="0">
                 <a:spcBef>
                   <a:spcPts val="0"/>
                 </a:spcBef>
@@ -3292,9 +3306,6 @@
                 </a:spcAft>
                 <a:buNone/>
               </a:pPr>
-              <a:r>
-                <a:t/>
-              </a:r>
               <a:endParaRPr/>
             </a:p>
           </p:txBody>
@@ -3303,9 +3314,11 @@
       <p:sp>
         <p:nvSpPr>
           <p:cNvPr id="125" name="Google Shape;125;p11"/>
-          <p:cNvSpPr txBox="1"/>
+          <p:cNvSpPr txBox="1">
+            <a:spLocks noGrp="1"/>
+          </p:cNvSpPr>
           <p:nvPr>
-            <p:ph hasCustomPrompt="1" type="title"/>
+            <p:ph type="title" hasCustomPrompt="1"/>
           </p:nvPr>
         </p:nvSpPr>
         <p:spPr>
@@ -3318,7 +3331,7 @@
           </a:prstGeom>
         </p:spPr>
         <p:txBody>
-          <a:bodyPr anchorCtr="0" anchor="t" bIns="91425" lIns="91425" spcFirstLastPara="1" rIns="91425" wrap="square" tIns="91425">
+          <a:bodyPr spcFirstLastPara="1" wrap="square" lIns="91425" tIns="91425" rIns="91425" bIns="91425" anchor="t" anchorCtr="0">
             <a:normAutofit/>
           </a:bodyPr>
           <a:lstStyle>
@@ -3432,9 +3445,11 @@
       <p:sp>
         <p:nvSpPr>
           <p:cNvPr id="126" name="Google Shape;126;p11"/>
-          <p:cNvSpPr txBox="1"/>
+          <p:cNvSpPr txBox="1">
+            <a:spLocks noGrp="1"/>
+          </p:cNvSpPr>
           <p:nvPr>
-            <p:ph idx="1" type="body"/>
+            <p:ph type="body" idx="1"/>
           </p:nvPr>
         </p:nvSpPr>
         <p:spPr>
@@ -3447,11 +3462,11 @@
           </a:prstGeom>
         </p:spPr>
         <p:txBody>
-          <a:bodyPr anchorCtr="0" anchor="t" bIns="91425" lIns="91425" spcFirstLastPara="1" rIns="91425" wrap="square" tIns="91425">
+          <a:bodyPr spcFirstLastPara="1" wrap="square" lIns="91425" tIns="91425" rIns="91425" bIns="91425" anchor="t" anchorCtr="0">
             <a:normAutofit/>
           </a:bodyPr>
           <a:lstStyle>
-            <a:lvl1pPr indent="-311150" lvl="0" marL="457200">
+            <a:lvl1pPr marL="457200" lvl="0" indent="-311150">
               <a:spcBef>
                 <a:spcPts val="0"/>
               </a:spcBef>
@@ -3462,7 +3477,7 @@
               <a:buChar char="●"/>
               <a:defRPr/>
             </a:lvl1pPr>
-            <a:lvl2pPr indent="-298450" lvl="1" marL="914400">
+            <a:lvl2pPr marL="914400" lvl="1" indent="-298450">
               <a:spcBef>
                 <a:spcPts val="0"/>
               </a:spcBef>
@@ -3473,7 +3488,7 @@
               <a:buChar char="○"/>
               <a:defRPr/>
             </a:lvl2pPr>
-            <a:lvl3pPr indent="-298450" lvl="2" marL="1371600">
+            <a:lvl3pPr marL="1371600" lvl="2" indent="-298450">
               <a:spcBef>
                 <a:spcPts val="0"/>
               </a:spcBef>
@@ -3484,7 +3499,7 @@
               <a:buChar char="■"/>
               <a:defRPr/>
             </a:lvl3pPr>
-            <a:lvl4pPr indent="-298450" lvl="3" marL="1828800">
+            <a:lvl4pPr marL="1828800" lvl="3" indent="-298450">
               <a:spcBef>
                 <a:spcPts val="0"/>
               </a:spcBef>
@@ -3495,7 +3510,7 @@
               <a:buChar char="●"/>
               <a:defRPr/>
             </a:lvl4pPr>
-            <a:lvl5pPr indent="-298450" lvl="4" marL="2286000">
+            <a:lvl5pPr marL="2286000" lvl="4" indent="-298450">
               <a:spcBef>
                 <a:spcPts val="0"/>
               </a:spcBef>
@@ -3506,7 +3521,7 @@
               <a:buChar char="○"/>
               <a:defRPr/>
             </a:lvl5pPr>
-            <a:lvl6pPr indent="-298450" lvl="5" marL="2743200">
+            <a:lvl6pPr marL="2743200" lvl="5" indent="-298450">
               <a:spcBef>
                 <a:spcPts val="0"/>
               </a:spcBef>
@@ -3517,7 +3532,7 @@
               <a:buChar char="■"/>
               <a:defRPr/>
             </a:lvl6pPr>
-            <a:lvl7pPr indent="-298450" lvl="6" marL="3200400">
+            <a:lvl7pPr marL="3200400" lvl="6" indent="-298450">
               <a:spcBef>
                 <a:spcPts val="0"/>
               </a:spcBef>
@@ -3528,7 +3543,7 @@
               <a:buChar char="●"/>
               <a:defRPr/>
             </a:lvl7pPr>
-            <a:lvl8pPr indent="-298450" lvl="7" marL="3657600">
+            <a:lvl8pPr marL="3657600" lvl="7" indent="-298450">
               <a:spcBef>
                 <a:spcPts val="0"/>
               </a:spcBef>
@@ -3539,7 +3554,7 @@
               <a:buChar char="○"/>
               <a:defRPr/>
             </a:lvl8pPr>
-            <a:lvl9pPr indent="-298450" lvl="8" marL="4114800">
+            <a:lvl9pPr marL="4114800" lvl="8" indent="-298450">
               <a:spcBef>
                 <a:spcPts val="0"/>
               </a:spcBef>
@@ -3551,15 +3566,19 @@
               <a:defRPr/>
             </a:lvl9pPr>
           </a:lstStyle>
-          <a:p/>
+          <a:p>
+            <a:endParaRPr/>
+          </a:p>
         </p:txBody>
       </p:sp>
       <p:sp>
         <p:nvSpPr>
           <p:cNvPr id="127" name="Google Shape;127;p11"/>
-          <p:cNvSpPr txBox="1"/>
+          <p:cNvSpPr txBox="1">
+            <a:spLocks noGrp="1"/>
+          </p:cNvSpPr>
           <p:nvPr>
-            <p:ph idx="12" type="sldNum"/>
+            <p:ph type="sldNum" idx="12"/>
           </p:nvPr>
         </p:nvSpPr>
         <p:spPr>
@@ -3572,7 +3591,7 @@
           </a:prstGeom>
         </p:spPr>
         <p:txBody>
-          <a:bodyPr anchorCtr="0" anchor="ctr" bIns="91425" lIns="91425" spcFirstLastPara="1" rIns="91425" wrap="square" tIns="91425">
+          <a:bodyPr spcFirstLastPara="1" wrap="square" lIns="91425" tIns="91425" rIns="91425" bIns="91425" anchor="ctr" anchorCtr="0">
             <a:normAutofit/>
           </a:bodyPr>
           <a:lstStyle>
@@ -3614,7 +3633,7 @@
             </a:lvl9pPr>
           </a:lstStyle>
           <a:p>
-            <a:pPr indent="0" lvl="0" marL="0" rtl="0" algn="r">
+            <a:pPr marL="0" lvl="0" indent="0" algn="r" rtl="0">
               <a:spcBef>
                 <a:spcPts val="0"/>
               </a:spcBef>
@@ -3640,11 +3659,11 @@
 </file>
 
 <file path=ppt/slideLayouts/slideLayout11.xml><?xml version="1.0" encoding="utf-8"?>
-<p:sldLayout xmlns:a="http://schemas.openxmlformats.org/drawingml/2006/main" xmlns:r="http://schemas.openxmlformats.org/officeDocument/2006/relationships" xmlns:mc="http://schemas.openxmlformats.org/markup-compatibility/2006" xmlns:mv="urn:schemas-microsoft-com:mac:vml" xmlns:p="http://schemas.openxmlformats.org/presentationml/2006/main" xmlns:c="http://schemas.openxmlformats.org/drawingml/2006/chart" xmlns:dgm="http://schemas.openxmlformats.org/drawingml/2006/diagram" xmlns:o="urn:schemas-microsoft-com:office:office" xmlns:v="urn:schemas-microsoft-com:vml" xmlns:pvml="urn:schemas-microsoft-com:office:powerpoint" xmlns:com="http://schemas.openxmlformats.org/drawingml/2006/compatibility" xmlns:p14="http://schemas.microsoft.com/office/powerpoint/2010/main" xmlns:p15="http://schemas.microsoft.com/office/powerpoint/2012/main" xmlns:ahyp="http://schemas.microsoft.com/office/drawing/2018/hyperlinkcolor" matchingName="Blank" type="blank">
+<p:sldLayout xmlns:a="http://schemas.openxmlformats.org/drawingml/2006/main" xmlns:r="http://schemas.openxmlformats.org/officeDocument/2006/relationships" xmlns:p="http://schemas.openxmlformats.org/presentationml/2006/main" matchingName="Blank" type="blank">
   <p:cSld name="BLANK">
     <p:spTree>
       <p:nvGrpSpPr>
-        <p:cNvPr id="128" name="Shape 128"/>
+        <p:cNvPr id="1" name="Shape 128"/>
         <p:cNvGrpSpPr/>
         <p:nvPr/>
       </p:nvGrpSpPr>
@@ -3659,9 +3678,11 @@
       <p:sp>
         <p:nvSpPr>
           <p:cNvPr id="129" name="Google Shape;129;p12"/>
-          <p:cNvSpPr txBox="1"/>
+          <p:cNvSpPr txBox="1">
+            <a:spLocks noGrp="1"/>
+          </p:cNvSpPr>
           <p:nvPr>
-            <p:ph idx="12" type="sldNum"/>
+            <p:ph type="sldNum" idx="12"/>
           </p:nvPr>
         </p:nvSpPr>
         <p:spPr>
@@ -3674,7 +3695,7 @@
           </a:prstGeom>
         </p:spPr>
         <p:txBody>
-          <a:bodyPr anchorCtr="0" anchor="ctr" bIns="91425" lIns="91425" spcFirstLastPara="1" rIns="91425" wrap="square" tIns="91425">
+          <a:bodyPr spcFirstLastPara="1" wrap="square" lIns="91425" tIns="91425" rIns="91425" bIns="91425" anchor="ctr" anchorCtr="0">
             <a:normAutofit/>
           </a:bodyPr>
           <a:lstStyle>
@@ -3716,7 +3737,7 @@
             </a:lvl9pPr>
           </a:lstStyle>
           <a:p>
-            <a:pPr indent="0" lvl="0" marL="0" rtl="0" algn="r">
+            <a:pPr marL="0" lvl="0" indent="0" algn="r" rtl="0">
               <a:spcBef>
                 <a:spcPts val="0"/>
               </a:spcBef>
@@ -3742,11 +3763,11 @@
 </file>
 
 <file path=ppt/slideLayouts/slideLayout2.xml><?xml version="1.0" encoding="utf-8"?>
-<p:sldLayout xmlns:a="http://schemas.openxmlformats.org/drawingml/2006/main" xmlns:r="http://schemas.openxmlformats.org/officeDocument/2006/relationships" xmlns:mc="http://schemas.openxmlformats.org/markup-compatibility/2006" xmlns:mv="urn:schemas-microsoft-com:mac:vml" xmlns:p="http://schemas.openxmlformats.org/presentationml/2006/main" xmlns:c="http://schemas.openxmlformats.org/drawingml/2006/chart" xmlns:dgm="http://schemas.openxmlformats.org/drawingml/2006/diagram" xmlns:o="urn:schemas-microsoft-com:office:office" xmlns:v="urn:schemas-microsoft-com:vml" xmlns:pvml="urn:schemas-microsoft-com:office:powerpoint" xmlns:com="http://schemas.openxmlformats.org/drawingml/2006/compatibility" xmlns:p14="http://schemas.microsoft.com/office/powerpoint/2010/main" xmlns:p15="http://schemas.microsoft.com/office/powerpoint/2012/main" xmlns:ahyp="http://schemas.microsoft.com/office/drawing/2018/hyperlinkcolor" matchingName="Section header" type="secHead">
+<p:sldLayout xmlns:a="http://schemas.openxmlformats.org/drawingml/2006/main" xmlns:r="http://schemas.openxmlformats.org/officeDocument/2006/relationships" xmlns:p="http://schemas.openxmlformats.org/presentationml/2006/main" matchingName="Section header" type="secHead">
   <p:cSld name="SECTION_HEADER">
     <p:spTree>
       <p:nvGrpSpPr>
-        <p:cNvPr id="19" name="Shape 19"/>
+        <p:cNvPr id="1" name="Shape 19"/>
         <p:cNvGrpSpPr/>
         <p:nvPr/>
       </p:nvGrpSpPr>
@@ -3785,7 +3806,7 @@
             </a:xfrm>
             <a:prstGeom prst="diagStripe">
               <a:avLst>
-                <a:gd fmla="val 49469" name="adj"/>
+                <a:gd name="adj" fmla="val 49469"/>
               </a:avLst>
             </a:prstGeom>
             <a:solidFill>
@@ -3798,12 +3819,12 @@
             </a:ln>
           </p:spPr>
           <p:txBody>
-            <a:bodyPr anchorCtr="0" anchor="ctr" bIns="91425" lIns="91425" spcFirstLastPara="1" rIns="91425" wrap="square" tIns="91425">
+            <a:bodyPr spcFirstLastPara="1" wrap="square" lIns="91425" tIns="91425" rIns="91425" bIns="91425" anchor="ctr" anchorCtr="0">
               <a:noAutofit/>
             </a:bodyPr>
             <a:lstStyle/>
             <a:p>
-              <a:pPr indent="0" lvl="0" marL="0" rtl="0" algn="l">
+              <a:pPr marL="0" lvl="0" indent="0" algn="l" rtl="0">
                 <a:spcBef>
                   <a:spcPts val="0"/>
                 </a:spcBef>
@@ -3812,9 +3833,6 @@
                 </a:spcAft>
                 <a:buNone/>
               </a:pPr>
-              <a:r>
-                <a:t/>
-              </a:r>
               <a:endParaRPr/>
             </a:p>
           </p:txBody>
@@ -3832,7 +3850,7 @@
             </a:xfrm>
             <a:prstGeom prst="diagStripe">
               <a:avLst>
-                <a:gd fmla="val 0" name="adj"/>
+                <a:gd name="adj" fmla="val 0"/>
               </a:avLst>
             </a:prstGeom>
             <a:solidFill>
@@ -3845,12 +3863,12 @@
             </a:ln>
           </p:spPr>
           <p:txBody>
-            <a:bodyPr anchorCtr="0" anchor="ctr" bIns="91425" lIns="91425" spcFirstLastPara="1" rIns="91425" wrap="square" tIns="91425">
+            <a:bodyPr spcFirstLastPara="1" wrap="square" lIns="91425" tIns="91425" rIns="91425" bIns="91425" anchor="ctr" anchorCtr="0">
               <a:noAutofit/>
             </a:bodyPr>
             <a:lstStyle/>
             <a:p>
-              <a:pPr indent="0" lvl="0" marL="0" rtl="0" algn="l">
+              <a:pPr marL="0" lvl="0" indent="0" algn="l" rtl="0">
                 <a:spcBef>
                   <a:spcPts val="0"/>
                 </a:spcBef>
@@ -3859,9 +3877,6 @@
                 </a:spcAft>
                 <a:buNone/>
               </a:pPr>
-              <a:r>
-                <a:t/>
-              </a:r>
               <a:endParaRPr/>
             </a:p>
           </p:txBody>
@@ -3879,7 +3894,7 @@
             </a:xfrm>
             <a:prstGeom prst="diagStripe">
               <a:avLst>
-                <a:gd fmla="val 50000" name="adj"/>
+                <a:gd name="adj" fmla="val 50000"/>
               </a:avLst>
             </a:prstGeom>
             <a:solidFill>
@@ -3892,12 +3907,12 @@
             </a:ln>
           </p:spPr>
           <p:txBody>
-            <a:bodyPr anchorCtr="0" anchor="ctr" bIns="91425" lIns="91425" spcFirstLastPara="1" rIns="91425" wrap="square" tIns="91425">
+            <a:bodyPr spcFirstLastPara="1" wrap="square" lIns="91425" tIns="91425" rIns="91425" bIns="91425" anchor="ctr" anchorCtr="0">
               <a:noAutofit/>
             </a:bodyPr>
             <a:lstStyle/>
             <a:p>
-              <a:pPr indent="0" lvl="0" marL="0" rtl="0" algn="l">
+              <a:pPr marL="0" lvl="0" indent="0" algn="l" rtl="0">
                 <a:spcBef>
                   <a:spcPts val="0"/>
                 </a:spcBef>
@@ -3906,9 +3921,6 @@
                 </a:spcAft>
                 <a:buNone/>
               </a:pPr>
-              <a:r>
-                <a:t/>
-              </a:r>
               <a:endParaRPr/>
             </a:p>
           </p:txBody>
@@ -3926,7 +3938,7 @@
             </a:xfrm>
             <a:prstGeom prst="diagStripe">
               <a:avLst>
-                <a:gd fmla="val 50000" name="adj"/>
+                <a:gd name="adj" fmla="val 50000"/>
               </a:avLst>
             </a:prstGeom>
             <a:solidFill>
@@ -3939,12 +3951,12 @@
             </a:ln>
           </p:spPr>
           <p:txBody>
-            <a:bodyPr anchorCtr="0" anchor="ctr" bIns="91425" lIns="91425" spcFirstLastPara="1" rIns="91425" wrap="square" tIns="91425">
+            <a:bodyPr spcFirstLastPara="1" wrap="square" lIns="91425" tIns="91425" rIns="91425" bIns="91425" anchor="ctr" anchorCtr="0">
               <a:noAutofit/>
             </a:bodyPr>
             <a:lstStyle/>
             <a:p>
-              <a:pPr indent="0" lvl="0" marL="0" rtl="0" algn="l">
+              <a:pPr marL="0" lvl="0" indent="0" algn="l" rtl="0">
                 <a:spcBef>
                   <a:spcPts val="0"/>
                 </a:spcBef>
@@ -3953,9 +3965,6 @@
                 </a:spcAft>
                 <a:buNone/>
               </a:pPr>
-              <a:r>
-                <a:t/>
-              </a:r>
               <a:endParaRPr/>
             </a:p>
           </p:txBody>
@@ -3973,7 +3982,7 @@
             </a:xfrm>
             <a:prstGeom prst="diagStripe">
               <a:avLst>
-                <a:gd fmla="val 50000" name="adj"/>
+                <a:gd name="adj" fmla="val 50000"/>
               </a:avLst>
             </a:prstGeom>
             <a:solidFill>
@@ -3986,12 +3995,12 @@
             </a:ln>
           </p:spPr>
           <p:txBody>
-            <a:bodyPr anchorCtr="0" anchor="ctr" bIns="91425" lIns="91425" spcFirstLastPara="1" rIns="91425" wrap="square" tIns="91425">
+            <a:bodyPr spcFirstLastPara="1" wrap="square" lIns="91425" tIns="91425" rIns="91425" bIns="91425" anchor="ctr" anchorCtr="0">
               <a:noAutofit/>
             </a:bodyPr>
             <a:lstStyle/>
             <a:p>
-              <a:pPr indent="0" lvl="0" marL="0" rtl="0" algn="l">
+              <a:pPr marL="0" lvl="0" indent="0" algn="l" rtl="0">
                 <a:spcBef>
                   <a:spcPts val="0"/>
                 </a:spcBef>
@@ -4000,9 +4009,6 @@
                 </a:spcAft>
                 <a:buNone/>
               </a:pPr>
-              <a:r>
-                <a:t/>
-              </a:r>
               <a:endParaRPr/>
             </a:p>
           </p:txBody>
@@ -4020,7 +4026,7 @@
             </a:xfrm>
             <a:prstGeom prst="diagStripe">
               <a:avLst>
-                <a:gd fmla="val 50000" name="adj"/>
+                <a:gd name="adj" fmla="val 50000"/>
               </a:avLst>
             </a:prstGeom>
             <a:solidFill>
@@ -4033,12 +4039,12 @@
             </a:ln>
           </p:spPr>
           <p:txBody>
-            <a:bodyPr anchorCtr="0" anchor="ctr" bIns="91425" lIns="91425" spcFirstLastPara="1" rIns="91425" wrap="square" tIns="91425">
+            <a:bodyPr spcFirstLastPara="1" wrap="square" lIns="91425" tIns="91425" rIns="91425" bIns="91425" anchor="ctr" anchorCtr="0">
               <a:noAutofit/>
             </a:bodyPr>
             <a:lstStyle/>
             <a:p>
-              <a:pPr indent="0" lvl="0" marL="0" rtl="0" algn="l">
+              <a:pPr marL="0" lvl="0" indent="0" algn="l" rtl="0">
                 <a:spcBef>
                   <a:spcPts val="0"/>
                 </a:spcBef>
@@ -4047,9 +4053,6 @@
                 </a:spcAft>
                 <a:buNone/>
               </a:pPr>
-              <a:r>
-                <a:t/>
-              </a:r>
               <a:endParaRPr/>
             </a:p>
           </p:txBody>
@@ -4067,7 +4070,7 @@
             </a:xfrm>
             <a:prstGeom prst="diagStripe">
               <a:avLst>
-                <a:gd fmla="val 50000" name="adj"/>
+                <a:gd name="adj" fmla="val 50000"/>
               </a:avLst>
             </a:prstGeom>
             <a:solidFill>
@@ -4080,12 +4083,12 @@
             </a:ln>
           </p:spPr>
           <p:txBody>
-            <a:bodyPr anchorCtr="0" anchor="ctr" bIns="91425" lIns="91425" spcFirstLastPara="1" rIns="91425" wrap="square" tIns="91425">
+            <a:bodyPr spcFirstLastPara="1" wrap="square" lIns="91425" tIns="91425" rIns="91425" bIns="91425" anchor="ctr" anchorCtr="0">
               <a:noAutofit/>
             </a:bodyPr>
             <a:lstStyle/>
             <a:p>
-              <a:pPr indent="0" lvl="0" marL="0" rtl="0" algn="l">
+              <a:pPr marL="0" lvl="0" indent="0" algn="l" rtl="0">
                 <a:spcBef>
                   <a:spcPts val="0"/>
                 </a:spcBef>
@@ -4094,9 +4097,6 @@
                 </a:spcAft>
                 <a:buNone/>
               </a:pPr>
-              <a:r>
-                <a:t/>
-              </a:r>
               <a:endParaRPr/>
             </a:p>
           </p:txBody>
@@ -4114,7 +4114,7 @@
             </a:xfrm>
             <a:prstGeom prst="diagStripe">
               <a:avLst>
-                <a:gd fmla="val 50000" name="adj"/>
+                <a:gd name="adj" fmla="val 50000"/>
               </a:avLst>
             </a:prstGeom>
             <a:solidFill>
@@ -4125,12 +4125,12 @@
             </a:ln>
           </p:spPr>
           <p:txBody>
-            <a:bodyPr anchorCtr="0" anchor="ctr" bIns="91425" lIns="91425" spcFirstLastPara="1" rIns="91425" wrap="square" tIns="91425">
+            <a:bodyPr spcFirstLastPara="1" wrap="square" lIns="91425" tIns="91425" rIns="91425" bIns="91425" anchor="ctr" anchorCtr="0">
               <a:noAutofit/>
             </a:bodyPr>
             <a:lstStyle/>
             <a:p>
-              <a:pPr indent="0" lvl="0" marL="0" rtl="0" algn="l">
+              <a:pPr marL="0" lvl="0" indent="0" algn="l" rtl="0">
                 <a:spcBef>
                   <a:spcPts val="0"/>
                 </a:spcBef>
@@ -4139,9 +4139,6 @@
                 </a:spcAft>
                 <a:buNone/>
               </a:pPr>
-              <a:r>
-                <a:t/>
-              </a:r>
               <a:endParaRPr/>
             </a:p>
           </p:txBody>
@@ -4159,7 +4156,7 @@
             </a:xfrm>
             <a:prstGeom prst="diagStripe">
               <a:avLst>
-                <a:gd fmla="val 50000" name="adj"/>
+                <a:gd name="adj" fmla="val 50000"/>
               </a:avLst>
             </a:prstGeom>
             <a:solidFill>
@@ -4172,12 +4169,12 @@
             </a:ln>
           </p:spPr>
           <p:txBody>
-            <a:bodyPr anchorCtr="0" anchor="ctr" bIns="91425" lIns="91425" spcFirstLastPara="1" rIns="91425" wrap="square" tIns="91425">
+            <a:bodyPr spcFirstLastPara="1" wrap="square" lIns="91425" tIns="91425" rIns="91425" bIns="91425" anchor="ctr" anchorCtr="0">
               <a:noAutofit/>
             </a:bodyPr>
             <a:lstStyle/>
             <a:p>
-              <a:pPr indent="0" lvl="0" marL="0" rtl="0" algn="l">
+              <a:pPr marL="0" lvl="0" indent="0" algn="l" rtl="0">
                 <a:spcBef>
                   <a:spcPts val="0"/>
                 </a:spcBef>
@@ -4186,9 +4183,6 @@
                 </a:spcAft>
                 <a:buNone/>
               </a:pPr>
-              <a:r>
-                <a:t/>
-              </a:r>
               <a:endParaRPr/>
             </a:p>
           </p:txBody>
@@ -4206,7 +4200,7 @@
             </a:xfrm>
             <a:prstGeom prst="diagStripe">
               <a:avLst>
-                <a:gd fmla="val 50000" name="adj"/>
+                <a:gd name="adj" fmla="val 50000"/>
               </a:avLst>
             </a:prstGeom>
             <a:solidFill>
@@ -4219,12 +4213,12 @@
             </a:ln>
           </p:spPr>
           <p:txBody>
-            <a:bodyPr anchorCtr="0" anchor="ctr" bIns="91425" lIns="91425" spcFirstLastPara="1" rIns="91425" wrap="square" tIns="91425">
+            <a:bodyPr spcFirstLastPara="1" wrap="square" lIns="91425" tIns="91425" rIns="91425" bIns="91425" anchor="ctr" anchorCtr="0">
               <a:noAutofit/>
             </a:bodyPr>
             <a:lstStyle/>
             <a:p>
-              <a:pPr indent="0" lvl="0" marL="0" rtl="0" algn="l">
+              <a:pPr marL="0" lvl="0" indent="0" algn="l" rtl="0">
                 <a:spcBef>
                   <a:spcPts val="0"/>
                 </a:spcBef>
@@ -4233,9 +4227,6 @@
                 </a:spcAft>
                 <a:buNone/>
               </a:pPr>
-              <a:r>
-                <a:t/>
-              </a:r>
               <a:endParaRPr/>
             </a:p>
           </p:txBody>
@@ -4253,7 +4244,7 @@
             </a:xfrm>
             <a:prstGeom prst="diagStripe">
               <a:avLst>
-                <a:gd fmla="val 50000" name="adj"/>
+                <a:gd name="adj" fmla="val 50000"/>
               </a:avLst>
             </a:prstGeom>
             <a:solidFill>
@@ -4266,12 +4257,12 @@
             </a:ln>
           </p:spPr>
           <p:txBody>
-            <a:bodyPr anchorCtr="0" anchor="ctr" bIns="91425" lIns="91425" spcFirstLastPara="1" rIns="91425" wrap="square" tIns="91425">
+            <a:bodyPr spcFirstLastPara="1" wrap="square" lIns="91425" tIns="91425" rIns="91425" bIns="91425" anchor="ctr" anchorCtr="0">
               <a:noAutofit/>
             </a:bodyPr>
             <a:lstStyle/>
             <a:p>
-              <a:pPr indent="0" lvl="0" marL="0" rtl="0" algn="l">
+              <a:pPr marL="0" lvl="0" indent="0" algn="l" rtl="0">
                 <a:spcBef>
                   <a:spcPts val="0"/>
                 </a:spcBef>
@@ -4280,9 +4271,6 @@
                 </a:spcAft>
                 <a:buNone/>
               </a:pPr>
-              <a:r>
-                <a:t/>
-              </a:r>
               <a:endParaRPr/>
             </a:p>
           </p:txBody>
@@ -4300,7 +4288,7 @@
             </a:xfrm>
             <a:prstGeom prst="diagStripe">
               <a:avLst>
-                <a:gd fmla="val 50000" name="adj"/>
+                <a:gd name="adj" fmla="val 50000"/>
               </a:avLst>
             </a:prstGeom>
             <a:solidFill>
@@ -4313,12 +4301,12 @@
             </a:ln>
           </p:spPr>
           <p:txBody>
-            <a:bodyPr anchorCtr="0" anchor="ctr" bIns="91425" lIns="91425" spcFirstLastPara="1" rIns="91425" wrap="square" tIns="91425">
+            <a:bodyPr spcFirstLastPara="1" wrap="square" lIns="91425" tIns="91425" rIns="91425" bIns="91425" anchor="ctr" anchorCtr="0">
               <a:noAutofit/>
             </a:bodyPr>
             <a:lstStyle/>
             <a:p>
-              <a:pPr indent="0" lvl="0" marL="0" rtl="0" algn="l">
+              <a:pPr marL="0" lvl="0" indent="0" algn="l" rtl="0">
                 <a:spcBef>
                   <a:spcPts val="0"/>
                 </a:spcBef>
@@ -4327,9 +4315,6 @@
                 </a:spcAft>
                 <a:buNone/>
               </a:pPr>
-              <a:r>
-                <a:t/>
-              </a:r>
               <a:endParaRPr/>
             </a:p>
           </p:txBody>
@@ -4347,7 +4332,7 @@
             </a:xfrm>
             <a:prstGeom prst="diagStripe">
               <a:avLst>
-                <a:gd fmla="val 50000" name="adj"/>
+                <a:gd name="adj" fmla="val 50000"/>
               </a:avLst>
             </a:prstGeom>
             <a:solidFill>
@@ -4360,12 +4345,12 @@
             </a:ln>
           </p:spPr>
           <p:txBody>
-            <a:bodyPr anchorCtr="0" anchor="ctr" bIns="91425" lIns="91425" spcFirstLastPara="1" rIns="91425" wrap="square" tIns="91425">
+            <a:bodyPr spcFirstLastPara="1" wrap="square" lIns="91425" tIns="91425" rIns="91425" bIns="91425" anchor="ctr" anchorCtr="0">
               <a:noAutofit/>
             </a:bodyPr>
             <a:lstStyle/>
             <a:p>
-              <a:pPr indent="0" lvl="0" marL="0" rtl="0" algn="l">
+              <a:pPr marL="0" lvl="0" indent="0" algn="l" rtl="0">
                 <a:spcBef>
                   <a:spcPts val="0"/>
                 </a:spcBef>
@@ -4374,9 +4359,6 @@
                 </a:spcAft>
                 <a:buNone/>
               </a:pPr>
-              <a:r>
-                <a:t/>
-              </a:r>
               <a:endParaRPr/>
             </a:p>
           </p:txBody>
@@ -4394,7 +4376,7 @@
             </a:xfrm>
             <a:prstGeom prst="diagStripe">
               <a:avLst>
-                <a:gd fmla="val 50000" name="adj"/>
+                <a:gd name="adj" fmla="val 50000"/>
               </a:avLst>
             </a:prstGeom>
             <a:solidFill>
@@ -4405,12 +4387,12 @@
             </a:ln>
           </p:spPr>
           <p:txBody>
-            <a:bodyPr anchorCtr="0" anchor="ctr" bIns="91425" lIns="91425" spcFirstLastPara="1" rIns="91425" wrap="square" tIns="91425">
+            <a:bodyPr spcFirstLastPara="1" wrap="square" lIns="91425" tIns="91425" rIns="91425" bIns="91425" anchor="ctr" anchorCtr="0">
               <a:noAutofit/>
             </a:bodyPr>
             <a:lstStyle/>
             <a:p>
-              <a:pPr indent="0" lvl="0" marL="0" rtl="0" algn="l">
+              <a:pPr marL="0" lvl="0" indent="0" algn="l" rtl="0">
                 <a:spcBef>
                   <a:spcPts val="0"/>
                 </a:spcBef>
@@ -4419,9 +4401,6 @@
                 </a:spcAft>
                 <a:buNone/>
               </a:pPr>
-              <a:r>
-                <a:t/>
-              </a:r>
               <a:endParaRPr/>
             </a:p>
           </p:txBody>
@@ -4439,7 +4418,7 @@
             </a:xfrm>
             <a:prstGeom prst="diagStripe">
               <a:avLst>
-                <a:gd fmla="val 50000" name="adj"/>
+                <a:gd name="adj" fmla="val 50000"/>
               </a:avLst>
             </a:prstGeom>
             <a:solidFill>
@@ -4452,12 +4431,12 @@
             </a:ln>
           </p:spPr>
           <p:txBody>
-            <a:bodyPr anchorCtr="0" anchor="ctr" bIns="91425" lIns="91425" spcFirstLastPara="1" rIns="91425" wrap="square" tIns="91425">
+            <a:bodyPr spcFirstLastPara="1" wrap="square" lIns="91425" tIns="91425" rIns="91425" bIns="91425" anchor="ctr" anchorCtr="0">
               <a:noAutofit/>
             </a:bodyPr>
             <a:lstStyle/>
             <a:p>
-              <a:pPr indent="0" lvl="0" marL="0" rtl="0" algn="l">
+              <a:pPr marL="0" lvl="0" indent="0" algn="l" rtl="0">
                 <a:spcBef>
                   <a:spcPts val="0"/>
                 </a:spcBef>
@@ -4466,9 +4445,6 @@
                 </a:spcAft>
                 <a:buNone/>
               </a:pPr>
-              <a:r>
-                <a:t/>
-              </a:r>
               <a:endParaRPr/>
             </a:p>
           </p:txBody>
@@ -4486,7 +4462,7 @@
             </a:xfrm>
             <a:prstGeom prst="diagStripe">
               <a:avLst>
-                <a:gd fmla="val 50000" name="adj"/>
+                <a:gd name="adj" fmla="val 50000"/>
               </a:avLst>
             </a:prstGeom>
             <a:solidFill>
@@ -4499,12 +4475,12 @@
             </a:ln>
           </p:spPr>
           <p:txBody>
-            <a:bodyPr anchorCtr="0" anchor="ctr" bIns="91425" lIns="91425" spcFirstLastPara="1" rIns="91425" wrap="square" tIns="91425">
+            <a:bodyPr spcFirstLastPara="1" wrap="square" lIns="91425" tIns="91425" rIns="91425" bIns="91425" anchor="ctr" anchorCtr="0">
               <a:noAutofit/>
             </a:bodyPr>
             <a:lstStyle/>
             <a:p>
-              <a:pPr indent="0" lvl="0" marL="0" rtl="0" algn="l">
+              <a:pPr marL="0" lvl="0" indent="0" algn="l" rtl="0">
                 <a:spcBef>
                   <a:spcPts val="0"/>
                 </a:spcBef>
@@ -4513,9 +4489,6 @@
                 </a:spcAft>
                 <a:buNone/>
               </a:pPr>
-              <a:r>
-                <a:t/>
-              </a:r>
               <a:endParaRPr/>
             </a:p>
           </p:txBody>
@@ -4533,7 +4506,7 @@
             </a:xfrm>
             <a:prstGeom prst="diagStripe">
               <a:avLst>
-                <a:gd fmla="val 50000" name="adj"/>
+                <a:gd name="adj" fmla="val 50000"/>
               </a:avLst>
             </a:prstGeom>
             <a:solidFill>
@@ -4546,12 +4519,12 @@
             </a:ln>
           </p:spPr>
           <p:txBody>
-            <a:bodyPr anchorCtr="0" anchor="ctr" bIns="91425" lIns="91425" spcFirstLastPara="1" rIns="91425" wrap="square" tIns="91425">
+            <a:bodyPr spcFirstLastPara="1" wrap="square" lIns="91425" tIns="91425" rIns="91425" bIns="91425" anchor="ctr" anchorCtr="0">
               <a:noAutofit/>
             </a:bodyPr>
             <a:lstStyle/>
             <a:p>
-              <a:pPr indent="0" lvl="0" marL="0" rtl="0" algn="l">
+              <a:pPr marL="0" lvl="0" indent="0" algn="l" rtl="0">
                 <a:spcBef>
                   <a:spcPts val="0"/>
                 </a:spcBef>
@@ -4560,9 +4533,6 @@
                 </a:spcAft>
                 <a:buNone/>
               </a:pPr>
-              <a:r>
-                <a:t/>
-              </a:r>
               <a:endParaRPr/>
             </a:p>
           </p:txBody>
@@ -4580,7 +4550,7 @@
             </a:xfrm>
             <a:prstGeom prst="diagStripe">
               <a:avLst>
-                <a:gd fmla="val 50000" name="adj"/>
+                <a:gd name="adj" fmla="val 50000"/>
               </a:avLst>
             </a:prstGeom>
             <a:solidFill>
@@ -4593,12 +4563,12 @@
             </a:ln>
           </p:spPr>
           <p:txBody>
-            <a:bodyPr anchorCtr="0" anchor="ctr" bIns="91425" lIns="91425" spcFirstLastPara="1" rIns="91425" wrap="square" tIns="91425">
+            <a:bodyPr spcFirstLastPara="1" wrap="square" lIns="91425" tIns="91425" rIns="91425" bIns="91425" anchor="ctr" anchorCtr="0">
               <a:noAutofit/>
             </a:bodyPr>
             <a:lstStyle/>
             <a:p>
-              <a:pPr indent="0" lvl="0" marL="0" rtl="0" algn="l">
+              <a:pPr marL="0" lvl="0" indent="0" algn="l" rtl="0">
                 <a:spcBef>
                   <a:spcPts val="0"/>
                 </a:spcBef>
@@ -4607,9 +4577,6 @@
                 </a:spcAft>
                 <a:buNone/>
               </a:pPr>
-              <a:r>
-                <a:t/>
-              </a:r>
               <a:endParaRPr/>
             </a:p>
           </p:txBody>
@@ -4618,7 +4585,9 @@
       <p:sp>
         <p:nvSpPr>
           <p:cNvPr id="39" name="Google Shape;39;p3"/>
-          <p:cNvSpPr txBox="1"/>
+          <p:cNvSpPr txBox="1">
+            <a:spLocks noGrp="1"/>
+          </p:cNvSpPr>
           <p:nvPr>
             <p:ph type="title"/>
           </p:nvPr>
@@ -4633,7 +4602,7 @@
           </a:prstGeom>
         </p:spPr>
         <p:txBody>
-          <a:bodyPr anchorCtr="0" anchor="ctr" bIns="91425" lIns="91425" spcFirstLastPara="1" rIns="91425" wrap="square" tIns="91425">
+          <a:bodyPr spcFirstLastPara="1" wrap="square" lIns="91425" tIns="91425" rIns="91425" bIns="91425" anchor="ctr" anchorCtr="0">
             <a:normAutofit/>
           </a:bodyPr>
           <a:lstStyle>
@@ -4737,15 +4706,19 @@
               <a:defRPr/>
             </a:lvl9pPr>
           </a:lstStyle>
-          <a:p/>
+          <a:p>
+            <a:endParaRPr/>
+          </a:p>
         </p:txBody>
       </p:sp>
       <p:sp>
         <p:nvSpPr>
           <p:cNvPr id="40" name="Google Shape;40;p3"/>
-          <p:cNvSpPr txBox="1"/>
+          <p:cNvSpPr txBox="1">
+            <a:spLocks noGrp="1"/>
+          </p:cNvSpPr>
           <p:nvPr>
-            <p:ph idx="12" type="sldNum"/>
+            <p:ph type="sldNum" idx="12"/>
           </p:nvPr>
         </p:nvSpPr>
         <p:spPr>
@@ -4758,7 +4731,7 @@
           </a:prstGeom>
         </p:spPr>
         <p:txBody>
-          <a:bodyPr anchorCtr="0" anchor="ctr" bIns="91425" lIns="91425" spcFirstLastPara="1" rIns="91425" wrap="square" tIns="91425">
+          <a:bodyPr spcFirstLastPara="1" wrap="square" lIns="91425" tIns="91425" rIns="91425" bIns="91425" anchor="ctr" anchorCtr="0">
             <a:normAutofit/>
           </a:bodyPr>
           <a:lstStyle>
@@ -4800,7 +4773,7 @@
             </a:lvl9pPr>
           </a:lstStyle>
           <a:p>
-            <a:pPr indent="0" lvl="0" marL="0" rtl="0" algn="r">
+            <a:pPr marL="0" lvl="0" indent="0" algn="r" rtl="0">
               <a:spcBef>
                 <a:spcPts val="0"/>
               </a:spcBef>
@@ -4826,11 +4799,11 @@
 </file>
 
 <file path=ppt/slideLayouts/slideLayout3.xml><?xml version="1.0" encoding="utf-8"?>
-<p:sldLayout xmlns:a="http://schemas.openxmlformats.org/drawingml/2006/main" xmlns:r="http://schemas.openxmlformats.org/officeDocument/2006/relationships" xmlns:mc="http://schemas.openxmlformats.org/markup-compatibility/2006" xmlns:mv="urn:schemas-microsoft-com:mac:vml" xmlns:p="http://schemas.openxmlformats.org/presentationml/2006/main" xmlns:c="http://schemas.openxmlformats.org/drawingml/2006/chart" xmlns:dgm="http://schemas.openxmlformats.org/drawingml/2006/diagram" xmlns:o="urn:schemas-microsoft-com:office:office" xmlns:v="urn:schemas-microsoft-com:vml" xmlns:pvml="urn:schemas-microsoft-com:office:powerpoint" xmlns:com="http://schemas.openxmlformats.org/drawingml/2006/compatibility" xmlns:p14="http://schemas.microsoft.com/office/powerpoint/2010/main" xmlns:p15="http://schemas.microsoft.com/office/powerpoint/2012/main" xmlns:ahyp="http://schemas.microsoft.com/office/drawing/2018/hyperlinkcolor" matchingName="Title and body" type="tx">
+<p:sldLayout xmlns:a="http://schemas.openxmlformats.org/drawingml/2006/main" xmlns:r="http://schemas.openxmlformats.org/officeDocument/2006/relationships" xmlns:p="http://schemas.openxmlformats.org/presentationml/2006/main" matchingName="Title and body" type="tx">
   <p:cSld name="TITLE_AND_BODY">
     <p:spTree>
       <p:nvGrpSpPr>
-        <p:cNvPr id="41" name="Shape 41"/>
+        <p:cNvPr id="1" name="Shape 41"/>
         <p:cNvGrpSpPr/>
         <p:nvPr/>
       </p:nvGrpSpPr>
@@ -4869,7 +4842,7 @@
             </a:xfrm>
             <a:prstGeom prst="diagStripe">
               <a:avLst>
-                <a:gd fmla="val 50000" name="adj"/>
+                <a:gd name="adj" fmla="val 50000"/>
               </a:avLst>
             </a:prstGeom>
             <a:solidFill>
@@ -4880,12 +4853,12 @@
             </a:ln>
           </p:spPr>
           <p:txBody>
-            <a:bodyPr anchorCtr="0" anchor="ctr" bIns="91425" lIns="91425" spcFirstLastPara="1" rIns="91425" wrap="square" tIns="91425">
+            <a:bodyPr spcFirstLastPara="1" wrap="square" lIns="91425" tIns="91425" rIns="91425" bIns="91425" anchor="ctr" anchorCtr="0">
               <a:noAutofit/>
             </a:bodyPr>
             <a:lstStyle/>
             <a:p>
-              <a:pPr indent="0" lvl="0" marL="0" rtl="0" algn="l">
+              <a:pPr marL="0" lvl="0" indent="0" algn="l" rtl="0">
                 <a:spcBef>
                   <a:spcPts val="0"/>
                 </a:spcBef>
@@ -4894,9 +4867,6 @@
                 </a:spcAft>
                 <a:buNone/>
               </a:pPr>
-              <a:r>
-                <a:t/>
-              </a:r>
               <a:endParaRPr/>
             </a:p>
           </p:txBody>
@@ -4914,7 +4884,7 @@
             </a:xfrm>
             <a:prstGeom prst="diagStripe">
               <a:avLst>
-                <a:gd fmla="val 50000" name="adj"/>
+                <a:gd name="adj" fmla="val 50000"/>
               </a:avLst>
             </a:prstGeom>
             <a:solidFill>
@@ -4925,12 +4895,12 @@
             </a:ln>
           </p:spPr>
           <p:txBody>
-            <a:bodyPr anchorCtr="0" anchor="ctr" bIns="91425" lIns="91425" spcFirstLastPara="1" rIns="91425" wrap="square" tIns="91425">
+            <a:bodyPr spcFirstLastPara="1" wrap="square" lIns="91425" tIns="91425" rIns="91425" bIns="91425" anchor="ctr" anchorCtr="0">
               <a:noAutofit/>
             </a:bodyPr>
             <a:lstStyle/>
             <a:p>
-              <a:pPr indent="0" lvl="0" marL="0" rtl="0" algn="l">
+              <a:pPr marL="0" lvl="0" indent="0" algn="l" rtl="0">
                 <a:spcBef>
                   <a:spcPts val="0"/>
                 </a:spcBef>
@@ -4939,9 +4909,6 @@
                 </a:spcAft>
                 <a:buNone/>
               </a:pPr>
-              <a:r>
-                <a:t/>
-              </a:r>
               <a:endParaRPr/>
             </a:p>
           </p:txBody>
@@ -4950,7 +4917,9 @@
       <p:sp>
         <p:nvSpPr>
           <p:cNvPr id="45" name="Google Shape;45;p4"/>
-          <p:cNvSpPr txBox="1"/>
+          <p:cNvSpPr txBox="1">
+            <a:spLocks noGrp="1"/>
+          </p:cNvSpPr>
           <p:nvPr>
             <p:ph type="title"/>
           </p:nvPr>
@@ -4965,7 +4934,7 @@
           </a:prstGeom>
         </p:spPr>
         <p:txBody>
-          <a:bodyPr anchorCtr="0" anchor="t" bIns="91425" lIns="91425" spcFirstLastPara="1" rIns="91425" wrap="square" tIns="91425">
+          <a:bodyPr spcFirstLastPara="1" wrap="square" lIns="91425" tIns="91425" rIns="91425" bIns="91425" anchor="t" anchorCtr="0">
             <a:normAutofit/>
           </a:bodyPr>
           <a:lstStyle>
@@ -5069,15 +5038,19 @@
               <a:defRPr sz="2400"/>
             </a:lvl9pPr>
           </a:lstStyle>
-          <a:p/>
+          <a:p>
+            <a:endParaRPr/>
+          </a:p>
         </p:txBody>
       </p:sp>
       <p:sp>
         <p:nvSpPr>
           <p:cNvPr id="46" name="Google Shape;46;p4"/>
-          <p:cNvSpPr txBox="1"/>
+          <p:cNvSpPr txBox="1">
+            <a:spLocks noGrp="1"/>
+          </p:cNvSpPr>
           <p:nvPr>
-            <p:ph idx="1" type="body"/>
+            <p:ph type="body" idx="1"/>
           </p:nvPr>
         </p:nvSpPr>
         <p:spPr>
@@ -5090,11 +5063,11 @@
           </a:prstGeom>
         </p:spPr>
         <p:txBody>
-          <a:bodyPr anchorCtr="0" anchor="t" bIns="91425" lIns="91425" spcFirstLastPara="1" rIns="91425" wrap="square" tIns="91425">
+          <a:bodyPr spcFirstLastPara="1" wrap="square" lIns="91425" tIns="91425" rIns="91425" bIns="91425" anchor="t" anchorCtr="0">
             <a:normAutofit/>
           </a:bodyPr>
           <a:lstStyle>
-            <a:lvl1pPr indent="-311150" lvl="0" marL="457200">
+            <a:lvl1pPr marL="457200" lvl="0" indent="-311150">
               <a:spcBef>
                 <a:spcPts val="0"/>
               </a:spcBef>
@@ -5105,7 +5078,7 @@
               <a:buChar char="●"/>
               <a:defRPr/>
             </a:lvl1pPr>
-            <a:lvl2pPr indent="-298450" lvl="1" marL="914400">
+            <a:lvl2pPr marL="914400" lvl="1" indent="-298450">
               <a:spcBef>
                 <a:spcPts val="0"/>
               </a:spcBef>
@@ -5116,7 +5089,7 @@
               <a:buChar char="○"/>
               <a:defRPr/>
             </a:lvl2pPr>
-            <a:lvl3pPr indent="-298450" lvl="2" marL="1371600">
+            <a:lvl3pPr marL="1371600" lvl="2" indent="-298450">
               <a:spcBef>
                 <a:spcPts val="0"/>
               </a:spcBef>
@@ -5127,7 +5100,7 @@
               <a:buChar char="■"/>
               <a:defRPr/>
             </a:lvl3pPr>
-            <a:lvl4pPr indent="-298450" lvl="3" marL="1828800">
+            <a:lvl4pPr marL="1828800" lvl="3" indent="-298450">
               <a:spcBef>
                 <a:spcPts val="0"/>
               </a:spcBef>
@@ -5138,7 +5111,7 @@
               <a:buChar char="●"/>
               <a:defRPr/>
             </a:lvl4pPr>
-            <a:lvl5pPr indent="-298450" lvl="4" marL="2286000">
+            <a:lvl5pPr marL="2286000" lvl="4" indent="-298450">
               <a:spcBef>
                 <a:spcPts val="0"/>
               </a:spcBef>
@@ -5149,7 +5122,7 @@
               <a:buChar char="○"/>
               <a:defRPr/>
             </a:lvl5pPr>
-            <a:lvl6pPr indent="-298450" lvl="5" marL="2743200">
+            <a:lvl6pPr marL="2743200" lvl="5" indent="-298450">
               <a:spcBef>
                 <a:spcPts val="0"/>
               </a:spcBef>
@@ -5160,7 +5133,7 @@
               <a:buChar char="■"/>
               <a:defRPr/>
             </a:lvl6pPr>
-            <a:lvl7pPr indent="-298450" lvl="6" marL="3200400">
+            <a:lvl7pPr marL="3200400" lvl="6" indent="-298450">
               <a:spcBef>
                 <a:spcPts val="0"/>
               </a:spcBef>
@@ -5171,7 +5144,7 @@
               <a:buChar char="●"/>
               <a:defRPr/>
             </a:lvl7pPr>
-            <a:lvl8pPr indent="-298450" lvl="7" marL="3657600">
+            <a:lvl8pPr marL="3657600" lvl="7" indent="-298450">
               <a:spcBef>
                 <a:spcPts val="0"/>
               </a:spcBef>
@@ -5182,7 +5155,7 @@
               <a:buChar char="○"/>
               <a:defRPr/>
             </a:lvl8pPr>
-            <a:lvl9pPr indent="-298450" lvl="8" marL="4114800">
+            <a:lvl9pPr marL="4114800" lvl="8" indent="-298450">
               <a:spcBef>
                 <a:spcPts val="0"/>
               </a:spcBef>
@@ -5194,15 +5167,19 @@
               <a:defRPr/>
             </a:lvl9pPr>
           </a:lstStyle>
-          <a:p/>
+          <a:p>
+            <a:endParaRPr/>
+          </a:p>
         </p:txBody>
       </p:sp>
       <p:sp>
         <p:nvSpPr>
           <p:cNvPr id="47" name="Google Shape;47;p4"/>
-          <p:cNvSpPr txBox="1"/>
+          <p:cNvSpPr txBox="1">
+            <a:spLocks noGrp="1"/>
+          </p:cNvSpPr>
           <p:nvPr>
-            <p:ph idx="12" type="sldNum"/>
+            <p:ph type="sldNum" idx="12"/>
           </p:nvPr>
         </p:nvSpPr>
         <p:spPr>
@@ -5215,7 +5192,7 @@
           </a:prstGeom>
         </p:spPr>
         <p:txBody>
-          <a:bodyPr anchorCtr="0" anchor="ctr" bIns="91425" lIns="91425" spcFirstLastPara="1" rIns="91425" wrap="square" tIns="91425">
+          <a:bodyPr spcFirstLastPara="1" wrap="square" lIns="91425" tIns="91425" rIns="91425" bIns="91425" anchor="ctr" anchorCtr="0">
             <a:normAutofit/>
           </a:bodyPr>
           <a:lstStyle>
@@ -5257,7 +5234,7 @@
             </a:lvl9pPr>
           </a:lstStyle>
           <a:p>
-            <a:pPr indent="0" lvl="0" marL="0" rtl="0" algn="r">
+            <a:pPr marL="0" lvl="0" indent="0" algn="r" rtl="0">
               <a:spcBef>
                 <a:spcPts val="0"/>
               </a:spcBef>
@@ -5283,11 +5260,11 @@
 </file>
 
 <file path=ppt/slideLayouts/slideLayout4.xml><?xml version="1.0" encoding="utf-8"?>
-<p:sldLayout xmlns:a="http://schemas.openxmlformats.org/drawingml/2006/main" xmlns:r="http://schemas.openxmlformats.org/officeDocument/2006/relationships" xmlns:mc="http://schemas.openxmlformats.org/markup-compatibility/2006" xmlns:mv="urn:schemas-microsoft-com:mac:vml" xmlns:p="http://schemas.openxmlformats.org/presentationml/2006/main" xmlns:c="http://schemas.openxmlformats.org/drawingml/2006/chart" xmlns:dgm="http://schemas.openxmlformats.org/drawingml/2006/diagram" xmlns:o="urn:schemas-microsoft-com:office:office" xmlns:v="urn:schemas-microsoft-com:vml" xmlns:pvml="urn:schemas-microsoft-com:office:powerpoint" xmlns:com="http://schemas.openxmlformats.org/drawingml/2006/compatibility" xmlns:p14="http://schemas.microsoft.com/office/powerpoint/2010/main" xmlns:p15="http://schemas.microsoft.com/office/powerpoint/2012/main" xmlns:ahyp="http://schemas.microsoft.com/office/drawing/2018/hyperlinkcolor" matchingName="Title and two columns" type="twoColTx">
+<p:sldLayout xmlns:a="http://schemas.openxmlformats.org/drawingml/2006/main" xmlns:r="http://schemas.openxmlformats.org/officeDocument/2006/relationships" xmlns:p="http://schemas.openxmlformats.org/presentationml/2006/main" matchingName="Title and two columns" type="twoColTx">
   <p:cSld name="TITLE_AND_TWO_COLUMNS">
     <p:spTree>
       <p:nvGrpSpPr>
-        <p:cNvPr id="48" name="Shape 48"/>
+        <p:cNvPr id="1" name="Shape 48"/>
         <p:cNvGrpSpPr/>
         <p:nvPr/>
       </p:nvGrpSpPr>
@@ -5326,7 +5303,7 @@
             </a:xfrm>
             <a:prstGeom prst="diagStripe">
               <a:avLst>
-                <a:gd fmla="val 50000" name="adj"/>
+                <a:gd name="adj" fmla="val 50000"/>
               </a:avLst>
             </a:prstGeom>
             <a:solidFill>
@@ -5337,12 +5314,12 @@
             </a:ln>
           </p:spPr>
           <p:txBody>
-            <a:bodyPr anchorCtr="0" anchor="ctr" bIns="91425" lIns="91425" spcFirstLastPara="1" rIns="91425" wrap="square" tIns="91425">
+            <a:bodyPr spcFirstLastPara="1" wrap="square" lIns="91425" tIns="91425" rIns="91425" bIns="91425" anchor="ctr" anchorCtr="0">
               <a:noAutofit/>
             </a:bodyPr>
             <a:lstStyle/>
             <a:p>
-              <a:pPr indent="0" lvl="0" marL="0" rtl="0" algn="l">
+              <a:pPr marL="0" lvl="0" indent="0" algn="l" rtl="0">
                 <a:spcBef>
                   <a:spcPts val="0"/>
                 </a:spcBef>
@@ -5351,9 +5328,6 @@
                 </a:spcAft>
                 <a:buNone/>
               </a:pPr>
-              <a:r>
-                <a:t/>
-              </a:r>
               <a:endParaRPr/>
             </a:p>
           </p:txBody>
@@ -5371,7 +5345,7 @@
             </a:xfrm>
             <a:prstGeom prst="diagStripe">
               <a:avLst>
-                <a:gd fmla="val 50000" name="adj"/>
+                <a:gd name="adj" fmla="val 50000"/>
               </a:avLst>
             </a:prstGeom>
             <a:solidFill>
@@ -5382,12 +5356,12 @@
             </a:ln>
           </p:spPr>
           <p:txBody>
-            <a:bodyPr anchorCtr="0" anchor="ctr" bIns="91425" lIns="91425" spcFirstLastPara="1" rIns="91425" wrap="square" tIns="91425">
+            <a:bodyPr spcFirstLastPara="1" wrap="square" lIns="91425" tIns="91425" rIns="91425" bIns="91425" anchor="ctr" anchorCtr="0">
               <a:noAutofit/>
             </a:bodyPr>
             <a:lstStyle/>
             <a:p>
-              <a:pPr indent="0" lvl="0" marL="0" rtl="0" algn="l">
+              <a:pPr marL="0" lvl="0" indent="0" algn="l" rtl="0">
                 <a:spcBef>
                   <a:spcPts val="0"/>
                 </a:spcBef>
@@ -5396,9 +5370,6 @@
                 </a:spcAft>
                 <a:buNone/>
               </a:pPr>
-              <a:r>
-                <a:t/>
-              </a:r>
               <a:endParaRPr/>
             </a:p>
           </p:txBody>
@@ -5407,7 +5378,9 @@
       <p:sp>
         <p:nvSpPr>
           <p:cNvPr id="52" name="Google Shape;52;p5"/>
-          <p:cNvSpPr txBox="1"/>
+          <p:cNvSpPr txBox="1">
+            <a:spLocks noGrp="1"/>
+          </p:cNvSpPr>
           <p:nvPr>
             <p:ph type="title"/>
           </p:nvPr>
@@ -5422,7 +5395,7 @@
           </a:prstGeom>
         </p:spPr>
         <p:txBody>
-          <a:bodyPr anchorCtr="0" anchor="t" bIns="91425" lIns="91425" spcFirstLastPara="1" rIns="91425" wrap="square" tIns="91425">
+          <a:bodyPr spcFirstLastPara="1" wrap="square" lIns="91425" tIns="91425" rIns="91425" bIns="91425" anchor="t" anchorCtr="0">
             <a:normAutofit/>
           </a:bodyPr>
           <a:lstStyle>
@@ -5526,15 +5499,19 @@
               <a:defRPr sz="2400"/>
             </a:lvl9pPr>
           </a:lstStyle>
-          <a:p/>
+          <a:p>
+            <a:endParaRPr/>
+          </a:p>
         </p:txBody>
       </p:sp>
       <p:sp>
         <p:nvSpPr>
           <p:cNvPr id="53" name="Google Shape;53;p5"/>
-          <p:cNvSpPr txBox="1"/>
+          <p:cNvSpPr txBox="1">
+            <a:spLocks noGrp="1"/>
+          </p:cNvSpPr>
           <p:nvPr>
-            <p:ph idx="1" type="body"/>
+            <p:ph type="body" idx="1"/>
           </p:nvPr>
         </p:nvSpPr>
         <p:spPr>
@@ -5547,11 +5524,11 @@
           </a:prstGeom>
         </p:spPr>
         <p:txBody>
-          <a:bodyPr anchorCtr="0" anchor="t" bIns="91425" lIns="91425" spcFirstLastPara="1" rIns="91425" wrap="square" tIns="91425">
+          <a:bodyPr spcFirstLastPara="1" wrap="square" lIns="91425" tIns="91425" rIns="91425" bIns="91425" anchor="t" anchorCtr="0">
             <a:normAutofit/>
           </a:bodyPr>
           <a:lstStyle>
-            <a:lvl1pPr indent="-311150" lvl="0" marL="457200">
+            <a:lvl1pPr marL="457200" lvl="0" indent="-311150">
               <a:spcBef>
                 <a:spcPts val="0"/>
               </a:spcBef>
@@ -5562,7 +5539,7 @@
               <a:buChar char="●"/>
               <a:defRPr/>
             </a:lvl1pPr>
-            <a:lvl2pPr indent="-298450" lvl="1" marL="914400">
+            <a:lvl2pPr marL="914400" lvl="1" indent="-298450">
               <a:spcBef>
                 <a:spcPts val="0"/>
               </a:spcBef>
@@ -5573,7 +5550,7 @@
               <a:buChar char="○"/>
               <a:defRPr/>
             </a:lvl2pPr>
-            <a:lvl3pPr indent="-298450" lvl="2" marL="1371600">
+            <a:lvl3pPr marL="1371600" lvl="2" indent="-298450">
               <a:spcBef>
                 <a:spcPts val="0"/>
               </a:spcBef>
@@ -5584,7 +5561,7 @@
               <a:buChar char="■"/>
               <a:defRPr/>
             </a:lvl3pPr>
-            <a:lvl4pPr indent="-298450" lvl="3" marL="1828800">
+            <a:lvl4pPr marL="1828800" lvl="3" indent="-298450">
               <a:spcBef>
                 <a:spcPts val="0"/>
               </a:spcBef>
@@ -5595,7 +5572,7 @@
               <a:buChar char="●"/>
               <a:defRPr/>
             </a:lvl4pPr>
-            <a:lvl5pPr indent="-298450" lvl="4" marL="2286000">
+            <a:lvl5pPr marL="2286000" lvl="4" indent="-298450">
               <a:spcBef>
                 <a:spcPts val="0"/>
               </a:spcBef>
@@ -5606,7 +5583,7 @@
               <a:buChar char="○"/>
               <a:defRPr/>
             </a:lvl5pPr>
-            <a:lvl6pPr indent="-298450" lvl="5" marL="2743200">
+            <a:lvl6pPr marL="2743200" lvl="5" indent="-298450">
               <a:spcBef>
                 <a:spcPts val="0"/>
               </a:spcBef>
@@ -5617,7 +5594,7 @@
               <a:buChar char="■"/>
               <a:defRPr/>
             </a:lvl6pPr>
-            <a:lvl7pPr indent="-298450" lvl="6" marL="3200400">
+            <a:lvl7pPr marL="3200400" lvl="6" indent="-298450">
               <a:spcBef>
                 <a:spcPts val="0"/>
               </a:spcBef>
@@ -5628,7 +5605,7 @@
               <a:buChar char="●"/>
               <a:defRPr/>
             </a:lvl7pPr>
-            <a:lvl8pPr indent="-298450" lvl="7" marL="3657600">
+            <a:lvl8pPr marL="3657600" lvl="7" indent="-298450">
               <a:spcBef>
                 <a:spcPts val="0"/>
               </a:spcBef>
@@ -5639,7 +5616,7 @@
               <a:buChar char="○"/>
               <a:defRPr/>
             </a:lvl8pPr>
-            <a:lvl9pPr indent="-298450" lvl="8" marL="4114800">
+            <a:lvl9pPr marL="4114800" lvl="8" indent="-298450">
               <a:spcBef>
                 <a:spcPts val="0"/>
               </a:spcBef>
@@ -5651,15 +5628,19 @@
               <a:defRPr/>
             </a:lvl9pPr>
           </a:lstStyle>
-          <a:p/>
+          <a:p>
+            <a:endParaRPr/>
+          </a:p>
         </p:txBody>
       </p:sp>
       <p:sp>
         <p:nvSpPr>
           <p:cNvPr id="54" name="Google Shape;54;p5"/>
-          <p:cNvSpPr txBox="1"/>
+          <p:cNvSpPr txBox="1">
+            <a:spLocks noGrp="1"/>
+          </p:cNvSpPr>
           <p:nvPr>
-            <p:ph idx="2" type="body"/>
+            <p:ph type="body" idx="2"/>
           </p:nvPr>
         </p:nvSpPr>
         <p:spPr>
@@ -5672,11 +5653,11 @@
           </a:prstGeom>
         </p:spPr>
         <p:txBody>
-          <a:bodyPr anchorCtr="0" anchor="t" bIns="91425" lIns="91425" spcFirstLastPara="1" rIns="91425" wrap="square" tIns="91425">
+          <a:bodyPr spcFirstLastPara="1" wrap="square" lIns="91425" tIns="91425" rIns="91425" bIns="91425" anchor="t" anchorCtr="0">
             <a:normAutofit/>
           </a:bodyPr>
           <a:lstStyle>
-            <a:lvl1pPr indent="-311150" lvl="0" marL="457200">
+            <a:lvl1pPr marL="457200" lvl="0" indent="-311150">
               <a:spcBef>
                 <a:spcPts val="0"/>
               </a:spcBef>
@@ -5687,7 +5668,7 @@
               <a:buChar char="●"/>
               <a:defRPr/>
             </a:lvl1pPr>
-            <a:lvl2pPr indent="-298450" lvl="1" marL="914400">
+            <a:lvl2pPr marL="914400" lvl="1" indent="-298450">
               <a:spcBef>
                 <a:spcPts val="0"/>
               </a:spcBef>
@@ -5698,7 +5679,7 @@
               <a:buChar char="○"/>
               <a:defRPr/>
             </a:lvl2pPr>
-            <a:lvl3pPr indent="-298450" lvl="2" marL="1371600">
+            <a:lvl3pPr marL="1371600" lvl="2" indent="-298450">
               <a:spcBef>
                 <a:spcPts val="0"/>
               </a:spcBef>
@@ -5709,7 +5690,7 @@
               <a:buChar char="■"/>
               <a:defRPr/>
             </a:lvl3pPr>
-            <a:lvl4pPr indent="-298450" lvl="3" marL="1828800">
+            <a:lvl4pPr marL="1828800" lvl="3" indent="-298450">
               <a:spcBef>
                 <a:spcPts val="0"/>
               </a:spcBef>
@@ -5720,7 +5701,7 @@
               <a:buChar char="●"/>
               <a:defRPr/>
             </a:lvl4pPr>
-            <a:lvl5pPr indent="-298450" lvl="4" marL="2286000">
+            <a:lvl5pPr marL="2286000" lvl="4" indent="-298450">
               <a:spcBef>
                 <a:spcPts val="0"/>
               </a:spcBef>
@@ -5731,7 +5712,7 @@
               <a:buChar char="○"/>
               <a:defRPr/>
             </a:lvl5pPr>
-            <a:lvl6pPr indent="-298450" lvl="5" marL="2743200">
+            <a:lvl6pPr marL="2743200" lvl="5" indent="-298450">
               <a:spcBef>
                 <a:spcPts val="0"/>
               </a:spcBef>
@@ -5742,7 +5723,7 @@
               <a:buChar char="■"/>
               <a:defRPr/>
             </a:lvl6pPr>
-            <a:lvl7pPr indent="-298450" lvl="6" marL="3200400">
+            <a:lvl7pPr marL="3200400" lvl="6" indent="-298450">
               <a:spcBef>
                 <a:spcPts val="0"/>
               </a:spcBef>
@@ -5753,7 +5734,7 @@
               <a:buChar char="●"/>
               <a:defRPr/>
             </a:lvl7pPr>
-            <a:lvl8pPr indent="-298450" lvl="7" marL="3657600">
+            <a:lvl8pPr marL="3657600" lvl="7" indent="-298450">
               <a:spcBef>
                 <a:spcPts val="0"/>
               </a:spcBef>
@@ -5764,7 +5745,7 @@
               <a:buChar char="○"/>
               <a:defRPr/>
             </a:lvl8pPr>
-            <a:lvl9pPr indent="-298450" lvl="8" marL="4114800">
+            <a:lvl9pPr marL="4114800" lvl="8" indent="-298450">
               <a:spcBef>
                 <a:spcPts val="0"/>
               </a:spcBef>
@@ -5776,15 +5757,19 @@
               <a:defRPr/>
             </a:lvl9pPr>
           </a:lstStyle>
-          <a:p/>
+          <a:p>
+            <a:endParaRPr/>
+          </a:p>
         </p:txBody>
       </p:sp>
       <p:sp>
         <p:nvSpPr>
           <p:cNvPr id="55" name="Google Shape;55;p5"/>
-          <p:cNvSpPr txBox="1"/>
+          <p:cNvSpPr txBox="1">
+            <a:spLocks noGrp="1"/>
+          </p:cNvSpPr>
           <p:nvPr>
-            <p:ph idx="12" type="sldNum"/>
+            <p:ph type="sldNum" idx="12"/>
           </p:nvPr>
         </p:nvSpPr>
         <p:spPr>
@@ -5797,7 +5782,7 @@
           </a:prstGeom>
         </p:spPr>
         <p:txBody>
-          <a:bodyPr anchorCtr="0" anchor="ctr" bIns="91425" lIns="91425" spcFirstLastPara="1" rIns="91425" wrap="square" tIns="91425">
+          <a:bodyPr spcFirstLastPara="1" wrap="square" lIns="91425" tIns="91425" rIns="91425" bIns="91425" anchor="ctr" anchorCtr="0">
             <a:normAutofit/>
           </a:bodyPr>
           <a:lstStyle>
@@ -5839,7 +5824,7 @@
             </a:lvl9pPr>
           </a:lstStyle>
           <a:p>
-            <a:pPr indent="0" lvl="0" marL="0" rtl="0" algn="r">
+            <a:pPr marL="0" lvl="0" indent="0" algn="r" rtl="0">
               <a:spcBef>
                 <a:spcPts val="0"/>
               </a:spcBef>
@@ -5865,11 +5850,11 @@
 </file>
 
 <file path=ppt/slideLayouts/slideLayout5.xml><?xml version="1.0" encoding="utf-8"?>
-<p:sldLayout xmlns:a="http://schemas.openxmlformats.org/drawingml/2006/main" xmlns:r="http://schemas.openxmlformats.org/officeDocument/2006/relationships" xmlns:mc="http://schemas.openxmlformats.org/markup-compatibility/2006" xmlns:mv="urn:schemas-microsoft-com:mac:vml" xmlns:p="http://schemas.openxmlformats.org/presentationml/2006/main" xmlns:c="http://schemas.openxmlformats.org/drawingml/2006/chart" xmlns:dgm="http://schemas.openxmlformats.org/drawingml/2006/diagram" xmlns:o="urn:schemas-microsoft-com:office:office" xmlns:v="urn:schemas-microsoft-com:vml" xmlns:pvml="urn:schemas-microsoft-com:office:powerpoint" xmlns:com="http://schemas.openxmlformats.org/drawingml/2006/compatibility" xmlns:p14="http://schemas.microsoft.com/office/powerpoint/2010/main" xmlns:p15="http://schemas.microsoft.com/office/powerpoint/2012/main" xmlns:ahyp="http://schemas.microsoft.com/office/drawing/2018/hyperlinkcolor" matchingName="Title only" type="titleOnly">
+<p:sldLayout xmlns:a="http://schemas.openxmlformats.org/drawingml/2006/main" xmlns:r="http://schemas.openxmlformats.org/officeDocument/2006/relationships" xmlns:p="http://schemas.openxmlformats.org/presentationml/2006/main" matchingName="Title only" type="titleOnly">
   <p:cSld name="TITLE_ONLY">
     <p:spTree>
       <p:nvGrpSpPr>
-        <p:cNvPr id="56" name="Shape 56"/>
+        <p:cNvPr id="1" name="Shape 56"/>
         <p:cNvGrpSpPr/>
         <p:nvPr/>
       </p:nvGrpSpPr>
@@ -5908,7 +5893,7 @@
             </a:xfrm>
             <a:prstGeom prst="diagStripe">
               <a:avLst>
-                <a:gd fmla="val 50000" name="adj"/>
+                <a:gd name="adj" fmla="val 50000"/>
               </a:avLst>
             </a:prstGeom>
             <a:solidFill>
@@ -5919,12 +5904,12 @@
             </a:ln>
           </p:spPr>
           <p:txBody>
-            <a:bodyPr anchorCtr="0" anchor="ctr" bIns="91425" lIns="91425" spcFirstLastPara="1" rIns="91425" wrap="square" tIns="91425">
+            <a:bodyPr spcFirstLastPara="1" wrap="square" lIns="91425" tIns="91425" rIns="91425" bIns="91425" anchor="ctr" anchorCtr="0">
               <a:noAutofit/>
             </a:bodyPr>
             <a:lstStyle/>
             <a:p>
-              <a:pPr indent="0" lvl="0" marL="0" rtl="0" algn="l">
+              <a:pPr marL="0" lvl="0" indent="0" algn="l" rtl="0">
                 <a:spcBef>
                   <a:spcPts val="0"/>
                 </a:spcBef>
@@ -5933,9 +5918,6 @@
                 </a:spcAft>
                 <a:buNone/>
               </a:pPr>
-              <a:r>
-                <a:t/>
-              </a:r>
               <a:endParaRPr/>
             </a:p>
           </p:txBody>
@@ -5953,7 +5935,7 @@
             </a:xfrm>
             <a:prstGeom prst="diagStripe">
               <a:avLst>
-                <a:gd fmla="val 50000" name="adj"/>
+                <a:gd name="adj" fmla="val 50000"/>
               </a:avLst>
             </a:prstGeom>
             <a:solidFill>
@@ -5964,12 +5946,12 @@
             </a:ln>
           </p:spPr>
           <p:txBody>
-            <a:bodyPr anchorCtr="0" anchor="ctr" bIns="91425" lIns="91425" spcFirstLastPara="1" rIns="91425" wrap="square" tIns="91425">
+            <a:bodyPr spcFirstLastPara="1" wrap="square" lIns="91425" tIns="91425" rIns="91425" bIns="91425" anchor="ctr" anchorCtr="0">
               <a:noAutofit/>
             </a:bodyPr>
             <a:lstStyle/>
             <a:p>
-              <a:pPr indent="0" lvl="0" marL="0" rtl="0" algn="l">
+              <a:pPr marL="0" lvl="0" indent="0" algn="l" rtl="0">
                 <a:spcBef>
                   <a:spcPts val="0"/>
                 </a:spcBef>
@@ -5978,9 +5960,6 @@
                 </a:spcAft>
                 <a:buNone/>
               </a:pPr>
-              <a:r>
-                <a:t/>
-              </a:r>
               <a:endParaRPr/>
             </a:p>
           </p:txBody>
@@ -5989,7 +5968,9 @@
       <p:sp>
         <p:nvSpPr>
           <p:cNvPr id="60" name="Google Shape;60;p6"/>
-          <p:cNvSpPr txBox="1"/>
+          <p:cNvSpPr txBox="1">
+            <a:spLocks noGrp="1"/>
+          </p:cNvSpPr>
           <p:nvPr>
             <p:ph type="title"/>
           </p:nvPr>
@@ -6004,7 +5985,7 @@
           </a:prstGeom>
         </p:spPr>
         <p:txBody>
-          <a:bodyPr anchorCtr="0" anchor="t" bIns="91425" lIns="91425" spcFirstLastPara="1" rIns="91425" wrap="square" tIns="91425">
+          <a:bodyPr spcFirstLastPara="1" wrap="square" lIns="91425" tIns="91425" rIns="91425" bIns="91425" anchor="t" anchorCtr="0">
             <a:normAutofit/>
           </a:bodyPr>
           <a:lstStyle>
@@ -6108,15 +6089,19 @@
               <a:defRPr sz="2400"/>
             </a:lvl9pPr>
           </a:lstStyle>
-          <a:p/>
+          <a:p>
+            <a:endParaRPr/>
+          </a:p>
         </p:txBody>
       </p:sp>
       <p:sp>
         <p:nvSpPr>
           <p:cNvPr id="61" name="Google Shape;61;p6"/>
-          <p:cNvSpPr txBox="1"/>
+          <p:cNvSpPr txBox="1">
+            <a:spLocks noGrp="1"/>
+          </p:cNvSpPr>
           <p:nvPr>
-            <p:ph idx="12" type="sldNum"/>
+            <p:ph type="sldNum" idx="12"/>
           </p:nvPr>
         </p:nvSpPr>
         <p:spPr>
@@ -6129,7 +6114,7 @@
           </a:prstGeom>
         </p:spPr>
         <p:txBody>
-          <a:bodyPr anchorCtr="0" anchor="ctr" bIns="91425" lIns="91425" spcFirstLastPara="1" rIns="91425" wrap="square" tIns="91425">
+          <a:bodyPr spcFirstLastPara="1" wrap="square" lIns="91425" tIns="91425" rIns="91425" bIns="91425" anchor="ctr" anchorCtr="0">
             <a:normAutofit/>
           </a:bodyPr>
           <a:lstStyle>
@@ -6171,7 +6156,7 @@
             </a:lvl9pPr>
           </a:lstStyle>
           <a:p>
-            <a:pPr indent="0" lvl="0" marL="0" rtl="0" algn="r">
+            <a:pPr marL="0" lvl="0" indent="0" algn="r" rtl="0">
               <a:spcBef>
                 <a:spcPts val="0"/>
               </a:spcBef>
@@ -6197,11 +6182,11 @@
 </file>
 
 <file path=ppt/slideLayouts/slideLayout6.xml><?xml version="1.0" encoding="utf-8"?>
-<p:sldLayout xmlns:a="http://schemas.openxmlformats.org/drawingml/2006/main" xmlns:r="http://schemas.openxmlformats.org/officeDocument/2006/relationships" xmlns:mc="http://schemas.openxmlformats.org/markup-compatibility/2006" xmlns:mv="urn:schemas-microsoft-com:mac:vml" xmlns:p="http://schemas.openxmlformats.org/presentationml/2006/main" xmlns:c="http://schemas.openxmlformats.org/drawingml/2006/chart" xmlns:dgm="http://schemas.openxmlformats.org/drawingml/2006/diagram" xmlns:o="urn:schemas-microsoft-com:office:office" xmlns:v="urn:schemas-microsoft-com:vml" xmlns:pvml="urn:schemas-microsoft-com:office:powerpoint" xmlns:com="http://schemas.openxmlformats.org/drawingml/2006/compatibility" xmlns:p14="http://schemas.microsoft.com/office/powerpoint/2010/main" xmlns:p15="http://schemas.microsoft.com/office/powerpoint/2012/main" xmlns:ahyp="http://schemas.microsoft.com/office/drawing/2018/hyperlinkcolor" matchingName="One column text">
+<p:sldLayout xmlns:a="http://schemas.openxmlformats.org/drawingml/2006/main" xmlns:r="http://schemas.openxmlformats.org/officeDocument/2006/relationships" xmlns:p="http://schemas.openxmlformats.org/presentationml/2006/main" matchingName="One column text">
   <p:cSld name="ONE_COLUMN_TEXT">
     <p:spTree>
       <p:nvGrpSpPr>
-        <p:cNvPr id="62" name="Shape 62"/>
+        <p:cNvPr id="1" name="Shape 62"/>
         <p:cNvGrpSpPr/>
         <p:nvPr/>
       </p:nvGrpSpPr>
@@ -6240,7 +6225,7 @@
             </a:xfrm>
             <a:prstGeom prst="diagStripe">
               <a:avLst>
-                <a:gd fmla="val 50000" name="adj"/>
+                <a:gd name="adj" fmla="val 50000"/>
               </a:avLst>
             </a:prstGeom>
             <a:solidFill>
@@ -6251,12 +6236,12 @@
             </a:ln>
           </p:spPr>
           <p:txBody>
-            <a:bodyPr anchorCtr="0" anchor="ctr" bIns="91425" lIns="91425" spcFirstLastPara="1" rIns="91425" wrap="square" tIns="91425">
+            <a:bodyPr spcFirstLastPara="1" wrap="square" lIns="91425" tIns="91425" rIns="91425" bIns="91425" anchor="ctr" anchorCtr="0">
               <a:noAutofit/>
             </a:bodyPr>
             <a:lstStyle/>
             <a:p>
-              <a:pPr indent="0" lvl="0" marL="0" rtl="0" algn="l">
+              <a:pPr marL="0" lvl="0" indent="0" algn="l" rtl="0">
                 <a:spcBef>
                   <a:spcPts val="0"/>
                 </a:spcBef>
@@ -6265,9 +6250,6 @@
                 </a:spcAft>
                 <a:buNone/>
               </a:pPr>
-              <a:r>
-                <a:t/>
-              </a:r>
               <a:endParaRPr/>
             </a:p>
           </p:txBody>
@@ -6285,7 +6267,7 @@
             </a:xfrm>
             <a:prstGeom prst="diagStripe">
               <a:avLst>
-                <a:gd fmla="val 50000" name="adj"/>
+                <a:gd name="adj" fmla="val 50000"/>
               </a:avLst>
             </a:prstGeom>
             <a:solidFill>
@@ -6296,12 +6278,12 @@
             </a:ln>
           </p:spPr>
           <p:txBody>
-            <a:bodyPr anchorCtr="0" anchor="ctr" bIns="91425" lIns="91425" spcFirstLastPara="1" rIns="91425" wrap="square" tIns="91425">
+            <a:bodyPr spcFirstLastPara="1" wrap="square" lIns="91425" tIns="91425" rIns="91425" bIns="91425" anchor="ctr" anchorCtr="0">
               <a:noAutofit/>
             </a:bodyPr>
             <a:lstStyle/>
             <a:p>
-              <a:pPr indent="0" lvl="0" marL="0" rtl="0" algn="l">
+              <a:pPr marL="0" lvl="0" indent="0" algn="l" rtl="0">
                 <a:spcBef>
                   <a:spcPts val="0"/>
                 </a:spcBef>
@@ -6310,9 +6292,6 @@
                 </a:spcAft>
                 <a:buNone/>
               </a:pPr>
-              <a:r>
-                <a:t/>
-              </a:r>
               <a:endParaRPr/>
             </a:p>
           </p:txBody>
@@ -6321,7 +6300,9 @@
       <p:sp>
         <p:nvSpPr>
           <p:cNvPr id="66" name="Google Shape;66;p7"/>
-          <p:cNvSpPr txBox="1"/>
+          <p:cNvSpPr txBox="1">
+            <a:spLocks noGrp="1"/>
+          </p:cNvSpPr>
           <p:nvPr>
             <p:ph type="title"/>
           </p:nvPr>
@@ -6336,7 +6317,7 @@
           </a:prstGeom>
         </p:spPr>
         <p:txBody>
-          <a:bodyPr anchorCtr="0" anchor="t" bIns="91425" lIns="91425" spcFirstLastPara="1" rIns="91425" wrap="square" tIns="91425">
+          <a:bodyPr spcFirstLastPara="1" wrap="square" lIns="91425" tIns="91425" rIns="91425" bIns="91425" anchor="t" anchorCtr="0">
             <a:normAutofit/>
           </a:bodyPr>
           <a:lstStyle>
@@ -6440,15 +6421,19 @@
               <a:defRPr sz="2400"/>
             </a:lvl9pPr>
           </a:lstStyle>
-          <a:p/>
+          <a:p>
+            <a:endParaRPr/>
+          </a:p>
         </p:txBody>
       </p:sp>
       <p:sp>
         <p:nvSpPr>
           <p:cNvPr id="67" name="Google Shape;67;p7"/>
-          <p:cNvSpPr txBox="1"/>
+          <p:cNvSpPr txBox="1">
+            <a:spLocks noGrp="1"/>
+          </p:cNvSpPr>
           <p:nvPr>
-            <p:ph idx="1" type="body"/>
+            <p:ph type="body" idx="1"/>
           </p:nvPr>
         </p:nvSpPr>
         <p:spPr>
@@ -6461,11 +6446,11 @@
           </a:prstGeom>
         </p:spPr>
         <p:txBody>
-          <a:bodyPr anchorCtr="0" anchor="t" bIns="91425" lIns="91425" spcFirstLastPara="1" rIns="91425" wrap="square" tIns="91425">
+          <a:bodyPr spcFirstLastPara="1" wrap="square" lIns="91425" tIns="91425" rIns="91425" bIns="91425" anchor="t" anchorCtr="0">
             <a:normAutofit/>
           </a:bodyPr>
           <a:lstStyle>
-            <a:lvl1pPr indent="-311150" lvl="0" marL="457200">
+            <a:lvl1pPr marL="457200" lvl="0" indent="-311150">
               <a:spcBef>
                 <a:spcPts val="0"/>
               </a:spcBef>
@@ -6476,7 +6461,7 @@
               <a:buChar char="●"/>
               <a:defRPr/>
             </a:lvl1pPr>
-            <a:lvl2pPr indent="-298450" lvl="1" marL="914400">
+            <a:lvl2pPr marL="914400" lvl="1" indent="-298450">
               <a:spcBef>
                 <a:spcPts val="0"/>
               </a:spcBef>
@@ -6487,7 +6472,7 @@
               <a:buChar char="○"/>
               <a:defRPr/>
             </a:lvl2pPr>
-            <a:lvl3pPr indent="-298450" lvl="2" marL="1371600">
+            <a:lvl3pPr marL="1371600" lvl="2" indent="-298450">
               <a:spcBef>
                 <a:spcPts val="0"/>
               </a:spcBef>
@@ -6498,7 +6483,7 @@
               <a:buChar char="■"/>
               <a:defRPr/>
             </a:lvl3pPr>
-            <a:lvl4pPr indent="-298450" lvl="3" marL="1828800">
+            <a:lvl4pPr marL="1828800" lvl="3" indent="-298450">
               <a:spcBef>
                 <a:spcPts val="0"/>
               </a:spcBef>
@@ -6509,7 +6494,7 @@
               <a:buChar char="●"/>
               <a:defRPr/>
             </a:lvl4pPr>
-            <a:lvl5pPr indent="-298450" lvl="4" marL="2286000">
+            <a:lvl5pPr marL="2286000" lvl="4" indent="-298450">
               <a:spcBef>
                 <a:spcPts val="0"/>
               </a:spcBef>
@@ -6520,7 +6505,7 @@
               <a:buChar char="○"/>
               <a:defRPr/>
             </a:lvl5pPr>
-            <a:lvl6pPr indent="-298450" lvl="5" marL="2743200">
+            <a:lvl6pPr marL="2743200" lvl="5" indent="-298450">
               <a:spcBef>
                 <a:spcPts val="0"/>
               </a:spcBef>
@@ -6531,7 +6516,7 @@
               <a:buChar char="■"/>
               <a:defRPr/>
             </a:lvl6pPr>
-            <a:lvl7pPr indent="-298450" lvl="6" marL="3200400">
+            <a:lvl7pPr marL="3200400" lvl="6" indent="-298450">
               <a:spcBef>
                 <a:spcPts val="0"/>
               </a:spcBef>
@@ -6542,7 +6527,7 @@
               <a:buChar char="●"/>
               <a:defRPr/>
             </a:lvl7pPr>
-            <a:lvl8pPr indent="-298450" lvl="7" marL="3657600">
+            <a:lvl8pPr marL="3657600" lvl="7" indent="-298450">
               <a:spcBef>
                 <a:spcPts val="0"/>
               </a:spcBef>
@@ -6553,7 +6538,7 @@
               <a:buChar char="○"/>
               <a:defRPr/>
             </a:lvl8pPr>
-            <a:lvl9pPr indent="-298450" lvl="8" marL="4114800">
+            <a:lvl9pPr marL="4114800" lvl="8" indent="-298450">
               <a:spcBef>
                 <a:spcPts val="0"/>
               </a:spcBef>
@@ -6565,15 +6550,19 @@
               <a:defRPr/>
             </a:lvl9pPr>
           </a:lstStyle>
-          <a:p/>
+          <a:p>
+            <a:endParaRPr/>
+          </a:p>
         </p:txBody>
       </p:sp>
       <p:sp>
         <p:nvSpPr>
           <p:cNvPr id="68" name="Google Shape;68;p7"/>
-          <p:cNvSpPr txBox="1"/>
+          <p:cNvSpPr txBox="1">
+            <a:spLocks noGrp="1"/>
+          </p:cNvSpPr>
           <p:nvPr>
-            <p:ph idx="12" type="sldNum"/>
+            <p:ph type="sldNum" idx="12"/>
           </p:nvPr>
         </p:nvSpPr>
         <p:spPr>
@@ -6586,7 +6575,7 @@
           </a:prstGeom>
         </p:spPr>
         <p:txBody>
-          <a:bodyPr anchorCtr="0" anchor="ctr" bIns="91425" lIns="91425" spcFirstLastPara="1" rIns="91425" wrap="square" tIns="91425">
+          <a:bodyPr spcFirstLastPara="1" wrap="square" lIns="91425" tIns="91425" rIns="91425" bIns="91425" anchor="ctr" anchorCtr="0">
             <a:normAutofit/>
           </a:bodyPr>
           <a:lstStyle>
@@ -6628,7 +6617,7 @@
             </a:lvl9pPr>
           </a:lstStyle>
           <a:p>
-            <a:pPr indent="0" lvl="0" marL="0" rtl="0" algn="r">
+            <a:pPr marL="0" lvl="0" indent="0" algn="r" rtl="0">
               <a:spcBef>
                 <a:spcPts val="0"/>
               </a:spcBef>
@@ -6654,11 +6643,11 @@
 </file>
 
 <file path=ppt/slideLayouts/slideLayout7.xml><?xml version="1.0" encoding="utf-8"?>
-<p:sldLayout xmlns:a="http://schemas.openxmlformats.org/drawingml/2006/main" xmlns:r="http://schemas.openxmlformats.org/officeDocument/2006/relationships" xmlns:mc="http://schemas.openxmlformats.org/markup-compatibility/2006" xmlns:mv="urn:schemas-microsoft-com:mac:vml" xmlns:p="http://schemas.openxmlformats.org/presentationml/2006/main" xmlns:c="http://schemas.openxmlformats.org/drawingml/2006/chart" xmlns:dgm="http://schemas.openxmlformats.org/drawingml/2006/diagram" xmlns:o="urn:schemas-microsoft-com:office:office" xmlns:v="urn:schemas-microsoft-com:vml" xmlns:pvml="urn:schemas-microsoft-com:office:powerpoint" xmlns:com="http://schemas.openxmlformats.org/drawingml/2006/compatibility" xmlns:p14="http://schemas.microsoft.com/office/powerpoint/2010/main" xmlns:p15="http://schemas.microsoft.com/office/powerpoint/2012/main" xmlns:ahyp="http://schemas.microsoft.com/office/drawing/2018/hyperlinkcolor" matchingName="Main point">
+<p:sldLayout xmlns:a="http://schemas.openxmlformats.org/drawingml/2006/main" xmlns:r="http://schemas.openxmlformats.org/officeDocument/2006/relationships" xmlns:p="http://schemas.openxmlformats.org/presentationml/2006/main" matchingName="Main point">
   <p:cSld name="MAIN_POINT">
     <p:spTree>
       <p:nvGrpSpPr>
-        <p:cNvPr id="69" name="Shape 69"/>
+        <p:cNvPr id="1" name="Shape 69"/>
         <p:cNvGrpSpPr/>
         <p:nvPr/>
       </p:nvGrpSpPr>
@@ -6697,7 +6686,7 @@
             </a:xfrm>
             <a:prstGeom prst="diagStripe">
               <a:avLst>
-                <a:gd fmla="val 49469" name="adj"/>
+                <a:gd name="adj" fmla="val 49469"/>
               </a:avLst>
             </a:prstGeom>
             <a:solidFill>
@@ -6710,12 +6699,12 @@
             </a:ln>
           </p:spPr>
           <p:txBody>
-            <a:bodyPr anchorCtr="0" anchor="ctr" bIns="91425" lIns="91425" spcFirstLastPara="1" rIns="91425" wrap="square" tIns="91425">
+            <a:bodyPr spcFirstLastPara="1" wrap="square" lIns="91425" tIns="91425" rIns="91425" bIns="91425" anchor="ctr" anchorCtr="0">
               <a:noAutofit/>
             </a:bodyPr>
             <a:lstStyle/>
             <a:p>
-              <a:pPr indent="0" lvl="0" marL="0" rtl="0" algn="l">
+              <a:pPr marL="0" lvl="0" indent="0" algn="l" rtl="0">
                 <a:spcBef>
                   <a:spcPts val="0"/>
                 </a:spcBef>
@@ -6724,9 +6713,6 @@
                 </a:spcAft>
                 <a:buNone/>
               </a:pPr>
-              <a:r>
-                <a:t/>
-              </a:r>
               <a:endParaRPr/>
             </a:p>
           </p:txBody>
@@ -6744,7 +6730,7 @@
             </a:xfrm>
             <a:prstGeom prst="diagStripe">
               <a:avLst>
-                <a:gd fmla="val 0" name="adj"/>
+                <a:gd name="adj" fmla="val 0"/>
               </a:avLst>
             </a:prstGeom>
             <a:solidFill>
@@ -6757,12 +6743,12 @@
             </a:ln>
           </p:spPr>
           <p:txBody>
-            <a:bodyPr anchorCtr="0" anchor="ctr" bIns="91425" lIns="91425" spcFirstLastPara="1" rIns="91425" wrap="square" tIns="91425">
+            <a:bodyPr spcFirstLastPara="1" wrap="square" lIns="91425" tIns="91425" rIns="91425" bIns="91425" anchor="ctr" anchorCtr="0">
               <a:noAutofit/>
             </a:bodyPr>
             <a:lstStyle/>
             <a:p>
-              <a:pPr indent="0" lvl="0" marL="0" rtl="0" algn="l">
+              <a:pPr marL="0" lvl="0" indent="0" algn="l" rtl="0">
                 <a:spcBef>
                   <a:spcPts val="0"/>
                 </a:spcBef>
@@ -6771,9 +6757,6 @@
                 </a:spcAft>
                 <a:buNone/>
               </a:pPr>
-              <a:r>
-                <a:t/>
-              </a:r>
               <a:endParaRPr/>
             </a:p>
           </p:txBody>
@@ -6791,7 +6774,7 @@
             </a:xfrm>
             <a:prstGeom prst="diagStripe">
               <a:avLst>
-                <a:gd fmla="val 50000" name="adj"/>
+                <a:gd name="adj" fmla="val 50000"/>
               </a:avLst>
             </a:prstGeom>
             <a:solidFill>
@@ -6804,12 +6787,12 @@
             </a:ln>
           </p:spPr>
           <p:txBody>
-            <a:bodyPr anchorCtr="0" anchor="ctr" bIns="91425" lIns="91425" spcFirstLastPara="1" rIns="91425" wrap="square" tIns="91425">
+            <a:bodyPr spcFirstLastPara="1" wrap="square" lIns="91425" tIns="91425" rIns="91425" bIns="91425" anchor="ctr" anchorCtr="0">
               <a:noAutofit/>
             </a:bodyPr>
             <a:lstStyle/>
             <a:p>
-              <a:pPr indent="0" lvl="0" marL="0" rtl="0" algn="l">
+              <a:pPr marL="0" lvl="0" indent="0" algn="l" rtl="0">
                 <a:spcBef>
                   <a:spcPts val="0"/>
                 </a:spcBef>
@@ -6818,9 +6801,6 @@
                 </a:spcAft>
                 <a:buNone/>
               </a:pPr>
-              <a:r>
-                <a:t/>
-              </a:r>
               <a:endParaRPr/>
             </a:p>
           </p:txBody>
@@ -6838,7 +6818,7 @@
             </a:xfrm>
             <a:prstGeom prst="diagStripe">
               <a:avLst>
-                <a:gd fmla="val 50000" name="adj"/>
+                <a:gd name="adj" fmla="val 50000"/>
               </a:avLst>
             </a:prstGeom>
             <a:solidFill>
@@ -6851,12 +6831,12 @@
             </a:ln>
           </p:spPr>
           <p:txBody>
-            <a:bodyPr anchorCtr="0" anchor="ctr" bIns="91425" lIns="91425" spcFirstLastPara="1" rIns="91425" wrap="square" tIns="91425">
+            <a:bodyPr spcFirstLastPara="1" wrap="square" lIns="91425" tIns="91425" rIns="91425" bIns="91425" anchor="ctr" anchorCtr="0">
               <a:noAutofit/>
             </a:bodyPr>
             <a:lstStyle/>
             <a:p>
-              <a:pPr indent="0" lvl="0" marL="0" rtl="0" algn="l">
+              <a:pPr marL="0" lvl="0" indent="0" algn="l" rtl="0">
                 <a:spcBef>
                   <a:spcPts val="0"/>
                 </a:spcBef>
@@ -6865,9 +6845,6 @@
                 </a:spcAft>
                 <a:buNone/>
               </a:pPr>
-              <a:r>
-                <a:t/>
-              </a:r>
               <a:endParaRPr/>
             </a:p>
           </p:txBody>
@@ -6885,7 +6862,7 @@
             </a:xfrm>
             <a:prstGeom prst="diagStripe">
               <a:avLst>
-                <a:gd fmla="val 50000" name="adj"/>
+                <a:gd name="adj" fmla="val 50000"/>
               </a:avLst>
             </a:prstGeom>
             <a:solidFill>
@@ -6898,12 +6875,12 @@
             </a:ln>
           </p:spPr>
           <p:txBody>
-            <a:bodyPr anchorCtr="0" anchor="ctr" bIns="91425" lIns="91425" spcFirstLastPara="1" rIns="91425" wrap="square" tIns="91425">
+            <a:bodyPr spcFirstLastPara="1" wrap="square" lIns="91425" tIns="91425" rIns="91425" bIns="91425" anchor="ctr" anchorCtr="0">
               <a:noAutofit/>
             </a:bodyPr>
             <a:lstStyle/>
             <a:p>
-              <a:pPr indent="0" lvl="0" marL="0" rtl="0" algn="l">
+              <a:pPr marL="0" lvl="0" indent="0" algn="l" rtl="0">
                 <a:spcBef>
                   <a:spcPts val="0"/>
                 </a:spcBef>
@@ -6912,9 +6889,6 @@
                 </a:spcAft>
                 <a:buNone/>
               </a:pPr>
-              <a:r>
-                <a:t/>
-              </a:r>
               <a:endParaRPr/>
             </a:p>
           </p:txBody>
@@ -6932,7 +6906,7 @@
             </a:xfrm>
             <a:prstGeom prst="diagStripe">
               <a:avLst>
-                <a:gd fmla="val 50000" name="adj"/>
+                <a:gd name="adj" fmla="val 50000"/>
               </a:avLst>
             </a:prstGeom>
             <a:solidFill>
@@ -6945,12 +6919,12 @@
             </a:ln>
           </p:spPr>
           <p:txBody>
-            <a:bodyPr anchorCtr="0" anchor="ctr" bIns="91425" lIns="91425" spcFirstLastPara="1" rIns="91425" wrap="square" tIns="91425">
+            <a:bodyPr spcFirstLastPara="1" wrap="square" lIns="91425" tIns="91425" rIns="91425" bIns="91425" anchor="ctr" anchorCtr="0">
               <a:noAutofit/>
             </a:bodyPr>
             <a:lstStyle/>
             <a:p>
-              <a:pPr indent="0" lvl="0" marL="0" rtl="0" algn="l">
+              <a:pPr marL="0" lvl="0" indent="0" algn="l" rtl="0">
                 <a:spcBef>
                   <a:spcPts val="0"/>
                 </a:spcBef>
@@ -6959,9 +6933,6 @@
                 </a:spcAft>
                 <a:buNone/>
               </a:pPr>
-              <a:r>
-                <a:t/>
-              </a:r>
               <a:endParaRPr/>
             </a:p>
           </p:txBody>
@@ -6979,7 +6950,7 @@
             </a:xfrm>
             <a:prstGeom prst="diagStripe">
               <a:avLst>
-                <a:gd fmla="val 50000" name="adj"/>
+                <a:gd name="adj" fmla="val 50000"/>
               </a:avLst>
             </a:prstGeom>
             <a:solidFill>
@@ -6992,12 +6963,12 @@
             </a:ln>
           </p:spPr>
           <p:txBody>
-            <a:bodyPr anchorCtr="0" anchor="ctr" bIns="91425" lIns="91425" spcFirstLastPara="1" rIns="91425" wrap="square" tIns="91425">
+            <a:bodyPr spcFirstLastPara="1" wrap="square" lIns="91425" tIns="91425" rIns="91425" bIns="91425" anchor="ctr" anchorCtr="0">
               <a:noAutofit/>
             </a:bodyPr>
             <a:lstStyle/>
             <a:p>
-              <a:pPr indent="0" lvl="0" marL="0" rtl="0" algn="l">
+              <a:pPr marL="0" lvl="0" indent="0" algn="l" rtl="0">
                 <a:spcBef>
                   <a:spcPts val="0"/>
                 </a:spcBef>
@@ -7006,9 +6977,6 @@
                 </a:spcAft>
                 <a:buNone/>
               </a:pPr>
-              <a:r>
-                <a:t/>
-              </a:r>
               <a:endParaRPr/>
             </a:p>
           </p:txBody>
@@ -7026,7 +6994,7 @@
             </a:xfrm>
             <a:prstGeom prst="diagStripe">
               <a:avLst>
-                <a:gd fmla="val 50000" name="adj"/>
+                <a:gd name="adj" fmla="val 50000"/>
               </a:avLst>
             </a:prstGeom>
             <a:solidFill>
@@ -7037,12 +7005,12 @@
             </a:ln>
           </p:spPr>
           <p:txBody>
-            <a:bodyPr anchorCtr="0" anchor="ctr" bIns="91425" lIns="91425" spcFirstLastPara="1" rIns="91425" wrap="square" tIns="91425">
+            <a:bodyPr spcFirstLastPara="1" wrap="square" lIns="91425" tIns="91425" rIns="91425" bIns="91425" anchor="ctr" anchorCtr="0">
               <a:noAutofit/>
             </a:bodyPr>
             <a:lstStyle/>
             <a:p>
-              <a:pPr indent="0" lvl="0" marL="0" rtl="0" algn="l">
+              <a:pPr marL="0" lvl="0" indent="0" algn="l" rtl="0">
                 <a:spcBef>
                   <a:spcPts val="0"/>
                 </a:spcBef>
@@ -7051,9 +7019,6 @@
                 </a:spcAft>
                 <a:buNone/>
               </a:pPr>
-              <a:r>
-                <a:t/>
-              </a:r>
               <a:endParaRPr/>
             </a:p>
           </p:txBody>
@@ -7071,7 +7036,7 @@
             </a:xfrm>
             <a:prstGeom prst="diagStripe">
               <a:avLst>
-                <a:gd fmla="val 50000" name="adj"/>
+                <a:gd name="adj" fmla="val 50000"/>
               </a:avLst>
             </a:prstGeom>
             <a:solidFill>
@@ -7084,12 +7049,12 @@
             </a:ln>
           </p:spPr>
           <p:txBody>
-            <a:bodyPr anchorCtr="0" anchor="ctr" bIns="91425" lIns="91425" spcFirstLastPara="1" rIns="91425" wrap="square" tIns="91425">
+            <a:bodyPr spcFirstLastPara="1" wrap="square" lIns="91425" tIns="91425" rIns="91425" bIns="91425" anchor="ctr" anchorCtr="0">
               <a:noAutofit/>
             </a:bodyPr>
             <a:lstStyle/>
             <a:p>
-              <a:pPr indent="0" lvl="0" marL="0" rtl="0" algn="l">
+              <a:pPr marL="0" lvl="0" indent="0" algn="l" rtl="0">
                 <a:spcBef>
                   <a:spcPts val="0"/>
                 </a:spcBef>
@@ -7098,9 +7063,6 @@
                 </a:spcAft>
                 <a:buNone/>
               </a:pPr>
-              <a:r>
-                <a:t/>
-              </a:r>
               <a:endParaRPr/>
             </a:p>
           </p:txBody>
@@ -7118,7 +7080,7 @@
             </a:xfrm>
             <a:prstGeom prst="diagStripe">
               <a:avLst>
-                <a:gd fmla="val 50000" name="adj"/>
+                <a:gd name="adj" fmla="val 50000"/>
               </a:avLst>
             </a:prstGeom>
             <a:solidFill>
@@ -7131,12 +7093,12 @@
             </a:ln>
           </p:spPr>
           <p:txBody>
-            <a:bodyPr anchorCtr="0" anchor="ctr" bIns="91425" lIns="91425" spcFirstLastPara="1" rIns="91425" wrap="square" tIns="91425">
+            <a:bodyPr spcFirstLastPara="1" wrap="square" lIns="91425" tIns="91425" rIns="91425" bIns="91425" anchor="ctr" anchorCtr="0">
               <a:noAutofit/>
             </a:bodyPr>
             <a:lstStyle/>
             <a:p>
-              <a:pPr indent="0" lvl="0" marL="0" rtl="0" algn="l">
+              <a:pPr marL="0" lvl="0" indent="0" algn="l" rtl="0">
                 <a:spcBef>
                   <a:spcPts val="0"/>
                 </a:spcBef>
@@ -7145,9 +7107,6 @@
                 </a:spcAft>
                 <a:buNone/>
               </a:pPr>
-              <a:r>
-                <a:t/>
-              </a:r>
               <a:endParaRPr/>
             </a:p>
           </p:txBody>
@@ -7165,7 +7124,7 @@
             </a:xfrm>
             <a:prstGeom prst="diagStripe">
               <a:avLst>
-                <a:gd fmla="val 50000" name="adj"/>
+                <a:gd name="adj" fmla="val 50000"/>
               </a:avLst>
             </a:prstGeom>
             <a:solidFill>
@@ -7178,12 +7137,12 @@
             </a:ln>
           </p:spPr>
           <p:txBody>
-            <a:bodyPr anchorCtr="0" anchor="ctr" bIns="91425" lIns="91425" spcFirstLastPara="1" rIns="91425" wrap="square" tIns="91425">
+            <a:bodyPr spcFirstLastPara="1" wrap="square" lIns="91425" tIns="91425" rIns="91425" bIns="91425" anchor="ctr" anchorCtr="0">
               <a:noAutofit/>
             </a:bodyPr>
             <a:lstStyle/>
             <a:p>
-              <a:pPr indent="0" lvl="0" marL="0" rtl="0" algn="l">
+              <a:pPr marL="0" lvl="0" indent="0" algn="l" rtl="0">
                 <a:spcBef>
                   <a:spcPts val="0"/>
                 </a:spcBef>
@@ -7192,9 +7151,6 @@
                 </a:spcAft>
                 <a:buNone/>
               </a:pPr>
-              <a:r>
-                <a:t/>
-              </a:r>
               <a:endParaRPr/>
             </a:p>
           </p:txBody>
@@ -7212,7 +7168,7 @@
             </a:xfrm>
             <a:prstGeom prst="diagStripe">
               <a:avLst>
-                <a:gd fmla="val 50000" name="adj"/>
+                <a:gd name="adj" fmla="val 50000"/>
               </a:avLst>
             </a:prstGeom>
             <a:solidFill>
@@ -7225,12 +7181,12 @@
             </a:ln>
           </p:spPr>
           <p:txBody>
-            <a:bodyPr anchorCtr="0" anchor="ctr" bIns="91425" lIns="91425" spcFirstLastPara="1" rIns="91425" wrap="square" tIns="91425">
+            <a:bodyPr spcFirstLastPara="1" wrap="square" lIns="91425" tIns="91425" rIns="91425" bIns="91425" anchor="ctr" anchorCtr="0">
               <a:noAutofit/>
             </a:bodyPr>
             <a:lstStyle/>
             <a:p>
-              <a:pPr indent="0" lvl="0" marL="0" rtl="0" algn="l">
+              <a:pPr marL="0" lvl="0" indent="0" algn="l" rtl="0">
                 <a:spcBef>
                   <a:spcPts val="0"/>
                 </a:spcBef>
@@ -7239,9 +7195,6 @@
                 </a:spcAft>
                 <a:buNone/>
               </a:pPr>
-              <a:r>
-                <a:t/>
-              </a:r>
               <a:endParaRPr/>
             </a:p>
           </p:txBody>
@@ -7259,7 +7212,7 @@
             </a:xfrm>
             <a:prstGeom prst="diagStripe">
               <a:avLst>
-                <a:gd fmla="val 50000" name="adj"/>
+                <a:gd name="adj" fmla="val 50000"/>
               </a:avLst>
             </a:prstGeom>
             <a:solidFill>
@@ -7272,12 +7225,12 @@
             </a:ln>
           </p:spPr>
           <p:txBody>
-            <a:bodyPr anchorCtr="0" anchor="ctr" bIns="91425" lIns="91425" spcFirstLastPara="1" rIns="91425" wrap="square" tIns="91425">
+            <a:bodyPr spcFirstLastPara="1" wrap="square" lIns="91425" tIns="91425" rIns="91425" bIns="91425" anchor="ctr" anchorCtr="0">
               <a:noAutofit/>
             </a:bodyPr>
             <a:lstStyle/>
             <a:p>
-              <a:pPr indent="0" lvl="0" marL="0" rtl="0" algn="l">
+              <a:pPr marL="0" lvl="0" indent="0" algn="l" rtl="0">
                 <a:spcBef>
                   <a:spcPts val="0"/>
                 </a:spcBef>
@@ -7286,9 +7239,6 @@
                 </a:spcAft>
                 <a:buNone/>
               </a:pPr>
-              <a:r>
-                <a:t/>
-              </a:r>
               <a:endParaRPr/>
             </a:p>
           </p:txBody>
@@ -7306,7 +7256,7 @@
             </a:xfrm>
             <a:prstGeom prst="diagStripe">
               <a:avLst>
-                <a:gd fmla="val 50000" name="adj"/>
+                <a:gd name="adj" fmla="val 50000"/>
               </a:avLst>
             </a:prstGeom>
             <a:solidFill>
@@ -7317,12 +7267,12 @@
             </a:ln>
           </p:spPr>
           <p:txBody>
-            <a:bodyPr anchorCtr="0" anchor="ctr" bIns="91425" lIns="91425" spcFirstLastPara="1" rIns="91425" wrap="square" tIns="91425">
+            <a:bodyPr spcFirstLastPara="1" wrap="square" lIns="91425" tIns="91425" rIns="91425" bIns="91425" anchor="ctr" anchorCtr="0">
               <a:noAutofit/>
             </a:bodyPr>
             <a:lstStyle/>
             <a:p>
-              <a:pPr indent="0" lvl="0" marL="0" rtl="0" algn="l">
+              <a:pPr marL="0" lvl="0" indent="0" algn="l" rtl="0">
                 <a:spcBef>
                   <a:spcPts val="0"/>
                 </a:spcBef>
@@ -7331,9 +7281,6 @@
                 </a:spcAft>
                 <a:buNone/>
               </a:pPr>
-              <a:r>
-                <a:t/>
-              </a:r>
               <a:endParaRPr/>
             </a:p>
           </p:txBody>
@@ -7351,7 +7298,7 @@
             </a:xfrm>
             <a:prstGeom prst="diagStripe">
               <a:avLst>
-                <a:gd fmla="val 50000" name="adj"/>
+                <a:gd name="adj" fmla="val 50000"/>
               </a:avLst>
             </a:prstGeom>
             <a:solidFill>
@@ -7364,12 +7311,12 @@
             </a:ln>
           </p:spPr>
           <p:txBody>
-            <a:bodyPr anchorCtr="0" anchor="ctr" bIns="91425" lIns="91425" spcFirstLastPara="1" rIns="91425" wrap="square" tIns="91425">
+            <a:bodyPr spcFirstLastPara="1" wrap="square" lIns="91425" tIns="91425" rIns="91425" bIns="91425" anchor="ctr" anchorCtr="0">
               <a:noAutofit/>
             </a:bodyPr>
             <a:lstStyle/>
             <a:p>
-              <a:pPr indent="0" lvl="0" marL="0" rtl="0" algn="l">
+              <a:pPr marL="0" lvl="0" indent="0" algn="l" rtl="0">
                 <a:spcBef>
                   <a:spcPts val="0"/>
                 </a:spcBef>
@@ -7378,9 +7325,6 @@
                 </a:spcAft>
                 <a:buNone/>
               </a:pPr>
-              <a:r>
-                <a:t/>
-              </a:r>
               <a:endParaRPr/>
             </a:p>
           </p:txBody>
@@ -7398,7 +7342,7 @@
             </a:xfrm>
             <a:prstGeom prst="diagStripe">
               <a:avLst>
-                <a:gd fmla="val 50000" name="adj"/>
+                <a:gd name="adj" fmla="val 50000"/>
               </a:avLst>
             </a:prstGeom>
             <a:solidFill>
@@ -7411,12 +7355,12 @@
             </a:ln>
           </p:spPr>
           <p:txBody>
-            <a:bodyPr anchorCtr="0" anchor="ctr" bIns="91425" lIns="91425" spcFirstLastPara="1" rIns="91425" wrap="square" tIns="91425">
+            <a:bodyPr spcFirstLastPara="1" wrap="square" lIns="91425" tIns="91425" rIns="91425" bIns="91425" anchor="ctr" anchorCtr="0">
               <a:noAutofit/>
             </a:bodyPr>
             <a:lstStyle/>
             <a:p>
-              <a:pPr indent="0" lvl="0" marL="0" rtl="0" algn="l">
+              <a:pPr marL="0" lvl="0" indent="0" algn="l" rtl="0">
                 <a:spcBef>
                   <a:spcPts val="0"/>
                 </a:spcBef>
@@ -7425,9 +7369,6 @@
                 </a:spcAft>
                 <a:buNone/>
               </a:pPr>
-              <a:r>
-                <a:t/>
-              </a:r>
               <a:endParaRPr/>
             </a:p>
           </p:txBody>
@@ -7445,7 +7386,7 @@
             </a:xfrm>
             <a:prstGeom prst="diagStripe">
               <a:avLst>
-                <a:gd fmla="val 50000" name="adj"/>
+                <a:gd name="adj" fmla="val 50000"/>
               </a:avLst>
             </a:prstGeom>
             <a:solidFill>
@@ -7458,12 +7399,12 @@
             </a:ln>
           </p:spPr>
           <p:txBody>
-            <a:bodyPr anchorCtr="0" anchor="ctr" bIns="91425" lIns="91425" spcFirstLastPara="1" rIns="91425" wrap="square" tIns="91425">
+            <a:bodyPr spcFirstLastPara="1" wrap="square" lIns="91425" tIns="91425" rIns="91425" bIns="91425" anchor="ctr" anchorCtr="0">
               <a:noAutofit/>
             </a:bodyPr>
             <a:lstStyle/>
             <a:p>
-              <a:pPr indent="0" lvl="0" marL="0" rtl="0" algn="l">
+              <a:pPr marL="0" lvl="0" indent="0" algn="l" rtl="0">
                 <a:spcBef>
                   <a:spcPts val="0"/>
                 </a:spcBef>
@@ -7472,9 +7413,6 @@
                 </a:spcAft>
                 <a:buNone/>
               </a:pPr>
-              <a:r>
-                <a:t/>
-              </a:r>
               <a:endParaRPr/>
             </a:p>
           </p:txBody>
@@ -7492,7 +7430,7 @@
             </a:xfrm>
             <a:prstGeom prst="diagStripe">
               <a:avLst>
-                <a:gd fmla="val 50000" name="adj"/>
+                <a:gd name="adj" fmla="val 50000"/>
               </a:avLst>
             </a:prstGeom>
             <a:solidFill>
@@ -7505,12 +7443,12 @@
             </a:ln>
           </p:spPr>
           <p:txBody>
-            <a:bodyPr anchorCtr="0" anchor="ctr" bIns="91425" lIns="91425" spcFirstLastPara="1" rIns="91425" wrap="square" tIns="91425">
+            <a:bodyPr spcFirstLastPara="1" wrap="square" lIns="91425" tIns="91425" rIns="91425" bIns="91425" anchor="ctr" anchorCtr="0">
               <a:noAutofit/>
             </a:bodyPr>
             <a:lstStyle/>
             <a:p>
-              <a:pPr indent="0" lvl="0" marL="0" rtl="0" algn="l">
+              <a:pPr marL="0" lvl="0" indent="0" algn="l" rtl="0">
                 <a:spcBef>
                   <a:spcPts val="0"/>
                 </a:spcBef>
@@ -7519,9 +7457,6 @@
                 </a:spcAft>
                 <a:buNone/>
               </a:pPr>
-              <a:r>
-                <a:t/>
-              </a:r>
               <a:endParaRPr/>
             </a:p>
           </p:txBody>
@@ -7530,7 +7465,9 @@
       <p:sp>
         <p:nvSpPr>
           <p:cNvPr id="89" name="Google Shape;89;p8"/>
-          <p:cNvSpPr txBox="1"/>
+          <p:cNvSpPr txBox="1">
+            <a:spLocks noGrp="1"/>
+          </p:cNvSpPr>
           <p:nvPr>
             <p:ph type="title"/>
           </p:nvPr>
@@ -7545,7 +7482,7 @@
           </a:prstGeom>
         </p:spPr>
         <p:txBody>
-          <a:bodyPr anchorCtr="0" anchor="ctr" bIns="91425" lIns="91425" spcFirstLastPara="1" rIns="91425" wrap="square" tIns="91425">
+          <a:bodyPr spcFirstLastPara="1" wrap="square" lIns="91425" tIns="91425" rIns="91425" bIns="91425" anchor="ctr" anchorCtr="0">
             <a:normAutofit/>
           </a:bodyPr>
           <a:lstStyle>
@@ -7649,15 +7586,19 @@
               <a:defRPr/>
             </a:lvl9pPr>
           </a:lstStyle>
-          <a:p/>
+          <a:p>
+            <a:endParaRPr/>
+          </a:p>
         </p:txBody>
       </p:sp>
       <p:sp>
         <p:nvSpPr>
           <p:cNvPr id="90" name="Google Shape;90;p8"/>
-          <p:cNvSpPr txBox="1"/>
+          <p:cNvSpPr txBox="1">
+            <a:spLocks noGrp="1"/>
+          </p:cNvSpPr>
           <p:nvPr>
-            <p:ph idx="12" type="sldNum"/>
+            <p:ph type="sldNum" idx="12"/>
           </p:nvPr>
         </p:nvSpPr>
         <p:spPr>
@@ -7670,7 +7611,7 @@
           </a:prstGeom>
         </p:spPr>
         <p:txBody>
-          <a:bodyPr anchorCtr="0" anchor="ctr" bIns="91425" lIns="91425" spcFirstLastPara="1" rIns="91425" wrap="square" tIns="91425">
+          <a:bodyPr spcFirstLastPara="1" wrap="square" lIns="91425" tIns="91425" rIns="91425" bIns="91425" anchor="ctr" anchorCtr="0">
             <a:normAutofit/>
           </a:bodyPr>
           <a:lstStyle>
@@ -7712,7 +7653,7 @@
             </a:lvl9pPr>
           </a:lstStyle>
           <a:p>
-            <a:pPr indent="0" lvl="0" marL="0" rtl="0" algn="r">
+            <a:pPr marL="0" lvl="0" indent="0" algn="r" rtl="0">
               <a:spcBef>
                 <a:spcPts val="0"/>
               </a:spcBef>
@@ -7738,11 +7679,11 @@
 </file>
 
 <file path=ppt/slideLayouts/slideLayout8.xml><?xml version="1.0" encoding="utf-8"?>
-<p:sldLayout xmlns:a="http://schemas.openxmlformats.org/drawingml/2006/main" xmlns:r="http://schemas.openxmlformats.org/officeDocument/2006/relationships" xmlns:mc="http://schemas.openxmlformats.org/markup-compatibility/2006" xmlns:mv="urn:schemas-microsoft-com:mac:vml" xmlns:p="http://schemas.openxmlformats.org/presentationml/2006/main" xmlns:c="http://schemas.openxmlformats.org/drawingml/2006/chart" xmlns:dgm="http://schemas.openxmlformats.org/drawingml/2006/diagram" xmlns:o="urn:schemas-microsoft-com:office:office" xmlns:v="urn:schemas-microsoft-com:vml" xmlns:pvml="urn:schemas-microsoft-com:office:powerpoint" xmlns:com="http://schemas.openxmlformats.org/drawingml/2006/compatibility" xmlns:p14="http://schemas.microsoft.com/office/powerpoint/2010/main" xmlns:p15="http://schemas.microsoft.com/office/powerpoint/2012/main" xmlns:ahyp="http://schemas.microsoft.com/office/drawing/2018/hyperlinkcolor" matchingName="Section title and description">
+<p:sldLayout xmlns:a="http://schemas.openxmlformats.org/drawingml/2006/main" xmlns:r="http://schemas.openxmlformats.org/officeDocument/2006/relationships" xmlns:p="http://schemas.openxmlformats.org/presentationml/2006/main" matchingName="Section title and description">
   <p:cSld name="SECTION_TITLE_AND_DESCRIPTION">
     <p:spTree>
       <p:nvGrpSpPr>
-        <p:cNvPr id="91" name="Shape 91"/>
+        <p:cNvPr id="1" name="Shape 91"/>
         <p:cNvGrpSpPr/>
         <p:nvPr/>
       </p:nvGrpSpPr>
@@ -7781,7 +7722,7 @@
             </a:xfrm>
             <a:prstGeom prst="diagStripe">
               <a:avLst>
-                <a:gd fmla="val 50000" name="adj"/>
+                <a:gd name="adj" fmla="val 50000"/>
               </a:avLst>
             </a:prstGeom>
             <a:solidFill>
@@ -7792,12 +7733,12 @@
             </a:ln>
           </p:spPr>
           <p:txBody>
-            <a:bodyPr anchorCtr="0" anchor="ctr" bIns="91425" lIns="91425" spcFirstLastPara="1" rIns="91425" wrap="square" tIns="91425">
+            <a:bodyPr spcFirstLastPara="1" wrap="square" lIns="91425" tIns="91425" rIns="91425" bIns="91425" anchor="ctr" anchorCtr="0">
               <a:noAutofit/>
             </a:bodyPr>
             <a:lstStyle/>
             <a:p>
-              <a:pPr indent="0" lvl="0" marL="0" rtl="0" algn="l">
+              <a:pPr marL="0" lvl="0" indent="0" algn="l" rtl="0">
                 <a:spcBef>
                   <a:spcPts val="0"/>
                 </a:spcBef>
@@ -7806,9 +7747,6 @@
                 </a:spcAft>
                 <a:buNone/>
               </a:pPr>
-              <a:r>
-                <a:t/>
-              </a:r>
               <a:endParaRPr/>
             </a:p>
           </p:txBody>
@@ -7826,7 +7764,7 @@
             </a:xfrm>
             <a:prstGeom prst="diagStripe">
               <a:avLst>
-                <a:gd fmla="val 50000" name="adj"/>
+                <a:gd name="adj" fmla="val 50000"/>
               </a:avLst>
             </a:prstGeom>
             <a:solidFill>
@@ -7837,12 +7775,12 @@
             </a:ln>
           </p:spPr>
           <p:txBody>
-            <a:bodyPr anchorCtr="0" anchor="ctr" bIns="91425" lIns="91425" spcFirstLastPara="1" rIns="91425" wrap="square" tIns="91425">
+            <a:bodyPr spcFirstLastPara="1" wrap="square" lIns="91425" tIns="91425" rIns="91425" bIns="91425" anchor="ctr" anchorCtr="0">
               <a:noAutofit/>
             </a:bodyPr>
             <a:lstStyle/>
             <a:p>
-              <a:pPr indent="0" lvl="0" marL="0" rtl="0" algn="l">
+              <a:pPr marL="0" lvl="0" indent="0" algn="l" rtl="0">
                 <a:spcBef>
                   <a:spcPts val="0"/>
                 </a:spcBef>
@@ -7851,9 +7789,6 @@
                 </a:spcAft>
                 <a:buNone/>
               </a:pPr>
-              <a:r>
-                <a:t/>
-              </a:r>
               <a:endParaRPr/>
             </a:p>
           </p:txBody>
@@ -7862,7 +7797,9 @@
       <p:sp>
         <p:nvSpPr>
           <p:cNvPr id="95" name="Google Shape;95;p9"/>
-          <p:cNvSpPr txBox="1"/>
+          <p:cNvSpPr txBox="1">
+            <a:spLocks noGrp="1"/>
+          </p:cNvSpPr>
           <p:nvPr>
             <p:ph type="title"/>
           </p:nvPr>
@@ -7877,7 +7814,7 @@
           </a:prstGeom>
         </p:spPr>
         <p:txBody>
-          <a:bodyPr anchorCtr="0" anchor="t" bIns="91425" lIns="91425" spcFirstLastPara="1" rIns="91425" wrap="square" tIns="91425">
+          <a:bodyPr spcFirstLastPara="1" wrap="square" lIns="91425" tIns="91425" rIns="91425" bIns="91425" anchor="t" anchorCtr="0">
             <a:normAutofit/>
           </a:bodyPr>
           <a:lstStyle>
@@ -7981,15 +7918,19 @@
               <a:defRPr sz="2400"/>
             </a:lvl9pPr>
           </a:lstStyle>
-          <a:p/>
+          <a:p>
+            <a:endParaRPr/>
+          </a:p>
         </p:txBody>
       </p:sp>
       <p:sp>
         <p:nvSpPr>
           <p:cNvPr id="96" name="Google Shape;96;p9"/>
-          <p:cNvSpPr txBox="1"/>
+          <p:cNvSpPr txBox="1">
+            <a:spLocks noGrp="1"/>
+          </p:cNvSpPr>
           <p:nvPr>
-            <p:ph idx="1" type="subTitle"/>
+            <p:ph type="subTitle" idx="1"/>
           </p:nvPr>
         </p:nvSpPr>
         <p:spPr>
@@ -8002,7 +7943,7 @@
           </a:prstGeom>
         </p:spPr>
         <p:txBody>
-          <a:bodyPr anchorCtr="0" anchor="t" bIns="91425" lIns="91425" spcFirstLastPara="1" rIns="91425" wrap="square" tIns="91425">
+          <a:bodyPr spcFirstLastPara="1" wrap="square" lIns="91425" tIns="91425" rIns="91425" bIns="91425" anchor="t" anchorCtr="0">
             <a:normAutofit/>
           </a:bodyPr>
           <a:lstStyle>
@@ -8133,15 +8074,19 @@
               <a:defRPr sz="1300"/>
             </a:lvl9pPr>
           </a:lstStyle>
-          <a:p/>
+          <a:p>
+            <a:endParaRPr/>
+          </a:p>
         </p:txBody>
       </p:sp>
       <p:sp>
         <p:nvSpPr>
           <p:cNvPr id="97" name="Google Shape;97;p9"/>
-          <p:cNvSpPr txBox="1"/>
+          <p:cNvSpPr txBox="1">
+            <a:spLocks noGrp="1"/>
+          </p:cNvSpPr>
           <p:nvPr>
-            <p:ph idx="2" type="body"/>
+            <p:ph type="body" idx="2"/>
           </p:nvPr>
         </p:nvSpPr>
         <p:spPr>
@@ -8154,11 +8099,11 @@
           </a:prstGeom>
         </p:spPr>
         <p:txBody>
-          <a:bodyPr anchorCtr="0" anchor="t" bIns="91425" lIns="91425" spcFirstLastPara="1" rIns="91425" wrap="square" tIns="91425">
+          <a:bodyPr spcFirstLastPara="1" wrap="square" lIns="91425" tIns="91425" rIns="91425" bIns="91425" anchor="t" anchorCtr="0">
             <a:normAutofit/>
           </a:bodyPr>
           <a:lstStyle>
-            <a:lvl1pPr indent="-311150" lvl="0" marL="457200">
+            <a:lvl1pPr marL="457200" lvl="0" indent="-311150">
               <a:spcBef>
                 <a:spcPts val="0"/>
               </a:spcBef>
@@ -8169,7 +8114,7 @@
               <a:buChar char="●"/>
               <a:defRPr/>
             </a:lvl1pPr>
-            <a:lvl2pPr indent="-298450" lvl="1" marL="914400">
+            <a:lvl2pPr marL="914400" lvl="1" indent="-298450">
               <a:spcBef>
                 <a:spcPts val="0"/>
               </a:spcBef>
@@ -8180,7 +8125,7 @@
               <a:buChar char="○"/>
               <a:defRPr/>
             </a:lvl2pPr>
-            <a:lvl3pPr indent="-298450" lvl="2" marL="1371600">
+            <a:lvl3pPr marL="1371600" lvl="2" indent="-298450">
               <a:spcBef>
                 <a:spcPts val="0"/>
               </a:spcBef>
@@ -8191,7 +8136,7 @@
               <a:buChar char="■"/>
               <a:defRPr/>
             </a:lvl3pPr>
-            <a:lvl4pPr indent="-298450" lvl="3" marL="1828800">
+            <a:lvl4pPr marL="1828800" lvl="3" indent="-298450">
               <a:spcBef>
                 <a:spcPts val="0"/>
               </a:spcBef>
@@ -8202,7 +8147,7 @@
               <a:buChar char="●"/>
               <a:defRPr/>
             </a:lvl4pPr>
-            <a:lvl5pPr indent="-298450" lvl="4" marL="2286000">
+            <a:lvl5pPr marL="2286000" lvl="4" indent="-298450">
               <a:spcBef>
                 <a:spcPts val="0"/>
               </a:spcBef>
@@ -8213,7 +8158,7 @@
               <a:buChar char="○"/>
               <a:defRPr/>
             </a:lvl5pPr>
-            <a:lvl6pPr indent="-298450" lvl="5" marL="2743200">
+            <a:lvl6pPr marL="2743200" lvl="5" indent="-298450">
               <a:spcBef>
                 <a:spcPts val="0"/>
               </a:spcBef>
@@ -8224,7 +8169,7 @@
               <a:buChar char="■"/>
               <a:defRPr/>
             </a:lvl6pPr>
-            <a:lvl7pPr indent="-298450" lvl="6" marL="3200400">
+            <a:lvl7pPr marL="3200400" lvl="6" indent="-298450">
               <a:spcBef>
                 <a:spcPts val="0"/>
               </a:spcBef>
@@ -8235,7 +8180,7 @@
               <a:buChar char="●"/>
               <a:defRPr/>
             </a:lvl7pPr>
-            <a:lvl8pPr indent="-298450" lvl="7" marL="3657600">
+            <a:lvl8pPr marL="3657600" lvl="7" indent="-298450">
               <a:spcBef>
                 <a:spcPts val="0"/>
               </a:spcBef>
@@ -8246,7 +8191,7 @@
               <a:buChar char="○"/>
               <a:defRPr/>
             </a:lvl8pPr>
-            <a:lvl9pPr indent="-298450" lvl="8" marL="4114800">
+            <a:lvl9pPr marL="4114800" lvl="8" indent="-298450">
               <a:spcBef>
                 <a:spcPts val="0"/>
               </a:spcBef>
@@ -8258,15 +8203,19 @@
               <a:defRPr/>
             </a:lvl9pPr>
           </a:lstStyle>
-          <a:p/>
+          <a:p>
+            <a:endParaRPr/>
+          </a:p>
         </p:txBody>
       </p:sp>
       <p:sp>
         <p:nvSpPr>
           <p:cNvPr id="98" name="Google Shape;98;p9"/>
-          <p:cNvSpPr txBox="1"/>
+          <p:cNvSpPr txBox="1">
+            <a:spLocks noGrp="1"/>
+          </p:cNvSpPr>
           <p:nvPr>
-            <p:ph idx="12" type="sldNum"/>
+            <p:ph type="sldNum" idx="12"/>
           </p:nvPr>
         </p:nvSpPr>
         <p:spPr>
@@ -8279,7 +8228,7 @@
           </a:prstGeom>
         </p:spPr>
         <p:txBody>
-          <a:bodyPr anchorCtr="0" anchor="ctr" bIns="91425" lIns="91425" spcFirstLastPara="1" rIns="91425" wrap="square" tIns="91425">
+          <a:bodyPr spcFirstLastPara="1" wrap="square" lIns="91425" tIns="91425" rIns="91425" bIns="91425" anchor="ctr" anchorCtr="0">
             <a:normAutofit/>
           </a:bodyPr>
           <a:lstStyle>
@@ -8321,7 +8270,7 @@
             </a:lvl9pPr>
           </a:lstStyle>
           <a:p>
-            <a:pPr indent="0" lvl="0" marL="0" rtl="0" algn="r">
+            <a:pPr marL="0" lvl="0" indent="0" algn="r" rtl="0">
               <a:spcBef>
                 <a:spcPts val="0"/>
               </a:spcBef>
@@ -8347,11 +8296,11 @@
 </file>
 
 <file path=ppt/slideLayouts/slideLayout9.xml><?xml version="1.0" encoding="utf-8"?>
-<p:sldLayout xmlns:a="http://schemas.openxmlformats.org/drawingml/2006/main" xmlns:r="http://schemas.openxmlformats.org/officeDocument/2006/relationships" xmlns:mc="http://schemas.openxmlformats.org/markup-compatibility/2006" xmlns:mv="urn:schemas-microsoft-com:mac:vml" xmlns:p="http://schemas.openxmlformats.org/presentationml/2006/main" xmlns:c="http://schemas.openxmlformats.org/drawingml/2006/chart" xmlns:dgm="http://schemas.openxmlformats.org/drawingml/2006/diagram" xmlns:o="urn:schemas-microsoft-com:office:office" xmlns:v="urn:schemas-microsoft-com:vml" xmlns:pvml="urn:schemas-microsoft-com:office:powerpoint" xmlns:com="http://schemas.openxmlformats.org/drawingml/2006/compatibility" xmlns:p14="http://schemas.microsoft.com/office/powerpoint/2010/main" xmlns:p15="http://schemas.microsoft.com/office/powerpoint/2012/main" xmlns:ahyp="http://schemas.microsoft.com/office/drawing/2018/hyperlinkcolor" matchingName="Caption">
+<p:sldLayout xmlns:a="http://schemas.openxmlformats.org/drawingml/2006/main" xmlns:r="http://schemas.openxmlformats.org/officeDocument/2006/relationships" xmlns:p="http://schemas.openxmlformats.org/presentationml/2006/main" matchingName="Caption">
   <p:cSld name="CAPTION_ONLY">
     <p:spTree>
       <p:nvGrpSpPr>
-        <p:cNvPr id="99" name="Shape 99"/>
+        <p:cNvPr id="1" name="Shape 99"/>
         <p:cNvGrpSpPr/>
         <p:nvPr/>
       </p:nvGrpSpPr>
@@ -8390,7 +8339,7 @@
             </a:xfrm>
             <a:prstGeom prst="diagStripe">
               <a:avLst>
-                <a:gd fmla="val 50000" name="adj"/>
+                <a:gd name="adj" fmla="val 50000"/>
               </a:avLst>
             </a:prstGeom>
             <a:solidFill>
@@ -8403,12 +8352,12 @@
             </a:ln>
           </p:spPr>
           <p:txBody>
-            <a:bodyPr anchorCtr="0" anchor="ctr" bIns="91425" lIns="91425" spcFirstLastPara="1" rIns="91425" wrap="square" tIns="91425">
+            <a:bodyPr spcFirstLastPara="1" wrap="square" lIns="91425" tIns="91425" rIns="91425" bIns="91425" anchor="ctr" anchorCtr="0">
               <a:noAutofit/>
             </a:bodyPr>
             <a:lstStyle/>
             <a:p>
-              <a:pPr indent="0" lvl="0" marL="0" rtl="0" algn="l">
+              <a:pPr marL="0" lvl="0" indent="0" algn="l" rtl="0">
                 <a:spcBef>
                   <a:spcPts val="0"/>
                 </a:spcBef>
@@ -8417,9 +8366,6 @@
                 </a:spcAft>
                 <a:buNone/>
               </a:pPr>
-              <a:r>
-                <a:t/>
-              </a:r>
               <a:endParaRPr/>
             </a:p>
           </p:txBody>
@@ -8437,7 +8383,7 @@
             </a:xfrm>
             <a:prstGeom prst="diagStripe">
               <a:avLst>
-                <a:gd fmla="val 50000" name="adj"/>
+                <a:gd name="adj" fmla="val 50000"/>
               </a:avLst>
             </a:prstGeom>
             <a:solidFill>
@@ -8450,12 +8396,12 @@
             </a:ln>
           </p:spPr>
           <p:txBody>
-            <a:bodyPr anchorCtr="0" anchor="ctr" bIns="91425" lIns="91425" spcFirstLastPara="1" rIns="91425" wrap="square" tIns="91425">
+            <a:bodyPr spcFirstLastPara="1" wrap="square" lIns="91425" tIns="91425" rIns="91425" bIns="91425" anchor="ctr" anchorCtr="0">
               <a:noAutofit/>
             </a:bodyPr>
             <a:lstStyle/>
             <a:p>
-              <a:pPr indent="0" lvl="0" marL="0" rtl="0" algn="l">
+              <a:pPr marL="0" lvl="0" indent="0" algn="l" rtl="0">
                 <a:spcBef>
                   <a:spcPts val="0"/>
                 </a:spcBef>
@@ -8464,9 +8410,6 @@
                 </a:spcAft>
                 <a:buNone/>
               </a:pPr>
-              <a:r>
-                <a:t/>
-              </a:r>
               <a:endParaRPr/>
             </a:p>
           </p:txBody>
@@ -8475,9 +8418,11 @@
       <p:sp>
         <p:nvSpPr>
           <p:cNvPr id="103" name="Google Shape;103;p10"/>
-          <p:cNvSpPr txBox="1"/>
+          <p:cNvSpPr txBox="1">
+            <a:spLocks noGrp="1"/>
+          </p:cNvSpPr>
           <p:nvPr>
-            <p:ph idx="1" type="body"/>
+            <p:ph type="body" idx="1"/>
           </p:nvPr>
         </p:nvSpPr>
         <p:spPr>
@@ -8490,11 +8435,11 @@
           </a:prstGeom>
         </p:spPr>
         <p:txBody>
-          <a:bodyPr anchorCtr="0" anchor="ctr" bIns="91425" lIns="91425" spcFirstLastPara="1" rIns="91425" wrap="square" tIns="91425">
+          <a:bodyPr spcFirstLastPara="1" wrap="square" lIns="91425" tIns="91425" rIns="91425" bIns="91425" anchor="ctr" anchorCtr="0">
             <a:normAutofit/>
           </a:bodyPr>
           <a:lstStyle>
-            <a:lvl1pPr indent="-228600" lvl="0" marL="457200">
+            <a:lvl1pPr marL="457200" lvl="0" indent="-228600">
               <a:lnSpc>
                 <a:spcPct val="100000"/>
               </a:lnSpc>
@@ -8509,15 +8454,19 @@
               <a:defRPr/>
             </a:lvl1pPr>
           </a:lstStyle>
-          <a:p/>
+          <a:p>
+            <a:endParaRPr/>
+          </a:p>
         </p:txBody>
       </p:sp>
       <p:sp>
         <p:nvSpPr>
           <p:cNvPr id="104" name="Google Shape;104;p10"/>
-          <p:cNvSpPr txBox="1"/>
+          <p:cNvSpPr txBox="1">
+            <a:spLocks noGrp="1"/>
+          </p:cNvSpPr>
           <p:nvPr>
-            <p:ph idx="12" type="sldNum"/>
+            <p:ph type="sldNum" idx="12"/>
           </p:nvPr>
         </p:nvSpPr>
         <p:spPr>
@@ -8530,7 +8479,7 @@
           </a:prstGeom>
         </p:spPr>
         <p:txBody>
-          <a:bodyPr anchorCtr="0" anchor="ctr" bIns="91425" lIns="91425" spcFirstLastPara="1" rIns="91425" wrap="square" tIns="91425">
+          <a:bodyPr spcFirstLastPara="1" wrap="square" lIns="91425" tIns="91425" rIns="91425" bIns="91425" anchor="ctr" anchorCtr="0">
             <a:normAutofit/>
           </a:bodyPr>
           <a:lstStyle>
@@ -8572,7 +8521,7 @@
             </a:lvl9pPr>
           </a:lstStyle>
           <a:p>
-            <a:pPr indent="0" lvl="0" marL="0" rtl="0" algn="r">
+            <a:pPr marL="0" lvl="0" indent="0" algn="r" rtl="0">
               <a:spcBef>
                 <a:spcPts val="0"/>
               </a:spcBef>
@@ -8598,18 +8547,19 @@
 </file>
 
 <file path=ppt/slideMasters/slideMaster1.xml><?xml version="1.0" encoding="utf-8"?>
-<p:sldMaster xmlns:a="http://schemas.openxmlformats.org/drawingml/2006/main" xmlns:r="http://schemas.openxmlformats.org/officeDocument/2006/relationships" xmlns:mc="http://schemas.openxmlformats.org/markup-compatibility/2006" xmlns:mv="urn:schemas-microsoft-com:mac:vml" xmlns:p="http://schemas.openxmlformats.org/presentationml/2006/main" xmlns:c="http://schemas.openxmlformats.org/drawingml/2006/chart" xmlns:dgm="http://schemas.openxmlformats.org/drawingml/2006/diagram" xmlns:o="urn:schemas-microsoft-com:office:office" xmlns:v="urn:schemas-microsoft-com:vml" xmlns:pvml="urn:schemas-microsoft-com:office:powerpoint" xmlns:com="http://schemas.openxmlformats.org/drawingml/2006/compatibility" xmlns:p14="http://schemas.microsoft.com/office/powerpoint/2010/main" xmlns:p15="http://schemas.microsoft.com/office/powerpoint/2012/main" xmlns:ahyp="http://schemas.microsoft.com/office/drawing/2018/hyperlinkcolor">
+<p:sldMaster xmlns:a="http://schemas.openxmlformats.org/drawingml/2006/main" xmlns:r="http://schemas.openxmlformats.org/officeDocument/2006/relationships" xmlns:p="http://schemas.openxmlformats.org/presentationml/2006/main">
   <p:cSld name="focus">
     <p:bg>
       <p:bgPr>
         <a:solidFill>
           <a:schemeClr val="dk1"/>
         </a:solidFill>
+        <a:effectLst/>
       </p:bgPr>
     </p:bg>
     <p:spTree>
       <p:nvGrpSpPr>
-        <p:cNvPr id="5" name="Shape 5"/>
+        <p:cNvPr id="1" name="Shape 5"/>
         <p:cNvGrpSpPr/>
         <p:nvPr/>
       </p:nvGrpSpPr>
@@ -8624,7 +8574,9 @@
       <p:sp>
         <p:nvSpPr>
           <p:cNvPr id="6" name="Google Shape;6;p1"/>
-          <p:cNvSpPr txBox="1"/>
+          <p:cNvSpPr txBox="1">
+            <a:spLocks noGrp="1"/>
+          </p:cNvSpPr>
           <p:nvPr>
             <p:ph type="title"/>
           </p:nvPr>
@@ -8643,7 +8595,7 @@
           </a:ln>
         </p:spPr>
         <p:txBody>
-          <a:bodyPr anchorCtr="0" anchor="t" bIns="91425" lIns="91425" spcFirstLastPara="1" rIns="91425" wrap="square" tIns="91425">
+          <a:bodyPr spcFirstLastPara="1" wrap="square" lIns="91425" tIns="91425" rIns="91425" bIns="91425" anchor="t" anchorCtr="0">
             <a:normAutofit/>
           </a:bodyPr>
           <a:lstStyle>
@@ -8855,15 +8807,19 @@
               </a:defRPr>
             </a:lvl9pPr>
           </a:lstStyle>
-          <a:p/>
+          <a:p>
+            <a:endParaRPr/>
+          </a:p>
         </p:txBody>
       </p:sp>
       <p:sp>
         <p:nvSpPr>
           <p:cNvPr id="7" name="Google Shape;7;p1"/>
-          <p:cNvSpPr txBox="1"/>
+          <p:cNvSpPr txBox="1">
+            <a:spLocks noGrp="1"/>
+          </p:cNvSpPr>
           <p:nvPr>
-            <p:ph idx="1" type="body"/>
+            <p:ph type="body" idx="1"/>
           </p:nvPr>
         </p:nvSpPr>
         <p:spPr>
@@ -8880,11 +8836,11 @@
           </a:ln>
         </p:spPr>
         <p:txBody>
-          <a:bodyPr anchorCtr="0" anchor="t" bIns="91425" lIns="91425" spcFirstLastPara="1" rIns="91425" wrap="square" tIns="91425">
+          <a:bodyPr spcFirstLastPara="1" wrap="square" lIns="91425" tIns="91425" rIns="91425" bIns="91425" anchor="t" anchorCtr="0">
             <a:normAutofit/>
           </a:bodyPr>
           <a:lstStyle>
-            <a:lvl1pPr indent="-311150" lvl="0" marL="457200">
+            <a:lvl1pPr marL="457200" lvl="0" indent="-311150">
               <a:lnSpc>
                 <a:spcPct val="115000"/>
               </a:lnSpc>
@@ -8910,7 +8866,7 @@
                 <a:sym typeface="Lato"/>
               </a:defRPr>
             </a:lvl1pPr>
-            <a:lvl2pPr indent="-298450" lvl="1" marL="914400">
+            <a:lvl2pPr marL="914400" lvl="1" indent="-298450">
               <a:lnSpc>
                 <a:spcPct val="115000"/>
               </a:lnSpc>
@@ -8936,7 +8892,7 @@
                 <a:sym typeface="Lato"/>
               </a:defRPr>
             </a:lvl2pPr>
-            <a:lvl3pPr indent="-298450" lvl="2" marL="1371600">
+            <a:lvl3pPr marL="1371600" lvl="2" indent="-298450">
               <a:lnSpc>
                 <a:spcPct val="115000"/>
               </a:lnSpc>
@@ -8962,7 +8918,7 @@
                 <a:sym typeface="Lato"/>
               </a:defRPr>
             </a:lvl3pPr>
-            <a:lvl4pPr indent="-298450" lvl="3" marL="1828800">
+            <a:lvl4pPr marL="1828800" lvl="3" indent="-298450">
               <a:lnSpc>
                 <a:spcPct val="115000"/>
               </a:lnSpc>
@@ -8988,7 +8944,7 @@
                 <a:sym typeface="Lato"/>
               </a:defRPr>
             </a:lvl4pPr>
-            <a:lvl5pPr indent="-298450" lvl="4" marL="2286000">
+            <a:lvl5pPr marL="2286000" lvl="4" indent="-298450">
               <a:lnSpc>
                 <a:spcPct val="115000"/>
               </a:lnSpc>
@@ -9014,7 +8970,7 @@
                 <a:sym typeface="Lato"/>
               </a:defRPr>
             </a:lvl5pPr>
-            <a:lvl6pPr indent="-298450" lvl="5" marL="2743200">
+            <a:lvl6pPr marL="2743200" lvl="5" indent="-298450">
               <a:lnSpc>
                 <a:spcPct val="115000"/>
               </a:lnSpc>
@@ -9040,7 +8996,7 @@
                 <a:sym typeface="Lato"/>
               </a:defRPr>
             </a:lvl6pPr>
-            <a:lvl7pPr indent="-298450" lvl="6" marL="3200400">
+            <a:lvl7pPr marL="3200400" lvl="6" indent="-298450">
               <a:lnSpc>
                 <a:spcPct val="115000"/>
               </a:lnSpc>
@@ -9066,7 +9022,7 @@
                 <a:sym typeface="Lato"/>
               </a:defRPr>
             </a:lvl7pPr>
-            <a:lvl8pPr indent="-298450" lvl="7" marL="3657600">
+            <a:lvl8pPr marL="3657600" lvl="7" indent="-298450">
               <a:lnSpc>
                 <a:spcPct val="115000"/>
               </a:lnSpc>
@@ -9092,7 +9048,7 @@
                 <a:sym typeface="Lato"/>
               </a:defRPr>
             </a:lvl8pPr>
-            <a:lvl9pPr indent="-298450" lvl="8" marL="4114800">
+            <a:lvl9pPr marL="4114800" lvl="8" indent="-298450">
               <a:lnSpc>
                 <a:spcPct val="115000"/>
               </a:lnSpc>
@@ -9119,15 +9075,19 @@
               </a:defRPr>
             </a:lvl9pPr>
           </a:lstStyle>
-          <a:p/>
+          <a:p>
+            <a:endParaRPr/>
+          </a:p>
         </p:txBody>
       </p:sp>
       <p:sp>
         <p:nvSpPr>
           <p:cNvPr id="8" name="Google Shape;8;p1"/>
-          <p:cNvSpPr txBox="1"/>
+          <p:cNvSpPr txBox="1">
+            <a:spLocks noGrp="1"/>
+          </p:cNvSpPr>
           <p:nvPr>
-            <p:ph idx="12" type="sldNum"/>
+            <p:ph type="sldNum" idx="12"/>
           </p:nvPr>
         </p:nvSpPr>
         <p:spPr>
@@ -9144,7 +9104,7 @@
           </a:ln>
         </p:spPr>
         <p:txBody>
-          <a:bodyPr anchorCtr="0" anchor="ctr" bIns="91425" lIns="91425" spcFirstLastPara="1" rIns="91425" wrap="square" tIns="91425">
+          <a:bodyPr spcFirstLastPara="1" wrap="square" lIns="91425" tIns="91425" rIns="91425" bIns="91425" anchor="ctr" anchorCtr="0">
             <a:normAutofit/>
           </a:bodyPr>
           <a:lstStyle>
@@ -9258,7 +9218,7 @@
             </a:lvl9pPr>
           </a:lstStyle>
           <a:p>
-            <a:pPr indent="0" lvl="0" marL="0" rtl="0" algn="r">
+            <a:pPr marL="0" lvl="0" indent="0" algn="r" rtl="0">
               <a:spcBef>
                 <a:spcPts val="0"/>
               </a:spcBef>
@@ -9277,7 +9237,7 @@
       </p:sp>
     </p:spTree>
   </p:cSld>
-  <p:clrMap accent1="accent1" accent2="accent2" accent3="accent3" accent4="accent4" accent5="accent5" accent6="accent6" bg1="lt1" bg2="dk2" tx1="dk1" tx2="lt2" folHlink="folHlink" hlink="hlink"/>
+  <p:clrMap bg1="lt1" tx1="dk1" bg2="dk2" tx2="lt2" accent1="accent1" accent2="accent2" accent3="accent3" accent4="accent4" accent5="accent5" accent6="accent6" hlink="hlink" folHlink="folHlink"/>
   <p:sldLayoutIdLst>
     <p:sldLayoutId id="2147483648" r:id="rId1"/>
     <p:sldLayoutId id="2147483649" r:id="rId2"/>
@@ -9291,10 +9251,10 @@
     <p:sldLayoutId id="2147483657" r:id="rId10"/>
     <p:sldLayoutId id="2147483658" r:id="rId11"/>
   </p:sldLayoutIdLst>
-  <p:hf dt="0" ftr="0" hdr="0" sldNum="0"/>
+  <p:hf sldNum="0" hdr="0" ftr="0" dt="0"/>
   <p:txStyles>
     <p:titleStyle>
-      <a:defPPr lvl="0" marR="0" rtl="0" algn="l">
+      <a:defPPr marR="0" lvl="0" algn="l" rtl="0">
         <a:lnSpc>
           <a:spcPct val="100000"/>
         </a:lnSpc>
@@ -9305,7 +9265,7 @@
           <a:spcPts val="0"/>
         </a:spcAft>
       </a:defPPr>
-      <a:lvl1pPr lvl="0" marR="0" rtl="0" algn="l">
+      <a:lvl1pPr marR="0" lvl="0" algn="l" rtl="0">
         <a:lnSpc>
           <a:spcPct val="100000"/>
         </a:lnSpc>
@@ -9319,7 +9279,7 @@
           <a:srgbClr val="000000"/>
         </a:buClr>
         <a:buFont typeface="Arial"/>
-        <a:defRPr b="0" i="0" sz="1400" u="none" cap="none" strike="noStrike">
+        <a:defRPr sz="1400" b="0" i="0" u="none" strike="noStrike" cap="none">
           <a:solidFill>
             <a:srgbClr val="000000"/>
           </a:solidFill>
@@ -9329,7 +9289,7 @@
           <a:sym typeface="Arial"/>
         </a:defRPr>
       </a:lvl1pPr>
-      <a:lvl2pPr lvl="1" marR="0" rtl="0" algn="l">
+      <a:lvl2pPr marR="0" lvl="1" algn="l" rtl="0">
         <a:lnSpc>
           <a:spcPct val="100000"/>
         </a:lnSpc>
@@ -9343,7 +9303,7 @@
           <a:srgbClr val="000000"/>
         </a:buClr>
         <a:buFont typeface="Arial"/>
-        <a:defRPr b="0" i="0" sz="1400" u="none" cap="none" strike="noStrike">
+        <a:defRPr sz="1400" b="0" i="0" u="none" strike="noStrike" cap="none">
           <a:solidFill>
             <a:srgbClr val="000000"/>
           </a:solidFill>
@@ -9353,7 +9313,7 @@
           <a:sym typeface="Arial"/>
         </a:defRPr>
       </a:lvl2pPr>
-      <a:lvl3pPr lvl="2" marR="0" rtl="0" algn="l">
+      <a:lvl3pPr marR="0" lvl="2" algn="l" rtl="0">
         <a:lnSpc>
           <a:spcPct val="100000"/>
         </a:lnSpc>
@@ -9367,7 +9327,7 @@
           <a:srgbClr val="000000"/>
         </a:buClr>
         <a:buFont typeface="Arial"/>
-        <a:defRPr b="0" i="0" sz="1400" u="none" cap="none" strike="noStrike">
+        <a:defRPr sz="1400" b="0" i="0" u="none" strike="noStrike" cap="none">
           <a:solidFill>
             <a:srgbClr val="000000"/>
           </a:solidFill>
@@ -9377,7 +9337,7 @@
           <a:sym typeface="Arial"/>
         </a:defRPr>
       </a:lvl3pPr>
-      <a:lvl4pPr lvl="3" marR="0" rtl="0" algn="l">
+      <a:lvl4pPr marR="0" lvl="3" algn="l" rtl="0">
         <a:lnSpc>
           <a:spcPct val="100000"/>
         </a:lnSpc>
@@ -9391,7 +9351,7 @@
           <a:srgbClr val="000000"/>
         </a:buClr>
         <a:buFont typeface="Arial"/>
-        <a:defRPr b="0" i="0" sz="1400" u="none" cap="none" strike="noStrike">
+        <a:defRPr sz="1400" b="0" i="0" u="none" strike="noStrike" cap="none">
           <a:solidFill>
             <a:srgbClr val="000000"/>
           </a:solidFill>
@@ -9401,7 +9361,7 @@
           <a:sym typeface="Arial"/>
         </a:defRPr>
       </a:lvl4pPr>
-      <a:lvl5pPr lvl="4" marR="0" rtl="0" algn="l">
+      <a:lvl5pPr marR="0" lvl="4" algn="l" rtl="0">
         <a:lnSpc>
           <a:spcPct val="100000"/>
         </a:lnSpc>
@@ -9415,7 +9375,7 @@
           <a:srgbClr val="000000"/>
         </a:buClr>
         <a:buFont typeface="Arial"/>
-        <a:defRPr b="0" i="0" sz="1400" u="none" cap="none" strike="noStrike">
+        <a:defRPr sz="1400" b="0" i="0" u="none" strike="noStrike" cap="none">
           <a:solidFill>
             <a:srgbClr val="000000"/>
           </a:solidFill>
@@ -9425,7 +9385,7 @@
           <a:sym typeface="Arial"/>
         </a:defRPr>
       </a:lvl5pPr>
-      <a:lvl6pPr lvl="5" marR="0" rtl="0" algn="l">
+      <a:lvl6pPr marR="0" lvl="5" algn="l" rtl="0">
         <a:lnSpc>
           <a:spcPct val="100000"/>
         </a:lnSpc>
@@ -9439,7 +9399,7 @@
           <a:srgbClr val="000000"/>
         </a:buClr>
         <a:buFont typeface="Arial"/>
-        <a:defRPr b="0" i="0" sz="1400" u="none" cap="none" strike="noStrike">
+        <a:defRPr sz="1400" b="0" i="0" u="none" strike="noStrike" cap="none">
           <a:solidFill>
             <a:srgbClr val="000000"/>
           </a:solidFill>
@@ -9449,7 +9409,7 @@
           <a:sym typeface="Arial"/>
         </a:defRPr>
       </a:lvl6pPr>
-      <a:lvl7pPr lvl="6" marR="0" rtl="0" algn="l">
+      <a:lvl7pPr marR="0" lvl="6" algn="l" rtl="0">
         <a:lnSpc>
           <a:spcPct val="100000"/>
         </a:lnSpc>
@@ -9463,7 +9423,7 @@
           <a:srgbClr val="000000"/>
         </a:buClr>
         <a:buFont typeface="Arial"/>
-        <a:defRPr b="0" i="0" sz="1400" u="none" cap="none" strike="noStrike">
+        <a:defRPr sz="1400" b="0" i="0" u="none" strike="noStrike" cap="none">
           <a:solidFill>
             <a:srgbClr val="000000"/>
           </a:solidFill>
@@ -9473,7 +9433,7 @@
           <a:sym typeface="Arial"/>
         </a:defRPr>
       </a:lvl7pPr>
-      <a:lvl8pPr lvl="7" marR="0" rtl="0" algn="l">
+      <a:lvl8pPr marR="0" lvl="7" algn="l" rtl="0">
         <a:lnSpc>
           <a:spcPct val="100000"/>
         </a:lnSpc>
@@ -9487,7 +9447,7 @@
           <a:srgbClr val="000000"/>
         </a:buClr>
         <a:buFont typeface="Arial"/>
-        <a:defRPr b="0" i="0" sz="1400" u="none" cap="none" strike="noStrike">
+        <a:defRPr sz="1400" b="0" i="0" u="none" strike="noStrike" cap="none">
           <a:solidFill>
             <a:srgbClr val="000000"/>
           </a:solidFill>
@@ -9497,7 +9457,7 @@
           <a:sym typeface="Arial"/>
         </a:defRPr>
       </a:lvl8pPr>
-      <a:lvl9pPr lvl="8" marR="0" rtl="0" algn="l">
+      <a:lvl9pPr marR="0" lvl="8" algn="l" rtl="0">
         <a:lnSpc>
           <a:spcPct val="100000"/>
         </a:lnSpc>
@@ -9511,7 +9471,7 @@
           <a:srgbClr val="000000"/>
         </a:buClr>
         <a:buFont typeface="Arial"/>
-        <a:defRPr b="0" i="0" sz="1400" u="none" cap="none" strike="noStrike">
+        <a:defRPr sz="1400" b="0" i="0" u="none" strike="noStrike" cap="none">
           <a:solidFill>
             <a:srgbClr val="000000"/>
           </a:solidFill>
@@ -9523,7 +9483,7 @@
       </a:lvl9pPr>
     </p:titleStyle>
     <p:bodyStyle>
-      <a:defPPr lvl="0" marR="0" rtl="0" algn="l">
+      <a:defPPr marR="0" lvl="0" algn="l" rtl="0">
         <a:lnSpc>
           <a:spcPct val="100000"/>
         </a:lnSpc>
@@ -9534,7 +9494,7 @@
           <a:spcPts val="0"/>
         </a:spcAft>
       </a:defPPr>
-      <a:lvl1pPr lvl="0" marR="0" rtl="0" algn="l">
+      <a:lvl1pPr marR="0" lvl="0" algn="l" rtl="0">
         <a:lnSpc>
           <a:spcPct val="100000"/>
         </a:lnSpc>
@@ -9548,7 +9508,7 @@
           <a:srgbClr val="000000"/>
         </a:buClr>
         <a:buFont typeface="Arial"/>
-        <a:defRPr b="0" i="0" sz="1400" u="none" cap="none" strike="noStrike">
+        <a:defRPr sz="1400" b="0" i="0" u="none" strike="noStrike" cap="none">
           <a:solidFill>
             <a:srgbClr val="000000"/>
           </a:solidFill>
@@ -9558,7 +9518,7 @@
           <a:sym typeface="Arial"/>
         </a:defRPr>
       </a:lvl1pPr>
-      <a:lvl2pPr lvl="1" marR="0" rtl="0" algn="l">
+      <a:lvl2pPr marR="0" lvl="1" algn="l" rtl="0">
         <a:lnSpc>
           <a:spcPct val="100000"/>
         </a:lnSpc>
@@ -9572,7 +9532,7 @@
           <a:srgbClr val="000000"/>
         </a:buClr>
         <a:buFont typeface="Arial"/>
-        <a:defRPr b="0" i="0" sz="1400" u="none" cap="none" strike="noStrike">
+        <a:defRPr sz="1400" b="0" i="0" u="none" strike="noStrike" cap="none">
           <a:solidFill>
             <a:srgbClr val="000000"/>
           </a:solidFill>
@@ -9582,7 +9542,7 @@
           <a:sym typeface="Arial"/>
         </a:defRPr>
       </a:lvl2pPr>
-      <a:lvl3pPr lvl="2" marR="0" rtl="0" algn="l">
+      <a:lvl3pPr marR="0" lvl="2" algn="l" rtl="0">
         <a:lnSpc>
           <a:spcPct val="100000"/>
         </a:lnSpc>
@@ -9596,7 +9556,7 @@
           <a:srgbClr val="000000"/>
         </a:buClr>
         <a:buFont typeface="Arial"/>
-        <a:defRPr b="0" i="0" sz="1400" u="none" cap="none" strike="noStrike">
+        <a:defRPr sz="1400" b="0" i="0" u="none" strike="noStrike" cap="none">
           <a:solidFill>
             <a:srgbClr val="000000"/>
           </a:solidFill>
@@ -9606,7 +9566,7 @@
           <a:sym typeface="Arial"/>
         </a:defRPr>
       </a:lvl3pPr>
-      <a:lvl4pPr lvl="3" marR="0" rtl="0" algn="l">
+      <a:lvl4pPr marR="0" lvl="3" algn="l" rtl="0">
         <a:lnSpc>
           <a:spcPct val="100000"/>
         </a:lnSpc>
@@ -9620,7 +9580,7 @@
           <a:srgbClr val="000000"/>
         </a:buClr>
         <a:buFont typeface="Arial"/>
-        <a:defRPr b="0" i="0" sz="1400" u="none" cap="none" strike="noStrike">
+        <a:defRPr sz="1400" b="0" i="0" u="none" strike="noStrike" cap="none">
           <a:solidFill>
             <a:srgbClr val="000000"/>
           </a:solidFill>
@@ -9630,7 +9590,7 @@
           <a:sym typeface="Arial"/>
         </a:defRPr>
       </a:lvl4pPr>
-      <a:lvl5pPr lvl="4" marR="0" rtl="0" algn="l">
+      <a:lvl5pPr marR="0" lvl="4" algn="l" rtl="0">
         <a:lnSpc>
           <a:spcPct val="100000"/>
         </a:lnSpc>
@@ -9644,7 +9604,7 @@
           <a:srgbClr val="000000"/>
         </a:buClr>
         <a:buFont typeface="Arial"/>
-        <a:defRPr b="0" i="0" sz="1400" u="none" cap="none" strike="noStrike">
+        <a:defRPr sz="1400" b="0" i="0" u="none" strike="noStrike" cap="none">
           <a:solidFill>
             <a:srgbClr val="000000"/>
           </a:solidFill>
@@ -9654,7 +9614,7 @@
           <a:sym typeface="Arial"/>
         </a:defRPr>
       </a:lvl5pPr>
-      <a:lvl6pPr lvl="5" marR="0" rtl="0" algn="l">
+      <a:lvl6pPr marR="0" lvl="5" algn="l" rtl="0">
         <a:lnSpc>
           <a:spcPct val="100000"/>
         </a:lnSpc>
@@ -9668,7 +9628,7 @@
           <a:srgbClr val="000000"/>
         </a:buClr>
         <a:buFont typeface="Arial"/>
-        <a:defRPr b="0" i="0" sz="1400" u="none" cap="none" strike="noStrike">
+        <a:defRPr sz="1400" b="0" i="0" u="none" strike="noStrike" cap="none">
           <a:solidFill>
             <a:srgbClr val="000000"/>
           </a:solidFill>
@@ -9678,7 +9638,7 @@
           <a:sym typeface="Arial"/>
         </a:defRPr>
       </a:lvl6pPr>
-      <a:lvl7pPr lvl="6" marR="0" rtl="0" algn="l">
+      <a:lvl7pPr marR="0" lvl="6" algn="l" rtl="0">
         <a:lnSpc>
           <a:spcPct val="100000"/>
         </a:lnSpc>
@@ -9692,7 +9652,7 @@
           <a:srgbClr val="000000"/>
         </a:buClr>
         <a:buFont typeface="Arial"/>
-        <a:defRPr b="0" i="0" sz="1400" u="none" cap="none" strike="noStrike">
+        <a:defRPr sz="1400" b="0" i="0" u="none" strike="noStrike" cap="none">
           <a:solidFill>
             <a:srgbClr val="000000"/>
           </a:solidFill>
@@ -9702,7 +9662,7 @@
           <a:sym typeface="Arial"/>
         </a:defRPr>
       </a:lvl7pPr>
-      <a:lvl8pPr lvl="7" marR="0" rtl="0" algn="l">
+      <a:lvl8pPr marR="0" lvl="7" algn="l" rtl="0">
         <a:lnSpc>
           <a:spcPct val="100000"/>
         </a:lnSpc>
@@ -9716,7 +9676,7 @@
           <a:srgbClr val="000000"/>
         </a:buClr>
         <a:buFont typeface="Arial"/>
-        <a:defRPr b="0" i="0" sz="1400" u="none" cap="none" strike="noStrike">
+        <a:defRPr sz="1400" b="0" i="0" u="none" strike="noStrike" cap="none">
           <a:solidFill>
             <a:srgbClr val="000000"/>
           </a:solidFill>
@@ -9726,7 +9686,7 @@
           <a:sym typeface="Arial"/>
         </a:defRPr>
       </a:lvl8pPr>
-      <a:lvl9pPr lvl="8" marR="0" rtl="0" algn="l">
+      <a:lvl9pPr marR="0" lvl="8" algn="l" rtl="0">
         <a:lnSpc>
           <a:spcPct val="100000"/>
         </a:lnSpc>
@@ -9740,7 +9700,7 @@
           <a:srgbClr val="000000"/>
         </a:buClr>
         <a:buFont typeface="Arial"/>
-        <a:defRPr b="0" i="0" sz="1400" u="none" cap="none" strike="noStrike">
+        <a:defRPr sz="1400" b="0" i="0" u="none" strike="noStrike" cap="none">
           <a:solidFill>
             <a:srgbClr val="000000"/>
           </a:solidFill>
@@ -9752,7 +9712,7 @@
       </a:lvl9pPr>
     </p:bodyStyle>
     <p:otherStyle>
-      <a:defPPr lvl="0" marR="0" rtl="0" algn="l">
+      <a:defPPr marR="0" lvl="0" algn="l" rtl="0">
         <a:lnSpc>
           <a:spcPct val="100000"/>
         </a:lnSpc>
@@ -9763,7 +9723,7 @@
           <a:spcPts val="0"/>
         </a:spcAft>
       </a:defPPr>
-      <a:lvl1pPr lvl="0" marR="0" rtl="0" algn="l">
+      <a:lvl1pPr marR="0" lvl="0" algn="l" rtl="0">
         <a:lnSpc>
           <a:spcPct val="100000"/>
         </a:lnSpc>
@@ -9777,7 +9737,7 @@
           <a:srgbClr val="000000"/>
         </a:buClr>
         <a:buFont typeface="Arial"/>
-        <a:defRPr b="0" i="0" sz="1400" u="none" cap="none" strike="noStrike">
+        <a:defRPr sz="1400" b="0" i="0" u="none" strike="noStrike" cap="none">
           <a:solidFill>
             <a:srgbClr val="000000"/>
           </a:solidFill>
@@ -9787,7 +9747,7 @@
           <a:sym typeface="Arial"/>
         </a:defRPr>
       </a:lvl1pPr>
-      <a:lvl2pPr lvl="1" marR="0" rtl="0" algn="l">
+      <a:lvl2pPr marR="0" lvl="1" algn="l" rtl="0">
         <a:lnSpc>
           <a:spcPct val="100000"/>
         </a:lnSpc>
@@ -9801,7 +9761,7 @@
           <a:srgbClr val="000000"/>
         </a:buClr>
         <a:buFont typeface="Arial"/>
-        <a:defRPr b="0" i="0" sz="1400" u="none" cap="none" strike="noStrike">
+        <a:defRPr sz="1400" b="0" i="0" u="none" strike="noStrike" cap="none">
           <a:solidFill>
             <a:srgbClr val="000000"/>
           </a:solidFill>
@@ -9811,7 +9771,7 @@
           <a:sym typeface="Arial"/>
         </a:defRPr>
       </a:lvl2pPr>
-      <a:lvl3pPr lvl="2" marR="0" rtl="0" algn="l">
+      <a:lvl3pPr marR="0" lvl="2" algn="l" rtl="0">
         <a:lnSpc>
           <a:spcPct val="100000"/>
         </a:lnSpc>
@@ -9825,7 +9785,7 @@
           <a:srgbClr val="000000"/>
         </a:buClr>
         <a:buFont typeface="Arial"/>
-        <a:defRPr b="0" i="0" sz="1400" u="none" cap="none" strike="noStrike">
+        <a:defRPr sz="1400" b="0" i="0" u="none" strike="noStrike" cap="none">
           <a:solidFill>
             <a:srgbClr val="000000"/>
           </a:solidFill>
@@ -9835,7 +9795,7 @@
           <a:sym typeface="Arial"/>
         </a:defRPr>
       </a:lvl3pPr>
-      <a:lvl4pPr lvl="3" marR="0" rtl="0" algn="l">
+      <a:lvl4pPr marR="0" lvl="3" algn="l" rtl="0">
         <a:lnSpc>
           <a:spcPct val="100000"/>
         </a:lnSpc>
@@ -9849,7 +9809,7 @@
           <a:srgbClr val="000000"/>
         </a:buClr>
         <a:buFont typeface="Arial"/>
-        <a:defRPr b="0" i="0" sz="1400" u="none" cap="none" strike="noStrike">
+        <a:defRPr sz="1400" b="0" i="0" u="none" strike="noStrike" cap="none">
           <a:solidFill>
             <a:srgbClr val="000000"/>
           </a:solidFill>
@@ -9859,7 +9819,7 @@
           <a:sym typeface="Arial"/>
         </a:defRPr>
       </a:lvl4pPr>
-      <a:lvl5pPr lvl="4" marR="0" rtl="0" algn="l">
+      <a:lvl5pPr marR="0" lvl="4" algn="l" rtl="0">
         <a:lnSpc>
           <a:spcPct val="100000"/>
         </a:lnSpc>
@@ -9873,7 +9833,7 @@
           <a:srgbClr val="000000"/>
         </a:buClr>
         <a:buFont typeface="Arial"/>
-        <a:defRPr b="0" i="0" sz="1400" u="none" cap="none" strike="noStrike">
+        <a:defRPr sz="1400" b="0" i="0" u="none" strike="noStrike" cap="none">
           <a:solidFill>
             <a:srgbClr val="000000"/>
           </a:solidFill>
@@ -9883,7 +9843,7 @@
           <a:sym typeface="Arial"/>
         </a:defRPr>
       </a:lvl5pPr>
-      <a:lvl6pPr lvl="5" marR="0" rtl="0" algn="l">
+      <a:lvl6pPr marR="0" lvl="5" algn="l" rtl="0">
         <a:lnSpc>
           <a:spcPct val="100000"/>
         </a:lnSpc>
@@ -9897,7 +9857,7 @@
           <a:srgbClr val="000000"/>
         </a:buClr>
         <a:buFont typeface="Arial"/>
-        <a:defRPr b="0" i="0" sz="1400" u="none" cap="none" strike="noStrike">
+        <a:defRPr sz="1400" b="0" i="0" u="none" strike="noStrike" cap="none">
           <a:solidFill>
             <a:srgbClr val="000000"/>
           </a:solidFill>
@@ -9907,7 +9867,7 @@
           <a:sym typeface="Arial"/>
         </a:defRPr>
       </a:lvl6pPr>
-      <a:lvl7pPr lvl="6" marR="0" rtl="0" algn="l">
+      <a:lvl7pPr marR="0" lvl="6" algn="l" rtl="0">
         <a:lnSpc>
           <a:spcPct val="100000"/>
         </a:lnSpc>
@@ -9921,7 +9881,7 @@
           <a:srgbClr val="000000"/>
         </a:buClr>
         <a:buFont typeface="Arial"/>
-        <a:defRPr b="0" i="0" sz="1400" u="none" cap="none" strike="noStrike">
+        <a:defRPr sz="1400" b="0" i="0" u="none" strike="noStrike" cap="none">
           <a:solidFill>
             <a:srgbClr val="000000"/>
           </a:solidFill>
@@ -9931,7 +9891,7 @@
           <a:sym typeface="Arial"/>
         </a:defRPr>
       </a:lvl7pPr>
-      <a:lvl8pPr lvl="7" marR="0" rtl="0" algn="l">
+      <a:lvl8pPr marR="0" lvl="7" algn="l" rtl="0">
         <a:lnSpc>
           <a:spcPct val="100000"/>
         </a:lnSpc>
@@ -9945,7 +9905,7 @@
           <a:srgbClr val="000000"/>
         </a:buClr>
         <a:buFont typeface="Arial"/>
-        <a:defRPr b="0" i="0" sz="1400" u="none" cap="none" strike="noStrike">
+        <a:defRPr sz="1400" b="0" i="0" u="none" strike="noStrike" cap="none">
           <a:solidFill>
             <a:srgbClr val="000000"/>
           </a:solidFill>
@@ -9955,7 +9915,7 @@
           <a:sym typeface="Arial"/>
         </a:defRPr>
       </a:lvl8pPr>
-      <a:lvl9pPr lvl="8" marR="0" rtl="0" algn="l">
+      <a:lvl9pPr marR="0" lvl="8" algn="l" rtl="0">
         <a:lnSpc>
           <a:spcPct val="100000"/>
         </a:lnSpc>
@@ -9969,7 +9929,7 @@
           <a:srgbClr val="000000"/>
         </a:buClr>
         <a:buFont typeface="Arial"/>
-        <a:defRPr b="0" i="0" sz="1400" u="none" cap="none" strike="noStrike">
+        <a:defRPr sz="1400" b="0" i="0" u="none" strike="noStrike" cap="none">
           <a:solidFill>
             <a:srgbClr val="000000"/>
           </a:solidFill>
@@ -9985,11 +9945,11 @@
 </file>
 
 <file path=ppt/slides/slide1.xml><?xml version="1.0" encoding="utf-8"?>
-<p:sld xmlns:a="http://schemas.openxmlformats.org/drawingml/2006/main" xmlns:r="http://schemas.openxmlformats.org/officeDocument/2006/relationships" xmlns:mc="http://schemas.openxmlformats.org/markup-compatibility/2006" xmlns:mv="urn:schemas-microsoft-com:mac:vml" xmlns:p="http://schemas.openxmlformats.org/presentationml/2006/main" xmlns:c="http://schemas.openxmlformats.org/drawingml/2006/chart" xmlns:dgm="http://schemas.openxmlformats.org/drawingml/2006/diagram" xmlns:o="urn:schemas-microsoft-com:office:office" xmlns:v="urn:schemas-microsoft-com:vml" xmlns:pvml="urn:schemas-microsoft-com:office:powerpoint" xmlns:com="http://schemas.openxmlformats.org/drawingml/2006/compatibility" xmlns:p14="http://schemas.microsoft.com/office/powerpoint/2010/main" xmlns:p15="http://schemas.microsoft.com/office/powerpoint/2012/main" xmlns:ahyp="http://schemas.microsoft.com/office/drawing/2018/hyperlinkcolor">
+<p:sld xmlns:a="http://schemas.openxmlformats.org/drawingml/2006/main" xmlns:r="http://schemas.openxmlformats.org/officeDocument/2006/relationships" xmlns:p="http://schemas.openxmlformats.org/presentationml/2006/main">
   <p:cSld>
     <p:spTree>
       <p:nvGrpSpPr>
-        <p:cNvPr id="133" name="Shape 133"/>
+        <p:cNvPr id="1" name="Shape 133"/>
         <p:cNvGrpSpPr/>
         <p:nvPr/>
       </p:nvGrpSpPr>
@@ -10004,7 +9964,9 @@
       <p:sp>
         <p:nvSpPr>
           <p:cNvPr id="134" name="Google Shape;134;p13"/>
-          <p:cNvSpPr txBox="1"/>
+          <p:cNvSpPr txBox="1">
+            <a:spLocks noGrp="1"/>
+          </p:cNvSpPr>
           <p:nvPr>
             <p:ph type="ctrTitle"/>
           </p:nvPr>
@@ -10019,12 +9981,12 @@
           </a:prstGeom>
         </p:spPr>
         <p:txBody>
-          <a:bodyPr anchorCtr="0" anchor="t" bIns="91425" lIns="91425" spcFirstLastPara="1" rIns="91425" wrap="square" tIns="91425">
+          <a:bodyPr spcFirstLastPara="1" wrap="square" lIns="91425" tIns="91425" rIns="91425" bIns="91425" anchor="t" anchorCtr="0">
             <a:normAutofit/>
           </a:bodyPr>
           <a:lstStyle/>
           <a:p>
-            <a:pPr indent="0" lvl="0" marL="0" rtl="0" algn="l">
+            <a:pPr marL="0" lvl="0" indent="0" algn="l" rtl="0">
               <a:spcBef>
                 <a:spcPts val="0"/>
               </a:spcBef>
@@ -10044,9 +10006,11 @@
       <p:sp>
         <p:nvSpPr>
           <p:cNvPr id="135" name="Google Shape;135;p13"/>
-          <p:cNvSpPr txBox="1"/>
+          <p:cNvSpPr txBox="1">
+            <a:spLocks noGrp="1"/>
+          </p:cNvSpPr>
           <p:nvPr>
-            <p:ph idx="1" type="subTitle"/>
+            <p:ph type="subTitle" idx="1"/>
           </p:nvPr>
         </p:nvSpPr>
         <p:spPr>
@@ -10059,12 +10023,12 @@
           </a:prstGeom>
         </p:spPr>
         <p:txBody>
-          <a:bodyPr anchorCtr="0" anchor="t" bIns="91425" lIns="91425" spcFirstLastPara="1" rIns="91425" wrap="square" tIns="91425">
+          <a:bodyPr spcFirstLastPara="1" wrap="square" lIns="91425" tIns="91425" rIns="91425" bIns="91425" anchor="t" anchorCtr="0">
             <a:normAutofit/>
           </a:bodyPr>
           <a:lstStyle/>
           <a:p>
-            <a:pPr indent="0" lvl="0" marL="0" rtl="0" algn="l">
+            <a:pPr marL="0" lvl="0" indent="0" algn="l" rtl="0">
               <a:spcBef>
                 <a:spcPts val="0"/>
               </a:spcBef>
@@ -10075,11 +10039,7 @@
             </a:pPr>
             <a:r>
               <a:rPr lang="ru" sz="1500"/>
-              <a:t>Автор: </a:t>
-            </a:r>
-            <a:r>
-              <a:rPr lang="ru" sz="1500"/>
-              <a:t>Рахметулла Акрам</a:t>
+              <a:t>Автор: Рахметулла Акрам</a:t>
             </a:r>
             <a:endParaRPr sz="1500"/>
           </a:p>
@@ -10094,11 +10054,11 @@
 </file>
 
 <file path=ppt/slides/slide10.xml><?xml version="1.0" encoding="utf-8"?>
-<p:sld xmlns:a="http://schemas.openxmlformats.org/drawingml/2006/main" xmlns:r="http://schemas.openxmlformats.org/officeDocument/2006/relationships" xmlns:mc="http://schemas.openxmlformats.org/markup-compatibility/2006" xmlns:mv="urn:schemas-microsoft-com:mac:vml" xmlns:p="http://schemas.openxmlformats.org/presentationml/2006/main" xmlns:c="http://schemas.openxmlformats.org/drawingml/2006/chart" xmlns:dgm="http://schemas.openxmlformats.org/drawingml/2006/diagram" xmlns:o="urn:schemas-microsoft-com:office:office" xmlns:v="urn:schemas-microsoft-com:vml" xmlns:pvml="urn:schemas-microsoft-com:office:powerpoint" xmlns:com="http://schemas.openxmlformats.org/drawingml/2006/compatibility" xmlns:p14="http://schemas.microsoft.com/office/powerpoint/2010/main" xmlns:p15="http://schemas.microsoft.com/office/powerpoint/2012/main" xmlns:ahyp="http://schemas.microsoft.com/office/drawing/2018/hyperlinkcolor">
+<p:sld xmlns:a="http://schemas.openxmlformats.org/drawingml/2006/main" xmlns:r="http://schemas.openxmlformats.org/officeDocument/2006/relationships" xmlns:p="http://schemas.openxmlformats.org/presentationml/2006/main">
   <p:cSld>
     <p:spTree>
       <p:nvGrpSpPr>
-        <p:cNvPr id="187" name="Shape 187"/>
+        <p:cNvPr id="1" name="Shape 187"/>
         <p:cNvGrpSpPr/>
         <p:nvPr/>
       </p:nvGrpSpPr>
@@ -10113,7 +10073,9 @@
       <p:sp>
         <p:nvSpPr>
           <p:cNvPr id="188" name="Google Shape;188;p22"/>
-          <p:cNvSpPr txBox="1"/>
+          <p:cNvSpPr txBox="1">
+            <a:spLocks noGrp="1"/>
+          </p:cNvSpPr>
           <p:nvPr>
             <p:ph type="title"/>
           </p:nvPr>
@@ -10128,12 +10090,12 @@
           </a:prstGeom>
         </p:spPr>
         <p:txBody>
-          <a:bodyPr anchorCtr="0" anchor="t" bIns="91425" lIns="91425" spcFirstLastPara="1" rIns="91425" wrap="square" tIns="91425">
+          <a:bodyPr spcFirstLastPara="1" wrap="square" lIns="91425" tIns="91425" rIns="91425" bIns="91425" anchor="t" anchorCtr="0">
             <a:normAutofit/>
           </a:bodyPr>
           <a:lstStyle/>
           <a:p>
-            <a:pPr indent="0" lvl="0" marL="0" rtl="0" algn="l">
+            <a:pPr marL="0" lvl="0" indent="0" algn="l" rtl="0">
               <a:spcBef>
                 <a:spcPts val="0"/>
               </a:spcBef>
@@ -10153,9 +10115,11 @@
       <p:sp>
         <p:nvSpPr>
           <p:cNvPr id="189" name="Google Shape;189;p22"/>
-          <p:cNvSpPr txBox="1"/>
+          <p:cNvSpPr txBox="1">
+            <a:spLocks noGrp="1"/>
+          </p:cNvSpPr>
           <p:nvPr>
-            <p:ph idx="1" type="body"/>
+            <p:ph type="body" idx="1"/>
           </p:nvPr>
         </p:nvSpPr>
         <p:spPr>
@@ -10168,12 +10132,12 @@
           </a:prstGeom>
         </p:spPr>
         <p:txBody>
-          <a:bodyPr anchorCtr="0" anchor="t" bIns="91425" lIns="91425" spcFirstLastPara="1" rIns="91425" wrap="square" tIns="91425">
+          <a:bodyPr spcFirstLastPara="1" wrap="square" lIns="91425" tIns="91425" rIns="91425" bIns="91425" anchor="t" anchorCtr="0">
             <a:normAutofit/>
           </a:bodyPr>
           <a:lstStyle/>
           <a:p>
-            <a:pPr indent="-311150" lvl="0" marL="457200" rtl="0" algn="l">
+            <a:pPr marL="457200" lvl="0" indent="-311150" algn="l" rtl="0">
               <a:spcBef>
                 <a:spcPts val="0"/>
               </a:spcBef>
@@ -10185,11 +10149,7 @@
             </a:pPr>
             <a:r>
               <a:rPr lang="ru"/>
-              <a:t>Запрос</a:t>
-            </a:r>
-            <a:r>
-              <a:rPr lang="ru"/>
-              <a:t>: </a:t>
+              <a:t>Запрос: </a:t>
             </a:r>
             <a:r>
               <a:rPr lang="ru" u="sng">
@@ -10203,7 +10163,7 @@
             <a:endParaRPr/>
           </a:p>
           <a:p>
-            <a:pPr indent="0" lvl="0" marL="457200" rtl="0" algn="l">
+            <a:pPr marL="457200" lvl="0" indent="0" algn="l" rtl="0">
               <a:spcBef>
                 <a:spcPts val="1200"/>
               </a:spcBef>
@@ -10251,9 +10211,11 @@
       <p:sp>
         <p:nvSpPr>
           <p:cNvPr id="191" name="Google Shape;191;p22"/>
-          <p:cNvSpPr txBox="1"/>
+          <p:cNvSpPr txBox="1">
+            <a:spLocks noGrp="1"/>
+          </p:cNvSpPr>
           <p:nvPr>
-            <p:ph idx="1" type="body"/>
+            <p:ph type="body" idx="1"/>
           </p:nvPr>
         </p:nvSpPr>
         <p:spPr>
@@ -10266,12 +10228,12 @@
           </a:prstGeom>
         </p:spPr>
         <p:txBody>
-          <a:bodyPr anchorCtr="0" anchor="t" bIns="91425" lIns="91425" spcFirstLastPara="1" rIns="91425" wrap="square" tIns="91425">
+          <a:bodyPr spcFirstLastPara="1" wrap="square" lIns="91425" tIns="91425" rIns="91425" bIns="91425" anchor="t" anchorCtr="0">
             <a:normAutofit/>
           </a:bodyPr>
           <a:lstStyle/>
           <a:p>
-            <a:pPr indent="-311150" lvl="0" marL="457200" rtl="0" algn="l">
+            <a:pPr marL="457200" lvl="0" indent="-311150" algn="l" rtl="0">
               <a:spcBef>
                 <a:spcPts val="0"/>
               </a:spcBef>
@@ -10293,7 +10255,7 @@
                 <a:hlinkClick r:id="rId5">
                   <a:extLst>
                     <a:ext uri="{A12FA001-AC4F-418D-AE19-62706E023703}">
-                      <ahyp:hlinkClr val="tx"/>
+                      <ahyp:hlinkClr xmlns:ahyp="http://schemas.microsoft.com/office/drawing/2018/hyperlinkcolor" xmlns:p15="http://schemas.microsoft.com/office/powerpoint/2012/main" xmlns:p14="http://schemas.microsoft.com/office/powerpoint/2010/main" xmlns:com="http://schemas.openxmlformats.org/drawingml/2006/compatibility" xmlns:pvml="urn:schemas-microsoft-com:office:powerpoint" xmlns:v="urn:schemas-microsoft-com:vml" xmlns:o="urn:schemas-microsoft-com:office:office" xmlns:dgm="http://schemas.openxmlformats.org/drawingml/2006/diagram" xmlns:c="http://schemas.openxmlformats.org/drawingml/2006/chart" xmlns:mv="urn:schemas-microsoft-com:mac:vml" xmlns:mc="http://schemas.openxmlformats.org/markup-compatibility/2006" xmlns="" val="tx"/>
                     </a:ext>
                   </a:extLst>
                 </a:hlinkClick>
@@ -10303,7 +10265,7 @@
             <a:endParaRPr/>
           </a:p>
           <a:p>
-            <a:pPr indent="0" lvl="0" marL="457200" rtl="0" algn="l">
+            <a:pPr marL="457200" lvl="0" indent="0" algn="l" rtl="0">
               <a:spcBef>
                 <a:spcPts val="1200"/>
               </a:spcBef>
@@ -10357,11 +10319,11 @@
 </file>
 
 <file path=ppt/slides/slide11.xml><?xml version="1.0" encoding="utf-8"?>
-<p:sld xmlns:a="http://schemas.openxmlformats.org/drawingml/2006/main" xmlns:r="http://schemas.openxmlformats.org/officeDocument/2006/relationships" xmlns:mc="http://schemas.openxmlformats.org/markup-compatibility/2006" xmlns:mv="urn:schemas-microsoft-com:mac:vml" xmlns:p="http://schemas.openxmlformats.org/presentationml/2006/main" xmlns:c="http://schemas.openxmlformats.org/drawingml/2006/chart" xmlns:dgm="http://schemas.openxmlformats.org/drawingml/2006/diagram" xmlns:o="urn:schemas-microsoft-com:office:office" xmlns:v="urn:schemas-microsoft-com:vml" xmlns:pvml="urn:schemas-microsoft-com:office:powerpoint" xmlns:com="http://schemas.openxmlformats.org/drawingml/2006/compatibility" xmlns:p14="http://schemas.microsoft.com/office/powerpoint/2010/main" xmlns:p15="http://schemas.microsoft.com/office/powerpoint/2012/main" xmlns:ahyp="http://schemas.microsoft.com/office/drawing/2018/hyperlinkcolor">
+<p:sld xmlns:a="http://schemas.openxmlformats.org/drawingml/2006/main" xmlns:r="http://schemas.openxmlformats.org/officeDocument/2006/relationships" xmlns:p="http://schemas.openxmlformats.org/presentationml/2006/main">
   <p:cSld>
     <p:spTree>
       <p:nvGrpSpPr>
-        <p:cNvPr id="196" name="Shape 196"/>
+        <p:cNvPr id="1" name="Shape 196"/>
         <p:cNvGrpSpPr/>
         <p:nvPr/>
       </p:nvGrpSpPr>
@@ -10376,7 +10338,9 @@
       <p:sp>
         <p:nvSpPr>
           <p:cNvPr id="197" name="Google Shape;197;p23"/>
-          <p:cNvSpPr txBox="1"/>
+          <p:cNvSpPr txBox="1">
+            <a:spLocks noGrp="1"/>
+          </p:cNvSpPr>
           <p:nvPr>
             <p:ph type="title"/>
           </p:nvPr>
@@ -10391,12 +10355,12 @@
           </a:prstGeom>
         </p:spPr>
         <p:txBody>
-          <a:bodyPr anchorCtr="0" anchor="t" bIns="91425" lIns="91425" spcFirstLastPara="1" rIns="91425" wrap="square" tIns="91425">
+          <a:bodyPr spcFirstLastPara="1" wrap="square" lIns="91425" tIns="91425" rIns="91425" bIns="91425" anchor="t" anchorCtr="0">
             <a:normAutofit/>
           </a:bodyPr>
           <a:lstStyle/>
           <a:p>
-            <a:pPr indent="0" lvl="0" marL="0" rtl="0" algn="l">
+            <a:pPr marL="0" lvl="0" indent="0" algn="l" rtl="0">
               <a:spcBef>
                 <a:spcPts val="0"/>
               </a:spcBef>
@@ -10416,9 +10380,11 @@
       <p:sp>
         <p:nvSpPr>
           <p:cNvPr id="198" name="Google Shape;198;p23"/>
-          <p:cNvSpPr txBox="1"/>
+          <p:cNvSpPr txBox="1">
+            <a:spLocks noGrp="1"/>
+          </p:cNvSpPr>
           <p:nvPr>
-            <p:ph idx="1" type="body"/>
+            <p:ph type="body" idx="1"/>
           </p:nvPr>
         </p:nvSpPr>
         <p:spPr>
@@ -10431,12 +10397,12 @@
           </a:prstGeom>
         </p:spPr>
         <p:txBody>
-          <a:bodyPr anchorCtr="0" anchor="t" bIns="91425" lIns="91425" spcFirstLastPara="1" rIns="91425" wrap="square" tIns="91425">
-            <a:normAutofit/>
+          <a:bodyPr spcFirstLastPara="1" wrap="square" lIns="91425" tIns="91425" rIns="91425" bIns="91425" anchor="t" anchorCtr="0">
+            <a:normAutofit lnSpcReduction="10000"/>
           </a:bodyPr>
           <a:lstStyle/>
           <a:p>
-            <a:pPr indent="0" lvl="0" marL="0" rtl="0" algn="l">
+            <a:pPr marL="0" lvl="0" indent="0" algn="l" rtl="0">
               <a:spcBef>
                 <a:spcPts val="0"/>
               </a:spcBef>
@@ -10452,7 +10418,7 @@
             <a:endParaRPr sz="1500"/>
           </a:p>
           <a:p>
-            <a:pPr indent="0" lvl="0" marL="0" rtl="0" algn="l">
+            <a:pPr marL="0" lvl="0" indent="0" algn="l" rtl="0">
               <a:spcBef>
                 <a:spcPts val="1200"/>
               </a:spcBef>
@@ -10461,13 +10427,10 @@
               </a:spcAft>
               <a:buNone/>
             </a:pPr>
-            <a:r>
-              <a:t/>
-            </a:r>
             <a:endParaRPr sz="1500"/>
           </a:p>
           <a:p>
-            <a:pPr indent="0" lvl="0" marL="0" rtl="0" algn="ctr">
+            <a:pPr marL="0" lvl="0" indent="0" algn="ctr" rtl="0">
               <a:spcBef>
                 <a:spcPts val="1200"/>
               </a:spcBef>
@@ -10477,13 +10440,13 @@
               <a:buNone/>
             </a:pPr>
             <a:r>
-              <a:rPr b="1" lang="ru" sz="2300"/>
+              <a:rPr lang="ru" sz="2300" b="1"/>
               <a:t>Спасибо за внимание!</a:t>
             </a:r>
-            <a:endParaRPr b="1" sz="2300"/>
+            <a:endParaRPr sz="2300" b="1"/>
           </a:p>
           <a:p>
-            <a:pPr indent="0" lvl="0" marL="0" rtl="0" algn="l">
+            <a:pPr marL="0" lvl="0" indent="0" algn="l" rtl="0">
               <a:spcBef>
                 <a:spcPts val="1200"/>
               </a:spcBef>
@@ -10492,13 +10455,10 @@
               </a:spcAft>
               <a:buNone/>
             </a:pPr>
-            <a:r>
-              <a:t/>
-            </a:r>
             <a:endParaRPr sz="1500"/>
           </a:p>
           <a:p>
-            <a:pPr indent="0" lvl="0" marL="0" rtl="0" algn="l">
+            <a:pPr marL="0" lvl="0" indent="0" algn="l" rtl="0">
               <a:spcBef>
                 <a:spcPts val="1200"/>
               </a:spcBef>
@@ -10507,13 +10467,10 @@
               </a:spcAft>
               <a:buNone/>
             </a:pPr>
-            <a:r>
-              <a:t/>
-            </a:r>
             <a:endParaRPr sz="1500"/>
           </a:p>
           <a:p>
-            <a:pPr indent="0" lvl="0" marL="0" rtl="0" algn="l">
+            <a:pPr marL="0" lvl="0" indent="0" algn="l" rtl="0">
               <a:spcBef>
                 <a:spcPts val="1200"/>
               </a:spcBef>
@@ -10522,13 +10479,10 @@
               </a:spcAft>
               <a:buNone/>
             </a:pPr>
-            <a:r>
-              <a:t/>
-            </a:r>
             <a:endParaRPr sz="1200"/>
           </a:p>
           <a:p>
-            <a:pPr indent="0" lvl="0" marL="0" rtl="0" algn="l">
+            <a:pPr marL="0" lvl="0" indent="0" algn="l" rtl="0">
               <a:spcBef>
                 <a:spcPts val="1200"/>
               </a:spcBef>
@@ -10549,7 +10503,7 @@
                 <a:hlinkClick r:id="rId3">
                   <a:extLst>
                     <a:ext uri="{A12FA001-AC4F-418D-AE19-62706E023703}">
-                      <ahyp:hlinkClr val="tx"/>
+                      <ahyp:hlinkClr xmlns:ahyp="http://schemas.microsoft.com/office/drawing/2018/hyperlinkcolor" xmlns:p15="http://schemas.microsoft.com/office/powerpoint/2012/main" xmlns:p14="http://schemas.microsoft.com/office/powerpoint/2010/main" xmlns:com="http://schemas.openxmlformats.org/drawingml/2006/compatibility" xmlns:pvml="urn:schemas-microsoft-com:office:powerpoint" xmlns:v="urn:schemas-microsoft-com:vml" xmlns:o="urn:schemas-microsoft-com:office:office" xmlns:dgm="http://schemas.openxmlformats.org/drawingml/2006/diagram" xmlns:c="http://schemas.openxmlformats.org/drawingml/2006/chart" xmlns:mv="urn:schemas-microsoft-com:mac:vml" xmlns:mc="http://schemas.openxmlformats.org/markup-compatibility/2006" xmlns="" val="tx"/>
                     </a:ext>
                   </a:extLst>
                 </a:hlinkClick>
@@ -10569,11 +10523,11 @@
 </file>
 
 <file path=ppt/slides/slide2.xml><?xml version="1.0" encoding="utf-8"?>
-<p:sld xmlns:a="http://schemas.openxmlformats.org/drawingml/2006/main" xmlns:r="http://schemas.openxmlformats.org/officeDocument/2006/relationships" xmlns:mc="http://schemas.openxmlformats.org/markup-compatibility/2006" xmlns:mv="urn:schemas-microsoft-com:mac:vml" xmlns:p="http://schemas.openxmlformats.org/presentationml/2006/main" xmlns:c="http://schemas.openxmlformats.org/drawingml/2006/chart" xmlns:dgm="http://schemas.openxmlformats.org/drawingml/2006/diagram" xmlns:o="urn:schemas-microsoft-com:office:office" xmlns:v="urn:schemas-microsoft-com:vml" xmlns:pvml="urn:schemas-microsoft-com:office:powerpoint" xmlns:com="http://schemas.openxmlformats.org/drawingml/2006/compatibility" xmlns:p14="http://schemas.microsoft.com/office/powerpoint/2010/main" xmlns:p15="http://schemas.microsoft.com/office/powerpoint/2012/main" xmlns:ahyp="http://schemas.microsoft.com/office/drawing/2018/hyperlinkcolor">
+<p:sld xmlns:a="http://schemas.openxmlformats.org/drawingml/2006/main" xmlns:r="http://schemas.openxmlformats.org/officeDocument/2006/relationships" xmlns:p="http://schemas.openxmlformats.org/presentationml/2006/main">
   <p:cSld>
     <p:spTree>
       <p:nvGrpSpPr>
-        <p:cNvPr id="139" name="Shape 139"/>
+        <p:cNvPr id="1" name="Shape 139"/>
         <p:cNvGrpSpPr/>
         <p:nvPr/>
       </p:nvGrpSpPr>
@@ -10588,7 +10542,9 @@
       <p:sp>
         <p:nvSpPr>
           <p:cNvPr id="140" name="Google Shape;140;p14"/>
-          <p:cNvSpPr txBox="1"/>
+          <p:cNvSpPr txBox="1">
+            <a:spLocks noGrp="1"/>
+          </p:cNvSpPr>
           <p:nvPr>
             <p:ph type="title"/>
           </p:nvPr>
@@ -10603,12 +10559,12 @@
           </a:prstGeom>
         </p:spPr>
         <p:txBody>
-          <a:bodyPr anchorCtr="0" anchor="t" bIns="91425" lIns="91425" spcFirstLastPara="1" rIns="91425" wrap="square" tIns="91425">
+          <a:bodyPr spcFirstLastPara="1" wrap="square" lIns="91425" tIns="91425" rIns="91425" bIns="91425" anchor="t" anchorCtr="0">
             <a:normAutofit/>
           </a:bodyPr>
           <a:lstStyle/>
           <a:p>
-            <a:pPr indent="0" lvl="0" marL="0" rtl="0" algn="l">
+            <a:pPr marL="0" lvl="0" indent="0" algn="l" rtl="0">
               <a:spcBef>
                 <a:spcPts val="0"/>
               </a:spcBef>
@@ -10628,9 +10584,11 @@
       <p:sp>
         <p:nvSpPr>
           <p:cNvPr id="141" name="Google Shape;141;p14"/>
-          <p:cNvSpPr txBox="1"/>
+          <p:cNvSpPr txBox="1">
+            <a:spLocks noGrp="1"/>
+          </p:cNvSpPr>
           <p:nvPr>
-            <p:ph idx="1" type="body"/>
+            <p:ph type="body" idx="1"/>
           </p:nvPr>
         </p:nvSpPr>
         <p:spPr>
@@ -10643,12 +10601,12 @@
           </a:prstGeom>
         </p:spPr>
         <p:txBody>
-          <a:bodyPr anchorCtr="0" anchor="t" bIns="91425" lIns="91425" spcFirstLastPara="1" rIns="91425" wrap="square" tIns="91425">
+          <a:bodyPr spcFirstLastPara="1" wrap="square" lIns="91425" tIns="91425" rIns="91425" bIns="91425" anchor="t" anchorCtr="0">
             <a:normAutofit/>
           </a:bodyPr>
           <a:lstStyle/>
           <a:p>
-            <a:pPr indent="0" lvl="0" marL="0" rtl="0" algn="just">
+            <a:pPr marL="0" lvl="0" indent="0" algn="just" rtl="0">
               <a:spcBef>
                 <a:spcPts val="0"/>
               </a:spcBef>
@@ -10658,13 +10616,13 @@
               <a:buNone/>
             </a:pPr>
             <a:r>
-              <a:rPr lang="ru" sz="1500"/>
+              <a:rPr lang="ru" sz="1500" dirty="0"/>
               <a:t>Многие, кто профессионально занимаются программированием, возможно, слышали про спортивное программирование. Для решения задач спортивного программирования существуют “Online Judge”, т.е. сайт с архивом задач и системой тестирования.</a:t>
             </a:r>
-            <a:endParaRPr sz="1500"/>
+            <a:endParaRPr sz="1500" dirty="0"/>
           </a:p>
           <a:p>
-            <a:pPr indent="0" lvl="0" marL="0" rtl="0" algn="l">
+            <a:pPr marL="0" lvl="0" indent="0" algn="l" rtl="0">
               <a:spcBef>
                 <a:spcPts val="1200"/>
               </a:spcBef>
@@ -10674,13 +10632,13 @@
               <a:buNone/>
             </a:pPr>
             <a:r>
-              <a:rPr lang="ru" sz="1500"/>
+              <a:rPr lang="ru" sz="1500" dirty="0"/>
               <a:t>WnSOJ - одна из таких платформ. Отличие данной платформы от других состоит в том, что:</a:t>
             </a:r>
-            <a:endParaRPr sz="1500"/>
+            <a:endParaRPr sz="1500" dirty="0"/>
           </a:p>
           <a:p>
-            <a:pPr indent="-323850" lvl="0" marL="457200" rtl="0" algn="just">
+            <a:pPr marL="457200" lvl="0" indent="-323850" algn="just" rtl="0">
               <a:spcBef>
                 <a:spcPts val="1200"/>
               </a:spcBef>
@@ -10691,13 +10649,21 @@
               <a:buAutoNum type="arabicParenR"/>
             </a:pPr>
             <a:r>
-              <a:rPr lang="ru" sz="1500"/>
-              <a:t>Сервер и тестирующая система написаны с помощью возможностей языка Python. Один из самых важных плюсов тестирующей системы - это быстрая проверка решения, даже если процессор вашего компьютера медленный. Также, сервер и тестирующая система работают одновременно с помощью технологии параллелизма, благодаря библиотеке multiprocessing.</a:t>
+              <a:rPr lang="ru" sz="1500" dirty="0"/>
+              <a:t>Сервер и тестирующая система написаны с помощью возможностей языка Python. Один из самых важных плюсов тестирующей системы - это быстрая проверка решения, даже если процессор </a:t>
             </a:r>
-            <a:endParaRPr sz="1500"/>
+            <a:r>
+              <a:rPr lang="ru" sz="1500" dirty="0" smtClean="0"/>
+              <a:t>сервера </a:t>
+            </a:r>
+            <a:r>
+              <a:rPr lang="ru" sz="1500" dirty="0"/>
+              <a:t>медленный. Также, сервер и тестирующая система работают одновременно с помощью технологии параллелизма, благодаря библиотеке multiprocessing.</a:t>
+            </a:r>
+            <a:endParaRPr sz="1500" dirty="0"/>
           </a:p>
           <a:p>
-            <a:pPr indent="-323850" lvl="0" marL="457200" rtl="0" algn="just">
+            <a:pPr marL="457200" lvl="0" indent="-323850" algn="just" rtl="0">
               <a:spcBef>
                 <a:spcPts val="0"/>
               </a:spcBef>
@@ -10708,10 +10674,10 @@
               <a:buAutoNum type="arabicParenR"/>
             </a:pPr>
             <a:r>
-              <a:rPr lang="ru" sz="1500"/>
+              <a:rPr lang="ru" sz="1500" dirty="0"/>
               <a:t>Также, помимо архива задач, на сайте есть возможность искать, а также публиковать/редактировать/удалять работу.</a:t>
             </a:r>
-            <a:endParaRPr sz="1500"/>
+            <a:endParaRPr sz="1500" dirty="0"/>
           </a:p>
         </p:txBody>
       </p:sp>
@@ -10724,11 +10690,11 @@
 </file>
 
 <file path=ppt/slides/slide3.xml><?xml version="1.0" encoding="utf-8"?>
-<p:sld xmlns:a="http://schemas.openxmlformats.org/drawingml/2006/main" xmlns:r="http://schemas.openxmlformats.org/officeDocument/2006/relationships" xmlns:mc="http://schemas.openxmlformats.org/markup-compatibility/2006" xmlns:mv="urn:schemas-microsoft-com:mac:vml" xmlns:p="http://schemas.openxmlformats.org/presentationml/2006/main" xmlns:c="http://schemas.openxmlformats.org/drawingml/2006/chart" xmlns:dgm="http://schemas.openxmlformats.org/drawingml/2006/diagram" xmlns:o="urn:schemas-microsoft-com:office:office" xmlns:v="urn:schemas-microsoft-com:vml" xmlns:pvml="urn:schemas-microsoft-com:office:powerpoint" xmlns:com="http://schemas.openxmlformats.org/drawingml/2006/compatibility" xmlns:p14="http://schemas.microsoft.com/office/powerpoint/2010/main" xmlns:p15="http://schemas.microsoft.com/office/powerpoint/2012/main" xmlns:ahyp="http://schemas.microsoft.com/office/drawing/2018/hyperlinkcolor">
+<p:sld xmlns:a="http://schemas.openxmlformats.org/drawingml/2006/main" xmlns:r="http://schemas.openxmlformats.org/officeDocument/2006/relationships" xmlns:p="http://schemas.openxmlformats.org/presentationml/2006/main">
   <p:cSld>
     <p:spTree>
       <p:nvGrpSpPr>
-        <p:cNvPr id="145" name="Shape 145"/>
+        <p:cNvPr id="1" name="Shape 145"/>
         <p:cNvGrpSpPr/>
         <p:nvPr/>
       </p:nvGrpSpPr>
@@ -10743,7 +10709,9 @@
       <p:sp>
         <p:nvSpPr>
           <p:cNvPr id="146" name="Google Shape;146;p15"/>
-          <p:cNvSpPr txBox="1"/>
+          <p:cNvSpPr txBox="1">
+            <a:spLocks noGrp="1"/>
+          </p:cNvSpPr>
           <p:nvPr>
             <p:ph type="title"/>
           </p:nvPr>
@@ -10758,12 +10726,12 @@
           </a:prstGeom>
         </p:spPr>
         <p:txBody>
-          <a:bodyPr anchorCtr="0" anchor="t" bIns="91425" lIns="91425" spcFirstLastPara="1" rIns="91425" wrap="square" tIns="91425">
+          <a:bodyPr spcFirstLastPara="1" wrap="square" lIns="91425" tIns="91425" rIns="91425" bIns="91425" anchor="t" anchorCtr="0">
             <a:normAutofit fontScale="90000"/>
           </a:bodyPr>
           <a:lstStyle/>
           <a:p>
-            <a:pPr indent="0" lvl="0" marL="0" rtl="0" algn="l">
+            <a:pPr marL="0" lvl="0" indent="0" algn="l" rtl="0">
               <a:spcBef>
                 <a:spcPts val="0"/>
               </a:spcBef>
@@ -10817,11 +10785,11 @@
 </file>
 
 <file path=ppt/slides/slide4.xml><?xml version="1.0" encoding="utf-8"?>
-<p:sld xmlns:a="http://schemas.openxmlformats.org/drawingml/2006/main" xmlns:r="http://schemas.openxmlformats.org/officeDocument/2006/relationships" xmlns:mc="http://schemas.openxmlformats.org/markup-compatibility/2006" xmlns:mv="urn:schemas-microsoft-com:mac:vml" xmlns:p="http://schemas.openxmlformats.org/presentationml/2006/main" xmlns:c="http://schemas.openxmlformats.org/drawingml/2006/chart" xmlns:dgm="http://schemas.openxmlformats.org/drawingml/2006/diagram" xmlns:o="urn:schemas-microsoft-com:office:office" xmlns:v="urn:schemas-microsoft-com:vml" xmlns:pvml="urn:schemas-microsoft-com:office:powerpoint" xmlns:com="http://schemas.openxmlformats.org/drawingml/2006/compatibility" xmlns:p14="http://schemas.microsoft.com/office/powerpoint/2010/main" xmlns:p15="http://schemas.microsoft.com/office/powerpoint/2012/main" xmlns:ahyp="http://schemas.microsoft.com/office/drawing/2018/hyperlinkcolor">
+<p:sld xmlns:a="http://schemas.openxmlformats.org/drawingml/2006/main" xmlns:r="http://schemas.openxmlformats.org/officeDocument/2006/relationships" xmlns:p="http://schemas.openxmlformats.org/presentationml/2006/main">
   <p:cSld>
     <p:spTree>
       <p:nvGrpSpPr>
-        <p:cNvPr id="151" name="Shape 151"/>
+        <p:cNvPr id="1" name="Shape 151"/>
         <p:cNvGrpSpPr/>
         <p:nvPr/>
       </p:nvGrpSpPr>
@@ -10836,7 +10804,9 @@
       <p:sp>
         <p:nvSpPr>
           <p:cNvPr id="152" name="Google Shape;152;p16"/>
-          <p:cNvSpPr txBox="1"/>
+          <p:cNvSpPr txBox="1">
+            <a:spLocks noGrp="1"/>
+          </p:cNvSpPr>
           <p:nvPr>
             <p:ph type="title"/>
           </p:nvPr>
@@ -10851,12 +10821,12 @@
           </a:prstGeom>
         </p:spPr>
         <p:txBody>
-          <a:bodyPr anchorCtr="0" anchor="t" bIns="91425" lIns="91425" spcFirstLastPara="1" rIns="91425" wrap="square" tIns="91425">
+          <a:bodyPr spcFirstLastPara="1" wrap="square" lIns="91425" tIns="91425" rIns="91425" bIns="91425" anchor="t" anchorCtr="0">
             <a:normAutofit/>
           </a:bodyPr>
           <a:lstStyle/>
           <a:p>
-            <a:pPr indent="0" lvl="0" marL="0" rtl="0" algn="l">
+            <a:pPr marL="0" lvl="0" indent="0" algn="l" rtl="0">
               <a:spcBef>
                 <a:spcPts val="0"/>
               </a:spcBef>
@@ -10876,9 +10846,11 @@
       <p:sp>
         <p:nvSpPr>
           <p:cNvPr id="153" name="Google Shape;153;p16"/>
-          <p:cNvSpPr txBox="1"/>
+          <p:cNvSpPr txBox="1">
+            <a:spLocks noGrp="1"/>
+          </p:cNvSpPr>
           <p:nvPr>
-            <p:ph idx="1" type="body"/>
+            <p:ph type="body" idx="1"/>
           </p:nvPr>
         </p:nvSpPr>
         <p:spPr>
@@ -10891,12 +10863,12 @@
           </a:prstGeom>
         </p:spPr>
         <p:txBody>
-          <a:bodyPr anchorCtr="0" anchor="t" bIns="91425" lIns="91425" spcFirstLastPara="1" rIns="91425" wrap="square" tIns="91425">
+          <a:bodyPr spcFirstLastPara="1" wrap="square" lIns="91425" tIns="91425" rIns="91425" bIns="91425" anchor="t" anchorCtr="0">
             <a:normAutofit/>
           </a:bodyPr>
           <a:lstStyle/>
           <a:p>
-            <a:pPr indent="0" lvl="0" marL="0" rtl="0" algn="just">
+            <a:pPr marL="0" lvl="0" indent="0" algn="just" rtl="0">
               <a:spcBef>
                 <a:spcPts val="0"/>
               </a:spcBef>
@@ -10912,7 +10884,7 @@
             <a:endParaRPr sz="1500"/>
           </a:p>
           <a:p>
-            <a:pPr indent="0" lvl="0" marL="0" rtl="0" algn="just">
+            <a:pPr marL="0" lvl="0" indent="0" algn="just" rtl="0">
               <a:spcBef>
                 <a:spcPts val="1200"/>
               </a:spcBef>
@@ -10928,7 +10900,7 @@
             <a:endParaRPr sz="1500"/>
           </a:p>
           <a:p>
-            <a:pPr indent="0" lvl="0" marL="0" rtl="0" algn="just">
+            <a:pPr marL="0" lvl="0" indent="0" algn="just" rtl="0">
               <a:spcBef>
                 <a:spcPts val="1200"/>
               </a:spcBef>
@@ -10944,7 +10916,7 @@
             <a:endParaRPr sz="1500"/>
           </a:p>
           <a:p>
-            <a:pPr indent="0" lvl="0" marL="0" rtl="0" algn="just">
+            <a:pPr marL="0" lvl="0" indent="0" algn="just" rtl="0">
               <a:spcBef>
                 <a:spcPts val="1200"/>
               </a:spcBef>
@@ -10960,7 +10932,7 @@
             <a:endParaRPr sz="1500"/>
           </a:p>
           <a:p>
-            <a:pPr indent="0" lvl="0" marL="0" rtl="0" algn="just">
+            <a:pPr marL="0" lvl="0" indent="0" algn="just" rtl="0">
               <a:spcBef>
                 <a:spcPts val="1200"/>
               </a:spcBef>
@@ -10986,11 +10958,11 @@
 </file>
 
 <file path=ppt/slides/slide5.xml><?xml version="1.0" encoding="utf-8"?>
-<p:sld xmlns:a="http://schemas.openxmlformats.org/drawingml/2006/main" xmlns:r="http://schemas.openxmlformats.org/officeDocument/2006/relationships" xmlns:mc="http://schemas.openxmlformats.org/markup-compatibility/2006" xmlns:mv="urn:schemas-microsoft-com:mac:vml" xmlns:p="http://schemas.openxmlformats.org/presentationml/2006/main" xmlns:c="http://schemas.openxmlformats.org/drawingml/2006/chart" xmlns:dgm="http://schemas.openxmlformats.org/drawingml/2006/diagram" xmlns:o="urn:schemas-microsoft-com:office:office" xmlns:v="urn:schemas-microsoft-com:vml" xmlns:pvml="urn:schemas-microsoft-com:office:powerpoint" xmlns:com="http://schemas.openxmlformats.org/drawingml/2006/compatibility" xmlns:p14="http://schemas.microsoft.com/office/powerpoint/2010/main" xmlns:p15="http://schemas.microsoft.com/office/powerpoint/2012/main" xmlns:ahyp="http://schemas.microsoft.com/office/drawing/2018/hyperlinkcolor">
+<p:sld xmlns:a="http://schemas.openxmlformats.org/drawingml/2006/main" xmlns:r="http://schemas.openxmlformats.org/officeDocument/2006/relationships" xmlns:p="http://schemas.openxmlformats.org/presentationml/2006/main">
   <p:cSld>
     <p:spTree>
       <p:nvGrpSpPr>
-        <p:cNvPr id="157" name="Shape 157"/>
+        <p:cNvPr id="1" name="Shape 157"/>
         <p:cNvGrpSpPr/>
         <p:nvPr/>
       </p:nvGrpSpPr>
@@ -11005,7 +10977,9 @@
       <p:sp>
         <p:nvSpPr>
           <p:cNvPr id="158" name="Google Shape;158;p17"/>
-          <p:cNvSpPr txBox="1"/>
+          <p:cNvSpPr txBox="1">
+            <a:spLocks noGrp="1"/>
+          </p:cNvSpPr>
           <p:nvPr>
             <p:ph type="title"/>
           </p:nvPr>
@@ -11020,12 +10994,12 @@
           </a:prstGeom>
         </p:spPr>
         <p:txBody>
-          <a:bodyPr anchorCtr="0" anchor="t" bIns="91425" lIns="91425" spcFirstLastPara="1" rIns="91425" wrap="square" tIns="91425">
+          <a:bodyPr spcFirstLastPara="1" wrap="square" lIns="91425" tIns="91425" rIns="91425" bIns="91425" anchor="t" anchorCtr="0">
             <a:normAutofit/>
           </a:bodyPr>
           <a:lstStyle/>
           <a:p>
-            <a:pPr indent="0" lvl="0" marL="0" rtl="0" algn="l">
+            <a:pPr marL="0" lvl="0" indent="0" algn="l" rtl="0">
               <a:spcBef>
                 <a:spcPts val="0"/>
               </a:spcBef>
@@ -11045,9 +11019,11 @@
       <p:sp>
         <p:nvSpPr>
           <p:cNvPr id="159" name="Google Shape;159;p17"/>
-          <p:cNvSpPr txBox="1"/>
+          <p:cNvSpPr txBox="1">
+            <a:spLocks noGrp="1"/>
+          </p:cNvSpPr>
           <p:nvPr>
-            <p:ph idx="1" type="body"/>
+            <p:ph type="body" idx="1"/>
           </p:nvPr>
         </p:nvSpPr>
         <p:spPr>
@@ -11060,12 +11036,12 @@
           </a:prstGeom>
         </p:spPr>
         <p:txBody>
-          <a:bodyPr anchorCtr="0" anchor="t" bIns="91425" lIns="91425" spcFirstLastPara="1" rIns="91425" wrap="square" tIns="91425">
+          <a:bodyPr spcFirstLastPara="1" wrap="square" lIns="91425" tIns="91425" rIns="91425" bIns="91425" anchor="t" anchorCtr="0">
             <a:normAutofit/>
           </a:bodyPr>
           <a:lstStyle/>
           <a:p>
-            <a:pPr indent="0" lvl="0" marL="0" rtl="0" algn="l">
+            <a:pPr marL="0" lvl="0" indent="0" algn="l" rtl="0">
               <a:spcBef>
                 <a:spcPts val="0"/>
               </a:spcBef>
@@ -11081,7 +11057,7 @@
             <a:endParaRPr sz="1500"/>
           </a:p>
           <a:p>
-            <a:pPr indent="-323850" lvl="0" marL="457200" rtl="0" algn="l">
+            <a:pPr marL="457200" lvl="0" indent="-323850" algn="l" rtl="0">
               <a:spcBef>
                 <a:spcPts val="1200"/>
               </a:spcBef>
@@ -11098,7 +11074,7 @@
             <a:endParaRPr sz="1500"/>
           </a:p>
           <a:p>
-            <a:pPr indent="-323850" lvl="0" marL="457200" rtl="0" algn="l">
+            <a:pPr marL="457200" lvl="0" indent="-323850" algn="l" rtl="0">
               <a:spcBef>
                 <a:spcPts val="0"/>
               </a:spcBef>
@@ -11115,7 +11091,7 @@
             <a:endParaRPr sz="1500"/>
           </a:p>
           <a:p>
-            <a:pPr indent="-323850" lvl="0" marL="457200" rtl="0" algn="l">
+            <a:pPr marL="457200" lvl="0" indent="-323850" algn="l" rtl="0">
               <a:spcBef>
                 <a:spcPts val="0"/>
               </a:spcBef>
@@ -11132,7 +11108,7 @@
             <a:endParaRPr sz="1500"/>
           </a:p>
           <a:p>
-            <a:pPr indent="0" lvl="0" marL="0" rtl="0" algn="l">
+            <a:pPr marL="0" lvl="0" indent="0" algn="l" rtl="0">
               <a:spcBef>
                 <a:spcPts val="1200"/>
               </a:spcBef>
@@ -11141,9 +11117,6 @@
               </a:spcAft>
               <a:buNone/>
             </a:pPr>
-            <a:r>
-              <a:t/>
-            </a:r>
             <a:endParaRPr sz="1500"/>
           </a:p>
         </p:txBody>
@@ -11157,11 +11130,11 @@
 </file>
 
 <file path=ppt/slides/slide6.xml><?xml version="1.0" encoding="utf-8"?>
-<p:sld xmlns:a="http://schemas.openxmlformats.org/drawingml/2006/main" xmlns:r="http://schemas.openxmlformats.org/officeDocument/2006/relationships" xmlns:mc="http://schemas.openxmlformats.org/markup-compatibility/2006" xmlns:mv="urn:schemas-microsoft-com:mac:vml" xmlns:p="http://schemas.openxmlformats.org/presentationml/2006/main" xmlns:c="http://schemas.openxmlformats.org/drawingml/2006/chart" xmlns:dgm="http://schemas.openxmlformats.org/drawingml/2006/diagram" xmlns:o="urn:schemas-microsoft-com:office:office" xmlns:v="urn:schemas-microsoft-com:vml" xmlns:pvml="urn:schemas-microsoft-com:office:powerpoint" xmlns:com="http://schemas.openxmlformats.org/drawingml/2006/compatibility" xmlns:p14="http://schemas.microsoft.com/office/powerpoint/2010/main" xmlns:p15="http://schemas.microsoft.com/office/powerpoint/2012/main" xmlns:ahyp="http://schemas.microsoft.com/office/drawing/2018/hyperlinkcolor">
+<p:sld xmlns:a="http://schemas.openxmlformats.org/drawingml/2006/main" xmlns:r="http://schemas.openxmlformats.org/officeDocument/2006/relationships" xmlns:p="http://schemas.openxmlformats.org/presentationml/2006/main">
   <p:cSld>
     <p:spTree>
       <p:nvGrpSpPr>
-        <p:cNvPr id="163" name="Shape 163"/>
+        <p:cNvPr id="1" name="Shape 163"/>
         <p:cNvGrpSpPr/>
         <p:nvPr/>
       </p:nvGrpSpPr>
@@ -11176,7 +11149,9 @@
       <p:sp>
         <p:nvSpPr>
           <p:cNvPr id="164" name="Google Shape;164;p18"/>
-          <p:cNvSpPr txBox="1"/>
+          <p:cNvSpPr txBox="1">
+            <a:spLocks noGrp="1"/>
+          </p:cNvSpPr>
           <p:nvPr>
             <p:ph type="title"/>
           </p:nvPr>
@@ -11191,12 +11166,12 @@
           </a:prstGeom>
         </p:spPr>
         <p:txBody>
-          <a:bodyPr anchorCtr="0" anchor="t" bIns="91425" lIns="91425" spcFirstLastPara="1" rIns="91425" wrap="square" tIns="91425">
+          <a:bodyPr spcFirstLastPara="1" wrap="square" lIns="91425" tIns="91425" rIns="91425" bIns="91425" anchor="t" anchorCtr="0">
             <a:normAutofit/>
           </a:bodyPr>
           <a:lstStyle/>
           <a:p>
-            <a:pPr indent="0" lvl="0" marL="0" rtl="0" algn="l">
+            <a:pPr marL="0" lvl="0" indent="0" algn="l" rtl="0">
               <a:spcBef>
                 <a:spcPts val="0"/>
               </a:spcBef>
@@ -11216,9 +11191,11 @@
       <p:sp>
         <p:nvSpPr>
           <p:cNvPr id="165" name="Google Shape;165;p18"/>
-          <p:cNvSpPr txBox="1"/>
+          <p:cNvSpPr txBox="1">
+            <a:spLocks noGrp="1"/>
+          </p:cNvSpPr>
           <p:nvPr>
-            <p:ph idx="1" type="body"/>
+            <p:ph type="body" idx="1"/>
           </p:nvPr>
         </p:nvSpPr>
         <p:spPr>
@@ -11231,12 +11208,12 @@
           </a:prstGeom>
         </p:spPr>
         <p:txBody>
-          <a:bodyPr anchorCtr="0" anchor="t" bIns="91425" lIns="91425" spcFirstLastPara="1" rIns="91425" wrap="square" tIns="91425">
+          <a:bodyPr spcFirstLastPara="1" wrap="square" lIns="91425" tIns="91425" rIns="91425" bIns="91425" anchor="t" anchorCtr="0">
             <a:normAutofit/>
           </a:bodyPr>
           <a:lstStyle/>
           <a:p>
-            <a:pPr indent="0" lvl="0" marL="0" rtl="0" algn="just">
+            <a:pPr marL="0" lvl="0" indent="0" algn="just" rtl="0">
               <a:spcBef>
                 <a:spcPts val="0"/>
               </a:spcBef>
@@ -11246,25 +11223,21 @@
               <a:buNone/>
             </a:pPr>
             <a:r>
-              <a:rPr lang="ru" sz="1500"/>
-              <a:t>Чтобы отправить решение, вам необходимо авторизоваться в системе. Вы можете зарегистрироваться или войти в существующий аккаунт и отправить решение. Система автоматически проверит ваше решение и сообщит вердикт, максимально </a:t>
+              <a:rPr lang="ru" sz="1500" dirty="0"/>
+              <a:t>Чтобы отправить решение, вам необходимо авторизоваться в системе. Вы можете зарегистрироваться или войти в существующий аккаунт и отправить решение. Система автоматически проверит ваше решение и сообщит вердикт, максимально использованное время и максимальное количество используемой памяти. Как и говорилось ранее, одним из плюсов системы является то, что она хорошо оптимизирована - она быстро тестирует решение и выносит вердикт, даже если процессор </a:t>
             </a:r>
             <a:r>
-              <a:rPr lang="ru" sz="1500"/>
-              <a:t>использованное</a:t>
+              <a:rPr lang="ru" sz="1500" dirty="0" smtClean="0"/>
+              <a:t>сервера медленный</a:t>
             </a:r>
             <a:r>
-              <a:rPr lang="ru" sz="1500"/>
-              <a:t> время и максимальное количество используемой памяти. Как и говорилось ранее, о</a:t>
+              <a:rPr lang="ru" sz="1500" dirty="0"/>
+              <a:t>.</a:t>
             </a:r>
-            <a:r>
-              <a:rPr lang="ru" sz="1500"/>
-              <a:t>дним из плюсов системы является то, что она хорошо оптимизирована - она быстро тестирует решение и выносит вердикт, даже если процессор вашего компьютера медленный.</a:t>
-            </a:r>
-            <a:endParaRPr sz="1500"/>
+            <a:endParaRPr sz="1500" dirty="0"/>
           </a:p>
           <a:p>
-            <a:pPr indent="0" lvl="0" marL="0" rtl="0" algn="just">
+            <a:pPr marL="0" lvl="0" indent="0" algn="just" rtl="0">
               <a:lnSpc>
                 <a:spcPct val="115000"/>
               </a:lnSpc>
@@ -11277,21 +11250,21 @@
               <a:buNone/>
             </a:pPr>
             <a:r>
-              <a:rPr lang="ru" sz="1500">
+              <a:rPr lang="ru" sz="1500" dirty="0">
                 <a:solidFill>
                   <a:srgbClr val="FFFFFF"/>
                 </a:solidFill>
               </a:rPr>
               <a:t>Также, у каждой задачи есть разбор и решение на языке C++.</a:t>
             </a:r>
-            <a:endParaRPr sz="1500">
+            <a:endParaRPr sz="1500" dirty="0">
               <a:solidFill>
                 <a:srgbClr val="FFFFFF"/>
               </a:solidFill>
             </a:endParaRPr>
           </a:p>
           <a:p>
-            <a:pPr indent="0" lvl="0" marL="0" rtl="0" algn="just">
+            <a:pPr marL="0" lvl="0" indent="0" algn="just" rtl="0">
               <a:lnSpc>
                 <a:spcPct val="115000"/>
               </a:lnSpc>
@@ -11304,14 +11277,14 @@
               <a:buNone/>
             </a:pPr>
             <a:r>
-              <a:rPr lang="ru" sz="1500">
+              <a:rPr lang="ru" sz="1500" dirty="0">
                 <a:solidFill>
                   <a:srgbClr val="FFFFFF"/>
                 </a:solidFill>
               </a:rPr>
               <a:t>Администраторы могут добавлять новые задачи.</a:t>
             </a:r>
-            <a:endParaRPr sz="1500"/>
+            <a:endParaRPr sz="1500" dirty="0"/>
           </a:p>
         </p:txBody>
       </p:sp>
@@ -11324,11 +11297,11 @@
 </file>
 
 <file path=ppt/slides/slide7.xml><?xml version="1.0" encoding="utf-8"?>
-<p:sld xmlns:a="http://schemas.openxmlformats.org/drawingml/2006/main" xmlns:r="http://schemas.openxmlformats.org/officeDocument/2006/relationships" xmlns:mc="http://schemas.openxmlformats.org/markup-compatibility/2006" xmlns:mv="urn:schemas-microsoft-com:mac:vml" xmlns:p="http://schemas.openxmlformats.org/presentationml/2006/main" xmlns:c="http://schemas.openxmlformats.org/drawingml/2006/chart" xmlns:dgm="http://schemas.openxmlformats.org/drawingml/2006/diagram" xmlns:o="urn:schemas-microsoft-com:office:office" xmlns:v="urn:schemas-microsoft-com:vml" xmlns:pvml="urn:schemas-microsoft-com:office:powerpoint" xmlns:com="http://schemas.openxmlformats.org/drawingml/2006/compatibility" xmlns:p14="http://schemas.microsoft.com/office/powerpoint/2010/main" xmlns:p15="http://schemas.microsoft.com/office/powerpoint/2012/main" xmlns:ahyp="http://schemas.microsoft.com/office/drawing/2018/hyperlinkcolor">
+<p:sld xmlns:a="http://schemas.openxmlformats.org/drawingml/2006/main" xmlns:r="http://schemas.openxmlformats.org/officeDocument/2006/relationships" xmlns:p="http://schemas.openxmlformats.org/presentationml/2006/main">
   <p:cSld>
     <p:spTree>
       <p:nvGrpSpPr>
-        <p:cNvPr id="169" name="Shape 169"/>
+        <p:cNvPr id="1" name="Shape 169"/>
         <p:cNvGrpSpPr/>
         <p:nvPr/>
       </p:nvGrpSpPr>
@@ -11343,7 +11316,9 @@
       <p:sp>
         <p:nvSpPr>
           <p:cNvPr id="170" name="Google Shape;170;p19"/>
-          <p:cNvSpPr txBox="1"/>
+          <p:cNvSpPr txBox="1">
+            <a:spLocks noGrp="1"/>
+          </p:cNvSpPr>
           <p:nvPr>
             <p:ph type="title"/>
           </p:nvPr>
@@ -11358,12 +11333,12 @@
           </a:prstGeom>
         </p:spPr>
         <p:txBody>
-          <a:bodyPr anchorCtr="0" anchor="t" bIns="91425" lIns="91425" spcFirstLastPara="1" rIns="91425" wrap="square" tIns="91425">
+          <a:bodyPr spcFirstLastPara="1" wrap="square" lIns="91425" tIns="91425" rIns="91425" bIns="91425" anchor="t" anchorCtr="0">
             <a:normAutofit/>
           </a:bodyPr>
           <a:lstStyle/>
           <a:p>
-            <a:pPr indent="0" lvl="0" marL="0" rtl="0" algn="l">
+            <a:pPr marL="0" lvl="0" indent="0" algn="l" rtl="0">
               <a:spcBef>
                 <a:spcPts val="0"/>
               </a:spcBef>
@@ -11383,9 +11358,11 @@
       <p:sp>
         <p:nvSpPr>
           <p:cNvPr id="171" name="Google Shape;171;p19"/>
-          <p:cNvSpPr txBox="1"/>
+          <p:cNvSpPr txBox="1">
+            <a:spLocks noGrp="1"/>
+          </p:cNvSpPr>
           <p:nvPr>
-            <p:ph idx="1" type="body"/>
+            <p:ph type="body" idx="1"/>
           </p:nvPr>
         </p:nvSpPr>
         <p:spPr>
@@ -11398,12 +11375,12 @@
           </a:prstGeom>
         </p:spPr>
         <p:txBody>
-          <a:bodyPr anchorCtr="0" anchor="t" bIns="91425" lIns="91425" spcFirstLastPara="1" rIns="91425" wrap="square" tIns="91425">
+          <a:bodyPr spcFirstLastPara="1" wrap="square" lIns="91425" tIns="91425" rIns="91425" bIns="91425" anchor="t" anchorCtr="0">
             <a:normAutofit lnSpcReduction="10000"/>
           </a:bodyPr>
           <a:lstStyle/>
           <a:p>
-            <a:pPr indent="0" lvl="0" marL="0" rtl="0" algn="just">
+            <a:pPr marL="0" lvl="0" indent="0" algn="just" rtl="0">
               <a:spcBef>
                 <a:spcPts val="0"/>
               </a:spcBef>
@@ -11419,7 +11396,7 @@
             <a:endParaRPr sz="1500"/>
           </a:p>
           <a:p>
-            <a:pPr indent="0" lvl="0" marL="0" rtl="0" algn="just">
+            <a:pPr marL="0" lvl="0" indent="0" algn="just" rtl="0">
               <a:spcBef>
                 <a:spcPts val="1200"/>
               </a:spcBef>
@@ -11435,7 +11412,7 @@
             <a:endParaRPr sz="1500"/>
           </a:p>
           <a:p>
-            <a:pPr indent="-323850" lvl="0" marL="457200" rtl="0" algn="just">
+            <a:pPr marL="457200" lvl="0" indent="-323850" algn="just" rtl="0">
               <a:spcBef>
                 <a:spcPts val="1200"/>
               </a:spcBef>
@@ -11452,7 +11429,7 @@
             <a:endParaRPr sz="1500"/>
           </a:p>
           <a:p>
-            <a:pPr indent="-323850" lvl="0" marL="457200" rtl="0" algn="just">
+            <a:pPr marL="457200" lvl="0" indent="-323850" algn="just" rtl="0">
               <a:spcBef>
                 <a:spcPts val="0"/>
               </a:spcBef>
@@ -11469,7 +11446,7 @@
             <a:endParaRPr sz="1500"/>
           </a:p>
           <a:p>
-            <a:pPr indent="0" lvl="0" marL="0" rtl="0" algn="just">
+            <a:pPr marL="0" lvl="0" indent="0" algn="just" rtl="0">
               <a:lnSpc>
                 <a:spcPct val="115000"/>
               </a:lnSpc>
@@ -11502,11 +11479,11 @@
 </file>
 
 <file path=ppt/slides/slide8.xml><?xml version="1.0" encoding="utf-8"?>
-<p:sld xmlns:a="http://schemas.openxmlformats.org/drawingml/2006/main" xmlns:r="http://schemas.openxmlformats.org/officeDocument/2006/relationships" xmlns:mc="http://schemas.openxmlformats.org/markup-compatibility/2006" xmlns:mv="urn:schemas-microsoft-com:mac:vml" xmlns:p="http://schemas.openxmlformats.org/presentationml/2006/main" xmlns:c="http://schemas.openxmlformats.org/drawingml/2006/chart" xmlns:dgm="http://schemas.openxmlformats.org/drawingml/2006/diagram" xmlns:o="urn:schemas-microsoft-com:office:office" xmlns:v="urn:schemas-microsoft-com:vml" xmlns:pvml="urn:schemas-microsoft-com:office:powerpoint" xmlns:com="http://schemas.openxmlformats.org/drawingml/2006/compatibility" xmlns:p14="http://schemas.microsoft.com/office/powerpoint/2010/main" xmlns:p15="http://schemas.microsoft.com/office/powerpoint/2012/main" xmlns:ahyp="http://schemas.microsoft.com/office/drawing/2018/hyperlinkcolor">
+<p:sld xmlns:a="http://schemas.openxmlformats.org/drawingml/2006/main" xmlns:r="http://schemas.openxmlformats.org/officeDocument/2006/relationships" xmlns:p="http://schemas.openxmlformats.org/presentationml/2006/main">
   <p:cSld>
     <p:spTree>
       <p:nvGrpSpPr>
-        <p:cNvPr id="175" name="Shape 175"/>
+        <p:cNvPr id="1" name="Shape 175"/>
         <p:cNvGrpSpPr/>
         <p:nvPr/>
       </p:nvGrpSpPr>
@@ -11521,7 +11498,9 @@
       <p:sp>
         <p:nvSpPr>
           <p:cNvPr id="176" name="Google Shape;176;p20"/>
-          <p:cNvSpPr txBox="1"/>
+          <p:cNvSpPr txBox="1">
+            <a:spLocks noGrp="1"/>
+          </p:cNvSpPr>
           <p:nvPr>
             <p:ph type="title"/>
           </p:nvPr>
@@ -11536,12 +11515,12 @@
           </a:prstGeom>
         </p:spPr>
         <p:txBody>
-          <a:bodyPr anchorCtr="0" anchor="t" bIns="91425" lIns="91425" spcFirstLastPara="1" rIns="91425" wrap="square" tIns="91425">
+          <a:bodyPr spcFirstLastPara="1" wrap="square" lIns="91425" tIns="91425" rIns="91425" bIns="91425" anchor="t" anchorCtr="0">
             <a:normAutofit/>
           </a:bodyPr>
           <a:lstStyle/>
           <a:p>
-            <a:pPr indent="0" lvl="0" marL="0" rtl="0" algn="l">
+            <a:pPr marL="0" lvl="0" indent="0" algn="l" rtl="0">
               <a:spcBef>
                 <a:spcPts val="0"/>
               </a:spcBef>
@@ -11561,9 +11540,11 @@
       <p:sp>
         <p:nvSpPr>
           <p:cNvPr id="177" name="Google Shape;177;p20"/>
-          <p:cNvSpPr txBox="1"/>
+          <p:cNvSpPr txBox="1">
+            <a:spLocks noGrp="1"/>
+          </p:cNvSpPr>
           <p:nvPr>
-            <p:ph idx="1" type="body"/>
+            <p:ph type="body" idx="1"/>
           </p:nvPr>
         </p:nvSpPr>
         <p:spPr>
@@ -11576,12 +11557,12 @@
           </a:prstGeom>
         </p:spPr>
         <p:txBody>
-          <a:bodyPr anchorCtr="0" anchor="t" bIns="91425" lIns="91425" spcFirstLastPara="1" rIns="91425" wrap="square" tIns="91425">
+          <a:bodyPr spcFirstLastPara="1" wrap="square" lIns="91425" tIns="91425" rIns="91425" bIns="91425" anchor="t" anchorCtr="0">
             <a:normAutofit/>
           </a:bodyPr>
           <a:lstStyle/>
           <a:p>
-            <a:pPr indent="0" lvl="0" marL="0" rtl="0" algn="l">
+            <a:pPr marL="0" lvl="0" indent="0" algn="l" rtl="0">
               <a:spcBef>
                 <a:spcPts val="0"/>
               </a:spcBef>
@@ -11597,7 +11578,7 @@
             <a:endParaRPr sz="1500"/>
           </a:p>
           <a:p>
-            <a:pPr indent="0" lvl="0" marL="0" rtl="0" algn="l">
+            <a:pPr marL="0" lvl="0" indent="0" algn="l" rtl="0">
               <a:spcBef>
                 <a:spcPts val="1200"/>
               </a:spcBef>
@@ -11613,7 +11594,7 @@
             <a:endParaRPr sz="1500"/>
           </a:p>
           <a:p>
-            <a:pPr indent="0" lvl="0" marL="0" rtl="0" algn="l">
+            <a:pPr marL="0" lvl="0" indent="0" algn="l" rtl="0">
               <a:spcBef>
                 <a:spcPts val="1200"/>
               </a:spcBef>
@@ -11639,11 +11620,11 @@
 </file>
 
 <file path=ppt/slides/slide9.xml><?xml version="1.0" encoding="utf-8"?>
-<p:sld xmlns:a="http://schemas.openxmlformats.org/drawingml/2006/main" xmlns:r="http://schemas.openxmlformats.org/officeDocument/2006/relationships" xmlns:mc="http://schemas.openxmlformats.org/markup-compatibility/2006" xmlns:mv="urn:schemas-microsoft-com:mac:vml" xmlns:p="http://schemas.openxmlformats.org/presentationml/2006/main" xmlns:c="http://schemas.openxmlformats.org/drawingml/2006/chart" xmlns:dgm="http://schemas.openxmlformats.org/drawingml/2006/diagram" xmlns:o="urn:schemas-microsoft-com:office:office" xmlns:v="urn:schemas-microsoft-com:vml" xmlns:pvml="urn:schemas-microsoft-com:office:powerpoint" xmlns:com="http://schemas.openxmlformats.org/drawingml/2006/compatibility" xmlns:p14="http://schemas.microsoft.com/office/powerpoint/2010/main" xmlns:p15="http://schemas.microsoft.com/office/powerpoint/2012/main" xmlns:ahyp="http://schemas.microsoft.com/office/drawing/2018/hyperlinkcolor">
+<p:sld xmlns:a="http://schemas.openxmlformats.org/drawingml/2006/main" xmlns:r="http://schemas.openxmlformats.org/officeDocument/2006/relationships" xmlns:p="http://schemas.openxmlformats.org/presentationml/2006/main">
   <p:cSld>
     <p:spTree>
       <p:nvGrpSpPr>
-        <p:cNvPr id="181" name="Shape 181"/>
+        <p:cNvPr id="1" name="Shape 181"/>
         <p:cNvGrpSpPr/>
         <p:nvPr/>
       </p:nvGrpSpPr>
@@ -11658,7 +11639,9 @@
       <p:sp>
         <p:nvSpPr>
           <p:cNvPr id="182" name="Google Shape;182;p21"/>
-          <p:cNvSpPr txBox="1"/>
+          <p:cNvSpPr txBox="1">
+            <a:spLocks noGrp="1"/>
+          </p:cNvSpPr>
           <p:nvPr>
             <p:ph type="title"/>
           </p:nvPr>
@@ -11673,12 +11656,12 @@
           </a:prstGeom>
         </p:spPr>
         <p:txBody>
-          <a:bodyPr anchorCtr="0" anchor="t" bIns="91425" lIns="91425" spcFirstLastPara="1" rIns="91425" wrap="square" tIns="91425">
+          <a:bodyPr spcFirstLastPara="1" wrap="square" lIns="91425" tIns="91425" rIns="91425" bIns="91425" anchor="t" anchorCtr="0">
             <a:normAutofit/>
           </a:bodyPr>
           <a:lstStyle/>
           <a:p>
-            <a:pPr indent="0" lvl="0" marL="0" rtl="0" algn="l">
+            <a:pPr marL="0" lvl="0" indent="0" algn="l" rtl="0">
               <a:spcBef>
                 <a:spcPts val="0"/>
               </a:spcBef>
@@ -11698,9 +11681,11 @@
       <p:sp>
         <p:nvSpPr>
           <p:cNvPr id="183" name="Google Shape;183;p21"/>
-          <p:cNvSpPr txBox="1"/>
+          <p:cNvSpPr txBox="1">
+            <a:spLocks noGrp="1"/>
+          </p:cNvSpPr>
           <p:nvPr>
-            <p:ph idx="1" type="body"/>
+            <p:ph type="body" idx="1"/>
           </p:nvPr>
         </p:nvSpPr>
         <p:spPr>
@@ -11713,12 +11698,12 @@
           </a:prstGeom>
         </p:spPr>
         <p:txBody>
-          <a:bodyPr anchorCtr="0" anchor="t" bIns="91425" lIns="91425" spcFirstLastPara="1" rIns="91425" wrap="square" tIns="91425">
+          <a:bodyPr spcFirstLastPara="1" wrap="square" lIns="91425" tIns="91425" rIns="91425" bIns="91425" anchor="t" anchorCtr="0">
             <a:normAutofit/>
           </a:bodyPr>
           <a:lstStyle/>
           <a:p>
-            <a:pPr indent="0" lvl="0" marL="0" rtl="0" algn="l">
+            <a:pPr marL="0" lvl="0" indent="0" algn="l" rtl="0">
               <a:spcBef>
                 <a:spcPts val="0"/>
               </a:spcBef>
@@ -11734,7 +11719,7 @@
             <a:endParaRPr sz="1500"/>
           </a:p>
           <a:p>
-            <a:pPr indent="-323850" lvl="0" marL="457200" rtl="0" algn="l">
+            <a:pPr marL="457200" lvl="0" indent="-323850" algn="l" rtl="0">
               <a:spcBef>
                 <a:spcPts val="1200"/>
               </a:spcBef>
@@ -11751,7 +11736,7 @@
             <a:endParaRPr sz="1500"/>
           </a:p>
           <a:p>
-            <a:pPr indent="-323850" lvl="0" marL="457200" rtl="0" algn="l">
+            <a:pPr marL="457200" lvl="0" indent="-323850" algn="l" rtl="0">
               <a:spcBef>
                 <a:spcPts val="0"/>
               </a:spcBef>
@@ -11768,7 +11753,7 @@
             <a:endParaRPr sz="1500"/>
           </a:p>
           <a:p>
-            <a:pPr indent="-323850" lvl="0" marL="457200" rtl="0" algn="l">
+            <a:pPr marL="457200" lvl="0" indent="-323850" algn="l" rtl="0">
               <a:spcBef>
                 <a:spcPts val="0"/>
               </a:spcBef>
@@ -11785,7 +11770,7 @@
             <a:endParaRPr sz="1500"/>
           </a:p>
           <a:p>
-            <a:pPr indent="-323850" lvl="0" marL="457200" rtl="0" algn="l">
+            <a:pPr marL="457200" lvl="0" indent="-323850" algn="l" rtl="0">
               <a:spcBef>
                 <a:spcPts val="0"/>
               </a:spcBef>
@@ -11802,7 +11787,7 @@
             <a:endParaRPr sz="1500"/>
           </a:p>
           <a:p>
-            <a:pPr indent="0" lvl="0" marL="0" rtl="0" algn="l">
+            <a:pPr marL="0" lvl="0" indent="0" algn="l" rtl="0">
               <a:spcBef>
                 <a:spcPts val="1200"/>
               </a:spcBef>
@@ -11831,7 +11816,7 @@
             <a:endParaRPr sz="1500"/>
           </a:p>
           <a:p>
-            <a:pPr indent="0" lvl="0" marL="0" rtl="0" algn="l">
+            <a:pPr marL="0" lvl="0" indent="0" algn="l" rtl="0">
               <a:spcBef>
                 <a:spcPts val="1200"/>
               </a:spcBef>
@@ -11840,9 +11825,6 @@
               </a:spcAft>
               <a:buNone/>
             </a:pPr>
-            <a:r>
-              <a:t/>
-            </a:r>
             <a:endParaRPr sz="1500"/>
           </a:p>
         </p:txBody>
@@ -11856,7 +11838,7 @@
 </file>
 
 <file path=ppt/theme/theme1.xml><?xml version="1.0" encoding="utf-8"?>
-<a:theme xmlns:a="http://schemas.openxmlformats.org/drawingml/2006/main" xmlns:r="http://schemas.openxmlformats.org/officeDocument/2006/relationships" name="Focus">
+<a:theme xmlns:a="http://schemas.openxmlformats.org/drawingml/2006/main" name="Focus">
   <a:themeElements>
     <a:clrScheme name="Focus">
       <a:dk1>
@@ -12131,11 +12113,13 @@
       </a:bgFillStyleLst>
     </a:fmtScheme>
   </a:themeElements>
+  <a:objectDefaults/>
+  <a:extraClrSchemeLst/>
 </a:theme>
 </file>
 
 <file path=ppt/theme/theme2.xml><?xml version="1.0" encoding="utf-8"?>
-<a:theme xmlns:a="http://schemas.openxmlformats.org/drawingml/2006/main" xmlns:r="http://schemas.openxmlformats.org/officeDocument/2006/relationships">
+<a:theme xmlns:a="http://schemas.openxmlformats.org/drawingml/2006/main">
   <a:themeElements>
     <a:clrScheme name="Default">
       <a:dk1>
@@ -12410,5 +12394,7 @@
       </a:bgFillStyleLst>
     </a:fmtScheme>
   </a:themeElements>
+  <a:objectDefaults/>
+  <a:extraClrSchemeLst/>
 </a:theme>
 </file>